--- a/Docs/UI Work.pptx
+++ b/Docs/UI Work.pptx
@@ -20,16 +20,21 @@
     <p:sldId id="268" r:id="rId14"/>
     <p:sldId id="269" r:id="rId15"/>
     <p:sldId id="270" r:id="rId16"/>
-    <p:sldId id="271" r:id="rId17"/>
-    <p:sldId id="272" r:id="rId18"/>
-    <p:sldId id="273" r:id="rId19"/>
-    <p:sldId id="274" r:id="rId20"/>
-    <p:sldId id="275" r:id="rId21"/>
-    <p:sldId id="276" r:id="rId22"/>
-    <p:sldId id="277" r:id="rId23"/>
-    <p:sldId id="278" r:id="rId24"/>
-    <p:sldId id="279" r:id="rId25"/>
-    <p:sldId id="280" r:id="rId26"/>
+    <p:sldId id="282" r:id="rId17"/>
+    <p:sldId id="284" r:id="rId18"/>
+    <p:sldId id="283" r:id="rId19"/>
+    <p:sldId id="285" r:id="rId20"/>
+    <p:sldId id="286" r:id="rId21"/>
+    <p:sldId id="271" r:id="rId22"/>
+    <p:sldId id="272" r:id="rId23"/>
+    <p:sldId id="273" r:id="rId24"/>
+    <p:sldId id="274" r:id="rId25"/>
+    <p:sldId id="275" r:id="rId26"/>
+    <p:sldId id="276" r:id="rId27"/>
+    <p:sldId id="277" r:id="rId28"/>
+    <p:sldId id="278" r:id="rId29"/>
+    <p:sldId id="279" r:id="rId30"/>
+    <p:sldId id="280" r:id="rId31"/>
   </p:sldIdLst>
   <p:sldSz cx="12192000" cy="6858000"/>
   <p:notesSz cx="6858000" cy="9144000"/>
@@ -138,6 +143,144 @@
 
 <file path=ppt/changesInfos/changesInfo1.xml><?xml version="1.0" encoding="utf-8"?>
 <pc:chgInfo xmlns:a="http://schemas.openxmlformats.org/drawingml/2006/main" xmlns:r="http://schemas.openxmlformats.org/officeDocument/2006/relationships" xmlns:ac="http://schemas.microsoft.com/office/drawing/2013/main/command" xmlns:pc="http://schemas.microsoft.com/office/powerpoint/2013/main/command">
+  <pc:docChgLst>
+    <pc:chgData name="Andy Larkman" userId="2da26f2e4321c6c2" providerId="LiveId" clId="{011D6294-EEDB-4A63-B2E0-7A95F87567C2}"/>
+    <pc:docChg chg="modSld">
+      <pc:chgData name="Andy Larkman" userId="2da26f2e4321c6c2" providerId="LiveId" clId="{011D6294-EEDB-4A63-B2E0-7A95F87567C2}" dt="2025-09-12T10:38:10.098" v="1" actId="22"/>
+      <pc:docMkLst>
+        <pc:docMk/>
+      </pc:docMkLst>
+      <pc:sldChg chg="addSp mod">
+        <pc:chgData name="Andy Larkman" userId="2da26f2e4321c6c2" providerId="LiveId" clId="{011D6294-EEDB-4A63-B2E0-7A95F87567C2}" dt="2025-09-12T10:37:52.568" v="0" actId="22"/>
+        <pc:sldMkLst>
+          <pc:docMk/>
+          <pc:sldMk cId="1739857644" sldId="265"/>
+        </pc:sldMkLst>
+        <pc:picChg chg="add">
+          <ac:chgData name="Andy Larkman" userId="2da26f2e4321c6c2" providerId="LiveId" clId="{011D6294-EEDB-4A63-B2E0-7A95F87567C2}" dt="2025-09-12T10:37:52.568" v="0" actId="22"/>
+          <ac:picMkLst>
+            <pc:docMk/>
+            <pc:sldMk cId="1739857644" sldId="265"/>
+            <ac:picMk id="3" creationId="{8E17ABA5-EB81-1B76-65F5-5771C5359A11}"/>
+          </ac:picMkLst>
+        </pc:picChg>
+      </pc:sldChg>
+      <pc:sldChg chg="addSp mod">
+        <pc:chgData name="Andy Larkman" userId="2da26f2e4321c6c2" providerId="LiveId" clId="{011D6294-EEDB-4A63-B2E0-7A95F87567C2}" dt="2025-09-12T10:38:10.098" v="1" actId="22"/>
+        <pc:sldMkLst>
+          <pc:docMk/>
+          <pc:sldMk cId="4049805621" sldId="266"/>
+        </pc:sldMkLst>
+        <pc:picChg chg="add">
+          <ac:chgData name="Andy Larkman" userId="2da26f2e4321c6c2" providerId="LiveId" clId="{011D6294-EEDB-4A63-B2E0-7A95F87567C2}" dt="2025-09-12T10:38:10.098" v="1" actId="22"/>
+          <ac:picMkLst>
+            <pc:docMk/>
+            <pc:sldMk cId="4049805621" sldId="266"/>
+            <ac:picMk id="3" creationId="{FBC7FE6D-CDAB-1AF2-7FB2-5B1392861C3B}"/>
+          </ac:picMkLst>
+        </pc:picChg>
+      </pc:sldChg>
+    </pc:docChg>
+  </pc:docChgLst>
+  <pc:docChgLst>
+    <pc:chgData name="Andy Larkman" userId="2da26f2e4321c6c2" providerId="LiveId" clId="{B71A7C82-798A-48DC-9B06-FCEE167E4A24}"/>
+    <pc:docChg chg="custSel addSld delSld modSld sldOrd">
+      <pc:chgData name="Andy Larkman" userId="2da26f2e4321c6c2" providerId="LiveId" clId="{B71A7C82-798A-48DC-9B06-FCEE167E4A24}" dt="2025-08-21T21:57:39.428" v="64" actId="22"/>
+      <pc:docMkLst>
+        <pc:docMk/>
+      </pc:docMkLst>
+      <pc:sldChg chg="addSp mod">
+        <pc:chgData name="Andy Larkman" userId="2da26f2e4321c6c2" providerId="LiveId" clId="{B71A7C82-798A-48DC-9B06-FCEE167E4A24}" dt="2025-08-21T08:37:32.906" v="0" actId="22"/>
+        <pc:sldMkLst>
+          <pc:docMk/>
+          <pc:sldMk cId="556942426" sldId="260"/>
+        </pc:sldMkLst>
+        <pc:picChg chg="add">
+          <ac:chgData name="Andy Larkman" userId="2da26f2e4321c6c2" providerId="LiveId" clId="{B71A7C82-798A-48DC-9B06-FCEE167E4A24}" dt="2025-08-21T08:37:32.906" v="0" actId="22"/>
+          <ac:picMkLst>
+            <pc:docMk/>
+            <pc:sldMk cId="556942426" sldId="260"/>
+            <ac:picMk id="3" creationId="{CA1E03BC-08FE-31EA-5D4D-0E59C916A405}"/>
+          </ac:picMkLst>
+        </pc:picChg>
+      </pc:sldChg>
+      <pc:sldChg chg="addSp delSp modSp del mod">
+        <pc:chgData name="Andy Larkman" userId="2da26f2e4321c6c2" providerId="LiveId" clId="{B71A7C82-798A-48DC-9B06-FCEE167E4A24}" dt="2025-08-21T21:19:30.191" v="58" actId="47"/>
+        <pc:sldMkLst>
+          <pc:docMk/>
+          <pc:sldMk cId="1082248428" sldId="261"/>
+        </pc:sldMkLst>
+      </pc:sldChg>
+      <pc:sldChg chg="addSp mod">
+        <pc:chgData name="Andy Larkman" userId="2da26f2e4321c6c2" providerId="LiveId" clId="{B71A7C82-798A-48DC-9B06-FCEE167E4A24}" dt="2025-08-21T09:01:21.602" v="57" actId="22"/>
+        <pc:sldMkLst>
+          <pc:docMk/>
+          <pc:sldMk cId="4134498953" sldId="262"/>
+        </pc:sldMkLst>
+        <pc:picChg chg="add">
+          <ac:chgData name="Andy Larkman" userId="2da26f2e4321c6c2" providerId="LiveId" clId="{B71A7C82-798A-48DC-9B06-FCEE167E4A24}" dt="2025-08-21T09:01:21.602" v="57" actId="22"/>
+          <ac:picMkLst>
+            <pc:docMk/>
+            <pc:sldMk cId="4134498953" sldId="262"/>
+            <ac:picMk id="3" creationId="{5BD3CFED-F21A-6217-629A-69CD13B0D64D}"/>
+          </ac:picMkLst>
+        </pc:picChg>
+      </pc:sldChg>
+      <pc:sldChg chg="addSp modSp mod ord">
+        <pc:chgData name="Andy Larkman" userId="2da26f2e4321c6c2" providerId="LiveId" clId="{B71A7C82-798A-48DC-9B06-FCEE167E4A24}" dt="2025-08-21T21:20:17.855" v="63"/>
+        <pc:sldMkLst>
+          <pc:docMk/>
+          <pc:sldMk cId="1306477680" sldId="263"/>
+        </pc:sldMkLst>
+        <pc:picChg chg="add mod">
+          <ac:chgData name="Andy Larkman" userId="2da26f2e4321c6c2" providerId="LiveId" clId="{B71A7C82-798A-48DC-9B06-FCEE167E4A24}" dt="2025-08-21T21:20:15.083" v="61" actId="14100"/>
+          <ac:picMkLst>
+            <pc:docMk/>
+            <pc:sldMk cId="1306477680" sldId="263"/>
+            <ac:picMk id="3" creationId="{7B0EEBC9-9BD7-352B-9A2B-D455C9CDFA58}"/>
+          </ac:picMkLst>
+        </pc:picChg>
+      </pc:sldChg>
+      <pc:sldChg chg="addSp mod">
+        <pc:chgData name="Andy Larkman" userId="2da26f2e4321c6c2" providerId="LiveId" clId="{B71A7C82-798A-48DC-9B06-FCEE167E4A24}" dt="2025-08-21T21:57:39.428" v="64" actId="22"/>
+        <pc:sldMkLst>
+          <pc:docMk/>
+          <pc:sldMk cId="464445035" sldId="264"/>
+        </pc:sldMkLst>
+        <pc:picChg chg="add">
+          <ac:chgData name="Andy Larkman" userId="2da26f2e4321c6c2" providerId="LiveId" clId="{B71A7C82-798A-48DC-9B06-FCEE167E4A24}" dt="2025-08-21T21:57:39.428" v="64" actId="22"/>
+          <ac:picMkLst>
+            <pc:docMk/>
+            <pc:sldMk cId="464445035" sldId="264"/>
+            <ac:picMk id="3" creationId="{749D5594-346D-9DC9-929D-674AE3738D8D}"/>
+          </ac:picMkLst>
+        </pc:picChg>
+      </pc:sldChg>
+      <pc:sldChg chg="add del">
+        <pc:chgData name="Andy Larkman" userId="2da26f2e4321c6c2" providerId="LiveId" clId="{B71A7C82-798A-48DC-9B06-FCEE167E4A24}" dt="2025-08-21T09:01:18.606" v="56" actId="47"/>
+        <pc:sldMkLst>
+          <pc:docMk/>
+          <pc:sldMk cId="2706599228" sldId="282"/>
+        </pc:sldMkLst>
+      </pc:sldChg>
+    </pc:docChg>
+  </pc:docChgLst>
+  <pc:docChgLst>
+    <pc:chgData name="Andy Larkman" userId="2da26f2e4321c6c2" providerId="LiveId" clId="{AE5B54F1-C8F5-448A-ADA0-38ECB62D068A}"/>
+    <pc:docChg chg="addSld modSld">
+      <pc:chgData name="Andy Larkman" userId="2da26f2e4321c6c2" providerId="LiveId" clId="{AE5B54F1-C8F5-448A-ADA0-38ECB62D068A}" dt="2025-06-12T08:02:17.164" v="1" actId="22"/>
+      <pc:docMkLst>
+        <pc:docMk/>
+      </pc:docMkLst>
+      <pc:sldChg chg="addSp new mod">
+        <pc:chgData name="Andy Larkman" userId="2da26f2e4321c6c2" providerId="LiveId" clId="{AE5B54F1-C8F5-448A-ADA0-38ECB62D068A}" dt="2025-06-12T08:02:17.164" v="1" actId="22"/>
+        <pc:sldMkLst>
+          <pc:docMk/>
+          <pc:sldMk cId="2385937515" sldId="256"/>
+        </pc:sldMkLst>
+      </pc:sldChg>
+    </pc:docChg>
+  </pc:docChgLst>
   <pc:docChgLst>
     <pc:chgData name="Andy Larkman" userId="2da26f2e4321c6c2" providerId="LiveId" clId="{DD57E241-0078-4AE8-9E57-FF82578EE339}"/>
     <pc:docChg chg="custSel addSld delSld modSld sldOrd">
@@ -390,144 +533,6 @@
       </pc:sldChg>
     </pc:docChg>
   </pc:docChgLst>
-  <pc:docChgLst>
-    <pc:chgData name="Andy Larkman" userId="2da26f2e4321c6c2" providerId="LiveId" clId="{011D6294-EEDB-4A63-B2E0-7A95F87567C2}"/>
-    <pc:docChg chg="modSld">
-      <pc:chgData name="Andy Larkman" userId="2da26f2e4321c6c2" providerId="LiveId" clId="{011D6294-EEDB-4A63-B2E0-7A95F87567C2}" dt="2025-09-12T10:38:10.098" v="1" actId="22"/>
-      <pc:docMkLst>
-        <pc:docMk/>
-      </pc:docMkLst>
-      <pc:sldChg chg="addSp mod">
-        <pc:chgData name="Andy Larkman" userId="2da26f2e4321c6c2" providerId="LiveId" clId="{011D6294-EEDB-4A63-B2E0-7A95F87567C2}" dt="2025-09-12T10:37:52.568" v="0" actId="22"/>
-        <pc:sldMkLst>
-          <pc:docMk/>
-          <pc:sldMk cId="1739857644" sldId="265"/>
-        </pc:sldMkLst>
-        <pc:picChg chg="add">
-          <ac:chgData name="Andy Larkman" userId="2da26f2e4321c6c2" providerId="LiveId" clId="{011D6294-EEDB-4A63-B2E0-7A95F87567C2}" dt="2025-09-12T10:37:52.568" v="0" actId="22"/>
-          <ac:picMkLst>
-            <pc:docMk/>
-            <pc:sldMk cId="1739857644" sldId="265"/>
-            <ac:picMk id="3" creationId="{8E17ABA5-EB81-1B76-65F5-5771C5359A11}"/>
-          </ac:picMkLst>
-        </pc:picChg>
-      </pc:sldChg>
-      <pc:sldChg chg="addSp mod">
-        <pc:chgData name="Andy Larkman" userId="2da26f2e4321c6c2" providerId="LiveId" clId="{011D6294-EEDB-4A63-B2E0-7A95F87567C2}" dt="2025-09-12T10:38:10.098" v="1" actId="22"/>
-        <pc:sldMkLst>
-          <pc:docMk/>
-          <pc:sldMk cId="4049805621" sldId="266"/>
-        </pc:sldMkLst>
-        <pc:picChg chg="add">
-          <ac:chgData name="Andy Larkman" userId="2da26f2e4321c6c2" providerId="LiveId" clId="{011D6294-EEDB-4A63-B2E0-7A95F87567C2}" dt="2025-09-12T10:38:10.098" v="1" actId="22"/>
-          <ac:picMkLst>
-            <pc:docMk/>
-            <pc:sldMk cId="4049805621" sldId="266"/>
-            <ac:picMk id="3" creationId="{FBC7FE6D-CDAB-1AF2-7FB2-5B1392861C3B}"/>
-          </ac:picMkLst>
-        </pc:picChg>
-      </pc:sldChg>
-    </pc:docChg>
-  </pc:docChgLst>
-  <pc:docChgLst>
-    <pc:chgData name="Andy Larkman" userId="2da26f2e4321c6c2" providerId="LiveId" clId="{B71A7C82-798A-48DC-9B06-FCEE167E4A24}"/>
-    <pc:docChg chg="custSel addSld delSld modSld sldOrd">
-      <pc:chgData name="Andy Larkman" userId="2da26f2e4321c6c2" providerId="LiveId" clId="{B71A7C82-798A-48DC-9B06-FCEE167E4A24}" dt="2025-08-21T21:57:39.428" v="64" actId="22"/>
-      <pc:docMkLst>
-        <pc:docMk/>
-      </pc:docMkLst>
-      <pc:sldChg chg="addSp mod">
-        <pc:chgData name="Andy Larkman" userId="2da26f2e4321c6c2" providerId="LiveId" clId="{B71A7C82-798A-48DC-9B06-FCEE167E4A24}" dt="2025-08-21T08:37:32.906" v="0" actId="22"/>
-        <pc:sldMkLst>
-          <pc:docMk/>
-          <pc:sldMk cId="556942426" sldId="260"/>
-        </pc:sldMkLst>
-        <pc:picChg chg="add">
-          <ac:chgData name="Andy Larkman" userId="2da26f2e4321c6c2" providerId="LiveId" clId="{B71A7C82-798A-48DC-9B06-FCEE167E4A24}" dt="2025-08-21T08:37:32.906" v="0" actId="22"/>
-          <ac:picMkLst>
-            <pc:docMk/>
-            <pc:sldMk cId="556942426" sldId="260"/>
-            <ac:picMk id="3" creationId="{CA1E03BC-08FE-31EA-5D4D-0E59C916A405}"/>
-          </ac:picMkLst>
-        </pc:picChg>
-      </pc:sldChg>
-      <pc:sldChg chg="addSp delSp modSp del mod">
-        <pc:chgData name="Andy Larkman" userId="2da26f2e4321c6c2" providerId="LiveId" clId="{B71A7C82-798A-48DC-9B06-FCEE167E4A24}" dt="2025-08-21T21:19:30.191" v="58" actId="47"/>
-        <pc:sldMkLst>
-          <pc:docMk/>
-          <pc:sldMk cId="1082248428" sldId="261"/>
-        </pc:sldMkLst>
-      </pc:sldChg>
-      <pc:sldChg chg="addSp mod">
-        <pc:chgData name="Andy Larkman" userId="2da26f2e4321c6c2" providerId="LiveId" clId="{B71A7C82-798A-48DC-9B06-FCEE167E4A24}" dt="2025-08-21T09:01:21.602" v="57" actId="22"/>
-        <pc:sldMkLst>
-          <pc:docMk/>
-          <pc:sldMk cId="4134498953" sldId="262"/>
-        </pc:sldMkLst>
-        <pc:picChg chg="add">
-          <ac:chgData name="Andy Larkman" userId="2da26f2e4321c6c2" providerId="LiveId" clId="{B71A7C82-798A-48DC-9B06-FCEE167E4A24}" dt="2025-08-21T09:01:21.602" v="57" actId="22"/>
-          <ac:picMkLst>
-            <pc:docMk/>
-            <pc:sldMk cId="4134498953" sldId="262"/>
-            <ac:picMk id="3" creationId="{5BD3CFED-F21A-6217-629A-69CD13B0D64D}"/>
-          </ac:picMkLst>
-        </pc:picChg>
-      </pc:sldChg>
-      <pc:sldChg chg="addSp modSp mod ord">
-        <pc:chgData name="Andy Larkman" userId="2da26f2e4321c6c2" providerId="LiveId" clId="{B71A7C82-798A-48DC-9B06-FCEE167E4A24}" dt="2025-08-21T21:20:17.855" v="63"/>
-        <pc:sldMkLst>
-          <pc:docMk/>
-          <pc:sldMk cId="1306477680" sldId="263"/>
-        </pc:sldMkLst>
-        <pc:picChg chg="add mod">
-          <ac:chgData name="Andy Larkman" userId="2da26f2e4321c6c2" providerId="LiveId" clId="{B71A7C82-798A-48DC-9B06-FCEE167E4A24}" dt="2025-08-21T21:20:15.083" v="61" actId="14100"/>
-          <ac:picMkLst>
-            <pc:docMk/>
-            <pc:sldMk cId="1306477680" sldId="263"/>
-            <ac:picMk id="3" creationId="{7B0EEBC9-9BD7-352B-9A2B-D455C9CDFA58}"/>
-          </ac:picMkLst>
-        </pc:picChg>
-      </pc:sldChg>
-      <pc:sldChg chg="addSp mod">
-        <pc:chgData name="Andy Larkman" userId="2da26f2e4321c6c2" providerId="LiveId" clId="{B71A7C82-798A-48DC-9B06-FCEE167E4A24}" dt="2025-08-21T21:57:39.428" v="64" actId="22"/>
-        <pc:sldMkLst>
-          <pc:docMk/>
-          <pc:sldMk cId="464445035" sldId="264"/>
-        </pc:sldMkLst>
-        <pc:picChg chg="add">
-          <ac:chgData name="Andy Larkman" userId="2da26f2e4321c6c2" providerId="LiveId" clId="{B71A7C82-798A-48DC-9B06-FCEE167E4A24}" dt="2025-08-21T21:57:39.428" v="64" actId="22"/>
-          <ac:picMkLst>
-            <pc:docMk/>
-            <pc:sldMk cId="464445035" sldId="264"/>
-            <ac:picMk id="3" creationId="{749D5594-346D-9DC9-929D-674AE3738D8D}"/>
-          </ac:picMkLst>
-        </pc:picChg>
-      </pc:sldChg>
-      <pc:sldChg chg="add del">
-        <pc:chgData name="Andy Larkman" userId="2da26f2e4321c6c2" providerId="LiveId" clId="{B71A7C82-798A-48DC-9B06-FCEE167E4A24}" dt="2025-08-21T09:01:18.606" v="56" actId="47"/>
-        <pc:sldMkLst>
-          <pc:docMk/>
-          <pc:sldMk cId="2706599228" sldId="282"/>
-        </pc:sldMkLst>
-      </pc:sldChg>
-    </pc:docChg>
-  </pc:docChgLst>
-  <pc:docChgLst>
-    <pc:chgData name="Andy Larkman" userId="2da26f2e4321c6c2" providerId="LiveId" clId="{AE5B54F1-C8F5-448A-ADA0-38ECB62D068A}"/>
-    <pc:docChg chg="addSld modSld">
-      <pc:chgData name="Andy Larkman" userId="2da26f2e4321c6c2" providerId="LiveId" clId="{AE5B54F1-C8F5-448A-ADA0-38ECB62D068A}" dt="2025-06-12T08:02:17.164" v="1" actId="22"/>
-      <pc:docMkLst>
-        <pc:docMk/>
-      </pc:docMkLst>
-      <pc:sldChg chg="addSp new mod">
-        <pc:chgData name="Andy Larkman" userId="2da26f2e4321c6c2" providerId="LiveId" clId="{AE5B54F1-C8F5-448A-ADA0-38ECB62D068A}" dt="2025-06-12T08:02:17.164" v="1" actId="22"/>
-        <pc:sldMkLst>
-          <pc:docMk/>
-          <pc:sldMk cId="2385937515" sldId="256"/>
-        </pc:sldMkLst>
-      </pc:sldChg>
-    </pc:docChg>
-  </pc:docChgLst>
 </pc:chgInfo>
 </file>
 
@@ -680,7 +685,7 @@
           <a:p>
             <a:fld id="{55FA135A-769C-438D-9AC0-5CFB87EA78F4}" type="datetimeFigureOut">
               <a:rPr lang="en-GB" smtClean="0"/>
-              <a:t>14/09/2025</a:t>
+              <a:t>17/09/2025</a:t>
             </a:fld>
             <a:endParaRPr lang="en-GB"/>
           </a:p>
@@ -880,7 +885,7 @@
           <a:p>
             <a:fld id="{55FA135A-769C-438D-9AC0-5CFB87EA78F4}" type="datetimeFigureOut">
               <a:rPr lang="en-GB" smtClean="0"/>
-              <a:t>14/09/2025</a:t>
+              <a:t>17/09/2025</a:t>
             </a:fld>
             <a:endParaRPr lang="en-GB"/>
           </a:p>
@@ -1090,7 +1095,7 @@
           <a:p>
             <a:fld id="{55FA135A-769C-438D-9AC0-5CFB87EA78F4}" type="datetimeFigureOut">
               <a:rPr lang="en-GB" smtClean="0"/>
-              <a:t>14/09/2025</a:t>
+              <a:t>17/09/2025</a:t>
             </a:fld>
             <a:endParaRPr lang="en-GB"/>
           </a:p>
@@ -1290,7 +1295,7 @@
           <a:p>
             <a:fld id="{55FA135A-769C-438D-9AC0-5CFB87EA78F4}" type="datetimeFigureOut">
               <a:rPr lang="en-GB" smtClean="0"/>
-              <a:t>14/09/2025</a:t>
+              <a:t>17/09/2025</a:t>
             </a:fld>
             <a:endParaRPr lang="en-GB"/>
           </a:p>
@@ -1566,7 +1571,7 @@
           <a:p>
             <a:fld id="{55FA135A-769C-438D-9AC0-5CFB87EA78F4}" type="datetimeFigureOut">
               <a:rPr lang="en-GB" smtClean="0"/>
-              <a:t>14/09/2025</a:t>
+              <a:t>17/09/2025</a:t>
             </a:fld>
             <a:endParaRPr lang="en-GB"/>
           </a:p>
@@ -1834,7 +1839,7 @@
           <a:p>
             <a:fld id="{55FA135A-769C-438D-9AC0-5CFB87EA78F4}" type="datetimeFigureOut">
               <a:rPr lang="en-GB" smtClean="0"/>
-              <a:t>14/09/2025</a:t>
+              <a:t>17/09/2025</a:t>
             </a:fld>
             <a:endParaRPr lang="en-GB"/>
           </a:p>
@@ -2249,7 +2254,7 @@
           <a:p>
             <a:fld id="{55FA135A-769C-438D-9AC0-5CFB87EA78F4}" type="datetimeFigureOut">
               <a:rPr lang="en-GB" smtClean="0"/>
-              <a:t>14/09/2025</a:t>
+              <a:t>17/09/2025</a:t>
             </a:fld>
             <a:endParaRPr lang="en-GB"/>
           </a:p>
@@ -2391,7 +2396,7 @@
           <a:p>
             <a:fld id="{55FA135A-769C-438D-9AC0-5CFB87EA78F4}" type="datetimeFigureOut">
               <a:rPr lang="en-GB" smtClean="0"/>
-              <a:t>14/09/2025</a:t>
+              <a:t>17/09/2025</a:t>
             </a:fld>
             <a:endParaRPr lang="en-GB"/>
           </a:p>
@@ -2504,7 +2509,7 @@
           <a:p>
             <a:fld id="{55FA135A-769C-438D-9AC0-5CFB87EA78F4}" type="datetimeFigureOut">
               <a:rPr lang="en-GB" smtClean="0"/>
-              <a:t>14/09/2025</a:t>
+              <a:t>17/09/2025</a:t>
             </a:fld>
             <a:endParaRPr lang="en-GB"/>
           </a:p>
@@ -2817,7 +2822,7 @@
           <a:p>
             <a:fld id="{55FA135A-769C-438D-9AC0-5CFB87EA78F4}" type="datetimeFigureOut">
               <a:rPr lang="en-GB" smtClean="0"/>
-              <a:t>14/09/2025</a:t>
+              <a:t>17/09/2025</a:t>
             </a:fld>
             <a:endParaRPr lang="en-GB"/>
           </a:p>
@@ -3106,7 +3111,7 @@
           <a:p>
             <a:fld id="{55FA135A-769C-438D-9AC0-5CFB87EA78F4}" type="datetimeFigureOut">
               <a:rPr lang="en-GB" smtClean="0"/>
-              <a:t>14/09/2025</a:t>
+              <a:t>17/09/2025</a:t>
             </a:fld>
             <a:endParaRPr lang="en-GB"/>
           </a:p>
@@ -3349,7 +3354,7 @@
           <a:p>
             <a:fld id="{55FA135A-769C-438D-9AC0-5CFB87EA78F4}" type="datetimeFigureOut">
               <a:rPr lang="en-GB" smtClean="0"/>
-              <a:t>14/09/2025</a:t>
+              <a:t>17/09/2025</a:t>
             </a:fld>
             <a:endParaRPr lang="en-GB"/>
           </a:p>
@@ -4168,6 +4173,46 @@
           <a:chExt cx="0" cy="0"/>
         </a:xfrm>
       </p:grpSpPr>
+      <p:sp>
+        <p:nvSpPr>
+          <p:cNvPr id="2" name="TextBox 1">
+            <a:extLst>
+              <a:ext uri="{FF2B5EF4-FFF2-40B4-BE49-F238E27FC236}">
+                <a16:creationId xmlns:a16="http://schemas.microsoft.com/office/drawing/2014/main" id="{830CC778-07BB-FC2D-8599-18550EFEC9D5}"/>
+              </a:ext>
+            </a:extLst>
+          </p:cNvPr>
+          <p:cNvSpPr txBox="1"/>
+          <p:nvPr/>
+        </p:nvSpPr>
+        <p:spPr>
+          <a:xfrm>
+            <a:off x="0" y="0"/>
+            <a:ext cx="2907206" cy="523220"/>
+          </a:xfrm>
+          <a:prstGeom prst="rect">
+            <a:avLst/>
+          </a:prstGeom>
+          <a:noFill/>
+        </p:spPr>
+        <p:txBody>
+          <a:bodyPr wrap="none" rtlCol="0">
+            <a:spAutoFit/>
+          </a:bodyPr>
+          <a:lstStyle/>
+          <a:p>
+            <a:r>
+              <a:rPr lang="en-GB" sz="2800" b="1" u="sng" dirty="0"/>
+              <a:t>Lap before </a:t>
+            </a:r>
+            <a:r>
+              <a:rPr lang="en-GB" sz="2800" b="1" u="sng" dirty="0" err="1"/>
+              <a:t>InLap</a:t>
+            </a:r>
+            <a:endParaRPr lang="en-GB" sz="2800" b="1" u="sng" dirty="0"/>
+          </a:p>
+        </p:txBody>
+      </p:sp>
     </p:spTree>
     <p:extLst>
       <p:ext uri="{BB962C8B-B14F-4D97-AF65-F5344CB8AC3E}">
@@ -4189,7 +4234,7 @@
         <p:cNvPr id="1" name="">
           <a:extLst>
             <a:ext uri="{FF2B5EF4-FFF2-40B4-BE49-F238E27FC236}">
-              <a16:creationId xmlns:a16="http://schemas.microsoft.com/office/drawing/2014/main" id="{43C6F10C-A12A-B1A5-758D-05A204FCE0AE}"/>
+              <a16:creationId xmlns:a16="http://schemas.microsoft.com/office/drawing/2014/main" id="{C4BCAFC0-5B20-C004-A59A-D7EAE7438595}"/>
             </a:ext>
           </a:extLst>
         </p:cNvPr>
@@ -4204,10 +4249,50 @@
           <a:chExt cx="0" cy="0"/>
         </a:xfrm>
       </p:grpSpPr>
+      <p:sp>
+        <p:nvSpPr>
+          <p:cNvPr id="2" name="TextBox 1">
+            <a:extLst>
+              <a:ext uri="{FF2B5EF4-FFF2-40B4-BE49-F238E27FC236}">
+                <a16:creationId xmlns:a16="http://schemas.microsoft.com/office/drawing/2014/main" id="{BEFC1F69-B8FB-2AE9-B5D3-49C8274218AE}"/>
+              </a:ext>
+            </a:extLst>
+          </p:cNvPr>
+          <p:cNvSpPr txBox="1"/>
+          <p:nvPr/>
+        </p:nvSpPr>
+        <p:spPr>
+          <a:xfrm>
+            <a:off x="0" y="0"/>
+            <a:ext cx="1874103" cy="523220"/>
+          </a:xfrm>
+          <a:prstGeom prst="rect">
+            <a:avLst/>
+          </a:prstGeom>
+          <a:noFill/>
+        </p:spPr>
+        <p:txBody>
+          <a:bodyPr wrap="none" rtlCol="0">
+            <a:spAutoFit/>
+          </a:bodyPr>
+          <a:lstStyle/>
+          <a:p>
+            <a:r>
+              <a:rPr lang="en-GB" sz="2800" b="1" u="sng" dirty="0"/>
+              <a:t>Raw </a:t>
+            </a:r>
+            <a:r>
+              <a:rPr lang="en-GB" sz="2800" b="1" u="sng" dirty="0" err="1"/>
+              <a:t>InLap</a:t>
+            </a:r>
+            <a:endParaRPr lang="en-GB" sz="2800" b="1" u="sng" dirty="0"/>
+          </a:p>
+        </p:txBody>
+      </p:sp>
     </p:spTree>
     <p:extLst>
       <p:ext uri="{BB962C8B-B14F-4D97-AF65-F5344CB8AC3E}">
-        <p14:creationId xmlns:p14="http://schemas.microsoft.com/office/powerpoint/2010/main" val="721931620"/>
+        <p14:creationId xmlns:p14="http://schemas.microsoft.com/office/powerpoint/2010/main" val="2698483766"/>
       </p:ext>
     </p:extLst>
   </p:cSld>
@@ -4225,7 +4310,7 @@
         <p:cNvPr id="1" name="">
           <a:extLst>
             <a:ext uri="{FF2B5EF4-FFF2-40B4-BE49-F238E27FC236}">
-              <a16:creationId xmlns:a16="http://schemas.microsoft.com/office/drawing/2014/main" id="{394644AC-7511-120B-8BE8-A9DC6D434AD5}"/>
+              <a16:creationId xmlns:a16="http://schemas.microsoft.com/office/drawing/2014/main" id="{96EA0D79-D925-2BC4-4F1E-88C6C577F92D}"/>
             </a:ext>
           </a:extLst>
         </p:cNvPr>
@@ -4240,10 +4325,45 @@
           <a:chExt cx="0" cy="0"/>
         </a:xfrm>
       </p:grpSpPr>
+      <p:sp>
+        <p:nvSpPr>
+          <p:cNvPr id="2" name="TextBox 1">
+            <a:extLst>
+              <a:ext uri="{FF2B5EF4-FFF2-40B4-BE49-F238E27FC236}">
+                <a16:creationId xmlns:a16="http://schemas.microsoft.com/office/drawing/2014/main" id="{799DEBB5-F391-950E-0EF3-56FB6FE0FC8F}"/>
+              </a:ext>
+            </a:extLst>
+          </p:cNvPr>
+          <p:cNvSpPr txBox="1"/>
+          <p:nvPr/>
+        </p:nvSpPr>
+        <p:spPr>
+          <a:xfrm>
+            <a:off x="0" y="0"/>
+            <a:ext cx="4541051" cy="523220"/>
+          </a:xfrm>
+          <a:prstGeom prst="rect">
+            <a:avLst/>
+          </a:prstGeom>
+          <a:noFill/>
+        </p:spPr>
+        <p:txBody>
+          <a:bodyPr wrap="none" rtlCol="0">
+            <a:spAutoFit/>
+          </a:bodyPr>
+          <a:lstStyle/>
+          <a:p>
+            <a:r>
+              <a:rPr lang="en-GB" sz="2800" b="1" u="sng" dirty="0"/>
+              <a:t>While Stationary in Pit Box</a:t>
+            </a:r>
+          </a:p>
+        </p:txBody>
+      </p:sp>
     </p:spTree>
     <p:extLst>
       <p:ext uri="{BB962C8B-B14F-4D97-AF65-F5344CB8AC3E}">
-        <p14:creationId xmlns:p14="http://schemas.microsoft.com/office/powerpoint/2010/main" val="1888056661"/>
+        <p14:creationId xmlns:p14="http://schemas.microsoft.com/office/powerpoint/2010/main" val="1877618256"/>
       </p:ext>
     </p:extLst>
   </p:cSld>
@@ -4261,7 +4381,7 @@
         <p:cNvPr id="1" name="">
           <a:extLst>
             <a:ext uri="{FF2B5EF4-FFF2-40B4-BE49-F238E27FC236}">
-              <a16:creationId xmlns:a16="http://schemas.microsoft.com/office/drawing/2014/main" id="{FD0E3163-8848-84D7-641F-8C03AE4627BD}"/>
+              <a16:creationId xmlns:a16="http://schemas.microsoft.com/office/drawing/2014/main" id="{B22860BD-F9E5-DFC4-25DC-D567912EAB31}"/>
             </a:ext>
           </a:extLst>
         </p:cNvPr>
@@ -4276,10 +4396,50 @@
           <a:chExt cx="0" cy="0"/>
         </a:xfrm>
       </p:grpSpPr>
+      <p:sp>
+        <p:nvSpPr>
+          <p:cNvPr id="2" name="TextBox 1">
+            <a:extLst>
+              <a:ext uri="{FF2B5EF4-FFF2-40B4-BE49-F238E27FC236}">
+                <a16:creationId xmlns:a16="http://schemas.microsoft.com/office/drawing/2014/main" id="{423FC964-8024-BED4-431B-48FFFBDACA27}"/>
+              </a:ext>
+            </a:extLst>
+          </p:cNvPr>
+          <p:cNvSpPr txBox="1"/>
+          <p:nvPr/>
+        </p:nvSpPr>
+        <p:spPr>
+          <a:xfrm>
+            <a:off x="0" y="0"/>
+            <a:ext cx="2161041" cy="523220"/>
+          </a:xfrm>
+          <a:prstGeom prst="rect">
+            <a:avLst/>
+          </a:prstGeom>
+          <a:noFill/>
+        </p:spPr>
+        <p:txBody>
+          <a:bodyPr wrap="none" rtlCol="0">
+            <a:spAutoFit/>
+          </a:bodyPr>
+          <a:lstStyle/>
+          <a:p>
+            <a:r>
+              <a:rPr lang="en-GB" sz="2800" b="1" u="sng" dirty="0"/>
+              <a:t>Raw </a:t>
+            </a:r>
+            <a:r>
+              <a:rPr lang="en-GB" sz="2800" b="1" u="sng" dirty="0" err="1"/>
+              <a:t>OutLap</a:t>
+            </a:r>
+            <a:endParaRPr lang="en-GB" sz="2800" b="1" u="sng" dirty="0"/>
+          </a:p>
+        </p:txBody>
+      </p:sp>
     </p:spTree>
     <p:extLst>
       <p:ext uri="{BB962C8B-B14F-4D97-AF65-F5344CB8AC3E}">
-        <p14:creationId xmlns:p14="http://schemas.microsoft.com/office/powerpoint/2010/main" val="1796743994"/>
+        <p14:creationId xmlns:p14="http://schemas.microsoft.com/office/powerpoint/2010/main" val="3038862163"/>
       </p:ext>
     </p:extLst>
   </p:cSld>
@@ -4297,7 +4457,7 @@
         <p:cNvPr id="1" name="">
           <a:extLst>
             <a:ext uri="{FF2B5EF4-FFF2-40B4-BE49-F238E27FC236}">
-              <a16:creationId xmlns:a16="http://schemas.microsoft.com/office/drawing/2014/main" id="{9C6BEE9D-CC8D-383A-F8D5-4C2D26C204F3}"/>
+              <a16:creationId xmlns:a16="http://schemas.microsoft.com/office/drawing/2014/main" id="{D3786FF8-9437-2B4A-9D7B-B76C442291F6}"/>
             </a:ext>
           </a:extLst>
         </p:cNvPr>
@@ -4312,10 +4472,50 @@
           <a:chExt cx="0" cy="0"/>
         </a:xfrm>
       </p:grpSpPr>
+      <p:sp>
+        <p:nvSpPr>
+          <p:cNvPr id="2" name="TextBox 1">
+            <a:extLst>
+              <a:ext uri="{FF2B5EF4-FFF2-40B4-BE49-F238E27FC236}">
+                <a16:creationId xmlns:a16="http://schemas.microsoft.com/office/drawing/2014/main" id="{A460A949-39DF-CC9F-8623-8DBB770EF784}"/>
+              </a:ext>
+            </a:extLst>
+          </p:cNvPr>
+          <p:cNvSpPr txBox="1"/>
+          <p:nvPr/>
+        </p:nvSpPr>
+        <p:spPr>
+          <a:xfrm>
+            <a:off x="0" y="0"/>
+            <a:ext cx="2853025" cy="523220"/>
+          </a:xfrm>
+          <a:prstGeom prst="rect">
+            <a:avLst/>
+          </a:prstGeom>
+          <a:noFill/>
+        </p:spPr>
+        <p:txBody>
+          <a:bodyPr wrap="none" rtlCol="0">
+            <a:spAutoFit/>
+          </a:bodyPr>
+          <a:lstStyle/>
+          <a:p>
+            <a:r>
+              <a:rPr lang="en-GB" sz="2800" b="1" u="sng" dirty="0"/>
+              <a:t>Lap After </a:t>
+            </a:r>
+            <a:r>
+              <a:rPr lang="en-GB" sz="2800" b="1" u="sng" dirty="0" err="1"/>
+              <a:t>Outlap</a:t>
+            </a:r>
+            <a:endParaRPr lang="en-GB" sz="2800" b="1" u="sng" dirty="0"/>
+          </a:p>
+        </p:txBody>
+      </p:sp>
     </p:spTree>
     <p:extLst>
       <p:ext uri="{BB962C8B-B14F-4D97-AF65-F5344CB8AC3E}">
-        <p14:creationId xmlns:p14="http://schemas.microsoft.com/office/powerpoint/2010/main" val="3309312321"/>
+        <p14:creationId xmlns:p14="http://schemas.microsoft.com/office/powerpoint/2010/main" val="1156879548"/>
       </p:ext>
     </p:extLst>
   </p:cSld>
@@ -4393,6 +4593,226 @@
         <p:cNvPr id="1" name="">
           <a:extLst>
             <a:ext uri="{FF2B5EF4-FFF2-40B4-BE49-F238E27FC236}">
+              <a16:creationId xmlns:a16="http://schemas.microsoft.com/office/drawing/2014/main" id="{D0CAFE3F-C208-E75D-8F56-576EF905A56B}"/>
+            </a:ext>
+          </a:extLst>
+        </p:cNvPr>
+        <p:cNvGrpSpPr/>
+        <p:nvPr/>
+      </p:nvGrpSpPr>
+      <p:grpSpPr>
+        <a:xfrm>
+          <a:off x="0" y="0"/>
+          <a:ext cx="0" cy="0"/>
+          <a:chOff x="0" y="0"/>
+          <a:chExt cx="0" cy="0"/>
+        </a:xfrm>
+      </p:grpSpPr>
+      <p:sp>
+        <p:nvSpPr>
+          <p:cNvPr id="2" name="TextBox 1">
+            <a:extLst>
+              <a:ext uri="{FF2B5EF4-FFF2-40B4-BE49-F238E27FC236}">
+                <a16:creationId xmlns:a16="http://schemas.microsoft.com/office/drawing/2014/main" id="{64B7C699-D5F1-F2D1-849A-9C40988FEF7D}"/>
+              </a:ext>
+            </a:extLst>
+          </p:cNvPr>
+          <p:cNvSpPr txBox="1"/>
+          <p:nvPr/>
+        </p:nvSpPr>
+        <p:spPr>
+          <a:xfrm>
+            <a:off x="0" y="0"/>
+            <a:ext cx="3389774" cy="523220"/>
+          </a:xfrm>
+          <a:prstGeom prst="rect">
+            <a:avLst/>
+          </a:prstGeom>
+          <a:noFill/>
+        </p:spPr>
+        <p:txBody>
+          <a:bodyPr wrap="none" rtlCol="0">
+            <a:spAutoFit/>
+          </a:bodyPr>
+          <a:lstStyle/>
+          <a:p>
+            <a:r>
+              <a:rPr lang="en-GB" sz="2800" b="1" u="sng" dirty="0"/>
+              <a:t>2 Laps After </a:t>
+            </a:r>
+            <a:r>
+              <a:rPr lang="en-GB" sz="2800" b="1" u="sng" dirty="0" err="1"/>
+              <a:t>OutLap</a:t>
+            </a:r>
+            <a:endParaRPr lang="en-GB" sz="2800" b="1" u="sng" dirty="0"/>
+          </a:p>
+        </p:txBody>
+      </p:sp>
+    </p:spTree>
+    <p:extLst>
+      <p:ext uri="{BB962C8B-B14F-4D97-AF65-F5344CB8AC3E}">
+        <p14:creationId xmlns:p14="http://schemas.microsoft.com/office/powerpoint/2010/main" val="1310302009"/>
+      </p:ext>
+    </p:extLst>
+  </p:cSld>
+  <p:clrMapOvr>
+    <a:masterClrMapping/>
+  </p:clrMapOvr>
+</p:sld>
+</file>
+
+<file path=ppt/slides/slide21.xml><?xml version="1.0" encoding="utf-8"?>
+<p:sld xmlns:a="http://schemas.openxmlformats.org/drawingml/2006/main" xmlns:r="http://schemas.openxmlformats.org/officeDocument/2006/relationships" xmlns:p="http://schemas.openxmlformats.org/presentationml/2006/main">
+  <p:cSld>
+    <p:spTree>
+      <p:nvGrpSpPr>
+        <p:cNvPr id="1" name="">
+          <a:extLst>
+            <a:ext uri="{FF2B5EF4-FFF2-40B4-BE49-F238E27FC236}">
+              <a16:creationId xmlns:a16="http://schemas.microsoft.com/office/drawing/2014/main" id="{43C6F10C-A12A-B1A5-758D-05A204FCE0AE}"/>
+            </a:ext>
+          </a:extLst>
+        </p:cNvPr>
+        <p:cNvGrpSpPr/>
+        <p:nvPr/>
+      </p:nvGrpSpPr>
+      <p:grpSpPr>
+        <a:xfrm>
+          <a:off x="0" y="0"/>
+          <a:ext cx="0" cy="0"/>
+          <a:chOff x="0" y="0"/>
+          <a:chExt cx="0" cy="0"/>
+        </a:xfrm>
+      </p:grpSpPr>
+    </p:spTree>
+    <p:extLst>
+      <p:ext uri="{BB962C8B-B14F-4D97-AF65-F5344CB8AC3E}">
+        <p14:creationId xmlns:p14="http://schemas.microsoft.com/office/powerpoint/2010/main" val="721931620"/>
+      </p:ext>
+    </p:extLst>
+  </p:cSld>
+  <p:clrMapOvr>
+    <a:masterClrMapping/>
+  </p:clrMapOvr>
+</p:sld>
+</file>
+
+<file path=ppt/slides/slide22.xml><?xml version="1.0" encoding="utf-8"?>
+<p:sld xmlns:a="http://schemas.openxmlformats.org/drawingml/2006/main" xmlns:r="http://schemas.openxmlformats.org/officeDocument/2006/relationships" xmlns:p="http://schemas.openxmlformats.org/presentationml/2006/main">
+  <p:cSld>
+    <p:spTree>
+      <p:nvGrpSpPr>
+        <p:cNvPr id="1" name="">
+          <a:extLst>
+            <a:ext uri="{FF2B5EF4-FFF2-40B4-BE49-F238E27FC236}">
+              <a16:creationId xmlns:a16="http://schemas.microsoft.com/office/drawing/2014/main" id="{394644AC-7511-120B-8BE8-A9DC6D434AD5}"/>
+            </a:ext>
+          </a:extLst>
+        </p:cNvPr>
+        <p:cNvGrpSpPr/>
+        <p:nvPr/>
+      </p:nvGrpSpPr>
+      <p:grpSpPr>
+        <a:xfrm>
+          <a:off x="0" y="0"/>
+          <a:ext cx="0" cy="0"/>
+          <a:chOff x="0" y="0"/>
+          <a:chExt cx="0" cy="0"/>
+        </a:xfrm>
+      </p:grpSpPr>
+    </p:spTree>
+    <p:extLst>
+      <p:ext uri="{BB962C8B-B14F-4D97-AF65-F5344CB8AC3E}">
+        <p14:creationId xmlns:p14="http://schemas.microsoft.com/office/powerpoint/2010/main" val="1888056661"/>
+      </p:ext>
+    </p:extLst>
+  </p:cSld>
+  <p:clrMapOvr>
+    <a:masterClrMapping/>
+  </p:clrMapOvr>
+</p:sld>
+</file>
+
+<file path=ppt/slides/slide23.xml><?xml version="1.0" encoding="utf-8"?>
+<p:sld xmlns:a="http://schemas.openxmlformats.org/drawingml/2006/main" xmlns:r="http://schemas.openxmlformats.org/officeDocument/2006/relationships" xmlns:p="http://schemas.openxmlformats.org/presentationml/2006/main">
+  <p:cSld>
+    <p:spTree>
+      <p:nvGrpSpPr>
+        <p:cNvPr id="1" name="">
+          <a:extLst>
+            <a:ext uri="{FF2B5EF4-FFF2-40B4-BE49-F238E27FC236}">
+              <a16:creationId xmlns:a16="http://schemas.microsoft.com/office/drawing/2014/main" id="{FD0E3163-8848-84D7-641F-8C03AE4627BD}"/>
+            </a:ext>
+          </a:extLst>
+        </p:cNvPr>
+        <p:cNvGrpSpPr/>
+        <p:nvPr/>
+      </p:nvGrpSpPr>
+      <p:grpSpPr>
+        <a:xfrm>
+          <a:off x="0" y="0"/>
+          <a:ext cx="0" cy="0"/>
+          <a:chOff x="0" y="0"/>
+          <a:chExt cx="0" cy="0"/>
+        </a:xfrm>
+      </p:grpSpPr>
+    </p:spTree>
+    <p:extLst>
+      <p:ext uri="{BB962C8B-B14F-4D97-AF65-F5344CB8AC3E}">
+        <p14:creationId xmlns:p14="http://schemas.microsoft.com/office/powerpoint/2010/main" val="1796743994"/>
+      </p:ext>
+    </p:extLst>
+  </p:cSld>
+  <p:clrMapOvr>
+    <a:masterClrMapping/>
+  </p:clrMapOvr>
+</p:sld>
+</file>
+
+<file path=ppt/slides/slide24.xml><?xml version="1.0" encoding="utf-8"?>
+<p:sld xmlns:a="http://schemas.openxmlformats.org/drawingml/2006/main" xmlns:r="http://schemas.openxmlformats.org/officeDocument/2006/relationships" xmlns:p="http://schemas.openxmlformats.org/presentationml/2006/main">
+  <p:cSld>
+    <p:spTree>
+      <p:nvGrpSpPr>
+        <p:cNvPr id="1" name="">
+          <a:extLst>
+            <a:ext uri="{FF2B5EF4-FFF2-40B4-BE49-F238E27FC236}">
+              <a16:creationId xmlns:a16="http://schemas.microsoft.com/office/drawing/2014/main" id="{9C6BEE9D-CC8D-383A-F8D5-4C2D26C204F3}"/>
+            </a:ext>
+          </a:extLst>
+        </p:cNvPr>
+        <p:cNvGrpSpPr/>
+        <p:nvPr/>
+      </p:nvGrpSpPr>
+      <p:grpSpPr>
+        <a:xfrm>
+          <a:off x="0" y="0"/>
+          <a:ext cx="0" cy="0"/>
+          <a:chOff x="0" y="0"/>
+          <a:chExt cx="0" cy="0"/>
+        </a:xfrm>
+      </p:grpSpPr>
+    </p:spTree>
+    <p:extLst>
+      <p:ext uri="{BB962C8B-B14F-4D97-AF65-F5344CB8AC3E}">
+        <p14:creationId xmlns:p14="http://schemas.microsoft.com/office/powerpoint/2010/main" val="3309312321"/>
+      </p:ext>
+    </p:extLst>
+  </p:cSld>
+  <p:clrMapOvr>
+    <a:masterClrMapping/>
+  </p:clrMapOvr>
+</p:sld>
+</file>
+
+<file path=ppt/slides/slide25.xml><?xml version="1.0" encoding="utf-8"?>
+<p:sld xmlns:a="http://schemas.openxmlformats.org/drawingml/2006/main" xmlns:r="http://schemas.openxmlformats.org/officeDocument/2006/relationships" xmlns:p="http://schemas.openxmlformats.org/presentationml/2006/main">
+  <p:cSld>
+    <p:spTree>
+      <p:nvGrpSpPr>
+        <p:cNvPr id="1" name="">
+          <a:extLst>
+            <a:ext uri="{FF2B5EF4-FFF2-40B4-BE49-F238E27FC236}">
               <a16:creationId xmlns:a16="http://schemas.microsoft.com/office/drawing/2014/main" id="{272F221C-1FED-A921-993F-77037A53DBC6}"/>
             </a:ext>
           </a:extLst>
@@ -4421,7 +4841,7 @@
 </p:sld>
 </file>
 
-<file path=ppt/slides/slide21.xml><?xml version="1.0" encoding="utf-8"?>
+<file path=ppt/slides/slide26.xml><?xml version="1.0" encoding="utf-8"?>
 <p:sld xmlns:a="http://schemas.openxmlformats.org/drawingml/2006/main" xmlns:r="http://schemas.openxmlformats.org/officeDocument/2006/relationships" xmlns:p="http://schemas.openxmlformats.org/presentationml/2006/main">
   <p:cSld>
     <p:spTree>
@@ -4457,7 +4877,7 @@
 </p:sld>
 </file>
 
-<file path=ppt/slides/slide22.xml><?xml version="1.0" encoding="utf-8"?>
+<file path=ppt/slides/slide27.xml><?xml version="1.0" encoding="utf-8"?>
 <p:sld xmlns:a="http://schemas.openxmlformats.org/drawingml/2006/main" xmlns:r="http://schemas.openxmlformats.org/officeDocument/2006/relationships" xmlns:p="http://schemas.openxmlformats.org/presentationml/2006/main">
   <p:cSld>
     <p:spTree>
@@ -4493,7 +4913,7 @@
 </p:sld>
 </file>
 
-<file path=ppt/slides/slide23.xml><?xml version="1.0" encoding="utf-8"?>
+<file path=ppt/slides/slide28.xml><?xml version="1.0" encoding="utf-8"?>
 <p:sld xmlns:a="http://schemas.openxmlformats.org/drawingml/2006/main" xmlns:r="http://schemas.openxmlformats.org/officeDocument/2006/relationships" xmlns:p="http://schemas.openxmlformats.org/presentationml/2006/main">
   <p:cSld>
     <p:spTree>
@@ -4529,7 +4949,7 @@
 </p:sld>
 </file>
 
-<file path=ppt/slides/slide24.xml><?xml version="1.0" encoding="utf-8"?>
+<file path=ppt/slides/slide29.xml><?xml version="1.0" encoding="utf-8"?>
 <p:sld xmlns:a="http://schemas.openxmlformats.org/drawingml/2006/main" xmlns:r="http://schemas.openxmlformats.org/officeDocument/2006/relationships" xmlns:p="http://schemas.openxmlformats.org/presentationml/2006/main">
   <p:cSld>
     <p:spTree>
@@ -4565,7 +4985,73 @@
 </p:sld>
 </file>
 
-<file path=ppt/slides/slide25.xml><?xml version="1.0" encoding="utf-8"?>
+<file path=ppt/slides/slide3.xml><?xml version="1.0" encoding="utf-8"?>
+<p:sld xmlns:a="http://schemas.openxmlformats.org/drawingml/2006/main" xmlns:r="http://schemas.openxmlformats.org/officeDocument/2006/relationships" xmlns:p="http://schemas.openxmlformats.org/presentationml/2006/main">
+  <p:cSld>
+    <p:spTree>
+      <p:nvGrpSpPr>
+        <p:cNvPr id="1" name="">
+          <a:extLst>
+            <a:ext uri="{FF2B5EF4-FFF2-40B4-BE49-F238E27FC236}">
+              <a16:creationId xmlns:a16="http://schemas.microsoft.com/office/drawing/2014/main" id="{F4AC0AA2-7E56-A0AB-4A2F-6B8D015C4B8A}"/>
+            </a:ext>
+          </a:extLst>
+        </p:cNvPr>
+        <p:cNvGrpSpPr/>
+        <p:nvPr/>
+      </p:nvGrpSpPr>
+      <p:grpSpPr>
+        <a:xfrm>
+          <a:off x="0" y="0"/>
+          <a:ext cx="0" cy="0"/>
+          <a:chOff x="0" y="0"/>
+          <a:chExt cx="0" cy="0"/>
+        </a:xfrm>
+      </p:grpSpPr>
+      <p:pic>
+        <p:nvPicPr>
+          <p:cNvPr id="4" name="Picture 3">
+            <a:extLst>
+              <a:ext uri="{FF2B5EF4-FFF2-40B4-BE49-F238E27FC236}">
+                <a16:creationId xmlns:a16="http://schemas.microsoft.com/office/drawing/2014/main" id="{A7054FC2-341F-695C-3769-53718D087C25}"/>
+              </a:ext>
+            </a:extLst>
+          </p:cNvPr>
+          <p:cNvPicPr>
+            <a:picLocks noChangeAspect="1"/>
+          </p:cNvPicPr>
+          <p:nvPr/>
+        </p:nvPicPr>
+        <p:blipFill>
+          <a:blip r:embed="rId2"/>
+          <a:stretch>
+            <a:fillRect/>
+          </a:stretch>
+        </p:blipFill>
+        <p:spPr>
+          <a:xfrm>
+            <a:off x="733985" y="0"/>
+            <a:ext cx="10724029" cy="6858000"/>
+          </a:xfrm>
+          <a:prstGeom prst="rect">
+            <a:avLst/>
+          </a:prstGeom>
+        </p:spPr>
+      </p:pic>
+    </p:spTree>
+    <p:extLst>
+      <p:ext uri="{BB962C8B-B14F-4D97-AF65-F5344CB8AC3E}">
+        <p14:creationId xmlns:p14="http://schemas.microsoft.com/office/powerpoint/2010/main" val="277392067"/>
+      </p:ext>
+    </p:extLst>
+  </p:cSld>
+  <p:clrMapOvr>
+    <a:masterClrMapping/>
+  </p:clrMapOvr>
+</p:sld>
+</file>
+
+<file path=ppt/slides/slide30.xml><?xml version="1.0" encoding="utf-8"?>
 <p:sld xmlns:a="http://schemas.openxmlformats.org/drawingml/2006/main" xmlns:r="http://schemas.openxmlformats.org/officeDocument/2006/relationships" xmlns:p="http://schemas.openxmlformats.org/presentationml/2006/main">
   <p:cSld>
     <p:spTree>
@@ -4592,72 +5078,6 @@
     <p:extLst>
       <p:ext uri="{BB962C8B-B14F-4D97-AF65-F5344CB8AC3E}">
         <p14:creationId xmlns:p14="http://schemas.microsoft.com/office/powerpoint/2010/main" val="1087879137"/>
-      </p:ext>
-    </p:extLst>
-  </p:cSld>
-  <p:clrMapOvr>
-    <a:masterClrMapping/>
-  </p:clrMapOvr>
-</p:sld>
-</file>
-
-<file path=ppt/slides/slide3.xml><?xml version="1.0" encoding="utf-8"?>
-<p:sld xmlns:a="http://schemas.openxmlformats.org/drawingml/2006/main" xmlns:r="http://schemas.openxmlformats.org/officeDocument/2006/relationships" xmlns:p="http://schemas.openxmlformats.org/presentationml/2006/main">
-  <p:cSld>
-    <p:spTree>
-      <p:nvGrpSpPr>
-        <p:cNvPr id="1" name="">
-          <a:extLst>
-            <a:ext uri="{FF2B5EF4-FFF2-40B4-BE49-F238E27FC236}">
-              <a16:creationId xmlns:a16="http://schemas.microsoft.com/office/drawing/2014/main" id="{F4AC0AA2-7E56-A0AB-4A2F-6B8D015C4B8A}"/>
-            </a:ext>
-          </a:extLst>
-        </p:cNvPr>
-        <p:cNvGrpSpPr/>
-        <p:nvPr/>
-      </p:nvGrpSpPr>
-      <p:grpSpPr>
-        <a:xfrm>
-          <a:off x="0" y="0"/>
-          <a:ext cx="0" cy="0"/>
-          <a:chOff x="0" y="0"/>
-          <a:chExt cx="0" cy="0"/>
-        </a:xfrm>
-      </p:grpSpPr>
-      <p:pic>
-        <p:nvPicPr>
-          <p:cNvPr id="4" name="Picture 3">
-            <a:extLst>
-              <a:ext uri="{FF2B5EF4-FFF2-40B4-BE49-F238E27FC236}">
-                <a16:creationId xmlns:a16="http://schemas.microsoft.com/office/drawing/2014/main" id="{A7054FC2-341F-695C-3769-53718D087C25}"/>
-              </a:ext>
-            </a:extLst>
-          </p:cNvPr>
-          <p:cNvPicPr>
-            <a:picLocks noChangeAspect="1"/>
-          </p:cNvPicPr>
-          <p:nvPr/>
-        </p:nvPicPr>
-        <p:blipFill>
-          <a:blip r:embed="rId2"/>
-          <a:stretch>
-            <a:fillRect/>
-          </a:stretch>
-        </p:blipFill>
-        <p:spPr>
-          <a:xfrm>
-            <a:off x="733985" y="0"/>
-            <a:ext cx="10724029" cy="6858000"/>
-          </a:xfrm>
-          <a:prstGeom prst="rect">
-            <a:avLst/>
-          </a:prstGeom>
-        </p:spPr>
-      </p:pic>
-    </p:spTree>
-    <p:extLst>
-      <p:ext uri="{BB962C8B-B14F-4D97-AF65-F5344CB8AC3E}">
-        <p14:creationId xmlns:p14="http://schemas.microsoft.com/office/powerpoint/2010/main" val="277392067"/>
       </p:ext>
     </p:extLst>
   </p:cSld>

--- a/Docs/UI Work.pptx
+++ b/Docs/UI Work.pptx
@@ -19,22 +19,23 @@
     <p:sldId id="267" r:id="rId13"/>
     <p:sldId id="268" r:id="rId14"/>
     <p:sldId id="269" r:id="rId15"/>
-    <p:sldId id="270" r:id="rId16"/>
-    <p:sldId id="282" r:id="rId17"/>
-    <p:sldId id="284" r:id="rId18"/>
-    <p:sldId id="283" r:id="rId19"/>
-    <p:sldId id="285" r:id="rId20"/>
-    <p:sldId id="286" r:id="rId21"/>
-    <p:sldId id="271" r:id="rId22"/>
-    <p:sldId id="272" r:id="rId23"/>
-    <p:sldId id="273" r:id="rId24"/>
-    <p:sldId id="274" r:id="rId25"/>
-    <p:sldId id="275" r:id="rId26"/>
-    <p:sldId id="276" r:id="rId27"/>
-    <p:sldId id="277" r:id="rId28"/>
-    <p:sldId id="278" r:id="rId29"/>
-    <p:sldId id="279" r:id="rId30"/>
-    <p:sldId id="280" r:id="rId31"/>
+    <p:sldId id="271" r:id="rId16"/>
+    <p:sldId id="289" r:id="rId17"/>
+    <p:sldId id="287" r:id="rId18"/>
+    <p:sldId id="284" r:id="rId19"/>
+    <p:sldId id="283" r:id="rId20"/>
+    <p:sldId id="285" r:id="rId21"/>
+    <p:sldId id="286" r:id="rId22"/>
+    <p:sldId id="288" r:id="rId23"/>
+    <p:sldId id="272" r:id="rId24"/>
+    <p:sldId id="273" r:id="rId25"/>
+    <p:sldId id="274" r:id="rId26"/>
+    <p:sldId id="275" r:id="rId27"/>
+    <p:sldId id="276" r:id="rId28"/>
+    <p:sldId id="277" r:id="rId29"/>
+    <p:sldId id="278" r:id="rId30"/>
+    <p:sldId id="279" r:id="rId31"/>
+    <p:sldId id="280" r:id="rId32"/>
   </p:sldIdLst>
   <p:sldSz cx="12192000" cy="6858000"/>
   <p:notesSz cx="6858000" cy="9144000"/>
@@ -4158,7 +4159,73 @@
         <p:cNvPr id="1" name="">
           <a:extLst>
             <a:ext uri="{FF2B5EF4-FFF2-40B4-BE49-F238E27FC236}">
-              <a16:creationId xmlns:a16="http://schemas.microsoft.com/office/drawing/2014/main" id="{EEBF4915-19AB-A39D-7AA1-35E9F99E1C96}"/>
+              <a16:creationId xmlns:a16="http://schemas.microsoft.com/office/drawing/2014/main" id="{43C6F10C-A12A-B1A5-758D-05A204FCE0AE}"/>
+            </a:ext>
+          </a:extLst>
+        </p:cNvPr>
+        <p:cNvGrpSpPr/>
+        <p:nvPr/>
+      </p:nvGrpSpPr>
+      <p:grpSpPr>
+        <a:xfrm>
+          <a:off x="0" y="0"/>
+          <a:ext cx="0" cy="0"/>
+          <a:chOff x="0" y="0"/>
+          <a:chExt cx="0" cy="0"/>
+        </a:xfrm>
+      </p:grpSpPr>
+      <p:pic>
+        <p:nvPicPr>
+          <p:cNvPr id="3" name="Picture 2">
+            <a:extLst>
+              <a:ext uri="{FF2B5EF4-FFF2-40B4-BE49-F238E27FC236}">
+                <a16:creationId xmlns:a16="http://schemas.microsoft.com/office/drawing/2014/main" id="{9488D317-B420-5474-5429-269352E154D8}"/>
+              </a:ext>
+            </a:extLst>
+          </p:cNvPr>
+          <p:cNvPicPr>
+            <a:picLocks noChangeAspect="1"/>
+          </p:cNvPicPr>
+          <p:nvPr/>
+        </p:nvPicPr>
+        <p:blipFill>
+          <a:blip r:embed="rId2"/>
+          <a:stretch>
+            <a:fillRect/>
+          </a:stretch>
+        </p:blipFill>
+        <p:spPr>
+          <a:xfrm>
+            <a:off x="70881" y="1485900"/>
+            <a:ext cx="11746447" cy="3788229"/>
+          </a:xfrm>
+          <a:prstGeom prst="rect">
+            <a:avLst/>
+          </a:prstGeom>
+        </p:spPr>
+      </p:pic>
+    </p:spTree>
+    <p:extLst>
+      <p:ext uri="{BB962C8B-B14F-4D97-AF65-F5344CB8AC3E}">
+        <p14:creationId xmlns:p14="http://schemas.microsoft.com/office/powerpoint/2010/main" val="721931620"/>
+      </p:ext>
+    </p:extLst>
+  </p:cSld>
+  <p:clrMapOvr>
+    <a:masterClrMapping/>
+  </p:clrMapOvr>
+</p:sld>
+</file>
+
+<file path=ppt/slides/slide16.xml><?xml version="1.0" encoding="utf-8"?>
+<p:sld xmlns:a="http://schemas.openxmlformats.org/drawingml/2006/main" xmlns:r="http://schemas.openxmlformats.org/officeDocument/2006/relationships" xmlns:p="http://schemas.openxmlformats.org/presentationml/2006/main">
+  <p:cSld>
+    <p:spTree>
+      <p:nvGrpSpPr>
+        <p:cNvPr id="1" name="">
+          <a:extLst>
+            <a:ext uri="{FF2B5EF4-FFF2-40B4-BE49-F238E27FC236}">
+              <a16:creationId xmlns:a16="http://schemas.microsoft.com/office/drawing/2014/main" id="{2707DED9-6E80-D922-8AD2-A0FB7B4F6AA1}"/>
             </a:ext>
           </a:extLst>
         </p:cNvPr>
@@ -4178,7 +4245,7 @@
           <p:cNvPr id="2" name="TextBox 1">
             <a:extLst>
               <a:ext uri="{FF2B5EF4-FFF2-40B4-BE49-F238E27FC236}">
-                <a16:creationId xmlns:a16="http://schemas.microsoft.com/office/drawing/2014/main" id="{830CC778-07BB-FC2D-8599-18550EFEC9D5}"/>
+                <a16:creationId xmlns:a16="http://schemas.microsoft.com/office/drawing/2014/main" id="{7983BC26-E3A5-84FE-7723-30156DCC71F8}"/>
               </a:ext>
             </a:extLst>
           </p:cNvPr>
@@ -4188,7 +4255,7 @@
         <p:spPr>
           <a:xfrm>
             <a:off x="0" y="0"/>
-            <a:ext cx="2907206" cy="523220"/>
+            <a:ext cx="8131650" cy="523220"/>
           </a:xfrm>
           <a:prstGeom prst="rect">
             <a:avLst/>
@@ -4203,20 +4270,53 @@
           <a:p>
             <a:r>
               <a:rPr lang="en-GB" sz="2800" b="1" u="sng" dirty="0"/>
-              <a:t>Lap before </a:t>
+              <a:t>Start of Lap before </a:t>
             </a:r>
             <a:r>
               <a:rPr lang="en-GB" sz="2800" b="1" u="sng" dirty="0" err="1"/>
-              <a:t>InLap</a:t>
-            </a:r>
-            <a:endParaRPr lang="en-GB" sz="2800" b="1" u="sng" dirty="0"/>
+              <a:t>Inlap</a:t>
+            </a:r>
+            <a:r>
+              <a:rPr lang="en-GB" sz="2800" b="1" u="sng" dirty="0"/>
+              <a:t> – first S/F cross in replay</a:t>
+            </a:r>
           </a:p>
         </p:txBody>
       </p:sp>
+      <p:pic>
+        <p:nvPicPr>
+          <p:cNvPr id="4" name="Picture 3">
+            <a:extLst>
+              <a:ext uri="{FF2B5EF4-FFF2-40B4-BE49-F238E27FC236}">
+                <a16:creationId xmlns:a16="http://schemas.microsoft.com/office/drawing/2014/main" id="{2F0C7CC2-7010-866F-1FF3-BD5BBD567785}"/>
+              </a:ext>
+            </a:extLst>
+          </p:cNvPr>
+          <p:cNvPicPr>
+            <a:picLocks noChangeAspect="1"/>
+          </p:cNvPicPr>
+          <p:nvPr/>
+        </p:nvPicPr>
+        <p:blipFill>
+          <a:blip r:embed="rId2"/>
+          <a:stretch>
+            <a:fillRect/>
+          </a:stretch>
+        </p:blipFill>
+        <p:spPr>
+          <a:xfrm>
+            <a:off x="172287" y="661945"/>
+            <a:ext cx="9270514" cy="5800848"/>
+          </a:xfrm>
+          <a:prstGeom prst="rect">
+            <a:avLst/>
+          </a:prstGeom>
+        </p:spPr>
+      </p:pic>
     </p:spTree>
     <p:extLst>
       <p:ext uri="{BB962C8B-B14F-4D97-AF65-F5344CB8AC3E}">
-        <p14:creationId xmlns:p14="http://schemas.microsoft.com/office/powerpoint/2010/main" val="1248257113"/>
+        <p14:creationId xmlns:p14="http://schemas.microsoft.com/office/powerpoint/2010/main" val="578375070"/>
       </p:ext>
     </p:extLst>
   </p:cSld>
@@ -4226,7 +4326,7 @@
 </p:sld>
 </file>
 
-<file path=ppt/slides/slide16.xml><?xml version="1.0" encoding="utf-8"?>
+<file path=ppt/slides/slide17.xml><?xml version="1.0" encoding="utf-8"?>
 <p:sld xmlns:a="http://schemas.openxmlformats.org/drawingml/2006/main" xmlns:r="http://schemas.openxmlformats.org/officeDocument/2006/relationships" xmlns:p="http://schemas.openxmlformats.org/presentationml/2006/main">
   <p:cSld>
     <p:spTree>
@@ -4234,7 +4334,7 @@
         <p:cNvPr id="1" name="">
           <a:extLst>
             <a:ext uri="{FF2B5EF4-FFF2-40B4-BE49-F238E27FC236}">
-              <a16:creationId xmlns:a16="http://schemas.microsoft.com/office/drawing/2014/main" id="{C4BCAFC0-5B20-C004-A59A-D7EAE7438595}"/>
+              <a16:creationId xmlns:a16="http://schemas.microsoft.com/office/drawing/2014/main" id="{C71CC5C7-6493-8638-7D25-EDA6D512B4BF}"/>
             </a:ext>
           </a:extLst>
         </p:cNvPr>
@@ -4254,7 +4354,7 @@
           <p:cNvPr id="2" name="TextBox 1">
             <a:extLst>
               <a:ext uri="{FF2B5EF4-FFF2-40B4-BE49-F238E27FC236}">
-                <a16:creationId xmlns:a16="http://schemas.microsoft.com/office/drawing/2014/main" id="{BEFC1F69-B8FB-2AE9-B5D3-49C8274218AE}"/>
+                <a16:creationId xmlns:a16="http://schemas.microsoft.com/office/drawing/2014/main" id="{A13EA575-2F54-734C-113E-4E79F2975592}"/>
               </a:ext>
             </a:extLst>
           </p:cNvPr>
@@ -4264,7 +4364,7 @@
         <p:spPr>
           <a:xfrm>
             <a:off x="0" y="0"/>
-            <a:ext cx="1874103" cy="523220"/>
+            <a:ext cx="5989909" cy="523220"/>
           </a:xfrm>
           <a:prstGeom prst="rect">
             <a:avLst/>
@@ -4279,20 +4379,53 @@
           <a:p>
             <a:r>
               <a:rPr lang="en-GB" sz="2800" b="1" u="sng" dirty="0"/>
-              <a:t>Raw </a:t>
+              <a:t>Start of </a:t>
             </a:r>
             <a:r>
               <a:rPr lang="en-GB" sz="2800" b="1" u="sng" dirty="0" err="1"/>
-              <a:t>InLap</a:t>
-            </a:r>
-            <a:endParaRPr lang="en-GB" sz="2800" b="1" u="sng" dirty="0"/>
+              <a:t>Inlap</a:t>
+            </a:r>
+            <a:r>
+              <a:rPr lang="en-GB" sz="2800" b="1" u="sng" dirty="0"/>
+              <a:t> (Just crossed S/F Line)</a:t>
+            </a:r>
           </a:p>
         </p:txBody>
       </p:sp>
+      <p:pic>
+        <p:nvPicPr>
+          <p:cNvPr id="7" name="Picture 6">
+            <a:extLst>
+              <a:ext uri="{FF2B5EF4-FFF2-40B4-BE49-F238E27FC236}">
+                <a16:creationId xmlns:a16="http://schemas.microsoft.com/office/drawing/2014/main" id="{65DCFA99-6FDA-0B64-87D7-5F4BA789429B}"/>
+              </a:ext>
+            </a:extLst>
+          </p:cNvPr>
+          <p:cNvPicPr>
+            <a:picLocks noChangeAspect="1"/>
+          </p:cNvPicPr>
+          <p:nvPr/>
+        </p:nvPicPr>
+        <p:blipFill>
+          <a:blip r:embed="rId2"/>
+          <a:stretch>
+            <a:fillRect/>
+          </a:stretch>
+        </p:blipFill>
+        <p:spPr>
+          <a:xfrm>
+            <a:off x="144916" y="651066"/>
+            <a:ext cx="10124060" cy="5858222"/>
+          </a:xfrm>
+          <a:prstGeom prst="rect">
+            <a:avLst/>
+          </a:prstGeom>
+        </p:spPr>
+      </p:pic>
     </p:spTree>
     <p:extLst>
       <p:ext uri="{BB962C8B-B14F-4D97-AF65-F5344CB8AC3E}">
-        <p14:creationId xmlns:p14="http://schemas.microsoft.com/office/powerpoint/2010/main" val="2698483766"/>
+        <p14:creationId xmlns:p14="http://schemas.microsoft.com/office/powerpoint/2010/main" val="4114993816"/>
       </p:ext>
     </p:extLst>
   </p:cSld>
@@ -4302,7 +4435,7 @@
 </p:sld>
 </file>
 
-<file path=ppt/slides/slide17.xml><?xml version="1.0" encoding="utf-8"?>
+<file path=ppt/slides/slide18.xml><?xml version="1.0" encoding="utf-8"?>
 <p:sld xmlns:a="http://schemas.openxmlformats.org/drawingml/2006/main" xmlns:r="http://schemas.openxmlformats.org/officeDocument/2006/relationships" xmlns:p="http://schemas.openxmlformats.org/presentationml/2006/main">
   <p:cSld>
     <p:spTree>
@@ -4360,6 +4493,36 @@
           </a:p>
         </p:txBody>
       </p:sp>
+      <p:pic>
+        <p:nvPicPr>
+          <p:cNvPr id="6" name="Picture 5">
+            <a:extLst>
+              <a:ext uri="{FF2B5EF4-FFF2-40B4-BE49-F238E27FC236}">
+                <a16:creationId xmlns:a16="http://schemas.microsoft.com/office/drawing/2014/main" id="{396C5FD2-4C6B-0DFF-77F4-3CF13BB27561}"/>
+              </a:ext>
+            </a:extLst>
+          </p:cNvPr>
+          <p:cNvPicPr>
+            <a:picLocks noChangeAspect="1"/>
+          </p:cNvPicPr>
+          <p:nvPr/>
+        </p:nvPicPr>
+        <p:blipFill>
+          <a:blip r:embed="rId2"/>
+          <a:stretch>
+            <a:fillRect/>
+          </a:stretch>
+        </p:blipFill>
+        <p:spPr>
+          <a:xfrm>
+            <a:off x="108488" y="689412"/>
+            <a:ext cx="9385952" cy="5897368"/>
+          </a:xfrm>
+          <a:prstGeom prst="rect">
+            <a:avLst/>
+          </a:prstGeom>
+        </p:spPr>
+      </p:pic>
     </p:spTree>
     <p:extLst>
       <p:ext uri="{BB962C8B-B14F-4D97-AF65-F5344CB8AC3E}">
@@ -4373,7 +4536,7 @@
 </p:sld>
 </file>
 
-<file path=ppt/slides/slide18.xml><?xml version="1.0" encoding="utf-8"?>
+<file path=ppt/slides/slide19.xml><?xml version="1.0" encoding="utf-8"?>
 <p:sld xmlns:a="http://schemas.openxmlformats.org/drawingml/2006/main" xmlns:r="http://schemas.openxmlformats.org/officeDocument/2006/relationships" xmlns:p="http://schemas.openxmlformats.org/presentationml/2006/main">
   <p:cSld>
     <p:spTree>
@@ -4411,7 +4574,7 @@
         <p:spPr>
           <a:xfrm>
             <a:off x="0" y="0"/>
-            <a:ext cx="2161041" cy="523220"/>
+            <a:ext cx="5690340" cy="523220"/>
           </a:xfrm>
           <a:prstGeom prst="rect">
             <a:avLst/>
@@ -4426,96 +4589,53 @@
           <a:p>
             <a:r>
               <a:rPr lang="en-GB" sz="2800" b="1" u="sng" dirty="0"/>
-              <a:t>Raw </a:t>
+              <a:t>Start of </a:t>
             </a:r>
             <a:r>
               <a:rPr lang="en-GB" sz="2800" b="1" u="sng" dirty="0" err="1"/>
               <a:t>OutLap</a:t>
             </a:r>
-            <a:endParaRPr lang="en-GB" sz="2800" b="1" u="sng" dirty="0"/>
+            <a:r>
+              <a:rPr lang="en-GB" sz="2800" b="1" u="sng" dirty="0"/>
+              <a:t> just after S/F line</a:t>
+            </a:r>
           </a:p>
         </p:txBody>
       </p:sp>
+      <p:pic>
+        <p:nvPicPr>
+          <p:cNvPr id="6" name="Picture 5">
+            <a:extLst>
+              <a:ext uri="{FF2B5EF4-FFF2-40B4-BE49-F238E27FC236}">
+                <a16:creationId xmlns:a16="http://schemas.microsoft.com/office/drawing/2014/main" id="{FBC30DF7-64B2-1DD9-7AE2-1F4EE916C10B}"/>
+              </a:ext>
+            </a:extLst>
+          </p:cNvPr>
+          <p:cNvPicPr>
+            <a:picLocks noChangeAspect="1"/>
+          </p:cNvPicPr>
+          <p:nvPr/>
+        </p:nvPicPr>
+        <p:blipFill>
+          <a:blip r:embed="rId2"/>
+          <a:stretch>
+            <a:fillRect/>
+          </a:stretch>
+        </p:blipFill>
+        <p:spPr>
+          <a:xfrm>
+            <a:off x="202002" y="690524"/>
+            <a:ext cx="9382475" cy="5927252"/>
+          </a:xfrm>
+          <a:prstGeom prst="rect">
+            <a:avLst/>
+          </a:prstGeom>
+        </p:spPr>
+      </p:pic>
     </p:spTree>
     <p:extLst>
       <p:ext uri="{BB962C8B-B14F-4D97-AF65-F5344CB8AC3E}">
         <p14:creationId xmlns:p14="http://schemas.microsoft.com/office/powerpoint/2010/main" val="3038862163"/>
-      </p:ext>
-    </p:extLst>
-  </p:cSld>
-  <p:clrMapOvr>
-    <a:masterClrMapping/>
-  </p:clrMapOvr>
-</p:sld>
-</file>
-
-<file path=ppt/slides/slide19.xml><?xml version="1.0" encoding="utf-8"?>
-<p:sld xmlns:a="http://schemas.openxmlformats.org/drawingml/2006/main" xmlns:r="http://schemas.openxmlformats.org/officeDocument/2006/relationships" xmlns:p="http://schemas.openxmlformats.org/presentationml/2006/main">
-  <p:cSld>
-    <p:spTree>
-      <p:nvGrpSpPr>
-        <p:cNvPr id="1" name="">
-          <a:extLst>
-            <a:ext uri="{FF2B5EF4-FFF2-40B4-BE49-F238E27FC236}">
-              <a16:creationId xmlns:a16="http://schemas.microsoft.com/office/drawing/2014/main" id="{D3786FF8-9437-2B4A-9D7B-B76C442291F6}"/>
-            </a:ext>
-          </a:extLst>
-        </p:cNvPr>
-        <p:cNvGrpSpPr/>
-        <p:nvPr/>
-      </p:nvGrpSpPr>
-      <p:grpSpPr>
-        <a:xfrm>
-          <a:off x="0" y="0"/>
-          <a:ext cx="0" cy="0"/>
-          <a:chOff x="0" y="0"/>
-          <a:chExt cx="0" cy="0"/>
-        </a:xfrm>
-      </p:grpSpPr>
-      <p:sp>
-        <p:nvSpPr>
-          <p:cNvPr id="2" name="TextBox 1">
-            <a:extLst>
-              <a:ext uri="{FF2B5EF4-FFF2-40B4-BE49-F238E27FC236}">
-                <a16:creationId xmlns:a16="http://schemas.microsoft.com/office/drawing/2014/main" id="{A460A949-39DF-CC9F-8623-8DBB770EF784}"/>
-              </a:ext>
-            </a:extLst>
-          </p:cNvPr>
-          <p:cNvSpPr txBox="1"/>
-          <p:nvPr/>
-        </p:nvSpPr>
-        <p:spPr>
-          <a:xfrm>
-            <a:off x="0" y="0"/>
-            <a:ext cx="2853025" cy="523220"/>
-          </a:xfrm>
-          <a:prstGeom prst="rect">
-            <a:avLst/>
-          </a:prstGeom>
-          <a:noFill/>
-        </p:spPr>
-        <p:txBody>
-          <a:bodyPr wrap="none" rtlCol="0">
-            <a:spAutoFit/>
-          </a:bodyPr>
-          <a:lstStyle/>
-          <a:p>
-            <a:r>
-              <a:rPr lang="en-GB" sz="2800" b="1" u="sng" dirty="0"/>
-              <a:t>Lap After </a:t>
-            </a:r>
-            <a:r>
-              <a:rPr lang="en-GB" sz="2800" b="1" u="sng" dirty="0" err="1"/>
-              <a:t>Outlap</a:t>
-            </a:r>
-            <a:endParaRPr lang="en-GB" sz="2800" b="1" u="sng" dirty="0"/>
-          </a:p>
-        </p:txBody>
-      </p:sp>
-    </p:spTree>
-    <p:extLst>
-      <p:ext uri="{BB962C8B-B14F-4D97-AF65-F5344CB8AC3E}">
-        <p14:creationId xmlns:p14="http://schemas.microsoft.com/office/powerpoint/2010/main" val="1156879548"/>
       </p:ext>
     </p:extLst>
   </p:cSld>
@@ -4593,6 +4713,131 @@
         <p:cNvPr id="1" name="">
           <a:extLst>
             <a:ext uri="{FF2B5EF4-FFF2-40B4-BE49-F238E27FC236}">
+              <a16:creationId xmlns:a16="http://schemas.microsoft.com/office/drawing/2014/main" id="{D3786FF8-9437-2B4A-9D7B-B76C442291F6}"/>
+            </a:ext>
+          </a:extLst>
+        </p:cNvPr>
+        <p:cNvGrpSpPr/>
+        <p:nvPr/>
+      </p:nvGrpSpPr>
+      <p:grpSpPr>
+        <a:xfrm>
+          <a:off x="0" y="0"/>
+          <a:ext cx="0" cy="0"/>
+          <a:chOff x="0" y="0"/>
+          <a:chExt cx="0" cy="0"/>
+        </a:xfrm>
+      </p:grpSpPr>
+      <p:sp>
+        <p:nvSpPr>
+          <p:cNvPr id="2" name="TextBox 1">
+            <a:extLst>
+              <a:ext uri="{FF2B5EF4-FFF2-40B4-BE49-F238E27FC236}">
+                <a16:creationId xmlns:a16="http://schemas.microsoft.com/office/drawing/2014/main" id="{A460A949-39DF-CC9F-8623-8DBB770EF784}"/>
+              </a:ext>
+            </a:extLst>
+          </p:cNvPr>
+          <p:cNvSpPr txBox="1"/>
+          <p:nvPr/>
+        </p:nvSpPr>
+        <p:spPr>
+          <a:xfrm>
+            <a:off x="0" y="0"/>
+            <a:ext cx="11353800" cy="1384995"/>
+          </a:xfrm>
+          <a:prstGeom prst="rect">
+            <a:avLst/>
+          </a:prstGeom>
+          <a:noFill/>
+        </p:spPr>
+        <p:txBody>
+          <a:bodyPr wrap="square" rtlCol="0">
+            <a:spAutoFit/>
+          </a:bodyPr>
+          <a:lstStyle/>
+          <a:p>
+            <a:r>
+              <a:rPr lang="en-GB" sz="2800" b="1" u="sng" dirty="0"/>
+              <a:t>Start of Lap After </a:t>
+            </a:r>
+            <a:r>
+              <a:rPr lang="en-GB" sz="2800" b="1" u="sng" dirty="0" err="1"/>
+              <a:t>Outlap</a:t>
+            </a:r>
+            <a:r>
+              <a:rPr lang="en-GB" sz="2800" b="1" u="sng" dirty="0"/>
+              <a:t> (just after S/F line and </a:t>
+            </a:r>
+            <a:r>
+              <a:rPr lang="en-GB" sz="2800" b="1" u="sng" dirty="0" err="1"/>
+              <a:t>outlap</a:t>
+            </a:r>
+            <a:r>
+              <a:rPr lang="en-GB" sz="2800" b="1" u="sng" dirty="0"/>
+              <a:t> time known) – </a:t>
+            </a:r>
+            <a:r>
+              <a:rPr lang="en-GB" sz="2800" b="1" u="sng" dirty="0">
+                <a:highlight>
+                  <a:srgbClr val="FFFF00"/>
+                </a:highlight>
+              </a:rPr>
+              <a:t>THIS IS WHEN WE WANT THE DATA CAPTURED AND FROZEN UNTIL NEXT EVENT</a:t>
+            </a:r>
+          </a:p>
+        </p:txBody>
+      </p:sp>
+      <p:pic>
+        <p:nvPicPr>
+          <p:cNvPr id="6" name="Picture 5">
+            <a:extLst>
+              <a:ext uri="{FF2B5EF4-FFF2-40B4-BE49-F238E27FC236}">
+                <a16:creationId xmlns:a16="http://schemas.microsoft.com/office/drawing/2014/main" id="{2EBFDDE1-08C7-A251-7FE8-45F2F9859BFD}"/>
+              </a:ext>
+            </a:extLst>
+          </p:cNvPr>
+          <p:cNvPicPr>
+            <a:picLocks noChangeAspect="1"/>
+          </p:cNvPicPr>
+          <p:nvPr/>
+        </p:nvPicPr>
+        <p:blipFill>
+          <a:blip r:embed="rId2"/>
+          <a:stretch>
+            <a:fillRect/>
+          </a:stretch>
+        </p:blipFill>
+        <p:spPr>
+          <a:xfrm>
+            <a:off x="214883" y="1388871"/>
+            <a:ext cx="8290497" cy="5244404"/>
+          </a:xfrm>
+          <a:prstGeom prst="rect">
+            <a:avLst/>
+          </a:prstGeom>
+        </p:spPr>
+      </p:pic>
+    </p:spTree>
+    <p:extLst>
+      <p:ext uri="{BB962C8B-B14F-4D97-AF65-F5344CB8AC3E}">
+        <p14:creationId xmlns:p14="http://schemas.microsoft.com/office/powerpoint/2010/main" val="1156879548"/>
+      </p:ext>
+    </p:extLst>
+  </p:cSld>
+  <p:clrMapOvr>
+    <a:masterClrMapping/>
+  </p:clrMapOvr>
+</p:sld>
+</file>
+
+<file path=ppt/slides/slide21.xml><?xml version="1.0" encoding="utf-8"?>
+<p:sld xmlns:a="http://schemas.openxmlformats.org/drawingml/2006/main" xmlns:r="http://schemas.openxmlformats.org/officeDocument/2006/relationships" xmlns:p="http://schemas.openxmlformats.org/presentationml/2006/main">
+  <p:cSld>
+    <p:spTree>
+      <p:nvGrpSpPr>
+        <p:cNvPr id="1" name="">
+          <a:extLst>
+            <a:ext uri="{FF2B5EF4-FFF2-40B4-BE49-F238E27FC236}">
               <a16:creationId xmlns:a16="http://schemas.microsoft.com/office/drawing/2014/main" id="{D0CAFE3F-C208-E75D-8F56-576EF905A56B}"/>
             </a:ext>
           </a:extLst>
@@ -4623,7 +4868,7 @@
         <p:spPr>
           <a:xfrm>
             <a:off x="0" y="0"/>
-            <a:ext cx="3389774" cy="523220"/>
+            <a:ext cx="11077135" cy="523220"/>
           </a:xfrm>
           <a:prstGeom prst="rect">
             <a:avLst/>
@@ -4644,10 +4889,51 @@
               <a:rPr lang="en-GB" sz="2800" b="1" u="sng" dirty="0" err="1"/>
               <a:t>OutLap</a:t>
             </a:r>
-            <a:endParaRPr lang="en-GB" sz="2800" b="1" u="sng" dirty="0"/>
+            <a:r>
+              <a:rPr lang="en-GB" sz="2800" b="1" u="sng" dirty="0"/>
+              <a:t> (just after S/F line) – 1</a:t>
+            </a:r>
+            <a:r>
+              <a:rPr lang="en-GB" sz="2800" b="1" u="sng" baseline="30000" dirty="0"/>
+              <a:t>st</a:t>
+            </a:r>
+            <a:r>
+              <a:rPr lang="en-GB" sz="2800" b="1" u="sng" dirty="0"/>
+              <a:t> normal lap after pitting.</a:t>
+            </a:r>
           </a:p>
         </p:txBody>
       </p:sp>
+      <p:pic>
+        <p:nvPicPr>
+          <p:cNvPr id="6" name="Picture 5">
+            <a:extLst>
+              <a:ext uri="{FF2B5EF4-FFF2-40B4-BE49-F238E27FC236}">
+                <a16:creationId xmlns:a16="http://schemas.microsoft.com/office/drawing/2014/main" id="{A27AE94F-8060-1DD6-A63C-65C9596D4DBF}"/>
+              </a:ext>
+            </a:extLst>
+          </p:cNvPr>
+          <p:cNvPicPr>
+            <a:picLocks noChangeAspect="1"/>
+          </p:cNvPicPr>
+          <p:nvPr/>
+        </p:nvPicPr>
+        <p:blipFill>
+          <a:blip r:embed="rId2"/>
+          <a:stretch>
+            <a:fillRect/>
+          </a:stretch>
+        </p:blipFill>
+        <p:spPr>
+          <a:xfrm>
+            <a:off x="189787" y="660103"/>
+            <a:ext cx="9131881" cy="5787192"/>
+          </a:xfrm>
+          <a:prstGeom prst="rect">
+            <a:avLst/>
+          </a:prstGeom>
+        </p:spPr>
+      </p:pic>
     </p:spTree>
     <p:extLst>
       <p:ext uri="{BB962C8B-B14F-4D97-AF65-F5344CB8AC3E}">
@@ -4661,7 +4947,7 @@
 </p:sld>
 </file>
 
-<file path=ppt/slides/slide21.xml><?xml version="1.0" encoding="utf-8"?>
+<file path=ppt/slides/slide22.xml><?xml version="1.0" encoding="utf-8"?>
 <p:sld xmlns:a="http://schemas.openxmlformats.org/drawingml/2006/main" xmlns:r="http://schemas.openxmlformats.org/officeDocument/2006/relationships" xmlns:p="http://schemas.openxmlformats.org/presentationml/2006/main">
   <p:cSld>
     <p:spTree>
@@ -4669,7 +4955,7 @@
         <p:cNvPr id="1" name="">
           <a:extLst>
             <a:ext uri="{FF2B5EF4-FFF2-40B4-BE49-F238E27FC236}">
-              <a16:creationId xmlns:a16="http://schemas.microsoft.com/office/drawing/2014/main" id="{43C6F10C-A12A-B1A5-758D-05A204FCE0AE}"/>
+              <a16:creationId xmlns:a16="http://schemas.microsoft.com/office/drawing/2014/main" id="{402CDFA7-7562-3C0A-8003-DFA4087B06C8}"/>
             </a:ext>
           </a:extLst>
         </p:cNvPr>
@@ -4684,10 +4970,91 @@
           <a:chExt cx="0" cy="0"/>
         </a:xfrm>
       </p:grpSpPr>
+      <p:sp>
+        <p:nvSpPr>
+          <p:cNvPr id="2" name="TextBox 1">
+            <a:extLst>
+              <a:ext uri="{FF2B5EF4-FFF2-40B4-BE49-F238E27FC236}">
+                <a16:creationId xmlns:a16="http://schemas.microsoft.com/office/drawing/2014/main" id="{D9D74C5A-51DC-A668-6D7F-A14B317EC4E2}"/>
+              </a:ext>
+            </a:extLst>
+          </p:cNvPr>
+          <p:cNvSpPr txBox="1"/>
+          <p:nvPr/>
+        </p:nvSpPr>
+        <p:spPr>
+          <a:xfrm>
+            <a:off x="0" y="0"/>
+            <a:ext cx="11077135" cy="523220"/>
+          </a:xfrm>
+          <a:prstGeom prst="rect">
+            <a:avLst/>
+          </a:prstGeom>
+          <a:noFill/>
+        </p:spPr>
+        <p:txBody>
+          <a:bodyPr wrap="none" rtlCol="0">
+            <a:spAutoFit/>
+          </a:bodyPr>
+          <a:lstStyle/>
+          <a:p>
+            <a:r>
+              <a:rPr lang="en-GB" sz="2800" b="1" u="sng" dirty="0"/>
+              <a:t>3 Laps After </a:t>
+            </a:r>
+            <a:r>
+              <a:rPr lang="en-GB" sz="2800" b="1" u="sng" dirty="0" err="1"/>
+              <a:t>OutLap</a:t>
+            </a:r>
+            <a:r>
+              <a:rPr lang="en-GB" sz="2800" b="1" u="sng" dirty="0"/>
+              <a:t> (just after S/F line) – 2</a:t>
+            </a:r>
+            <a:r>
+              <a:rPr lang="en-GB" sz="2800" b="1" u="sng" baseline="30000" dirty="0"/>
+              <a:t>st</a:t>
+            </a:r>
+            <a:r>
+              <a:rPr lang="en-GB" sz="2800" b="1" u="sng" dirty="0"/>
+              <a:t> normal lap after pitting.</a:t>
+            </a:r>
+          </a:p>
+        </p:txBody>
+      </p:sp>
+      <p:pic>
+        <p:nvPicPr>
+          <p:cNvPr id="4" name="Picture 3">
+            <a:extLst>
+              <a:ext uri="{FF2B5EF4-FFF2-40B4-BE49-F238E27FC236}">
+                <a16:creationId xmlns:a16="http://schemas.microsoft.com/office/drawing/2014/main" id="{BD91BB67-C668-C70B-8073-F2669978D39B}"/>
+              </a:ext>
+            </a:extLst>
+          </p:cNvPr>
+          <p:cNvPicPr>
+            <a:picLocks noChangeAspect="1"/>
+          </p:cNvPicPr>
+          <p:nvPr/>
+        </p:nvPicPr>
+        <p:blipFill>
+          <a:blip r:embed="rId2"/>
+          <a:stretch>
+            <a:fillRect/>
+          </a:stretch>
+        </p:blipFill>
+        <p:spPr>
+          <a:xfrm>
+            <a:off x="248225" y="675603"/>
+            <a:ext cx="9274181" cy="5849183"/>
+          </a:xfrm>
+          <a:prstGeom prst="rect">
+            <a:avLst/>
+          </a:prstGeom>
+        </p:spPr>
+      </p:pic>
     </p:spTree>
     <p:extLst>
       <p:ext uri="{BB962C8B-B14F-4D97-AF65-F5344CB8AC3E}">
-        <p14:creationId xmlns:p14="http://schemas.microsoft.com/office/powerpoint/2010/main" val="721931620"/>
+        <p14:creationId xmlns:p14="http://schemas.microsoft.com/office/powerpoint/2010/main" val="3492940712"/>
       </p:ext>
     </p:extLst>
   </p:cSld>
@@ -4697,7 +5064,7 @@
 </p:sld>
 </file>
 
-<file path=ppt/slides/slide22.xml><?xml version="1.0" encoding="utf-8"?>
+<file path=ppt/slides/slide23.xml><?xml version="1.0" encoding="utf-8"?>
 <p:sld xmlns:a="http://schemas.openxmlformats.org/drawingml/2006/main" xmlns:r="http://schemas.openxmlformats.org/officeDocument/2006/relationships" xmlns:p="http://schemas.openxmlformats.org/presentationml/2006/main">
   <p:cSld>
     <p:spTree>
@@ -4720,6 +5087,87 @@
           <a:chExt cx="0" cy="0"/>
         </a:xfrm>
       </p:grpSpPr>
+      <p:pic>
+        <p:nvPicPr>
+          <p:cNvPr id="2" name="Picture 1">
+            <a:extLst>
+              <a:ext uri="{FF2B5EF4-FFF2-40B4-BE49-F238E27FC236}">
+                <a16:creationId xmlns:a16="http://schemas.microsoft.com/office/drawing/2014/main" id="{3BCA8FA2-75DC-E8EA-3987-A891BE204D6B}"/>
+              </a:ext>
+            </a:extLst>
+          </p:cNvPr>
+          <p:cNvPicPr>
+            <a:picLocks noChangeAspect="1"/>
+          </p:cNvPicPr>
+          <p:nvPr/>
+        </p:nvPicPr>
+        <p:blipFill>
+          <a:blip r:embed="rId2"/>
+          <a:stretch>
+            <a:fillRect/>
+          </a:stretch>
+        </p:blipFill>
+        <p:spPr>
+          <a:xfrm>
+            <a:off x="1309940" y="670956"/>
+            <a:ext cx="9924525" cy="6187044"/>
+          </a:xfrm>
+          <a:prstGeom prst="rect">
+            <a:avLst/>
+          </a:prstGeom>
+        </p:spPr>
+      </p:pic>
+      <p:sp>
+        <p:nvSpPr>
+          <p:cNvPr id="3" name="TextBox 2">
+            <a:extLst>
+              <a:ext uri="{FF2B5EF4-FFF2-40B4-BE49-F238E27FC236}">
+                <a16:creationId xmlns:a16="http://schemas.microsoft.com/office/drawing/2014/main" id="{B5B0FE8C-56BF-F699-E21B-6A511764742A}"/>
+              </a:ext>
+            </a:extLst>
+          </p:cNvPr>
+          <p:cNvSpPr txBox="1"/>
+          <p:nvPr/>
+        </p:nvSpPr>
+        <p:spPr>
+          <a:xfrm>
+            <a:off x="0" y="0"/>
+            <a:ext cx="8806322" cy="523220"/>
+          </a:xfrm>
+          <a:prstGeom prst="rect">
+            <a:avLst/>
+          </a:prstGeom>
+          <a:noFill/>
+        </p:spPr>
+        <p:txBody>
+          <a:bodyPr wrap="none" rtlCol="0">
+            <a:spAutoFit/>
+          </a:bodyPr>
+          <a:lstStyle/>
+          <a:p>
+            <a:r>
+              <a:rPr lang="en-GB" sz="2800" b="1" u="sng" dirty="0"/>
+              <a:t>Lap After </a:t>
+            </a:r>
+            <a:r>
+              <a:rPr lang="en-GB" sz="2800" b="1" u="sng" dirty="0" err="1"/>
+              <a:t>Outlap</a:t>
+            </a:r>
+            <a:r>
+              <a:rPr lang="en-GB" sz="2800" b="1" u="sng" dirty="0"/>
+              <a:t> (just after S/F line) – </a:t>
+            </a:r>
+            <a:r>
+              <a:rPr lang="en-GB" sz="2800" b="1" u="sng" dirty="0">
+                <a:highlight>
+                  <a:srgbClr val="FFFF00"/>
+                </a:highlight>
+              </a:rPr>
+              <a:t>Pit Box after S/F</a:t>
+            </a:r>
+          </a:p>
+        </p:txBody>
+      </p:sp>
     </p:spTree>
     <p:extLst>
       <p:ext uri="{BB962C8B-B14F-4D97-AF65-F5344CB8AC3E}">
@@ -4733,7 +5181,7 @@
 </p:sld>
 </file>
 
-<file path=ppt/slides/slide23.xml><?xml version="1.0" encoding="utf-8"?>
+<file path=ppt/slides/slide24.xml><?xml version="1.0" encoding="utf-8"?>
 <p:sld xmlns:a="http://schemas.openxmlformats.org/drawingml/2006/main" xmlns:r="http://schemas.openxmlformats.org/officeDocument/2006/relationships" xmlns:p="http://schemas.openxmlformats.org/presentationml/2006/main">
   <p:cSld>
     <p:spTree>
@@ -4756,6 +5204,144 @@
           <a:chExt cx="0" cy="0"/>
         </a:xfrm>
       </p:grpSpPr>
+      <p:pic>
+        <p:nvPicPr>
+          <p:cNvPr id="2" name="Picture 1">
+            <a:extLst>
+              <a:ext uri="{FF2B5EF4-FFF2-40B4-BE49-F238E27FC236}">
+                <a16:creationId xmlns:a16="http://schemas.microsoft.com/office/drawing/2014/main" id="{941ECA30-D55A-9281-E477-241FEFC2F4DD}"/>
+              </a:ext>
+            </a:extLst>
+          </p:cNvPr>
+          <p:cNvPicPr>
+            <a:picLocks noChangeAspect="1"/>
+          </p:cNvPicPr>
+          <p:nvPr/>
+        </p:nvPicPr>
+        <p:blipFill>
+          <a:blip r:embed="rId2"/>
+          <a:stretch>
+            <a:fillRect/>
+          </a:stretch>
+        </p:blipFill>
+        <p:spPr>
+          <a:xfrm>
+            <a:off x="0" y="624372"/>
+            <a:ext cx="6639819" cy="4043019"/>
+          </a:xfrm>
+          <a:prstGeom prst="rect">
+            <a:avLst/>
+          </a:prstGeom>
+        </p:spPr>
+      </p:pic>
+      <p:pic>
+        <p:nvPicPr>
+          <p:cNvPr id="3" name="Picture 2">
+            <a:extLst>
+              <a:ext uri="{FF2B5EF4-FFF2-40B4-BE49-F238E27FC236}">
+                <a16:creationId xmlns:a16="http://schemas.microsoft.com/office/drawing/2014/main" id="{B77739D6-CD7E-33CD-6822-3AE129C0E1E5}"/>
+              </a:ext>
+            </a:extLst>
+          </p:cNvPr>
+          <p:cNvPicPr>
+            <a:picLocks noChangeAspect="1"/>
+          </p:cNvPicPr>
+          <p:nvPr/>
+        </p:nvPicPr>
+        <p:blipFill>
+          <a:blip r:embed="rId3"/>
+          <a:stretch>
+            <a:fillRect/>
+          </a:stretch>
+        </p:blipFill>
+        <p:spPr>
+          <a:xfrm>
+            <a:off x="5552180" y="2597728"/>
+            <a:ext cx="6639820" cy="4139327"/>
+          </a:xfrm>
+          <a:prstGeom prst="rect">
+            <a:avLst/>
+          </a:prstGeom>
+        </p:spPr>
+      </p:pic>
+      <p:sp>
+        <p:nvSpPr>
+          <p:cNvPr id="4" name="TextBox 3">
+            <a:extLst>
+              <a:ext uri="{FF2B5EF4-FFF2-40B4-BE49-F238E27FC236}">
+                <a16:creationId xmlns:a16="http://schemas.microsoft.com/office/drawing/2014/main" id="{4AB3F684-C19E-0133-810A-DADEC90FECB4}"/>
+              </a:ext>
+            </a:extLst>
+          </p:cNvPr>
+          <p:cNvSpPr txBox="1"/>
+          <p:nvPr/>
+        </p:nvSpPr>
+        <p:spPr>
+          <a:xfrm>
+            <a:off x="0" y="0"/>
+            <a:ext cx="3303981" cy="523220"/>
+          </a:xfrm>
+          <a:prstGeom prst="rect">
+            <a:avLst/>
+          </a:prstGeom>
+          <a:noFill/>
+        </p:spPr>
+        <p:txBody>
+          <a:bodyPr wrap="none" rtlCol="0">
+            <a:spAutoFit/>
+          </a:bodyPr>
+          <a:lstStyle/>
+          <a:p>
+            <a:r>
+              <a:rPr lang="en-GB" sz="2800" b="1" u="sng" dirty="0">
+                <a:highlight>
+                  <a:srgbClr val="FFFF00"/>
+                </a:highlight>
+              </a:rPr>
+              <a:t>Pit Box BEFORE S/F</a:t>
+            </a:r>
+          </a:p>
+        </p:txBody>
+      </p:sp>
+      <p:sp>
+        <p:nvSpPr>
+          <p:cNvPr id="5" name="TextBox 4">
+            <a:extLst>
+              <a:ext uri="{FF2B5EF4-FFF2-40B4-BE49-F238E27FC236}">
+                <a16:creationId xmlns:a16="http://schemas.microsoft.com/office/drawing/2014/main" id="{B899CF93-007F-AA20-8445-0DA4ED9F8952}"/>
+              </a:ext>
+            </a:extLst>
+          </p:cNvPr>
+          <p:cNvSpPr txBox="1"/>
+          <p:nvPr/>
+        </p:nvSpPr>
+        <p:spPr>
+          <a:xfrm>
+            <a:off x="9171878" y="1974980"/>
+            <a:ext cx="3020122" cy="523220"/>
+          </a:xfrm>
+          <a:prstGeom prst="rect">
+            <a:avLst/>
+          </a:prstGeom>
+          <a:noFill/>
+        </p:spPr>
+        <p:txBody>
+          <a:bodyPr wrap="none" rtlCol="0">
+            <a:spAutoFit/>
+          </a:bodyPr>
+          <a:lstStyle/>
+          <a:p>
+            <a:r>
+              <a:rPr lang="en-GB" sz="2800" b="1" u="sng" dirty="0">
+                <a:highlight>
+                  <a:srgbClr val="FFFF00"/>
+                </a:highlight>
+              </a:rPr>
+              <a:t>Pit Box AFTER S/F</a:t>
+            </a:r>
+          </a:p>
+        </p:txBody>
+      </p:sp>
     </p:spTree>
     <p:extLst>
       <p:ext uri="{BB962C8B-B14F-4D97-AF65-F5344CB8AC3E}">
@@ -4769,7 +5355,7 @@
 </p:sld>
 </file>
 
-<file path=ppt/slides/slide24.xml><?xml version="1.0" encoding="utf-8"?>
+<file path=ppt/slides/slide25.xml><?xml version="1.0" encoding="utf-8"?>
 <p:sld xmlns:a="http://schemas.openxmlformats.org/drawingml/2006/main" xmlns:r="http://schemas.openxmlformats.org/officeDocument/2006/relationships" xmlns:p="http://schemas.openxmlformats.org/presentationml/2006/main">
   <p:cSld>
     <p:spTree>
@@ -4792,6 +5378,2166 @@
           <a:chExt cx="0" cy="0"/>
         </a:xfrm>
       </p:grpSpPr>
+      <p:graphicFrame>
+        <p:nvGraphicFramePr>
+          <p:cNvPr id="2" name="Table 1">
+            <a:extLst>
+              <a:ext uri="{FF2B5EF4-FFF2-40B4-BE49-F238E27FC236}">
+                <a16:creationId xmlns:a16="http://schemas.microsoft.com/office/drawing/2014/main" id="{FDBA22C4-3E7B-4DBE-11B2-F58A3400F500}"/>
+              </a:ext>
+            </a:extLst>
+          </p:cNvPr>
+          <p:cNvGraphicFramePr>
+            <a:graphicFrameLocks noGrp="1"/>
+          </p:cNvGraphicFramePr>
+          <p:nvPr>
+            <p:extLst>
+              <p:ext uri="{D42A27DB-BD31-4B8C-83A1-F6EECF244321}">
+                <p14:modId xmlns:p14="http://schemas.microsoft.com/office/powerpoint/2010/main" val="1438268141"/>
+              </p:ext>
+            </p:extLst>
+          </p:nvPr>
+        </p:nvGraphicFramePr>
+        <p:xfrm>
+          <a:off x="1959428" y="179614"/>
+          <a:ext cx="9209316" cy="6678381"/>
+        </p:xfrm>
+        <a:graphic>
+          <a:graphicData uri="http://schemas.openxmlformats.org/drawingml/2006/table">
+            <a:tbl>
+              <a:tblPr/>
+              <a:tblGrid>
+                <a:gridCol w="3069772">
+                  <a:extLst>
+                    <a:ext uri="{9D8B030D-6E8A-4147-A177-3AD203B41FA5}">
+                      <a16:colId xmlns:a16="http://schemas.microsoft.com/office/drawing/2014/main" val="2730666903"/>
+                    </a:ext>
+                  </a:extLst>
+                </a:gridCol>
+                <a:gridCol w="3069772">
+                  <a:extLst>
+                    <a:ext uri="{9D8B030D-6E8A-4147-A177-3AD203B41FA5}">
+                      <a16:colId xmlns:a16="http://schemas.microsoft.com/office/drawing/2014/main" val="3335558599"/>
+                    </a:ext>
+                  </a:extLst>
+                </a:gridCol>
+                <a:gridCol w="3069772">
+                  <a:extLst>
+                    <a:ext uri="{9D8B030D-6E8A-4147-A177-3AD203B41FA5}">
+                      <a16:colId xmlns:a16="http://schemas.microsoft.com/office/drawing/2014/main" val="3862510514"/>
+                    </a:ext>
+                  </a:extLst>
+                </a:gridCol>
+              </a:tblGrid>
+              <a:tr h="326912">
+                <a:tc>
+                  <a:txBody>
+                    <a:bodyPr/>
+                    <a:lstStyle/>
+                    <a:p>
+                      <a:pPr>
+                        <a:buNone/>
+                      </a:pPr>
+                      <a:r>
+                        <a:rPr lang="en-GB" sz="600"/>
+                        <a:t>Old property (still supported)</a:t>
+                      </a:r>
+                    </a:p>
+                  </a:txBody>
+                  <a:tcPr marL="30429" marR="30429" marT="15214" marB="15214" anchor="ctr">
+                    <a:lnL>
+                      <a:noFill/>
+                    </a:lnL>
+                    <a:lnR>
+                      <a:noFill/>
+                    </a:lnR>
+                    <a:lnT>
+                      <a:noFill/>
+                    </a:lnT>
+                    <a:lnB>
+                      <a:noFill/>
+                    </a:lnB>
+                    <a:noFill/>
+                  </a:tcPr>
+                </a:tc>
+                <a:tc>
+                  <a:txBody>
+                    <a:bodyPr/>
+                    <a:lstStyle/>
+                    <a:p>
+                      <a:pPr>
+                        <a:buNone/>
+                      </a:pPr>
+                      <a:r>
+                        <a:rPr lang="en-US" sz="600"/>
+                        <a:t>New canonical (use this going forward)</a:t>
+                      </a:r>
+                    </a:p>
+                  </a:txBody>
+                  <a:tcPr marL="30429" marR="30429" marT="15214" marB="15214" anchor="ctr">
+                    <a:lnL>
+                      <a:noFill/>
+                    </a:lnL>
+                    <a:lnR>
+                      <a:noFill/>
+                    </a:lnR>
+                    <a:lnT>
+                      <a:noFill/>
+                    </a:lnT>
+                    <a:lnB>
+                      <a:noFill/>
+                    </a:lnB>
+                    <a:noFill/>
+                  </a:tcPr>
+                </a:tc>
+                <a:tc>
+                  <a:txBody>
+                    <a:bodyPr/>
+                    <a:lstStyle/>
+                    <a:p>
+                      <a:pPr>
+                        <a:buNone/>
+                      </a:pPr>
+                      <a:r>
+                        <a:rPr lang="en-GB" sz="600"/>
+                        <a:t>Notes</a:t>
+                      </a:r>
+                    </a:p>
+                  </a:txBody>
+                  <a:tcPr marL="30429" marR="30429" marT="15214" marB="15214" anchor="ctr">
+                    <a:lnL>
+                      <a:noFill/>
+                    </a:lnL>
+                    <a:lnR>
+                      <a:noFill/>
+                    </a:lnR>
+                    <a:lnT>
+                      <a:noFill/>
+                    </a:lnT>
+                    <a:lnB>
+                      <a:noFill/>
+                    </a:lnB>
+                    <a:noFill/>
+                  </a:tcPr>
+                </a:tc>
+                <a:extLst>
+                  <a:ext uri="{0D108BD9-81ED-4DB2-BD59-A6C34878D82A}">
+                    <a16:rowId xmlns:a16="http://schemas.microsoft.com/office/drawing/2014/main" val="3502610967"/>
+                  </a:ext>
+                </a:extLst>
+              </a:tr>
+              <a:tr h="326912">
+                <a:tc>
+                  <a:txBody>
+                    <a:bodyPr/>
+                    <a:lstStyle/>
+                    <a:p>
+                      <a:pPr>
+                        <a:buNone/>
+                      </a:pPr>
+                      <a:r>
+                        <a:rPr lang="en-GB" sz="600">
+                          <a:latin typeface="Courier New" panose="02070309020205020404" pitchFamily="49" charset="0"/>
+                        </a:rPr>
+                        <a:t>LalaLaunch.Lala.Pit.AvgPaceUsedSec</a:t>
+                      </a:r>
+                      <a:endParaRPr lang="en-GB" sz="600"/>
+                    </a:p>
+                  </a:txBody>
+                  <a:tcPr marL="30429" marR="30429" marT="15214" marB="15214" anchor="ctr">
+                    <a:lnL>
+                      <a:noFill/>
+                    </a:lnL>
+                    <a:lnR>
+                      <a:noFill/>
+                    </a:lnR>
+                    <a:lnT>
+                      <a:noFill/>
+                    </a:lnT>
+                    <a:lnB>
+                      <a:noFill/>
+                    </a:lnB>
+                    <a:noFill/>
+                  </a:tcPr>
+                </a:tc>
+                <a:tc>
+                  <a:txBody>
+                    <a:bodyPr/>
+                    <a:lstStyle/>
+                    <a:p>
+                      <a:pPr>
+                        <a:buNone/>
+                      </a:pPr>
+                      <a:r>
+                        <a:rPr lang="en-GB" sz="600">
+                          <a:latin typeface="Courier New" panose="02070309020205020404" pitchFamily="49" charset="0"/>
+                        </a:rPr>
+                        <a:t>LalaLaunch.Pit.AvgPaceUsedSec</a:t>
+                      </a:r>
+                      <a:endParaRPr lang="en-GB" sz="600"/>
+                    </a:p>
+                  </a:txBody>
+                  <a:tcPr marL="30429" marR="30429" marT="15214" marB="15214" anchor="ctr">
+                    <a:lnL>
+                      <a:noFill/>
+                    </a:lnL>
+                    <a:lnR>
+                      <a:noFill/>
+                    </a:lnR>
+                    <a:lnT>
+                      <a:noFill/>
+                    </a:lnT>
+                    <a:lnB>
+                      <a:noFill/>
+                    </a:lnB>
+                    <a:noFill/>
+                  </a:tcPr>
+                </a:tc>
+                <a:tc>
+                  <a:txBody>
+                    <a:bodyPr/>
+                    <a:lstStyle/>
+                    <a:p>
+                      <a:pPr>
+                        <a:buNone/>
+                      </a:pPr>
+                      <a:r>
+                        <a:rPr lang="en-GB" sz="600"/>
+                        <a:t>Seconds</a:t>
+                      </a:r>
+                    </a:p>
+                  </a:txBody>
+                  <a:tcPr marL="30429" marR="30429" marT="15214" marB="15214" anchor="ctr">
+                    <a:lnL>
+                      <a:noFill/>
+                    </a:lnL>
+                    <a:lnR>
+                      <a:noFill/>
+                    </a:lnR>
+                    <a:lnT>
+                      <a:noFill/>
+                    </a:lnT>
+                    <a:lnB>
+                      <a:noFill/>
+                    </a:lnB>
+                    <a:noFill/>
+                  </a:tcPr>
+                </a:tc>
+                <a:extLst>
+                  <a:ext uri="{0D108BD9-81ED-4DB2-BD59-A6C34878D82A}">
+                    <a16:rowId xmlns:a16="http://schemas.microsoft.com/office/drawing/2014/main" val="3146108172"/>
+                  </a:ext>
+                </a:extLst>
+              </a:tr>
+              <a:tr h="326912">
+                <a:tc>
+                  <a:txBody>
+                    <a:bodyPr/>
+                    <a:lstStyle/>
+                    <a:p>
+                      <a:pPr>
+                        <a:buNone/>
+                      </a:pPr>
+                      <a:r>
+                        <a:rPr lang="en-GB" sz="600">
+                          <a:latin typeface="Courier New" panose="02070309020205020404" pitchFamily="49" charset="0"/>
+                        </a:rPr>
+                        <a:t>LalaLaunch.Lala.Pit.AvgPaceSource</a:t>
+                      </a:r>
+                      <a:endParaRPr lang="en-GB" sz="600"/>
+                    </a:p>
+                  </a:txBody>
+                  <a:tcPr marL="30429" marR="30429" marT="15214" marB="15214" anchor="ctr">
+                    <a:lnL>
+                      <a:noFill/>
+                    </a:lnL>
+                    <a:lnR>
+                      <a:noFill/>
+                    </a:lnR>
+                    <a:lnT>
+                      <a:noFill/>
+                    </a:lnT>
+                    <a:lnB>
+                      <a:noFill/>
+                    </a:lnB>
+                    <a:noFill/>
+                  </a:tcPr>
+                </a:tc>
+                <a:tc>
+                  <a:txBody>
+                    <a:bodyPr/>
+                    <a:lstStyle/>
+                    <a:p>
+                      <a:pPr>
+                        <a:buNone/>
+                      </a:pPr>
+                      <a:r>
+                        <a:rPr lang="en-GB" sz="600">
+                          <a:latin typeface="Courier New" panose="02070309020205020404" pitchFamily="49" charset="0"/>
+                        </a:rPr>
+                        <a:t>LalaLaunch.Pit.AvgPaceSource</a:t>
+                      </a:r>
+                      <a:endParaRPr lang="en-GB" sz="600"/>
+                    </a:p>
+                  </a:txBody>
+                  <a:tcPr marL="30429" marR="30429" marT="15214" marB="15214" anchor="ctr">
+                    <a:lnL>
+                      <a:noFill/>
+                    </a:lnL>
+                    <a:lnR>
+                      <a:noFill/>
+                    </a:lnR>
+                    <a:lnT>
+                      <a:noFill/>
+                    </a:lnT>
+                    <a:lnB>
+                      <a:noFill/>
+                    </a:lnB>
+                    <a:noFill/>
+                  </a:tcPr>
+                </a:tc>
+                <a:tc>
+                  <a:txBody>
+                    <a:bodyPr/>
+                    <a:lstStyle/>
+                    <a:p>
+                      <a:pPr>
+                        <a:buNone/>
+                      </a:pPr>
+                      <a:r>
+                        <a:rPr lang="en-GB" sz="600">
+                          <a:latin typeface="Courier New" panose="02070309020205020404" pitchFamily="49" charset="0"/>
+                        </a:rPr>
+                        <a:t>"profile-avg"</a:t>
+                      </a:r>
+                      <a:r>
+                        <a:rPr lang="en-GB" sz="600"/>
+                        <a:t>, </a:t>
+                      </a:r>
+                      <a:r>
+                        <a:rPr lang="en-GB" sz="600">
+                          <a:latin typeface="Courier New" panose="02070309020205020404" pitchFamily="49" charset="0"/>
+                        </a:rPr>
+                        <a:t>"live-median"</a:t>
+                      </a:r>
+                      <a:r>
+                        <a:rPr lang="en-GB" sz="600"/>
+                        <a:t>, </a:t>
+                      </a:r>
+                      <a:r>
+                        <a:rPr lang="en-GB" sz="600">
+                          <a:latin typeface="Courier New" panose="02070309020205020404" pitchFamily="49" charset="0"/>
+                        </a:rPr>
+                        <a:t>"session-pb"</a:t>
+                      </a:r>
+                      <a:r>
+                        <a:rPr lang="en-GB" sz="600"/>
+                        <a:t>, etc.</a:t>
+                      </a:r>
+                    </a:p>
+                  </a:txBody>
+                  <a:tcPr marL="30429" marR="30429" marT="15214" marB="15214" anchor="ctr">
+                    <a:lnL>
+                      <a:noFill/>
+                    </a:lnL>
+                    <a:lnR>
+                      <a:noFill/>
+                    </a:lnR>
+                    <a:lnT>
+                      <a:noFill/>
+                    </a:lnT>
+                    <a:lnB>
+                      <a:noFill/>
+                    </a:lnB>
+                    <a:noFill/>
+                  </a:tcPr>
+                </a:tc>
+                <a:extLst>
+                  <a:ext uri="{0D108BD9-81ED-4DB2-BD59-A6C34878D82A}">
+                    <a16:rowId xmlns:a16="http://schemas.microsoft.com/office/drawing/2014/main" val="343751056"/>
+                  </a:ext>
+                </a:extLst>
+              </a:tr>
+              <a:tr h="326912">
+                <a:tc>
+                  <a:txBody>
+                    <a:bodyPr/>
+                    <a:lstStyle/>
+                    <a:p>
+                      <a:pPr>
+                        <a:buNone/>
+                      </a:pPr>
+                      <a:r>
+                        <a:rPr lang="en-GB" sz="600">
+                          <a:latin typeface="Courier New" panose="02070309020205020404" pitchFamily="49" charset="0"/>
+                        </a:rPr>
+                        <a:t>LalaLaunch.Lala.Pit.InLapSec</a:t>
+                      </a:r>
+                      <a:endParaRPr lang="en-GB" sz="600"/>
+                    </a:p>
+                  </a:txBody>
+                  <a:tcPr marL="30429" marR="30429" marT="15214" marB="15214" anchor="ctr">
+                    <a:lnL>
+                      <a:noFill/>
+                    </a:lnL>
+                    <a:lnR>
+                      <a:noFill/>
+                    </a:lnR>
+                    <a:lnT>
+                      <a:noFill/>
+                    </a:lnT>
+                    <a:lnB>
+                      <a:noFill/>
+                    </a:lnB>
+                    <a:noFill/>
+                  </a:tcPr>
+                </a:tc>
+                <a:tc>
+                  <a:txBody>
+                    <a:bodyPr/>
+                    <a:lstStyle/>
+                    <a:p>
+                      <a:pPr>
+                        <a:buNone/>
+                      </a:pPr>
+                      <a:r>
+                        <a:rPr lang="en-GB" sz="600">
+                          <a:latin typeface="Courier New" panose="02070309020205020404" pitchFamily="49" charset="0"/>
+                        </a:rPr>
+                        <a:t>LalaLaunch.Pit.InLapSec</a:t>
+                      </a:r>
+                      <a:endParaRPr lang="en-GB" sz="600"/>
+                    </a:p>
+                  </a:txBody>
+                  <a:tcPr marL="30429" marR="30429" marT="15214" marB="15214" anchor="ctr">
+                    <a:lnL>
+                      <a:noFill/>
+                    </a:lnL>
+                    <a:lnR>
+                      <a:noFill/>
+                    </a:lnR>
+                    <a:lnT>
+                      <a:noFill/>
+                    </a:lnT>
+                    <a:lnB>
+                      <a:noFill/>
+                    </a:lnB>
+                    <a:noFill/>
+                  </a:tcPr>
+                </a:tc>
+                <a:tc>
+                  <a:txBody>
+                    <a:bodyPr/>
+                    <a:lstStyle/>
+                    <a:p>
+                      <a:pPr>
+                        <a:buNone/>
+                      </a:pPr>
+                      <a:r>
+                        <a:rPr lang="en-US" sz="600"/>
+                        <a:t>Published at S/F when pit-lap completes</a:t>
+                      </a:r>
+                    </a:p>
+                  </a:txBody>
+                  <a:tcPr marL="30429" marR="30429" marT="15214" marB="15214" anchor="ctr">
+                    <a:lnL>
+                      <a:noFill/>
+                    </a:lnL>
+                    <a:lnR>
+                      <a:noFill/>
+                    </a:lnR>
+                    <a:lnT>
+                      <a:noFill/>
+                    </a:lnT>
+                    <a:lnB>
+                      <a:noFill/>
+                    </a:lnB>
+                    <a:noFill/>
+                  </a:tcPr>
+                </a:tc>
+                <a:extLst>
+                  <a:ext uri="{0D108BD9-81ED-4DB2-BD59-A6C34878D82A}">
+                    <a16:rowId xmlns:a16="http://schemas.microsoft.com/office/drawing/2014/main" val="42629223"/>
+                  </a:ext>
+                </a:extLst>
+              </a:tr>
+              <a:tr h="326912">
+                <a:tc>
+                  <a:txBody>
+                    <a:bodyPr/>
+                    <a:lstStyle/>
+                    <a:p>
+                      <a:pPr>
+                        <a:buNone/>
+                      </a:pPr>
+                      <a:r>
+                        <a:rPr lang="en-GB" sz="600">
+                          <a:latin typeface="Courier New" panose="02070309020205020404" pitchFamily="49" charset="0"/>
+                        </a:rPr>
+                        <a:t>LalaLaunch.Lala.Pit.OutLapSec</a:t>
+                      </a:r>
+                      <a:endParaRPr lang="en-GB" sz="600"/>
+                    </a:p>
+                  </a:txBody>
+                  <a:tcPr marL="30429" marR="30429" marT="15214" marB="15214" anchor="ctr">
+                    <a:lnL>
+                      <a:noFill/>
+                    </a:lnL>
+                    <a:lnR>
+                      <a:noFill/>
+                    </a:lnR>
+                    <a:lnT>
+                      <a:noFill/>
+                    </a:lnT>
+                    <a:lnB>
+                      <a:noFill/>
+                    </a:lnB>
+                    <a:noFill/>
+                  </a:tcPr>
+                </a:tc>
+                <a:tc>
+                  <a:txBody>
+                    <a:bodyPr/>
+                    <a:lstStyle/>
+                    <a:p>
+                      <a:pPr>
+                        <a:buNone/>
+                      </a:pPr>
+                      <a:r>
+                        <a:rPr lang="en-GB" sz="600">
+                          <a:latin typeface="Courier New" panose="02070309020205020404" pitchFamily="49" charset="0"/>
+                        </a:rPr>
+                        <a:t>LalaLaunch.Pit.OutLapSec</a:t>
+                      </a:r>
+                      <a:endParaRPr lang="en-GB" sz="600"/>
+                    </a:p>
+                  </a:txBody>
+                  <a:tcPr marL="30429" marR="30429" marT="15214" marB="15214" anchor="ctr">
+                    <a:lnL>
+                      <a:noFill/>
+                    </a:lnL>
+                    <a:lnR>
+                      <a:noFill/>
+                    </a:lnR>
+                    <a:lnT>
+                      <a:noFill/>
+                    </a:lnT>
+                    <a:lnB>
+                      <a:noFill/>
+                    </a:lnB>
+                    <a:noFill/>
+                  </a:tcPr>
+                </a:tc>
+                <a:tc>
+                  <a:txBody>
+                    <a:bodyPr/>
+                    <a:lstStyle/>
+                    <a:p>
+                      <a:pPr>
+                        <a:buNone/>
+                      </a:pPr>
+                      <a:r>
+                        <a:rPr lang="en-US" sz="600"/>
+                        <a:t>Published at S/F when out-lap completes</a:t>
+                      </a:r>
+                    </a:p>
+                  </a:txBody>
+                  <a:tcPr marL="30429" marR="30429" marT="15214" marB="15214" anchor="ctr">
+                    <a:lnL>
+                      <a:noFill/>
+                    </a:lnL>
+                    <a:lnR>
+                      <a:noFill/>
+                    </a:lnR>
+                    <a:lnT>
+                      <a:noFill/>
+                    </a:lnT>
+                    <a:lnB>
+                      <a:noFill/>
+                    </a:lnB>
+                    <a:noFill/>
+                  </a:tcPr>
+                </a:tc>
+                <a:extLst>
+                  <a:ext uri="{0D108BD9-81ED-4DB2-BD59-A6C34878D82A}">
+                    <a16:rowId xmlns:a16="http://schemas.microsoft.com/office/drawing/2014/main" val="3140584031"/>
+                  </a:ext>
+                </a:extLst>
+              </a:tr>
+              <a:tr h="326912">
+                <a:tc>
+                  <a:txBody>
+                    <a:bodyPr/>
+                    <a:lstStyle/>
+                    <a:p>
+                      <a:pPr>
+                        <a:buNone/>
+                      </a:pPr>
+                      <a:r>
+                        <a:rPr lang="en-GB" sz="600">
+                          <a:latin typeface="Courier New" panose="02070309020205020404" pitchFamily="49" charset="0"/>
+                        </a:rPr>
+                        <a:t>LalaLaunch.Lala.Pit.DeltaInSec</a:t>
+                      </a:r>
+                      <a:endParaRPr lang="en-GB" sz="600"/>
+                    </a:p>
+                  </a:txBody>
+                  <a:tcPr marL="30429" marR="30429" marT="15214" marB="15214" anchor="ctr">
+                    <a:lnL>
+                      <a:noFill/>
+                    </a:lnL>
+                    <a:lnR>
+                      <a:noFill/>
+                    </a:lnR>
+                    <a:lnT>
+                      <a:noFill/>
+                    </a:lnT>
+                    <a:lnB>
+                      <a:noFill/>
+                    </a:lnB>
+                    <a:noFill/>
+                  </a:tcPr>
+                </a:tc>
+                <a:tc>
+                  <a:txBody>
+                    <a:bodyPr/>
+                    <a:lstStyle/>
+                    <a:p>
+                      <a:pPr>
+                        <a:buNone/>
+                      </a:pPr>
+                      <a:r>
+                        <a:rPr lang="en-GB" sz="600">
+                          <a:latin typeface="Courier New" panose="02070309020205020404" pitchFamily="49" charset="0"/>
+                        </a:rPr>
+                        <a:t>LalaLaunch.Pit.DeltaInSec</a:t>
+                      </a:r>
+                      <a:endParaRPr lang="en-GB" sz="600"/>
+                    </a:p>
+                  </a:txBody>
+                  <a:tcPr marL="30429" marR="30429" marT="15214" marB="15214" anchor="ctr">
+                    <a:lnL>
+                      <a:noFill/>
+                    </a:lnL>
+                    <a:lnR>
+                      <a:noFill/>
+                    </a:lnR>
+                    <a:lnT>
+                      <a:noFill/>
+                    </a:lnT>
+                    <a:lnB>
+                      <a:noFill/>
+                    </a:lnB>
+                    <a:noFill/>
+                  </a:tcPr>
+                </a:tc>
+                <a:tc>
+                  <a:txBody>
+                    <a:bodyPr/>
+                    <a:lstStyle/>
+                    <a:p>
+                      <a:pPr>
+                        <a:buNone/>
+                      </a:pPr>
+                      <a:r>
+                        <a:rPr lang="en-GB" sz="600"/>
+                        <a:t>InLap − Avg</a:t>
+                      </a:r>
+                    </a:p>
+                  </a:txBody>
+                  <a:tcPr marL="30429" marR="30429" marT="15214" marB="15214" anchor="ctr">
+                    <a:lnL>
+                      <a:noFill/>
+                    </a:lnL>
+                    <a:lnR>
+                      <a:noFill/>
+                    </a:lnR>
+                    <a:lnT>
+                      <a:noFill/>
+                    </a:lnT>
+                    <a:lnB>
+                      <a:noFill/>
+                    </a:lnB>
+                    <a:noFill/>
+                  </a:tcPr>
+                </a:tc>
+                <a:extLst>
+                  <a:ext uri="{0D108BD9-81ED-4DB2-BD59-A6C34878D82A}">
+                    <a16:rowId xmlns:a16="http://schemas.microsoft.com/office/drawing/2014/main" val="3892119186"/>
+                  </a:ext>
+                </a:extLst>
+              </a:tr>
+              <a:tr h="326912">
+                <a:tc>
+                  <a:txBody>
+                    <a:bodyPr/>
+                    <a:lstStyle/>
+                    <a:p>
+                      <a:pPr>
+                        <a:buNone/>
+                      </a:pPr>
+                      <a:r>
+                        <a:rPr lang="en-GB" sz="600">
+                          <a:latin typeface="Courier New" panose="02070309020205020404" pitchFamily="49" charset="0"/>
+                        </a:rPr>
+                        <a:t>LalaLaunch.Lala.Pit.DeltaOutSec</a:t>
+                      </a:r>
+                      <a:endParaRPr lang="en-GB" sz="600"/>
+                    </a:p>
+                  </a:txBody>
+                  <a:tcPr marL="30429" marR="30429" marT="15214" marB="15214" anchor="ctr">
+                    <a:lnL>
+                      <a:noFill/>
+                    </a:lnL>
+                    <a:lnR>
+                      <a:noFill/>
+                    </a:lnR>
+                    <a:lnT>
+                      <a:noFill/>
+                    </a:lnT>
+                    <a:lnB>
+                      <a:noFill/>
+                    </a:lnB>
+                    <a:noFill/>
+                  </a:tcPr>
+                </a:tc>
+                <a:tc>
+                  <a:txBody>
+                    <a:bodyPr/>
+                    <a:lstStyle/>
+                    <a:p>
+                      <a:pPr>
+                        <a:buNone/>
+                      </a:pPr>
+                      <a:r>
+                        <a:rPr lang="en-GB" sz="600">
+                          <a:latin typeface="Courier New" panose="02070309020205020404" pitchFamily="49" charset="0"/>
+                        </a:rPr>
+                        <a:t>LalaLaunch.Pit.DeltaOutSec</a:t>
+                      </a:r>
+                      <a:endParaRPr lang="en-GB" sz="600"/>
+                    </a:p>
+                  </a:txBody>
+                  <a:tcPr marL="30429" marR="30429" marT="15214" marB="15214" anchor="ctr">
+                    <a:lnL>
+                      <a:noFill/>
+                    </a:lnL>
+                    <a:lnR>
+                      <a:noFill/>
+                    </a:lnR>
+                    <a:lnT>
+                      <a:noFill/>
+                    </a:lnT>
+                    <a:lnB>
+                      <a:noFill/>
+                    </a:lnB>
+                    <a:noFill/>
+                  </a:tcPr>
+                </a:tc>
+                <a:tc>
+                  <a:txBody>
+                    <a:bodyPr/>
+                    <a:lstStyle/>
+                    <a:p>
+                      <a:pPr>
+                        <a:buNone/>
+                      </a:pPr>
+                      <a:r>
+                        <a:rPr lang="en-GB" sz="600"/>
+                        <a:t>OutLap − Avg</a:t>
+                      </a:r>
+                    </a:p>
+                  </a:txBody>
+                  <a:tcPr marL="30429" marR="30429" marT="15214" marB="15214" anchor="ctr">
+                    <a:lnL>
+                      <a:noFill/>
+                    </a:lnL>
+                    <a:lnR>
+                      <a:noFill/>
+                    </a:lnR>
+                    <a:lnT>
+                      <a:noFill/>
+                    </a:lnT>
+                    <a:lnB>
+                      <a:noFill/>
+                    </a:lnB>
+                    <a:noFill/>
+                  </a:tcPr>
+                </a:tc>
+                <a:extLst>
+                  <a:ext uri="{0D108BD9-81ED-4DB2-BD59-A6C34878D82A}">
+                    <a16:rowId xmlns:a16="http://schemas.microsoft.com/office/drawing/2014/main" val="2304092834"/>
+                  </a:ext>
+                </a:extLst>
+              </a:tr>
+              <a:tr h="326912">
+                <a:tc>
+                  <a:txBody>
+                    <a:bodyPr/>
+                    <a:lstStyle/>
+                    <a:p>
+                      <a:pPr>
+                        <a:buNone/>
+                      </a:pPr>
+                      <a:r>
+                        <a:rPr lang="en-GB" sz="600">
+                          <a:latin typeface="Courier New" panose="02070309020205020404" pitchFamily="49" charset="0"/>
+                        </a:rPr>
+                        <a:t>LalaLaunch.Lala.Pit.DirectTravelSec</a:t>
+                      </a:r>
+                      <a:endParaRPr lang="en-GB" sz="600"/>
+                    </a:p>
+                  </a:txBody>
+                  <a:tcPr marL="30429" marR="30429" marT="15214" marB="15214" anchor="ctr">
+                    <a:lnL>
+                      <a:noFill/>
+                    </a:lnL>
+                    <a:lnR>
+                      <a:noFill/>
+                    </a:lnR>
+                    <a:lnT>
+                      <a:noFill/>
+                    </a:lnT>
+                    <a:lnB>
+                      <a:noFill/>
+                    </a:lnB>
+                    <a:noFill/>
+                  </a:tcPr>
+                </a:tc>
+                <a:tc>
+                  <a:txBody>
+                    <a:bodyPr/>
+                    <a:lstStyle/>
+                    <a:p>
+                      <a:pPr>
+                        <a:buNone/>
+                      </a:pPr>
+                      <a:r>
+                        <a:rPr lang="en-GB" sz="600">
+                          <a:latin typeface="Courier New" panose="02070309020205020404" pitchFamily="49" charset="0"/>
+                        </a:rPr>
+                        <a:t>LalaLaunch.Pit.DirectTravelSec</a:t>
+                      </a:r>
+                      <a:endParaRPr lang="en-GB" sz="600"/>
+                    </a:p>
+                  </a:txBody>
+                  <a:tcPr marL="30429" marR="30429" marT="15214" marB="15214" anchor="ctr">
+                    <a:lnL>
+                      <a:noFill/>
+                    </a:lnL>
+                    <a:lnR>
+                      <a:noFill/>
+                    </a:lnR>
+                    <a:lnT>
+                      <a:noFill/>
+                    </a:lnT>
+                    <a:lnB>
+                      <a:noFill/>
+                    </a:lnB>
+                    <a:noFill/>
+                  </a:tcPr>
+                </a:tc>
+                <a:tc>
+                  <a:txBody>
+                    <a:bodyPr/>
+                    <a:lstStyle/>
+                    <a:p>
+                      <a:pPr>
+                        <a:buNone/>
+                      </a:pPr>
+                      <a:r>
+                        <a:rPr lang="en-GB" sz="600"/>
+                        <a:t>Entry→Exit while rolling</a:t>
+                      </a:r>
+                    </a:p>
+                  </a:txBody>
+                  <a:tcPr marL="30429" marR="30429" marT="15214" marB="15214" anchor="ctr">
+                    <a:lnL>
+                      <a:noFill/>
+                    </a:lnL>
+                    <a:lnR>
+                      <a:noFill/>
+                    </a:lnR>
+                    <a:lnT>
+                      <a:noFill/>
+                    </a:lnT>
+                    <a:lnB>
+                      <a:noFill/>
+                    </a:lnB>
+                    <a:noFill/>
+                  </a:tcPr>
+                </a:tc>
+                <a:extLst>
+                  <a:ext uri="{0D108BD9-81ED-4DB2-BD59-A6C34878D82A}">
+                    <a16:rowId xmlns:a16="http://schemas.microsoft.com/office/drawing/2014/main" val="1069049613"/>
+                  </a:ext>
+                </a:extLst>
+              </a:tr>
+              <a:tr h="326912">
+                <a:tc>
+                  <a:txBody>
+                    <a:bodyPr/>
+                    <a:lstStyle/>
+                    <a:p>
+                      <a:pPr>
+                        <a:buNone/>
+                      </a:pPr>
+                      <a:r>
+                        <a:rPr lang="en-GB" sz="600">
+                          <a:latin typeface="Courier New" panose="02070309020205020404" pitchFamily="49" charset="0"/>
+                        </a:rPr>
+                        <a:t>LalaLaunch.Lala.Pit.StopSeconds</a:t>
+                      </a:r>
+                      <a:endParaRPr lang="en-GB" sz="600"/>
+                    </a:p>
+                  </a:txBody>
+                  <a:tcPr marL="30429" marR="30429" marT="15214" marB="15214" anchor="ctr">
+                    <a:lnL>
+                      <a:noFill/>
+                    </a:lnL>
+                    <a:lnR>
+                      <a:noFill/>
+                    </a:lnR>
+                    <a:lnT>
+                      <a:noFill/>
+                    </a:lnT>
+                    <a:lnB>
+                      <a:noFill/>
+                    </a:lnB>
+                    <a:noFill/>
+                  </a:tcPr>
+                </a:tc>
+                <a:tc>
+                  <a:txBody>
+                    <a:bodyPr/>
+                    <a:lstStyle/>
+                    <a:p>
+                      <a:pPr>
+                        <a:buNone/>
+                      </a:pPr>
+                      <a:r>
+                        <a:rPr lang="en-GB" sz="600">
+                          <a:latin typeface="Courier New" panose="02070309020205020404" pitchFamily="49" charset="0"/>
+                        </a:rPr>
+                        <a:t>LalaLaunch.Pit.StopSeconds</a:t>
+                      </a:r>
+                      <a:endParaRPr lang="en-GB" sz="600"/>
+                    </a:p>
+                  </a:txBody>
+                  <a:tcPr marL="30429" marR="30429" marT="15214" marB="15214" anchor="ctr">
+                    <a:lnL>
+                      <a:noFill/>
+                    </a:lnL>
+                    <a:lnR>
+                      <a:noFill/>
+                    </a:lnR>
+                    <a:lnT>
+                      <a:noFill/>
+                    </a:lnT>
+                    <a:lnB>
+                      <a:noFill/>
+                    </a:lnB>
+                    <a:noFill/>
+                  </a:tcPr>
+                </a:tc>
+                <a:tc>
+                  <a:txBody>
+                    <a:bodyPr/>
+                    <a:lstStyle/>
+                    <a:p>
+                      <a:pPr>
+                        <a:buNone/>
+                      </a:pPr>
+                      <a:r>
+                        <a:rPr lang="en-GB" sz="600"/>
+                        <a:t>Stationary box time</a:t>
+                      </a:r>
+                    </a:p>
+                  </a:txBody>
+                  <a:tcPr marL="30429" marR="30429" marT="15214" marB="15214" anchor="ctr">
+                    <a:lnL>
+                      <a:noFill/>
+                    </a:lnL>
+                    <a:lnR>
+                      <a:noFill/>
+                    </a:lnR>
+                    <a:lnT>
+                      <a:noFill/>
+                    </a:lnT>
+                    <a:lnB>
+                      <a:noFill/>
+                    </a:lnB>
+                    <a:noFill/>
+                  </a:tcPr>
+                </a:tc>
+                <a:extLst>
+                  <a:ext uri="{0D108BD9-81ED-4DB2-BD59-A6C34878D82A}">
+                    <a16:rowId xmlns:a16="http://schemas.microsoft.com/office/drawing/2014/main" val="893219200"/>
+                  </a:ext>
+                </a:extLst>
+              </a:tr>
+              <a:tr h="326912">
+                <a:tc>
+                  <a:txBody>
+                    <a:bodyPr/>
+                    <a:lstStyle/>
+                    <a:p>
+                      <a:pPr>
+                        <a:buNone/>
+                      </a:pPr>
+                      <a:r>
+                        <a:rPr lang="en-GB" sz="600">
+                          <a:latin typeface="Courier New" panose="02070309020205020404" pitchFamily="49" charset="0"/>
+                        </a:rPr>
+                        <a:t>LalaLaunch.Lala.Pit.DriveThroughLossSec</a:t>
+                      </a:r>
+                      <a:endParaRPr lang="en-GB" sz="600"/>
+                    </a:p>
+                  </a:txBody>
+                  <a:tcPr marL="30429" marR="30429" marT="15214" marB="15214" anchor="ctr">
+                    <a:lnL>
+                      <a:noFill/>
+                    </a:lnL>
+                    <a:lnR>
+                      <a:noFill/>
+                    </a:lnR>
+                    <a:lnT>
+                      <a:noFill/>
+                    </a:lnT>
+                    <a:lnB>
+                      <a:noFill/>
+                    </a:lnB>
+                    <a:noFill/>
+                  </a:tcPr>
+                </a:tc>
+                <a:tc>
+                  <a:txBody>
+                    <a:bodyPr/>
+                    <a:lstStyle/>
+                    <a:p>
+                      <a:pPr>
+                        <a:buNone/>
+                      </a:pPr>
+                      <a:r>
+                        <a:rPr lang="en-GB" sz="600">
+                          <a:latin typeface="Courier New" panose="02070309020205020404" pitchFamily="49" charset="0"/>
+                        </a:rPr>
+                        <a:t>LalaLaunch.Pit.DriveThroughLossSec</a:t>
+                      </a:r>
+                      <a:endParaRPr lang="en-GB" sz="600"/>
+                    </a:p>
+                  </a:txBody>
+                  <a:tcPr marL="30429" marR="30429" marT="15214" marB="15214" anchor="ctr">
+                    <a:lnL>
+                      <a:noFill/>
+                    </a:lnL>
+                    <a:lnR>
+                      <a:noFill/>
+                    </a:lnR>
+                    <a:lnT>
+                      <a:noFill/>
+                    </a:lnT>
+                    <a:lnB>
+                      <a:noFill/>
+                    </a:lnB>
+                    <a:noFill/>
+                  </a:tcPr>
+                </a:tc>
+                <a:tc>
+                  <a:txBody>
+                    <a:bodyPr/>
+                    <a:lstStyle/>
+                    <a:p>
+                      <a:pPr>
+                        <a:buNone/>
+                      </a:pPr>
+                      <a:r>
+                        <a:rPr lang="en-GB" sz="600" b="1"/>
+                        <a:t>DTL</a:t>
+                      </a:r>
+                      <a:r>
+                        <a:rPr lang="en-GB" sz="600"/>
+                        <a:t> saved to profile</a:t>
+                      </a:r>
+                    </a:p>
+                  </a:txBody>
+                  <a:tcPr marL="30429" marR="30429" marT="15214" marB="15214" anchor="ctr">
+                    <a:lnL>
+                      <a:noFill/>
+                    </a:lnL>
+                    <a:lnR>
+                      <a:noFill/>
+                    </a:lnR>
+                    <a:lnT>
+                      <a:noFill/>
+                    </a:lnT>
+                    <a:lnB>
+                      <a:noFill/>
+                    </a:lnB>
+                    <a:noFill/>
+                  </a:tcPr>
+                </a:tc>
+                <a:extLst>
+                  <a:ext uri="{0D108BD9-81ED-4DB2-BD59-A6C34878D82A}">
+                    <a16:rowId xmlns:a16="http://schemas.microsoft.com/office/drawing/2014/main" val="844023288"/>
+                  </a:ext>
+                </a:extLst>
+              </a:tr>
+              <a:tr h="326912">
+                <a:tc>
+                  <a:txBody>
+                    <a:bodyPr/>
+                    <a:lstStyle/>
+                    <a:p>
+                      <a:pPr>
+                        <a:buNone/>
+                      </a:pPr>
+                      <a:r>
+                        <a:rPr lang="en-GB" sz="600">
+                          <a:latin typeface="Courier New" panose="02070309020205020404" pitchFamily="49" charset="0"/>
+                        </a:rPr>
+                        <a:t>LalaLaunch.Lala.Pit.ServiceStopLossSec</a:t>
+                      </a:r>
+                      <a:endParaRPr lang="en-GB" sz="600"/>
+                    </a:p>
+                  </a:txBody>
+                  <a:tcPr marL="30429" marR="30429" marT="15214" marB="15214" anchor="ctr">
+                    <a:lnL>
+                      <a:noFill/>
+                    </a:lnL>
+                    <a:lnR>
+                      <a:noFill/>
+                    </a:lnR>
+                    <a:lnT>
+                      <a:noFill/>
+                    </a:lnT>
+                    <a:lnB>
+                      <a:noFill/>
+                    </a:lnB>
+                    <a:noFill/>
+                  </a:tcPr>
+                </a:tc>
+                <a:tc>
+                  <a:txBody>
+                    <a:bodyPr/>
+                    <a:lstStyle/>
+                    <a:p>
+                      <a:pPr>
+                        <a:buNone/>
+                      </a:pPr>
+                      <a:r>
+                        <a:rPr lang="en-GB" sz="600">
+                          <a:latin typeface="Courier New" panose="02070309020205020404" pitchFamily="49" charset="0"/>
+                        </a:rPr>
+                        <a:t>LalaLaunch.Pit.ServiceStopLossSec</a:t>
+                      </a:r>
+                      <a:endParaRPr lang="en-GB" sz="600"/>
+                    </a:p>
+                  </a:txBody>
+                  <a:tcPr marL="30429" marR="30429" marT="15214" marB="15214" anchor="ctr">
+                    <a:lnL>
+                      <a:noFill/>
+                    </a:lnL>
+                    <a:lnR>
+                      <a:noFill/>
+                    </a:lnR>
+                    <a:lnT>
+                      <a:noFill/>
+                    </a:lnT>
+                    <a:lnB>
+                      <a:noFill/>
+                    </a:lnB>
+                    <a:noFill/>
+                  </a:tcPr>
+                </a:tc>
+                <a:tc>
+                  <a:txBody>
+                    <a:bodyPr/>
+                    <a:lstStyle/>
+                    <a:p>
+                      <a:pPr>
+                        <a:buNone/>
+                      </a:pPr>
+                      <a:r>
+                        <a:rPr lang="en-GB" sz="600"/>
+                        <a:t>DTL + Stop (gap estimate)</a:t>
+                      </a:r>
+                    </a:p>
+                  </a:txBody>
+                  <a:tcPr marL="30429" marR="30429" marT="15214" marB="15214" anchor="ctr">
+                    <a:lnL>
+                      <a:noFill/>
+                    </a:lnL>
+                    <a:lnR>
+                      <a:noFill/>
+                    </a:lnR>
+                    <a:lnT>
+                      <a:noFill/>
+                    </a:lnT>
+                    <a:lnB>
+                      <a:noFill/>
+                    </a:lnB>
+                    <a:noFill/>
+                  </a:tcPr>
+                </a:tc>
+                <a:extLst>
+                  <a:ext uri="{0D108BD9-81ED-4DB2-BD59-A6C34878D82A}">
+                    <a16:rowId xmlns:a16="http://schemas.microsoft.com/office/drawing/2014/main" val="1458213427"/>
+                  </a:ext>
+                </a:extLst>
+              </a:tr>
+              <a:tr h="326912">
+                <a:tc>
+                  <a:txBody>
+                    <a:bodyPr/>
+                    <a:lstStyle/>
+                    <a:p>
+                      <a:pPr>
+                        <a:buNone/>
+                      </a:pPr>
+                      <a:r>
+                        <a:rPr lang="en-GB" sz="600">
+                          <a:latin typeface="Courier New" panose="02070309020205020404" pitchFamily="49" charset="0"/>
+                        </a:rPr>
+                        <a:t>LalaLaunch.Lala.Pit.Profile.PitLaneLossSec</a:t>
+                      </a:r>
+                      <a:endParaRPr lang="en-GB" sz="600"/>
+                    </a:p>
+                  </a:txBody>
+                  <a:tcPr marL="30429" marR="30429" marT="15214" marB="15214" anchor="ctr">
+                    <a:lnL>
+                      <a:noFill/>
+                    </a:lnL>
+                    <a:lnR>
+                      <a:noFill/>
+                    </a:lnR>
+                    <a:lnT>
+                      <a:noFill/>
+                    </a:lnT>
+                    <a:lnB>
+                      <a:noFill/>
+                    </a:lnB>
+                    <a:noFill/>
+                  </a:tcPr>
+                </a:tc>
+                <a:tc>
+                  <a:txBody>
+                    <a:bodyPr/>
+                    <a:lstStyle/>
+                    <a:p>
+                      <a:pPr>
+                        <a:buNone/>
+                      </a:pPr>
+                      <a:r>
+                        <a:rPr lang="en-GB" sz="600">
+                          <a:latin typeface="Courier New" panose="02070309020205020404" pitchFamily="49" charset="0"/>
+                        </a:rPr>
+                        <a:t>LalaLaunch.Pit.Profile.PitLaneLossSec</a:t>
+                      </a:r>
+                      <a:endParaRPr lang="en-GB" sz="600"/>
+                    </a:p>
+                  </a:txBody>
+                  <a:tcPr marL="30429" marR="30429" marT="15214" marB="15214" anchor="ctr">
+                    <a:lnL>
+                      <a:noFill/>
+                    </a:lnL>
+                    <a:lnR>
+                      <a:noFill/>
+                    </a:lnR>
+                    <a:lnT>
+                      <a:noFill/>
+                    </a:lnT>
+                    <a:lnB>
+                      <a:noFill/>
+                    </a:lnB>
+                    <a:noFill/>
+                  </a:tcPr>
+                </a:tc>
+                <a:tc>
+                  <a:txBody>
+                    <a:bodyPr/>
+                    <a:lstStyle/>
+                    <a:p>
+                      <a:pPr>
+                        <a:buNone/>
+                      </a:pPr>
+                      <a:r>
+                        <a:rPr lang="en-GB" sz="600"/>
+                        <a:t>From profile JSON</a:t>
+                      </a:r>
+                    </a:p>
+                  </a:txBody>
+                  <a:tcPr marL="30429" marR="30429" marT="15214" marB="15214" anchor="ctr">
+                    <a:lnL>
+                      <a:noFill/>
+                    </a:lnL>
+                    <a:lnR>
+                      <a:noFill/>
+                    </a:lnR>
+                    <a:lnT>
+                      <a:noFill/>
+                    </a:lnT>
+                    <a:lnB>
+                      <a:noFill/>
+                    </a:lnB>
+                    <a:noFill/>
+                  </a:tcPr>
+                </a:tc>
+                <a:extLst>
+                  <a:ext uri="{0D108BD9-81ED-4DB2-BD59-A6C34878D82A}">
+                    <a16:rowId xmlns:a16="http://schemas.microsoft.com/office/drawing/2014/main" val="3011418365"/>
+                  </a:ext>
+                </a:extLst>
+              </a:tr>
+              <a:tr h="326912">
+                <a:tc>
+                  <a:txBody>
+                    <a:bodyPr/>
+                    <a:lstStyle/>
+                    <a:p>
+                      <a:pPr>
+                        <a:buNone/>
+                      </a:pPr>
+                      <a:r>
+                        <a:rPr lang="en-GB" sz="600">
+                          <a:latin typeface="Courier New" panose="02070309020205020404" pitchFamily="49" charset="0"/>
+                        </a:rPr>
+                        <a:t>LalaLaunch.Lala.Pit.LastSavedValueSec</a:t>
+                      </a:r>
+                      <a:endParaRPr lang="en-GB" sz="600"/>
+                    </a:p>
+                  </a:txBody>
+                  <a:tcPr marL="30429" marR="30429" marT="15214" marB="15214" anchor="ctr">
+                    <a:lnL>
+                      <a:noFill/>
+                    </a:lnL>
+                    <a:lnR>
+                      <a:noFill/>
+                    </a:lnR>
+                    <a:lnT>
+                      <a:noFill/>
+                    </a:lnT>
+                    <a:lnB>
+                      <a:noFill/>
+                    </a:lnB>
+                    <a:noFill/>
+                  </a:tcPr>
+                </a:tc>
+                <a:tc>
+                  <a:txBody>
+                    <a:bodyPr/>
+                    <a:lstStyle/>
+                    <a:p>
+                      <a:pPr>
+                        <a:buNone/>
+                      </a:pPr>
+                      <a:r>
+                        <a:rPr lang="en-GB" sz="600">
+                          <a:latin typeface="Courier New" panose="02070309020205020404" pitchFamily="49" charset="0"/>
+                        </a:rPr>
+                        <a:t>LalaLaunch.Pit.LastSavedValueSec</a:t>
+                      </a:r>
+                      <a:endParaRPr lang="en-GB" sz="600"/>
+                    </a:p>
+                  </a:txBody>
+                  <a:tcPr marL="30429" marR="30429" marT="15214" marB="15214" anchor="ctr">
+                    <a:lnL>
+                      <a:noFill/>
+                    </a:lnL>
+                    <a:lnR>
+                      <a:noFill/>
+                    </a:lnR>
+                    <a:lnT>
+                      <a:noFill/>
+                    </a:lnT>
+                    <a:lnB>
+                      <a:noFill/>
+                    </a:lnB>
+                    <a:noFill/>
+                  </a:tcPr>
+                </a:tc>
+                <a:tc>
+                  <a:txBody>
+                    <a:bodyPr/>
+                    <a:lstStyle/>
+                    <a:p>
+                      <a:pPr>
+                        <a:buNone/>
+                      </a:pPr>
+                      <a:r>
+                        <a:rPr lang="en-GB" sz="600"/>
+                        <a:t>Latest persisted value</a:t>
+                      </a:r>
+                    </a:p>
+                  </a:txBody>
+                  <a:tcPr marL="30429" marR="30429" marT="15214" marB="15214" anchor="ctr">
+                    <a:lnL>
+                      <a:noFill/>
+                    </a:lnL>
+                    <a:lnR>
+                      <a:noFill/>
+                    </a:lnR>
+                    <a:lnT>
+                      <a:noFill/>
+                    </a:lnT>
+                    <a:lnB>
+                      <a:noFill/>
+                    </a:lnB>
+                    <a:noFill/>
+                  </a:tcPr>
+                </a:tc>
+                <a:extLst>
+                  <a:ext uri="{0D108BD9-81ED-4DB2-BD59-A6C34878D82A}">
+                    <a16:rowId xmlns:a16="http://schemas.microsoft.com/office/drawing/2014/main" val="367012711"/>
+                  </a:ext>
+                </a:extLst>
+              </a:tr>
+              <a:tr h="326912">
+                <a:tc>
+                  <a:txBody>
+                    <a:bodyPr/>
+                    <a:lstStyle/>
+                    <a:p>
+                      <a:pPr>
+                        <a:buNone/>
+                      </a:pPr>
+                      <a:r>
+                        <a:rPr lang="en-GB" sz="600">
+                          <a:latin typeface="Courier New" panose="02070309020205020404" pitchFamily="49" charset="0"/>
+                        </a:rPr>
+                        <a:t>LalaLaunch.Lala.Pit.LastSavedSource</a:t>
+                      </a:r>
+                      <a:endParaRPr lang="en-GB" sz="600"/>
+                    </a:p>
+                  </a:txBody>
+                  <a:tcPr marL="30429" marR="30429" marT="15214" marB="15214" anchor="ctr">
+                    <a:lnL>
+                      <a:noFill/>
+                    </a:lnL>
+                    <a:lnR>
+                      <a:noFill/>
+                    </a:lnR>
+                    <a:lnT>
+                      <a:noFill/>
+                    </a:lnT>
+                    <a:lnB>
+                      <a:noFill/>
+                    </a:lnB>
+                    <a:noFill/>
+                  </a:tcPr>
+                </a:tc>
+                <a:tc>
+                  <a:txBody>
+                    <a:bodyPr/>
+                    <a:lstStyle/>
+                    <a:p>
+                      <a:pPr>
+                        <a:buNone/>
+                      </a:pPr>
+                      <a:r>
+                        <a:rPr lang="en-GB" sz="600">
+                          <a:latin typeface="Courier New" panose="02070309020205020404" pitchFamily="49" charset="0"/>
+                        </a:rPr>
+                        <a:t>LalaLaunch.Pit.LastSavedSource</a:t>
+                      </a:r>
+                      <a:endParaRPr lang="en-GB" sz="600"/>
+                    </a:p>
+                  </a:txBody>
+                  <a:tcPr marL="30429" marR="30429" marT="15214" marB="15214" anchor="ctr">
+                    <a:lnL>
+                      <a:noFill/>
+                    </a:lnL>
+                    <a:lnR>
+                      <a:noFill/>
+                    </a:lnR>
+                    <a:lnT>
+                      <a:noFill/>
+                    </a:lnT>
+                    <a:lnB>
+                      <a:noFill/>
+                    </a:lnB>
+                    <a:noFill/>
+                  </a:tcPr>
+                </a:tc>
+                <a:tc>
+                  <a:txBody>
+                    <a:bodyPr/>
+                    <a:lstStyle/>
+                    <a:p>
+                      <a:pPr>
+                        <a:buNone/>
+                      </a:pPr>
+                      <a:r>
+                        <a:rPr lang="en-GB" sz="600">
+                          <a:latin typeface="Courier New" panose="02070309020205020404" pitchFamily="49" charset="0"/>
+                        </a:rPr>
+                        <a:t>"total"</a:t>
+                      </a:r>
+                      <a:r>
+                        <a:rPr lang="en-GB" sz="600"/>
+                        <a:t> or </a:t>
+                      </a:r>
+                      <a:r>
+                        <a:rPr lang="en-GB" sz="600">
+                          <a:latin typeface="Courier New" panose="02070309020205020404" pitchFamily="49" charset="0"/>
+                        </a:rPr>
+                        <a:t>"direct"</a:t>
+                      </a:r>
+                      <a:endParaRPr lang="en-GB" sz="600"/>
+                    </a:p>
+                  </a:txBody>
+                  <a:tcPr marL="30429" marR="30429" marT="15214" marB="15214" anchor="ctr">
+                    <a:lnL>
+                      <a:noFill/>
+                    </a:lnL>
+                    <a:lnR>
+                      <a:noFill/>
+                    </a:lnR>
+                    <a:lnT>
+                      <a:noFill/>
+                    </a:lnT>
+                    <a:lnB>
+                      <a:noFill/>
+                    </a:lnB>
+                    <a:noFill/>
+                  </a:tcPr>
+                </a:tc>
+                <a:extLst>
+                  <a:ext uri="{0D108BD9-81ED-4DB2-BD59-A6C34878D82A}">
+                    <a16:rowId xmlns:a16="http://schemas.microsoft.com/office/drawing/2014/main" val="752032359"/>
+                  </a:ext>
+                </a:extLst>
+              </a:tr>
+              <a:tr h="326912">
+                <a:tc>
+                  <a:txBody>
+                    <a:bodyPr/>
+                    <a:lstStyle/>
+                    <a:p>
+                      <a:pPr>
+                        <a:buNone/>
+                      </a:pPr>
+                      <a:r>
+                        <a:rPr lang="en-GB" sz="600">
+                          <a:latin typeface="Courier New" panose="02070309020205020404" pitchFamily="49" charset="0"/>
+                        </a:rPr>
+                        <a:t>LalaLaunch.Lala.Pit.CandidateSavedSec</a:t>
+                      </a:r>
+                      <a:endParaRPr lang="en-GB" sz="600"/>
+                    </a:p>
+                  </a:txBody>
+                  <a:tcPr marL="30429" marR="30429" marT="15214" marB="15214" anchor="ctr">
+                    <a:lnL>
+                      <a:noFill/>
+                    </a:lnL>
+                    <a:lnR>
+                      <a:noFill/>
+                    </a:lnR>
+                    <a:lnT>
+                      <a:noFill/>
+                    </a:lnT>
+                    <a:lnB>
+                      <a:noFill/>
+                    </a:lnB>
+                    <a:noFill/>
+                  </a:tcPr>
+                </a:tc>
+                <a:tc>
+                  <a:txBody>
+                    <a:bodyPr/>
+                    <a:lstStyle/>
+                    <a:p>
+                      <a:pPr>
+                        <a:buNone/>
+                      </a:pPr>
+                      <a:r>
+                        <a:rPr lang="en-GB" sz="600">
+                          <a:latin typeface="Courier New" panose="02070309020205020404" pitchFamily="49" charset="0"/>
+                        </a:rPr>
+                        <a:t>LalaLaunch.Pit.CandidateSavedSec</a:t>
+                      </a:r>
+                      <a:endParaRPr lang="en-GB" sz="600"/>
+                    </a:p>
+                  </a:txBody>
+                  <a:tcPr marL="30429" marR="30429" marT="15214" marB="15214" anchor="ctr">
+                    <a:lnL>
+                      <a:noFill/>
+                    </a:lnL>
+                    <a:lnR>
+                      <a:noFill/>
+                    </a:lnR>
+                    <a:lnT>
+                      <a:noFill/>
+                    </a:lnT>
+                    <a:lnB>
+                      <a:noFill/>
+                    </a:lnB>
+                    <a:noFill/>
+                  </a:tcPr>
+                </a:tc>
+                <a:tc>
+                  <a:txBody>
+                    <a:bodyPr/>
+                    <a:lstStyle/>
+                    <a:p>
+                      <a:pPr>
+                        <a:buNone/>
+                      </a:pPr>
+                      <a:r>
+                        <a:rPr lang="en-GB" sz="600"/>
+                        <a:t>When we introduce candidate-apply</a:t>
+                      </a:r>
+                    </a:p>
+                  </a:txBody>
+                  <a:tcPr marL="30429" marR="30429" marT="15214" marB="15214" anchor="ctr">
+                    <a:lnL>
+                      <a:noFill/>
+                    </a:lnL>
+                    <a:lnR>
+                      <a:noFill/>
+                    </a:lnR>
+                    <a:lnT>
+                      <a:noFill/>
+                    </a:lnT>
+                    <a:lnB>
+                      <a:noFill/>
+                    </a:lnB>
+                    <a:noFill/>
+                  </a:tcPr>
+                </a:tc>
+                <a:extLst>
+                  <a:ext uri="{0D108BD9-81ED-4DB2-BD59-A6C34878D82A}">
+                    <a16:rowId xmlns:a16="http://schemas.microsoft.com/office/drawing/2014/main" val="1536951079"/>
+                  </a:ext>
+                </a:extLst>
+              </a:tr>
+              <a:tr h="326912">
+                <a:tc>
+                  <a:txBody>
+                    <a:bodyPr/>
+                    <a:lstStyle/>
+                    <a:p>
+                      <a:pPr>
+                        <a:buNone/>
+                      </a:pPr>
+                      <a:r>
+                        <a:rPr lang="en-GB" sz="600">
+                          <a:latin typeface="Courier New" panose="02070309020205020404" pitchFamily="49" charset="0"/>
+                        </a:rPr>
+                        <a:t>LalaLaunch.Lala.Pit.CandidateSource</a:t>
+                      </a:r>
+                      <a:endParaRPr lang="en-GB" sz="600"/>
+                    </a:p>
+                  </a:txBody>
+                  <a:tcPr marL="30429" marR="30429" marT="15214" marB="15214" anchor="ctr">
+                    <a:lnL>
+                      <a:noFill/>
+                    </a:lnL>
+                    <a:lnR>
+                      <a:noFill/>
+                    </a:lnR>
+                    <a:lnT>
+                      <a:noFill/>
+                    </a:lnT>
+                    <a:lnB>
+                      <a:noFill/>
+                    </a:lnB>
+                    <a:noFill/>
+                  </a:tcPr>
+                </a:tc>
+                <a:tc>
+                  <a:txBody>
+                    <a:bodyPr/>
+                    <a:lstStyle/>
+                    <a:p>
+                      <a:pPr>
+                        <a:buNone/>
+                      </a:pPr>
+                      <a:r>
+                        <a:rPr lang="en-GB" sz="600">
+                          <a:latin typeface="Courier New" panose="02070309020205020404" pitchFamily="49" charset="0"/>
+                        </a:rPr>
+                        <a:t>LalaLaunch.Pit.CandidateSource</a:t>
+                      </a:r>
+                      <a:endParaRPr lang="en-GB" sz="600"/>
+                    </a:p>
+                  </a:txBody>
+                  <a:tcPr marL="30429" marR="30429" marT="15214" marB="15214" anchor="ctr">
+                    <a:lnL>
+                      <a:noFill/>
+                    </a:lnL>
+                    <a:lnR>
+                      <a:noFill/>
+                    </a:lnR>
+                    <a:lnT>
+                      <a:noFill/>
+                    </a:lnT>
+                    <a:lnB>
+                      <a:noFill/>
+                    </a:lnB>
+                    <a:noFill/>
+                  </a:tcPr>
+                </a:tc>
+                <a:tc>
+                  <a:txBody>
+                    <a:bodyPr/>
+                    <a:lstStyle/>
+                    <a:p>
+                      <a:pPr>
+                        <a:buNone/>
+                      </a:pPr>
+                      <a:r>
+                        <a:rPr lang="en-GB" sz="600"/>
+                        <a:t>〃</a:t>
+                      </a:r>
+                    </a:p>
+                  </a:txBody>
+                  <a:tcPr marL="30429" marR="30429" marT="15214" marB="15214" anchor="ctr">
+                    <a:lnL>
+                      <a:noFill/>
+                    </a:lnL>
+                    <a:lnR>
+                      <a:noFill/>
+                    </a:lnR>
+                    <a:lnT>
+                      <a:noFill/>
+                    </a:lnT>
+                    <a:lnB>
+                      <a:noFill/>
+                    </a:lnB>
+                    <a:noFill/>
+                  </a:tcPr>
+                </a:tc>
+                <a:extLst>
+                  <a:ext uri="{0D108BD9-81ED-4DB2-BD59-A6C34878D82A}">
+                    <a16:rowId xmlns:a16="http://schemas.microsoft.com/office/drawing/2014/main" val="2137224240"/>
+                  </a:ext>
+                </a:extLst>
+              </a:tr>
+              <a:tr h="326912">
+                <a:tc>
+                  <a:txBody>
+                    <a:bodyPr/>
+                    <a:lstStyle/>
+                    <a:p>
+                      <a:pPr>
+                        <a:buNone/>
+                      </a:pPr>
+                      <a:r>
+                        <a:rPr lang="en-GB" sz="600">
+                          <a:latin typeface="Courier New" panose="02070309020205020404" pitchFamily="49" charset="0"/>
+                        </a:rPr>
+                        <a:t>LalaLaunch.Lala.Pit.FormulaTopSec</a:t>
+                      </a:r>
+                      <a:endParaRPr lang="en-GB" sz="600"/>
+                    </a:p>
+                  </a:txBody>
+                  <a:tcPr marL="30429" marR="30429" marT="15214" marB="15214" anchor="ctr">
+                    <a:lnL>
+                      <a:noFill/>
+                    </a:lnL>
+                    <a:lnR>
+                      <a:noFill/>
+                    </a:lnR>
+                    <a:lnT>
+                      <a:noFill/>
+                    </a:lnT>
+                    <a:lnB>
+                      <a:noFill/>
+                    </a:lnB>
+                    <a:noFill/>
+                  </a:tcPr>
+                </a:tc>
+                <a:tc>
+                  <a:txBody>
+                    <a:bodyPr/>
+                    <a:lstStyle/>
+                    <a:p>
+                      <a:pPr>
+                        <a:buNone/>
+                      </a:pPr>
+                      <a:r>
+                        <a:rPr lang="en-GB" sz="600">
+                          <a:latin typeface="Courier New" panose="02070309020205020404" pitchFamily="49" charset="0"/>
+                        </a:rPr>
+                        <a:t>LalaLaunch.Pit.FormulaTopSec</a:t>
+                      </a:r>
+                      <a:endParaRPr lang="en-GB" sz="600"/>
+                    </a:p>
+                  </a:txBody>
+                  <a:tcPr marL="30429" marR="30429" marT="15214" marB="15214" anchor="ctr">
+                    <a:lnL>
+                      <a:noFill/>
+                    </a:lnL>
+                    <a:lnR>
+                      <a:noFill/>
+                    </a:lnR>
+                    <a:lnT>
+                      <a:noFill/>
+                    </a:lnT>
+                    <a:lnB>
+                      <a:noFill/>
+                    </a:lnB>
+                    <a:noFill/>
+                  </a:tcPr>
+                </a:tc>
+                <a:tc>
+                  <a:txBody>
+                    <a:bodyPr/>
+                    <a:lstStyle/>
+                    <a:p>
+                      <a:pPr>
+                        <a:buNone/>
+                      </a:pPr>
+                      <a:r>
+                        <a:rPr lang="en-GB" sz="600"/>
+                        <a:t>PitLap − Stop + OutLap</a:t>
+                      </a:r>
+                    </a:p>
+                  </a:txBody>
+                  <a:tcPr marL="30429" marR="30429" marT="15214" marB="15214" anchor="ctr">
+                    <a:lnL>
+                      <a:noFill/>
+                    </a:lnL>
+                    <a:lnR>
+                      <a:noFill/>
+                    </a:lnR>
+                    <a:lnT>
+                      <a:noFill/>
+                    </a:lnT>
+                    <a:lnB>
+                      <a:noFill/>
+                    </a:lnB>
+                    <a:noFill/>
+                  </a:tcPr>
+                </a:tc>
+                <a:extLst>
+                  <a:ext uri="{0D108BD9-81ED-4DB2-BD59-A6C34878D82A}">
+                    <a16:rowId xmlns:a16="http://schemas.microsoft.com/office/drawing/2014/main" val="2214205159"/>
+                  </a:ext>
+                </a:extLst>
+              </a:tr>
+              <a:tr h="326912">
+                <a:tc>
+                  <a:txBody>
+                    <a:bodyPr/>
+                    <a:lstStyle/>
+                    <a:p>
+                      <a:pPr>
+                        <a:buNone/>
+                      </a:pPr>
+                      <a:r>
+                        <a:rPr lang="en-GB" sz="600">
+                          <a:latin typeface="Courier New" panose="02070309020205020404" pitchFamily="49" charset="0"/>
+                        </a:rPr>
+                        <a:t>LalaLaunch.Lala.Pit.Phase</a:t>
+                      </a:r>
+                      <a:endParaRPr lang="en-GB" sz="600"/>
+                    </a:p>
+                  </a:txBody>
+                  <a:tcPr marL="30429" marR="30429" marT="15214" marB="15214" anchor="ctr">
+                    <a:lnL>
+                      <a:noFill/>
+                    </a:lnL>
+                    <a:lnR>
+                      <a:noFill/>
+                    </a:lnR>
+                    <a:lnT>
+                      <a:noFill/>
+                    </a:lnT>
+                    <a:lnB>
+                      <a:noFill/>
+                    </a:lnB>
+                    <a:noFill/>
+                  </a:tcPr>
+                </a:tc>
+                <a:tc>
+                  <a:txBody>
+                    <a:bodyPr/>
+                    <a:lstStyle/>
+                    <a:p>
+                      <a:pPr>
+                        <a:buNone/>
+                      </a:pPr>
+                      <a:r>
+                        <a:rPr lang="en-GB" sz="600">
+                          <a:latin typeface="Courier New" panose="02070309020205020404" pitchFamily="49" charset="0"/>
+                        </a:rPr>
+                        <a:t>LalaLaunch.Pit.Phase</a:t>
+                      </a:r>
+                      <a:endParaRPr lang="en-GB" sz="600"/>
+                    </a:p>
+                  </a:txBody>
+                  <a:tcPr marL="30429" marR="30429" marT="15214" marB="15214" anchor="ctr">
+                    <a:lnL>
+                      <a:noFill/>
+                    </a:lnL>
+                    <a:lnR>
+                      <a:noFill/>
+                    </a:lnR>
+                    <a:lnT>
+                      <a:noFill/>
+                    </a:lnT>
+                    <a:lnB>
+                      <a:noFill/>
+                    </a:lnB>
+                    <a:noFill/>
+                  </a:tcPr>
+                </a:tc>
+                <a:tc>
+                  <a:txBody>
+                    <a:bodyPr/>
+                    <a:lstStyle/>
+                    <a:p>
+                      <a:pPr>
+                        <a:buNone/>
+                      </a:pPr>
+                      <a:r>
+                        <a:rPr lang="en-GB" sz="600"/>
+                        <a:t>`idle</a:t>
+                      </a:r>
+                    </a:p>
+                  </a:txBody>
+                  <a:tcPr marL="30429" marR="30429" marT="15214" marB="15214" anchor="ctr">
+                    <a:lnL>
+                      <a:noFill/>
+                    </a:lnL>
+                    <a:lnR>
+                      <a:noFill/>
+                    </a:lnR>
+                    <a:lnT>
+                      <a:noFill/>
+                    </a:lnT>
+                    <a:lnB>
+                      <a:noFill/>
+                    </a:lnB>
+                    <a:noFill/>
+                  </a:tcPr>
+                </a:tc>
+                <a:extLst>
+                  <a:ext uri="{0D108BD9-81ED-4DB2-BD59-A6C34878D82A}">
+                    <a16:rowId xmlns:a16="http://schemas.microsoft.com/office/drawing/2014/main" val="2496340092"/>
+                  </a:ext>
+                </a:extLst>
+              </a:tr>
+              <a:tr h="326912">
+                <a:tc>
+                  <a:txBody>
+                    <a:bodyPr/>
+                    <a:lstStyle/>
+                    <a:p>
+                      <a:pPr>
+                        <a:buNone/>
+                      </a:pPr>
+                      <a:r>
+                        <a:rPr lang="en-GB" sz="600">
+                          <a:latin typeface="Courier New" panose="02070309020205020404" pitchFamily="49" charset="0"/>
+                        </a:rPr>
+                        <a:t>LalaLaunch.Lala.Pit.PanelVisible</a:t>
+                      </a:r>
+                      <a:endParaRPr lang="en-GB" sz="600"/>
+                    </a:p>
+                  </a:txBody>
+                  <a:tcPr marL="30429" marR="30429" marT="15214" marB="15214" anchor="ctr">
+                    <a:lnL>
+                      <a:noFill/>
+                    </a:lnL>
+                    <a:lnR>
+                      <a:noFill/>
+                    </a:lnR>
+                    <a:lnT>
+                      <a:noFill/>
+                    </a:lnT>
+                    <a:lnB>
+                      <a:noFill/>
+                    </a:lnB>
+                    <a:noFill/>
+                  </a:tcPr>
+                </a:tc>
+                <a:tc>
+                  <a:txBody>
+                    <a:bodyPr/>
+                    <a:lstStyle/>
+                    <a:p>
+                      <a:pPr>
+                        <a:buNone/>
+                      </a:pPr>
+                      <a:r>
+                        <a:rPr lang="en-GB" sz="600">
+                          <a:latin typeface="Courier New" panose="02070309020205020404" pitchFamily="49" charset="0"/>
+                        </a:rPr>
+                        <a:t>LalaLaunch.Pit.PanelVisible</a:t>
+                      </a:r>
+                      <a:endParaRPr lang="en-GB" sz="600"/>
+                    </a:p>
+                  </a:txBody>
+                  <a:tcPr marL="30429" marR="30429" marT="15214" marB="15214" anchor="ctr">
+                    <a:lnL>
+                      <a:noFill/>
+                    </a:lnL>
+                    <a:lnR>
+                      <a:noFill/>
+                    </a:lnR>
+                    <a:lnT>
+                      <a:noFill/>
+                    </a:lnT>
+                    <a:lnB>
+                      <a:noFill/>
+                    </a:lnB>
+                    <a:noFill/>
+                  </a:tcPr>
+                </a:tc>
+                <a:tc>
+                  <a:txBody>
+                    <a:bodyPr/>
+                    <a:lstStyle/>
+                    <a:p>
+                      <a:pPr>
+                        <a:buNone/>
+                      </a:pPr>
+                      <a:r>
+                        <a:rPr lang="en-US" sz="600"/>
+                        <a:t>Optional; you said not needed</a:t>
+                      </a:r>
+                    </a:p>
+                  </a:txBody>
+                  <a:tcPr marL="30429" marR="30429" marT="15214" marB="15214" anchor="ctr">
+                    <a:lnL>
+                      <a:noFill/>
+                    </a:lnL>
+                    <a:lnR>
+                      <a:noFill/>
+                    </a:lnR>
+                    <a:lnT>
+                      <a:noFill/>
+                    </a:lnT>
+                    <a:lnB>
+                      <a:noFill/>
+                    </a:lnB>
+                    <a:noFill/>
+                  </a:tcPr>
+                </a:tc>
+                <a:extLst>
+                  <a:ext uri="{0D108BD9-81ED-4DB2-BD59-A6C34878D82A}">
+                    <a16:rowId xmlns:a16="http://schemas.microsoft.com/office/drawing/2014/main" val="583261734"/>
+                  </a:ext>
+                </a:extLst>
+              </a:tr>
+              <a:tr h="467053">
+                <a:tc>
+                  <a:txBody>
+                    <a:bodyPr/>
+                    <a:lstStyle/>
+                    <a:p>
+                      <a:pPr>
+                        <a:buNone/>
+                      </a:pPr>
+                      <a:r>
+                        <a:rPr lang="en-GB" sz="600">
+                          <a:latin typeface="Courier New" panose="02070309020205020404" pitchFamily="49" charset="0"/>
+                        </a:rPr>
+                        <a:t>LalaLaunch.Lala.Pit.NetMinusStopSec</a:t>
+                      </a:r>
+                      <a:endParaRPr lang="en-GB" sz="600"/>
+                    </a:p>
+                  </a:txBody>
+                  <a:tcPr marL="30429" marR="30429" marT="15214" marB="15214" anchor="ctr">
+                    <a:lnL>
+                      <a:noFill/>
+                    </a:lnL>
+                    <a:lnR>
+                      <a:noFill/>
+                    </a:lnR>
+                    <a:lnT>
+                      <a:noFill/>
+                    </a:lnT>
+                    <a:lnB>
+                      <a:noFill/>
+                    </a:lnB>
+                    <a:noFill/>
+                  </a:tcPr>
+                </a:tc>
+                <a:tc>
+                  <a:txBody>
+                    <a:bodyPr/>
+                    <a:lstStyle/>
+                    <a:p>
+                      <a:pPr>
+                        <a:buNone/>
+                      </a:pPr>
+                      <a:r>
+                        <a:rPr lang="en-GB" sz="600" b="1"/>
+                        <a:t>Deprecated</a:t>
+                      </a:r>
+                      <a:r>
+                        <a:rPr lang="en-GB" sz="600"/>
+                        <a:t> → use </a:t>
+                      </a:r>
+                      <a:r>
+                        <a:rPr lang="en-GB" sz="600">
+                          <a:latin typeface="Courier New" panose="02070309020205020404" pitchFamily="49" charset="0"/>
+                        </a:rPr>
+                        <a:t>LalaLaunch.Pit.ServiceStopLossSec</a:t>
+                      </a:r>
+                      <a:endParaRPr lang="en-GB" sz="600"/>
+                    </a:p>
+                  </a:txBody>
+                  <a:tcPr marL="30429" marR="30429" marT="15214" marB="15214" anchor="ctr">
+                    <a:lnL>
+                      <a:noFill/>
+                    </a:lnL>
+                    <a:lnR>
+                      <a:noFill/>
+                    </a:lnR>
+                    <a:lnT>
+                      <a:noFill/>
+                    </a:lnT>
+                    <a:lnB>
+                      <a:noFill/>
+                    </a:lnB>
+                    <a:noFill/>
+                  </a:tcPr>
+                </a:tc>
+                <a:tc>
+                  <a:txBody>
+                    <a:bodyPr/>
+                    <a:lstStyle/>
+                    <a:p>
+                      <a:pPr>
+                        <a:buNone/>
+                      </a:pPr>
+                      <a:r>
+                        <a:rPr lang="en-GB" sz="600" dirty="0"/>
+                        <a:t>We removed this</a:t>
+                      </a:r>
+                    </a:p>
+                  </a:txBody>
+                  <a:tcPr marL="30429" marR="30429" marT="15214" marB="15214" anchor="ctr">
+                    <a:lnL>
+                      <a:noFill/>
+                    </a:lnL>
+                    <a:lnR>
+                      <a:noFill/>
+                    </a:lnR>
+                    <a:lnT>
+                      <a:noFill/>
+                    </a:lnT>
+                    <a:lnB>
+                      <a:noFill/>
+                    </a:lnB>
+                    <a:noFill/>
+                  </a:tcPr>
+                </a:tc>
+                <a:extLst>
+                  <a:ext uri="{0D108BD9-81ED-4DB2-BD59-A6C34878D82A}">
+                    <a16:rowId xmlns:a16="http://schemas.microsoft.com/office/drawing/2014/main" val="3124743659"/>
+                  </a:ext>
+                </a:extLst>
+              </a:tr>
+            </a:tbl>
+          </a:graphicData>
+        </a:graphic>
+      </p:graphicFrame>
     </p:spTree>
     <p:extLst>
       <p:ext uri="{BB962C8B-B14F-4D97-AF65-F5344CB8AC3E}">
@@ -4805,7 +7551,7 @@
 </p:sld>
 </file>
 
-<file path=ppt/slides/slide25.xml><?xml version="1.0" encoding="utf-8"?>
+<file path=ppt/slides/slide26.xml><?xml version="1.0" encoding="utf-8"?>
 <p:sld xmlns:a="http://schemas.openxmlformats.org/drawingml/2006/main" xmlns:r="http://schemas.openxmlformats.org/officeDocument/2006/relationships" xmlns:p="http://schemas.openxmlformats.org/presentationml/2006/main">
   <p:cSld>
     <p:spTree>
@@ -4841,7 +7587,7 @@
 </p:sld>
 </file>
 
-<file path=ppt/slides/slide26.xml><?xml version="1.0" encoding="utf-8"?>
+<file path=ppt/slides/slide27.xml><?xml version="1.0" encoding="utf-8"?>
 <p:sld xmlns:a="http://schemas.openxmlformats.org/drawingml/2006/main" xmlns:r="http://schemas.openxmlformats.org/officeDocument/2006/relationships" xmlns:p="http://schemas.openxmlformats.org/presentationml/2006/main">
   <p:cSld>
     <p:spTree>
@@ -4877,7 +7623,7 @@
 </p:sld>
 </file>
 
-<file path=ppt/slides/slide27.xml><?xml version="1.0" encoding="utf-8"?>
+<file path=ppt/slides/slide28.xml><?xml version="1.0" encoding="utf-8"?>
 <p:sld xmlns:a="http://schemas.openxmlformats.org/drawingml/2006/main" xmlns:r="http://schemas.openxmlformats.org/officeDocument/2006/relationships" xmlns:p="http://schemas.openxmlformats.org/presentationml/2006/main">
   <p:cSld>
     <p:spTree>
@@ -4913,7 +7659,7 @@
 </p:sld>
 </file>
 
-<file path=ppt/slides/slide28.xml><?xml version="1.0" encoding="utf-8"?>
+<file path=ppt/slides/slide29.xml><?xml version="1.0" encoding="utf-8"?>
 <p:sld xmlns:a="http://schemas.openxmlformats.org/drawingml/2006/main" xmlns:r="http://schemas.openxmlformats.org/officeDocument/2006/relationships" xmlns:p="http://schemas.openxmlformats.org/presentationml/2006/main">
   <p:cSld>
     <p:spTree>
@@ -4949,7 +7695,73 @@
 </p:sld>
 </file>
 
-<file path=ppt/slides/slide29.xml><?xml version="1.0" encoding="utf-8"?>
+<file path=ppt/slides/slide3.xml><?xml version="1.0" encoding="utf-8"?>
+<p:sld xmlns:a="http://schemas.openxmlformats.org/drawingml/2006/main" xmlns:r="http://schemas.openxmlformats.org/officeDocument/2006/relationships" xmlns:p="http://schemas.openxmlformats.org/presentationml/2006/main">
+  <p:cSld>
+    <p:spTree>
+      <p:nvGrpSpPr>
+        <p:cNvPr id="1" name="">
+          <a:extLst>
+            <a:ext uri="{FF2B5EF4-FFF2-40B4-BE49-F238E27FC236}">
+              <a16:creationId xmlns:a16="http://schemas.microsoft.com/office/drawing/2014/main" id="{F4AC0AA2-7E56-A0AB-4A2F-6B8D015C4B8A}"/>
+            </a:ext>
+          </a:extLst>
+        </p:cNvPr>
+        <p:cNvGrpSpPr/>
+        <p:nvPr/>
+      </p:nvGrpSpPr>
+      <p:grpSpPr>
+        <a:xfrm>
+          <a:off x="0" y="0"/>
+          <a:ext cx="0" cy="0"/>
+          <a:chOff x="0" y="0"/>
+          <a:chExt cx="0" cy="0"/>
+        </a:xfrm>
+      </p:grpSpPr>
+      <p:pic>
+        <p:nvPicPr>
+          <p:cNvPr id="4" name="Picture 3">
+            <a:extLst>
+              <a:ext uri="{FF2B5EF4-FFF2-40B4-BE49-F238E27FC236}">
+                <a16:creationId xmlns:a16="http://schemas.microsoft.com/office/drawing/2014/main" id="{A7054FC2-341F-695C-3769-53718D087C25}"/>
+              </a:ext>
+            </a:extLst>
+          </p:cNvPr>
+          <p:cNvPicPr>
+            <a:picLocks noChangeAspect="1"/>
+          </p:cNvPicPr>
+          <p:nvPr/>
+        </p:nvPicPr>
+        <p:blipFill>
+          <a:blip r:embed="rId2"/>
+          <a:stretch>
+            <a:fillRect/>
+          </a:stretch>
+        </p:blipFill>
+        <p:spPr>
+          <a:xfrm>
+            <a:off x="733985" y="0"/>
+            <a:ext cx="10724029" cy="6858000"/>
+          </a:xfrm>
+          <a:prstGeom prst="rect">
+            <a:avLst/>
+          </a:prstGeom>
+        </p:spPr>
+      </p:pic>
+    </p:spTree>
+    <p:extLst>
+      <p:ext uri="{BB962C8B-B14F-4D97-AF65-F5344CB8AC3E}">
+        <p14:creationId xmlns:p14="http://schemas.microsoft.com/office/powerpoint/2010/main" val="277392067"/>
+      </p:ext>
+    </p:extLst>
+  </p:cSld>
+  <p:clrMapOvr>
+    <a:masterClrMapping/>
+  </p:clrMapOvr>
+</p:sld>
+</file>
+
+<file path=ppt/slides/slide30.xml><?xml version="1.0" encoding="utf-8"?>
 <p:sld xmlns:a="http://schemas.openxmlformats.org/drawingml/2006/main" xmlns:r="http://schemas.openxmlformats.org/officeDocument/2006/relationships" xmlns:p="http://schemas.openxmlformats.org/presentationml/2006/main">
   <p:cSld>
     <p:spTree>
@@ -4985,73 +7797,7 @@
 </p:sld>
 </file>
 
-<file path=ppt/slides/slide3.xml><?xml version="1.0" encoding="utf-8"?>
-<p:sld xmlns:a="http://schemas.openxmlformats.org/drawingml/2006/main" xmlns:r="http://schemas.openxmlformats.org/officeDocument/2006/relationships" xmlns:p="http://schemas.openxmlformats.org/presentationml/2006/main">
-  <p:cSld>
-    <p:spTree>
-      <p:nvGrpSpPr>
-        <p:cNvPr id="1" name="">
-          <a:extLst>
-            <a:ext uri="{FF2B5EF4-FFF2-40B4-BE49-F238E27FC236}">
-              <a16:creationId xmlns:a16="http://schemas.microsoft.com/office/drawing/2014/main" id="{F4AC0AA2-7E56-A0AB-4A2F-6B8D015C4B8A}"/>
-            </a:ext>
-          </a:extLst>
-        </p:cNvPr>
-        <p:cNvGrpSpPr/>
-        <p:nvPr/>
-      </p:nvGrpSpPr>
-      <p:grpSpPr>
-        <a:xfrm>
-          <a:off x="0" y="0"/>
-          <a:ext cx="0" cy="0"/>
-          <a:chOff x="0" y="0"/>
-          <a:chExt cx="0" cy="0"/>
-        </a:xfrm>
-      </p:grpSpPr>
-      <p:pic>
-        <p:nvPicPr>
-          <p:cNvPr id="4" name="Picture 3">
-            <a:extLst>
-              <a:ext uri="{FF2B5EF4-FFF2-40B4-BE49-F238E27FC236}">
-                <a16:creationId xmlns:a16="http://schemas.microsoft.com/office/drawing/2014/main" id="{A7054FC2-341F-695C-3769-53718D087C25}"/>
-              </a:ext>
-            </a:extLst>
-          </p:cNvPr>
-          <p:cNvPicPr>
-            <a:picLocks noChangeAspect="1"/>
-          </p:cNvPicPr>
-          <p:nvPr/>
-        </p:nvPicPr>
-        <p:blipFill>
-          <a:blip r:embed="rId2"/>
-          <a:stretch>
-            <a:fillRect/>
-          </a:stretch>
-        </p:blipFill>
-        <p:spPr>
-          <a:xfrm>
-            <a:off x="733985" y="0"/>
-            <a:ext cx="10724029" cy="6858000"/>
-          </a:xfrm>
-          <a:prstGeom prst="rect">
-            <a:avLst/>
-          </a:prstGeom>
-        </p:spPr>
-      </p:pic>
-    </p:spTree>
-    <p:extLst>
-      <p:ext uri="{BB962C8B-B14F-4D97-AF65-F5344CB8AC3E}">
-        <p14:creationId xmlns:p14="http://schemas.microsoft.com/office/powerpoint/2010/main" val="277392067"/>
-      </p:ext>
-    </p:extLst>
-  </p:cSld>
-  <p:clrMapOvr>
-    <a:masterClrMapping/>
-  </p:clrMapOvr>
-</p:sld>
-</file>
-
-<file path=ppt/slides/slide30.xml><?xml version="1.0" encoding="utf-8"?>
+<file path=ppt/slides/slide31.xml><?xml version="1.0" encoding="utf-8"?>
 <p:sld xmlns:a="http://schemas.openxmlformats.org/drawingml/2006/main" xmlns:r="http://schemas.openxmlformats.org/officeDocument/2006/relationships" xmlns:p="http://schemas.openxmlformats.org/presentationml/2006/main">
   <p:cSld>
     <p:spTree>

--- a/Docs/UI Work.pptx
+++ b/Docs/UI Work.pptx
@@ -19,23 +19,12 @@
     <p:sldId id="267" r:id="rId13"/>
     <p:sldId id="268" r:id="rId14"/>
     <p:sldId id="269" r:id="rId15"/>
-    <p:sldId id="271" r:id="rId16"/>
-    <p:sldId id="289" r:id="rId17"/>
-    <p:sldId id="287" r:id="rId18"/>
-    <p:sldId id="284" r:id="rId19"/>
-    <p:sldId id="283" r:id="rId20"/>
-    <p:sldId id="285" r:id="rId21"/>
-    <p:sldId id="286" r:id="rId22"/>
-    <p:sldId id="288" r:id="rId23"/>
-    <p:sldId id="272" r:id="rId24"/>
-    <p:sldId id="273" r:id="rId25"/>
-    <p:sldId id="274" r:id="rId26"/>
-    <p:sldId id="275" r:id="rId27"/>
-    <p:sldId id="276" r:id="rId28"/>
-    <p:sldId id="277" r:id="rId29"/>
-    <p:sldId id="278" r:id="rId30"/>
-    <p:sldId id="279" r:id="rId31"/>
-    <p:sldId id="280" r:id="rId32"/>
+    <p:sldId id="275" r:id="rId16"/>
+    <p:sldId id="276" r:id="rId17"/>
+    <p:sldId id="277" r:id="rId18"/>
+    <p:sldId id="278" r:id="rId19"/>
+    <p:sldId id="279" r:id="rId20"/>
+    <p:sldId id="280" r:id="rId21"/>
   </p:sldIdLst>
   <p:sldSz cx="12192000" cy="6858000"/>
   <p:notesSz cx="6858000" cy="9144000"/>
@@ -686,7 +675,7 @@
           <a:p>
             <a:fld id="{55FA135A-769C-438D-9AC0-5CFB87EA78F4}" type="datetimeFigureOut">
               <a:rPr lang="en-GB" smtClean="0"/>
-              <a:t>17/09/2025</a:t>
+              <a:t>19/11/2025</a:t>
             </a:fld>
             <a:endParaRPr lang="en-GB"/>
           </a:p>
@@ -886,7 +875,7 @@
           <a:p>
             <a:fld id="{55FA135A-769C-438D-9AC0-5CFB87EA78F4}" type="datetimeFigureOut">
               <a:rPr lang="en-GB" smtClean="0"/>
-              <a:t>17/09/2025</a:t>
+              <a:t>19/11/2025</a:t>
             </a:fld>
             <a:endParaRPr lang="en-GB"/>
           </a:p>
@@ -1096,7 +1085,7 @@
           <a:p>
             <a:fld id="{55FA135A-769C-438D-9AC0-5CFB87EA78F4}" type="datetimeFigureOut">
               <a:rPr lang="en-GB" smtClean="0"/>
-              <a:t>17/09/2025</a:t>
+              <a:t>19/11/2025</a:t>
             </a:fld>
             <a:endParaRPr lang="en-GB"/>
           </a:p>
@@ -1296,7 +1285,7 @@
           <a:p>
             <a:fld id="{55FA135A-769C-438D-9AC0-5CFB87EA78F4}" type="datetimeFigureOut">
               <a:rPr lang="en-GB" smtClean="0"/>
-              <a:t>17/09/2025</a:t>
+              <a:t>19/11/2025</a:t>
             </a:fld>
             <a:endParaRPr lang="en-GB"/>
           </a:p>
@@ -1572,7 +1561,7 @@
           <a:p>
             <a:fld id="{55FA135A-769C-438D-9AC0-5CFB87EA78F4}" type="datetimeFigureOut">
               <a:rPr lang="en-GB" smtClean="0"/>
-              <a:t>17/09/2025</a:t>
+              <a:t>19/11/2025</a:t>
             </a:fld>
             <a:endParaRPr lang="en-GB"/>
           </a:p>
@@ -1840,7 +1829,7 @@
           <a:p>
             <a:fld id="{55FA135A-769C-438D-9AC0-5CFB87EA78F4}" type="datetimeFigureOut">
               <a:rPr lang="en-GB" smtClean="0"/>
-              <a:t>17/09/2025</a:t>
+              <a:t>19/11/2025</a:t>
             </a:fld>
             <a:endParaRPr lang="en-GB"/>
           </a:p>
@@ -2255,7 +2244,7 @@
           <a:p>
             <a:fld id="{55FA135A-769C-438D-9AC0-5CFB87EA78F4}" type="datetimeFigureOut">
               <a:rPr lang="en-GB" smtClean="0"/>
-              <a:t>17/09/2025</a:t>
+              <a:t>19/11/2025</a:t>
             </a:fld>
             <a:endParaRPr lang="en-GB"/>
           </a:p>
@@ -2397,7 +2386,7 @@
           <a:p>
             <a:fld id="{55FA135A-769C-438D-9AC0-5CFB87EA78F4}" type="datetimeFigureOut">
               <a:rPr lang="en-GB" smtClean="0"/>
-              <a:t>17/09/2025</a:t>
+              <a:t>19/11/2025</a:t>
             </a:fld>
             <a:endParaRPr lang="en-GB"/>
           </a:p>
@@ -2510,7 +2499,7 @@
           <a:p>
             <a:fld id="{55FA135A-769C-438D-9AC0-5CFB87EA78F4}" type="datetimeFigureOut">
               <a:rPr lang="en-GB" smtClean="0"/>
-              <a:t>17/09/2025</a:t>
+              <a:t>19/11/2025</a:t>
             </a:fld>
             <a:endParaRPr lang="en-GB"/>
           </a:p>
@@ -2823,7 +2812,7 @@
           <a:p>
             <a:fld id="{55FA135A-769C-438D-9AC0-5CFB87EA78F4}" type="datetimeFigureOut">
               <a:rPr lang="en-GB" smtClean="0"/>
-              <a:t>17/09/2025</a:t>
+              <a:t>19/11/2025</a:t>
             </a:fld>
             <a:endParaRPr lang="en-GB"/>
           </a:p>
@@ -3112,7 +3101,7 @@
           <a:p>
             <a:fld id="{55FA135A-769C-438D-9AC0-5CFB87EA78F4}" type="datetimeFigureOut">
               <a:rPr lang="en-GB" smtClean="0"/>
-              <a:t>17/09/2025</a:t>
+              <a:t>19/11/2025</a:t>
             </a:fld>
             <a:endParaRPr lang="en-GB"/>
           </a:p>
@@ -3355,7 +3344,7 @@
           <a:p>
             <a:fld id="{55FA135A-769C-438D-9AC0-5CFB87EA78F4}" type="datetimeFigureOut">
               <a:rPr lang="en-GB" smtClean="0"/>
-              <a:t>17/09/2025</a:t>
+              <a:t>19/11/2025</a:t>
             </a:fld>
             <a:endParaRPr lang="en-GB"/>
           </a:p>
@@ -4159,7 +4148,7 @@
         <p:cNvPr id="1" name="">
           <a:extLst>
             <a:ext uri="{FF2B5EF4-FFF2-40B4-BE49-F238E27FC236}">
-              <a16:creationId xmlns:a16="http://schemas.microsoft.com/office/drawing/2014/main" id="{43C6F10C-A12A-B1A5-758D-05A204FCE0AE}"/>
+              <a16:creationId xmlns:a16="http://schemas.microsoft.com/office/drawing/2014/main" id="{272F221C-1FED-A921-993F-77037A53DBC6}"/>
             </a:ext>
           </a:extLst>
         </p:cNvPr>
@@ -4179,7 +4168,7 @@
           <p:cNvPr id="3" name="Picture 2">
             <a:extLst>
               <a:ext uri="{FF2B5EF4-FFF2-40B4-BE49-F238E27FC236}">
-                <a16:creationId xmlns:a16="http://schemas.microsoft.com/office/drawing/2014/main" id="{9488D317-B420-5474-5429-269352E154D8}"/>
+                <a16:creationId xmlns:a16="http://schemas.microsoft.com/office/drawing/2014/main" id="{31EC7B36-46D0-C5E5-AA96-52026EF195AF}"/>
               </a:ext>
             </a:extLst>
           </p:cNvPr>
@@ -4196,8 +4185,8 @@
         </p:blipFill>
         <p:spPr>
           <a:xfrm>
-            <a:off x="70881" y="1485900"/>
-            <a:ext cx="11746447" cy="3788229"/>
+            <a:off x="5419973" y="0"/>
+            <a:ext cx="6772027" cy="6858000"/>
           </a:xfrm>
           <a:prstGeom prst="rect">
             <a:avLst/>
@@ -4207,7 +4196,7 @@
     </p:spTree>
     <p:extLst>
       <p:ext uri="{BB962C8B-B14F-4D97-AF65-F5344CB8AC3E}">
-        <p14:creationId xmlns:p14="http://schemas.microsoft.com/office/powerpoint/2010/main" val="721931620"/>
+        <p14:creationId xmlns:p14="http://schemas.microsoft.com/office/powerpoint/2010/main" val="3636825823"/>
       </p:ext>
     </p:extLst>
   </p:cSld>
@@ -4225,7 +4214,7 @@
         <p:cNvPr id="1" name="">
           <a:extLst>
             <a:ext uri="{FF2B5EF4-FFF2-40B4-BE49-F238E27FC236}">
-              <a16:creationId xmlns:a16="http://schemas.microsoft.com/office/drawing/2014/main" id="{2707DED9-6E80-D922-8AD2-A0FB7B4F6AA1}"/>
+              <a16:creationId xmlns:a16="http://schemas.microsoft.com/office/drawing/2014/main" id="{01E5B63E-D1E7-6FB0-DFF0-3100975F2BFE}"/>
             </a:ext>
           </a:extLst>
         </p:cNvPr>
@@ -4240,55 +4229,12 @@
           <a:chExt cx="0" cy="0"/>
         </a:xfrm>
       </p:grpSpPr>
-      <p:sp>
-        <p:nvSpPr>
-          <p:cNvPr id="2" name="TextBox 1">
-            <a:extLst>
-              <a:ext uri="{FF2B5EF4-FFF2-40B4-BE49-F238E27FC236}">
-                <a16:creationId xmlns:a16="http://schemas.microsoft.com/office/drawing/2014/main" id="{7983BC26-E3A5-84FE-7723-30156DCC71F8}"/>
-              </a:ext>
-            </a:extLst>
-          </p:cNvPr>
-          <p:cNvSpPr txBox="1"/>
-          <p:nvPr/>
-        </p:nvSpPr>
-        <p:spPr>
-          <a:xfrm>
-            <a:off x="0" y="0"/>
-            <a:ext cx="8131650" cy="523220"/>
-          </a:xfrm>
-          <a:prstGeom prst="rect">
-            <a:avLst/>
-          </a:prstGeom>
-          <a:noFill/>
-        </p:spPr>
-        <p:txBody>
-          <a:bodyPr wrap="none" rtlCol="0">
-            <a:spAutoFit/>
-          </a:bodyPr>
-          <a:lstStyle/>
-          <a:p>
-            <a:r>
-              <a:rPr lang="en-GB" sz="2800" b="1" u="sng" dirty="0"/>
-              <a:t>Start of Lap before </a:t>
-            </a:r>
-            <a:r>
-              <a:rPr lang="en-GB" sz="2800" b="1" u="sng" dirty="0" err="1"/>
-              <a:t>Inlap</a:t>
-            </a:r>
-            <a:r>
-              <a:rPr lang="en-GB" sz="2800" b="1" u="sng" dirty="0"/>
-              <a:t> – first S/F cross in replay</a:t>
-            </a:r>
-          </a:p>
-        </p:txBody>
-      </p:sp>
       <p:pic>
         <p:nvPicPr>
-          <p:cNvPr id="4" name="Picture 3">
-            <a:extLst>
-              <a:ext uri="{FF2B5EF4-FFF2-40B4-BE49-F238E27FC236}">
-                <a16:creationId xmlns:a16="http://schemas.microsoft.com/office/drawing/2014/main" id="{2F0C7CC2-7010-866F-1FF3-BD5BBD567785}"/>
+          <p:cNvPr id="2" name="Picture 1">
+            <a:extLst>
+              <a:ext uri="{FF2B5EF4-FFF2-40B4-BE49-F238E27FC236}">
+                <a16:creationId xmlns:a16="http://schemas.microsoft.com/office/drawing/2014/main" id="{8E302A51-9E45-5C11-9524-FA534C363DDF}"/>
               </a:ext>
             </a:extLst>
           </p:cNvPr>
@@ -4305,8 +4251,8 @@
         </p:blipFill>
         <p:spPr>
           <a:xfrm>
-            <a:off x="172287" y="661945"/>
-            <a:ext cx="9270514" cy="5800848"/>
+            <a:off x="2927030" y="0"/>
+            <a:ext cx="6772027" cy="6858000"/>
           </a:xfrm>
           <a:prstGeom prst="rect">
             <a:avLst/>
@@ -4316,7 +4262,7 @@
     </p:spTree>
     <p:extLst>
       <p:ext uri="{BB962C8B-B14F-4D97-AF65-F5344CB8AC3E}">
-        <p14:creationId xmlns:p14="http://schemas.microsoft.com/office/powerpoint/2010/main" val="578375070"/>
+        <p14:creationId xmlns:p14="http://schemas.microsoft.com/office/powerpoint/2010/main" val="1765660521"/>
       </p:ext>
     </p:extLst>
   </p:cSld>
@@ -4334,7 +4280,7 @@
         <p:cNvPr id="1" name="">
           <a:extLst>
             <a:ext uri="{FF2B5EF4-FFF2-40B4-BE49-F238E27FC236}">
-              <a16:creationId xmlns:a16="http://schemas.microsoft.com/office/drawing/2014/main" id="{C71CC5C7-6493-8638-7D25-EDA6D512B4BF}"/>
+              <a16:creationId xmlns:a16="http://schemas.microsoft.com/office/drawing/2014/main" id="{1247725F-C6B9-8228-27E7-D5BAF4EA99C4}"/>
             </a:ext>
           </a:extLst>
         </p:cNvPr>
@@ -4349,83 +4295,10 @@
           <a:chExt cx="0" cy="0"/>
         </a:xfrm>
       </p:grpSpPr>
-      <p:sp>
-        <p:nvSpPr>
-          <p:cNvPr id="2" name="TextBox 1">
-            <a:extLst>
-              <a:ext uri="{FF2B5EF4-FFF2-40B4-BE49-F238E27FC236}">
-                <a16:creationId xmlns:a16="http://schemas.microsoft.com/office/drawing/2014/main" id="{A13EA575-2F54-734C-113E-4E79F2975592}"/>
-              </a:ext>
-            </a:extLst>
-          </p:cNvPr>
-          <p:cNvSpPr txBox="1"/>
-          <p:nvPr/>
-        </p:nvSpPr>
-        <p:spPr>
-          <a:xfrm>
-            <a:off x="0" y="0"/>
-            <a:ext cx="5989909" cy="523220"/>
-          </a:xfrm>
-          <a:prstGeom prst="rect">
-            <a:avLst/>
-          </a:prstGeom>
-          <a:noFill/>
-        </p:spPr>
-        <p:txBody>
-          <a:bodyPr wrap="none" rtlCol="0">
-            <a:spAutoFit/>
-          </a:bodyPr>
-          <a:lstStyle/>
-          <a:p>
-            <a:r>
-              <a:rPr lang="en-GB" sz="2800" b="1" u="sng" dirty="0"/>
-              <a:t>Start of </a:t>
-            </a:r>
-            <a:r>
-              <a:rPr lang="en-GB" sz="2800" b="1" u="sng" dirty="0" err="1"/>
-              <a:t>Inlap</a:t>
-            </a:r>
-            <a:r>
-              <a:rPr lang="en-GB" sz="2800" b="1" u="sng" dirty="0"/>
-              <a:t> (Just crossed S/F Line)</a:t>
-            </a:r>
-          </a:p>
-        </p:txBody>
-      </p:sp>
-      <p:pic>
-        <p:nvPicPr>
-          <p:cNvPr id="7" name="Picture 6">
-            <a:extLst>
-              <a:ext uri="{FF2B5EF4-FFF2-40B4-BE49-F238E27FC236}">
-                <a16:creationId xmlns:a16="http://schemas.microsoft.com/office/drawing/2014/main" id="{65DCFA99-6FDA-0B64-87D7-5F4BA789429B}"/>
-              </a:ext>
-            </a:extLst>
-          </p:cNvPr>
-          <p:cNvPicPr>
-            <a:picLocks noChangeAspect="1"/>
-          </p:cNvPicPr>
-          <p:nvPr/>
-        </p:nvPicPr>
-        <p:blipFill>
-          <a:blip r:embed="rId2"/>
-          <a:stretch>
-            <a:fillRect/>
-          </a:stretch>
-        </p:blipFill>
-        <p:spPr>
-          <a:xfrm>
-            <a:off x="144916" y="651066"/>
-            <a:ext cx="10124060" cy="5858222"/>
-          </a:xfrm>
-          <a:prstGeom prst="rect">
-            <a:avLst/>
-          </a:prstGeom>
-        </p:spPr>
-      </p:pic>
     </p:spTree>
     <p:extLst>
       <p:ext uri="{BB962C8B-B14F-4D97-AF65-F5344CB8AC3E}">
-        <p14:creationId xmlns:p14="http://schemas.microsoft.com/office/powerpoint/2010/main" val="4114993816"/>
+        <p14:creationId xmlns:p14="http://schemas.microsoft.com/office/powerpoint/2010/main" val="2506171242"/>
       </p:ext>
     </p:extLst>
   </p:cSld>
@@ -4443,7 +4316,7 @@
         <p:cNvPr id="1" name="">
           <a:extLst>
             <a:ext uri="{FF2B5EF4-FFF2-40B4-BE49-F238E27FC236}">
-              <a16:creationId xmlns:a16="http://schemas.microsoft.com/office/drawing/2014/main" id="{96EA0D79-D925-2BC4-4F1E-88C6C577F92D}"/>
+              <a16:creationId xmlns:a16="http://schemas.microsoft.com/office/drawing/2014/main" id="{0E8FCC62-FBCC-DD0A-CB40-7E49FADA31FC}"/>
             </a:ext>
           </a:extLst>
         </p:cNvPr>
@@ -4458,75 +4331,10 @@
           <a:chExt cx="0" cy="0"/>
         </a:xfrm>
       </p:grpSpPr>
-      <p:sp>
-        <p:nvSpPr>
-          <p:cNvPr id="2" name="TextBox 1">
-            <a:extLst>
-              <a:ext uri="{FF2B5EF4-FFF2-40B4-BE49-F238E27FC236}">
-                <a16:creationId xmlns:a16="http://schemas.microsoft.com/office/drawing/2014/main" id="{799DEBB5-F391-950E-0EF3-56FB6FE0FC8F}"/>
-              </a:ext>
-            </a:extLst>
-          </p:cNvPr>
-          <p:cNvSpPr txBox="1"/>
-          <p:nvPr/>
-        </p:nvSpPr>
-        <p:spPr>
-          <a:xfrm>
-            <a:off x="0" y="0"/>
-            <a:ext cx="4541051" cy="523220"/>
-          </a:xfrm>
-          <a:prstGeom prst="rect">
-            <a:avLst/>
-          </a:prstGeom>
-          <a:noFill/>
-        </p:spPr>
-        <p:txBody>
-          <a:bodyPr wrap="none" rtlCol="0">
-            <a:spAutoFit/>
-          </a:bodyPr>
-          <a:lstStyle/>
-          <a:p>
-            <a:r>
-              <a:rPr lang="en-GB" sz="2800" b="1" u="sng" dirty="0"/>
-              <a:t>While Stationary in Pit Box</a:t>
-            </a:r>
-          </a:p>
-        </p:txBody>
-      </p:sp>
-      <p:pic>
-        <p:nvPicPr>
-          <p:cNvPr id="6" name="Picture 5">
-            <a:extLst>
-              <a:ext uri="{FF2B5EF4-FFF2-40B4-BE49-F238E27FC236}">
-                <a16:creationId xmlns:a16="http://schemas.microsoft.com/office/drawing/2014/main" id="{396C5FD2-4C6B-0DFF-77F4-3CF13BB27561}"/>
-              </a:ext>
-            </a:extLst>
-          </p:cNvPr>
-          <p:cNvPicPr>
-            <a:picLocks noChangeAspect="1"/>
-          </p:cNvPicPr>
-          <p:nvPr/>
-        </p:nvPicPr>
-        <p:blipFill>
-          <a:blip r:embed="rId2"/>
-          <a:stretch>
-            <a:fillRect/>
-          </a:stretch>
-        </p:blipFill>
-        <p:spPr>
-          <a:xfrm>
-            <a:off x="108488" y="689412"/>
-            <a:ext cx="9385952" cy="5897368"/>
-          </a:xfrm>
-          <a:prstGeom prst="rect">
-            <a:avLst/>
-          </a:prstGeom>
-        </p:spPr>
-      </p:pic>
     </p:spTree>
     <p:extLst>
       <p:ext uri="{BB962C8B-B14F-4D97-AF65-F5344CB8AC3E}">
-        <p14:creationId xmlns:p14="http://schemas.microsoft.com/office/powerpoint/2010/main" val="1877618256"/>
+        <p14:creationId xmlns:p14="http://schemas.microsoft.com/office/powerpoint/2010/main" val="2183014921"/>
       </p:ext>
     </p:extLst>
   </p:cSld>
@@ -4544,7 +4352,7 @@
         <p:cNvPr id="1" name="">
           <a:extLst>
             <a:ext uri="{FF2B5EF4-FFF2-40B4-BE49-F238E27FC236}">
-              <a16:creationId xmlns:a16="http://schemas.microsoft.com/office/drawing/2014/main" id="{B22860BD-F9E5-DFC4-25DC-D567912EAB31}"/>
+              <a16:creationId xmlns:a16="http://schemas.microsoft.com/office/drawing/2014/main" id="{28E6C2EB-4AFF-4343-8AF7-CDF83BE386C7}"/>
             </a:ext>
           </a:extLst>
         </p:cNvPr>
@@ -4559,83 +4367,10 @@
           <a:chExt cx="0" cy="0"/>
         </a:xfrm>
       </p:grpSpPr>
-      <p:sp>
-        <p:nvSpPr>
-          <p:cNvPr id="2" name="TextBox 1">
-            <a:extLst>
-              <a:ext uri="{FF2B5EF4-FFF2-40B4-BE49-F238E27FC236}">
-                <a16:creationId xmlns:a16="http://schemas.microsoft.com/office/drawing/2014/main" id="{423FC964-8024-BED4-431B-48FFFBDACA27}"/>
-              </a:ext>
-            </a:extLst>
-          </p:cNvPr>
-          <p:cNvSpPr txBox="1"/>
-          <p:nvPr/>
-        </p:nvSpPr>
-        <p:spPr>
-          <a:xfrm>
-            <a:off x="0" y="0"/>
-            <a:ext cx="5690340" cy="523220"/>
-          </a:xfrm>
-          <a:prstGeom prst="rect">
-            <a:avLst/>
-          </a:prstGeom>
-          <a:noFill/>
-        </p:spPr>
-        <p:txBody>
-          <a:bodyPr wrap="none" rtlCol="0">
-            <a:spAutoFit/>
-          </a:bodyPr>
-          <a:lstStyle/>
-          <a:p>
-            <a:r>
-              <a:rPr lang="en-GB" sz="2800" b="1" u="sng" dirty="0"/>
-              <a:t>Start of </a:t>
-            </a:r>
-            <a:r>
-              <a:rPr lang="en-GB" sz="2800" b="1" u="sng" dirty="0" err="1"/>
-              <a:t>OutLap</a:t>
-            </a:r>
-            <a:r>
-              <a:rPr lang="en-GB" sz="2800" b="1" u="sng" dirty="0"/>
-              <a:t> just after S/F line</a:t>
-            </a:r>
-          </a:p>
-        </p:txBody>
-      </p:sp>
-      <p:pic>
-        <p:nvPicPr>
-          <p:cNvPr id="6" name="Picture 5">
-            <a:extLst>
-              <a:ext uri="{FF2B5EF4-FFF2-40B4-BE49-F238E27FC236}">
-                <a16:creationId xmlns:a16="http://schemas.microsoft.com/office/drawing/2014/main" id="{FBC30DF7-64B2-1DD9-7AE2-1F4EE916C10B}"/>
-              </a:ext>
-            </a:extLst>
-          </p:cNvPr>
-          <p:cNvPicPr>
-            <a:picLocks noChangeAspect="1"/>
-          </p:cNvPicPr>
-          <p:nvPr/>
-        </p:nvPicPr>
-        <p:blipFill>
-          <a:blip r:embed="rId2"/>
-          <a:stretch>
-            <a:fillRect/>
-          </a:stretch>
-        </p:blipFill>
-        <p:spPr>
-          <a:xfrm>
-            <a:off x="202002" y="690524"/>
-            <a:ext cx="9382475" cy="5927252"/>
-          </a:xfrm>
-          <a:prstGeom prst="rect">
-            <a:avLst/>
-          </a:prstGeom>
-        </p:spPr>
-      </p:pic>
     </p:spTree>
     <p:extLst>
       <p:ext uri="{BB962C8B-B14F-4D97-AF65-F5344CB8AC3E}">
-        <p14:creationId xmlns:p14="http://schemas.microsoft.com/office/powerpoint/2010/main" val="3038862163"/>
+        <p14:creationId xmlns:p14="http://schemas.microsoft.com/office/powerpoint/2010/main" val="1654607364"/>
       </p:ext>
     </p:extLst>
   </p:cSld>
@@ -4713,2853 +4448,7 @@
         <p:cNvPr id="1" name="">
           <a:extLst>
             <a:ext uri="{FF2B5EF4-FFF2-40B4-BE49-F238E27FC236}">
-              <a16:creationId xmlns:a16="http://schemas.microsoft.com/office/drawing/2014/main" id="{D3786FF8-9437-2B4A-9D7B-B76C442291F6}"/>
-            </a:ext>
-          </a:extLst>
-        </p:cNvPr>
-        <p:cNvGrpSpPr/>
-        <p:nvPr/>
-      </p:nvGrpSpPr>
-      <p:grpSpPr>
-        <a:xfrm>
-          <a:off x="0" y="0"/>
-          <a:ext cx="0" cy="0"/>
-          <a:chOff x="0" y="0"/>
-          <a:chExt cx="0" cy="0"/>
-        </a:xfrm>
-      </p:grpSpPr>
-      <p:sp>
-        <p:nvSpPr>
-          <p:cNvPr id="2" name="TextBox 1">
-            <a:extLst>
-              <a:ext uri="{FF2B5EF4-FFF2-40B4-BE49-F238E27FC236}">
-                <a16:creationId xmlns:a16="http://schemas.microsoft.com/office/drawing/2014/main" id="{A460A949-39DF-CC9F-8623-8DBB770EF784}"/>
-              </a:ext>
-            </a:extLst>
-          </p:cNvPr>
-          <p:cNvSpPr txBox="1"/>
-          <p:nvPr/>
-        </p:nvSpPr>
-        <p:spPr>
-          <a:xfrm>
-            <a:off x="0" y="0"/>
-            <a:ext cx="11353800" cy="1384995"/>
-          </a:xfrm>
-          <a:prstGeom prst="rect">
-            <a:avLst/>
-          </a:prstGeom>
-          <a:noFill/>
-        </p:spPr>
-        <p:txBody>
-          <a:bodyPr wrap="square" rtlCol="0">
-            <a:spAutoFit/>
-          </a:bodyPr>
-          <a:lstStyle/>
-          <a:p>
-            <a:r>
-              <a:rPr lang="en-GB" sz="2800" b="1" u="sng" dirty="0"/>
-              <a:t>Start of Lap After </a:t>
-            </a:r>
-            <a:r>
-              <a:rPr lang="en-GB" sz="2800" b="1" u="sng" dirty="0" err="1"/>
-              <a:t>Outlap</a:t>
-            </a:r>
-            <a:r>
-              <a:rPr lang="en-GB" sz="2800" b="1" u="sng" dirty="0"/>
-              <a:t> (just after S/F line and </a:t>
-            </a:r>
-            <a:r>
-              <a:rPr lang="en-GB" sz="2800" b="1" u="sng" dirty="0" err="1"/>
-              <a:t>outlap</a:t>
-            </a:r>
-            <a:r>
-              <a:rPr lang="en-GB" sz="2800" b="1" u="sng" dirty="0"/>
-              <a:t> time known) – </a:t>
-            </a:r>
-            <a:r>
-              <a:rPr lang="en-GB" sz="2800" b="1" u="sng" dirty="0">
-                <a:highlight>
-                  <a:srgbClr val="FFFF00"/>
-                </a:highlight>
-              </a:rPr>
-              <a:t>THIS IS WHEN WE WANT THE DATA CAPTURED AND FROZEN UNTIL NEXT EVENT</a:t>
-            </a:r>
-          </a:p>
-        </p:txBody>
-      </p:sp>
-      <p:pic>
-        <p:nvPicPr>
-          <p:cNvPr id="6" name="Picture 5">
-            <a:extLst>
-              <a:ext uri="{FF2B5EF4-FFF2-40B4-BE49-F238E27FC236}">
-                <a16:creationId xmlns:a16="http://schemas.microsoft.com/office/drawing/2014/main" id="{2EBFDDE1-08C7-A251-7FE8-45F2F9859BFD}"/>
-              </a:ext>
-            </a:extLst>
-          </p:cNvPr>
-          <p:cNvPicPr>
-            <a:picLocks noChangeAspect="1"/>
-          </p:cNvPicPr>
-          <p:nvPr/>
-        </p:nvPicPr>
-        <p:blipFill>
-          <a:blip r:embed="rId2"/>
-          <a:stretch>
-            <a:fillRect/>
-          </a:stretch>
-        </p:blipFill>
-        <p:spPr>
-          <a:xfrm>
-            <a:off x="214883" y="1388871"/>
-            <a:ext cx="8290497" cy="5244404"/>
-          </a:xfrm>
-          <a:prstGeom prst="rect">
-            <a:avLst/>
-          </a:prstGeom>
-        </p:spPr>
-      </p:pic>
-    </p:spTree>
-    <p:extLst>
-      <p:ext uri="{BB962C8B-B14F-4D97-AF65-F5344CB8AC3E}">
-        <p14:creationId xmlns:p14="http://schemas.microsoft.com/office/powerpoint/2010/main" val="1156879548"/>
-      </p:ext>
-    </p:extLst>
-  </p:cSld>
-  <p:clrMapOvr>
-    <a:masterClrMapping/>
-  </p:clrMapOvr>
-</p:sld>
-</file>
-
-<file path=ppt/slides/slide21.xml><?xml version="1.0" encoding="utf-8"?>
-<p:sld xmlns:a="http://schemas.openxmlformats.org/drawingml/2006/main" xmlns:r="http://schemas.openxmlformats.org/officeDocument/2006/relationships" xmlns:p="http://schemas.openxmlformats.org/presentationml/2006/main">
-  <p:cSld>
-    <p:spTree>
-      <p:nvGrpSpPr>
-        <p:cNvPr id="1" name="">
-          <a:extLst>
-            <a:ext uri="{FF2B5EF4-FFF2-40B4-BE49-F238E27FC236}">
-              <a16:creationId xmlns:a16="http://schemas.microsoft.com/office/drawing/2014/main" id="{D0CAFE3F-C208-E75D-8F56-576EF905A56B}"/>
-            </a:ext>
-          </a:extLst>
-        </p:cNvPr>
-        <p:cNvGrpSpPr/>
-        <p:nvPr/>
-      </p:nvGrpSpPr>
-      <p:grpSpPr>
-        <a:xfrm>
-          <a:off x="0" y="0"/>
-          <a:ext cx="0" cy="0"/>
-          <a:chOff x="0" y="0"/>
-          <a:chExt cx="0" cy="0"/>
-        </a:xfrm>
-      </p:grpSpPr>
-      <p:sp>
-        <p:nvSpPr>
-          <p:cNvPr id="2" name="TextBox 1">
-            <a:extLst>
-              <a:ext uri="{FF2B5EF4-FFF2-40B4-BE49-F238E27FC236}">
-                <a16:creationId xmlns:a16="http://schemas.microsoft.com/office/drawing/2014/main" id="{64B7C699-D5F1-F2D1-849A-9C40988FEF7D}"/>
-              </a:ext>
-            </a:extLst>
-          </p:cNvPr>
-          <p:cNvSpPr txBox="1"/>
-          <p:nvPr/>
-        </p:nvSpPr>
-        <p:spPr>
-          <a:xfrm>
-            <a:off x="0" y="0"/>
-            <a:ext cx="11077135" cy="523220"/>
-          </a:xfrm>
-          <a:prstGeom prst="rect">
-            <a:avLst/>
-          </a:prstGeom>
-          <a:noFill/>
-        </p:spPr>
-        <p:txBody>
-          <a:bodyPr wrap="none" rtlCol="0">
-            <a:spAutoFit/>
-          </a:bodyPr>
-          <a:lstStyle/>
-          <a:p>
-            <a:r>
-              <a:rPr lang="en-GB" sz="2800" b="1" u="sng" dirty="0"/>
-              <a:t>2 Laps After </a:t>
-            </a:r>
-            <a:r>
-              <a:rPr lang="en-GB" sz="2800" b="1" u="sng" dirty="0" err="1"/>
-              <a:t>OutLap</a:t>
-            </a:r>
-            <a:r>
-              <a:rPr lang="en-GB" sz="2800" b="1" u="sng" dirty="0"/>
-              <a:t> (just after S/F line) – 1</a:t>
-            </a:r>
-            <a:r>
-              <a:rPr lang="en-GB" sz="2800" b="1" u="sng" baseline="30000" dirty="0"/>
-              <a:t>st</a:t>
-            </a:r>
-            <a:r>
-              <a:rPr lang="en-GB" sz="2800" b="1" u="sng" dirty="0"/>
-              <a:t> normal lap after pitting.</a:t>
-            </a:r>
-          </a:p>
-        </p:txBody>
-      </p:sp>
-      <p:pic>
-        <p:nvPicPr>
-          <p:cNvPr id="6" name="Picture 5">
-            <a:extLst>
-              <a:ext uri="{FF2B5EF4-FFF2-40B4-BE49-F238E27FC236}">
-                <a16:creationId xmlns:a16="http://schemas.microsoft.com/office/drawing/2014/main" id="{A27AE94F-8060-1DD6-A63C-65C9596D4DBF}"/>
-              </a:ext>
-            </a:extLst>
-          </p:cNvPr>
-          <p:cNvPicPr>
-            <a:picLocks noChangeAspect="1"/>
-          </p:cNvPicPr>
-          <p:nvPr/>
-        </p:nvPicPr>
-        <p:blipFill>
-          <a:blip r:embed="rId2"/>
-          <a:stretch>
-            <a:fillRect/>
-          </a:stretch>
-        </p:blipFill>
-        <p:spPr>
-          <a:xfrm>
-            <a:off x="189787" y="660103"/>
-            <a:ext cx="9131881" cy="5787192"/>
-          </a:xfrm>
-          <a:prstGeom prst="rect">
-            <a:avLst/>
-          </a:prstGeom>
-        </p:spPr>
-      </p:pic>
-    </p:spTree>
-    <p:extLst>
-      <p:ext uri="{BB962C8B-B14F-4D97-AF65-F5344CB8AC3E}">
-        <p14:creationId xmlns:p14="http://schemas.microsoft.com/office/powerpoint/2010/main" val="1310302009"/>
-      </p:ext>
-    </p:extLst>
-  </p:cSld>
-  <p:clrMapOvr>
-    <a:masterClrMapping/>
-  </p:clrMapOvr>
-</p:sld>
-</file>
-
-<file path=ppt/slides/slide22.xml><?xml version="1.0" encoding="utf-8"?>
-<p:sld xmlns:a="http://schemas.openxmlformats.org/drawingml/2006/main" xmlns:r="http://schemas.openxmlformats.org/officeDocument/2006/relationships" xmlns:p="http://schemas.openxmlformats.org/presentationml/2006/main">
-  <p:cSld>
-    <p:spTree>
-      <p:nvGrpSpPr>
-        <p:cNvPr id="1" name="">
-          <a:extLst>
-            <a:ext uri="{FF2B5EF4-FFF2-40B4-BE49-F238E27FC236}">
-              <a16:creationId xmlns:a16="http://schemas.microsoft.com/office/drawing/2014/main" id="{402CDFA7-7562-3C0A-8003-DFA4087B06C8}"/>
-            </a:ext>
-          </a:extLst>
-        </p:cNvPr>
-        <p:cNvGrpSpPr/>
-        <p:nvPr/>
-      </p:nvGrpSpPr>
-      <p:grpSpPr>
-        <a:xfrm>
-          <a:off x="0" y="0"/>
-          <a:ext cx="0" cy="0"/>
-          <a:chOff x="0" y="0"/>
-          <a:chExt cx="0" cy="0"/>
-        </a:xfrm>
-      </p:grpSpPr>
-      <p:sp>
-        <p:nvSpPr>
-          <p:cNvPr id="2" name="TextBox 1">
-            <a:extLst>
-              <a:ext uri="{FF2B5EF4-FFF2-40B4-BE49-F238E27FC236}">
-                <a16:creationId xmlns:a16="http://schemas.microsoft.com/office/drawing/2014/main" id="{D9D74C5A-51DC-A668-6D7F-A14B317EC4E2}"/>
-              </a:ext>
-            </a:extLst>
-          </p:cNvPr>
-          <p:cNvSpPr txBox="1"/>
-          <p:nvPr/>
-        </p:nvSpPr>
-        <p:spPr>
-          <a:xfrm>
-            <a:off x="0" y="0"/>
-            <a:ext cx="11077135" cy="523220"/>
-          </a:xfrm>
-          <a:prstGeom prst="rect">
-            <a:avLst/>
-          </a:prstGeom>
-          <a:noFill/>
-        </p:spPr>
-        <p:txBody>
-          <a:bodyPr wrap="none" rtlCol="0">
-            <a:spAutoFit/>
-          </a:bodyPr>
-          <a:lstStyle/>
-          <a:p>
-            <a:r>
-              <a:rPr lang="en-GB" sz="2800" b="1" u="sng" dirty="0"/>
-              <a:t>3 Laps After </a:t>
-            </a:r>
-            <a:r>
-              <a:rPr lang="en-GB" sz="2800" b="1" u="sng" dirty="0" err="1"/>
-              <a:t>OutLap</a:t>
-            </a:r>
-            <a:r>
-              <a:rPr lang="en-GB" sz="2800" b="1" u="sng" dirty="0"/>
-              <a:t> (just after S/F line) – 2</a:t>
-            </a:r>
-            <a:r>
-              <a:rPr lang="en-GB" sz="2800" b="1" u="sng" baseline="30000" dirty="0"/>
-              <a:t>st</a:t>
-            </a:r>
-            <a:r>
-              <a:rPr lang="en-GB" sz="2800" b="1" u="sng" dirty="0"/>
-              <a:t> normal lap after pitting.</a:t>
-            </a:r>
-          </a:p>
-        </p:txBody>
-      </p:sp>
-      <p:pic>
-        <p:nvPicPr>
-          <p:cNvPr id="4" name="Picture 3">
-            <a:extLst>
-              <a:ext uri="{FF2B5EF4-FFF2-40B4-BE49-F238E27FC236}">
-                <a16:creationId xmlns:a16="http://schemas.microsoft.com/office/drawing/2014/main" id="{BD91BB67-C668-C70B-8073-F2669978D39B}"/>
-              </a:ext>
-            </a:extLst>
-          </p:cNvPr>
-          <p:cNvPicPr>
-            <a:picLocks noChangeAspect="1"/>
-          </p:cNvPicPr>
-          <p:nvPr/>
-        </p:nvPicPr>
-        <p:blipFill>
-          <a:blip r:embed="rId2"/>
-          <a:stretch>
-            <a:fillRect/>
-          </a:stretch>
-        </p:blipFill>
-        <p:spPr>
-          <a:xfrm>
-            <a:off x="248225" y="675603"/>
-            <a:ext cx="9274181" cy="5849183"/>
-          </a:xfrm>
-          <a:prstGeom prst="rect">
-            <a:avLst/>
-          </a:prstGeom>
-        </p:spPr>
-      </p:pic>
-    </p:spTree>
-    <p:extLst>
-      <p:ext uri="{BB962C8B-B14F-4D97-AF65-F5344CB8AC3E}">
-        <p14:creationId xmlns:p14="http://schemas.microsoft.com/office/powerpoint/2010/main" val="3492940712"/>
-      </p:ext>
-    </p:extLst>
-  </p:cSld>
-  <p:clrMapOvr>
-    <a:masterClrMapping/>
-  </p:clrMapOvr>
-</p:sld>
-</file>
-
-<file path=ppt/slides/slide23.xml><?xml version="1.0" encoding="utf-8"?>
-<p:sld xmlns:a="http://schemas.openxmlformats.org/drawingml/2006/main" xmlns:r="http://schemas.openxmlformats.org/officeDocument/2006/relationships" xmlns:p="http://schemas.openxmlformats.org/presentationml/2006/main">
-  <p:cSld>
-    <p:spTree>
-      <p:nvGrpSpPr>
-        <p:cNvPr id="1" name="">
-          <a:extLst>
-            <a:ext uri="{FF2B5EF4-FFF2-40B4-BE49-F238E27FC236}">
-              <a16:creationId xmlns:a16="http://schemas.microsoft.com/office/drawing/2014/main" id="{394644AC-7511-120B-8BE8-A9DC6D434AD5}"/>
-            </a:ext>
-          </a:extLst>
-        </p:cNvPr>
-        <p:cNvGrpSpPr/>
-        <p:nvPr/>
-      </p:nvGrpSpPr>
-      <p:grpSpPr>
-        <a:xfrm>
-          <a:off x="0" y="0"/>
-          <a:ext cx="0" cy="0"/>
-          <a:chOff x="0" y="0"/>
-          <a:chExt cx="0" cy="0"/>
-        </a:xfrm>
-      </p:grpSpPr>
-      <p:pic>
-        <p:nvPicPr>
-          <p:cNvPr id="2" name="Picture 1">
-            <a:extLst>
-              <a:ext uri="{FF2B5EF4-FFF2-40B4-BE49-F238E27FC236}">
-                <a16:creationId xmlns:a16="http://schemas.microsoft.com/office/drawing/2014/main" id="{3BCA8FA2-75DC-E8EA-3987-A891BE204D6B}"/>
-              </a:ext>
-            </a:extLst>
-          </p:cNvPr>
-          <p:cNvPicPr>
-            <a:picLocks noChangeAspect="1"/>
-          </p:cNvPicPr>
-          <p:nvPr/>
-        </p:nvPicPr>
-        <p:blipFill>
-          <a:blip r:embed="rId2"/>
-          <a:stretch>
-            <a:fillRect/>
-          </a:stretch>
-        </p:blipFill>
-        <p:spPr>
-          <a:xfrm>
-            <a:off x="1309940" y="670956"/>
-            <a:ext cx="9924525" cy="6187044"/>
-          </a:xfrm>
-          <a:prstGeom prst="rect">
-            <a:avLst/>
-          </a:prstGeom>
-        </p:spPr>
-      </p:pic>
-      <p:sp>
-        <p:nvSpPr>
-          <p:cNvPr id="3" name="TextBox 2">
-            <a:extLst>
-              <a:ext uri="{FF2B5EF4-FFF2-40B4-BE49-F238E27FC236}">
-                <a16:creationId xmlns:a16="http://schemas.microsoft.com/office/drawing/2014/main" id="{B5B0FE8C-56BF-F699-E21B-6A511764742A}"/>
-              </a:ext>
-            </a:extLst>
-          </p:cNvPr>
-          <p:cNvSpPr txBox="1"/>
-          <p:nvPr/>
-        </p:nvSpPr>
-        <p:spPr>
-          <a:xfrm>
-            <a:off x="0" y="0"/>
-            <a:ext cx="8806322" cy="523220"/>
-          </a:xfrm>
-          <a:prstGeom prst="rect">
-            <a:avLst/>
-          </a:prstGeom>
-          <a:noFill/>
-        </p:spPr>
-        <p:txBody>
-          <a:bodyPr wrap="none" rtlCol="0">
-            <a:spAutoFit/>
-          </a:bodyPr>
-          <a:lstStyle/>
-          <a:p>
-            <a:r>
-              <a:rPr lang="en-GB" sz="2800" b="1" u="sng" dirty="0"/>
-              <a:t>Lap After </a:t>
-            </a:r>
-            <a:r>
-              <a:rPr lang="en-GB" sz="2800" b="1" u="sng" dirty="0" err="1"/>
-              <a:t>Outlap</a:t>
-            </a:r>
-            <a:r>
-              <a:rPr lang="en-GB" sz="2800" b="1" u="sng" dirty="0"/>
-              <a:t> (just after S/F line) – </a:t>
-            </a:r>
-            <a:r>
-              <a:rPr lang="en-GB" sz="2800" b="1" u="sng" dirty="0">
-                <a:highlight>
-                  <a:srgbClr val="FFFF00"/>
-                </a:highlight>
-              </a:rPr>
-              <a:t>Pit Box after S/F</a:t>
-            </a:r>
-          </a:p>
-        </p:txBody>
-      </p:sp>
-    </p:spTree>
-    <p:extLst>
-      <p:ext uri="{BB962C8B-B14F-4D97-AF65-F5344CB8AC3E}">
-        <p14:creationId xmlns:p14="http://schemas.microsoft.com/office/powerpoint/2010/main" val="1888056661"/>
-      </p:ext>
-    </p:extLst>
-  </p:cSld>
-  <p:clrMapOvr>
-    <a:masterClrMapping/>
-  </p:clrMapOvr>
-</p:sld>
-</file>
-
-<file path=ppt/slides/slide24.xml><?xml version="1.0" encoding="utf-8"?>
-<p:sld xmlns:a="http://schemas.openxmlformats.org/drawingml/2006/main" xmlns:r="http://schemas.openxmlformats.org/officeDocument/2006/relationships" xmlns:p="http://schemas.openxmlformats.org/presentationml/2006/main">
-  <p:cSld>
-    <p:spTree>
-      <p:nvGrpSpPr>
-        <p:cNvPr id="1" name="">
-          <a:extLst>
-            <a:ext uri="{FF2B5EF4-FFF2-40B4-BE49-F238E27FC236}">
-              <a16:creationId xmlns:a16="http://schemas.microsoft.com/office/drawing/2014/main" id="{FD0E3163-8848-84D7-641F-8C03AE4627BD}"/>
-            </a:ext>
-          </a:extLst>
-        </p:cNvPr>
-        <p:cNvGrpSpPr/>
-        <p:nvPr/>
-      </p:nvGrpSpPr>
-      <p:grpSpPr>
-        <a:xfrm>
-          <a:off x="0" y="0"/>
-          <a:ext cx="0" cy="0"/>
-          <a:chOff x="0" y="0"/>
-          <a:chExt cx="0" cy="0"/>
-        </a:xfrm>
-      </p:grpSpPr>
-      <p:pic>
-        <p:nvPicPr>
-          <p:cNvPr id="2" name="Picture 1">
-            <a:extLst>
-              <a:ext uri="{FF2B5EF4-FFF2-40B4-BE49-F238E27FC236}">
-                <a16:creationId xmlns:a16="http://schemas.microsoft.com/office/drawing/2014/main" id="{941ECA30-D55A-9281-E477-241FEFC2F4DD}"/>
-              </a:ext>
-            </a:extLst>
-          </p:cNvPr>
-          <p:cNvPicPr>
-            <a:picLocks noChangeAspect="1"/>
-          </p:cNvPicPr>
-          <p:nvPr/>
-        </p:nvPicPr>
-        <p:blipFill>
-          <a:blip r:embed="rId2"/>
-          <a:stretch>
-            <a:fillRect/>
-          </a:stretch>
-        </p:blipFill>
-        <p:spPr>
-          <a:xfrm>
-            <a:off x="0" y="624372"/>
-            <a:ext cx="6639819" cy="4043019"/>
-          </a:xfrm>
-          <a:prstGeom prst="rect">
-            <a:avLst/>
-          </a:prstGeom>
-        </p:spPr>
-      </p:pic>
-      <p:pic>
-        <p:nvPicPr>
-          <p:cNvPr id="3" name="Picture 2">
-            <a:extLst>
-              <a:ext uri="{FF2B5EF4-FFF2-40B4-BE49-F238E27FC236}">
-                <a16:creationId xmlns:a16="http://schemas.microsoft.com/office/drawing/2014/main" id="{B77739D6-CD7E-33CD-6822-3AE129C0E1E5}"/>
-              </a:ext>
-            </a:extLst>
-          </p:cNvPr>
-          <p:cNvPicPr>
-            <a:picLocks noChangeAspect="1"/>
-          </p:cNvPicPr>
-          <p:nvPr/>
-        </p:nvPicPr>
-        <p:blipFill>
-          <a:blip r:embed="rId3"/>
-          <a:stretch>
-            <a:fillRect/>
-          </a:stretch>
-        </p:blipFill>
-        <p:spPr>
-          <a:xfrm>
-            <a:off x="5552180" y="2597728"/>
-            <a:ext cx="6639820" cy="4139327"/>
-          </a:xfrm>
-          <a:prstGeom prst="rect">
-            <a:avLst/>
-          </a:prstGeom>
-        </p:spPr>
-      </p:pic>
-      <p:sp>
-        <p:nvSpPr>
-          <p:cNvPr id="4" name="TextBox 3">
-            <a:extLst>
-              <a:ext uri="{FF2B5EF4-FFF2-40B4-BE49-F238E27FC236}">
-                <a16:creationId xmlns:a16="http://schemas.microsoft.com/office/drawing/2014/main" id="{4AB3F684-C19E-0133-810A-DADEC90FECB4}"/>
-              </a:ext>
-            </a:extLst>
-          </p:cNvPr>
-          <p:cNvSpPr txBox="1"/>
-          <p:nvPr/>
-        </p:nvSpPr>
-        <p:spPr>
-          <a:xfrm>
-            <a:off x="0" y="0"/>
-            <a:ext cx="3303981" cy="523220"/>
-          </a:xfrm>
-          <a:prstGeom prst="rect">
-            <a:avLst/>
-          </a:prstGeom>
-          <a:noFill/>
-        </p:spPr>
-        <p:txBody>
-          <a:bodyPr wrap="none" rtlCol="0">
-            <a:spAutoFit/>
-          </a:bodyPr>
-          <a:lstStyle/>
-          <a:p>
-            <a:r>
-              <a:rPr lang="en-GB" sz="2800" b="1" u="sng" dirty="0">
-                <a:highlight>
-                  <a:srgbClr val="FFFF00"/>
-                </a:highlight>
-              </a:rPr>
-              <a:t>Pit Box BEFORE S/F</a:t>
-            </a:r>
-          </a:p>
-        </p:txBody>
-      </p:sp>
-      <p:sp>
-        <p:nvSpPr>
-          <p:cNvPr id="5" name="TextBox 4">
-            <a:extLst>
-              <a:ext uri="{FF2B5EF4-FFF2-40B4-BE49-F238E27FC236}">
-                <a16:creationId xmlns:a16="http://schemas.microsoft.com/office/drawing/2014/main" id="{B899CF93-007F-AA20-8445-0DA4ED9F8952}"/>
-              </a:ext>
-            </a:extLst>
-          </p:cNvPr>
-          <p:cNvSpPr txBox="1"/>
-          <p:nvPr/>
-        </p:nvSpPr>
-        <p:spPr>
-          <a:xfrm>
-            <a:off x="9171878" y="1974980"/>
-            <a:ext cx="3020122" cy="523220"/>
-          </a:xfrm>
-          <a:prstGeom prst="rect">
-            <a:avLst/>
-          </a:prstGeom>
-          <a:noFill/>
-        </p:spPr>
-        <p:txBody>
-          <a:bodyPr wrap="none" rtlCol="0">
-            <a:spAutoFit/>
-          </a:bodyPr>
-          <a:lstStyle/>
-          <a:p>
-            <a:r>
-              <a:rPr lang="en-GB" sz="2800" b="1" u="sng" dirty="0">
-                <a:highlight>
-                  <a:srgbClr val="FFFF00"/>
-                </a:highlight>
-              </a:rPr>
-              <a:t>Pit Box AFTER S/F</a:t>
-            </a:r>
-          </a:p>
-        </p:txBody>
-      </p:sp>
-    </p:spTree>
-    <p:extLst>
-      <p:ext uri="{BB962C8B-B14F-4D97-AF65-F5344CB8AC3E}">
-        <p14:creationId xmlns:p14="http://schemas.microsoft.com/office/powerpoint/2010/main" val="1796743994"/>
-      </p:ext>
-    </p:extLst>
-  </p:cSld>
-  <p:clrMapOvr>
-    <a:masterClrMapping/>
-  </p:clrMapOvr>
-</p:sld>
-</file>
-
-<file path=ppt/slides/slide25.xml><?xml version="1.0" encoding="utf-8"?>
-<p:sld xmlns:a="http://schemas.openxmlformats.org/drawingml/2006/main" xmlns:r="http://schemas.openxmlformats.org/officeDocument/2006/relationships" xmlns:p="http://schemas.openxmlformats.org/presentationml/2006/main">
-  <p:cSld>
-    <p:spTree>
-      <p:nvGrpSpPr>
-        <p:cNvPr id="1" name="">
-          <a:extLst>
-            <a:ext uri="{FF2B5EF4-FFF2-40B4-BE49-F238E27FC236}">
-              <a16:creationId xmlns:a16="http://schemas.microsoft.com/office/drawing/2014/main" id="{9C6BEE9D-CC8D-383A-F8D5-4C2D26C204F3}"/>
-            </a:ext>
-          </a:extLst>
-        </p:cNvPr>
-        <p:cNvGrpSpPr/>
-        <p:nvPr/>
-      </p:nvGrpSpPr>
-      <p:grpSpPr>
-        <a:xfrm>
-          <a:off x="0" y="0"/>
-          <a:ext cx="0" cy="0"/>
-          <a:chOff x="0" y="0"/>
-          <a:chExt cx="0" cy="0"/>
-        </a:xfrm>
-      </p:grpSpPr>
-      <p:graphicFrame>
-        <p:nvGraphicFramePr>
-          <p:cNvPr id="2" name="Table 1">
-            <a:extLst>
-              <a:ext uri="{FF2B5EF4-FFF2-40B4-BE49-F238E27FC236}">
-                <a16:creationId xmlns:a16="http://schemas.microsoft.com/office/drawing/2014/main" id="{FDBA22C4-3E7B-4DBE-11B2-F58A3400F500}"/>
-              </a:ext>
-            </a:extLst>
-          </p:cNvPr>
-          <p:cNvGraphicFramePr>
-            <a:graphicFrameLocks noGrp="1"/>
-          </p:cNvGraphicFramePr>
-          <p:nvPr>
-            <p:extLst>
-              <p:ext uri="{D42A27DB-BD31-4B8C-83A1-F6EECF244321}">
-                <p14:modId xmlns:p14="http://schemas.microsoft.com/office/powerpoint/2010/main" val="1438268141"/>
-              </p:ext>
-            </p:extLst>
-          </p:nvPr>
-        </p:nvGraphicFramePr>
-        <p:xfrm>
-          <a:off x="1959428" y="179614"/>
-          <a:ext cx="9209316" cy="6678381"/>
-        </p:xfrm>
-        <a:graphic>
-          <a:graphicData uri="http://schemas.openxmlformats.org/drawingml/2006/table">
-            <a:tbl>
-              <a:tblPr/>
-              <a:tblGrid>
-                <a:gridCol w="3069772">
-                  <a:extLst>
-                    <a:ext uri="{9D8B030D-6E8A-4147-A177-3AD203B41FA5}">
-                      <a16:colId xmlns:a16="http://schemas.microsoft.com/office/drawing/2014/main" val="2730666903"/>
-                    </a:ext>
-                  </a:extLst>
-                </a:gridCol>
-                <a:gridCol w="3069772">
-                  <a:extLst>
-                    <a:ext uri="{9D8B030D-6E8A-4147-A177-3AD203B41FA5}">
-                      <a16:colId xmlns:a16="http://schemas.microsoft.com/office/drawing/2014/main" val="3335558599"/>
-                    </a:ext>
-                  </a:extLst>
-                </a:gridCol>
-                <a:gridCol w="3069772">
-                  <a:extLst>
-                    <a:ext uri="{9D8B030D-6E8A-4147-A177-3AD203B41FA5}">
-                      <a16:colId xmlns:a16="http://schemas.microsoft.com/office/drawing/2014/main" val="3862510514"/>
-                    </a:ext>
-                  </a:extLst>
-                </a:gridCol>
-              </a:tblGrid>
-              <a:tr h="326912">
-                <a:tc>
-                  <a:txBody>
-                    <a:bodyPr/>
-                    <a:lstStyle/>
-                    <a:p>
-                      <a:pPr>
-                        <a:buNone/>
-                      </a:pPr>
-                      <a:r>
-                        <a:rPr lang="en-GB" sz="600"/>
-                        <a:t>Old property (still supported)</a:t>
-                      </a:r>
-                    </a:p>
-                  </a:txBody>
-                  <a:tcPr marL="30429" marR="30429" marT="15214" marB="15214" anchor="ctr">
-                    <a:lnL>
-                      <a:noFill/>
-                    </a:lnL>
-                    <a:lnR>
-                      <a:noFill/>
-                    </a:lnR>
-                    <a:lnT>
-                      <a:noFill/>
-                    </a:lnT>
-                    <a:lnB>
-                      <a:noFill/>
-                    </a:lnB>
-                    <a:noFill/>
-                  </a:tcPr>
-                </a:tc>
-                <a:tc>
-                  <a:txBody>
-                    <a:bodyPr/>
-                    <a:lstStyle/>
-                    <a:p>
-                      <a:pPr>
-                        <a:buNone/>
-                      </a:pPr>
-                      <a:r>
-                        <a:rPr lang="en-US" sz="600"/>
-                        <a:t>New canonical (use this going forward)</a:t>
-                      </a:r>
-                    </a:p>
-                  </a:txBody>
-                  <a:tcPr marL="30429" marR="30429" marT="15214" marB="15214" anchor="ctr">
-                    <a:lnL>
-                      <a:noFill/>
-                    </a:lnL>
-                    <a:lnR>
-                      <a:noFill/>
-                    </a:lnR>
-                    <a:lnT>
-                      <a:noFill/>
-                    </a:lnT>
-                    <a:lnB>
-                      <a:noFill/>
-                    </a:lnB>
-                    <a:noFill/>
-                  </a:tcPr>
-                </a:tc>
-                <a:tc>
-                  <a:txBody>
-                    <a:bodyPr/>
-                    <a:lstStyle/>
-                    <a:p>
-                      <a:pPr>
-                        <a:buNone/>
-                      </a:pPr>
-                      <a:r>
-                        <a:rPr lang="en-GB" sz="600"/>
-                        <a:t>Notes</a:t>
-                      </a:r>
-                    </a:p>
-                  </a:txBody>
-                  <a:tcPr marL="30429" marR="30429" marT="15214" marB="15214" anchor="ctr">
-                    <a:lnL>
-                      <a:noFill/>
-                    </a:lnL>
-                    <a:lnR>
-                      <a:noFill/>
-                    </a:lnR>
-                    <a:lnT>
-                      <a:noFill/>
-                    </a:lnT>
-                    <a:lnB>
-                      <a:noFill/>
-                    </a:lnB>
-                    <a:noFill/>
-                  </a:tcPr>
-                </a:tc>
-                <a:extLst>
-                  <a:ext uri="{0D108BD9-81ED-4DB2-BD59-A6C34878D82A}">
-                    <a16:rowId xmlns:a16="http://schemas.microsoft.com/office/drawing/2014/main" val="3502610967"/>
-                  </a:ext>
-                </a:extLst>
-              </a:tr>
-              <a:tr h="326912">
-                <a:tc>
-                  <a:txBody>
-                    <a:bodyPr/>
-                    <a:lstStyle/>
-                    <a:p>
-                      <a:pPr>
-                        <a:buNone/>
-                      </a:pPr>
-                      <a:r>
-                        <a:rPr lang="en-GB" sz="600">
-                          <a:latin typeface="Courier New" panose="02070309020205020404" pitchFamily="49" charset="0"/>
-                        </a:rPr>
-                        <a:t>LalaLaunch.Lala.Pit.AvgPaceUsedSec</a:t>
-                      </a:r>
-                      <a:endParaRPr lang="en-GB" sz="600"/>
-                    </a:p>
-                  </a:txBody>
-                  <a:tcPr marL="30429" marR="30429" marT="15214" marB="15214" anchor="ctr">
-                    <a:lnL>
-                      <a:noFill/>
-                    </a:lnL>
-                    <a:lnR>
-                      <a:noFill/>
-                    </a:lnR>
-                    <a:lnT>
-                      <a:noFill/>
-                    </a:lnT>
-                    <a:lnB>
-                      <a:noFill/>
-                    </a:lnB>
-                    <a:noFill/>
-                  </a:tcPr>
-                </a:tc>
-                <a:tc>
-                  <a:txBody>
-                    <a:bodyPr/>
-                    <a:lstStyle/>
-                    <a:p>
-                      <a:pPr>
-                        <a:buNone/>
-                      </a:pPr>
-                      <a:r>
-                        <a:rPr lang="en-GB" sz="600">
-                          <a:latin typeface="Courier New" panose="02070309020205020404" pitchFamily="49" charset="0"/>
-                        </a:rPr>
-                        <a:t>LalaLaunch.Pit.AvgPaceUsedSec</a:t>
-                      </a:r>
-                      <a:endParaRPr lang="en-GB" sz="600"/>
-                    </a:p>
-                  </a:txBody>
-                  <a:tcPr marL="30429" marR="30429" marT="15214" marB="15214" anchor="ctr">
-                    <a:lnL>
-                      <a:noFill/>
-                    </a:lnL>
-                    <a:lnR>
-                      <a:noFill/>
-                    </a:lnR>
-                    <a:lnT>
-                      <a:noFill/>
-                    </a:lnT>
-                    <a:lnB>
-                      <a:noFill/>
-                    </a:lnB>
-                    <a:noFill/>
-                  </a:tcPr>
-                </a:tc>
-                <a:tc>
-                  <a:txBody>
-                    <a:bodyPr/>
-                    <a:lstStyle/>
-                    <a:p>
-                      <a:pPr>
-                        <a:buNone/>
-                      </a:pPr>
-                      <a:r>
-                        <a:rPr lang="en-GB" sz="600"/>
-                        <a:t>Seconds</a:t>
-                      </a:r>
-                    </a:p>
-                  </a:txBody>
-                  <a:tcPr marL="30429" marR="30429" marT="15214" marB="15214" anchor="ctr">
-                    <a:lnL>
-                      <a:noFill/>
-                    </a:lnL>
-                    <a:lnR>
-                      <a:noFill/>
-                    </a:lnR>
-                    <a:lnT>
-                      <a:noFill/>
-                    </a:lnT>
-                    <a:lnB>
-                      <a:noFill/>
-                    </a:lnB>
-                    <a:noFill/>
-                  </a:tcPr>
-                </a:tc>
-                <a:extLst>
-                  <a:ext uri="{0D108BD9-81ED-4DB2-BD59-A6C34878D82A}">
-                    <a16:rowId xmlns:a16="http://schemas.microsoft.com/office/drawing/2014/main" val="3146108172"/>
-                  </a:ext>
-                </a:extLst>
-              </a:tr>
-              <a:tr h="326912">
-                <a:tc>
-                  <a:txBody>
-                    <a:bodyPr/>
-                    <a:lstStyle/>
-                    <a:p>
-                      <a:pPr>
-                        <a:buNone/>
-                      </a:pPr>
-                      <a:r>
-                        <a:rPr lang="en-GB" sz="600">
-                          <a:latin typeface="Courier New" panose="02070309020205020404" pitchFamily="49" charset="0"/>
-                        </a:rPr>
-                        <a:t>LalaLaunch.Lala.Pit.AvgPaceSource</a:t>
-                      </a:r>
-                      <a:endParaRPr lang="en-GB" sz="600"/>
-                    </a:p>
-                  </a:txBody>
-                  <a:tcPr marL="30429" marR="30429" marT="15214" marB="15214" anchor="ctr">
-                    <a:lnL>
-                      <a:noFill/>
-                    </a:lnL>
-                    <a:lnR>
-                      <a:noFill/>
-                    </a:lnR>
-                    <a:lnT>
-                      <a:noFill/>
-                    </a:lnT>
-                    <a:lnB>
-                      <a:noFill/>
-                    </a:lnB>
-                    <a:noFill/>
-                  </a:tcPr>
-                </a:tc>
-                <a:tc>
-                  <a:txBody>
-                    <a:bodyPr/>
-                    <a:lstStyle/>
-                    <a:p>
-                      <a:pPr>
-                        <a:buNone/>
-                      </a:pPr>
-                      <a:r>
-                        <a:rPr lang="en-GB" sz="600">
-                          <a:latin typeface="Courier New" panose="02070309020205020404" pitchFamily="49" charset="0"/>
-                        </a:rPr>
-                        <a:t>LalaLaunch.Pit.AvgPaceSource</a:t>
-                      </a:r>
-                      <a:endParaRPr lang="en-GB" sz="600"/>
-                    </a:p>
-                  </a:txBody>
-                  <a:tcPr marL="30429" marR="30429" marT="15214" marB="15214" anchor="ctr">
-                    <a:lnL>
-                      <a:noFill/>
-                    </a:lnL>
-                    <a:lnR>
-                      <a:noFill/>
-                    </a:lnR>
-                    <a:lnT>
-                      <a:noFill/>
-                    </a:lnT>
-                    <a:lnB>
-                      <a:noFill/>
-                    </a:lnB>
-                    <a:noFill/>
-                  </a:tcPr>
-                </a:tc>
-                <a:tc>
-                  <a:txBody>
-                    <a:bodyPr/>
-                    <a:lstStyle/>
-                    <a:p>
-                      <a:pPr>
-                        <a:buNone/>
-                      </a:pPr>
-                      <a:r>
-                        <a:rPr lang="en-GB" sz="600">
-                          <a:latin typeface="Courier New" panose="02070309020205020404" pitchFamily="49" charset="0"/>
-                        </a:rPr>
-                        <a:t>"profile-avg"</a:t>
-                      </a:r>
-                      <a:r>
-                        <a:rPr lang="en-GB" sz="600"/>
-                        <a:t>, </a:t>
-                      </a:r>
-                      <a:r>
-                        <a:rPr lang="en-GB" sz="600">
-                          <a:latin typeface="Courier New" panose="02070309020205020404" pitchFamily="49" charset="0"/>
-                        </a:rPr>
-                        <a:t>"live-median"</a:t>
-                      </a:r>
-                      <a:r>
-                        <a:rPr lang="en-GB" sz="600"/>
-                        <a:t>, </a:t>
-                      </a:r>
-                      <a:r>
-                        <a:rPr lang="en-GB" sz="600">
-                          <a:latin typeface="Courier New" panose="02070309020205020404" pitchFamily="49" charset="0"/>
-                        </a:rPr>
-                        <a:t>"session-pb"</a:t>
-                      </a:r>
-                      <a:r>
-                        <a:rPr lang="en-GB" sz="600"/>
-                        <a:t>, etc.</a:t>
-                      </a:r>
-                    </a:p>
-                  </a:txBody>
-                  <a:tcPr marL="30429" marR="30429" marT="15214" marB="15214" anchor="ctr">
-                    <a:lnL>
-                      <a:noFill/>
-                    </a:lnL>
-                    <a:lnR>
-                      <a:noFill/>
-                    </a:lnR>
-                    <a:lnT>
-                      <a:noFill/>
-                    </a:lnT>
-                    <a:lnB>
-                      <a:noFill/>
-                    </a:lnB>
-                    <a:noFill/>
-                  </a:tcPr>
-                </a:tc>
-                <a:extLst>
-                  <a:ext uri="{0D108BD9-81ED-4DB2-BD59-A6C34878D82A}">
-                    <a16:rowId xmlns:a16="http://schemas.microsoft.com/office/drawing/2014/main" val="343751056"/>
-                  </a:ext>
-                </a:extLst>
-              </a:tr>
-              <a:tr h="326912">
-                <a:tc>
-                  <a:txBody>
-                    <a:bodyPr/>
-                    <a:lstStyle/>
-                    <a:p>
-                      <a:pPr>
-                        <a:buNone/>
-                      </a:pPr>
-                      <a:r>
-                        <a:rPr lang="en-GB" sz="600">
-                          <a:latin typeface="Courier New" panose="02070309020205020404" pitchFamily="49" charset="0"/>
-                        </a:rPr>
-                        <a:t>LalaLaunch.Lala.Pit.InLapSec</a:t>
-                      </a:r>
-                      <a:endParaRPr lang="en-GB" sz="600"/>
-                    </a:p>
-                  </a:txBody>
-                  <a:tcPr marL="30429" marR="30429" marT="15214" marB="15214" anchor="ctr">
-                    <a:lnL>
-                      <a:noFill/>
-                    </a:lnL>
-                    <a:lnR>
-                      <a:noFill/>
-                    </a:lnR>
-                    <a:lnT>
-                      <a:noFill/>
-                    </a:lnT>
-                    <a:lnB>
-                      <a:noFill/>
-                    </a:lnB>
-                    <a:noFill/>
-                  </a:tcPr>
-                </a:tc>
-                <a:tc>
-                  <a:txBody>
-                    <a:bodyPr/>
-                    <a:lstStyle/>
-                    <a:p>
-                      <a:pPr>
-                        <a:buNone/>
-                      </a:pPr>
-                      <a:r>
-                        <a:rPr lang="en-GB" sz="600">
-                          <a:latin typeface="Courier New" panose="02070309020205020404" pitchFamily="49" charset="0"/>
-                        </a:rPr>
-                        <a:t>LalaLaunch.Pit.InLapSec</a:t>
-                      </a:r>
-                      <a:endParaRPr lang="en-GB" sz="600"/>
-                    </a:p>
-                  </a:txBody>
-                  <a:tcPr marL="30429" marR="30429" marT="15214" marB="15214" anchor="ctr">
-                    <a:lnL>
-                      <a:noFill/>
-                    </a:lnL>
-                    <a:lnR>
-                      <a:noFill/>
-                    </a:lnR>
-                    <a:lnT>
-                      <a:noFill/>
-                    </a:lnT>
-                    <a:lnB>
-                      <a:noFill/>
-                    </a:lnB>
-                    <a:noFill/>
-                  </a:tcPr>
-                </a:tc>
-                <a:tc>
-                  <a:txBody>
-                    <a:bodyPr/>
-                    <a:lstStyle/>
-                    <a:p>
-                      <a:pPr>
-                        <a:buNone/>
-                      </a:pPr>
-                      <a:r>
-                        <a:rPr lang="en-US" sz="600"/>
-                        <a:t>Published at S/F when pit-lap completes</a:t>
-                      </a:r>
-                    </a:p>
-                  </a:txBody>
-                  <a:tcPr marL="30429" marR="30429" marT="15214" marB="15214" anchor="ctr">
-                    <a:lnL>
-                      <a:noFill/>
-                    </a:lnL>
-                    <a:lnR>
-                      <a:noFill/>
-                    </a:lnR>
-                    <a:lnT>
-                      <a:noFill/>
-                    </a:lnT>
-                    <a:lnB>
-                      <a:noFill/>
-                    </a:lnB>
-                    <a:noFill/>
-                  </a:tcPr>
-                </a:tc>
-                <a:extLst>
-                  <a:ext uri="{0D108BD9-81ED-4DB2-BD59-A6C34878D82A}">
-                    <a16:rowId xmlns:a16="http://schemas.microsoft.com/office/drawing/2014/main" val="42629223"/>
-                  </a:ext>
-                </a:extLst>
-              </a:tr>
-              <a:tr h="326912">
-                <a:tc>
-                  <a:txBody>
-                    <a:bodyPr/>
-                    <a:lstStyle/>
-                    <a:p>
-                      <a:pPr>
-                        <a:buNone/>
-                      </a:pPr>
-                      <a:r>
-                        <a:rPr lang="en-GB" sz="600">
-                          <a:latin typeface="Courier New" panose="02070309020205020404" pitchFamily="49" charset="0"/>
-                        </a:rPr>
-                        <a:t>LalaLaunch.Lala.Pit.OutLapSec</a:t>
-                      </a:r>
-                      <a:endParaRPr lang="en-GB" sz="600"/>
-                    </a:p>
-                  </a:txBody>
-                  <a:tcPr marL="30429" marR="30429" marT="15214" marB="15214" anchor="ctr">
-                    <a:lnL>
-                      <a:noFill/>
-                    </a:lnL>
-                    <a:lnR>
-                      <a:noFill/>
-                    </a:lnR>
-                    <a:lnT>
-                      <a:noFill/>
-                    </a:lnT>
-                    <a:lnB>
-                      <a:noFill/>
-                    </a:lnB>
-                    <a:noFill/>
-                  </a:tcPr>
-                </a:tc>
-                <a:tc>
-                  <a:txBody>
-                    <a:bodyPr/>
-                    <a:lstStyle/>
-                    <a:p>
-                      <a:pPr>
-                        <a:buNone/>
-                      </a:pPr>
-                      <a:r>
-                        <a:rPr lang="en-GB" sz="600">
-                          <a:latin typeface="Courier New" panose="02070309020205020404" pitchFamily="49" charset="0"/>
-                        </a:rPr>
-                        <a:t>LalaLaunch.Pit.OutLapSec</a:t>
-                      </a:r>
-                      <a:endParaRPr lang="en-GB" sz="600"/>
-                    </a:p>
-                  </a:txBody>
-                  <a:tcPr marL="30429" marR="30429" marT="15214" marB="15214" anchor="ctr">
-                    <a:lnL>
-                      <a:noFill/>
-                    </a:lnL>
-                    <a:lnR>
-                      <a:noFill/>
-                    </a:lnR>
-                    <a:lnT>
-                      <a:noFill/>
-                    </a:lnT>
-                    <a:lnB>
-                      <a:noFill/>
-                    </a:lnB>
-                    <a:noFill/>
-                  </a:tcPr>
-                </a:tc>
-                <a:tc>
-                  <a:txBody>
-                    <a:bodyPr/>
-                    <a:lstStyle/>
-                    <a:p>
-                      <a:pPr>
-                        <a:buNone/>
-                      </a:pPr>
-                      <a:r>
-                        <a:rPr lang="en-US" sz="600"/>
-                        <a:t>Published at S/F when out-lap completes</a:t>
-                      </a:r>
-                    </a:p>
-                  </a:txBody>
-                  <a:tcPr marL="30429" marR="30429" marT="15214" marB="15214" anchor="ctr">
-                    <a:lnL>
-                      <a:noFill/>
-                    </a:lnL>
-                    <a:lnR>
-                      <a:noFill/>
-                    </a:lnR>
-                    <a:lnT>
-                      <a:noFill/>
-                    </a:lnT>
-                    <a:lnB>
-                      <a:noFill/>
-                    </a:lnB>
-                    <a:noFill/>
-                  </a:tcPr>
-                </a:tc>
-                <a:extLst>
-                  <a:ext uri="{0D108BD9-81ED-4DB2-BD59-A6C34878D82A}">
-                    <a16:rowId xmlns:a16="http://schemas.microsoft.com/office/drawing/2014/main" val="3140584031"/>
-                  </a:ext>
-                </a:extLst>
-              </a:tr>
-              <a:tr h="326912">
-                <a:tc>
-                  <a:txBody>
-                    <a:bodyPr/>
-                    <a:lstStyle/>
-                    <a:p>
-                      <a:pPr>
-                        <a:buNone/>
-                      </a:pPr>
-                      <a:r>
-                        <a:rPr lang="en-GB" sz="600">
-                          <a:latin typeface="Courier New" panose="02070309020205020404" pitchFamily="49" charset="0"/>
-                        </a:rPr>
-                        <a:t>LalaLaunch.Lala.Pit.DeltaInSec</a:t>
-                      </a:r>
-                      <a:endParaRPr lang="en-GB" sz="600"/>
-                    </a:p>
-                  </a:txBody>
-                  <a:tcPr marL="30429" marR="30429" marT="15214" marB="15214" anchor="ctr">
-                    <a:lnL>
-                      <a:noFill/>
-                    </a:lnL>
-                    <a:lnR>
-                      <a:noFill/>
-                    </a:lnR>
-                    <a:lnT>
-                      <a:noFill/>
-                    </a:lnT>
-                    <a:lnB>
-                      <a:noFill/>
-                    </a:lnB>
-                    <a:noFill/>
-                  </a:tcPr>
-                </a:tc>
-                <a:tc>
-                  <a:txBody>
-                    <a:bodyPr/>
-                    <a:lstStyle/>
-                    <a:p>
-                      <a:pPr>
-                        <a:buNone/>
-                      </a:pPr>
-                      <a:r>
-                        <a:rPr lang="en-GB" sz="600">
-                          <a:latin typeface="Courier New" panose="02070309020205020404" pitchFamily="49" charset="0"/>
-                        </a:rPr>
-                        <a:t>LalaLaunch.Pit.DeltaInSec</a:t>
-                      </a:r>
-                      <a:endParaRPr lang="en-GB" sz="600"/>
-                    </a:p>
-                  </a:txBody>
-                  <a:tcPr marL="30429" marR="30429" marT="15214" marB="15214" anchor="ctr">
-                    <a:lnL>
-                      <a:noFill/>
-                    </a:lnL>
-                    <a:lnR>
-                      <a:noFill/>
-                    </a:lnR>
-                    <a:lnT>
-                      <a:noFill/>
-                    </a:lnT>
-                    <a:lnB>
-                      <a:noFill/>
-                    </a:lnB>
-                    <a:noFill/>
-                  </a:tcPr>
-                </a:tc>
-                <a:tc>
-                  <a:txBody>
-                    <a:bodyPr/>
-                    <a:lstStyle/>
-                    <a:p>
-                      <a:pPr>
-                        <a:buNone/>
-                      </a:pPr>
-                      <a:r>
-                        <a:rPr lang="en-GB" sz="600"/>
-                        <a:t>InLap − Avg</a:t>
-                      </a:r>
-                    </a:p>
-                  </a:txBody>
-                  <a:tcPr marL="30429" marR="30429" marT="15214" marB="15214" anchor="ctr">
-                    <a:lnL>
-                      <a:noFill/>
-                    </a:lnL>
-                    <a:lnR>
-                      <a:noFill/>
-                    </a:lnR>
-                    <a:lnT>
-                      <a:noFill/>
-                    </a:lnT>
-                    <a:lnB>
-                      <a:noFill/>
-                    </a:lnB>
-                    <a:noFill/>
-                  </a:tcPr>
-                </a:tc>
-                <a:extLst>
-                  <a:ext uri="{0D108BD9-81ED-4DB2-BD59-A6C34878D82A}">
-                    <a16:rowId xmlns:a16="http://schemas.microsoft.com/office/drawing/2014/main" val="3892119186"/>
-                  </a:ext>
-                </a:extLst>
-              </a:tr>
-              <a:tr h="326912">
-                <a:tc>
-                  <a:txBody>
-                    <a:bodyPr/>
-                    <a:lstStyle/>
-                    <a:p>
-                      <a:pPr>
-                        <a:buNone/>
-                      </a:pPr>
-                      <a:r>
-                        <a:rPr lang="en-GB" sz="600">
-                          <a:latin typeface="Courier New" panose="02070309020205020404" pitchFamily="49" charset="0"/>
-                        </a:rPr>
-                        <a:t>LalaLaunch.Lala.Pit.DeltaOutSec</a:t>
-                      </a:r>
-                      <a:endParaRPr lang="en-GB" sz="600"/>
-                    </a:p>
-                  </a:txBody>
-                  <a:tcPr marL="30429" marR="30429" marT="15214" marB="15214" anchor="ctr">
-                    <a:lnL>
-                      <a:noFill/>
-                    </a:lnL>
-                    <a:lnR>
-                      <a:noFill/>
-                    </a:lnR>
-                    <a:lnT>
-                      <a:noFill/>
-                    </a:lnT>
-                    <a:lnB>
-                      <a:noFill/>
-                    </a:lnB>
-                    <a:noFill/>
-                  </a:tcPr>
-                </a:tc>
-                <a:tc>
-                  <a:txBody>
-                    <a:bodyPr/>
-                    <a:lstStyle/>
-                    <a:p>
-                      <a:pPr>
-                        <a:buNone/>
-                      </a:pPr>
-                      <a:r>
-                        <a:rPr lang="en-GB" sz="600">
-                          <a:latin typeface="Courier New" panose="02070309020205020404" pitchFamily="49" charset="0"/>
-                        </a:rPr>
-                        <a:t>LalaLaunch.Pit.DeltaOutSec</a:t>
-                      </a:r>
-                      <a:endParaRPr lang="en-GB" sz="600"/>
-                    </a:p>
-                  </a:txBody>
-                  <a:tcPr marL="30429" marR="30429" marT="15214" marB="15214" anchor="ctr">
-                    <a:lnL>
-                      <a:noFill/>
-                    </a:lnL>
-                    <a:lnR>
-                      <a:noFill/>
-                    </a:lnR>
-                    <a:lnT>
-                      <a:noFill/>
-                    </a:lnT>
-                    <a:lnB>
-                      <a:noFill/>
-                    </a:lnB>
-                    <a:noFill/>
-                  </a:tcPr>
-                </a:tc>
-                <a:tc>
-                  <a:txBody>
-                    <a:bodyPr/>
-                    <a:lstStyle/>
-                    <a:p>
-                      <a:pPr>
-                        <a:buNone/>
-                      </a:pPr>
-                      <a:r>
-                        <a:rPr lang="en-GB" sz="600"/>
-                        <a:t>OutLap − Avg</a:t>
-                      </a:r>
-                    </a:p>
-                  </a:txBody>
-                  <a:tcPr marL="30429" marR="30429" marT="15214" marB="15214" anchor="ctr">
-                    <a:lnL>
-                      <a:noFill/>
-                    </a:lnL>
-                    <a:lnR>
-                      <a:noFill/>
-                    </a:lnR>
-                    <a:lnT>
-                      <a:noFill/>
-                    </a:lnT>
-                    <a:lnB>
-                      <a:noFill/>
-                    </a:lnB>
-                    <a:noFill/>
-                  </a:tcPr>
-                </a:tc>
-                <a:extLst>
-                  <a:ext uri="{0D108BD9-81ED-4DB2-BD59-A6C34878D82A}">
-                    <a16:rowId xmlns:a16="http://schemas.microsoft.com/office/drawing/2014/main" val="2304092834"/>
-                  </a:ext>
-                </a:extLst>
-              </a:tr>
-              <a:tr h="326912">
-                <a:tc>
-                  <a:txBody>
-                    <a:bodyPr/>
-                    <a:lstStyle/>
-                    <a:p>
-                      <a:pPr>
-                        <a:buNone/>
-                      </a:pPr>
-                      <a:r>
-                        <a:rPr lang="en-GB" sz="600">
-                          <a:latin typeface="Courier New" panose="02070309020205020404" pitchFamily="49" charset="0"/>
-                        </a:rPr>
-                        <a:t>LalaLaunch.Lala.Pit.DirectTravelSec</a:t>
-                      </a:r>
-                      <a:endParaRPr lang="en-GB" sz="600"/>
-                    </a:p>
-                  </a:txBody>
-                  <a:tcPr marL="30429" marR="30429" marT="15214" marB="15214" anchor="ctr">
-                    <a:lnL>
-                      <a:noFill/>
-                    </a:lnL>
-                    <a:lnR>
-                      <a:noFill/>
-                    </a:lnR>
-                    <a:lnT>
-                      <a:noFill/>
-                    </a:lnT>
-                    <a:lnB>
-                      <a:noFill/>
-                    </a:lnB>
-                    <a:noFill/>
-                  </a:tcPr>
-                </a:tc>
-                <a:tc>
-                  <a:txBody>
-                    <a:bodyPr/>
-                    <a:lstStyle/>
-                    <a:p>
-                      <a:pPr>
-                        <a:buNone/>
-                      </a:pPr>
-                      <a:r>
-                        <a:rPr lang="en-GB" sz="600">
-                          <a:latin typeface="Courier New" panose="02070309020205020404" pitchFamily="49" charset="0"/>
-                        </a:rPr>
-                        <a:t>LalaLaunch.Pit.DirectTravelSec</a:t>
-                      </a:r>
-                      <a:endParaRPr lang="en-GB" sz="600"/>
-                    </a:p>
-                  </a:txBody>
-                  <a:tcPr marL="30429" marR="30429" marT="15214" marB="15214" anchor="ctr">
-                    <a:lnL>
-                      <a:noFill/>
-                    </a:lnL>
-                    <a:lnR>
-                      <a:noFill/>
-                    </a:lnR>
-                    <a:lnT>
-                      <a:noFill/>
-                    </a:lnT>
-                    <a:lnB>
-                      <a:noFill/>
-                    </a:lnB>
-                    <a:noFill/>
-                  </a:tcPr>
-                </a:tc>
-                <a:tc>
-                  <a:txBody>
-                    <a:bodyPr/>
-                    <a:lstStyle/>
-                    <a:p>
-                      <a:pPr>
-                        <a:buNone/>
-                      </a:pPr>
-                      <a:r>
-                        <a:rPr lang="en-GB" sz="600"/>
-                        <a:t>Entry→Exit while rolling</a:t>
-                      </a:r>
-                    </a:p>
-                  </a:txBody>
-                  <a:tcPr marL="30429" marR="30429" marT="15214" marB="15214" anchor="ctr">
-                    <a:lnL>
-                      <a:noFill/>
-                    </a:lnL>
-                    <a:lnR>
-                      <a:noFill/>
-                    </a:lnR>
-                    <a:lnT>
-                      <a:noFill/>
-                    </a:lnT>
-                    <a:lnB>
-                      <a:noFill/>
-                    </a:lnB>
-                    <a:noFill/>
-                  </a:tcPr>
-                </a:tc>
-                <a:extLst>
-                  <a:ext uri="{0D108BD9-81ED-4DB2-BD59-A6C34878D82A}">
-                    <a16:rowId xmlns:a16="http://schemas.microsoft.com/office/drawing/2014/main" val="1069049613"/>
-                  </a:ext>
-                </a:extLst>
-              </a:tr>
-              <a:tr h="326912">
-                <a:tc>
-                  <a:txBody>
-                    <a:bodyPr/>
-                    <a:lstStyle/>
-                    <a:p>
-                      <a:pPr>
-                        <a:buNone/>
-                      </a:pPr>
-                      <a:r>
-                        <a:rPr lang="en-GB" sz="600">
-                          <a:latin typeface="Courier New" panose="02070309020205020404" pitchFamily="49" charset="0"/>
-                        </a:rPr>
-                        <a:t>LalaLaunch.Lala.Pit.StopSeconds</a:t>
-                      </a:r>
-                      <a:endParaRPr lang="en-GB" sz="600"/>
-                    </a:p>
-                  </a:txBody>
-                  <a:tcPr marL="30429" marR="30429" marT="15214" marB="15214" anchor="ctr">
-                    <a:lnL>
-                      <a:noFill/>
-                    </a:lnL>
-                    <a:lnR>
-                      <a:noFill/>
-                    </a:lnR>
-                    <a:lnT>
-                      <a:noFill/>
-                    </a:lnT>
-                    <a:lnB>
-                      <a:noFill/>
-                    </a:lnB>
-                    <a:noFill/>
-                  </a:tcPr>
-                </a:tc>
-                <a:tc>
-                  <a:txBody>
-                    <a:bodyPr/>
-                    <a:lstStyle/>
-                    <a:p>
-                      <a:pPr>
-                        <a:buNone/>
-                      </a:pPr>
-                      <a:r>
-                        <a:rPr lang="en-GB" sz="600">
-                          <a:latin typeface="Courier New" panose="02070309020205020404" pitchFamily="49" charset="0"/>
-                        </a:rPr>
-                        <a:t>LalaLaunch.Pit.StopSeconds</a:t>
-                      </a:r>
-                      <a:endParaRPr lang="en-GB" sz="600"/>
-                    </a:p>
-                  </a:txBody>
-                  <a:tcPr marL="30429" marR="30429" marT="15214" marB="15214" anchor="ctr">
-                    <a:lnL>
-                      <a:noFill/>
-                    </a:lnL>
-                    <a:lnR>
-                      <a:noFill/>
-                    </a:lnR>
-                    <a:lnT>
-                      <a:noFill/>
-                    </a:lnT>
-                    <a:lnB>
-                      <a:noFill/>
-                    </a:lnB>
-                    <a:noFill/>
-                  </a:tcPr>
-                </a:tc>
-                <a:tc>
-                  <a:txBody>
-                    <a:bodyPr/>
-                    <a:lstStyle/>
-                    <a:p>
-                      <a:pPr>
-                        <a:buNone/>
-                      </a:pPr>
-                      <a:r>
-                        <a:rPr lang="en-GB" sz="600"/>
-                        <a:t>Stationary box time</a:t>
-                      </a:r>
-                    </a:p>
-                  </a:txBody>
-                  <a:tcPr marL="30429" marR="30429" marT="15214" marB="15214" anchor="ctr">
-                    <a:lnL>
-                      <a:noFill/>
-                    </a:lnL>
-                    <a:lnR>
-                      <a:noFill/>
-                    </a:lnR>
-                    <a:lnT>
-                      <a:noFill/>
-                    </a:lnT>
-                    <a:lnB>
-                      <a:noFill/>
-                    </a:lnB>
-                    <a:noFill/>
-                  </a:tcPr>
-                </a:tc>
-                <a:extLst>
-                  <a:ext uri="{0D108BD9-81ED-4DB2-BD59-A6C34878D82A}">
-                    <a16:rowId xmlns:a16="http://schemas.microsoft.com/office/drawing/2014/main" val="893219200"/>
-                  </a:ext>
-                </a:extLst>
-              </a:tr>
-              <a:tr h="326912">
-                <a:tc>
-                  <a:txBody>
-                    <a:bodyPr/>
-                    <a:lstStyle/>
-                    <a:p>
-                      <a:pPr>
-                        <a:buNone/>
-                      </a:pPr>
-                      <a:r>
-                        <a:rPr lang="en-GB" sz="600">
-                          <a:latin typeface="Courier New" panose="02070309020205020404" pitchFamily="49" charset="0"/>
-                        </a:rPr>
-                        <a:t>LalaLaunch.Lala.Pit.DriveThroughLossSec</a:t>
-                      </a:r>
-                      <a:endParaRPr lang="en-GB" sz="600"/>
-                    </a:p>
-                  </a:txBody>
-                  <a:tcPr marL="30429" marR="30429" marT="15214" marB="15214" anchor="ctr">
-                    <a:lnL>
-                      <a:noFill/>
-                    </a:lnL>
-                    <a:lnR>
-                      <a:noFill/>
-                    </a:lnR>
-                    <a:lnT>
-                      <a:noFill/>
-                    </a:lnT>
-                    <a:lnB>
-                      <a:noFill/>
-                    </a:lnB>
-                    <a:noFill/>
-                  </a:tcPr>
-                </a:tc>
-                <a:tc>
-                  <a:txBody>
-                    <a:bodyPr/>
-                    <a:lstStyle/>
-                    <a:p>
-                      <a:pPr>
-                        <a:buNone/>
-                      </a:pPr>
-                      <a:r>
-                        <a:rPr lang="en-GB" sz="600">
-                          <a:latin typeface="Courier New" panose="02070309020205020404" pitchFamily="49" charset="0"/>
-                        </a:rPr>
-                        <a:t>LalaLaunch.Pit.DriveThroughLossSec</a:t>
-                      </a:r>
-                      <a:endParaRPr lang="en-GB" sz="600"/>
-                    </a:p>
-                  </a:txBody>
-                  <a:tcPr marL="30429" marR="30429" marT="15214" marB="15214" anchor="ctr">
-                    <a:lnL>
-                      <a:noFill/>
-                    </a:lnL>
-                    <a:lnR>
-                      <a:noFill/>
-                    </a:lnR>
-                    <a:lnT>
-                      <a:noFill/>
-                    </a:lnT>
-                    <a:lnB>
-                      <a:noFill/>
-                    </a:lnB>
-                    <a:noFill/>
-                  </a:tcPr>
-                </a:tc>
-                <a:tc>
-                  <a:txBody>
-                    <a:bodyPr/>
-                    <a:lstStyle/>
-                    <a:p>
-                      <a:pPr>
-                        <a:buNone/>
-                      </a:pPr>
-                      <a:r>
-                        <a:rPr lang="en-GB" sz="600" b="1"/>
-                        <a:t>DTL</a:t>
-                      </a:r>
-                      <a:r>
-                        <a:rPr lang="en-GB" sz="600"/>
-                        <a:t> saved to profile</a:t>
-                      </a:r>
-                    </a:p>
-                  </a:txBody>
-                  <a:tcPr marL="30429" marR="30429" marT="15214" marB="15214" anchor="ctr">
-                    <a:lnL>
-                      <a:noFill/>
-                    </a:lnL>
-                    <a:lnR>
-                      <a:noFill/>
-                    </a:lnR>
-                    <a:lnT>
-                      <a:noFill/>
-                    </a:lnT>
-                    <a:lnB>
-                      <a:noFill/>
-                    </a:lnB>
-                    <a:noFill/>
-                  </a:tcPr>
-                </a:tc>
-                <a:extLst>
-                  <a:ext uri="{0D108BD9-81ED-4DB2-BD59-A6C34878D82A}">
-                    <a16:rowId xmlns:a16="http://schemas.microsoft.com/office/drawing/2014/main" val="844023288"/>
-                  </a:ext>
-                </a:extLst>
-              </a:tr>
-              <a:tr h="326912">
-                <a:tc>
-                  <a:txBody>
-                    <a:bodyPr/>
-                    <a:lstStyle/>
-                    <a:p>
-                      <a:pPr>
-                        <a:buNone/>
-                      </a:pPr>
-                      <a:r>
-                        <a:rPr lang="en-GB" sz="600">
-                          <a:latin typeface="Courier New" panose="02070309020205020404" pitchFamily="49" charset="0"/>
-                        </a:rPr>
-                        <a:t>LalaLaunch.Lala.Pit.ServiceStopLossSec</a:t>
-                      </a:r>
-                      <a:endParaRPr lang="en-GB" sz="600"/>
-                    </a:p>
-                  </a:txBody>
-                  <a:tcPr marL="30429" marR="30429" marT="15214" marB="15214" anchor="ctr">
-                    <a:lnL>
-                      <a:noFill/>
-                    </a:lnL>
-                    <a:lnR>
-                      <a:noFill/>
-                    </a:lnR>
-                    <a:lnT>
-                      <a:noFill/>
-                    </a:lnT>
-                    <a:lnB>
-                      <a:noFill/>
-                    </a:lnB>
-                    <a:noFill/>
-                  </a:tcPr>
-                </a:tc>
-                <a:tc>
-                  <a:txBody>
-                    <a:bodyPr/>
-                    <a:lstStyle/>
-                    <a:p>
-                      <a:pPr>
-                        <a:buNone/>
-                      </a:pPr>
-                      <a:r>
-                        <a:rPr lang="en-GB" sz="600">
-                          <a:latin typeface="Courier New" panose="02070309020205020404" pitchFamily="49" charset="0"/>
-                        </a:rPr>
-                        <a:t>LalaLaunch.Pit.ServiceStopLossSec</a:t>
-                      </a:r>
-                      <a:endParaRPr lang="en-GB" sz="600"/>
-                    </a:p>
-                  </a:txBody>
-                  <a:tcPr marL="30429" marR="30429" marT="15214" marB="15214" anchor="ctr">
-                    <a:lnL>
-                      <a:noFill/>
-                    </a:lnL>
-                    <a:lnR>
-                      <a:noFill/>
-                    </a:lnR>
-                    <a:lnT>
-                      <a:noFill/>
-                    </a:lnT>
-                    <a:lnB>
-                      <a:noFill/>
-                    </a:lnB>
-                    <a:noFill/>
-                  </a:tcPr>
-                </a:tc>
-                <a:tc>
-                  <a:txBody>
-                    <a:bodyPr/>
-                    <a:lstStyle/>
-                    <a:p>
-                      <a:pPr>
-                        <a:buNone/>
-                      </a:pPr>
-                      <a:r>
-                        <a:rPr lang="en-GB" sz="600"/>
-                        <a:t>DTL + Stop (gap estimate)</a:t>
-                      </a:r>
-                    </a:p>
-                  </a:txBody>
-                  <a:tcPr marL="30429" marR="30429" marT="15214" marB="15214" anchor="ctr">
-                    <a:lnL>
-                      <a:noFill/>
-                    </a:lnL>
-                    <a:lnR>
-                      <a:noFill/>
-                    </a:lnR>
-                    <a:lnT>
-                      <a:noFill/>
-                    </a:lnT>
-                    <a:lnB>
-                      <a:noFill/>
-                    </a:lnB>
-                    <a:noFill/>
-                  </a:tcPr>
-                </a:tc>
-                <a:extLst>
-                  <a:ext uri="{0D108BD9-81ED-4DB2-BD59-A6C34878D82A}">
-                    <a16:rowId xmlns:a16="http://schemas.microsoft.com/office/drawing/2014/main" val="1458213427"/>
-                  </a:ext>
-                </a:extLst>
-              </a:tr>
-              <a:tr h="326912">
-                <a:tc>
-                  <a:txBody>
-                    <a:bodyPr/>
-                    <a:lstStyle/>
-                    <a:p>
-                      <a:pPr>
-                        <a:buNone/>
-                      </a:pPr>
-                      <a:r>
-                        <a:rPr lang="en-GB" sz="600">
-                          <a:latin typeface="Courier New" panose="02070309020205020404" pitchFamily="49" charset="0"/>
-                        </a:rPr>
-                        <a:t>LalaLaunch.Lala.Pit.Profile.PitLaneLossSec</a:t>
-                      </a:r>
-                      <a:endParaRPr lang="en-GB" sz="600"/>
-                    </a:p>
-                  </a:txBody>
-                  <a:tcPr marL="30429" marR="30429" marT="15214" marB="15214" anchor="ctr">
-                    <a:lnL>
-                      <a:noFill/>
-                    </a:lnL>
-                    <a:lnR>
-                      <a:noFill/>
-                    </a:lnR>
-                    <a:lnT>
-                      <a:noFill/>
-                    </a:lnT>
-                    <a:lnB>
-                      <a:noFill/>
-                    </a:lnB>
-                    <a:noFill/>
-                  </a:tcPr>
-                </a:tc>
-                <a:tc>
-                  <a:txBody>
-                    <a:bodyPr/>
-                    <a:lstStyle/>
-                    <a:p>
-                      <a:pPr>
-                        <a:buNone/>
-                      </a:pPr>
-                      <a:r>
-                        <a:rPr lang="en-GB" sz="600">
-                          <a:latin typeface="Courier New" panose="02070309020205020404" pitchFamily="49" charset="0"/>
-                        </a:rPr>
-                        <a:t>LalaLaunch.Pit.Profile.PitLaneLossSec</a:t>
-                      </a:r>
-                      <a:endParaRPr lang="en-GB" sz="600"/>
-                    </a:p>
-                  </a:txBody>
-                  <a:tcPr marL="30429" marR="30429" marT="15214" marB="15214" anchor="ctr">
-                    <a:lnL>
-                      <a:noFill/>
-                    </a:lnL>
-                    <a:lnR>
-                      <a:noFill/>
-                    </a:lnR>
-                    <a:lnT>
-                      <a:noFill/>
-                    </a:lnT>
-                    <a:lnB>
-                      <a:noFill/>
-                    </a:lnB>
-                    <a:noFill/>
-                  </a:tcPr>
-                </a:tc>
-                <a:tc>
-                  <a:txBody>
-                    <a:bodyPr/>
-                    <a:lstStyle/>
-                    <a:p>
-                      <a:pPr>
-                        <a:buNone/>
-                      </a:pPr>
-                      <a:r>
-                        <a:rPr lang="en-GB" sz="600"/>
-                        <a:t>From profile JSON</a:t>
-                      </a:r>
-                    </a:p>
-                  </a:txBody>
-                  <a:tcPr marL="30429" marR="30429" marT="15214" marB="15214" anchor="ctr">
-                    <a:lnL>
-                      <a:noFill/>
-                    </a:lnL>
-                    <a:lnR>
-                      <a:noFill/>
-                    </a:lnR>
-                    <a:lnT>
-                      <a:noFill/>
-                    </a:lnT>
-                    <a:lnB>
-                      <a:noFill/>
-                    </a:lnB>
-                    <a:noFill/>
-                  </a:tcPr>
-                </a:tc>
-                <a:extLst>
-                  <a:ext uri="{0D108BD9-81ED-4DB2-BD59-A6C34878D82A}">
-                    <a16:rowId xmlns:a16="http://schemas.microsoft.com/office/drawing/2014/main" val="3011418365"/>
-                  </a:ext>
-                </a:extLst>
-              </a:tr>
-              <a:tr h="326912">
-                <a:tc>
-                  <a:txBody>
-                    <a:bodyPr/>
-                    <a:lstStyle/>
-                    <a:p>
-                      <a:pPr>
-                        <a:buNone/>
-                      </a:pPr>
-                      <a:r>
-                        <a:rPr lang="en-GB" sz="600">
-                          <a:latin typeface="Courier New" panose="02070309020205020404" pitchFamily="49" charset="0"/>
-                        </a:rPr>
-                        <a:t>LalaLaunch.Lala.Pit.LastSavedValueSec</a:t>
-                      </a:r>
-                      <a:endParaRPr lang="en-GB" sz="600"/>
-                    </a:p>
-                  </a:txBody>
-                  <a:tcPr marL="30429" marR="30429" marT="15214" marB="15214" anchor="ctr">
-                    <a:lnL>
-                      <a:noFill/>
-                    </a:lnL>
-                    <a:lnR>
-                      <a:noFill/>
-                    </a:lnR>
-                    <a:lnT>
-                      <a:noFill/>
-                    </a:lnT>
-                    <a:lnB>
-                      <a:noFill/>
-                    </a:lnB>
-                    <a:noFill/>
-                  </a:tcPr>
-                </a:tc>
-                <a:tc>
-                  <a:txBody>
-                    <a:bodyPr/>
-                    <a:lstStyle/>
-                    <a:p>
-                      <a:pPr>
-                        <a:buNone/>
-                      </a:pPr>
-                      <a:r>
-                        <a:rPr lang="en-GB" sz="600">
-                          <a:latin typeface="Courier New" panose="02070309020205020404" pitchFamily="49" charset="0"/>
-                        </a:rPr>
-                        <a:t>LalaLaunch.Pit.LastSavedValueSec</a:t>
-                      </a:r>
-                      <a:endParaRPr lang="en-GB" sz="600"/>
-                    </a:p>
-                  </a:txBody>
-                  <a:tcPr marL="30429" marR="30429" marT="15214" marB="15214" anchor="ctr">
-                    <a:lnL>
-                      <a:noFill/>
-                    </a:lnL>
-                    <a:lnR>
-                      <a:noFill/>
-                    </a:lnR>
-                    <a:lnT>
-                      <a:noFill/>
-                    </a:lnT>
-                    <a:lnB>
-                      <a:noFill/>
-                    </a:lnB>
-                    <a:noFill/>
-                  </a:tcPr>
-                </a:tc>
-                <a:tc>
-                  <a:txBody>
-                    <a:bodyPr/>
-                    <a:lstStyle/>
-                    <a:p>
-                      <a:pPr>
-                        <a:buNone/>
-                      </a:pPr>
-                      <a:r>
-                        <a:rPr lang="en-GB" sz="600"/>
-                        <a:t>Latest persisted value</a:t>
-                      </a:r>
-                    </a:p>
-                  </a:txBody>
-                  <a:tcPr marL="30429" marR="30429" marT="15214" marB="15214" anchor="ctr">
-                    <a:lnL>
-                      <a:noFill/>
-                    </a:lnL>
-                    <a:lnR>
-                      <a:noFill/>
-                    </a:lnR>
-                    <a:lnT>
-                      <a:noFill/>
-                    </a:lnT>
-                    <a:lnB>
-                      <a:noFill/>
-                    </a:lnB>
-                    <a:noFill/>
-                  </a:tcPr>
-                </a:tc>
-                <a:extLst>
-                  <a:ext uri="{0D108BD9-81ED-4DB2-BD59-A6C34878D82A}">
-                    <a16:rowId xmlns:a16="http://schemas.microsoft.com/office/drawing/2014/main" val="367012711"/>
-                  </a:ext>
-                </a:extLst>
-              </a:tr>
-              <a:tr h="326912">
-                <a:tc>
-                  <a:txBody>
-                    <a:bodyPr/>
-                    <a:lstStyle/>
-                    <a:p>
-                      <a:pPr>
-                        <a:buNone/>
-                      </a:pPr>
-                      <a:r>
-                        <a:rPr lang="en-GB" sz="600">
-                          <a:latin typeface="Courier New" panose="02070309020205020404" pitchFamily="49" charset="0"/>
-                        </a:rPr>
-                        <a:t>LalaLaunch.Lala.Pit.LastSavedSource</a:t>
-                      </a:r>
-                      <a:endParaRPr lang="en-GB" sz="600"/>
-                    </a:p>
-                  </a:txBody>
-                  <a:tcPr marL="30429" marR="30429" marT="15214" marB="15214" anchor="ctr">
-                    <a:lnL>
-                      <a:noFill/>
-                    </a:lnL>
-                    <a:lnR>
-                      <a:noFill/>
-                    </a:lnR>
-                    <a:lnT>
-                      <a:noFill/>
-                    </a:lnT>
-                    <a:lnB>
-                      <a:noFill/>
-                    </a:lnB>
-                    <a:noFill/>
-                  </a:tcPr>
-                </a:tc>
-                <a:tc>
-                  <a:txBody>
-                    <a:bodyPr/>
-                    <a:lstStyle/>
-                    <a:p>
-                      <a:pPr>
-                        <a:buNone/>
-                      </a:pPr>
-                      <a:r>
-                        <a:rPr lang="en-GB" sz="600">
-                          <a:latin typeface="Courier New" panose="02070309020205020404" pitchFamily="49" charset="0"/>
-                        </a:rPr>
-                        <a:t>LalaLaunch.Pit.LastSavedSource</a:t>
-                      </a:r>
-                      <a:endParaRPr lang="en-GB" sz="600"/>
-                    </a:p>
-                  </a:txBody>
-                  <a:tcPr marL="30429" marR="30429" marT="15214" marB="15214" anchor="ctr">
-                    <a:lnL>
-                      <a:noFill/>
-                    </a:lnL>
-                    <a:lnR>
-                      <a:noFill/>
-                    </a:lnR>
-                    <a:lnT>
-                      <a:noFill/>
-                    </a:lnT>
-                    <a:lnB>
-                      <a:noFill/>
-                    </a:lnB>
-                    <a:noFill/>
-                  </a:tcPr>
-                </a:tc>
-                <a:tc>
-                  <a:txBody>
-                    <a:bodyPr/>
-                    <a:lstStyle/>
-                    <a:p>
-                      <a:pPr>
-                        <a:buNone/>
-                      </a:pPr>
-                      <a:r>
-                        <a:rPr lang="en-GB" sz="600">
-                          <a:latin typeface="Courier New" panose="02070309020205020404" pitchFamily="49" charset="0"/>
-                        </a:rPr>
-                        <a:t>"total"</a:t>
-                      </a:r>
-                      <a:r>
-                        <a:rPr lang="en-GB" sz="600"/>
-                        <a:t> or </a:t>
-                      </a:r>
-                      <a:r>
-                        <a:rPr lang="en-GB" sz="600">
-                          <a:latin typeface="Courier New" panose="02070309020205020404" pitchFamily="49" charset="0"/>
-                        </a:rPr>
-                        <a:t>"direct"</a:t>
-                      </a:r>
-                      <a:endParaRPr lang="en-GB" sz="600"/>
-                    </a:p>
-                  </a:txBody>
-                  <a:tcPr marL="30429" marR="30429" marT="15214" marB="15214" anchor="ctr">
-                    <a:lnL>
-                      <a:noFill/>
-                    </a:lnL>
-                    <a:lnR>
-                      <a:noFill/>
-                    </a:lnR>
-                    <a:lnT>
-                      <a:noFill/>
-                    </a:lnT>
-                    <a:lnB>
-                      <a:noFill/>
-                    </a:lnB>
-                    <a:noFill/>
-                  </a:tcPr>
-                </a:tc>
-                <a:extLst>
-                  <a:ext uri="{0D108BD9-81ED-4DB2-BD59-A6C34878D82A}">
-                    <a16:rowId xmlns:a16="http://schemas.microsoft.com/office/drawing/2014/main" val="752032359"/>
-                  </a:ext>
-                </a:extLst>
-              </a:tr>
-              <a:tr h="326912">
-                <a:tc>
-                  <a:txBody>
-                    <a:bodyPr/>
-                    <a:lstStyle/>
-                    <a:p>
-                      <a:pPr>
-                        <a:buNone/>
-                      </a:pPr>
-                      <a:r>
-                        <a:rPr lang="en-GB" sz="600">
-                          <a:latin typeface="Courier New" panose="02070309020205020404" pitchFamily="49" charset="0"/>
-                        </a:rPr>
-                        <a:t>LalaLaunch.Lala.Pit.CandidateSavedSec</a:t>
-                      </a:r>
-                      <a:endParaRPr lang="en-GB" sz="600"/>
-                    </a:p>
-                  </a:txBody>
-                  <a:tcPr marL="30429" marR="30429" marT="15214" marB="15214" anchor="ctr">
-                    <a:lnL>
-                      <a:noFill/>
-                    </a:lnL>
-                    <a:lnR>
-                      <a:noFill/>
-                    </a:lnR>
-                    <a:lnT>
-                      <a:noFill/>
-                    </a:lnT>
-                    <a:lnB>
-                      <a:noFill/>
-                    </a:lnB>
-                    <a:noFill/>
-                  </a:tcPr>
-                </a:tc>
-                <a:tc>
-                  <a:txBody>
-                    <a:bodyPr/>
-                    <a:lstStyle/>
-                    <a:p>
-                      <a:pPr>
-                        <a:buNone/>
-                      </a:pPr>
-                      <a:r>
-                        <a:rPr lang="en-GB" sz="600">
-                          <a:latin typeface="Courier New" panose="02070309020205020404" pitchFamily="49" charset="0"/>
-                        </a:rPr>
-                        <a:t>LalaLaunch.Pit.CandidateSavedSec</a:t>
-                      </a:r>
-                      <a:endParaRPr lang="en-GB" sz="600"/>
-                    </a:p>
-                  </a:txBody>
-                  <a:tcPr marL="30429" marR="30429" marT="15214" marB="15214" anchor="ctr">
-                    <a:lnL>
-                      <a:noFill/>
-                    </a:lnL>
-                    <a:lnR>
-                      <a:noFill/>
-                    </a:lnR>
-                    <a:lnT>
-                      <a:noFill/>
-                    </a:lnT>
-                    <a:lnB>
-                      <a:noFill/>
-                    </a:lnB>
-                    <a:noFill/>
-                  </a:tcPr>
-                </a:tc>
-                <a:tc>
-                  <a:txBody>
-                    <a:bodyPr/>
-                    <a:lstStyle/>
-                    <a:p>
-                      <a:pPr>
-                        <a:buNone/>
-                      </a:pPr>
-                      <a:r>
-                        <a:rPr lang="en-GB" sz="600"/>
-                        <a:t>When we introduce candidate-apply</a:t>
-                      </a:r>
-                    </a:p>
-                  </a:txBody>
-                  <a:tcPr marL="30429" marR="30429" marT="15214" marB="15214" anchor="ctr">
-                    <a:lnL>
-                      <a:noFill/>
-                    </a:lnL>
-                    <a:lnR>
-                      <a:noFill/>
-                    </a:lnR>
-                    <a:lnT>
-                      <a:noFill/>
-                    </a:lnT>
-                    <a:lnB>
-                      <a:noFill/>
-                    </a:lnB>
-                    <a:noFill/>
-                  </a:tcPr>
-                </a:tc>
-                <a:extLst>
-                  <a:ext uri="{0D108BD9-81ED-4DB2-BD59-A6C34878D82A}">
-                    <a16:rowId xmlns:a16="http://schemas.microsoft.com/office/drawing/2014/main" val="1536951079"/>
-                  </a:ext>
-                </a:extLst>
-              </a:tr>
-              <a:tr h="326912">
-                <a:tc>
-                  <a:txBody>
-                    <a:bodyPr/>
-                    <a:lstStyle/>
-                    <a:p>
-                      <a:pPr>
-                        <a:buNone/>
-                      </a:pPr>
-                      <a:r>
-                        <a:rPr lang="en-GB" sz="600">
-                          <a:latin typeface="Courier New" panose="02070309020205020404" pitchFamily="49" charset="0"/>
-                        </a:rPr>
-                        <a:t>LalaLaunch.Lala.Pit.CandidateSource</a:t>
-                      </a:r>
-                      <a:endParaRPr lang="en-GB" sz="600"/>
-                    </a:p>
-                  </a:txBody>
-                  <a:tcPr marL="30429" marR="30429" marT="15214" marB="15214" anchor="ctr">
-                    <a:lnL>
-                      <a:noFill/>
-                    </a:lnL>
-                    <a:lnR>
-                      <a:noFill/>
-                    </a:lnR>
-                    <a:lnT>
-                      <a:noFill/>
-                    </a:lnT>
-                    <a:lnB>
-                      <a:noFill/>
-                    </a:lnB>
-                    <a:noFill/>
-                  </a:tcPr>
-                </a:tc>
-                <a:tc>
-                  <a:txBody>
-                    <a:bodyPr/>
-                    <a:lstStyle/>
-                    <a:p>
-                      <a:pPr>
-                        <a:buNone/>
-                      </a:pPr>
-                      <a:r>
-                        <a:rPr lang="en-GB" sz="600">
-                          <a:latin typeface="Courier New" panose="02070309020205020404" pitchFamily="49" charset="0"/>
-                        </a:rPr>
-                        <a:t>LalaLaunch.Pit.CandidateSource</a:t>
-                      </a:r>
-                      <a:endParaRPr lang="en-GB" sz="600"/>
-                    </a:p>
-                  </a:txBody>
-                  <a:tcPr marL="30429" marR="30429" marT="15214" marB="15214" anchor="ctr">
-                    <a:lnL>
-                      <a:noFill/>
-                    </a:lnL>
-                    <a:lnR>
-                      <a:noFill/>
-                    </a:lnR>
-                    <a:lnT>
-                      <a:noFill/>
-                    </a:lnT>
-                    <a:lnB>
-                      <a:noFill/>
-                    </a:lnB>
-                    <a:noFill/>
-                  </a:tcPr>
-                </a:tc>
-                <a:tc>
-                  <a:txBody>
-                    <a:bodyPr/>
-                    <a:lstStyle/>
-                    <a:p>
-                      <a:pPr>
-                        <a:buNone/>
-                      </a:pPr>
-                      <a:r>
-                        <a:rPr lang="en-GB" sz="600"/>
-                        <a:t>〃</a:t>
-                      </a:r>
-                    </a:p>
-                  </a:txBody>
-                  <a:tcPr marL="30429" marR="30429" marT="15214" marB="15214" anchor="ctr">
-                    <a:lnL>
-                      <a:noFill/>
-                    </a:lnL>
-                    <a:lnR>
-                      <a:noFill/>
-                    </a:lnR>
-                    <a:lnT>
-                      <a:noFill/>
-                    </a:lnT>
-                    <a:lnB>
-                      <a:noFill/>
-                    </a:lnB>
-                    <a:noFill/>
-                  </a:tcPr>
-                </a:tc>
-                <a:extLst>
-                  <a:ext uri="{0D108BD9-81ED-4DB2-BD59-A6C34878D82A}">
-                    <a16:rowId xmlns:a16="http://schemas.microsoft.com/office/drawing/2014/main" val="2137224240"/>
-                  </a:ext>
-                </a:extLst>
-              </a:tr>
-              <a:tr h="326912">
-                <a:tc>
-                  <a:txBody>
-                    <a:bodyPr/>
-                    <a:lstStyle/>
-                    <a:p>
-                      <a:pPr>
-                        <a:buNone/>
-                      </a:pPr>
-                      <a:r>
-                        <a:rPr lang="en-GB" sz="600">
-                          <a:latin typeface="Courier New" panose="02070309020205020404" pitchFamily="49" charset="0"/>
-                        </a:rPr>
-                        <a:t>LalaLaunch.Lala.Pit.FormulaTopSec</a:t>
-                      </a:r>
-                      <a:endParaRPr lang="en-GB" sz="600"/>
-                    </a:p>
-                  </a:txBody>
-                  <a:tcPr marL="30429" marR="30429" marT="15214" marB="15214" anchor="ctr">
-                    <a:lnL>
-                      <a:noFill/>
-                    </a:lnL>
-                    <a:lnR>
-                      <a:noFill/>
-                    </a:lnR>
-                    <a:lnT>
-                      <a:noFill/>
-                    </a:lnT>
-                    <a:lnB>
-                      <a:noFill/>
-                    </a:lnB>
-                    <a:noFill/>
-                  </a:tcPr>
-                </a:tc>
-                <a:tc>
-                  <a:txBody>
-                    <a:bodyPr/>
-                    <a:lstStyle/>
-                    <a:p>
-                      <a:pPr>
-                        <a:buNone/>
-                      </a:pPr>
-                      <a:r>
-                        <a:rPr lang="en-GB" sz="600">
-                          <a:latin typeface="Courier New" panose="02070309020205020404" pitchFamily="49" charset="0"/>
-                        </a:rPr>
-                        <a:t>LalaLaunch.Pit.FormulaTopSec</a:t>
-                      </a:r>
-                      <a:endParaRPr lang="en-GB" sz="600"/>
-                    </a:p>
-                  </a:txBody>
-                  <a:tcPr marL="30429" marR="30429" marT="15214" marB="15214" anchor="ctr">
-                    <a:lnL>
-                      <a:noFill/>
-                    </a:lnL>
-                    <a:lnR>
-                      <a:noFill/>
-                    </a:lnR>
-                    <a:lnT>
-                      <a:noFill/>
-                    </a:lnT>
-                    <a:lnB>
-                      <a:noFill/>
-                    </a:lnB>
-                    <a:noFill/>
-                  </a:tcPr>
-                </a:tc>
-                <a:tc>
-                  <a:txBody>
-                    <a:bodyPr/>
-                    <a:lstStyle/>
-                    <a:p>
-                      <a:pPr>
-                        <a:buNone/>
-                      </a:pPr>
-                      <a:r>
-                        <a:rPr lang="en-GB" sz="600"/>
-                        <a:t>PitLap − Stop + OutLap</a:t>
-                      </a:r>
-                    </a:p>
-                  </a:txBody>
-                  <a:tcPr marL="30429" marR="30429" marT="15214" marB="15214" anchor="ctr">
-                    <a:lnL>
-                      <a:noFill/>
-                    </a:lnL>
-                    <a:lnR>
-                      <a:noFill/>
-                    </a:lnR>
-                    <a:lnT>
-                      <a:noFill/>
-                    </a:lnT>
-                    <a:lnB>
-                      <a:noFill/>
-                    </a:lnB>
-                    <a:noFill/>
-                  </a:tcPr>
-                </a:tc>
-                <a:extLst>
-                  <a:ext uri="{0D108BD9-81ED-4DB2-BD59-A6C34878D82A}">
-                    <a16:rowId xmlns:a16="http://schemas.microsoft.com/office/drawing/2014/main" val="2214205159"/>
-                  </a:ext>
-                </a:extLst>
-              </a:tr>
-              <a:tr h="326912">
-                <a:tc>
-                  <a:txBody>
-                    <a:bodyPr/>
-                    <a:lstStyle/>
-                    <a:p>
-                      <a:pPr>
-                        <a:buNone/>
-                      </a:pPr>
-                      <a:r>
-                        <a:rPr lang="en-GB" sz="600">
-                          <a:latin typeface="Courier New" panose="02070309020205020404" pitchFamily="49" charset="0"/>
-                        </a:rPr>
-                        <a:t>LalaLaunch.Lala.Pit.Phase</a:t>
-                      </a:r>
-                      <a:endParaRPr lang="en-GB" sz="600"/>
-                    </a:p>
-                  </a:txBody>
-                  <a:tcPr marL="30429" marR="30429" marT="15214" marB="15214" anchor="ctr">
-                    <a:lnL>
-                      <a:noFill/>
-                    </a:lnL>
-                    <a:lnR>
-                      <a:noFill/>
-                    </a:lnR>
-                    <a:lnT>
-                      <a:noFill/>
-                    </a:lnT>
-                    <a:lnB>
-                      <a:noFill/>
-                    </a:lnB>
-                    <a:noFill/>
-                  </a:tcPr>
-                </a:tc>
-                <a:tc>
-                  <a:txBody>
-                    <a:bodyPr/>
-                    <a:lstStyle/>
-                    <a:p>
-                      <a:pPr>
-                        <a:buNone/>
-                      </a:pPr>
-                      <a:r>
-                        <a:rPr lang="en-GB" sz="600">
-                          <a:latin typeface="Courier New" panose="02070309020205020404" pitchFamily="49" charset="0"/>
-                        </a:rPr>
-                        <a:t>LalaLaunch.Pit.Phase</a:t>
-                      </a:r>
-                      <a:endParaRPr lang="en-GB" sz="600"/>
-                    </a:p>
-                  </a:txBody>
-                  <a:tcPr marL="30429" marR="30429" marT="15214" marB="15214" anchor="ctr">
-                    <a:lnL>
-                      <a:noFill/>
-                    </a:lnL>
-                    <a:lnR>
-                      <a:noFill/>
-                    </a:lnR>
-                    <a:lnT>
-                      <a:noFill/>
-                    </a:lnT>
-                    <a:lnB>
-                      <a:noFill/>
-                    </a:lnB>
-                    <a:noFill/>
-                  </a:tcPr>
-                </a:tc>
-                <a:tc>
-                  <a:txBody>
-                    <a:bodyPr/>
-                    <a:lstStyle/>
-                    <a:p>
-                      <a:pPr>
-                        <a:buNone/>
-                      </a:pPr>
-                      <a:r>
-                        <a:rPr lang="en-GB" sz="600"/>
-                        <a:t>`idle</a:t>
-                      </a:r>
-                    </a:p>
-                  </a:txBody>
-                  <a:tcPr marL="30429" marR="30429" marT="15214" marB="15214" anchor="ctr">
-                    <a:lnL>
-                      <a:noFill/>
-                    </a:lnL>
-                    <a:lnR>
-                      <a:noFill/>
-                    </a:lnR>
-                    <a:lnT>
-                      <a:noFill/>
-                    </a:lnT>
-                    <a:lnB>
-                      <a:noFill/>
-                    </a:lnB>
-                    <a:noFill/>
-                  </a:tcPr>
-                </a:tc>
-                <a:extLst>
-                  <a:ext uri="{0D108BD9-81ED-4DB2-BD59-A6C34878D82A}">
-                    <a16:rowId xmlns:a16="http://schemas.microsoft.com/office/drawing/2014/main" val="2496340092"/>
-                  </a:ext>
-                </a:extLst>
-              </a:tr>
-              <a:tr h="326912">
-                <a:tc>
-                  <a:txBody>
-                    <a:bodyPr/>
-                    <a:lstStyle/>
-                    <a:p>
-                      <a:pPr>
-                        <a:buNone/>
-                      </a:pPr>
-                      <a:r>
-                        <a:rPr lang="en-GB" sz="600">
-                          <a:latin typeface="Courier New" panose="02070309020205020404" pitchFamily="49" charset="0"/>
-                        </a:rPr>
-                        <a:t>LalaLaunch.Lala.Pit.PanelVisible</a:t>
-                      </a:r>
-                      <a:endParaRPr lang="en-GB" sz="600"/>
-                    </a:p>
-                  </a:txBody>
-                  <a:tcPr marL="30429" marR="30429" marT="15214" marB="15214" anchor="ctr">
-                    <a:lnL>
-                      <a:noFill/>
-                    </a:lnL>
-                    <a:lnR>
-                      <a:noFill/>
-                    </a:lnR>
-                    <a:lnT>
-                      <a:noFill/>
-                    </a:lnT>
-                    <a:lnB>
-                      <a:noFill/>
-                    </a:lnB>
-                    <a:noFill/>
-                  </a:tcPr>
-                </a:tc>
-                <a:tc>
-                  <a:txBody>
-                    <a:bodyPr/>
-                    <a:lstStyle/>
-                    <a:p>
-                      <a:pPr>
-                        <a:buNone/>
-                      </a:pPr>
-                      <a:r>
-                        <a:rPr lang="en-GB" sz="600">
-                          <a:latin typeface="Courier New" panose="02070309020205020404" pitchFamily="49" charset="0"/>
-                        </a:rPr>
-                        <a:t>LalaLaunch.Pit.PanelVisible</a:t>
-                      </a:r>
-                      <a:endParaRPr lang="en-GB" sz="600"/>
-                    </a:p>
-                  </a:txBody>
-                  <a:tcPr marL="30429" marR="30429" marT="15214" marB="15214" anchor="ctr">
-                    <a:lnL>
-                      <a:noFill/>
-                    </a:lnL>
-                    <a:lnR>
-                      <a:noFill/>
-                    </a:lnR>
-                    <a:lnT>
-                      <a:noFill/>
-                    </a:lnT>
-                    <a:lnB>
-                      <a:noFill/>
-                    </a:lnB>
-                    <a:noFill/>
-                  </a:tcPr>
-                </a:tc>
-                <a:tc>
-                  <a:txBody>
-                    <a:bodyPr/>
-                    <a:lstStyle/>
-                    <a:p>
-                      <a:pPr>
-                        <a:buNone/>
-                      </a:pPr>
-                      <a:r>
-                        <a:rPr lang="en-US" sz="600"/>
-                        <a:t>Optional; you said not needed</a:t>
-                      </a:r>
-                    </a:p>
-                  </a:txBody>
-                  <a:tcPr marL="30429" marR="30429" marT="15214" marB="15214" anchor="ctr">
-                    <a:lnL>
-                      <a:noFill/>
-                    </a:lnL>
-                    <a:lnR>
-                      <a:noFill/>
-                    </a:lnR>
-                    <a:lnT>
-                      <a:noFill/>
-                    </a:lnT>
-                    <a:lnB>
-                      <a:noFill/>
-                    </a:lnB>
-                    <a:noFill/>
-                  </a:tcPr>
-                </a:tc>
-                <a:extLst>
-                  <a:ext uri="{0D108BD9-81ED-4DB2-BD59-A6C34878D82A}">
-                    <a16:rowId xmlns:a16="http://schemas.microsoft.com/office/drawing/2014/main" val="583261734"/>
-                  </a:ext>
-                </a:extLst>
-              </a:tr>
-              <a:tr h="467053">
-                <a:tc>
-                  <a:txBody>
-                    <a:bodyPr/>
-                    <a:lstStyle/>
-                    <a:p>
-                      <a:pPr>
-                        <a:buNone/>
-                      </a:pPr>
-                      <a:r>
-                        <a:rPr lang="en-GB" sz="600">
-                          <a:latin typeface="Courier New" panose="02070309020205020404" pitchFamily="49" charset="0"/>
-                        </a:rPr>
-                        <a:t>LalaLaunch.Lala.Pit.NetMinusStopSec</a:t>
-                      </a:r>
-                      <a:endParaRPr lang="en-GB" sz="600"/>
-                    </a:p>
-                  </a:txBody>
-                  <a:tcPr marL="30429" marR="30429" marT="15214" marB="15214" anchor="ctr">
-                    <a:lnL>
-                      <a:noFill/>
-                    </a:lnL>
-                    <a:lnR>
-                      <a:noFill/>
-                    </a:lnR>
-                    <a:lnT>
-                      <a:noFill/>
-                    </a:lnT>
-                    <a:lnB>
-                      <a:noFill/>
-                    </a:lnB>
-                    <a:noFill/>
-                  </a:tcPr>
-                </a:tc>
-                <a:tc>
-                  <a:txBody>
-                    <a:bodyPr/>
-                    <a:lstStyle/>
-                    <a:p>
-                      <a:pPr>
-                        <a:buNone/>
-                      </a:pPr>
-                      <a:r>
-                        <a:rPr lang="en-GB" sz="600" b="1"/>
-                        <a:t>Deprecated</a:t>
-                      </a:r>
-                      <a:r>
-                        <a:rPr lang="en-GB" sz="600"/>
-                        <a:t> → use </a:t>
-                      </a:r>
-                      <a:r>
-                        <a:rPr lang="en-GB" sz="600">
-                          <a:latin typeface="Courier New" panose="02070309020205020404" pitchFamily="49" charset="0"/>
-                        </a:rPr>
-                        <a:t>LalaLaunch.Pit.ServiceStopLossSec</a:t>
-                      </a:r>
-                      <a:endParaRPr lang="en-GB" sz="600"/>
-                    </a:p>
-                  </a:txBody>
-                  <a:tcPr marL="30429" marR="30429" marT="15214" marB="15214" anchor="ctr">
-                    <a:lnL>
-                      <a:noFill/>
-                    </a:lnL>
-                    <a:lnR>
-                      <a:noFill/>
-                    </a:lnR>
-                    <a:lnT>
-                      <a:noFill/>
-                    </a:lnT>
-                    <a:lnB>
-                      <a:noFill/>
-                    </a:lnB>
-                    <a:noFill/>
-                  </a:tcPr>
-                </a:tc>
-                <a:tc>
-                  <a:txBody>
-                    <a:bodyPr/>
-                    <a:lstStyle/>
-                    <a:p>
-                      <a:pPr>
-                        <a:buNone/>
-                      </a:pPr>
-                      <a:r>
-                        <a:rPr lang="en-GB" sz="600" dirty="0"/>
-                        <a:t>We removed this</a:t>
-                      </a:r>
-                    </a:p>
-                  </a:txBody>
-                  <a:tcPr marL="30429" marR="30429" marT="15214" marB="15214" anchor="ctr">
-                    <a:lnL>
-                      <a:noFill/>
-                    </a:lnL>
-                    <a:lnR>
-                      <a:noFill/>
-                    </a:lnR>
-                    <a:lnT>
-                      <a:noFill/>
-                    </a:lnT>
-                    <a:lnB>
-                      <a:noFill/>
-                    </a:lnB>
-                    <a:noFill/>
-                  </a:tcPr>
-                </a:tc>
-                <a:extLst>
-                  <a:ext uri="{0D108BD9-81ED-4DB2-BD59-A6C34878D82A}">
-                    <a16:rowId xmlns:a16="http://schemas.microsoft.com/office/drawing/2014/main" val="3124743659"/>
-                  </a:ext>
-                </a:extLst>
-              </a:tr>
-            </a:tbl>
-          </a:graphicData>
-        </a:graphic>
-      </p:graphicFrame>
-    </p:spTree>
-    <p:extLst>
-      <p:ext uri="{BB962C8B-B14F-4D97-AF65-F5344CB8AC3E}">
-        <p14:creationId xmlns:p14="http://schemas.microsoft.com/office/powerpoint/2010/main" val="3309312321"/>
-      </p:ext>
-    </p:extLst>
-  </p:cSld>
-  <p:clrMapOvr>
-    <a:masterClrMapping/>
-  </p:clrMapOvr>
-</p:sld>
-</file>
-
-<file path=ppt/slides/slide26.xml><?xml version="1.0" encoding="utf-8"?>
-<p:sld xmlns:a="http://schemas.openxmlformats.org/drawingml/2006/main" xmlns:r="http://schemas.openxmlformats.org/officeDocument/2006/relationships" xmlns:p="http://schemas.openxmlformats.org/presentationml/2006/main">
-  <p:cSld>
-    <p:spTree>
-      <p:nvGrpSpPr>
-        <p:cNvPr id="1" name="">
-          <a:extLst>
-            <a:ext uri="{FF2B5EF4-FFF2-40B4-BE49-F238E27FC236}">
-              <a16:creationId xmlns:a16="http://schemas.microsoft.com/office/drawing/2014/main" id="{272F221C-1FED-A921-993F-77037A53DBC6}"/>
+              <a16:creationId xmlns:a16="http://schemas.microsoft.com/office/drawing/2014/main" id="{06182B63-1066-4A2B-CA65-590CCEAEC9DF}"/>
             </a:ext>
           </a:extLst>
         </p:cNvPr>
@@ -7577,115 +4466,7 @@
     </p:spTree>
     <p:extLst>
       <p:ext uri="{BB962C8B-B14F-4D97-AF65-F5344CB8AC3E}">
-        <p14:creationId xmlns:p14="http://schemas.microsoft.com/office/powerpoint/2010/main" val="3636825823"/>
-      </p:ext>
-    </p:extLst>
-  </p:cSld>
-  <p:clrMapOvr>
-    <a:masterClrMapping/>
-  </p:clrMapOvr>
-</p:sld>
-</file>
-
-<file path=ppt/slides/slide27.xml><?xml version="1.0" encoding="utf-8"?>
-<p:sld xmlns:a="http://schemas.openxmlformats.org/drawingml/2006/main" xmlns:r="http://schemas.openxmlformats.org/officeDocument/2006/relationships" xmlns:p="http://schemas.openxmlformats.org/presentationml/2006/main">
-  <p:cSld>
-    <p:spTree>
-      <p:nvGrpSpPr>
-        <p:cNvPr id="1" name="">
-          <a:extLst>
-            <a:ext uri="{FF2B5EF4-FFF2-40B4-BE49-F238E27FC236}">
-              <a16:creationId xmlns:a16="http://schemas.microsoft.com/office/drawing/2014/main" id="{01E5B63E-D1E7-6FB0-DFF0-3100975F2BFE}"/>
-            </a:ext>
-          </a:extLst>
-        </p:cNvPr>
-        <p:cNvGrpSpPr/>
-        <p:nvPr/>
-      </p:nvGrpSpPr>
-      <p:grpSpPr>
-        <a:xfrm>
-          <a:off x="0" y="0"/>
-          <a:ext cx="0" cy="0"/>
-          <a:chOff x="0" y="0"/>
-          <a:chExt cx="0" cy="0"/>
-        </a:xfrm>
-      </p:grpSpPr>
-    </p:spTree>
-    <p:extLst>
-      <p:ext uri="{BB962C8B-B14F-4D97-AF65-F5344CB8AC3E}">
-        <p14:creationId xmlns:p14="http://schemas.microsoft.com/office/powerpoint/2010/main" val="1765660521"/>
-      </p:ext>
-    </p:extLst>
-  </p:cSld>
-  <p:clrMapOvr>
-    <a:masterClrMapping/>
-  </p:clrMapOvr>
-</p:sld>
-</file>
-
-<file path=ppt/slides/slide28.xml><?xml version="1.0" encoding="utf-8"?>
-<p:sld xmlns:a="http://schemas.openxmlformats.org/drawingml/2006/main" xmlns:r="http://schemas.openxmlformats.org/officeDocument/2006/relationships" xmlns:p="http://schemas.openxmlformats.org/presentationml/2006/main">
-  <p:cSld>
-    <p:spTree>
-      <p:nvGrpSpPr>
-        <p:cNvPr id="1" name="">
-          <a:extLst>
-            <a:ext uri="{FF2B5EF4-FFF2-40B4-BE49-F238E27FC236}">
-              <a16:creationId xmlns:a16="http://schemas.microsoft.com/office/drawing/2014/main" id="{1247725F-C6B9-8228-27E7-D5BAF4EA99C4}"/>
-            </a:ext>
-          </a:extLst>
-        </p:cNvPr>
-        <p:cNvGrpSpPr/>
-        <p:nvPr/>
-      </p:nvGrpSpPr>
-      <p:grpSpPr>
-        <a:xfrm>
-          <a:off x="0" y="0"/>
-          <a:ext cx="0" cy="0"/>
-          <a:chOff x="0" y="0"/>
-          <a:chExt cx="0" cy="0"/>
-        </a:xfrm>
-      </p:grpSpPr>
-    </p:spTree>
-    <p:extLst>
-      <p:ext uri="{BB962C8B-B14F-4D97-AF65-F5344CB8AC3E}">
-        <p14:creationId xmlns:p14="http://schemas.microsoft.com/office/powerpoint/2010/main" val="2506171242"/>
-      </p:ext>
-    </p:extLst>
-  </p:cSld>
-  <p:clrMapOvr>
-    <a:masterClrMapping/>
-  </p:clrMapOvr>
-</p:sld>
-</file>
-
-<file path=ppt/slides/slide29.xml><?xml version="1.0" encoding="utf-8"?>
-<p:sld xmlns:a="http://schemas.openxmlformats.org/drawingml/2006/main" xmlns:r="http://schemas.openxmlformats.org/officeDocument/2006/relationships" xmlns:p="http://schemas.openxmlformats.org/presentationml/2006/main">
-  <p:cSld>
-    <p:spTree>
-      <p:nvGrpSpPr>
-        <p:cNvPr id="1" name="">
-          <a:extLst>
-            <a:ext uri="{FF2B5EF4-FFF2-40B4-BE49-F238E27FC236}">
-              <a16:creationId xmlns:a16="http://schemas.microsoft.com/office/drawing/2014/main" id="{0E8FCC62-FBCC-DD0A-CB40-7E49FADA31FC}"/>
-            </a:ext>
-          </a:extLst>
-        </p:cNvPr>
-        <p:cNvGrpSpPr/>
-        <p:nvPr/>
-      </p:nvGrpSpPr>
-      <p:grpSpPr>
-        <a:xfrm>
-          <a:off x="0" y="0"/>
-          <a:ext cx="0" cy="0"/>
-          <a:chOff x="0" y="0"/>
-          <a:chExt cx="0" cy="0"/>
-        </a:xfrm>
-      </p:grpSpPr>
-    </p:spTree>
-    <p:extLst>
-      <p:ext uri="{BB962C8B-B14F-4D97-AF65-F5344CB8AC3E}">
-        <p14:creationId xmlns:p14="http://schemas.microsoft.com/office/powerpoint/2010/main" val="2183014921"/>
+        <p14:creationId xmlns:p14="http://schemas.microsoft.com/office/powerpoint/2010/main" val="1087879137"/>
       </p:ext>
     </p:extLst>
   </p:cSld>
@@ -7752,78 +4533,6 @@
     <p:extLst>
       <p:ext uri="{BB962C8B-B14F-4D97-AF65-F5344CB8AC3E}">
         <p14:creationId xmlns:p14="http://schemas.microsoft.com/office/powerpoint/2010/main" val="277392067"/>
-      </p:ext>
-    </p:extLst>
-  </p:cSld>
-  <p:clrMapOvr>
-    <a:masterClrMapping/>
-  </p:clrMapOvr>
-</p:sld>
-</file>
-
-<file path=ppt/slides/slide30.xml><?xml version="1.0" encoding="utf-8"?>
-<p:sld xmlns:a="http://schemas.openxmlformats.org/drawingml/2006/main" xmlns:r="http://schemas.openxmlformats.org/officeDocument/2006/relationships" xmlns:p="http://schemas.openxmlformats.org/presentationml/2006/main">
-  <p:cSld>
-    <p:spTree>
-      <p:nvGrpSpPr>
-        <p:cNvPr id="1" name="">
-          <a:extLst>
-            <a:ext uri="{FF2B5EF4-FFF2-40B4-BE49-F238E27FC236}">
-              <a16:creationId xmlns:a16="http://schemas.microsoft.com/office/drawing/2014/main" id="{28E6C2EB-4AFF-4343-8AF7-CDF83BE386C7}"/>
-            </a:ext>
-          </a:extLst>
-        </p:cNvPr>
-        <p:cNvGrpSpPr/>
-        <p:nvPr/>
-      </p:nvGrpSpPr>
-      <p:grpSpPr>
-        <a:xfrm>
-          <a:off x="0" y="0"/>
-          <a:ext cx="0" cy="0"/>
-          <a:chOff x="0" y="0"/>
-          <a:chExt cx="0" cy="0"/>
-        </a:xfrm>
-      </p:grpSpPr>
-    </p:spTree>
-    <p:extLst>
-      <p:ext uri="{BB962C8B-B14F-4D97-AF65-F5344CB8AC3E}">
-        <p14:creationId xmlns:p14="http://schemas.microsoft.com/office/powerpoint/2010/main" val="1654607364"/>
-      </p:ext>
-    </p:extLst>
-  </p:cSld>
-  <p:clrMapOvr>
-    <a:masterClrMapping/>
-  </p:clrMapOvr>
-</p:sld>
-</file>
-
-<file path=ppt/slides/slide31.xml><?xml version="1.0" encoding="utf-8"?>
-<p:sld xmlns:a="http://schemas.openxmlformats.org/drawingml/2006/main" xmlns:r="http://schemas.openxmlformats.org/officeDocument/2006/relationships" xmlns:p="http://schemas.openxmlformats.org/presentationml/2006/main">
-  <p:cSld>
-    <p:spTree>
-      <p:nvGrpSpPr>
-        <p:cNvPr id="1" name="">
-          <a:extLst>
-            <a:ext uri="{FF2B5EF4-FFF2-40B4-BE49-F238E27FC236}">
-              <a16:creationId xmlns:a16="http://schemas.microsoft.com/office/drawing/2014/main" id="{06182B63-1066-4A2B-CA65-590CCEAEC9DF}"/>
-            </a:ext>
-          </a:extLst>
-        </p:cNvPr>
-        <p:cNvGrpSpPr/>
-        <p:nvPr/>
-      </p:nvGrpSpPr>
-      <p:grpSpPr>
-        <a:xfrm>
-          <a:off x="0" y="0"/>
-          <a:ext cx="0" cy="0"/>
-          <a:chOff x="0" y="0"/>
-          <a:chExt cx="0" cy="0"/>
-        </a:xfrm>
-      </p:grpSpPr>
-    </p:spTree>
-    <p:extLst>
-      <p:ext uri="{BB962C8B-B14F-4D97-AF65-F5344CB8AC3E}">
-        <p14:creationId xmlns:p14="http://schemas.microsoft.com/office/powerpoint/2010/main" val="1087879137"/>
       </p:ext>
     </p:extLst>
   </p:cSld>

--- a/Docs/UI Work.pptx
+++ b/Docs/UI Work.pptx
@@ -675,7 +675,7 @@
           <a:p>
             <a:fld id="{55FA135A-769C-438D-9AC0-5CFB87EA78F4}" type="datetimeFigureOut">
               <a:rPr lang="en-GB" smtClean="0"/>
-              <a:t>19/11/2025</a:t>
+              <a:t>26/11/2025</a:t>
             </a:fld>
             <a:endParaRPr lang="en-GB"/>
           </a:p>
@@ -875,7 +875,7 @@
           <a:p>
             <a:fld id="{55FA135A-769C-438D-9AC0-5CFB87EA78F4}" type="datetimeFigureOut">
               <a:rPr lang="en-GB" smtClean="0"/>
-              <a:t>19/11/2025</a:t>
+              <a:t>26/11/2025</a:t>
             </a:fld>
             <a:endParaRPr lang="en-GB"/>
           </a:p>
@@ -1085,7 +1085,7 @@
           <a:p>
             <a:fld id="{55FA135A-769C-438D-9AC0-5CFB87EA78F4}" type="datetimeFigureOut">
               <a:rPr lang="en-GB" smtClean="0"/>
-              <a:t>19/11/2025</a:t>
+              <a:t>26/11/2025</a:t>
             </a:fld>
             <a:endParaRPr lang="en-GB"/>
           </a:p>
@@ -1285,7 +1285,7 @@
           <a:p>
             <a:fld id="{55FA135A-769C-438D-9AC0-5CFB87EA78F4}" type="datetimeFigureOut">
               <a:rPr lang="en-GB" smtClean="0"/>
-              <a:t>19/11/2025</a:t>
+              <a:t>26/11/2025</a:t>
             </a:fld>
             <a:endParaRPr lang="en-GB"/>
           </a:p>
@@ -1561,7 +1561,7 @@
           <a:p>
             <a:fld id="{55FA135A-769C-438D-9AC0-5CFB87EA78F4}" type="datetimeFigureOut">
               <a:rPr lang="en-GB" smtClean="0"/>
-              <a:t>19/11/2025</a:t>
+              <a:t>26/11/2025</a:t>
             </a:fld>
             <a:endParaRPr lang="en-GB"/>
           </a:p>
@@ -1829,7 +1829,7 @@
           <a:p>
             <a:fld id="{55FA135A-769C-438D-9AC0-5CFB87EA78F4}" type="datetimeFigureOut">
               <a:rPr lang="en-GB" smtClean="0"/>
-              <a:t>19/11/2025</a:t>
+              <a:t>26/11/2025</a:t>
             </a:fld>
             <a:endParaRPr lang="en-GB"/>
           </a:p>
@@ -2244,7 +2244,7 @@
           <a:p>
             <a:fld id="{55FA135A-769C-438D-9AC0-5CFB87EA78F4}" type="datetimeFigureOut">
               <a:rPr lang="en-GB" smtClean="0"/>
-              <a:t>19/11/2025</a:t>
+              <a:t>26/11/2025</a:t>
             </a:fld>
             <a:endParaRPr lang="en-GB"/>
           </a:p>
@@ -2386,7 +2386,7 @@
           <a:p>
             <a:fld id="{55FA135A-769C-438D-9AC0-5CFB87EA78F4}" type="datetimeFigureOut">
               <a:rPr lang="en-GB" smtClean="0"/>
-              <a:t>19/11/2025</a:t>
+              <a:t>26/11/2025</a:t>
             </a:fld>
             <a:endParaRPr lang="en-GB"/>
           </a:p>
@@ -2499,7 +2499,7 @@
           <a:p>
             <a:fld id="{55FA135A-769C-438D-9AC0-5CFB87EA78F4}" type="datetimeFigureOut">
               <a:rPr lang="en-GB" smtClean="0"/>
-              <a:t>19/11/2025</a:t>
+              <a:t>26/11/2025</a:t>
             </a:fld>
             <a:endParaRPr lang="en-GB"/>
           </a:p>
@@ -2812,7 +2812,7 @@
           <a:p>
             <a:fld id="{55FA135A-769C-438D-9AC0-5CFB87EA78F4}" type="datetimeFigureOut">
               <a:rPr lang="en-GB" smtClean="0"/>
-              <a:t>19/11/2025</a:t>
+              <a:t>26/11/2025</a:t>
             </a:fld>
             <a:endParaRPr lang="en-GB"/>
           </a:p>
@@ -3101,7 +3101,7 @@
           <a:p>
             <a:fld id="{55FA135A-769C-438D-9AC0-5CFB87EA78F4}" type="datetimeFigureOut">
               <a:rPr lang="en-GB" smtClean="0"/>
-              <a:t>19/11/2025</a:t>
+              <a:t>26/11/2025</a:t>
             </a:fld>
             <a:endParaRPr lang="en-GB"/>
           </a:p>
@@ -3344,7 +3344,7 @@
           <a:p>
             <a:fld id="{55FA135A-769C-438D-9AC0-5CFB87EA78F4}" type="datetimeFigureOut">
               <a:rPr lang="en-GB" smtClean="0"/>
-              <a:t>19/11/2025</a:t>
+              <a:t>26/11/2025</a:t>
             </a:fld>
             <a:endParaRPr lang="en-GB"/>
           </a:p>
@@ -4295,6 +4295,36 @@
           <a:chExt cx="0" cy="0"/>
         </a:xfrm>
       </p:grpSpPr>
+      <p:pic>
+        <p:nvPicPr>
+          <p:cNvPr id="3" name="Picture 2" descr="A screenshot of a computer&#10;&#10;AI-generated content may be incorrect.">
+            <a:extLst>
+              <a:ext uri="{FF2B5EF4-FFF2-40B4-BE49-F238E27FC236}">
+                <a16:creationId xmlns:a16="http://schemas.microsoft.com/office/drawing/2014/main" id="{F8DB19D3-1A4C-980A-2BB3-2C4FBD7F8A94}"/>
+              </a:ext>
+            </a:extLst>
+          </p:cNvPr>
+          <p:cNvPicPr>
+            <a:picLocks noChangeAspect="1"/>
+          </p:cNvPicPr>
+          <p:nvPr/>
+        </p:nvPicPr>
+        <p:blipFill>
+          <a:blip r:embed="rId2"/>
+          <a:stretch>
+            <a:fillRect/>
+          </a:stretch>
+        </p:blipFill>
+        <p:spPr>
+          <a:xfrm>
+            <a:off x="137325" y="125632"/>
+            <a:ext cx="5477639" cy="3143689"/>
+          </a:xfrm>
+          <a:prstGeom prst="rect">
+            <a:avLst/>
+          </a:prstGeom>
+        </p:spPr>
+      </p:pic>
     </p:spTree>
     <p:extLst>
       <p:ext uri="{BB962C8B-B14F-4D97-AF65-F5344CB8AC3E}">

--- a/Docs/UI Work.pptx
+++ b/Docs/UI Work.pptx
@@ -19,23 +19,12 @@
     <p:sldId id="267" r:id="rId13"/>
     <p:sldId id="268" r:id="rId14"/>
     <p:sldId id="269" r:id="rId15"/>
-    <p:sldId id="271" r:id="rId16"/>
-    <p:sldId id="289" r:id="rId17"/>
-    <p:sldId id="287" r:id="rId18"/>
-    <p:sldId id="284" r:id="rId19"/>
-    <p:sldId id="283" r:id="rId20"/>
-    <p:sldId id="285" r:id="rId21"/>
-    <p:sldId id="286" r:id="rId22"/>
-    <p:sldId id="288" r:id="rId23"/>
-    <p:sldId id="272" r:id="rId24"/>
-    <p:sldId id="273" r:id="rId25"/>
-    <p:sldId id="274" r:id="rId26"/>
-    <p:sldId id="275" r:id="rId27"/>
-    <p:sldId id="276" r:id="rId28"/>
-    <p:sldId id="277" r:id="rId29"/>
-    <p:sldId id="278" r:id="rId30"/>
-    <p:sldId id="279" r:id="rId31"/>
-    <p:sldId id="280" r:id="rId32"/>
+    <p:sldId id="275" r:id="rId16"/>
+    <p:sldId id="276" r:id="rId17"/>
+    <p:sldId id="277" r:id="rId18"/>
+    <p:sldId id="278" r:id="rId19"/>
+    <p:sldId id="279" r:id="rId20"/>
+    <p:sldId id="280" r:id="rId21"/>
   </p:sldIdLst>
   <p:sldSz cx="12192000" cy="6858000"/>
   <p:notesSz cx="6858000" cy="9144000"/>
@@ -686,7 +675,7 @@
           <a:p>
             <a:fld id="{55FA135A-769C-438D-9AC0-5CFB87EA78F4}" type="datetimeFigureOut">
               <a:rPr lang="en-GB" smtClean="0"/>
-              <a:t>17/09/2025</a:t>
+              <a:t>26/11/2025</a:t>
             </a:fld>
             <a:endParaRPr lang="en-GB"/>
           </a:p>
@@ -886,7 +875,7 @@
           <a:p>
             <a:fld id="{55FA135A-769C-438D-9AC0-5CFB87EA78F4}" type="datetimeFigureOut">
               <a:rPr lang="en-GB" smtClean="0"/>
-              <a:t>17/09/2025</a:t>
+              <a:t>26/11/2025</a:t>
             </a:fld>
             <a:endParaRPr lang="en-GB"/>
           </a:p>
@@ -1096,7 +1085,7 @@
           <a:p>
             <a:fld id="{55FA135A-769C-438D-9AC0-5CFB87EA78F4}" type="datetimeFigureOut">
               <a:rPr lang="en-GB" smtClean="0"/>
-              <a:t>17/09/2025</a:t>
+              <a:t>26/11/2025</a:t>
             </a:fld>
             <a:endParaRPr lang="en-GB"/>
           </a:p>
@@ -1296,7 +1285,7 @@
           <a:p>
             <a:fld id="{55FA135A-769C-438D-9AC0-5CFB87EA78F4}" type="datetimeFigureOut">
               <a:rPr lang="en-GB" smtClean="0"/>
-              <a:t>17/09/2025</a:t>
+              <a:t>26/11/2025</a:t>
             </a:fld>
             <a:endParaRPr lang="en-GB"/>
           </a:p>
@@ -1572,7 +1561,7 @@
           <a:p>
             <a:fld id="{55FA135A-769C-438D-9AC0-5CFB87EA78F4}" type="datetimeFigureOut">
               <a:rPr lang="en-GB" smtClean="0"/>
-              <a:t>17/09/2025</a:t>
+              <a:t>26/11/2025</a:t>
             </a:fld>
             <a:endParaRPr lang="en-GB"/>
           </a:p>
@@ -1840,7 +1829,7 @@
           <a:p>
             <a:fld id="{55FA135A-769C-438D-9AC0-5CFB87EA78F4}" type="datetimeFigureOut">
               <a:rPr lang="en-GB" smtClean="0"/>
-              <a:t>17/09/2025</a:t>
+              <a:t>26/11/2025</a:t>
             </a:fld>
             <a:endParaRPr lang="en-GB"/>
           </a:p>
@@ -2255,7 +2244,7 @@
           <a:p>
             <a:fld id="{55FA135A-769C-438D-9AC0-5CFB87EA78F4}" type="datetimeFigureOut">
               <a:rPr lang="en-GB" smtClean="0"/>
-              <a:t>17/09/2025</a:t>
+              <a:t>26/11/2025</a:t>
             </a:fld>
             <a:endParaRPr lang="en-GB"/>
           </a:p>
@@ -2397,7 +2386,7 @@
           <a:p>
             <a:fld id="{55FA135A-769C-438D-9AC0-5CFB87EA78F4}" type="datetimeFigureOut">
               <a:rPr lang="en-GB" smtClean="0"/>
-              <a:t>17/09/2025</a:t>
+              <a:t>26/11/2025</a:t>
             </a:fld>
             <a:endParaRPr lang="en-GB"/>
           </a:p>
@@ -2510,7 +2499,7 @@
           <a:p>
             <a:fld id="{55FA135A-769C-438D-9AC0-5CFB87EA78F4}" type="datetimeFigureOut">
               <a:rPr lang="en-GB" smtClean="0"/>
-              <a:t>17/09/2025</a:t>
+              <a:t>26/11/2025</a:t>
             </a:fld>
             <a:endParaRPr lang="en-GB"/>
           </a:p>
@@ -2823,7 +2812,7 @@
           <a:p>
             <a:fld id="{55FA135A-769C-438D-9AC0-5CFB87EA78F4}" type="datetimeFigureOut">
               <a:rPr lang="en-GB" smtClean="0"/>
-              <a:t>17/09/2025</a:t>
+              <a:t>26/11/2025</a:t>
             </a:fld>
             <a:endParaRPr lang="en-GB"/>
           </a:p>
@@ -3112,7 +3101,7 @@
           <a:p>
             <a:fld id="{55FA135A-769C-438D-9AC0-5CFB87EA78F4}" type="datetimeFigureOut">
               <a:rPr lang="en-GB" smtClean="0"/>
-              <a:t>17/09/2025</a:t>
+              <a:t>26/11/2025</a:t>
             </a:fld>
             <a:endParaRPr lang="en-GB"/>
           </a:p>
@@ -3355,7 +3344,7 @@
           <a:p>
             <a:fld id="{55FA135A-769C-438D-9AC0-5CFB87EA78F4}" type="datetimeFigureOut">
               <a:rPr lang="en-GB" smtClean="0"/>
-              <a:t>17/09/2025</a:t>
+              <a:t>26/11/2025</a:t>
             </a:fld>
             <a:endParaRPr lang="en-GB"/>
           </a:p>
@@ -4159,7 +4148,7 @@
         <p:cNvPr id="1" name="">
           <a:extLst>
             <a:ext uri="{FF2B5EF4-FFF2-40B4-BE49-F238E27FC236}">
-              <a16:creationId xmlns:a16="http://schemas.microsoft.com/office/drawing/2014/main" id="{43C6F10C-A12A-B1A5-758D-05A204FCE0AE}"/>
+              <a16:creationId xmlns:a16="http://schemas.microsoft.com/office/drawing/2014/main" id="{272F221C-1FED-A921-993F-77037A53DBC6}"/>
             </a:ext>
           </a:extLst>
         </p:cNvPr>
@@ -4179,7 +4168,7 @@
           <p:cNvPr id="3" name="Picture 2">
             <a:extLst>
               <a:ext uri="{FF2B5EF4-FFF2-40B4-BE49-F238E27FC236}">
-                <a16:creationId xmlns:a16="http://schemas.microsoft.com/office/drawing/2014/main" id="{9488D317-B420-5474-5429-269352E154D8}"/>
+                <a16:creationId xmlns:a16="http://schemas.microsoft.com/office/drawing/2014/main" id="{31EC7B36-46D0-C5E5-AA96-52026EF195AF}"/>
               </a:ext>
             </a:extLst>
           </p:cNvPr>
@@ -4196,8 +4185,8 @@
         </p:blipFill>
         <p:spPr>
           <a:xfrm>
-            <a:off x="70881" y="1485900"/>
-            <a:ext cx="11746447" cy="3788229"/>
+            <a:off x="5419973" y="0"/>
+            <a:ext cx="6772027" cy="6858000"/>
           </a:xfrm>
           <a:prstGeom prst="rect">
             <a:avLst/>
@@ -4207,7 +4196,7 @@
     </p:spTree>
     <p:extLst>
       <p:ext uri="{BB962C8B-B14F-4D97-AF65-F5344CB8AC3E}">
-        <p14:creationId xmlns:p14="http://schemas.microsoft.com/office/powerpoint/2010/main" val="721931620"/>
+        <p14:creationId xmlns:p14="http://schemas.microsoft.com/office/powerpoint/2010/main" val="3636825823"/>
       </p:ext>
     </p:extLst>
   </p:cSld>
@@ -4225,7 +4214,7 @@
         <p:cNvPr id="1" name="">
           <a:extLst>
             <a:ext uri="{FF2B5EF4-FFF2-40B4-BE49-F238E27FC236}">
-              <a16:creationId xmlns:a16="http://schemas.microsoft.com/office/drawing/2014/main" id="{2707DED9-6E80-D922-8AD2-A0FB7B4F6AA1}"/>
+              <a16:creationId xmlns:a16="http://schemas.microsoft.com/office/drawing/2014/main" id="{01E5B63E-D1E7-6FB0-DFF0-3100975F2BFE}"/>
             </a:ext>
           </a:extLst>
         </p:cNvPr>
@@ -4240,55 +4229,12 @@
           <a:chExt cx="0" cy="0"/>
         </a:xfrm>
       </p:grpSpPr>
-      <p:sp>
-        <p:nvSpPr>
-          <p:cNvPr id="2" name="TextBox 1">
-            <a:extLst>
-              <a:ext uri="{FF2B5EF4-FFF2-40B4-BE49-F238E27FC236}">
-                <a16:creationId xmlns:a16="http://schemas.microsoft.com/office/drawing/2014/main" id="{7983BC26-E3A5-84FE-7723-30156DCC71F8}"/>
-              </a:ext>
-            </a:extLst>
-          </p:cNvPr>
-          <p:cNvSpPr txBox="1"/>
-          <p:nvPr/>
-        </p:nvSpPr>
-        <p:spPr>
-          <a:xfrm>
-            <a:off x="0" y="0"/>
-            <a:ext cx="8131650" cy="523220"/>
-          </a:xfrm>
-          <a:prstGeom prst="rect">
-            <a:avLst/>
-          </a:prstGeom>
-          <a:noFill/>
-        </p:spPr>
-        <p:txBody>
-          <a:bodyPr wrap="none" rtlCol="0">
-            <a:spAutoFit/>
-          </a:bodyPr>
-          <a:lstStyle/>
-          <a:p>
-            <a:r>
-              <a:rPr lang="en-GB" sz="2800" b="1" u="sng" dirty="0"/>
-              <a:t>Start of Lap before </a:t>
-            </a:r>
-            <a:r>
-              <a:rPr lang="en-GB" sz="2800" b="1" u="sng" dirty="0" err="1"/>
-              <a:t>Inlap</a:t>
-            </a:r>
-            <a:r>
-              <a:rPr lang="en-GB" sz="2800" b="1" u="sng" dirty="0"/>
-              <a:t> – first S/F cross in replay</a:t>
-            </a:r>
-          </a:p>
-        </p:txBody>
-      </p:sp>
       <p:pic>
         <p:nvPicPr>
-          <p:cNvPr id="4" name="Picture 3">
-            <a:extLst>
-              <a:ext uri="{FF2B5EF4-FFF2-40B4-BE49-F238E27FC236}">
-                <a16:creationId xmlns:a16="http://schemas.microsoft.com/office/drawing/2014/main" id="{2F0C7CC2-7010-866F-1FF3-BD5BBD567785}"/>
+          <p:cNvPr id="2" name="Picture 1">
+            <a:extLst>
+              <a:ext uri="{FF2B5EF4-FFF2-40B4-BE49-F238E27FC236}">
+                <a16:creationId xmlns:a16="http://schemas.microsoft.com/office/drawing/2014/main" id="{8E302A51-9E45-5C11-9524-FA534C363DDF}"/>
               </a:ext>
             </a:extLst>
           </p:cNvPr>
@@ -4305,8 +4251,8 @@
         </p:blipFill>
         <p:spPr>
           <a:xfrm>
-            <a:off x="172287" y="661945"/>
-            <a:ext cx="9270514" cy="5800848"/>
+            <a:off x="2927030" y="0"/>
+            <a:ext cx="6772027" cy="6858000"/>
           </a:xfrm>
           <a:prstGeom prst="rect">
             <a:avLst/>
@@ -4316,7 +4262,7 @@
     </p:spTree>
     <p:extLst>
       <p:ext uri="{BB962C8B-B14F-4D97-AF65-F5344CB8AC3E}">
-        <p14:creationId xmlns:p14="http://schemas.microsoft.com/office/powerpoint/2010/main" val="578375070"/>
+        <p14:creationId xmlns:p14="http://schemas.microsoft.com/office/powerpoint/2010/main" val="1765660521"/>
       </p:ext>
     </p:extLst>
   </p:cSld>
@@ -4334,7 +4280,7 @@
         <p:cNvPr id="1" name="">
           <a:extLst>
             <a:ext uri="{FF2B5EF4-FFF2-40B4-BE49-F238E27FC236}">
-              <a16:creationId xmlns:a16="http://schemas.microsoft.com/office/drawing/2014/main" id="{C71CC5C7-6493-8638-7D25-EDA6D512B4BF}"/>
+              <a16:creationId xmlns:a16="http://schemas.microsoft.com/office/drawing/2014/main" id="{1247725F-C6B9-8228-27E7-D5BAF4EA99C4}"/>
             </a:ext>
           </a:extLst>
         </p:cNvPr>
@@ -4349,55 +4295,12 @@
           <a:chExt cx="0" cy="0"/>
         </a:xfrm>
       </p:grpSpPr>
-      <p:sp>
-        <p:nvSpPr>
-          <p:cNvPr id="2" name="TextBox 1">
-            <a:extLst>
-              <a:ext uri="{FF2B5EF4-FFF2-40B4-BE49-F238E27FC236}">
-                <a16:creationId xmlns:a16="http://schemas.microsoft.com/office/drawing/2014/main" id="{A13EA575-2F54-734C-113E-4E79F2975592}"/>
-              </a:ext>
-            </a:extLst>
-          </p:cNvPr>
-          <p:cNvSpPr txBox="1"/>
-          <p:nvPr/>
-        </p:nvSpPr>
-        <p:spPr>
-          <a:xfrm>
-            <a:off x="0" y="0"/>
-            <a:ext cx="5989909" cy="523220"/>
-          </a:xfrm>
-          <a:prstGeom prst="rect">
-            <a:avLst/>
-          </a:prstGeom>
-          <a:noFill/>
-        </p:spPr>
-        <p:txBody>
-          <a:bodyPr wrap="none" rtlCol="0">
-            <a:spAutoFit/>
-          </a:bodyPr>
-          <a:lstStyle/>
-          <a:p>
-            <a:r>
-              <a:rPr lang="en-GB" sz="2800" b="1" u="sng" dirty="0"/>
-              <a:t>Start of </a:t>
-            </a:r>
-            <a:r>
-              <a:rPr lang="en-GB" sz="2800" b="1" u="sng" dirty="0" err="1"/>
-              <a:t>Inlap</a:t>
-            </a:r>
-            <a:r>
-              <a:rPr lang="en-GB" sz="2800" b="1" u="sng" dirty="0"/>
-              <a:t> (Just crossed S/F Line)</a:t>
-            </a:r>
-          </a:p>
-        </p:txBody>
-      </p:sp>
       <p:pic>
         <p:nvPicPr>
-          <p:cNvPr id="7" name="Picture 6">
-            <a:extLst>
-              <a:ext uri="{FF2B5EF4-FFF2-40B4-BE49-F238E27FC236}">
-                <a16:creationId xmlns:a16="http://schemas.microsoft.com/office/drawing/2014/main" id="{65DCFA99-6FDA-0B64-87D7-5F4BA789429B}"/>
+          <p:cNvPr id="3" name="Picture 2" descr="A screenshot of a computer&#10;&#10;AI-generated content may be incorrect.">
+            <a:extLst>
+              <a:ext uri="{FF2B5EF4-FFF2-40B4-BE49-F238E27FC236}">
+                <a16:creationId xmlns:a16="http://schemas.microsoft.com/office/drawing/2014/main" id="{F8DB19D3-1A4C-980A-2BB3-2C4FBD7F8A94}"/>
               </a:ext>
             </a:extLst>
           </p:cNvPr>
@@ -4414,8 +4317,8 @@
         </p:blipFill>
         <p:spPr>
           <a:xfrm>
-            <a:off x="144916" y="651066"/>
-            <a:ext cx="10124060" cy="5858222"/>
+            <a:off x="137325" y="125632"/>
+            <a:ext cx="5477639" cy="3143689"/>
           </a:xfrm>
           <a:prstGeom prst="rect">
             <a:avLst/>
@@ -4425,7 +4328,7 @@
     </p:spTree>
     <p:extLst>
       <p:ext uri="{BB962C8B-B14F-4D97-AF65-F5344CB8AC3E}">
-        <p14:creationId xmlns:p14="http://schemas.microsoft.com/office/powerpoint/2010/main" val="4114993816"/>
+        <p14:creationId xmlns:p14="http://schemas.microsoft.com/office/powerpoint/2010/main" val="2506171242"/>
       </p:ext>
     </p:extLst>
   </p:cSld>
@@ -4443,7 +4346,7 @@
         <p:cNvPr id="1" name="">
           <a:extLst>
             <a:ext uri="{FF2B5EF4-FFF2-40B4-BE49-F238E27FC236}">
-              <a16:creationId xmlns:a16="http://schemas.microsoft.com/office/drawing/2014/main" id="{96EA0D79-D925-2BC4-4F1E-88C6C577F92D}"/>
+              <a16:creationId xmlns:a16="http://schemas.microsoft.com/office/drawing/2014/main" id="{0E8FCC62-FBCC-DD0A-CB40-7E49FADA31FC}"/>
             </a:ext>
           </a:extLst>
         </p:cNvPr>
@@ -4458,75 +4361,10 @@
           <a:chExt cx="0" cy="0"/>
         </a:xfrm>
       </p:grpSpPr>
-      <p:sp>
-        <p:nvSpPr>
-          <p:cNvPr id="2" name="TextBox 1">
-            <a:extLst>
-              <a:ext uri="{FF2B5EF4-FFF2-40B4-BE49-F238E27FC236}">
-                <a16:creationId xmlns:a16="http://schemas.microsoft.com/office/drawing/2014/main" id="{799DEBB5-F391-950E-0EF3-56FB6FE0FC8F}"/>
-              </a:ext>
-            </a:extLst>
-          </p:cNvPr>
-          <p:cNvSpPr txBox="1"/>
-          <p:nvPr/>
-        </p:nvSpPr>
-        <p:spPr>
-          <a:xfrm>
-            <a:off x="0" y="0"/>
-            <a:ext cx="4541051" cy="523220"/>
-          </a:xfrm>
-          <a:prstGeom prst="rect">
-            <a:avLst/>
-          </a:prstGeom>
-          <a:noFill/>
-        </p:spPr>
-        <p:txBody>
-          <a:bodyPr wrap="none" rtlCol="0">
-            <a:spAutoFit/>
-          </a:bodyPr>
-          <a:lstStyle/>
-          <a:p>
-            <a:r>
-              <a:rPr lang="en-GB" sz="2800" b="1" u="sng" dirty="0"/>
-              <a:t>While Stationary in Pit Box</a:t>
-            </a:r>
-          </a:p>
-        </p:txBody>
-      </p:sp>
-      <p:pic>
-        <p:nvPicPr>
-          <p:cNvPr id="6" name="Picture 5">
-            <a:extLst>
-              <a:ext uri="{FF2B5EF4-FFF2-40B4-BE49-F238E27FC236}">
-                <a16:creationId xmlns:a16="http://schemas.microsoft.com/office/drawing/2014/main" id="{396C5FD2-4C6B-0DFF-77F4-3CF13BB27561}"/>
-              </a:ext>
-            </a:extLst>
-          </p:cNvPr>
-          <p:cNvPicPr>
-            <a:picLocks noChangeAspect="1"/>
-          </p:cNvPicPr>
-          <p:nvPr/>
-        </p:nvPicPr>
-        <p:blipFill>
-          <a:blip r:embed="rId2"/>
-          <a:stretch>
-            <a:fillRect/>
-          </a:stretch>
-        </p:blipFill>
-        <p:spPr>
-          <a:xfrm>
-            <a:off x="108488" y="689412"/>
-            <a:ext cx="9385952" cy="5897368"/>
-          </a:xfrm>
-          <a:prstGeom prst="rect">
-            <a:avLst/>
-          </a:prstGeom>
-        </p:spPr>
-      </p:pic>
     </p:spTree>
     <p:extLst>
       <p:ext uri="{BB962C8B-B14F-4D97-AF65-F5344CB8AC3E}">
-        <p14:creationId xmlns:p14="http://schemas.microsoft.com/office/powerpoint/2010/main" val="1877618256"/>
+        <p14:creationId xmlns:p14="http://schemas.microsoft.com/office/powerpoint/2010/main" val="2183014921"/>
       </p:ext>
     </p:extLst>
   </p:cSld>
@@ -4544,7 +4382,7 @@
         <p:cNvPr id="1" name="">
           <a:extLst>
             <a:ext uri="{FF2B5EF4-FFF2-40B4-BE49-F238E27FC236}">
-              <a16:creationId xmlns:a16="http://schemas.microsoft.com/office/drawing/2014/main" id="{B22860BD-F9E5-DFC4-25DC-D567912EAB31}"/>
+              <a16:creationId xmlns:a16="http://schemas.microsoft.com/office/drawing/2014/main" id="{28E6C2EB-4AFF-4343-8AF7-CDF83BE386C7}"/>
             </a:ext>
           </a:extLst>
         </p:cNvPr>
@@ -4559,83 +4397,10 @@
           <a:chExt cx="0" cy="0"/>
         </a:xfrm>
       </p:grpSpPr>
-      <p:sp>
-        <p:nvSpPr>
-          <p:cNvPr id="2" name="TextBox 1">
-            <a:extLst>
-              <a:ext uri="{FF2B5EF4-FFF2-40B4-BE49-F238E27FC236}">
-                <a16:creationId xmlns:a16="http://schemas.microsoft.com/office/drawing/2014/main" id="{423FC964-8024-BED4-431B-48FFFBDACA27}"/>
-              </a:ext>
-            </a:extLst>
-          </p:cNvPr>
-          <p:cNvSpPr txBox="1"/>
-          <p:nvPr/>
-        </p:nvSpPr>
-        <p:spPr>
-          <a:xfrm>
-            <a:off x="0" y="0"/>
-            <a:ext cx="5690340" cy="523220"/>
-          </a:xfrm>
-          <a:prstGeom prst="rect">
-            <a:avLst/>
-          </a:prstGeom>
-          <a:noFill/>
-        </p:spPr>
-        <p:txBody>
-          <a:bodyPr wrap="none" rtlCol="0">
-            <a:spAutoFit/>
-          </a:bodyPr>
-          <a:lstStyle/>
-          <a:p>
-            <a:r>
-              <a:rPr lang="en-GB" sz="2800" b="1" u="sng" dirty="0"/>
-              <a:t>Start of </a:t>
-            </a:r>
-            <a:r>
-              <a:rPr lang="en-GB" sz="2800" b="1" u="sng" dirty="0" err="1"/>
-              <a:t>OutLap</a:t>
-            </a:r>
-            <a:r>
-              <a:rPr lang="en-GB" sz="2800" b="1" u="sng" dirty="0"/>
-              <a:t> just after S/F line</a:t>
-            </a:r>
-          </a:p>
-        </p:txBody>
-      </p:sp>
-      <p:pic>
-        <p:nvPicPr>
-          <p:cNvPr id="6" name="Picture 5">
-            <a:extLst>
-              <a:ext uri="{FF2B5EF4-FFF2-40B4-BE49-F238E27FC236}">
-                <a16:creationId xmlns:a16="http://schemas.microsoft.com/office/drawing/2014/main" id="{FBC30DF7-64B2-1DD9-7AE2-1F4EE916C10B}"/>
-              </a:ext>
-            </a:extLst>
-          </p:cNvPr>
-          <p:cNvPicPr>
-            <a:picLocks noChangeAspect="1"/>
-          </p:cNvPicPr>
-          <p:nvPr/>
-        </p:nvPicPr>
-        <p:blipFill>
-          <a:blip r:embed="rId2"/>
-          <a:stretch>
-            <a:fillRect/>
-          </a:stretch>
-        </p:blipFill>
-        <p:spPr>
-          <a:xfrm>
-            <a:off x="202002" y="690524"/>
-            <a:ext cx="9382475" cy="5927252"/>
-          </a:xfrm>
-          <a:prstGeom prst="rect">
-            <a:avLst/>
-          </a:prstGeom>
-        </p:spPr>
-      </p:pic>
     </p:spTree>
     <p:extLst>
       <p:ext uri="{BB962C8B-B14F-4D97-AF65-F5344CB8AC3E}">
-        <p14:creationId xmlns:p14="http://schemas.microsoft.com/office/powerpoint/2010/main" val="3038862163"/>
+        <p14:creationId xmlns:p14="http://schemas.microsoft.com/office/powerpoint/2010/main" val="1654607364"/>
       </p:ext>
     </p:extLst>
   </p:cSld>
@@ -4713,2853 +4478,7 @@
         <p:cNvPr id="1" name="">
           <a:extLst>
             <a:ext uri="{FF2B5EF4-FFF2-40B4-BE49-F238E27FC236}">
-              <a16:creationId xmlns:a16="http://schemas.microsoft.com/office/drawing/2014/main" id="{D3786FF8-9437-2B4A-9D7B-B76C442291F6}"/>
-            </a:ext>
-          </a:extLst>
-        </p:cNvPr>
-        <p:cNvGrpSpPr/>
-        <p:nvPr/>
-      </p:nvGrpSpPr>
-      <p:grpSpPr>
-        <a:xfrm>
-          <a:off x="0" y="0"/>
-          <a:ext cx="0" cy="0"/>
-          <a:chOff x="0" y="0"/>
-          <a:chExt cx="0" cy="0"/>
-        </a:xfrm>
-      </p:grpSpPr>
-      <p:sp>
-        <p:nvSpPr>
-          <p:cNvPr id="2" name="TextBox 1">
-            <a:extLst>
-              <a:ext uri="{FF2B5EF4-FFF2-40B4-BE49-F238E27FC236}">
-                <a16:creationId xmlns:a16="http://schemas.microsoft.com/office/drawing/2014/main" id="{A460A949-39DF-CC9F-8623-8DBB770EF784}"/>
-              </a:ext>
-            </a:extLst>
-          </p:cNvPr>
-          <p:cNvSpPr txBox="1"/>
-          <p:nvPr/>
-        </p:nvSpPr>
-        <p:spPr>
-          <a:xfrm>
-            <a:off x="0" y="0"/>
-            <a:ext cx="11353800" cy="1384995"/>
-          </a:xfrm>
-          <a:prstGeom prst="rect">
-            <a:avLst/>
-          </a:prstGeom>
-          <a:noFill/>
-        </p:spPr>
-        <p:txBody>
-          <a:bodyPr wrap="square" rtlCol="0">
-            <a:spAutoFit/>
-          </a:bodyPr>
-          <a:lstStyle/>
-          <a:p>
-            <a:r>
-              <a:rPr lang="en-GB" sz="2800" b="1" u="sng" dirty="0"/>
-              <a:t>Start of Lap After </a:t>
-            </a:r>
-            <a:r>
-              <a:rPr lang="en-GB" sz="2800" b="1" u="sng" dirty="0" err="1"/>
-              <a:t>Outlap</a:t>
-            </a:r>
-            <a:r>
-              <a:rPr lang="en-GB" sz="2800" b="1" u="sng" dirty="0"/>
-              <a:t> (just after S/F line and </a:t>
-            </a:r>
-            <a:r>
-              <a:rPr lang="en-GB" sz="2800" b="1" u="sng" dirty="0" err="1"/>
-              <a:t>outlap</a:t>
-            </a:r>
-            <a:r>
-              <a:rPr lang="en-GB" sz="2800" b="1" u="sng" dirty="0"/>
-              <a:t> time known) – </a:t>
-            </a:r>
-            <a:r>
-              <a:rPr lang="en-GB" sz="2800" b="1" u="sng" dirty="0">
-                <a:highlight>
-                  <a:srgbClr val="FFFF00"/>
-                </a:highlight>
-              </a:rPr>
-              <a:t>THIS IS WHEN WE WANT THE DATA CAPTURED AND FROZEN UNTIL NEXT EVENT</a:t>
-            </a:r>
-          </a:p>
-        </p:txBody>
-      </p:sp>
-      <p:pic>
-        <p:nvPicPr>
-          <p:cNvPr id="6" name="Picture 5">
-            <a:extLst>
-              <a:ext uri="{FF2B5EF4-FFF2-40B4-BE49-F238E27FC236}">
-                <a16:creationId xmlns:a16="http://schemas.microsoft.com/office/drawing/2014/main" id="{2EBFDDE1-08C7-A251-7FE8-45F2F9859BFD}"/>
-              </a:ext>
-            </a:extLst>
-          </p:cNvPr>
-          <p:cNvPicPr>
-            <a:picLocks noChangeAspect="1"/>
-          </p:cNvPicPr>
-          <p:nvPr/>
-        </p:nvPicPr>
-        <p:blipFill>
-          <a:blip r:embed="rId2"/>
-          <a:stretch>
-            <a:fillRect/>
-          </a:stretch>
-        </p:blipFill>
-        <p:spPr>
-          <a:xfrm>
-            <a:off x="214883" y="1388871"/>
-            <a:ext cx="8290497" cy="5244404"/>
-          </a:xfrm>
-          <a:prstGeom prst="rect">
-            <a:avLst/>
-          </a:prstGeom>
-        </p:spPr>
-      </p:pic>
-    </p:spTree>
-    <p:extLst>
-      <p:ext uri="{BB962C8B-B14F-4D97-AF65-F5344CB8AC3E}">
-        <p14:creationId xmlns:p14="http://schemas.microsoft.com/office/powerpoint/2010/main" val="1156879548"/>
-      </p:ext>
-    </p:extLst>
-  </p:cSld>
-  <p:clrMapOvr>
-    <a:masterClrMapping/>
-  </p:clrMapOvr>
-</p:sld>
-</file>
-
-<file path=ppt/slides/slide21.xml><?xml version="1.0" encoding="utf-8"?>
-<p:sld xmlns:a="http://schemas.openxmlformats.org/drawingml/2006/main" xmlns:r="http://schemas.openxmlformats.org/officeDocument/2006/relationships" xmlns:p="http://schemas.openxmlformats.org/presentationml/2006/main">
-  <p:cSld>
-    <p:spTree>
-      <p:nvGrpSpPr>
-        <p:cNvPr id="1" name="">
-          <a:extLst>
-            <a:ext uri="{FF2B5EF4-FFF2-40B4-BE49-F238E27FC236}">
-              <a16:creationId xmlns:a16="http://schemas.microsoft.com/office/drawing/2014/main" id="{D0CAFE3F-C208-E75D-8F56-576EF905A56B}"/>
-            </a:ext>
-          </a:extLst>
-        </p:cNvPr>
-        <p:cNvGrpSpPr/>
-        <p:nvPr/>
-      </p:nvGrpSpPr>
-      <p:grpSpPr>
-        <a:xfrm>
-          <a:off x="0" y="0"/>
-          <a:ext cx="0" cy="0"/>
-          <a:chOff x="0" y="0"/>
-          <a:chExt cx="0" cy="0"/>
-        </a:xfrm>
-      </p:grpSpPr>
-      <p:sp>
-        <p:nvSpPr>
-          <p:cNvPr id="2" name="TextBox 1">
-            <a:extLst>
-              <a:ext uri="{FF2B5EF4-FFF2-40B4-BE49-F238E27FC236}">
-                <a16:creationId xmlns:a16="http://schemas.microsoft.com/office/drawing/2014/main" id="{64B7C699-D5F1-F2D1-849A-9C40988FEF7D}"/>
-              </a:ext>
-            </a:extLst>
-          </p:cNvPr>
-          <p:cNvSpPr txBox="1"/>
-          <p:nvPr/>
-        </p:nvSpPr>
-        <p:spPr>
-          <a:xfrm>
-            <a:off x="0" y="0"/>
-            <a:ext cx="11077135" cy="523220"/>
-          </a:xfrm>
-          <a:prstGeom prst="rect">
-            <a:avLst/>
-          </a:prstGeom>
-          <a:noFill/>
-        </p:spPr>
-        <p:txBody>
-          <a:bodyPr wrap="none" rtlCol="0">
-            <a:spAutoFit/>
-          </a:bodyPr>
-          <a:lstStyle/>
-          <a:p>
-            <a:r>
-              <a:rPr lang="en-GB" sz="2800" b="1" u="sng" dirty="0"/>
-              <a:t>2 Laps After </a:t>
-            </a:r>
-            <a:r>
-              <a:rPr lang="en-GB" sz="2800" b="1" u="sng" dirty="0" err="1"/>
-              <a:t>OutLap</a:t>
-            </a:r>
-            <a:r>
-              <a:rPr lang="en-GB" sz="2800" b="1" u="sng" dirty="0"/>
-              <a:t> (just after S/F line) – 1</a:t>
-            </a:r>
-            <a:r>
-              <a:rPr lang="en-GB" sz="2800" b="1" u="sng" baseline="30000" dirty="0"/>
-              <a:t>st</a:t>
-            </a:r>
-            <a:r>
-              <a:rPr lang="en-GB" sz="2800" b="1" u="sng" dirty="0"/>
-              <a:t> normal lap after pitting.</a:t>
-            </a:r>
-          </a:p>
-        </p:txBody>
-      </p:sp>
-      <p:pic>
-        <p:nvPicPr>
-          <p:cNvPr id="6" name="Picture 5">
-            <a:extLst>
-              <a:ext uri="{FF2B5EF4-FFF2-40B4-BE49-F238E27FC236}">
-                <a16:creationId xmlns:a16="http://schemas.microsoft.com/office/drawing/2014/main" id="{A27AE94F-8060-1DD6-A63C-65C9596D4DBF}"/>
-              </a:ext>
-            </a:extLst>
-          </p:cNvPr>
-          <p:cNvPicPr>
-            <a:picLocks noChangeAspect="1"/>
-          </p:cNvPicPr>
-          <p:nvPr/>
-        </p:nvPicPr>
-        <p:blipFill>
-          <a:blip r:embed="rId2"/>
-          <a:stretch>
-            <a:fillRect/>
-          </a:stretch>
-        </p:blipFill>
-        <p:spPr>
-          <a:xfrm>
-            <a:off x="189787" y="660103"/>
-            <a:ext cx="9131881" cy="5787192"/>
-          </a:xfrm>
-          <a:prstGeom prst="rect">
-            <a:avLst/>
-          </a:prstGeom>
-        </p:spPr>
-      </p:pic>
-    </p:spTree>
-    <p:extLst>
-      <p:ext uri="{BB962C8B-B14F-4D97-AF65-F5344CB8AC3E}">
-        <p14:creationId xmlns:p14="http://schemas.microsoft.com/office/powerpoint/2010/main" val="1310302009"/>
-      </p:ext>
-    </p:extLst>
-  </p:cSld>
-  <p:clrMapOvr>
-    <a:masterClrMapping/>
-  </p:clrMapOvr>
-</p:sld>
-</file>
-
-<file path=ppt/slides/slide22.xml><?xml version="1.0" encoding="utf-8"?>
-<p:sld xmlns:a="http://schemas.openxmlformats.org/drawingml/2006/main" xmlns:r="http://schemas.openxmlformats.org/officeDocument/2006/relationships" xmlns:p="http://schemas.openxmlformats.org/presentationml/2006/main">
-  <p:cSld>
-    <p:spTree>
-      <p:nvGrpSpPr>
-        <p:cNvPr id="1" name="">
-          <a:extLst>
-            <a:ext uri="{FF2B5EF4-FFF2-40B4-BE49-F238E27FC236}">
-              <a16:creationId xmlns:a16="http://schemas.microsoft.com/office/drawing/2014/main" id="{402CDFA7-7562-3C0A-8003-DFA4087B06C8}"/>
-            </a:ext>
-          </a:extLst>
-        </p:cNvPr>
-        <p:cNvGrpSpPr/>
-        <p:nvPr/>
-      </p:nvGrpSpPr>
-      <p:grpSpPr>
-        <a:xfrm>
-          <a:off x="0" y="0"/>
-          <a:ext cx="0" cy="0"/>
-          <a:chOff x="0" y="0"/>
-          <a:chExt cx="0" cy="0"/>
-        </a:xfrm>
-      </p:grpSpPr>
-      <p:sp>
-        <p:nvSpPr>
-          <p:cNvPr id="2" name="TextBox 1">
-            <a:extLst>
-              <a:ext uri="{FF2B5EF4-FFF2-40B4-BE49-F238E27FC236}">
-                <a16:creationId xmlns:a16="http://schemas.microsoft.com/office/drawing/2014/main" id="{D9D74C5A-51DC-A668-6D7F-A14B317EC4E2}"/>
-              </a:ext>
-            </a:extLst>
-          </p:cNvPr>
-          <p:cNvSpPr txBox="1"/>
-          <p:nvPr/>
-        </p:nvSpPr>
-        <p:spPr>
-          <a:xfrm>
-            <a:off x="0" y="0"/>
-            <a:ext cx="11077135" cy="523220"/>
-          </a:xfrm>
-          <a:prstGeom prst="rect">
-            <a:avLst/>
-          </a:prstGeom>
-          <a:noFill/>
-        </p:spPr>
-        <p:txBody>
-          <a:bodyPr wrap="none" rtlCol="0">
-            <a:spAutoFit/>
-          </a:bodyPr>
-          <a:lstStyle/>
-          <a:p>
-            <a:r>
-              <a:rPr lang="en-GB" sz="2800" b="1" u="sng" dirty="0"/>
-              <a:t>3 Laps After </a:t>
-            </a:r>
-            <a:r>
-              <a:rPr lang="en-GB" sz="2800" b="1" u="sng" dirty="0" err="1"/>
-              <a:t>OutLap</a:t>
-            </a:r>
-            <a:r>
-              <a:rPr lang="en-GB" sz="2800" b="1" u="sng" dirty="0"/>
-              <a:t> (just after S/F line) – 2</a:t>
-            </a:r>
-            <a:r>
-              <a:rPr lang="en-GB" sz="2800" b="1" u="sng" baseline="30000" dirty="0"/>
-              <a:t>st</a:t>
-            </a:r>
-            <a:r>
-              <a:rPr lang="en-GB" sz="2800" b="1" u="sng" dirty="0"/>
-              <a:t> normal lap after pitting.</a:t>
-            </a:r>
-          </a:p>
-        </p:txBody>
-      </p:sp>
-      <p:pic>
-        <p:nvPicPr>
-          <p:cNvPr id="4" name="Picture 3">
-            <a:extLst>
-              <a:ext uri="{FF2B5EF4-FFF2-40B4-BE49-F238E27FC236}">
-                <a16:creationId xmlns:a16="http://schemas.microsoft.com/office/drawing/2014/main" id="{BD91BB67-C668-C70B-8073-F2669978D39B}"/>
-              </a:ext>
-            </a:extLst>
-          </p:cNvPr>
-          <p:cNvPicPr>
-            <a:picLocks noChangeAspect="1"/>
-          </p:cNvPicPr>
-          <p:nvPr/>
-        </p:nvPicPr>
-        <p:blipFill>
-          <a:blip r:embed="rId2"/>
-          <a:stretch>
-            <a:fillRect/>
-          </a:stretch>
-        </p:blipFill>
-        <p:spPr>
-          <a:xfrm>
-            <a:off x="248225" y="675603"/>
-            <a:ext cx="9274181" cy="5849183"/>
-          </a:xfrm>
-          <a:prstGeom prst="rect">
-            <a:avLst/>
-          </a:prstGeom>
-        </p:spPr>
-      </p:pic>
-    </p:spTree>
-    <p:extLst>
-      <p:ext uri="{BB962C8B-B14F-4D97-AF65-F5344CB8AC3E}">
-        <p14:creationId xmlns:p14="http://schemas.microsoft.com/office/powerpoint/2010/main" val="3492940712"/>
-      </p:ext>
-    </p:extLst>
-  </p:cSld>
-  <p:clrMapOvr>
-    <a:masterClrMapping/>
-  </p:clrMapOvr>
-</p:sld>
-</file>
-
-<file path=ppt/slides/slide23.xml><?xml version="1.0" encoding="utf-8"?>
-<p:sld xmlns:a="http://schemas.openxmlformats.org/drawingml/2006/main" xmlns:r="http://schemas.openxmlformats.org/officeDocument/2006/relationships" xmlns:p="http://schemas.openxmlformats.org/presentationml/2006/main">
-  <p:cSld>
-    <p:spTree>
-      <p:nvGrpSpPr>
-        <p:cNvPr id="1" name="">
-          <a:extLst>
-            <a:ext uri="{FF2B5EF4-FFF2-40B4-BE49-F238E27FC236}">
-              <a16:creationId xmlns:a16="http://schemas.microsoft.com/office/drawing/2014/main" id="{394644AC-7511-120B-8BE8-A9DC6D434AD5}"/>
-            </a:ext>
-          </a:extLst>
-        </p:cNvPr>
-        <p:cNvGrpSpPr/>
-        <p:nvPr/>
-      </p:nvGrpSpPr>
-      <p:grpSpPr>
-        <a:xfrm>
-          <a:off x="0" y="0"/>
-          <a:ext cx="0" cy="0"/>
-          <a:chOff x="0" y="0"/>
-          <a:chExt cx="0" cy="0"/>
-        </a:xfrm>
-      </p:grpSpPr>
-      <p:pic>
-        <p:nvPicPr>
-          <p:cNvPr id="2" name="Picture 1">
-            <a:extLst>
-              <a:ext uri="{FF2B5EF4-FFF2-40B4-BE49-F238E27FC236}">
-                <a16:creationId xmlns:a16="http://schemas.microsoft.com/office/drawing/2014/main" id="{3BCA8FA2-75DC-E8EA-3987-A891BE204D6B}"/>
-              </a:ext>
-            </a:extLst>
-          </p:cNvPr>
-          <p:cNvPicPr>
-            <a:picLocks noChangeAspect="1"/>
-          </p:cNvPicPr>
-          <p:nvPr/>
-        </p:nvPicPr>
-        <p:blipFill>
-          <a:blip r:embed="rId2"/>
-          <a:stretch>
-            <a:fillRect/>
-          </a:stretch>
-        </p:blipFill>
-        <p:spPr>
-          <a:xfrm>
-            <a:off x="1309940" y="670956"/>
-            <a:ext cx="9924525" cy="6187044"/>
-          </a:xfrm>
-          <a:prstGeom prst="rect">
-            <a:avLst/>
-          </a:prstGeom>
-        </p:spPr>
-      </p:pic>
-      <p:sp>
-        <p:nvSpPr>
-          <p:cNvPr id="3" name="TextBox 2">
-            <a:extLst>
-              <a:ext uri="{FF2B5EF4-FFF2-40B4-BE49-F238E27FC236}">
-                <a16:creationId xmlns:a16="http://schemas.microsoft.com/office/drawing/2014/main" id="{B5B0FE8C-56BF-F699-E21B-6A511764742A}"/>
-              </a:ext>
-            </a:extLst>
-          </p:cNvPr>
-          <p:cNvSpPr txBox="1"/>
-          <p:nvPr/>
-        </p:nvSpPr>
-        <p:spPr>
-          <a:xfrm>
-            <a:off x="0" y="0"/>
-            <a:ext cx="8806322" cy="523220"/>
-          </a:xfrm>
-          <a:prstGeom prst="rect">
-            <a:avLst/>
-          </a:prstGeom>
-          <a:noFill/>
-        </p:spPr>
-        <p:txBody>
-          <a:bodyPr wrap="none" rtlCol="0">
-            <a:spAutoFit/>
-          </a:bodyPr>
-          <a:lstStyle/>
-          <a:p>
-            <a:r>
-              <a:rPr lang="en-GB" sz="2800" b="1" u="sng" dirty="0"/>
-              <a:t>Lap After </a:t>
-            </a:r>
-            <a:r>
-              <a:rPr lang="en-GB" sz="2800" b="1" u="sng" dirty="0" err="1"/>
-              <a:t>Outlap</a:t>
-            </a:r>
-            <a:r>
-              <a:rPr lang="en-GB" sz="2800" b="1" u="sng" dirty="0"/>
-              <a:t> (just after S/F line) – </a:t>
-            </a:r>
-            <a:r>
-              <a:rPr lang="en-GB" sz="2800" b="1" u="sng" dirty="0">
-                <a:highlight>
-                  <a:srgbClr val="FFFF00"/>
-                </a:highlight>
-              </a:rPr>
-              <a:t>Pit Box after S/F</a:t>
-            </a:r>
-          </a:p>
-        </p:txBody>
-      </p:sp>
-    </p:spTree>
-    <p:extLst>
-      <p:ext uri="{BB962C8B-B14F-4D97-AF65-F5344CB8AC3E}">
-        <p14:creationId xmlns:p14="http://schemas.microsoft.com/office/powerpoint/2010/main" val="1888056661"/>
-      </p:ext>
-    </p:extLst>
-  </p:cSld>
-  <p:clrMapOvr>
-    <a:masterClrMapping/>
-  </p:clrMapOvr>
-</p:sld>
-</file>
-
-<file path=ppt/slides/slide24.xml><?xml version="1.0" encoding="utf-8"?>
-<p:sld xmlns:a="http://schemas.openxmlformats.org/drawingml/2006/main" xmlns:r="http://schemas.openxmlformats.org/officeDocument/2006/relationships" xmlns:p="http://schemas.openxmlformats.org/presentationml/2006/main">
-  <p:cSld>
-    <p:spTree>
-      <p:nvGrpSpPr>
-        <p:cNvPr id="1" name="">
-          <a:extLst>
-            <a:ext uri="{FF2B5EF4-FFF2-40B4-BE49-F238E27FC236}">
-              <a16:creationId xmlns:a16="http://schemas.microsoft.com/office/drawing/2014/main" id="{FD0E3163-8848-84D7-641F-8C03AE4627BD}"/>
-            </a:ext>
-          </a:extLst>
-        </p:cNvPr>
-        <p:cNvGrpSpPr/>
-        <p:nvPr/>
-      </p:nvGrpSpPr>
-      <p:grpSpPr>
-        <a:xfrm>
-          <a:off x="0" y="0"/>
-          <a:ext cx="0" cy="0"/>
-          <a:chOff x="0" y="0"/>
-          <a:chExt cx="0" cy="0"/>
-        </a:xfrm>
-      </p:grpSpPr>
-      <p:pic>
-        <p:nvPicPr>
-          <p:cNvPr id="2" name="Picture 1">
-            <a:extLst>
-              <a:ext uri="{FF2B5EF4-FFF2-40B4-BE49-F238E27FC236}">
-                <a16:creationId xmlns:a16="http://schemas.microsoft.com/office/drawing/2014/main" id="{941ECA30-D55A-9281-E477-241FEFC2F4DD}"/>
-              </a:ext>
-            </a:extLst>
-          </p:cNvPr>
-          <p:cNvPicPr>
-            <a:picLocks noChangeAspect="1"/>
-          </p:cNvPicPr>
-          <p:nvPr/>
-        </p:nvPicPr>
-        <p:blipFill>
-          <a:blip r:embed="rId2"/>
-          <a:stretch>
-            <a:fillRect/>
-          </a:stretch>
-        </p:blipFill>
-        <p:spPr>
-          <a:xfrm>
-            <a:off x="0" y="624372"/>
-            <a:ext cx="6639819" cy="4043019"/>
-          </a:xfrm>
-          <a:prstGeom prst="rect">
-            <a:avLst/>
-          </a:prstGeom>
-        </p:spPr>
-      </p:pic>
-      <p:pic>
-        <p:nvPicPr>
-          <p:cNvPr id="3" name="Picture 2">
-            <a:extLst>
-              <a:ext uri="{FF2B5EF4-FFF2-40B4-BE49-F238E27FC236}">
-                <a16:creationId xmlns:a16="http://schemas.microsoft.com/office/drawing/2014/main" id="{B77739D6-CD7E-33CD-6822-3AE129C0E1E5}"/>
-              </a:ext>
-            </a:extLst>
-          </p:cNvPr>
-          <p:cNvPicPr>
-            <a:picLocks noChangeAspect="1"/>
-          </p:cNvPicPr>
-          <p:nvPr/>
-        </p:nvPicPr>
-        <p:blipFill>
-          <a:blip r:embed="rId3"/>
-          <a:stretch>
-            <a:fillRect/>
-          </a:stretch>
-        </p:blipFill>
-        <p:spPr>
-          <a:xfrm>
-            <a:off x="5552180" y="2597728"/>
-            <a:ext cx="6639820" cy="4139327"/>
-          </a:xfrm>
-          <a:prstGeom prst="rect">
-            <a:avLst/>
-          </a:prstGeom>
-        </p:spPr>
-      </p:pic>
-      <p:sp>
-        <p:nvSpPr>
-          <p:cNvPr id="4" name="TextBox 3">
-            <a:extLst>
-              <a:ext uri="{FF2B5EF4-FFF2-40B4-BE49-F238E27FC236}">
-                <a16:creationId xmlns:a16="http://schemas.microsoft.com/office/drawing/2014/main" id="{4AB3F684-C19E-0133-810A-DADEC90FECB4}"/>
-              </a:ext>
-            </a:extLst>
-          </p:cNvPr>
-          <p:cNvSpPr txBox="1"/>
-          <p:nvPr/>
-        </p:nvSpPr>
-        <p:spPr>
-          <a:xfrm>
-            <a:off x="0" y="0"/>
-            <a:ext cx="3303981" cy="523220"/>
-          </a:xfrm>
-          <a:prstGeom prst="rect">
-            <a:avLst/>
-          </a:prstGeom>
-          <a:noFill/>
-        </p:spPr>
-        <p:txBody>
-          <a:bodyPr wrap="none" rtlCol="0">
-            <a:spAutoFit/>
-          </a:bodyPr>
-          <a:lstStyle/>
-          <a:p>
-            <a:r>
-              <a:rPr lang="en-GB" sz="2800" b="1" u="sng" dirty="0">
-                <a:highlight>
-                  <a:srgbClr val="FFFF00"/>
-                </a:highlight>
-              </a:rPr>
-              <a:t>Pit Box BEFORE S/F</a:t>
-            </a:r>
-          </a:p>
-        </p:txBody>
-      </p:sp>
-      <p:sp>
-        <p:nvSpPr>
-          <p:cNvPr id="5" name="TextBox 4">
-            <a:extLst>
-              <a:ext uri="{FF2B5EF4-FFF2-40B4-BE49-F238E27FC236}">
-                <a16:creationId xmlns:a16="http://schemas.microsoft.com/office/drawing/2014/main" id="{B899CF93-007F-AA20-8445-0DA4ED9F8952}"/>
-              </a:ext>
-            </a:extLst>
-          </p:cNvPr>
-          <p:cNvSpPr txBox="1"/>
-          <p:nvPr/>
-        </p:nvSpPr>
-        <p:spPr>
-          <a:xfrm>
-            <a:off x="9171878" y="1974980"/>
-            <a:ext cx="3020122" cy="523220"/>
-          </a:xfrm>
-          <a:prstGeom prst="rect">
-            <a:avLst/>
-          </a:prstGeom>
-          <a:noFill/>
-        </p:spPr>
-        <p:txBody>
-          <a:bodyPr wrap="none" rtlCol="0">
-            <a:spAutoFit/>
-          </a:bodyPr>
-          <a:lstStyle/>
-          <a:p>
-            <a:r>
-              <a:rPr lang="en-GB" sz="2800" b="1" u="sng" dirty="0">
-                <a:highlight>
-                  <a:srgbClr val="FFFF00"/>
-                </a:highlight>
-              </a:rPr>
-              <a:t>Pit Box AFTER S/F</a:t>
-            </a:r>
-          </a:p>
-        </p:txBody>
-      </p:sp>
-    </p:spTree>
-    <p:extLst>
-      <p:ext uri="{BB962C8B-B14F-4D97-AF65-F5344CB8AC3E}">
-        <p14:creationId xmlns:p14="http://schemas.microsoft.com/office/powerpoint/2010/main" val="1796743994"/>
-      </p:ext>
-    </p:extLst>
-  </p:cSld>
-  <p:clrMapOvr>
-    <a:masterClrMapping/>
-  </p:clrMapOvr>
-</p:sld>
-</file>
-
-<file path=ppt/slides/slide25.xml><?xml version="1.0" encoding="utf-8"?>
-<p:sld xmlns:a="http://schemas.openxmlformats.org/drawingml/2006/main" xmlns:r="http://schemas.openxmlformats.org/officeDocument/2006/relationships" xmlns:p="http://schemas.openxmlformats.org/presentationml/2006/main">
-  <p:cSld>
-    <p:spTree>
-      <p:nvGrpSpPr>
-        <p:cNvPr id="1" name="">
-          <a:extLst>
-            <a:ext uri="{FF2B5EF4-FFF2-40B4-BE49-F238E27FC236}">
-              <a16:creationId xmlns:a16="http://schemas.microsoft.com/office/drawing/2014/main" id="{9C6BEE9D-CC8D-383A-F8D5-4C2D26C204F3}"/>
-            </a:ext>
-          </a:extLst>
-        </p:cNvPr>
-        <p:cNvGrpSpPr/>
-        <p:nvPr/>
-      </p:nvGrpSpPr>
-      <p:grpSpPr>
-        <a:xfrm>
-          <a:off x="0" y="0"/>
-          <a:ext cx="0" cy="0"/>
-          <a:chOff x="0" y="0"/>
-          <a:chExt cx="0" cy="0"/>
-        </a:xfrm>
-      </p:grpSpPr>
-      <p:graphicFrame>
-        <p:nvGraphicFramePr>
-          <p:cNvPr id="2" name="Table 1">
-            <a:extLst>
-              <a:ext uri="{FF2B5EF4-FFF2-40B4-BE49-F238E27FC236}">
-                <a16:creationId xmlns:a16="http://schemas.microsoft.com/office/drawing/2014/main" id="{FDBA22C4-3E7B-4DBE-11B2-F58A3400F500}"/>
-              </a:ext>
-            </a:extLst>
-          </p:cNvPr>
-          <p:cNvGraphicFramePr>
-            <a:graphicFrameLocks noGrp="1"/>
-          </p:cNvGraphicFramePr>
-          <p:nvPr>
-            <p:extLst>
-              <p:ext uri="{D42A27DB-BD31-4B8C-83A1-F6EECF244321}">
-                <p14:modId xmlns:p14="http://schemas.microsoft.com/office/powerpoint/2010/main" val="1438268141"/>
-              </p:ext>
-            </p:extLst>
-          </p:nvPr>
-        </p:nvGraphicFramePr>
-        <p:xfrm>
-          <a:off x="1959428" y="179614"/>
-          <a:ext cx="9209316" cy="6678381"/>
-        </p:xfrm>
-        <a:graphic>
-          <a:graphicData uri="http://schemas.openxmlformats.org/drawingml/2006/table">
-            <a:tbl>
-              <a:tblPr/>
-              <a:tblGrid>
-                <a:gridCol w="3069772">
-                  <a:extLst>
-                    <a:ext uri="{9D8B030D-6E8A-4147-A177-3AD203B41FA5}">
-                      <a16:colId xmlns:a16="http://schemas.microsoft.com/office/drawing/2014/main" val="2730666903"/>
-                    </a:ext>
-                  </a:extLst>
-                </a:gridCol>
-                <a:gridCol w="3069772">
-                  <a:extLst>
-                    <a:ext uri="{9D8B030D-6E8A-4147-A177-3AD203B41FA5}">
-                      <a16:colId xmlns:a16="http://schemas.microsoft.com/office/drawing/2014/main" val="3335558599"/>
-                    </a:ext>
-                  </a:extLst>
-                </a:gridCol>
-                <a:gridCol w="3069772">
-                  <a:extLst>
-                    <a:ext uri="{9D8B030D-6E8A-4147-A177-3AD203B41FA5}">
-                      <a16:colId xmlns:a16="http://schemas.microsoft.com/office/drawing/2014/main" val="3862510514"/>
-                    </a:ext>
-                  </a:extLst>
-                </a:gridCol>
-              </a:tblGrid>
-              <a:tr h="326912">
-                <a:tc>
-                  <a:txBody>
-                    <a:bodyPr/>
-                    <a:lstStyle/>
-                    <a:p>
-                      <a:pPr>
-                        <a:buNone/>
-                      </a:pPr>
-                      <a:r>
-                        <a:rPr lang="en-GB" sz="600"/>
-                        <a:t>Old property (still supported)</a:t>
-                      </a:r>
-                    </a:p>
-                  </a:txBody>
-                  <a:tcPr marL="30429" marR="30429" marT="15214" marB="15214" anchor="ctr">
-                    <a:lnL>
-                      <a:noFill/>
-                    </a:lnL>
-                    <a:lnR>
-                      <a:noFill/>
-                    </a:lnR>
-                    <a:lnT>
-                      <a:noFill/>
-                    </a:lnT>
-                    <a:lnB>
-                      <a:noFill/>
-                    </a:lnB>
-                    <a:noFill/>
-                  </a:tcPr>
-                </a:tc>
-                <a:tc>
-                  <a:txBody>
-                    <a:bodyPr/>
-                    <a:lstStyle/>
-                    <a:p>
-                      <a:pPr>
-                        <a:buNone/>
-                      </a:pPr>
-                      <a:r>
-                        <a:rPr lang="en-US" sz="600"/>
-                        <a:t>New canonical (use this going forward)</a:t>
-                      </a:r>
-                    </a:p>
-                  </a:txBody>
-                  <a:tcPr marL="30429" marR="30429" marT="15214" marB="15214" anchor="ctr">
-                    <a:lnL>
-                      <a:noFill/>
-                    </a:lnL>
-                    <a:lnR>
-                      <a:noFill/>
-                    </a:lnR>
-                    <a:lnT>
-                      <a:noFill/>
-                    </a:lnT>
-                    <a:lnB>
-                      <a:noFill/>
-                    </a:lnB>
-                    <a:noFill/>
-                  </a:tcPr>
-                </a:tc>
-                <a:tc>
-                  <a:txBody>
-                    <a:bodyPr/>
-                    <a:lstStyle/>
-                    <a:p>
-                      <a:pPr>
-                        <a:buNone/>
-                      </a:pPr>
-                      <a:r>
-                        <a:rPr lang="en-GB" sz="600"/>
-                        <a:t>Notes</a:t>
-                      </a:r>
-                    </a:p>
-                  </a:txBody>
-                  <a:tcPr marL="30429" marR="30429" marT="15214" marB="15214" anchor="ctr">
-                    <a:lnL>
-                      <a:noFill/>
-                    </a:lnL>
-                    <a:lnR>
-                      <a:noFill/>
-                    </a:lnR>
-                    <a:lnT>
-                      <a:noFill/>
-                    </a:lnT>
-                    <a:lnB>
-                      <a:noFill/>
-                    </a:lnB>
-                    <a:noFill/>
-                  </a:tcPr>
-                </a:tc>
-                <a:extLst>
-                  <a:ext uri="{0D108BD9-81ED-4DB2-BD59-A6C34878D82A}">
-                    <a16:rowId xmlns:a16="http://schemas.microsoft.com/office/drawing/2014/main" val="3502610967"/>
-                  </a:ext>
-                </a:extLst>
-              </a:tr>
-              <a:tr h="326912">
-                <a:tc>
-                  <a:txBody>
-                    <a:bodyPr/>
-                    <a:lstStyle/>
-                    <a:p>
-                      <a:pPr>
-                        <a:buNone/>
-                      </a:pPr>
-                      <a:r>
-                        <a:rPr lang="en-GB" sz="600">
-                          <a:latin typeface="Courier New" panose="02070309020205020404" pitchFamily="49" charset="0"/>
-                        </a:rPr>
-                        <a:t>LalaLaunch.Lala.Pit.AvgPaceUsedSec</a:t>
-                      </a:r>
-                      <a:endParaRPr lang="en-GB" sz="600"/>
-                    </a:p>
-                  </a:txBody>
-                  <a:tcPr marL="30429" marR="30429" marT="15214" marB="15214" anchor="ctr">
-                    <a:lnL>
-                      <a:noFill/>
-                    </a:lnL>
-                    <a:lnR>
-                      <a:noFill/>
-                    </a:lnR>
-                    <a:lnT>
-                      <a:noFill/>
-                    </a:lnT>
-                    <a:lnB>
-                      <a:noFill/>
-                    </a:lnB>
-                    <a:noFill/>
-                  </a:tcPr>
-                </a:tc>
-                <a:tc>
-                  <a:txBody>
-                    <a:bodyPr/>
-                    <a:lstStyle/>
-                    <a:p>
-                      <a:pPr>
-                        <a:buNone/>
-                      </a:pPr>
-                      <a:r>
-                        <a:rPr lang="en-GB" sz="600">
-                          <a:latin typeface="Courier New" panose="02070309020205020404" pitchFamily="49" charset="0"/>
-                        </a:rPr>
-                        <a:t>LalaLaunch.Pit.AvgPaceUsedSec</a:t>
-                      </a:r>
-                      <a:endParaRPr lang="en-GB" sz="600"/>
-                    </a:p>
-                  </a:txBody>
-                  <a:tcPr marL="30429" marR="30429" marT="15214" marB="15214" anchor="ctr">
-                    <a:lnL>
-                      <a:noFill/>
-                    </a:lnL>
-                    <a:lnR>
-                      <a:noFill/>
-                    </a:lnR>
-                    <a:lnT>
-                      <a:noFill/>
-                    </a:lnT>
-                    <a:lnB>
-                      <a:noFill/>
-                    </a:lnB>
-                    <a:noFill/>
-                  </a:tcPr>
-                </a:tc>
-                <a:tc>
-                  <a:txBody>
-                    <a:bodyPr/>
-                    <a:lstStyle/>
-                    <a:p>
-                      <a:pPr>
-                        <a:buNone/>
-                      </a:pPr>
-                      <a:r>
-                        <a:rPr lang="en-GB" sz="600"/>
-                        <a:t>Seconds</a:t>
-                      </a:r>
-                    </a:p>
-                  </a:txBody>
-                  <a:tcPr marL="30429" marR="30429" marT="15214" marB="15214" anchor="ctr">
-                    <a:lnL>
-                      <a:noFill/>
-                    </a:lnL>
-                    <a:lnR>
-                      <a:noFill/>
-                    </a:lnR>
-                    <a:lnT>
-                      <a:noFill/>
-                    </a:lnT>
-                    <a:lnB>
-                      <a:noFill/>
-                    </a:lnB>
-                    <a:noFill/>
-                  </a:tcPr>
-                </a:tc>
-                <a:extLst>
-                  <a:ext uri="{0D108BD9-81ED-4DB2-BD59-A6C34878D82A}">
-                    <a16:rowId xmlns:a16="http://schemas.microsoft.com/office/drawing/2014/main" val="3146108172"/>
-                  </a:ext>
-                </a:extLst>
-              </a:tr>
-              <a:tr h="326912">
-                <a:tc>
-                  <a:txBody>
-                    <a:bodyPr/>
-                    <a:lstStyle/>
-                    <a:p>
-                      <a:pPr>
-                        <a:buNone/>
-                      </a:pPr>
-                      <a:r>
-                        <a:rPr lang="en-GB" sz="600">
-                          <a:latin typeface="Courier New" panose="02070309020205020404" pitchFamily="49" charset="0"/>
-                        </a:rPr>
-                        <a:t>LalaLaunch.Lala.Pit.AvgPaceSource</a:t>
-                      </a:r>
-                      <a:endParaRPr lang="en-GB" sz="600"/>
-                    </a:p>
-                  </a:txBody>
-                  <a:tcPr marL="30429" marR="30429" marT="15214" marB="15214" anchor="ctr">
-                    <a:lnL>
-                      <a:noFill/>
-                    </a:lnL>
-                    <a:lnR>
-                      <a:noFill/>
-                    </a:lnR>
-                    <a:lnT>
-                      <a:noFill/>
-                    </a:lnT>
-                    <a:lnB>
-                      <a:noFill/>
-                    </a:lnB>
-                    <a:noFill/>
-                  </a:tcPr>
-                </a:tc>
-                <a:tc>
-                  <a:txBody>
-                    <a:bodyPr/>
-                    <a:lstStyle/>
-                    <a:p>
-                      <a:pPr>
-                        <a:buNone/>
-                      </a:pPr>
-                      <a:r>
-                        <a:rPr lang="en-GB" sz="600">
-                          <a:latin typeface="Courier New" panose="02070309020205020404" pitchFamily="49" charset="0"/>
-                        </a:rPr>
-                        <a:t>LalaLaunch.Pit.AvgPaceSource</a:t>
-                      </a:r>
-                      <a:endParaRPr lang="en-GB" sz="600"/>
-                    </a:p>
-                  </a:txBody>
-                  <a:tcPr marL="30429" marR="30429" marT="15214" marB="15214" anchor="ctr">
-                    <a:lnL>
-                      <a:noFill/>
-                    </a:lnL>
-                    <a:lnR>
-                      <a:noFill/>
-                    </a:lnR>
-                    <a:lnT>
-                      <a:noFill/>
-                    </a:lnT>
-                    <a:lnB>
-                      <a:noFill/>
-                    </a:lnB>
-                    <a:noFill/>
-                  </a:tcPr>
-                </a:tc>
-                <a:tc>
-                  <a:txBody>
-                    <a:bodyPr/>
-                    <a:lstStyle/>
-                    <a:p>
-                      <a:pPr>
-                        <a:buNone/>
-                      </a:pPr>
-                      <a:r>
-                        <a:rPr lang="en-GB" sz="600">
-                          <a:latin typeface="Courier New" panose="02070309020205020404" pitchFamily="49" charset="0"/>
-                        </a:rPr>
-                        <a:t>"profile-avg"</a:t>
-                      </a:r>
-                      <a:r>
-                        <a:rPr lang="en-GB" sz="600"/>
-                        <a:t>, </a:t>
-                      </a:r>
-                      <a:r>
-                        <a:rPr lang="en-GB" sz="600">
-                          <a:latin typeface="Courier New" panose="02070309020205020404" pitchFamily="49" charset="0"/>
-                        </a:rPr>
-                        <a:t>"live-median"</a:t>
-                      </a:r>
-                      <a:r>
-                        <a:rPr lang="en-GB" sz="600"/>
-                        <a:t>, </a:t>
-                      </a:r>
-                      <a:r>
-                        <a:rPr lang="en-GB" sz="600">
-                          <a:latin typeface="Courier New" panose="02070309020205020404" pitchFamily="49" charset="0"/>
-                        </a:rPr>
-                        <a:t>"session-pb"</a:t>
-                      </a:r>
-                      <a:r>
-                        <a:rPr lang="en-GB" sz="600"/>
-                        <a:t>, etc.</a:t>
-                      </a:r>
-                    </a:p>
-                  </a:txBody>
-                  <a:tcPr marL="30429" marR="30429" marT="15214" marB="15214" anchor="ctr">
-                    <a:lnL>
-                      <a:noFill/>
-                    </a:lnL>
-                    <a:lnR>
-                      <a:noFill/>
-                    </a:lnR>
-                    <a:lnT>
-                      <a:noFill/>
-                    </a:lnT>
-                    <a:lnB>
-                      <a:noFill/>
-                    </a:lnB>
-                    <a:noFill/>
-                  </a:tcPr>
-                </a:tc>
-                <a:extLst>
-                  <a:ext uri="{0D108BD9-81ED-4DB2-BD59-A6C34878D82A}">
-                    <a16:rowId xmlns:a16="http://schemas.microsoft.com/office/drawing/2014/main" val="343751056"/>
-                  </a:ext>
-                </a:extLst>
-              </a:tr>
-              <a:tr h="326912">
-                <a:tc>
-                  <a:txBody>
-                    <a:bodyPr/>
-                    <a:lstStyle/>
-                    <a:p>
-                      <a:pPr>
-                        <a:buNone/>
-                      </a:pPr>
-                      <a:r>
-                        <a:rPr lang="en-GB" sz="600">
-                          <a:latin typeface="Courier New" panose="02070309020205020404" pitchFamily="49" charset="0"/>
-                        </a:rPr>
-                        <a:t>LalaLaunch.Lala.Pit.InLapSec</a:t>
-                      </a:r>
-                      <a:endParaRPr lang="en-GB" sz="600"/>
-                    </a:p>
-                  </a:txBody>
-                  <a:tcPr marL="30429" marR="30429" marT="15214" marB="15214" anchor="ctr">
-                    <a:lnL>
-                      <a:noFill/>
-                    </a:lnL>
-                    <a:lnR>
-                      <a:noFill/>
-                    </a:lnR>
-                    <a:lnT>
-                      <a:noFill/>
-                    </a:lnT>
-                    <a:lnB>
-                      <a:noFill/>
-                    </a:lnB>
-                    <a:noFill/>
-                  </a:tcPr>
-                </a:tc>
-                <a:tc>
-                  <a:txBody>
-                    <a:bodyPr/>
-                    <a:lstStyle/>
-                    <a:p>
-                      <a:pPr>
-                        <a:buNone/>
-                      </a:pPr>
-                      <a:r>
-                        <a:rPr lang="en-GB" sz="600">
-                          <a:latin typeface="Courier New" panose="02070309020205020404" pitchFamily="49" charset="0"/>
-                        </a:rPr>
-                        <a:t>LalaLaunch.Pit.InLapSec</a:t>
-                      </a:r>
-                      <a:endParaRPr lang="en-GB" sz="600"/>
-                    </a:p>
-                  </a:txBody>
-                  <a:tcPr marL="30429" marR="30429" marT="15214" marB="15214" anchor="ctr">
-                    <a:lnL>
-                      <a:noFill/>
-                    </a:lnL>
-                    <a:lnR>
-                      <a:noFill/>
-                    </a:lnR>
-                    <a:lnT>
-                      <a:noFill/>
-                    </a:lnT>
-                    <a:lnB>
-                      <a:noFill/>
-                    </a:lnB>
-                    <a:noFill/>
-                  </a:tcPr>
-                </a:tc>
-                <a:tc>
-                  <a:txBody>
-                    <a:bodyPr/>
-                    <a:lstStyle/>
-                    <a:p>
-                      <a:pPr>
-                        <a:buNone/>
-                      </a:pPr>
-                      <a:r>
-                        <a:rPr lang="en-US" sz="600"/>
-                        <a:t>Published at S/F when pit-lap completes</a:t>
-                      </a:r>
-                    </a:p>
-                  </a:txBody>
-                  <a:tcPr marL="30429" marR="30429" marT="15214" marB="15214" anchor="ctr">
-                    <a:lnL>
-                      <a:noFill/>
-                    </a:lnL>
-                    <a:lnR>
-                      <a:noFill/>
-                    </a:lnR>
-                    <a:lnT>
-                      <a:noFill/>
-                    </a:lnT>
-                    <a:lnB>
-                      <a:noFill/>
-                    </a:lnB>
-                    <a:noFill/>
-                  </a:tcPr>
-                </a:tc>
-                <a:extLst>
-                  <a:ext uri="{0D108BD9-81ED-4DB2-BD59-A6C34878D82A}">
-                    <a16:rowId xmlns:a16="http://schemas.microsoft.com/office/drawing/2014/main" val="42629223"/>
-                  </a:ext>
-                </a:extLst>
-              </a:tr>
-              <a:tr h="326912">
-                <a:tc>
-                  <a:txBody>
-                    <a:bodyPr/>
-                    <a:lstStyle/>
-                    <a:p>
-                      <a:pPr>
-                        <a:buNone/>
-                      </a:pPr>
-                      <a:r>
-                        <a:rPr lang="en-GB" sz="600">
-                          <a:latin typeface="Courier New" panose="02070309020205020404" pitchFamily="49" charset="0"/>
-                        </a:rPr>
-                        <a:t>LalaLaunch.Lala.Pit.OutLapSec</a:t>
-                      </a:r>
-                      <a:endParaRPr lang="en-GB" sz="600"/>
-                    </a:p>
-                  </a:txBody>
-                  <a:tcPr marL="30429" marR="30429" marT="15214" marB="15214" anchor="ctr">
-                    <a:lnL>
-                      <a:noFill/>
-                    </a:lnL>
-                    <a:lnR>
-                      <a:noFill/>
-                    </a:lnR>
-                    <a:lnT>
-                      <a:noFill/>
-                    </a:lnT>
-                    <a:lnB>
-                      <a:noFill/>
-                    </a:lnB>
-                    <a:noFill/>
-                  </a:tcPr>
-                </a:tc>
-                <a:tc>
-                  <a:txBody>
-                    <a:bodyPr/>
-                    <a:lstStyle/>
-                    <a:p>
-                      <a:pPr>
-                        <a:buNone/>
-                      </a:pPr>
-                      <a:r>
-                        <a:rPr lang="en-GB" sz="600">
-                          <a:latin typeface="Courier New" panose="02070309020205020404" pitchFamily="49" charset="0"/>
-                        </a:rPr>
-                        <a:t>LalaLaunch.Pit.OutLapSec</a:t>
-                      </a:r>
-                      <a:endParaRPr lang="en-GB" sz="600"/>
-                    </a:p>
-                  </a:txBody>
-                  <a:tcPr marL="30429" marR="30429" marT="15214" marB="15214" anchor="ctr">
-                    <a:lnL>
-                      <a:noFill/>
-                    </a:lnL>
-                    <a:lnR>
-                      <a:noFill/>
-                    </a:lnR>
-                    <a:lnT>
-                      <a:noFill/>
-                    </a:lnT>
-                    <a:lnB>
-                      <a:noFill/>
-                    </a:lnB>
-                    <a:noFill/>
-                  </a:tcPr>
-                </a:tc>
-                <a:tc>
-                  <a:txBody>
-                    <a:bodyPr/>
-                    <a:lstStyle/>
-                    <a:p>
-                      <a:pPr>
-                        <a:buNone/>
-                      </a:pPr>
-                      <a:r>
-                        <a:rPr lang="en-US" sz="600"/>
-                        <a:t>Published at S/F when out-lap completes</a:t>
-                      </a:r>
-                    </a:p>
-                  </a:txBody>
-                  <a:tcPr marL="30429" marR="30429" marT="15214" marB="15214" anchor="ctr">
-                    <a:lnL>
-                      <a:noFill/>
-                    </a:lnL>
-                    <a:lnR>
-                      <a:noFill/>
-                    </a:lnR>
-                    <a:lnT>
-                      <a:noFill/>
-                    </a:lnT>
-                    <a:lnB>
-                      <a:noFill/>
-                    </a:lnB>
-                    <a:noFill/>
-                  </a:tcPr>
-                </a:tc>
-                <a:extLst>
-                  <a:ext uri="{0D108BD9-81ED-4DB2-BD59-A6C34878D82A}">
-                    <a16:rowId xmlns:a16="http://schemas.microsoft.com/office/drawing/2014/main" val="3140584031"/>
-                  </a:ext>
-                </a:extLst>
-              </a:tr>
-              <a:tr h="326912">
-                <a:tc>
-                  <a:txBody>
-                    <a:bodyPr/>
-                    <a:lstStyle/>
-                    <a:p>
-                      <a:pPr>
-                        <a:buNone/>
-                      </a:pPr>
-                      <a:r>
-                        <a:rPr lang="en-GB" sz="600">
-                          <a:latin typeface="Courier New" panose="02070309020205020404" pitchFamily="49" charset="0"/>
-                        </a:rPr>
-                        <a:t>LalaLaunch.Lala.Pit.DeltaInSec</a:t>
-                      </a:r>
-                      <a:endParaRPr lang="en-GB" sz="600"/>
-                    </a:p>
-                  </a:txBody>
-                  <a:tcPr marL="30429" marR="30429" marT="15214" marB="15214" anchor="ctr">
-                    <a:lnL>
-                      <a:noFill/>
-                    </a:lnL>
-                    <a:lnR>
-                      <a:noFill/>
-                    </a:lnR>
-                    <a:lnT>
-                      <a:noFill/>
-                    </a:lnT>
-                    <a:lnB>
-                      <a:noFill/>
-                    </a:lnB>
-                    <a:noFill/>
-                  </a:tcPr>
-                </a:tc>
-                <a:tc>
-                  <a:txBody>
-                    <a:bodyPr/>
-                    <a:lstStyle/>
-                    <a:p>
-                      <a:pPr>
-                        <a:buNone/>
-                      </a:pPr>
-                      <a:r>
-                        <a:rPr lang="en-GB" sz="600">
-                          <a:latin typeface="Courier New" panose="02070309020205020404" pitchFamily="49" charset="0"/>
-                        </a:rPr>
-                        <a:t>LalaLaunch.Pit.DeltaInSec</a:t>
-                      </a:r>
-                      <a:endParaRPr lang="en-GB" sz="600"/>
-                    </a:p>
-                  </a:txBody>
-                  <a:tcPr marL="30429" marR="30429" marT="15214" marB="15214" anchor="ctr">
-                    <a:lnL>
-                      <a:noFill/>
-                    </a:lnL>
-                    <a:lnR>
-                      <a:noFill/>
-                    </a:lnR>
-                    <a:lnT>
-                      <a:noFill/>
-                    </a:lnT>
-                    <a:lnB>
-                      <a:noFill/>
-                    </a:lnB>
-                    <a:noFill/>
-                  </a:tcPr>
-                </a:tc>
-                <a:tc>
-                  <a:txBody>
-                    <a:bodyPr/>
-                    <a:lstStyle/>
-                    <a:p>
-                      <a:pPr>
-                        <a:buNone/>
-                      </a:pPr>
-                      <a:r>
-                        <a:rPr lang="en-GB" sz="600"/>
-                        <a:t>InLap − Avg</a:t>
-                      </a:r>
-                    </a:p>
-                  </a:txBody>
-                  <a:tcPr marL="30429" marR="30429" marT="15214" marB="15214" anchor="ctr">
-                    <a:lnL>
-                      <a:noFill/>
-                    </a:lnL>
-                    <a:lnR>
-                      <a:noFill/>
-                    </a:lnR>
-                    <a:lnT>
-                      <a:noFill/>
-                    </a:lnT>
-                    <a:lnB>
-                      <a:noFill/>
-                    </a:lnB>
-                    <a:noFill/>
-                  </a:tcPr>
-                </a:tc>
-                <a:extLst>
-                  <a:ext uri="{0D108BD9-81ED-4DB2-BD59-A6C34878D82A}">
-                    <a16:rowId xmlns:a16="http://schemas.microsoft.com/office/drawing/2014/main" val="3892119186"/>
-                  </a:ext>
-                </a:extLst>
-              </a:tr>
-              <a:tr h="326912">
-                <a:tc>
-                  <a:txBody>
-                    <a:bodyPr/>
-                    <a:lstStyle/>
-                    <a:p>
-                      <a:pPr>
-                        <a:buNone/>
-                      </a:pPr>
-                      <a:r>
-                        <a:rPr lang="en-GB" sz="600">
-                          <a:latin typeface="Courier New" panose="02070309020205020404" pitchFamily="49" charset="0"/>
-                        </a:rPr>
-                        <a:t>LalaLaunch.Lala.Pit.DeltaOutSec</a:t>
-                      </a:r>
-                      <a:endParaRPr lang="en-GB" sz="600"/>
-                    </a:p>
-                  </a:txBody>
-                  <a:tcPr marL="30429" marR="30429" marT="15214" marB="15214" anchor="ctr">
-                    <a:lnL>
-                      <a:noFill/>
-                    </a:lnL>
-                    <a:lnR>
-                      <a:noFill/>
-                    </a:lnR>
-                    <a:lnT>
-                      <a:noFill/>
-                    </a:lnT>
-                    <a:lnB>
-                      <a:noFill/>
-                    </a:lnB>
-                    <a:noFill/>
-                  </a:tcPr>
-                </a:tc>
-                <a:tc>
-                  <a:txBody>
-                    <a:bodyPr/>
-                    <a:lstStyle/>
-                    <a:p>
-                      <a:pPr>
-                        <a:buNone/>
-                      </a:pPr>
-                      <a:r>
-                        <a:rPr lang="en-GB" sz="600">
-                          <a:latin typeface="Courier New" panose="02070309020205020404" pitchFamily="49" charset="0"/>
-                        </a:rPr>
-                        <a:t>LalaLaunch.Pit.DeltaOutSec</a:t>
-                      </a:r>
-                      <a:endParaRPr lang="en-GB" sz="600"/>
-                    </a:p>
-                  </a:txBody>
-                  <a:tcPr marL="30429" marR="30429" marT="15214" marB="15214" anchor="ctr">
-                    <a:lnL>
-                      <a:noFill/>
-                    </a:lnL>
-                    <a:lnR>
-                      <a:noFill/>
-                    </a:lnR>
-                    <a:lnT>
-                      <a:noFill/>
-                    </a:lnT>
-                    <a:lnB>
-                      <a:noFill/>
-                    </a:lnB>
-                    <a:noFill/>
-                  </a:tcPr>
-                </a:tc>
-                <a:tc>
-                  <a:txBody>
-                    <a:bodyPr/>
-                    <a:lstStyle/>
-                    <a:p>
-                      <a:pPr>
-                        <a:buNone/>
-                      </a:pPr>
-                      <a:r>
-                        <a:rPr lang="en-GB" sz="600"/>
-                        <a:t>OutLap − Avg</a:t>
-                      </a:r>
-                    </a:p>
-                  </a:txBody>
-                  <a:tcPr marL="30429" marR="30429" marT="15214" marB="15214" anchor="ctr">
-                    <a:lnL>
-                      <a:noFill/>
-                    </a:lnL>
-                    <a:lnR>
-                      <a:noFill/>
-                    </a:lnR>
-                    <a:lnT>
-                      <a:noFill/>
-                    </a:lnT>
-                    <a:lnB>
-                      <a:noFill/>
-                    </a:lnB>
-                    <a:noFill/>
-                  </a:tcPr>
-                </a:tc>
-                <a:extLst>
-                  <a:ext uri="{0D108BD9-81ED-4DB2-BD59-A6C34878D82A}">
-                    <a16:rowId xmlns:a16="http://schemas.microsoft.com/office/drawing/2014/main" val="2304092834"/>
-                  </a:ext>
-                </a:extLst>
-              </a:tr>
-              <a:tr h="326912">
-                <a:tc>
-                  <a:txBody>
-                    <a:bodyPr/>
-                    <a:lstStyle/>
-                    <a:p>
-                      <a:pPr>
-                        <a:buNone/>
-                      </a:pPr>
-                      <a:r>
-                        <a:rPr lang="en-GB" sz="600">
-                          <a:latin typeface="Courier New" panose="02070309020205020404" pitchFamily="49" charset="0"/>
-                        </a:rPr>
-                        <a:t>LalaLaunch.Lala.Pit.DirectTravelSec</a:t>
-                      </a:r>
-                      <a:endParaRPr lang="en-GB" sz="600"/>
-                    </a:p>
-                  </a:txBody>
-                  <a:tcPr marL="30429" marR="30429" marT="15214" marB="15214" anchor="ctr">
-                    <a:lnL>
-                      <a:noFill/>
-                    </a:lnL>
-                    <a:lnR>
-                      <a:noFill/>
-                    </a:lnR>
-                    <a:lnT>
-                      <a:noFill/>
-                    </a:lnT>
-                    <a:lnB>
-                      <a:noFill/>
-                    </a:lnB>
-                    <a:noFill/>
-                  </a:tcPr>
-                </a:tc>
-                <a:tc>
-                  <a:txBody>
-                    <a:bodyPr/>
-                    <a:lstStyle/>
-                    <a:p>
-                      <a:pPr>
-                        <a:buNone/>
-                      </a:pPr>
-                      <a:r>
-                        <a:rPr lang="en-GB" sz="600">
-                          <a:latin typeface="Courier New" panose="02070309020205020404" pitchFamily="49" charset="0"/>
-                        </a:rPr>
-                        <a:t>LalaLaunch.Pit.DirectTravelSec</a:t>
-                      </a:r>
-                      <a:endParaRPr lang="en-GB" sz="600"/>
-                    </a:p>
-                  </a:txBody>
-                  <a:tcPr marL="30429" marR="30429" marT="15214" marB="15214" anchor="ctr">
-                    <a:lnL>
-                      <a:noFill/>
-                    </a:lnL>
-                    <a:lnR>
-                      <a:noFill/>
-                    </a:lnR>
-                    <a:lnT>
-                      <a:noFill/>
-                    </a:lnT>
-                    <a:lnB>
-                      <a:noFill/>
-                    </a:lnB>
-                    <a:noFill/>
-                  </a:tcPr>
-                </a:tc>
-                <a:tc>
-                  <a:txBody>
-                    <a:bodyPr/>
-                    <a:lstStyle/>
-                    <a:p>
-                      <a:pPr>
-                        <a:buNone/>
-                      </a:pPr>
-                      <a:r>
-                        <a:rPr lang="en-GB" sz="600"/>
-                        <a:t>Entry→Exit while rolling</a:t>
-                      </a:r>
-                    </a:p>
-                  </a:txBody>
-                  <a:tcPr marL="30429" marR="30429" marT="15214" marB="15214" anchor="ctr">
-                    <a:lnL>
-                      <a:noFill/>
-                    </a:lnL>
-                    <a:lnR>
-                      <a:noFill/>
-                    </a:lnR>
-                    <a:lnT>
-                      <a:noFill/>
-                    </a:lnT>
-                    <a:lnB>
-                      <a:noFill/>
-                    </a:lnB>
-                    <a:noFill/>
-                  </a:tcPr>
-                </a:tc>
-                <a:extLst>
-                  <a:ext uri="{0D108BD9-81ED-4DB2-BD59-A6C34878D82A}">
-                    <a16:rowId xmlns:a16="http://schemas.microsoft.com/office/drawing/2014/main" val="1069049613"/>
-                  </a:ext>
-                </a:extLst>
-              </a:tr>
-              <a:tr h="326912">
-                <a:tc>
-                  <a:txBody>
-                    <a:bodyPr/>
-                    <a:lstStyle/>
-                    <a:p>
-                      <a:pPr>
-                        <a:buNone/>
-                      </a:pPr>
-                      <a:r>
-                        <a:rPr lang="en-GB" sz="600">
-                          <a:latin typeface="Courier New" panose="02070309020205020404" pitchFamily="49" charset="0"/>
-                        </a:rPr>
-                        <a:t>LalaLaunch.Lala.Pit.StopSeconds</a:t>
-                      </a:r>
-                      <a:endParaRPr lang="en-GB" sz="600"/>
-                    </a:p>
-                  </a:txBody>
-                  <a:tcPr marL="30429" marR="30429" marT="15214" marB="15214" anchor="ctr">
-                    <a:lnL>
-                      <a:noFill/>
-                    </a:lnL>
-                    <a:lnR>
-                      <a:noFill/>
-                    </a:lnR>
-                    <a:lnT>
-                      <a:noFill/>
-                    </a:lnT>
-                    <a:lnB>
-                      <a:noFill/>
-                    </a:lnB>
-                    <a:noFill/>
-                  </a:tcPr>
-                </a:tc>
-                <a:tc>
-                  <a:txBody>
-                    <a:bodyPr/>
-                    <a:lstStyle/>
-                    <a:p>
-                      <a:pPr>
-                        <a:buNone/>
-                      </a:pPr>
-                      <a:r>
-                        <a:rPr lang="en-GB" sz="600">
-                          <a:latin typeface="Courier New" panose="02070309020205020404" pitchFamily="49" charset="0"/>
-                        </a:rPr>
-                        <a:t>LalaLaunch.Pit.StopSeconds</a:t>
-                      </a:r>
-                      <a:endParaRPr lang="en-GB" sz="600"/>
-                    </a:p>
-                  </a:txBody>
-                  <a:tcPr marL="30429" marR="30429" marT="15214" marB="15214" anchor="ctr">
-                    <a:lnL>
-                      <a:noFill/>
-                    </a:lnL>
-                    <a:lnR>
-                      <a:noFill/>
-                    </a:lnR>
-                    <a:lnT>
-                      <a:noFill/>
-                    </a:lnT>
-                    <a:lnB>
-                      <a:noFill/>
-                    </a:lnB>
-                    <a:noFill/>
-                  </a:tcPr>
-                </a:tc>
-                <a:tc>
-                  <a:txBody>
-                    <a:bodyPr/>
-                    <a:lstStyle/>
-                    <a:p>
-                      <a:pPr>
-                        <a:buNone/>
-                      </a:pPr>
-                      <a:r>
-                        <a:rPr lang="en-GB" sz="600"/>
-                        <a:t>Stationary box time</a:t>
-                      </a:r>
-                    </a:p>
-                  </a:txBody>
-                  <a:tcPr marL="30429" marR="30429" marT="15214" marB="15214" anchor="ctr">
-                    <a:lnL>
-                      <a:noFill/>
-                    </a:lnL>
-                    <a:lnR>
-                      <a:noFill/>
-                    </a:lnR>
-                    <a:lnT>
-                      <a:noFill/>
-                    </a:lnT>
-                    <a:lnB>
-                      <a:noFill/>
-                    </a:lnB>
-                    <a:noFill/>
-                  </a:tcPr>
-                </a:tc>
-                <a:extLst>
-                  <a:ext uri="{0D108BD9-81ED-4DB2-BD59-A6C34878D82A}">
-                    <a16:rowId xmlns:a16="http://schemas.microsoft.com/office/drawing/2014/main" val="893219200"/>
-                  </a:ext>
-                </a:extLst>
-              </a:tr>
-              <a:tr h="326912">
-                <a:tc>
-                  <a:txBody>
-                    <a:bodyPr/>
-                    <a:lstStyle/>
-                    <a:p>
-                      <a:pPr>
-                        <a:buNone/>
-                      </a:pPr>
-                      <a:r>
-                        <a:rPr lang="en-GB" sz="600">
-                          <a:latin typeface="Courier New" panose="02070309020205020404" pitchFamily="49" charset="0"/>
-                        </a:rPr>
-                        <a:t>LalaLaunch.Lala.Pit.DriveThroughLossSec</a:t>
-                      </a:r>
-                      <a:endParaRPr lang="en-GB" sz="600"/>
-                    </a:p>
-                  </a:txBody>
-                  <a:tcPr marL="30429" marR="30429" marT="15214" marB="15214" anchor="ctr">
-                    <a:lnL>
-                      <a:noFill/>
-                    </a:lnL>
-                    <a:lnR>
-                      <a:noFill/>
-                    </a:lnR>
-                    <a:lnT>
-                      <a:noFill/>
-                    </a:lnT>
-                    <a:lnB>
-                      <a:noFill/>
-                    </a:lnB>
-                    <a:noFill/>
-                  </a:tcPr>
-                </a:tc>
-                <a:tc>
-                  <a:txBody>
-                    <a:bodyPr/>
-                    <a:lstStyle/>
-                    <a:p>
-                      <a:pPr>
-                        <a:buNone/>
-                      </a:pPr>
-                      <a:r>
-                        <a:rPr lang="en-GB" sz="600">
-                          <a:latin typeface="Courier New" panose="02070309020205020404" pitchFamily="49" charset="0"/>
-                        </a:rPr>
-                        <a:t>LalaLaunch.Pit.DriveThroughLossSec</a:t>
-                      </a:r>
-                      <a:endParaRPr lang="en-GB" sz="600"/>
-                    </a:p>
-                  </a:txBody>
-                  <a:tcPr marL="30429" marR="30429" marT="15214" marB="15214" anchor="ctr">
-                    <a:lnL>
-                      <a:noFill/>
-                    </a:lnL>
-                    <a:lnR>
-                      <a:noFill/>
-                    </a:lnR>
-                    <a:lnT>
-                      <a:noFill/>
-                    </a:lnT>
-                    <a:lnB>
-                      <a:noFill/>
-                    </a:lnB>
-                    <a:noFill/>
-                  </a:tcPr>
-                </a:tc>
-                <a:tc>
-                  <a:txBody>
-                    <a:bodyPr/>
-                    <a:lstStyle/>
-                    <a:p>
-                      <a:pPr>
-                        <a:buNone/>
-                      </a:pPr>
-                      <a:r>
-                        <a:rPr lang="en-GB" sz="600" b="1"/>
-                        <a:t>DTL</a:t>
-                      </a:r>
-                      <a:r>
-                        <a:rPr lang="en-GB" sz="600"/>
-                        <a:t> saved to profile</a:t>
-                      </a:r>
-                    </a:p>
-                  </a:txBody>
-                  <a:tcPr marL="30429" marR="30429" marT="15214" marB="15214" anchor="ctr">
-                    <a:lnL>
-                      <a:noFill/>
-                    </a:lnL>
-                    <a:lnR>
-                      <a:noFill/>
-                    </a:lnR>
-                    <a:lnT>
-                      <a:noFill/>
-                    </a:lnT>
-                    <a:lnB>
-                      <a:noFill/>
-                    </a:lnB>
-                    <a:noFill/>
-                  </a:tcPr>
-                </a:tc>
-                <a:extLst>
-                  <a:ext uri="{0D108BD9-81ED-4DB2-BD59-A6C34878D82A}">
-                    <a16:rowId xmlns:a16="http://schemas.microsoft.com/office/drawing/2014/main" val="844023288"/>
-                  </a:ext>
-                </a:extLst>
-              </a:tr>
-              <a:tr h="326912">
-                <a:tc>
-                  <a:txBody>
-                    <a:bodyPr/>
-                    <a:lstStyle/>
-                    <a:p>
-                      <a:pPr>
-                        <a:buNone/>
-                      </a:pPr>
-                      <a:r>
-                        <a:rPr lang="en-GB" sz="600">
-                          <a:latin typeface="Courier New" panose="02070309020205020404" pitchFamily="49" charset="0"/>
-                        </a:rPr>
-                        <a:t>LalaLaunch.Lala.Pit.ServiceStopLossSec</a:t>
-                      </a:r>
-                      <a:endParaRPr lang="en-GB" sz="600"/>
-                    </a:p>
-                  </a:txBody>
-                  <a:tcPr marL="30429" marR="30429" marT="15214" marB="15214" anchor="ctr">
-                    <a:lnL>
-                      <a:noFill/>
-                    </a:lnL>
-                    <a:lnR>
-                      <a:noFill/>
-                    </a:lnR>
-                    <a:lnT>
-                      <a:noFill/>
-                    </a:lnT>
-                    <a:lnB>
-                      <a:noFill/>
-                    </a:lnB>
-                    <a:noFill/>
-                  </a:tcPr>
-                </a:tc>
-                <a:tc>
-                  <a:txBody>
-                    <a:bodyPr/>
-                    <a:lstStyle/>
-                    <a:p>
-                      <a:pPr>
-                        <a:buNone/>
-                      </a:pPr>
-                      <a:r>
-                        <a:rPr lang="en-GB" sz="600">
-                          <a:latin typeface="Courier New" panose="02070309020205020404" pitchFamily="49" charset="0"/>
-                        </a:rPr>
-                        <a:t>LalaLaunch.Pit.ServiceStopLossSec</a:t>
-                      </a:r>
-                      <a:endParaRPr lang="en-GB" sz="600"/>
-                    </a:p>
-                  </a:txBody>
-                  <a:tcPr marL="30429" marR="30429" marT="15214" marB="15214" anchor="ctr">
-                    <a:lnL>
-                      <a:noFill/>
-                    </a:lnL>
-                    <a:lnR>
-                      <a:noFill/>
-                    </a:lnR>
-                    <a:lnT>
-                      <a:noFill/>
-                    </a:lnT>
-                    <a:lnB>
-                      <a:noFill/>
-                    </a:lnB>
-                    <a:noFill/>
-                  </a:tcPr>
-                </a:tc>
-                <a:tc>
-                  <a:txBody>
-                    <a:bodyPr/>
-                    <a:lstStyle/>
-                    <a:p>
-                      <a:pPr>
-                        <a:buNone/>
-                      </a:pPr>
-                      <a:r>
-                        <a:rPr lang="en-GB" sz="600"/>
-                        <a:t>DTL + Stop (gap estimate)</a:t>
-                      </a:r>
-                    </a:p>
-                  </a:txBody>
-                  <a:tcPr marL="30429" marR="30429" marT="15214" marB="15214" anchor="ctr">
-                    <a:lnL>
-                      <a:noFill/>
-                    </a:lnL>
-                    <a:lnR>
-                      <a:noFill/>
-                    </a:lnR>
-                    <a:lnT>
-                      <a:noFill/>
-                    </a:lnT>
-                    <a:lnB>
-                      <a:noFill/>
-                    </a:lnB>
-                    <a:noFill/>
-                  </a:tcPr>
-                </a:tc>
-                <a:extLst>
-                  <a:ext uri="{0D108BD9-81ED-4DB2-BD59-A6C34878D82A}">
-                    <a16:rowId xmlns:a16="http://schemas.microsoft.com/office/drawing/2014/main" val="1458213427"/>
-                  </a:ext>
-                </a:extLst>
-              </a:tr>
-              <a:tr h="326912">
-                <a:tc>
-                  <a:txBody>
-                    <a:bodyPr/>
-                    <a:lstStyle/>
-                    <a:p>
-                      <a:pPr>
-                        <a:buNone/>
-                      </a:pPr>
-                      <a:r>
-                        <a:rPr lang="en-GB" sz="600">
-                          <a:latin typeface="Courier New" panose="02070309020205020404" pitchFamily="49" charset="0"/>
-                        </a:rPr>
-                        <a:t>LalaLaunch.Lala.Pit.Profile.PitLaneLossSec</a:t>
-                      </a:r>
-                      <a:endParaRPr lang="en-GB" sz="600"/>
-                    </a:p>
-                  </a:txBody>
-                  <a:tcPr marL="30429" marR="30429" marT="15214" marB="15214" anchor="ctr">
-                    <a:lnL>
-                      <a:noFill/>
-                    </a:lnL>
-                    <a:lnR>
-                      <a:noFill/>
-                    </a:lnR>
-                    <a:lnT>
-                      <a:noFill/>
-                    </a:lnT>
-                    <a:lnB>
-                      <a:noFill/>
-                    </a:lnB>
-                    <a:noFill/>
-                  </a:tcPr>
-                </a:tc>
-                <a:tc>
-                  <a:txBody>
-                    <a:bodyPr/>
-                    <a:lstStyle/>
-                    <a:p>
-                      <a:pPr>
-                        <a:buNone/>
-                      </a:pPr>
-                      <a:r>
-                        <a:rPr lang="en-GB" sz="600">
-                          <a:latin typeface="Courier New" panose="02070309020205020404" pitchFamily="49" charset="0"/>
-                        </a:rPr>
-                        <a:t>LalaLaunch.Pit.Profile.PitLaneLossSec</a:t>
-                      </a:r>
-                      <a:endParaRPr lang="en-GB" sz="600"/>
-                    </a:p>
-                  </a:txBody>
-                  <a:tcPr marL="30429" marR="30429" marT="15214" marB="15214" anchor="ctr">
-                    <a:lnL>
-                      <a:noFill/>
-                    </a:lnL>
-                    <a:lnR>
-                      <a:noFill/>
-                    </a:lnR>
-                    <a:lnT>
-                      <a:noFill/>
-                    </a:lnT>
-                    <a:lnB>
-                      <a:noFill/>
-                    </a:lnB>
-                    <a:noFill/>
-                  </a:tcPr>
-                </a:tc>
-                <a:tc>
-                  <a:txBody>
-                    <a:bodyPr/>
-                    <a:lstStyle/>
-                    <a:p>
-                      <a:pPr>
-                        <a:buNone/>
-                      </a:pPr>
-                      <a:r>
-                        <a:rPr lang="en-GB" sz="600"/>
-                        <a:t>From profile JSON</a:t>
-                      </a:r>
-                    </a:p>
-                  </a:txBody>
-                  <a:tcPr marL="30429" marR="30429" marT="15214" marB="15214" anchor="ctr">
-                    <a:lnL>
-                      <a:noFill/>
-                    </a:lnL>
-                    <a:lnR>
-                      <a:noFill/>
-                    </a:lnR>
-                    <a:lnT>
-                      <a:noFill/>
-                    </a:lnT>
-                    <a:lnB>
-                      <a:noFill/>
-                    </a:lnB>
-                    <a:noFill/>
-                  </a:tcPr>
-                </a:tc>
-                <a:extLst>
-                  <a:ext uri="{0D108BD9-81ED-4DB2-BD59-A6C34878D82A}">
-                    <a16:rowId xmlns:a16="http://schemas.microsoft.com/office/drawing/2014/main" val="3011418365"/>
-                  </a:ext>
-                </a:extLst>
-              </a:tr>
-              <a:tr h="326912">
-                <a:tc>
-                  <a:txBody>
-                    <a:bodyPr/>
-                    <a:lstStyle/>
-                    <a:p>
-                      <a:pPr>
-                        <a:buNone/>
-                      </a:pPr>
-                      <a:r>
-                        <a:rPr lang="en-GB" sz="600">
-                          <a:latin typeface="Courier New" panose="02070309020205020404" pitchFamily="49" charset="0"/>
-                        </a:rPr>
-                        <a:t>LalaLaunch.Lala.Pit.LastSavedValueSec</a:t>
-                      </a:r>
-                      <a:endParaRPr lang="en-GB" sz="600"/>
-                    </a:p>
-                  </a:txBody>
-                  <a:tcPr marL="30429" marR="30429" marT="15214" marB="15214" anchor="ctr">
-                    <a:lnL>
-                      <a:noFill/>
-                    </a:lnL>
-                    <a:lnR>
-                      <a:noFill/>
-                    </a:lnR>
-                    <a:lnT>
-                      <a:noFill/>
-                    </a:lnT>
-                    <a:lnB>
-                      <a:noFill/>
-                    </a:lnB>
-                    <a:noFill/>
-                  </a:tcPr>
-                </a:tc>
-                <a:tc>
-                  <a:txBody>
-                    <a:bodyPr/>
-                    <a:lstStyle/>
-                    <a:p>
-                      <a:pPr>
-                        <a:buNone/>
-                      </a:pPr>
-                      <a:r>
-                        <a:rPr lang="en-GB" sz="600">
-                          <a:latin typeface="Courier New" panose="02070309020205020404" pitchFamily="49" charset="0"/>
-                        </a:rPr>
-                        <a:t>LalaLaunch.Pit.LastSavedValueSec</a:t>
-                      </a:r>
-                      <a:endParaRPr lang="en-GB" sz="600"/>
-                    </a:p>
-                  </a:txBody>
-                  <a:tcPr marL="30429" marR="30429" marT="15214" marB="15214" anchor="ctr">
-                    <a:lnL>
-                      <a:noFill/>
-                    </a:lnL>
-                    <a:lnR>
-                      <a:noFill/>
-                    </a:lnR>
-                    <a:lnT>
-                      <a:noFill/>
-                    </a:lnT>
-                    <a:lnB>
-                      <a:noFill/>
-                    </a:lnB>
-                    <a:noFill/>
-                  </a:tcPr>
-                </a:tc>
-                <a:tc>
-                  <a:txBody>
-                    <a:bodyPr/>
-                    <a:lstStyle/>
-                    <a:p>
-                      <a:pPr>
-                        <a:buNone/>
-                      </a:pPr>
-                      <a:r>
-                        <a:rPr lang="en-GB" sz="600"/>
-                        <a:t>Latest persisted value</a:t>
-                      </a:r>
-                    </a:p>
-                  </a:txBody>
-                  <a:tcPr marL="30429" marR="30429" marT="15214" marB="15214" anchor="ctr">
-                    <a:lnL>
-                      <a:noFill/>
-                    </a:lnL>
-                    <a:lnR>
-                      <a:noFill/>
-                    </a:lnR>
-                    <a:lnT>
-                      <a:noFill/>
-                    </a:lnT>
-                    <a:lnB>
-                      <a:noFill/>
-                    </a:lnB>
-                    <a:noFill/>
-                  </a:tcPr>
-                </a:tc>
-                <a:extLst>
-                  <a:ext uri="{0D108BD9-81ED-4DB2-BD59-A6C34878D82A}">
-                    <a16:rowId xmlns:a16="http://schemas.microsoft.com/office/drawing/2014/main" val="367012711"/>
-                  </a:ext>
-                </a:extLst>
-              </a:tr>
-              <a:tr h="326912">
-                <a:tc>
-                  <a:txBody>
-                    <a:bodyPr/>
-                    <a:lstStyle/>
-                    <a:p>
-                      <a:pPr>
-                        <a:buNone/>
-                      </a:pPr>
-                      <a:r>
-                        <a:rPr lang="en-GB" sz="600">
-                          <a:latin typeface="Courier New" panose="02070309020205020404" pitchFamily="49" charset="0"/>
-                        </a:rPr>
-                        <a:t>LalaLaunch.Lala.Pit.LastSavedSource</a:t>
-                      </a:r>
-                      <a:endParaRPr lang="en-GB" sz="600"/>
-                    </a:p>
-                  </a:txBody>
-                  <a:tcPr marL="30429" marR="30429" marT="15214" marB="15214" anchor="ctr">
-                    <a:lnL>
-                      <a:noFill/>
-                    </a:lnL>
-                    <a:lnR>
-                      <a:noFill/>
-                    </a:lnR>
-                    <a:lnT>
-                      <a:noFill/>
-                    </a:lnT>
-                    <a:lnB>
-                      <a:noFill/>
-                    </a:lnB>
-                    <a:noFill/>
-                  </a:tcPr>
-                </a:tc>
-                <a:tc>
-                  <a:txBody>
-                    <a:bodyPr/>
-                    <a:lstStyle/>
-                    <a:p>
-                      <a:pPr>
-                        <a:buNone/>
-                      </a:pPr>
-                      <a:r>
-                        <a:rPr lang="en-GB" sz="600">
-                          <a:latin typeface="Courier New" panose="02070309020205020404" pitchFamily="49" charset="0"/>
-                        </a:rPr>
-                        <a:t>LalaLaunch.Pit.LastSavedSource</a:t>
-                      </a:r>
-                      <a:endParaRPr lang="en-GB" sz="600"/>
-                    </a:p>
-                  </a:txBody>
-                  <a:tcPr marL="30429" marR="30429" marT="15214" marB="15214" anchor="ctr">
-                    <a:lnL>
-                      <a:noFill/>
-                    </a:lnL>
-                    <a:lnR>
-                      <a:noFill/>
-                    </a:lnR>
-                    <a:lnT>
-                      <a:noFill/>
-                    </a:lnT>
-                    <a:lnB>
-                      <a:noFill/>
-                    </a:lnB>
-                    <a:noFill/>
-                  </a:tcPr>
-                </a:tc>
-                <a:tc>
-                  <a:txBody>
-                    <a:bodyPr/>
-                    <a:lstStyle/>
-                    <a:p>
-                      <a:pPr>
-                        <a:buNone/>
-                      </a:pPr>
-                      <a:r>
-                        <a:rPr lang="en-GB" sz="600">
-                          <a:latin typeface="Courier New" panose="02070309020205020404" pitchFamily="49" charset="0"/>
-                        </a:rPr>
-                        <a:t>"total"</a:t>
-                      </a:r>
-                      <a:r>
-                        <a:rPr lang="en-GB" sz="600"/>
-                        <a:t> or </a:t>
-                      </a:r>
-                      <a:r>
-                        <a:rPr lang="en-GB" sz="600">
-                          <a:latin typeface="Courier New" panose="02070309020205020404" pitchFamily="49" charset="0"/>
-                        </a:rPr>
-                        <a:t>"direct"</a:t>
-                      </a:r>
-                      <a:endParaRPr lang="en-GB" sz="600"/>
-                    </a:p>
-                  </a:txBody>
-                  <a:tcPr marL="30429" marR="30429" marT="15214" marB="15214" anchor="ctr">
-                    <a:lnL>
-                      <a:noFill/>
-                    </a:lnL>
-                    <a:lnR>
-                      <a:noFill/>
-                    </a:lnR>
-                    <a:lnT>
-                      <a:noFill/>
-                    </a:lnT>
-                    <a:lnB>
-                      <a:noFill/>
-                    </a:lnB>
-                    <a:noFill/>
-                  </a:tcPr>
-                </a:tc>
-                <a:extLst>
-                  <a:ext uri="{0D108BD9-81ED-4DB2-BD59-A6C34878D82A}">
-                    <a16:rowId xmlns:a16="http://schemas.microsoft.com/office/drawing/2014/main" val="752032359"/>
-                  </a:ext>
-                </a:extLst>
-              </a:tr>
-              <a:tr h="326912">
-                <a:tc>
-                  <a:txBody>
-                    <a:bodyPr/>
-                    <a:lstStyle/>
-                    <a:p>
-                      <a:pPr>
-                        <a:buNone/>
-                      </a:pPr>
-                      <a:r>
-                        <a:rPr lang="en-GB" sz="600">
-                          <a:latin typeface="Courier New" panose="02070309020205020404" pitchFamily="49" charset="0"/>
-                        </a:rPr>
-                        <a:t>LalaLaunch.Lala.Pit.CandidateSavedSec</a:t>
-                      </a:r>
-                      <a:endParaRPr lang="en-GB" sz="600"/>
-                    </a:p>
-                  </a:txBody>
-                  <a:tcPr marL="30429" marR="30429" marT="15214" marB="15214" anchor="ctr">
-                    <a:lnL>
-                      <a:noFill/>
-                    </a:lnL>
-                    <a:lnR>
-                      <a:noFill/>
-                    </a:lnR>
-                    <a:lnT>
-                      <a:noFill/>
-                    </a:lnT>
-                    <a:lnB>
-                      <a:noFill/>
-                    </a:lnB>
-                    <a:noFill/>
-                  </a:tcPr>
-                </a:tc>
-                <a:tc>
-                  <a:txBody>
-                    <a:bodyPr/>
-                    <a:lstStyle/>
-                    <a:p>
-                      <a:pPr>
-                        <a:buNone/>
-                      </a:pPr>
-                      <a:r>
-                        <a:rPr lang="en-GB" sz="600">
-                          <a:latin typeface="Courier New" panose="02070309020205020404" pitchFamily="49" charset="0"/>
-                        </a:rPr>
-                        <a:t>LalaLaunch.Pit.CandidateSavedSec</a:t>
-                      </a:r>
-                      <a:endParaRPr lang="en-GB" sz="600"/>
-                    </a:p>
-                  </a:txBody>
-                  <a:tcPr marL="30429" marR="30429" marT="15214" marB="15214" anchor="ctr">
-                    <a:lnL>
-                      <a:noFill/>
-                    </a:lnL>
-                    <a:lnR>
-                      <a:noFill/>
-                    </a:lnR>
-                    <a:lnT>
-                      <a:noFill/>
-                    </a:lnT>
-                    <a:lnB>
-                      <a:noFill/>
-                    </a:lnB>
-                    <a:noFill/>
-                  </a:tcPr>
-                </a:tc>
-                <a:tc>
-                  <a:txBody>
-                    <a:bodyPr/>
-                    <a:lstStyle/>
-                    <a:p>
-                      <a:pPr>
-                        <a:buNone/>
-                      </a:pPr>
-                      <a:r>
-                        <a:rPr lang="en-GB" sz="600"/>
-                        <a:t>When we introduce candidate-apply</a:t>
-                      </a:r>
-                    </a:p>
-                  </a:txBody>
-                  <a:tcPr marL="30429" marR="30429" marT="15214" marB="15214" anchor="ctr">
-                    <a:lnL>
-                      <a:noFill/>
-                    </a:lnL>
-                    <a:lnR>
-                      <a:noFill/>
-                    </a:lnR>
-                    <a:lnT>
-                      <a:noFill/>
-                    </a:lnT>
-                    <a:lnB>
-                      <a:noFill/>
-                    </a:lnB>
-                    <a:noFill/>
-                  </a:tcPr>
-                </a:tc>
-                <a:extLst>
-                  <a:ext uri="{0D108BD9-81ED-4DB2-BD59-A6C34878D82A}">
-                    <a16:rowId xmlns:a16="http://schemas.microsoft.com/office/drawing/2014/main" val="1536951079"/>
-                  </a:ext>
-                </a:extLst>
-              </a:tr>
-              <a:tr h="326912">
-                <a:tc>
-                  <a:txBody>
-                    <a:bodyPr/>
-                    <a:lstStyle/>
-                    <a:p>
-                      <a:pPr>
-                        <a:buNone/>
-                      </a:pPr>
-                      <a:r>
-                        <a:rPr lang="en-GB" sz="600">
-                          <a:latin typeface="Courier New" panose="02070309020205020404" pitchFamily="49" charset="0"/>
-                        </a:rPr>
-                        <a:t>LalaLaunch.Lala.Pit.CandidateSource</a:t>
-                      </a:r>
-                      <a:endParaRPr lang="en-GB" sz="600"/>
-                    </a:p>
-                  </a:txBody>
-                  <a:tcPr marL="30429" marR="30429" marT="15214" marB="15214" anchor="ctr">
-                    <a:lnL>
-                      <a:noFill/>
-                    </a:lnL>
-                    <a:lnR>
-                      <a:noFill/>
-                    </a:lnR>
-                    <a:lnT>
-                      <a:noFill/>
-                    </a:lnT>
-                    <a:lnB>
-                      <a:noFill/>
-                    </a:lnB>
-                    <a:noFill/>
-                  </a:tcPr>
-                </a:tc>
-                <a:tc>
-                  <a:txBody>
-                    <a:bodyPr/>
-                    <a:lstStyle/>
-                    <a:p>
-                      <a:pPr>
-                        <a:buNone/>
-                      </a:pPr>
-                      <a:r>
-                        <a:rPr lang="en-GB" sz="600">
-                          <a:latin typeface="Courier New" panose="02070309020205020404" pitchFamily="49" charset="0"/>
-                        </a:rPr>
-                        <a:t>LalaLaunch.Pit.CandidateSource</a:t>
-                      </a:r>
-                      <a:endParaRPr lang="en-GB" sz="600"/>
-                    </a:p>
-                  </a:txBody>
-                  <a:tcPr marL="30429" marR="30429" marT="15214" marB="15214" anchor="ctr">
-                    <a:lnL>
-                      <a:noFill/>
-                    </a:lnL>
-                    <a:lnR>
-                      <a:noFill/>
-                    </a:lnR>
-                    <a:lnT>
-                      <a:noFill/>
-                    </a:lnT>
-                    <a:lnB>
-                      <a:noFill/>
-                    </a:lnB>
-                    <a:noFill/>
-                  </a:tcPr>
-                </a:tc>
-                <a:tc>
-                  <a:txBody>
-                    <a:bodyPr/>
-                    <a:lstStyle/>
-                    <a:p>
-                      <a:pPr>
-                        <a:buNone/>
-                      </a:pPr>
-                      <a:r>
-                        <a:rPr lang="en-GB" sz="600"/>
-                        <a:t>〃</a:t>
-                      </a:r>
-                    </a:p>
-                  </a:txBody>
-                  <a:tcPr marL="30429" marR="30429" marT="15214" marB="15214" anchor="ctr">
-                    <a:lnL>
-                      <a:noFill/>
-                    </a:lnL>
-                    <a:lnR>
-                      <a:noFill/>
-                    </a:lnR>
-                    <a:lnT>
-                      <a:noFill/>
-                    </a:lnT>
-                    <a:lnB>
-                      <a:noFill/>
-                    </a:lnB>
-                    <a:noFill/>
-                  </a:tcPr>
-                </a:tc>
-                <a:extLst>
-                  <a:ext uri="{0D108BD9-81ED-4DB2-BD59-A6C34878D82A}">
-                    <a16:rowId xmlns:a16="http://schemas.microsoft.com/office/drawing/2014/main" val="2137224240"/>
-                  </a:ext>
-                </a:extLst>
-              </a:tr>
-              <a:tr h="326912">
-                <a:tc>
-                  <a:txBody>
-                    <a:bodyPr/>
-                    <a:lstStyle/>
-                    <a:p>
-                      <a:pPr>
-                        <a:buNone/>
-                      </a:pPr>
-                      <a:r>
-                        <a:rPr lang="en-GB" sz="600">
-                          <a:latin typeface="Courier New" panose="02070309020205020404" pitchFamily="49" charset="0"/>
-                        </a:rPr>
-                        <a:t>LalaLaunch.Lala.Pit.FormulaTopSec</a:t>
-                      </a:r>
-                      <a:endParaRPr lang="en-GB" sz="600"/>
-                    </a:p>
-                  </a:txBody>
-                  <a:tcPr marL="30429" marR="30429" marT="15214" marB="15214" anchor="ctr">
-                    <a:lnL>
-                      <a:noFill/>
-                    </a:lnL>
-                    <a:lnR>
-                      <a:noFill/>
-                    </a:lnR>
-                    <a:lnT>
-                      <a:noFill/>
-                    </a:lnT>
-                    <a:lnB>
-                      <a:noFill/>
-                    </a:lnB>
-                    <a:noFill/>
-                  </a:tcPr>
-                </a:tc>
-                <a:tc>
-                  <a:txBody>
-                    <a:bodyPr/>
-                    <a:lstStyle/>
-                    <a:p>
-                      <a:pPr>
-                        <a:buNone/>
-                      </a:pPr>
-                      <a:r>
-                        <a:rPr lang="en-GB" sz="600">
-                          <a:latin typeface="Courier New" panose="02070309020205020404" pitchFamily="49" charset="0"/>
-                        </a:rPr>
-                        <a:t>LalaLaunch.Pit.FormulaTopSec</a:t>
-                      </a:r>
-                      <a:endParaRPr lang="en-GB" sz="600"/>
-                    </a:p>
-                  </a:txBody>
-                  <a:tcPr marL="30429" marR="30429" marT="15214" marB="15214" anchor="ctr">
-                    <a:lnL>
-                      <a:noFill/>
-                    </a:lnL>
-                    <a:lnR>
-                      <a:noFill/>
-                    </a:lnR>
-                    <a:lnT>
-                      <a:noFill/>
-                    </a:lnT>
-                    <a:lnB>
-                      <a:noFill/>
-                    </a:lnB>
-                    <a:noFill/>
-                  </a:tcPr>
-                </a:tc>
-                <a:tc>
-                  <a:txBody>
-                    <a:bodyPr/>
-                    <a:lstStyle/>
-                    <a:p>
-                      <a:pPr>
-                        <a:buNone/>
-                      </a:pPr>
-                      <a:r>
-                        <a:rPr lang="en-GB" sz="600"/>
-                        <a:t>PitLap − Stop + OutLap</a:t>
-                      </a:r>
-                    </a:p>
-                  </a:txBody>
-                  <a:tcPr marL="30429" marR="30429" marT="15214" marB="15214" anchor="ctr">
-                    <a:lnL>
-                      <a:noFill/>
-                    </a:lnL>
-                    <a:lnR>
-                      <a:noFill/>
-                    </a:lnR>
-                    <a:lnT>
-                      <a:noFill/>
-                    </a:lnT>
-                    <a:lnB>
-                      <a:noFill/>
-                    </a:lnB>
-                    <a:noFill/>
-                  </a:tcPr>
-                </a:tc>
-                <a:extLst>
-                  <a:ext uri="{0D108BD9-81ED-4DB2-BD59-A6C34878D82A}">
-                    <a16:rowId xmlns:a16="http://schemas.microsoft.com/office/drawing/2014/main" val="2214205159"/>
-                  </a:ext>
-                </a:extLst>
-              </a:tr>
-              <a:tr h="326912">
-                <a:tc>
-                  <a:txBody>
-                    <a:bodyPr/>
-                    <a:lstStyle/>
-                    <a:p>
-                      <a:pPr>
-                        <a:buNone/>
-                      </a:pPr>
-                      <a:r>
-                        <a:rPr lang="en-GB" sz="600">
-                          <a:latin typeface="Courier New" panose="02070309020205020404" pitchFamily="49" charset="0"/>
-                        </a:rPr>
-                        <a:t>LalaLaunch.Lala.Pit.Phase</a:t>
-                      </a:r>
-                      <a:endParaRPr lang="en-GB" sz="600"/>
-                    </a:p>
-                  </a:txBody>
-                  <a:tcPr marL="30429" marR="30429" marT="15214" marB="15214" anchor="ctr">
-                    <a:lnL>
-                      <a:noFill/>
-                    </a:lnL>
-                    <a:lnR>
-                      <a:noFill/>
-                    </a:lnR>
-                    <a:lnT>
-                      <a:noFill/>
-                    </a:lnT>
-                    <a:lnB>
-                      <a:noFill/>
-                    </a:lnB>
-                    <a:noFill/>
-                  </a:tcPr>
-                </a:tc>
-                <a:tc>
-                  <a:txBody>
-                    <a:bodyPr/>
-                    <a:lstStyle/>
-                    <a:p>
-                      <a:pPr>
-                        <a:buNone/>
-                      </a:pPr>
-                      <a:r>
-                        <a:rPr lang="en-GB" sz="600">
-                          <a:latin typeface="Courier New" panose="02070309020205020404" pitchFamily="49" charset="0"/>
-                        </a:rPr>
-                        <a:t>LalaLaunch.Pit.Phase</a:t>
-                      </a:r>
-                      <a:endParaRPr lang="en-GB" sz="600"/>
-                    </a:p>
-                  </a:txBody>
-                  <a:tcPr marL="30429" marR="30429" marT="15214" marB="15214" anchor="ctr">
-                    <a:lnL>
-                      <a:noFill/>
-                    </a:lnL>
-                    <a:lnR>
-                      <a:noFill/>
-                    </a:lnR>
-                    <a:lnT>
-                      <a:noFill/>
-                    </a:lnT>
-                    <a:lnB>
-                      <a:noFill/>
-                    </a:lnB>
-                    <a:noFill/>
-                  </a:tcPr>
-                </a:tc>
-                <a:tc>
-                  <a:txBody>
-                    <a:bodyPr/>
-                    <a:lstStyle/>
-                    <a:p>
-                      <a:pPr>
-                        <a:buNone/>
-                      </a:pPr>
-                      <a:r>
-                        <a:rPr lang="en-GB" sz="600"/>
-                        <a:t>`idle</a:t>
-                      </a:r>
-                    </a:p>
-                  </a:txBody>
-                  <a:tcPr marL="30429" marR="30429" marT="15214" marB="15214" anchor="ctr">
-                    <a:lnL>
-                      <a:noFill/>
-                    </a:lnL>
-                    <a:lnR>
-                      <a:noFill/>
-                    </a:lnR>
-                    <a:lnT>
-                      <a:noFill/>
-                    </a:lnT>
-                    <a:lnB>
-                      <a:noFill/>
-                    </a:lnB>
-                    <a:noFill/>
-                  </a:tcPr>
-                </a:tc>
-                <a:extLst>
-                  <a:ext uri="{0D108BD9-81ED-4DB2-BD59-A6C34878D82A}">
-                    <a16:rowId xmlns:a16="http://schemas.microsoft.com/office/drawing/2014/main" val="2496340092"/>
-                  </a:ext>
-                </a:extLst>
-              </a:tr>
-              <a:tr h="326912">
-                <a:tc>
-                  <a:txBody>
-                    <a:bodyPr/>
-                    <a:lstStyle/>
-                    <a:p>
-                      <a:pPr>
-                        <a:buNone/>
-                      </a:pPr>
-                      <a:r>
-                        <a:rPr lang="en-GB" sz="600">
-                          <a:latin typeface="Courier New" panose="02070309020205020404" pitchFamily="49" charset="0"/>
-                        </a:rPr>
-                        <a:t>LalaLaunch.Lala.Pit.PanelVisible</a:t>
-                      </a:r>
-                      <a:endParaRPr lang="en-GB" sz="600"/>
-                    </a:p>
-                  </a:txBody>
-                  <a:tcPr marL="30429" marR="30429" marT="15214" marB="15214" anchor="ctr">
-                    <a:lnL>
-                      <a:noFill/>
-                    </a:lnL>
-                    <a:lnR>
-                      <a:noFill/>
-                    </a:lnR>
-                    <a:lnT>
-                      <a:noFill/>
-                    </a:lnT>
-                    <a:lnB>
-                      <a:noFill/>
-                    </a:lnB>
-                    <a:noFill/>
-                  </a:tcPr>
-                </a:tc>
-                <a:tc>
-                  <a:txBody>
-                    <a:bodyPr/>
-                    <a:lstStyle/>
-                    <a:p>
-                      <a:pPr>
-                        <a:buNone/>
-                      </a:pPr>
-                      <a:r>
-                        <a:rPr lang="en-GB" sz="600">
-                          <a:latin typeface="Courier New" panose="02070309020205020404" pitchFamily="49" charset="0"/>
-                        </a:rPr>
-                        <a:t>LalaLaunch.Pit.PanelVisible</a:t>
-                      </a:r>
-                      <a:endParaRPr lang="en-GB" sz="600"/>
-                    </a:p>
-                  </a:txBody>
-                  <a:tcPr marL="30429" marR="30429" marT="15214" marB="15214" anchor="ctr">
-                    <a:lnL>
-                      <a:noFill/>
-                    </a:lnL>
-                    <a:lnR>
-                      <a:noFill/>
-                    </a:lnR>
-                    <a:lnT>
-                      <a:noFill/>
-                    </a:lnT>
-                    <a:lnB>
-                      <a:noFill/>
-                    </a:lnB>
-                    <a:noFill/>
-                  </a:tcPr>
-                </a:tc>
-                <a:tc>
-                  <a:txBody>
-                    <a:bodyPr/>
-                    <a:lstStyle/>
-                    <a:p>
-                      <a:pPr>
-                        <a:buNone/>
-                      </a:pPr>
-                      <a:r>
-                        <a:rPr lang="en-US" sz="600"/>
-                        <a:t>Optional; you said not needed</a:t>
-                      </a:r>
-                    </a:p>
-                  </a:txBody>
-                  <a:tcPr marL="30429" marR="30429" marT="15214" marB="15214" anchor="ctr">
-                    <a:lnL>
-                      <a:noFill/>
-                    </a:lnL>
-                    <a:lnR>
-                      <a:noFill/>
-                    </a:lnR>
-                    <a:lnT>
-                      <a:noFill/>
-                    </a:lnT>
-                    <a:lnB>
-                      <a:noFill/>
-                    </a:lnB>
-                    <a:noFill/>
-                  </a:tcPr>
-                </a:tc>
-                <a:extLst>
-                  <a:ext uri="{0D108BD9-81ED-4DB2-BD59-A6C34878D82A}">
-                    <a16:rowId xmlns:a16="http://schemas.microsoft.com/office/drawing/2014/main" val="583261734"/>
-                  </a:ext>
-                </a:extLst>
-              </a:tr>
-              <a:tr h="467053">
-                <a:tc>
-                  <a:txBody>
-                    <a:bodyPr/>
-                    <a:lstStyle/>
-                    <a:p>
-                      <a:pPr>
-                        <a:buNone/>
-                      </a:pPr>
-                      <a:r>
-                        <a:rPr lang="en-GB" sz="600">
-                          <a:latin typeface="Courier New" panose="02070309020205020404" pitchFamily="49" charset="0"/>
-                        </a:rPr>
-                        <a:t>LalaLaunch.Lala.Pit.NetMinusStopSec</a:t>
-                      </a:r>
-                      <a:endParaRPr lang="en-GB" sz="600"/>
-                    </a:p>
-                  </a:txBody>
-                  <a:tcPr marL="30429" marR="30429" marT="15214" marB="15214" anchor="ctr">
-                    <a:lnL>
-                      <a:noFill/>
-                    </a:lnL>
-                    <a:lnR>
-                      <a:noFill/>
-                    </a:lnR>
-                    <a:lnT>
-                      <a:noFill/>
-                    </a:lnT>
-                    <a:lnB>
-                      <a:noFill/>
-                    </a:lnB>
-                    <a:noFill/>
-                  </a:tcPr>
-                </a:tc>
-                <a:tc>
-                  <a:txBody>
-                    <a:bodyPr/>
-                    <a:lstStyle/>
-                    <a:p>
-                      <a:pPr>
-                        <a:buNone/>
-                      </a:pPr>
-                      <a:r>
-                        <a:rPr lang="en-GB" sz="600" b="1"/>
-                        <a:t>Deprecated</a:t>
-                      </a:r>
-                      <a:r>
-                        <a:rPr lang="en-GB" sz="600"/>
-                        <a:t> → use </a:t>
-                      </a:r>
-                      <a:r>
-                        <a:rPr lang="en-GB" sz="600">
-                          <a:latin typeface="Courier New" panose="02070309020205020404" pitchFamily="49" charset="0"/>
-                        </a:rPr>
-                        <a:t>LalaLaunch.Pit.ServiceStopLossSec</a:t>
-                      </a:r>
-                      <a:endParaRPr lang="en-GB" sz="600"/>
-                    </a:p>
-                  </a:txBody>
-                  <a:tcPr marL="30429" marR="30429" marT="15214" marB="15214" anchor="ctr">
-                    <a:lnL>
-                      <a:noFill/>
-                    </a:lnL>
-                    <a:lnR>
-                      <a:noFill/>
-                    </a:lnR>
-                    <a:lnT>
-                      <a:noFill/>
-                    </a:lnT>
-                    <a:lnB>
-                      <a:noFill/>
-                    </a:lnB>
-                    <a:noFill/>
-                  </a:tcPr>
-                </a:tc>
-                <a:tc>
-                  <a:txBody>
-                    <a:bodyPr/>
-                    <a:lstStyle/>
-                    <a:p>
-                      <a:pPr>
-                        <a:buNone/>
-                      </a:pPr>
-                      <a:r>
-                        <a:rPr lang="en-GB" sz="600" dirty="0"/>
-                        <a:t>We removed this</a:t>
-                      </a:r>
-                    </a:p>
-                  </a:txBody>
-                  <a:tcPr marL="30429" marR="30429" marT="15214" marB="15214" anchor="ctr">
-                    <a:lnL>
-                      <a:noFill/>
-                    </a:lnL>
-                    <a:lnR>
-                      <a:noFill/>
-                    </a:lnR>
-                    <a:lnT>
-                      <a:noFill/>
-                    </a:lnT>
-                    <a:lnB>
-                      <a:noFill/>
-                    </a:lnB>
-                    <a:noFill/>
-                  </a:tcPr>
-                </a:tc>
-                <a:extLst>
-                  <a:ext uri="{0D108BD9-81ED-4DB2-BD59-A6C34878D82A}">
-                    <a16:rowId xmlns:a16="http://schemas.microsoft.com/office/drawing/2014/main" val="3124743659"/>
-                  </a:ext>
-                </a:extLst>
-              </a:tr>
-            </a:tbl>
-          </a:graphicData>
-        </a:graphic>
-      </p:graphicFrame>
-    </p:spTree>
-    <p:extLst>
-      <p:ext uri="{BB962C8B-B14F-4D97-AF65-F5344CB8AC3E}">
-        <p14:creationId xmlns:p14="http://schemas.microsoft.com/office/powerpoint/2010/main" val="3309312321"/>
-      </p:ext>
-    </p:extLst>
-  </p:cSld>
-  <p:clrMapOvr>
-    <a:masterClrMapping/>
-  </p:clrMapOvr>
-</p:sld>
-</file>
-
-<file path=ppt/slides/slide26.xml><?xml version="1.0" encoding="utf-8"?>
-<p:sld xmlns:a="http://schemas.openxmlformats.org/drawingml/2006/main" xmlns:r="http://schemas.openxmlformats.org/officeDocument/2006/relationships" xmlns:p="http://schemas.openxmlformats.org/presentationml/2006/main">
-  <p:cSld>
-    <p:spTree>
-      <p:nvGrpSpPr>
-        <p:cNvPr id="1" name="">
-          <a:extLst>
-            <a:ext uri="{FF2B5EF4-FFF2-40B4-BE49-F238E27FC236}">
-              <a16:creationId xmlns:a16="http://schemas.microsoft.com/office/drawing/2014/main" id="{272F221C-1FED-A921-993F-77037A53DBC6}"/>
+              <a16:creationId xmlns:a16="http://schemas.microsoft.com/office/drawing/2014/main" id="{06182B63-1066-4A2B-CA65-590CCEAEC9DF}"/>
             </a:ext>
           </a:extLst>
         </p:cNvPr>
@@ -7577,115 +4496,7 @@
     </p:spTree>
     <p:extLst>
       <p:ext uri="{BB962C8B-B14F-4D97-AF65-F5344CB8AC3E}">
-        <p14:creationId xmlns:p14="http://schemas.microsoft.com/office/powerpoint/2010/main" val="3636825823"/>
-      </p:ext>
-    </p:extLst>
-  </p:cSld>
-  <p:clrMapOvr>
-    <a:masterClrMapping/>
-  </p:clrMapOvr>
-</p:sld>
-</file>
-
-<file path=ppt/slides/slide27.xml><?xml version="1.0" encoding="utf-8"?>
-<p:sld xmlns:a="http://schemas.openxmlformats.org/drawingml/2006/main" xmlns:r="http://schemas.openxmlformats.org/officeDocument/2006/relationships" xmlns:p="http://schemas.openxmlformats.org/presentationml/2006/main">
-  <p:cSld>
-    <p:spTree>
-      <p:nvGrpSpPr>
-        <p:cNvPr id="1" name="">
-          <a:extLst>
-            <a:ext uri="{FF2B5EF4-FFF2-40B4-BE49-F238E27FC236}">
-              <a16:creationId xmlns:a16="http://schemas.microsoft.com/office/drawing/2014/main" id="{01E5B63E-D1E7-6FB0-DFF0-3100975F2BFE}"/>
-            </a:ext>
-          </a:extLst>
-        </p:cNvPr>
-        <p:cNvGrpSpPr/>
-        <p:nvPr/>
-      </p:nvGrpSpPr>
-      <p:grpSpPr>
-        <a:xfrm>
-          <a:off x="0" y="0"/>
-          <a:ext cx="0" cy="0"/>
-          <a:chOff x="0" y="0"/>
-          <a:chExt cx="0" cy="0"/>
-        </a:xfrm>
-      </p:grpSpPr>
-    </p:spTree>
-    <p:extLst>
-      <p:ext uri="{BB962C8B-B14F-4D97-AF65-F5344CB8AC3E}">
-        <p14:creationId xmlns:p14="http://schemas.microsoft.com/office/powerpoint/2010/main" val="1765660521"/>
-      </p:ext>
-    </p:extLst>
-  </p:cSld>
-  <p:clrMapOvr>
-    <a:masterClrMapping/>
-  </p:clrMapOvr>
-</p:sld>
-</file>
-
-<file path=ppt/slides/slide28.xml><?xml version="1.0" encoding="utf-8"?>
-<p:sld xmlns:a="http://schemas.openxmlformats.org/drawingml/2006/main" xmlns:r="http://schemas.openxmlformats.org/officeDocument/2006/relationships" xmlns:p="http://schemas.openxmlformats.org/presentationml/2006/main">
-  <p:cSld>
-    <p:spTree>
-      <p:nvGrpSpPr>
-        <p:cNvPr id="1" name="">
-          <a:extLst>
-            <a:ext uri="{FF2B5EF4-FFF2-40B4-BE49-F238E27FC236}">
-              <a16:creationId xmlns:a16="http://schemas.microsoft.com/office/drawing/2014/main" id="{1247725F-C6B9-8228-27E7-D5BAF4EA99C4}"/>
-            </a:ext>
-          </a:extLst>
-        </p:cNvPr>
-        <p:cNvGrpSpPr/>
-        <p:nvPr/>
-      </p:nvGrpSpPr>
-      <p:grpSpPr>
-        <a:xfrm>
-          <a:off x="0" y="0"/>
-          <a:ext cx="0" cy="0"/>
-          <a:chOff x="0" y="0"/>
-          <a:chExt cx="0" cy="0"/>
-        </a:xfrm>
-      </p:grpSpPr>
-    </p:spTree>
-    <p:extLst>
-      <p:ext uri="{BB962C8B-B14F-4D97-AF65-F5344CB8AC3E}">
-        <p14:creationId xmlns:p14="http://schemas.microsoft.com/office/powerpoint/2010/main" val="2506171242"/>
-      </p:ext>
-    </p:extLst>
-  </p:cSld>
-  <p:clrMapOvr>
-    <a:masterClrMapping/>
-  </p:clrMapOvr>
-</p:sld>
-</file>
-
-<file path=ppt/slides/slide29.xml><?xml version="1.0" encoding="utf-8"?>
-<p:sld xmlns:a="http://schemas.openxmlformats.org/drawingml/2006/main" xmlns:r="http://schemas.openxmlformats.org/officeDocument/2006/relationships" xmlns:p="http://schemas.openxmlformats.org/presentationml/2006/main">
-  <p:cSld>
-    <p:spTree>
-      <p:nvGrpSpPr>
-        <p:cNvPr id="1" name="">
-          <a:extLst>
-            <a:ext uri="{FF2B5EF4-FFF2-40B4-BE49-F238E27FC236}">
-              <a16:creationId xmlns:a16="http://schemas.microsoft.com/office/drawing/2014/main" id="{0E8FCC62-FBCC-DD0A-CB40-7E49FADA31FC}"/>
-            </a:ext>
-          </a:extLst>
-        </p:cNvPr>
-        <p:cNvGrpSpPr/>
-        <p:nvPr/>
-      </p:nvGrpSpPr>
-      <p:grpSpPr>
-        <a:xfrm>
-          <a:off x="0" y="0"/>
-          <a:ext cx="0" cy="0"/>
-          <a:chOff x="0" y="0"/>
-          <a:chExt cx="0" cy="0"/>
-        </a:xfrm>
-      </p:grpSpPr>
-    </p:spTree>
-    <p:extLst>
-      <p:ext uri="{BB962C8B-B14F-4D97-AF65-F5344CB8AC3E}">
-        <p14:creationId xmlns:p14="http://schemas.microsoft.com/office/powerpoint/2010/main" val="2183014921"/>
+        <p14:creationId xmlns:p14="http://schemas.microsoft.com/office/powerpoint/2010/main" val="1087879137"/>
       </p:ext>
     </p:extLst>
   </p:cSld>
@@ -7752,78 +4563,6 @@
     <p:extLst>
       <p:ext uri="{BB962C8B-B14F-4D97-AF65-F5344CB8AC3E}">
         <p14:creationId xmlns:p14="http://schemas.microsoft.com/office/powerpoint/2010/main" val="277392067"/>
-      </p:ext>
-    </p:extLst>
-  </p:cSld>
-  <p:clrMapOvr>
-    <a:masterClrMapping/>
-  </p:clrMapOvr>
-</p:sld>
-</file>
-
-<file path=ppt/slides/slide30.xml><?xml version="1.0" encoding="utf-8"?>
-<p:sld xmlns:a="http://schemas.openxmlformats.org/drawingml/2006/main" xmlns:r="http://schemas.openxmlformats.org/officeDocument/2006/relationships" xmlns:p="http://schemas.openxmlformats.org/presentationml/2006/main">
-  <p:cSld>
-    <p:spTree>
-      <p:nvGrpSpPr>
-        <p:cNvPr id="1" name="">
-          <a:extLst>
-            <a:ext uri="{FF2B5EF4-FFF2-40B4-BE49-F238E27FC236}">
-              <a16:creationId xmlns:a16="http://schemas.microsoft.com/office/drawing/2014/main" id="{28E6C2EB-4AFF-4343-8AF7-CDF83BE386C7}"/>
-            </a:ext>
-          </a:extLst>
-        </p:cNvPr>
-        <p:cNvGrpSpPr/>
-        <p:nvPr/>
-      </p:nvGrpSpPr>
-      <p:grpSpPr>
-        <a:xfrm>
-          <a:off x="0" y="0"/>
-          <a:ext cx="0" cy="0"/>
-          <a:chOff x="0" y="0"/>
-          <a:chExt cx="0" cy="0"/>
-        </a:xfrm>
-      </p:grpSpPr>
-    </p:spTree>
-    <p:extLst>
-      <p:ext uri="{BB962C8B-B14F-4D97-AF65-F5344CB8AC3E}">
-        <p14:creationId xmlns:p14="http://schemas.microsoft.com/office/powerpoint/2010/main" val="1654607364"/>
-      </p:ext>
-    </p:extLst>
-  </p:cSld>
-  <p:clrMapOvr>
-    <a:masterClrMapping/>
-  </p:clrMapOvr>
-</p:sld>
-</file>
-
-<file path=ppt/slides/slide31.xml><?xml version="1.0" encoding="utf-8"?>
-<p:sld xmlns:a="http://schemas.openxmlformats.org/drawingml/2006/main" xmlns:r="http://schemas.openxmlformats.org/officeDocument/2006/relationships" xmlns:p="http://schemas.openxmlformats.org/presentationml/2006/main">
-  <p:cSld>
-    <p:spTree>
-      <p:nvGrpSpPr>
-        <p:cNvPr id="1" name="">
-          <a:extLst>
-            <a:ext uri="{FF2B5EF4-FFF2-40B4-BE49-F238E27FC236}">
-              <a16:creationId xmlns:a16="http://schemas.microsoft.com/office/drawing/2014/main" id="{06182B63-1066-4A2B-CA65-590CCEAEC9DF}"/>
-            </a:ext>
-          </a:extLst>
-        </p:cNvPr>
-        <p:cNvGrpSpPr/>
-        <p:nvPr/>
-      </p:nvGrpSpPr>
-      <p:grpSpPr>
-        <a:xfrm>
-          <a:off x="0" y="0"/>
-          <a:ext cx="0" cy="0"/>
-          <a:chOff x="0" y="0"/>
-          <a:chExt cx="0" cy="0"/>
-        </a:xfrm>
-      </p:grpSpPr>
-    </p:spTree>
-    <p:extLst>
-      <p:ext uri="{BB962C8B-B14F-4D97-AF65-F5344CB8AC3E}">
-        <p14:creationId xmlns:p14="http://schemas.microsoft.com/office/powerpoint/2010/main" val="1087879137"/>
       </p:ext>
     </p:extLst>
   </p:cSld>

--- a/Docs/UI Work.pptx
+++ b/Docs/UI Work.pptx
@@ -675,7 +675,7 @@
           <a:p>
             <a:fld id="{55FA135A-769C-438D-9AC0-5CFB87EA78F4}" type="datetimeFigureOut">
               <a:rPr lang="en-GB" smtClean="0"/>
-              <a:t>26/11/2025</a:t>
+              <a:t>28/11/2025</a:t>
             </a:fld>
             <a:endParaRPr lang="en-GB"/>
           </a:p>
@@ -875,7 +875,7 @@
           <a:p>
             <a:fld id="{55FA135A-769C-438D-9AC0-5CFB87EA78F4}" type="datetimeFigureOut">
               <a:rPr lang="en-GB" smtClean="0"/>
-              <a:t>26/11/2025</a:t>
+              <a:t>28/11/2025</a:t>
             </a:fld>
             <a:endParaRPr lang="en-GB"/>
           </a:p>
@@ -1085,7 +1085,7 @@
           <a:p>
             <a:fld id="{55FA135A-769C-438D-9AC0-5CFB87EA78F4}" type="datetimeFigureOut">
               <a:rPr lang="en-GB" smtClean="0"/>
-              <a:t>26/11/2025</a:t>
+              <a:t>28/11/2025</a:t>
             </a:fld>
             <a:endParaRPr lang="en-GB"/>
           </a:p>
@@ -1285,7 +1285,7 @@
           <a:p>
             <a:fld id="{55FA135A-769C-438D-9AC0-5CFB87EA78F4}" type="datetimeFigureOut">
               <a:rPr lang="en-GB" smtClean="0"/>
-              <a:t>26/11/2025</a:t>
+              <a:t>28/11/2025</a:t>
             </a:fld>
             <a:endParaRPr lang="en-GB"/>
           </a:p>
@@ -1561,7 +1561,7 @@
           <a:p>
             <a:fld id="{55FA135A-769C-438D-9AC0-5CFB87EA78F4}" type="datetimeFigureOut">
               <a:rPr lang="en-GB" smtClean="0"/>
-              <a:t>26/11/2025</a:t>
+              <a:t>28/11/2025</a:t>
             </a:fld>
             <a:endParaRPr lang="en-GB"/>
           </a:p>
@@ -1829,7 +1829,7 @@
           <a:p>
             <a:fld id="{55FA135A-769C-438D-9AC0-5CFB87EA78F4}" type="datetimeFigureOut">
               <a:rPr lang="en-GB" smtClean="0"/>
-              <a:t>26/11/2025</a:t>
+              <a:t>28/11/2025</a:t>
             </a:fld>
             <a:endParaRPr lang="en-GB"/>
           </a:p>
@@ -2244,7 +2244,7 @@
           <a:p>
             <a:fld id="{55FA135A-769C-438D-9AC0-5CFB87EA78F4}" type="datetimeFigureOut">
               <a:rPr lang="en-GB" smtClean="0"/>
-              <a:t>26/11/2025</a:t>
+              <a:t>28/11/2025</a:t>
             </a:fld>
             <a:endParaRPr lang="en-GB"/>
           </a:p>
@@ -2386,7 +2386,7 @@
           <a:p>
             <a:fld id="{55FA135A-769C-438D-9AC0-5CFB87EA78F4}" type="datetimeFigureOut">
               <a:rPr lang="en-GB" smtClean="0"/>
-              <a:t>26/11/2025</a:t>
+              <a:t>28/11/2025</a:t>
             </a:fld>
             <a:endParaRPr lang="en-GB"/>
           </a:p>
@@ -2499,7 +2499,7 @@
           <a:p>
             <a:fld id="{55FA135A-769C-438D-9AC0-5CFB87EA78F4}" type="datetimeFigureOut">
               <a:rPr lang="en-GB" smtClean="0"/>
-              <a:t>26/11/2025</a:t>
+              <a:t>28/11/2025</a:t>
             </a:fld>
             <a:endParaRPr lang="en-GB"/>
           </a:p>
@@ -2812,7 +2812,7 @@
           <a:p>
             <a:fld id="{55FA135A-769C-438D-9AC0-5CFB87EA78F4}" type="datetimeFigureOut">
               <a:rPr lang="en-GB" smtClean="0"/>
-              <a:t>26/11/2025</a:t>
+              <a:t>28/11/2025</a:t>
             </a:fld>
             <a:endParaRPr lang="en-GB"/>
           </a:p>
@@ -3101,7 +3101,7 @@
           <a:p>
             <a:fld id="{55FA135A-769C-438D-9AC0-5CFB87EA78F4}" type="datetimeFigureOut">
               <a:rPr lang="en-GB" smtClean="0"/>
-              <a:t>26/11/2025</a:t>
+              <a:t>28/11/2025</a:t>
             </a:fld>
             <a:endParaRPr lang="en-GB"/>
           </a:p>
@@ -3344,7 +3344,7 @@
           <a:p>
             <a:fld id="{55FA135A-769C-438D-9AC0-5CFB87EA78F4}" type="datetimeFigureOut">
               <a:rPr lang="en-GB" smtClean="0"/>
-              <a:t>26/11/2025</a:t>
+              <a:t>28/11/2025</a:t>
             </a:fld>
             <a:endParaRPr lang="en-GB"/>
           </a:p>
@@ -4361,6 +4361,1120 @@
           <a:chExt cx="0" cy="0"/>
         </a:xfrm>
       </p:grpSpPr>
+      <p:pic>
+        <p:nvPicPr>
+          <p:cNvPr id="3" name="Picture 2" descr="A screenshot of a computer&#10;&#10;AI-generated content may be incorrect.">
+            <a:extLst>
+              <a:ext uri="{FF2B5EF4-FFF2-40B4-BE49-F238E27FC236}">
+                <a16:creationId xmlns:a16="http://schemas.microsoft.com/office/drawing/2014/main" id="{5C31EA3C-1F12-E417-79F2-F22553CB4A79}"/>
+              </a:ext>
+            </a:extLst>
+          </p:cNvPr>
+          <p:cNvPicPr>
+            <a:picLocks noChangeAspect="1"/>
+          </p:cNvPicPr>
+          <p:nvPr/>
+        </p:nvPicPr>
+        <p:blipFill>
+          <a:blip r:embed="rId2"/>
+          <a:stretch>
+            <a:fillRect/>
+          </a:stretch>
+        </p:blipFill>
+        <p:spPr>
+          <a:xfrm>
+            <a:off x="0" y="178420"/>
+            <a:ext cx="5864084" cy="5077838"/>
+          </a:xfrm>
+          <a:prstGeom prst="rect">
+            <a:avLst/>
+          </a:prstGeom>
+        </p:spPr>
+      </p:pic>
+      <p:pic>
+        <p:nvPicPr>
+          <p:cNvPr id="24" name="Picture 23">
+            <a:extLst>
+              <a:ext uri="{FF2B5EF4-FFF2-40B4-BE49-F238E27FC236}">
+                <a16:creationId xmlns:a16="http://schemas.microsoft.com/office/drawing/2014/main" id="{0CE6DCA7-FF08-A62E-053A-AE56D7ECDD0B}"/>
+              </a:ext>
+            </a:extLst>
+          </p:cNvPr>
+          <p:cNvPicPr>
+            <a:picLocks noChangeAspect="1"/>
+          </p:cNvPicPr>
+          <p:nvPr/>
+        </p:nvPicPr>
+        <p:blipFill>
+          <a:blip r:embed="rId3"/>
+          <a:stretch>
+            <a:fillRect/>
+          </a:stretch>
+        </p:blipFill>
+        <p:spPr>
+          <a:xfrm>
+            <a:off x="7491248" y="1478166"/>
+            <a:ext cx="815250" cy="279095"/>
+          </a:xfrm>
+          <a:prstGeom prst="rect">
+            <a:avLst/>
+          </a:prstGeom>
+        </p:spPr>
+      </p:pic>
+      <p:pic>
+        <p:nvPicPr>
+          <p:cNvPr id="25" name="Picture 24">
+            <a:extLst>
+              <a:ext uri="{FF2B5EF4-FFF2-40B4-BE49-F238E27FC236}">
+                <a16:creationId xmlns:a16="http://schemas.microsoft.com/office/drawing/2014/main" id="{946485BC-2A3C-5CCB-453B-B76138D286BE}"/>
+              </a:ext>
+            </a:extLst>
+          </p:cNvPr>
+          <p:cNvPicPr>
+            <a:picLocks noChangeAspect="1"/>
+          </p:cNvPicPr>
+          <p:nvPr/>
+        </p:nvPicPr>
+        <p:blipFill>
+          <a:blip r:embed="rId3"/>
+          <a:stretch>
+            <a:fillRect/>
+          </a:stretch>
+        </p:blipFill>
+        <p:spPr>
+          <a:xfrm>
+            <a:off x="7491248" y="1734065"/>
+            <a:ext cx="815250" cy="279095"/>
+          </a:xfrm>
+          <a:prstGeom prst="rect">
+            <a:avLst/>
+          </a:prstGeom>
+        </p:spPr>
+      </p:pic>
+      <p:pic>
+        <p:nvPicPr>
+          <p:cNvPr id="26" name="Picture 25">
+            <a:extLst>
+              <a:ext uri="{FF2B5EF4-FFF2-40B4-BE49-F238E27FC236}">
+                <a16:creationId xmlns:a16="http://schemas.microsoft.com/office/drawing/2014/main" id="{37CD834F-4AA2-13C7-1E04-5417C5EBE537}"/>
+              </a:ext>
+            </a:extLst>
+          </p:cNvPr>
+          <p:cNvPicPr>
+            <a:picLocks noChangeAspect="1"/>
+          </p:cNvPicPr>
+          <p:nvPr/>
+        </p:nvPicPr>
+        <p:blipFill>
+          <a:blip r:embed="rId3"/>
+          <a:stretch>
+            <a:fillRect/>
+          </a:stretch>
+        </p:blipFill>
+        <p:spPr>
+          <a:xfrm>
+            <a:off x="7491248" y="2013160"/>
+            <a:ext cx="815250" cy="279095"/>
+          </a:xfrm>
+          <a:prstGeom prst="rect">
+            <a:avLst/>
+          </a:prstGeom>
+        </p:spPr>
+      </p:pic>
+      <p:pic>
+        <p:nvPicPr>
+          <p:cNvPr id="32" name="Picture 31">
+            <a:extLst>
+              <a:ext uri="{FF2B5EF4-FFF2-40B4-BE49-F238E27FC236}">
+                <a16:creationId xmlns:a16="http://schemas.microsoft.com/office/drawing/2014/main" id="{750641CC-FE52-C809-00A4-4642A70FD392}"/>
+              </a:ext>
+            </a:extLst>
+          </p:cNvPr>
+          <p:cNvPicPr>
+            <a:picLocks noChangeAspect="1"/>
+          </p:cNvPicPr>
+          <p:nvPr/>
+        </p:nvPicPr>
+        <p:blipFill>
+          <a:blip r:embed="rId4"/>
+          <a:stretch>
+            <a:fillRect/>
+          </a:stretch>
+        </p:blipFill>
+        <p:spPr>
+          <a:xfrm>
+            <a:off x="5672254" y="5894112"/>
+            <a:ext cx="528446" cy="181924"/>
+          </a:xfrm>
+          <a:prstGeom prst="rect">
+            <a:avLst/>
+          </a:prstGeom>
+        </p:spPr>
+      </p:pic>
+      <p:grpSp>
+        <p:nvGrpSpPr>
+          <p:cNvPr id="36" name="Group 35">
+            <a:extLst>
+              <a:ext uri="{FF2B5EF4-FFF2-40B4-BE49-F238E27FC236}">
+                <a16:creationId xmlns:a16="http://schemas.microsoft.com/office/drawing/2014/main" id="{5718739E-0196-7F38-08D5-3EE56542CF9D}"/>
+              </a:ext>
+            </a:extLst>
+          </p:cNvPr>
+          <p:cNvGrpSpPr/>
+          <p:nvPr/>
+        </p:nvGrpSpPr>
+        <p:grpSpPr>
+          <a:xfrm>
+            <a:off x="6096000" y="178420"/>
+            <a:ext cx="5864084" cy="5077838"/>
+            <a:chOff x="6096000" y="178420"/>
+            <a:chExt cx="5864084" cy="5077838"/>
+          </a:xfrm>
+        </p:grpSpPr>
+        <p:grpSp>
+          <p:nvGrpSpPr>
+            <p:cNvPr id="22" name="Group 21">
+              <a:extLst>
+                <a:ext uri="{FF2B5EF4-FFF2-40B4-BE49-F238E27FC236}">
+                  <a16:creationId xmlns:a16="http://schemas.microsoft.com/office/drawing/2014/main" id="{6BAAC8A3-2181-B804-8F20-A86E5BA481FC}"/>
+                </a:ext>
+              </a:extLst>
+            </p:cNvPr>
+            <p:cNvGrpSpPr/>
+            <p:nvPr/>
+          </p:nvGrpSpPr>
+          <p:grpSpPr>
+            <a:xfrm>
+              <a:off x="6096000" y="178420"/>
+              <a:ext cx="5864084" cy="5077838"/>
+              <a:chOff x="6096000" y="0"/>
+              <a:chExt cx="5864084" cy="5077838"/>
+            </a:xfrm>
+          </p:grpSpPr>
+          <p:grpSp>
+            <p:nvGrpSpPr>
+              <p:cNvPr id="19" name="Group 18">
+                <a:extLst>
+                  <a:ext uri="{FF2B5EF4-FFF2-40B4-BE49-F238E27FC236}">
+                    <a16:creationId xmlns:a16="http://schemas.microsoft.com/office/drawing/2014/main" id="{1193FA3B-8574-2C53-EE84-C2B4C9F63EE2}"/>
+                  </a:ext>
+                </a:extLst>
+              </p:cNvPr>
+              <p:cNvGrpSpPr/>
+              <p:nvPr/>
+            </p:nvGrpSpPr>
+            <p:grpSpPr>
+              <a:xfrm>
+                <a:off x="6096000" y="0"/>
+                <a:ext cx="5864084" cy="5077838"/>
+                <a:chOff x="6096000" y="0"/>
+                <a:chExt cx="5864084" cy="5077838"/>
+              </a:xfrm>
+            </p:grpSpPr>
+            <p:grpSp>
+              <p:nvGrpSpPr>
+                <p:cNvPr id="18" name="Group 17">
+                  <a:extLst>
+                    <a:ext uri="{FF2B5EF4-FFF2-40B4-BE49-F238E27FC236}">
+                      <a16:creationId xmlns:a16="http://schemas.microsoft.com/office/drawing/2014/main" id="{51853CC0-527F-9DA8-3A6A-D6572A5D09A4}"/>
+                    </a:ext>
+                  </a:extLst>
+                </p:cNvPr>
+                <p:cNvGrpSpPr/>
+                <p:nvPr/>
+              </p:nvGrpSpPr>
+              <p:grpSpPr>
+                <a:xfrm>
+                  <a:off x="6096000" y="0"/>
+                  <a:ext cx="5864084" cy="5077838"/>
+                  <a:chOff x="6096000" y="0"/>
+                  <a:chExt cx="5864084" cy="5077838"/>
+                </a:xfrm>
+              </p:grpSpPr>
+              <p:grpSp>
+                <p:nvGrpSpPr>
+                  <p:cNvPr id="13" name="Group 12">
+                    <a:extLst>
+                      <a:ext uri="{FF2B5EF4-FFF2-40B4-BE49-F238E27FC236}">
+                        <a16:creationId xmlns:a16="http://schemas.microsoft.com/office/drawing/2014/main" id="{A91F2403-C88D-FB0F-0A12-BA6F611327F9}"/>
+                      </a:ext>
+                    </a:extLst>
+                  </p:cNvPr>
+                  <p:cNvGrpSpPr/>
+                  <p:nvPr/>
+                </p:nvGrpSpPr>
+                <p:grpSpPr>
+                  <a:xfrm>
+                    <a:off x="6096000" y="0"/>
+                    <a:ext cx="5864084" cy="5077838"/>
+                    <a:chOff x="6096000" y="0"/>
+                    <a:chExt cx="5864084" cy="5077838"/>
+                  </a:xfrm>
+                </p:grpSpPr>
+                <p:grpSp>
+                  <p:nvGrpSpPr>
+                    <p:cNvPr id="10" name="Group 9">
+                      <a:extLst>
+                        <a:ext uri="{FF2B5EF4-FFF2-40B4-BE49-F238E27FC236}">
+                          <a16:creationId xmlns:a16="http://schemas.microsoft.com/office/drawing/2014/main" id="{3AE343FD-1BA3-C985-E607-90FDE104E235}"/>
+                        </a:ext>
+                      </a:extLst>
+                    </p:cNvPr>
+                    <p:cNvGrpSpPr/>
+                    <p:nvPr/>
+                  </p:nvGrpSpPr>
+                  <p:grpSpPr>
+                    <a:xfrm>
+                      <a:off x="6096000" y="0"/>
+                      <a:ext cx="5864084" cy="5077838"/>
+                      <a:chOff x="6096000" y="0"/>
+                      <a:chExt cx="5864084" cy="5077838"/>
+                    </a:xfrm>
+                  </p:grpSpPr>
+                  <p:grpSp>
+                    <p:nvGrpSpPr>
+                      <p:cNvPr id="7" name="Group 6">
+                        <a:extLst>
+                          <a:ext uri="{FF2B5EF4-FFF2-40B4-BE49-F238E27FC236}">
+                            <a16:creationId xmlns:a16="http://schemas.microsoft.com/office/drawing/2014/main" id="{67B9E719-1815-760F-E1CB-9B4E1EF9F9B5}"/>
+                          </a:ext>
+                        </a:extLst>
+                      </p:cNvPr>
+                      <p:cNvGrpSpPr/>
+                      <p:nvPr/>
+                    </p:nvGrpSpPr>
+                    <p:grpSpPr>
+                      <a:xfrm>
+                        <a:off x="6096000" y="0"/>
+                        <a:ext cx="5864084" cy="5077838"/>
+                        <a:chOff x="6096000" y="0"/>
+                        <a:chExt cx="5864084" cy="5077838"/>
+                      </a:xfrm>
+                    </p:grpSpPr>
+                    <p:pic>
+                      <p:nvPicPr>
+                        <p:cNvPr id="4" name="Picture 3" descr="A screenshot of a computer&#10;&#10;AI-generated content may be incorrect.">
+                          <a:extLst>
+                            <a:ext uri="{FF2B5EF4-FFF2-40B4-BE49-F238E27FC236}">
+                              <a16:creationId xmlns:a16="http://schemas.microsoft.com/office/drawing/2014/main" id="{AC9DC722-636E-0C91-9C7D-536B4BD92B91}"/>
+                            </a:ext>
+                          </a:extLst>
+                        </p:cNvPr>
+                        <p:cNvPicPr>
+                          <a:picLocks noChangeAspect="1"/>
+                        </p:cNvPicPr>
+                        <p:nvPr/>
+                      </p:nvPicPr>
+                      <p:blipFill>
+                        <a:blip r:embed="rId2"/>
+                        <a:stretch>
+                          <a:fillRect/>
+                        </a:stretch>
+                      </p:blipFill>
+                      <p:spPr>
+                        <a:xfrm>
+                          <a:off x="6096000" y="0"/>
+                          <a:ext cx="5864084" cy="5077838"/>
+                        </a:xfrm>
+                        <a:prstGeom prst="rect">
+                          <a:avLst/>
+                        </a:prstGeom>
+                      </p:spPr>
+                    </p:pic>
+                    <p:pic>
+                      <p:nvPicPr>
+                        <p:cNvPr id="6" name="Picture 5" descr="A black rectangle with white text&#10;&#10;AI-generated content may be incorrect.">
+                          <a:extLst>
+                            <a:ext uri="{FF2B5EF4-FFF2-40B4-BE49-F238E27FC236}">
+                              <a16:creationId xmlns:a16="http://schemas.microsoft.com/office/drawing/2014/main" id="{3C2A213F-FD3A-DDCB-A7DB-A3E16B384DC1}"/>
+                            </a:ext>
+                          </a:extLst>
+                        </p:cNvPr>
+                        <p:cNvPicPr>
+                          <a:picLocks noChangeAspect="1"/>
+                        </p:cNvPicPr>
+                        <p:nvPr/>
+                      </p:nvPicPr>
+                      <p:blipFill>
+                        <a:blip r:embed="rId5"/>
+                        <a:stretch>
+                          <a:fillRect/>
+                        </a:stretch>
+                      </p:blipFill>
+                      <p:spPr>
+                        <a:xfrm>
+                          <a:off x="6103557" y="819778"/>
+                          <a:ext cx="5736370" cy="2943620"/>
+                        </a:xfrm>
+                        <a:prstGeom prst="rect">
+                          <a:avLst/>
+                        </a:prstGeom>
+                      </p:spPr>
+                    </p:pic>
+                  </p:grpSp>
+                  <p:pic>
+                    <p:nvPicPr>
+                      <p:cNvPr id="9" name="Picture 8" descr="A black rectangle with white text&#10;&#10;AI-generated content may be incorrect.">
+                        <a:extLst>
+                          <a:ext uri="{FF2B5EF4-FFF2-40B4-BE49-F238E27FC236}">
+                            <a16:creationId xmlns:a16="http://schemas.microsoft.com/office/drawing/2014/main" id="{F4BA0310-2BC8-5D64-F0D0-E477BF874C27}"/>
+                          </a:ext>
+                        </a:extLst>
+                      </p:cNvPr>
+                      <p:cNvPicPr>
+                        <a:picLocks noChangeAspect="1"/>
+                      </p:cNvPicPr>
+                      <p:nvPr/>
+                    </p:nvPicPr>
+                    <p:blipFill>
+                      <a:blip r:embed="rId6"/>
+                      <a:stretch>
+                        <a:fillRect/>
+                      </a:stretch>
+                    </p:blipFill>
+                    <p:spPr>
+                      <a:xfrm>
+                        <a:off x="9970797" y="248198"/>
+                        <a:ext cx="1876687" cy="1143160"/>
+                      </a:xfrm>
+                      <a:prstGeom prst="rect">
+                        <a:avLst/>
+                      </a:prstGeom>
+                    </p:spPr>
+                  </p:pic>
+                </p:grpSp>
+                <p:pic>
+                  <p:nvPicPr>
+                    <p:cNvPr id="12" name="Picture 11">
+                      <a:extLst>
+                        <a:ext uri="{FF2B5EF4-FFF2-40B4-BE49-F238E27FC236}">
+                          <a16:creationId xmlns:a16="http://schemas.microsoft.com/office/drawing/2014/main" id="{97407481-865A-F757-C159-7DFA3F3A36E4}"/>
+                        </a:ext>
+                      </a:extLst>
+                    </p:cNvPr>
+                    <p:cNvPicPr>
+                      <a:picLocks noChangeAspect="1"/>
+                    </p:cNvPicPr>
+                    <p:nvPr/>
+                  </p:nvPicPr>
+                  <p:blipFill>
+                    <a:blip r:embed="rId7"/>
+                    <a:stretch>
+                      <a:fillRect/>
+                    </a:stretch>
+                  </p:blipFill>
+                  <p:spPr>
+                    <a:xfrm>
+                      <a:off x="8563537" y="476374"/>
+                      <a:ext cx="2015254" cy="238963"/>
+                    </a:xfrm>
+                    <a:prstGeom prst="rect">
+                      <a:avLst/>
+                    </a:prstGeom>
+                  </p:spPr>
+                </p:pic>
+              </p:grpSp>
+              <p:pic>
+                <p:nvPicPr>
+                  <p:cNvPr id="17" name="Picture 16">
+                    <a:extLst>
+                      <a:ext uri="{FF2B5EF4-FFF2-40B4-BE49-F238E27FC236}">
+                        <a16:creationId xmlns:a16="http://schemas.microsoft.com/office/drawing/2014/main" id="{CE8204F7-59C8-38FF-A2B7-DAEDB4FC87FB}"/>
+                      </a:ext>
+                    </a:extLst>
+                  </p:cNvPr>
+                  <p:cNvPicPr>
+                    <a:picLocks noChangeAspect="1"/>
+                  </p:cNvPicPr>
+                  <p:nvPr/>
+                </p:nvPicPr>
+                <p:blipFill>
+                  <a:blip r:embed="rId8"/>
+                  <a:stretch>
+                    <a:fillRect/>
+                  </a:stretch>
+                </p:blipFill>
+                <p:spPr>
+                  <a:xfrm>
+                    <a:off x="6120229" y="1004057"/>
+                    <a:ext cx="2421006" cy="250958"/>
+                  </a:xfrm>
+                  <a:prstGeom prst="rect">
+                    <a:avLst/>
+                  </a:prstGeom>
+                </p:spPr>
+              </p:pic>
+            </p:grpSp>
+            <p:pic>
+              <p:nvPicPr>
+                <p:cNvPr id="15" name="Picture 14">
+                  <a:extLst>
+                    <a:ext uri="{FF2B5EF4-FFF2-40B4-BE49-F238E27FC236}">
+                      <a16:creationId xmlns:a16="http://schemas.microsoft.com/office/drawing/2014/main" id="{8DFCFBB5-BB07-A94B-F01B-2A8146477849}"/>
+                    </a:ext>
+                  </a:extLst>
+                </p:cNvPr>
+                <p:cNvPicPr>
+                  <a:picLocks noChangeAspect="1"/>
+                </p:cNvPicPr>
+                <p:nvPr/>
+              </p:nvPicPr>
+              <p:blipFill>
+                <a:blip r:embed="rId9"/>
+                <a:stretch>
+                  <a:fillRect/>
+                </a:stretch>
+              </p:blipFill>
+              <p:spPr>
+                <a:xfrm>
+                  <a:off x="6103558" y="819779"/>
+                  <a:ext cx="1055526" cy="138310"/>
+                </a:xfrm>
+                <a:prstGeom prst="rect">
+                  <a:avLst/>
+                </a:prstGeom>
+              </p:spPr>
+            </p:pic>
+          </p:grpSp>
+          <p:pic>
+            <p:nvPicPr>
+              <p:cNvPr id="21" name="Picture 20">
+                <a:extLst>
+                  <a:ext uri="{FF2B5EF4-FFF2-40B4-BE49-F238E27FC236}">
+                    <a16:creationId xmlns:a16="http://schemas.microsoft.com/office/drawing/2014/main" id="{090CCB58-AD3A-E1D9-410E-3276C6CF4744}"/>
+                  </a:ext>
+                </a:extLst>
+              </p:cNvPr>
+              <p:cNvPicPr>
+                <a:picLocks noChangeAspect="1"/>
+              </p:cNvPicPr>
+              <p:nvPr/>
+            </p:nvPicPr>
+            <p:blipFill>
+              <a:blip r:embed="rId10"/>
+              <a:stretch>
+                <a:fillRect/>
+              </a:stretch>
+            </p:blipFill>
+            <p:spPr>
+              <a:xfrm>
+                <a:off x="6120229" y="1359456"/>
+                <a:ext cx="875303" cy="196189"/>
+              </a:xfrm>
+              <a:prstGeom prst="rect">
+                <a:avLst/>
+              </a:prstGeom>
+            </p:spPr>
+          </p:pic>
+        </p:grpSp>
+        <p:sp>
+          <p:nvSpPr>
+            <p:cNvPr id="28" name="TextBox 27">
+              <a:extLst>
+                <a:ext uri="{FF2B5EF4-FFF2-40B4-BE49-F238E27FC236}">
+                  <a16:creationId xmlns:a16="http://schemas.microsoft.com/office/drawing/2014/main" id="{3A87D541-0564-8C2C-40CD-95EBEA6066D2}"/>
+                </a:ext>
+              </a:extLst>
+            </p:cNvPr>
+            <p:cNvSpPr txBox="1"/>
+            <p:nvPr/>
+          </p:nvSpPr>
+          <p:spPr>
+            <a:xfrm>
+              <a:off x="7107046" y="1862003"/>
+              <a:ext cx="413896" cy="230832"/>
+            </a:xfrm>
+            <a:prstGeom prst="rect">
+              <a:avLst/>
+            </a:prstGeom>
+            <a:noFill/>
+          </p:spPr>
+          <p:txBody>
+            <a:bodyPr wrap="none" rtlCol="0">
+              <a:spAutoFit/>
+            </a:bodyPr>
+            <a:lstStyle/>
+            <a:p>
+              <a:r>
+                <a:rPr lang="en-GB" sz="900" dirty="0">
+                  <a:solidFill>
+                    <a:schemeClr val="bg1"/>
+                  </a:solidFill>
+                </a:rPr>
+                <a:t>ECO</a:t>
+              </a:r>
+            </a:p>
+          </p:txBody>
+        </p:sp>
+        <p:sp>
+          <p:nvSpPr>
+            <p:cNvPr id="29" name="TextBox 28">
+              <a:extLst>
+                <a:ext uri="{FF2B5EF4-FFF2-40B4-BE49-F238E27FC236}">
+                  <a16:creationId xmlns:a16="http://schemas.microsoft.com/office/drawing/2014/main" id="{7CAF00E7-4C0F-2A15-5868-75AA82357D8D}"/>
+                </a:ext>
+              </a:extLst>
+            </p:cNvPr>
+            <p:cNvSpPr txBox="1"/>
+            <p:nvPr/>
+          </p:nvSpPr>
+          <p:spPr>
+            <a:xfrm>
+              <a:off x="7107046" y="2116000"/>
+              <a:ext cx="401072" cy="230832"/>
+            </a:xfrm>
+            <a:prstGeom prst="rect">
+              <a:avLst/>
+            </a:prstGeom>
+            <a:noFill/>
+          </p:spPr>
+          <p:txBody>
+            <a:bodyPr wrap="none" rtlCol="0">
+              <a:spAutoFit/>
+            </a:bodyPr>
+            <a:lstStyle/>
+            <a:p>
+              <a:r>
+                <a:rPr lang="en-GB" sz="900" dirty="0">
+                  <a:solidFill>
+                    <a:schemeClr val="bg1"/>
+                  </a:solidFill>
+                </a:rPr>
+                <a:t>AVG</a:t>
+              </a:r>
+            </a:p>
+          </p:txBody>
+        </p:sp>
+        <p:sp>
+          <p:nvSpPr>
+            <p:cNvPr id="30" name="TextBox 29">
+              <a:extLst>
+                <a:ext uri="{FF2B5EF4-FFF2-40B4-BE49-F238E27FC236}">
+                  <a16:creationId xmlns:a16="http://schemas.microsoft.com/office/drawing/2014/main" id="{5DC52CBE-BE7C-58B1-C8A4-F36DA62B6E7B}"/>
+                </a:ext>
+              </a:extLst>
+            </p:cNvPr>
+            <p:cNvSpPr txBox="1"/>
+            <p:nvPr/>
+          </p:nvSpPr>
+          <p:spPr>
+            <a:xfrm>
+              <a:off x="7107046" y="2377774"/>
+              <a:ext cx="407484" cy="230832"/>
+            </a:xfrm>
+            <a:prstGeom prst="rect">
+              <a:avLst/>
+            </a:prstGeom>
+            <a:noFill/>
+          </p:spPr>
+          <p:txBody>
+            <a:bodyPr wrap="none" rtlCol="0">
+              <a:spAutoFit/>
+            </a:bodyPr>
+            <a:lstStyle/>
+            <a:p>
+              <a:r>
+                <a:rPr lang="en-GB" sz="900" dirty="0">
+                  <a:solidFill>
+                    <a:schemeClr val="bg1"/>
+                  </a:solidFill>
+                </a:rPr>
+                <a:t>MAX</a:t>
+              </a:r>
+            </a:p>
+          </p:txBody>
+        </p:sp>
+      </p:grpSp>
+      <p:sp>
+        <p:nvSpPr>
+          <p:cNvPr id="37" name="Rectangle 36">
+            <a:extLst>
+              <a:ext uri="{FF2B5EF4-FFF2-40B4-BE49-F238E27FC236}">
+                <a16:creationId xmlns:a16="http://schemas.microsoft.com/office/drawing/2014/main" id="{9AEBFEB5-50F8-5BE8-3905-1B2BA888866B}"/>
+              </a:ext>
+            </a:extLst>
+          </p:cNvPr>
+          <p:cNvSpPr/>
+          <p:nvPr/>
+        </p:nvSpPr>
+        <p:spPr>
+          <a:xfrm>
+            <a:off x="7544985" y="1869107"/>
+            <a:ext cx="494989" cy="212425"/>
+          </a:xfrm>
+          <a:prstGeom prst="rect">
+            <a:avLst/>
+          </a:prstGeom>
+          <a:solidFill>
+            <a:srgbClr val="222222"/>
+          </a:solidFill>
+          <a:ln w="9525">
+            <a:solidFill>
+              <a:schemeClr val="bg2">
+                <a:lumMod val="25000"/>
+              </a:schemeClr>
+            </a:solidFill>
+          </a:ln>
+        </p:spPr>
+        <p:style>
+          <a:lnRef idx="2">
+            <a:schemeClr val="accent1">
+              <a:shade val="15000"/>
+            </a:schemeClr>
+          </a:lnRef>
+          <a:fillRef idx="1">
+            <a:schemeClr val="accent1"/>
+          </a:fillRef>
+          <a:effectRef idx="0">
+            <a:schemeClr val="accent1"/>
+          </a:effectRef>
+          <a:fontRef idx="minor">
+            <a:schemeClr val="lt1"/>
+          </a:fontRef>
+        </p:style>
+        <p:txBody>
+          <a:bodyPr rtlCol="0" anchor="ctr"/>
+          <a:lstStyle/>
+          <a:p>
+            <a:pPr algn="ctr"/>
+            <a:r>
+              <a:rPr lang="en-GB" sz="1000" dirty="0"/>
+              <a:t>3.49</a:t>
+            </a:r>
+          </a:p>
+        </p:txBody>
+      </p:sp>
+      <p:sp>
+        <p:nvSpPr>
+          <p:cNvPr id="38" name="Rectangle 37">
+            <a:extLst>
+              <a:ext uri="{FF2B5EF4-FFF2-40B4-BE49-F238E27FC236}">
+                <a16:creationId xmlns:a16="http://schemas.microsoft.com/office/drawing/2014/main" id="{1A55F34B-8C6D-C19B-1457-6BA06AADEF92}"/>
+              </a:ext>
+            </a:extLst>
+          </p:cNvPr>
+          <p:cNvSpPr/>
+          <p:nvPr/>
+        </p:nvSpPr>
+        <p:spPr>
+          <a:xfrm>
+            <a:off x="7541322" y="2125006"/>
+            <a:ext cx="494989" cy="212425"/>
+          </a:xfrm>
+          <a:prstGeom prst="rect">
+            <a:avLst/>
+          </a:prstGeom>
+          <a:solidFill>
+            <a:srgbClr val="222222"/>
+          </a:solidFill>
+          <a:ln w="9525">
+            <a:solidFill>
+              <a:schemeClr val="bg2">
+                <a:lumMod val="25000"/>
+              </a:schemeClr>
+            </a:solidFill>
+          </a:ln>
+        </p:spPr>
+        <p:style>
+          <a:lnRef idx="2">
+            <a:schemeClr val="accent1">
+              <a:shade val="15000"/>
+            </a:schemeClr>
+          </a:lnRef>
+          <a:fillRef idx="1">
+            <a:schemeClr val="accent1"/>
+          </a:fillRef>
+          <a:effectRef idx="0">
+            <a:schemeClr val="accent1"/>
+          </a:effectRef>
+          <a:fontRef idx="minor">
+            <a:schemeClr val="lt1"/>
+          </a:fontRef>
+        </p:style>
+        <p:txBody>
+          <a:bodyPr rtlCol="0" anchor="ctr"/>
+          <a:lstStyle/>
+          <a:p>
+            <a:pPr algn="ctr"/>
+            <a:r>
+              <a:rPr lang="en-GB" sz="1000" dirty="0"/>
+              <a:t>3.52</a:t>
+            </a:r>
+          </a:p>
+        </p:txBody>
+      </p:sp>
+      <p:sp>
+        <p:nvSpPr>
+          <p:cNvPr id="39" name="Rectangle 38">
+            <a:extLst>
+              <a:ext uri="{FF2B5EF4-FFF2-40B4-BE49-F238E27FC236}">
+                <a16:creationId xmlns:a16="http://schemas.microsoft.com/office/drawing/2014/main" id="{F62C418E-030C-65D7-9E02-81666EB981DA}"/>
+              </a:ext>
+            </a:extLst>
+          </p:cNvPr>
+          <p:cNvSpPr/>
+          <p:nvPr/>
+        </p:nvSpPr>
+        <p:spPr>
+          <a:xfrm>
+            <a:off x="7533765" y="2386097"/>
+            <a:ext cx="494989" cy="212425"/>
+          </a:xfrm>
+          <a:prstGeom prst="rect">
+            <a:avLst/>
+          </a:prstGeom>
+          <a:solidFill>
+            <a:srgbClr val="222222"/>
+          </a:solidFill>
+          <a:ln w="9525">
+            <a:solidFill>
+              <a:schemeClr val="bg2">
+                <a:lumMod val="25000"/>
+              </a:schemeClr>
+            </a:solidFill>
+          </a:ln>
+        </p:spPr>
+        <p:style>
+          <a:lnRef idx="2">
+            <a:schemeClr val="accent1">
+              <a:shade val="15000"/>
+            </a:schemeClr>
+          </a:lnRef>
+          <a:fillRef idx="1">
+            <a:schemeClr val="accent1"/>
+          </a:fillRef>
+          <a:effectRef idx="0">
+            <a:schemeClr val="accent1"/>
+          </a:effectRef>
+          <a:fontRef idx="minor">
+            <a:schemeClr val="lt1"/>
+          </a:fontRef>
+        </p:style>
+        <p:txBody>
+          <a:bodyPr rtlCol="0" anchor="ctr"/>
+          <a:lstStyle/>
+          <a:p>
+            <a:pPr algn="ctr"/>
+            <a:r>
+              <a:rPr lang="en-GB" sz="1000" dirty="0"/>
+              <a:t>3.56</a:t>
+            </a:r>
+          </a:p>
+        </p:txBody>
+      </p:sp>
+      <p:sp>
+        <p:nvSpPr>
+          <p:cNvPr id="41" name="TextBox 40">
+            <a:extLst>
+              <a:ext uri="{FF2B5EF4-FFF2-40B4-BE49-F238E27FC236}">
+                <a16:creationId xmlns:a16="http://schemas.microsoft.com/office/drawing/2014/main" id="{BC91FE21-EA30-36C3-C444-168EDC8CF2AA}"/>
+              </a:ext>
+            </a:extLst>
+          </p:cNvPr>
+          <p:cNvSpPr txBox="1"/>
+          <p:nvPr/>
+        </p:nvSpPr>
+        <p:spPr>
+          <a:xfrm>
+            <a:off x="6933049" y="1512066"/>
+            <a:ext cx="1103262" cy="230832"/>
+          </a:xfrm>
+          <a:prstGeom prst="rect">
+            <a:avLst/>
+          </a:prstGeom>
+          <a:noFill/>
+        </p:spPr>
+        <p:txBody>
+          <a:bodyPr wrap="square" rtlCol="0">
+            <a:spAutoFit/>
+          </a:bodyPr>
+          <a:lstStyle/>
+          <a:p>
+            <a:r>
+              <a:rPr lang="en-GB" sz="900" dirty="0">
+                <a:solidFill>
+                  <a:schemeClr val="bg1"/>
+                </a:solidFill>
+              </a:rPr>
+              <a:t>Samples    5</a:t>
+            </a:r>
+          </a:p>
+        </p:txBody>
+      </p:sp>
+      <p:sp>
+        <p:nvSpPr>
+          <p:cNvPr id="42" name="TextBox 41">
+            <a:extLst>
+              <a:ext uri="{FF2B5EF4-FFF2-40B4-BE49-F238E27FC236}">
+                <a16:creationId xmlns:a16="http://schemas.microsoft.com/office/drawing/2014/main" id="{E58E807F-FB04-25AB-31B8-EA18A67CE28B}"/>
+              </a:ext>
+            </a:extLst>
+          </p:cNvPr>
+          <p:cNvSpPr txBox="1"/>
+          <p:nvPr/>
+        </p:nvSpPr>
+        <p:spPr>
+          <a:xfrm>
+            <a:off x="8199443" y="1512692"/>
+            <a:ext cx="2421005" cy="230832"/>
+          </a:xfrm>
+          <a:prstGeom prst="rect">
+            <a:avLst/>
+          </a:prstGeom>
+          <a:noFill/>
+        </p:spPr>
+        <p:txBody>
+          <a:bodyPr wrap="square" rtlCol="0">
+            <a:spAutoFit/>
+          </a:bodyPr>
+          <a:lstStyle/>
+          <a:p>
+            <a:r>
+              <a:rPr lang="en-GB" sz="900" i="1" dirty="0">
+                <a:solidFill>
+                  <a:schemeClr val="tx1">
+                    <a:lumMod val="50000"/>
+                    <a:lumOff val="50000"/>
+                  </a:schemeClr>
+                </a:solidFill>
+              </a:rPr>
+              <a:t>Manual: 2025-11-28 09:58</a:t>
+            </a:r>
+          </a:p>
+        </p:txBody>
+      </p:sp>
+      <p:pic>
+        <p:nvPicPr>
+          <p:cNvPr id="45" name="Picture 44" descr="A black rectangle with white text&#10;&#10;AI-generated content may be incorrect.">
+            <a:extLst>
+              <a:ext uri="{FF2B5EF4-FFF2-40B4-BE49-F238E27FC236}">
+                <a16:creationId xmlns:a16="http://schemas.microsoft.com/office/drawing/2014/main" id="{B096FDAE-DAFA-B254-2155-C754FC9AE6E6}"/>
+              </a:ext>
+            </a:extLst>
+          </p:cNvPr>
+          <p:cNvPicPr>
+            <a:picLocks noChangeAspect="1"/>
+          </p:cNvPicPr>
+          <p:nvPr/>
+        </p:nvPicPr>
+        <p:blipFill>
+          <a:blip r:embed="rId11"/>
+          <a:stretch>
+            <a:fillRect/>
+          </a:stretch>
+        </p:blipFill>
+        <p:spPr>
+          <a:xfrm>
+            <a:off x="7491248" y="298164"/>
+            <a:ext cx="3273395" cy="1156805"/>
+          </a:xfrm>
+          <a:prstGeom prst="rect">
+            <a:avLst/>
+          </a:prstGeom>
+        </p:spPr>
+      </p:pic>
+      <p:sp>
+        <p:nvSpPr>
+          <p:cNvPr id="43" name="Rectangle 42">
+            <a:extLst>
+              <a:ext uri="{FF2B5EF4-FFF2-40B4-BE49-F238E27FC236}">
+                <a16:creationId xmlns:a16="http://schemas.microsoft.com/office/drawing/2014/main" id="{641CFC88-B521-CD74-E421-F7E89613750E}"/>
+              </a:ext>
+            </a:extLst>
+          </p:cNvPr>
+          <p:cNvSpPr/>
+          <p:nvPr/>
+        </p:nvSpPr>
+        <p:spPr>
+          <a:xfrm>
+            <a:off x="7541322" y="427703"/>
+            <a:ext cx="656041" cy="212425"/>
+          </a:xfrm>
+          <a:prstGeom prst="rect">
+            <a:avLst/>
+          </a:prstGeom>
+          <a:solidFill>
+            <a:srgbClr val="222222"/>
+          </a:solidFill>
+          <a:ln w="9525">
+            <a:solidFill>
+              <a:schemeClr val="bg2">
+                <a:lumMod val="25000"/>
+              </a:schemeClr>
+            </a:solidFill>
+          </a:ln>
+        </p:spPr>
+        <p:style>
+          <a:lnRef idx="2">
+            <a:schemeClr val="accent1">
+              <a:shade val="15000"/>
+            </a:schemeClr>
+          </a:lnRef>
+          <a:fillRef idx="1">
+            <a:schemeClr val="accent1"/>
+          </a:fillRef>
+          <a:effectRef idx="0">
+            <a:schemeClr val="accent1"/>
+          </a:effectRef>
+          <a:fontRef idx="minor">
+            <a:schemeClr val="lt1"/>
+          </a:fontRef>
+        </p:style>
+        <p:txBody>
+          <a:bodyPr lIns="72000" rIns="72000" rtlCol="0" anchor="ctr"/>
+          <a:lstStyle/>
+          <a:p>
+            <a:pPr algn="ctr"/>
+            <a:r>
+              <a:rPr lang="en-GB" sz="1000" dirty="0"/>
+              <a:t>1:45.797</a:t>
+            </a:r>
+          </a:p>
+        </p:txBody>
+      </p:sp>
+      <p:sp>
+        <p:nvSpPr>
+          <p:cNvPr id="47" name="Rectangle 46">
+            <a:extLst>
+              <a:ext uri="{FF2B5EF4-FFF2-40B4-BE49-F238E27FC236}">
+                <a16:creationId xmlns:a16="http://schemas.microsoft.com/office/drawing/2014/main" id="{75914F9F-A1EA-3167-3A42-2B9988D82A73}"/>
+              </a:ext>
+            </a:extLst>
+          </p:cNvPr>
+          <p:cNvSpPr/>
+          <p:nvPr/>
+        </p:nvSpPr>
+        <p:spPr>
+          <a:xfrm>
+            <a:off x="7543402" y="691035"/>
+            <a:ext cx="492909" cy="212425"/>
+          </a:xfrm>
+          <a:prstGeom prst="rect">
+            <a:avLst/>
+          </a:prstGeom>
+          <a:solidFill>
+            <a:srgbClr val="222222"/>
+          </a:solidFill>
+          <a:ln w="9525">
+            <a:solidFill>
+              <a:schemeClr val="bg2">
+                <a:lumMod val="25000"/>
+              </a:schemeClr>
+            </a:solidFill>
+          </a:ln>
+        </p:spPr>
+        <p:style>
+          <a:lnRef idx="2">
+            <a:schemeClr val="accent1">
+              <a:shade val="15000"/>
+            </a:schemeClr>
+          </a:lnRef>
+          <a:fillRef idx="1">
+            <a:schemeClr val="accent1"/>
+          </a:fillRef>
+          <a:effectRef idx="0">
+            <a:schemeClr val="accent1"/>
+          </a:effectRef>
+          <a:fontRef idx="minor">
+            <a:schemeClr val="lt1"/>
+          </a:fontRef>
+        </p:style>
+        <p:txBody>
+          <a:bodyPr lIns="72000" rIns="72000" rtlCol="0" anchor="ctr"/>
+          <a:lstStyle/>
+          <a:p>
+            <a:pPr algn="ctr"/>
+            <a:r>
+              <a:rPr lang="en-GB" sz="1000" dirty="0"/>
+              <a:t>39.9</a:t>
+            </a:r>
+          </a:p>
+        </p:txBody>
+      </p:sp>
+      <p:sp>
+        <p:nvSpPr>
+          <p:cNvPr id="48" name="TextBox 47">
+            <a:extLst>
+              <a:ext uri="{FF2B5EF4-FFF2-40B4-BE49-F238E27FC236}">
+                <a16:creationId xmlns:a16="http://schemas.microsoft.com/office/drawing/2014/main" id="{C10F6D1E-3D5D-85E9-2F12-47C4A029FCBC}"/>
+              </a:ext>
+            </a:extLst>
+          </p:cNvPr>
+          <p:cNvSpPr txBox="1"/>
+          <p:nvPr/>
+        </p:nvSpPr>
+        <p:spPr>
+          <a:xfrm>
+            <a:off x="8199443" y="417350"/>
+            <a:ext cx="2421005" cy="230832"/>
+          </a:xfrm>
+          <a:prstGeom prst="rect">
+            <a:avLst/>
+          </a:prstGeom>
+          <a:noFill/>
+        </p:spPr>
+        <p:txBody>
+          <a:bodyPr wrap="square" rtlCol="0">
+            <a:spAutoFit/>
+          </a:bodyPr>
+          <a:lstStyle/>
+          <a:p>
+            <a:r>
+              <a:rPr lang="en-GB" sz="900" i="1" dirty="0">
+                <a:solidFill>
+                  <a:schemeClr val="tx1">
+                    <a:lumMod val="50000"/>
+                    <a:lumOff val="50000"/>
+                  </a:schemeClr>
+                </a:solidFill>
+              </a:rPr>
+              <a:t>DTL: 2025-11-28 09:58</a:t>
+            </a:r>
+          </a:p>
+        </p:txBody>
+      </p:sp>
+      <p:sp>
+        <p:nvSpPr>
+          <p:cNvPr id="49" name="TextBox 48">
+            <a:extLst>
+              <a:ext uri="{FF2B5EF4-FFF2-40B4-BE49-F238E27FC236}">
+                <a16:creationId xmlns:a16="http://schemas.microsoft.com/office/drawing/2014/main" id="{05D9DF32-4212-D898-FE9A-F8905155F62B}"/>
+              </a:ext>
+            </a:extLst>
+          </p:cNvPr>
+          <p:cNvSpPr txBox="1"/>
+          <p:nvPr/>
+        </p:nvSpPr>
+        <p:spPr>
+          <a:xfrm>
+            <a:off x="8233068" y="695746"/>
+            <a:ext cx="2421005" cy="230832"/>
+          </a:xfrm>
+          <a:prstGeom prst="rect">
+            <a:avLst/>
+          </a:prstGeom>
+          <a:noFill/>
+        </p:spPr>
+        <p:txBody>
+          <a:bodyPr wrap="square" rtlCol="0">
+            <a:spAutoFit/>
+          </a:bodyPr>
+          <a:lstStyle/>
+          <a:p>
+            <a:r>
+              <a:rPr lang="en-GB" sz="900" i="1" dirty="0">
+                <a:solidFill>
+                  <a:schemeClr val="tx1">
+                    <a:lumMod val="50000"/>
+                    <a:lumOff val="50000"/>
+                  </a:schemeClr>
+                </a:solidFill>
+              </a:rPr>
+              <a:t>DTL: 2025-11-28 09:58</a:t>
+            </a:r>
+          </a:p>
+        </p:txBody>
+      </p:sp>
     </p:spTree>
     <p:extLst>
       <p:ext uri="{BB962C8B-B14F-4D97-AF65-F5344CB8AC3E}">

--- a/Docs/UI Work.pptx
+++ b/Docs/UI Work.pptx
@@ -5117,7 +5117,7 @@
         </p:nvSpPr>
         <p:spPr>
           <a:xfrm>
-            <a:off x="7533765" y="2386097"/>
+            <a:off x="7541199" y="2386097"/>
             <a:ext cx="494989" cy="212425"/>
           </a:xfrm>
           <a:prstGeom prst="rect">
@@ -5347,7 +5347,7 @@
         <p:spPr>
           <a:xfrm>
             <a:off x="7543402" y="691035"/>
-            <a:ext cx="492909" cy="212425"/>
+            <a:ext cx="653960" cy="212425"/>
           </a:xfrm>
           <a:prstGeom prst="rect">
             <a:avLst/>
@@ -5428,7 +5428,7 @@
                   </a:schemeClr>
                 </a:solidFill>
               </a:rPr>
-              <a:t>DTL: 2025-11-28 09:58</a:t>
+              <a:t>Live: 2025-11-28 09:58</a:t>
             </a:r>
           </a:p>
         </p:txBody>
@@ -5447,7 +5447,7 @@
         </p:nvSpPr>
         <p:spPr>
           <a:xfrm>
-            <a:off x="8233068" y="695746"/>
+            <a:off x="8197362" y="695745"/>
             <a:ext cx="2421005" cy="230832"/>
           </a:xfrm>
           <a:prstGeom prst="rect">
@@ -5471,6 +5471,679 @@
                 </a:solidFill>
               </a:rPr>
               <a:t>DTL: 2025-11-28 09:58</a:t>
+            </a:r>
+          </a:p>
+        </p:txBody>
+      </p:sp>
+      <p:sp>
+        <p:nvSpPr>
+          <p:cNvPr id="50" name="Rectangle 49">
+            <a:extLst>
+              <a:ext uri="{FF2B5EF4-FFF2-40B4-BE49-F238E27FC236}">
+                <a16:creationId xmlns:a16="http://schemas.microsoft.com/office/drawing/2014/main" id="{44B6DBA6-62A3-4B01-4EA4-394FD639265E}"/>
+              </a:ext>
+            </a:extLst>
+          </p:cNvPr>
+          <p:cNvSpPr/>
+          <p:nvPr/>
+        </p:nvSpPr>
+        <p:spPr>
+          <a:xfrm>
+            <a:off x="7541321" y="1182476"/>
+            <a:ext cx="656041" cy="212425"/>
+          </a:xfrm>
+          <a:prstGeom prst="rect">
+            <a:avLst/>
+          </a:prstGeom>
+          <a:solidFill>
+            <a:srgbClr val="222222"/>
+          </a:solidFill>
+          <a:ln w="9525">
+            <a:solidFill>
+              <a:schemeClr val="bg2">
+                <a:lumMod val="25000"/>
+              </a:schemeClr>
+            </a:solidFill>
+          </a:ln>
+        </p:spPr>
+        <p:style>
+          <a:lnRef idx="2">
+            <a:schemeClr val="accent1">
+              <a:shade val="15000"/>
+            </a:schemeClr>
+          </a:lnRef>
+          <a:fillRef idx="1">
+            <a:schemeClr val="accent1"/>
+          </a:fillRef>
+          <a:effectRef idx="0">
+            <a:schemeClr val="accent1"/>
+          </a:effectRef>
+          <a:fontRef idx="minor">
+            <a:schemeClr val="lt1"/>
+          </a:fontRef>
+        </p:style>
+        <p:txBody>
+          <a:bodyPr lIns="72000" rIns="72000" rtlCol="0" anchor="ctr"/>
+          <a:lstStyle/>
+          <a:p>
+            <a:pPr algn="ctr"/>
+            <a:r>
+              <a:rPr lang="en-GB" sz="1000" dirty="0"/>
+              <a:t>1:45.797</a:t>
+            </a:r>
+          </a:p>
+        </p:txBody>
+      </p:sp>
+      <p:sp>
+        <p:nvSpPr>
+          <p:cNvPr id="51" name="TextBox 50">
+            <a:extLst>
+              <a:ext uri="{FF2B5EF4-FFF2-40B4-BE49-F238E27FC236}">
+                <a16:creationId xmlns:a16="http://schemas.microsoft.com/office/drawing/2014/main" id="{09635643-C30B-2763-ACBF-C11701089295}"/>
+              </a:ext>
+            </a:extLst>
+          </p:cNvPr>
+          <p:cNvSpPr txBox="1"/>
+          <p:nvPr/>
+        </p:nvSpPr>
+        <p:spPr>
+          <a:xfrm>
+            <a:off x="8204919" y="1188018"/>
+            <a:ext cx="2421005" cy="230832"/>
+          </a:xfrm>
+          <a:prstGeom prst="rect">
+            <a:avLst/>
+          </a:prstGeom>
+          <a:noFill/>
+        </p:spPr>
+        <p:txBody>
+          <a:bodyPr wrap="square" rtlCol="0">
+            <a:spAutoFit/>
+          </a:bodyPr>
+          <a:lstStyle/>
+          <a:p>
+            <a:r>
+              <a:rPr lang="en-GB" sz="900" i="1" dirty="0">
+                <a:solidFill>
+                  <a:schemeClr val="tx1">
+                    <a:lumMod val="50000"/>
+                    <a:lumOff val="50000"/>
+                  </a:schemeClr>
+                </a:solidFill>
+              </a:rPr>
+              <a:t>Live: 2025-11-28 09:58</a:t>
+            </a:r>
+          </a:p>
+        </p:txBody>
+      </p:sp>
+      <p:pic>
+        <p:nvPicPr>
+          <p:cNvPr id="57" name="Picture 56">
+            <a:extLst>
+              <a:ext uri="{FF2B5EF4-FFF2-40B4-BE49-F238E27FC236}">
+                <a16:creationId xmlns:a16="http://schemas.microsoft.com/office/drawing/2014/main" id="{ED7F6C11-8A44-61ED-300E-4707AF44D992}"/>
+              </a:ext>
+            </a:extLst>
+          </p:cNvPr>
+          <p:cNvPicPr>
+            <a:picLocks noChangeAspect="1"/>
+          </p:cNvPicPr>
+          <p:nvPr/>
+        </p:nvPicPr>
+        <p:blipFill>
+          <a:blip r:embed="rId12"/>
+          <a:srcRect t="1" b="49999"/>
+          <a:stretch>
+            <a:fillRect/>
+          </a:stretch>
+        </p:blipFill>
+        <p:spPr>
+          <a:xfrm>
+            <a:off x="6120229" y="2799230"/>
+            <a:ext cx="1055526" cy="159392"/>
+          </a:xfrm>
+          <a:prstGeom prst="rect">
+            <a:avLst/>
+          </a:prstGeom>
+        </p:spPr>
+      </p:pic>
+      <p:pic>
+        <p:nvPicPr>
+          <p:cNvPr id="59" name="Picture 58" descr="A screenshot of a computer&#10;&#10;AI-generated content may be incorrect.">
+            <a:extLst>
+              <a:ext uri="{FF2B5EF4-FFF2-40B4-BE49-F238E27FC236}">
+                <a16:creationId xmlns:a16="http://schemas.microsoft.com/office/drawing/2014/main" id="{981EB2DE-0F70-F9DF-5B8B-88B38F36D070}"/>
+              </a:ext>
+            </a:extLst>
+          </p:cNvPr>
+          <p:cNvPicPr>
+            <a:picLocks noChangeAspect="1"/>
+          </p:cNvPicPr>
+          <p:nvPr/>
+        </p:nvPicPr>
+        <p:blipFill>
+          <a:blip r:embed="rId13"/>
+          <a:stretch>
+            <a:fillRect/>
+          </a:stretch>
+        </p:blipFill>
+        <p:spPr>
+          <a:xfrm>
+            <a:off x="6124373" y="2984686"/>
+            <a:ext cx="2069422" cy="1469801"/>
+          </a:xfrm>
+          <a:prstGeom prst="rect">
+            <a:avLst/>
+          </a:prstGeom>
+        </p:spPr>
+      </p:pic>
+      <p:sp>
+        <p:nvSpPr>
+          <p:cNvPr id="61" name="TextBox 60">
+            <a:extLst>
+              <a:ext uri="{FF2B5EF4-FFF2-40B4-BE49-F238E27FC236}">
+                <a16:creationId xmlns:a16="http://schemas.microsoft.com/office/drawing/2014/main" id="{F62E0B95-91F5-6F0A-F906-E55CF128FC6E}"/>
+              </a:ext>
+            </a:extLst>
+          </p:cNvPr>
+          <p:cNvSpPr txBox="1"/>
+          <p:nvPr/>
+        </p:nvSpPr>
+        <p:spPr>
+          <a:xfrm>
+            <a:off x="8210958" y="3297602"/>
+            <a:ext cx="2421005" cy="230832"/>
+          </a:xfrm>
+          <a:prstGeom prst="rect">
+            <a:avLst/>
+          </a:prstGeom>
+          <a:noFill/>
+        </p:spPr>
+        <p:txBody>
+          <a:bodyPr wrap="square" rtlCol="0">
+            <a:spAutoFit/>
+          </a:bodyPr>
+          <a:lstStyle/>
+          <a:p>
+            <a:r>
+              <a:rPr lang="en-GB" sz="900" i="1" dirty="0">
+                <a:solidFill>
+                  <a:schemeClr val="tx1">
+                    <a:lumMod val="50000"/>
+                    <a:lumOff val="50000"/>
+                  </a:schemeClr>
+                </a:solidFill>
+              </a:rPr>
+              <a:t>Live: 2025-11-26 16:02</a:t>
+            </a:r>
+          </a:p>
+        </p:txBody>
+      </p:sp>
+      <p:sp>
+        <p:nvSpPr>
+          <p:cNvPr id="52" name="Rectangle 51">
+            <a:extLst>
+              <a:ext uri="{FF2B5EF4-FFF2-40B4-BE49-F238E27FC236}">
+                <a16:creationId xmlns:a16="http://schemas.microsoft.com/office/drawing/2014/main" id="{596FF3DF-6350-7A09-16A2-BF954BC6EF61}"/>
+              </a:ext>
+            </a:extLst>
+          </p:cNvPr>
+          <p:cNvSpPr/>
+          <p:nvPr/>
+        </p:nvSpPr>
+        <p:spPr>
+          <a:xfrm>
+            <a:off x="7537551" y="3651633"/>
+            <a:ext cx="494989" cy="212425"/>
+          </a:xfrm>
+          <a:prstGeom prst="rect">
+            <a:avLst/>
+          </a:prstGeom>
+          <a:solidFill>
+            <a:srgbClr val="222222"/>
+          </a:solidFill>
+          <a:ln w="9525">
+            <a:solidFill>
+              <a:schemeClr val="bg2">
+                <a:lumMod val="25000"/>
+              </a:schemeClr>
+            </a:solidFill>
+          </a:ln>
+        </p:spPr>
+        <p:style>
+          <a:lnRef idx="2">
+            <a:schemeClr val="accent1">
+              <a:shade val="15000"/>
+            </a:schemeClr>
+          </a:lnRef>
+          <a:fillRef idx="1">
+            <a:schemeClr val="accent1"/>
+          </a:fillRef>
+          <a:effectRef idx="0">
+            <a:schemeClr val="accent1"/>
+          </a:effectRef>
+          <a:fontRef idx="minor">
+            <a:schemeClr val="lt1"/>
+          </a:fontRef>
+        </p:style>
+        <p:txBody>
+          <a:bodyPr rtlCol="0" anchor="ctr"/>
+          <a:lstStyle/>
+          <a:p>
+            <a:pPr algn="ctr"/>
+            <a:r>
+              <a:rPr lang="en-GB" sz="1000" dirty="0"/>
+              <a:t>3.1</a:t>
+            </a:r>
+          </a:p>
+        </p:txBody>
+      </p:sp>
+      <p:sp>
+        <p:nvSpPr>
+          <p:cNvPr id="53" name="Rectangle 52">
+            <a:extLst>
+              <a:ext uri="{FF2B5EF4-FFF2-40B4-BE49-F238E27FC236}">
+                <a16:creationId xmlns:a16="http://schemas.microsoft.com/office/drawing/2014/main" id="{E6AD75E2-B949-4D6A-0A40-F67029DA880E}"/>
+              </a:ext>
+            </a:extLst>
+          </p:cNvPr>
+          <p:cNvSpPr/>
+          <p:nvPr/>
+        </p:nvSpPr>
+        <p:spPr>
+          <a:xfrm>
+            <a:off x="7533888" y="3907532"/>
+            <a:ext cx="494989" cy="212425"/>
+          </a:xfrm>
+          <a:prstGeom prst="rect">
+            <a:avLst/>
+          </a:prstGeom>
+          <a:solidFill>
+            <a:srgbClr val="222222"/>
+          </a:solidFill>
+          <a:ln w="9525">
+            <a:solidFill>
+              <a:schemeClr val="bg2">
+                <a:lumMod val="25000"/>
+              </a:schemeClr>
+            </a:solidFill>
+          </a:ln>
+        </p:spPr>
+        <p:style>
+          <a:lnRef idx="2">
+            <a:schemeClr val="accent1">
+              <a:shade val="15000"/>
+            </a:schemeClr>
+          </a:lnRef>
+          <a:fillRef idx="1">
+            <a:schemeClr val="accent1"/>
+          </a:fillRef>
+          <a:effectRef idx="0">
+            <a:schemeClr val="accent1"/>
+          </a:effectRef>
+          <a:fontRef idx="minor">
+            <a:schemeClr val="lt1"/>
+          </a:fontRef>
+        </p:style>
+        <p:txBody>
+          <a:bodyPr rtlCol="0" anchor="ctr"/>
+          <a:lstStyle/>
+          <a:p>
+            <a:pPr algn="ctr"/>
+            <a:r>
+              <a:rPr lang="en-GB" sz="1000" dirty="0"/>
+              <a:t>3.23</a:t>
+            </a:r>
+          </a:p>
+        </p:txBody>
+      </p:sp>
+      <p:sp>
+        <p:nvSpPr>
+          <p:cNvPr id="54" name="Rectangle 53">
+            <a:extLst>
+              <a:ext uri="{FF2B5EF4-FFF2-40B4-BE49-F238E27FC236}">
+                <a16:creationId xmlns:a16="http://schemas.microsoft.com/office/drawing/2014/main" id="{F53BCF5A-5720-BE93-2AC0-051FFEBAD50B}"/>
+              </a:ext>
+            </a:extLst>
+          </p:cNvPr>
+          <p:cNvSpPr/>
+          <p:nvPr/>
+        </p:nvSpPr>
+        <p:spPr>
+          <a:xfrm>
+            <a:off x="7533765" y="4168623"/>
+            <a:ext cx="494989" cy="212425"/>
+          </a:xfrm>
+          <a:prstGeom prst="rect">
+            <a:avLst/>
+          </a:prstGeom>
+          <a:solidFill>
+            <a:srgbClr val="222222"/>
+          </a:solidFill>
+          <a:ln w="9525">
+            <a:solidFill>
+              <a:schemeClr val="bg2">
+                <a:lumMod val="25000"/>
+              </a:schemeClr>
+            </a:solidFill>
+          </a:ln>
+        </p:spPr>
+        <p:style>
+          <a:lnRef idx="2">
+            <a:schemeClr val="accent1">
+              <a:shade val="15000"/>
+            </a:schemeClr>
+          </a:lnRef>
+          <a:fillRef idx="1">
+            <a:schemeClr val="accent1"/>
+          </a:fillRef>
+          <a:effectRef idx="0">
+            <a:schemeClr val="accent1"/>
+          </a:effectRef>
+          <a:fontRef idx="minor">
+            <a:schemeClr val="lt1"/>
+          </a:fontRef>
+        </p:style>
+        <p:txBody>
+          <a:bodyPr rtlCol="0" anchor="ctr"/>
+          <a:lstStyle/>
+          <a:p>
+            <a:pPr algn="ctr"/>
+            <a:r>
+              <a:rPr lang="en-GB" sz="1000" dirty="0"/>
+              <a:t>3.39</a:t>
+            </a:r>
+          </a:p>
+        </p:txBody>
+      </p:sp>
+      <p:sp>
+        <p:nvSpPr>
+          <p:cNvPr id="55" name="Rectangle 54">
+            <a:extLst>
+              <a:ext uri="{FF2B5EF4-FFF2-40B4-BE49-F238E27FC236}">
+                <a16:creationId xmlns:a16="http://schemas.microsoft.com/office/drawing/2014/main" id="{06610A7E-C113-FE18-5D52-AD25FD2DD730}"/>
+              </a:ext>
+            </a:extLst>
+          </p:cNvPr>
+          <p:cNvSpPr/>
+          <p:nvPr/>
+        </p:nvSpPr>
+        <p:spPr>
+          <a:xfrm>
+            <a:off x="7520942" y="2989067"/>
+            <a:ext cx="656041" cy="212425"/>
+          </a:xfrm>
+          <a:prstGeom prst="rect">
+            <a:avLst/>
+          </a:prstGeom>
+          <a:solidFill>
+            <a:srgbClr val="222222"/>
+          </a:solidFill>
+          <a:ln w="9525">
+            <a:solidFill>
+              <a:schemeClr val="bg2">
+                <a:lumMod val="25000"/>
+              </a:schemeClr>
+            </a:solidFill>
+          </a:ln>
+        </p:spPr>
+        <p:style>
+          <a:lnRef idx="2">
+            <a:schemeClr val="accent1">
+              <a:shade val="15000"/>
+            </a:schemeClr>
+          </a:lnRef>
+          <a:fillRef idx="1">
+            <a:schemeClr val="accent1"/>
+          </a:fillRef>
+          <a:effectRef idx="0">
+            <a:schemeClr val="accent1"/>
+          </a:effectRef>
+          <a:fontRef idx="minor">
+            <a:schemeClr val="lt1"/>
+          </a:fontRef>
+        </p:style>
+        <p:txBody>
+          <a:bodyPr lIns="72000" rIns="72000" rtlCol="0" anchor="ctr"/>
+          <a:lstStyle/>
+          <a:p>
+            <a:pPr algn="ctr"/>
+            <a:r>
+              <a:rPr lang="en-GB" sz="1000" dirty="0"/>
+              <a:t>1:58.346</a:t>
+            </a:r>
+          </a:p>
+        </p:txBody>
+      </p:sp>
+      <p:sp>
+        <p:nvSpPr>
+          <p:cNvPr id="62" name="TextBox 61">
+            <a:extLst>
+              <a:ext uri="{FF2B5EF4-FFF2-40B4-BE49-F238E27FC236}">
+                <a16:creationId xmlns:a16="http://schemas.microsoft.com/office/drawing/2014/main" id="{1BB9A636-3C09-0759-DE47-A8DB57CD6A2C}"/>
+              </a:ext>
+            </a:extLst>
+          </p:cNvPr>
+          <p:cNvSpPr txBox="1"/>
+          <p:nvPr/>
+        </p:nvSpPr>
+        <p:spPr>
+          <a:xfrm>
+            <a:off x="8204918" y="2972928"/>
+            <a:ext cx="2421005" cy="230832"/>
+          </a:xfrm>
+          <a:prstGeom prst="rect">
+            <a:avLst/>
+          </a:prstGeom>
+          <a:noFill/>
+        </p:spPr>
+        <p:txBody>
+          <a:bodyPr wrap="square" rtlCol="0">
+            <a:spAutoFit/>
+          </a:bodyPr>
+          <a:lstStyle/>
+          <a:p>
+            <a:r>
+              <a:rPr lang="en-GB" sz="900" i="1" dirty="0">
+                <a:solidFill>
+                  <a:schemeClr val="tx1">
+                    <a:lumMod val="50000"/>
+                    <a:lumOff val="50000"/>
+                  </a:schemeClr>
+                </a:solidFill>
+              </a:rPr>
+              <a:t>Manual: 2025-11-26 16:45</a:t>
+            </a:r>
+          </a:p>
+        </p:txBody>
+      </p:sp>
+      <p:sp>
+        <p:nvSpPr>
+          <p:cNvPr id="63" name="TextBox 62">
+            <a:extLst>
+              <a:ext uri="{FF2B5EF4-FFF2-40B4-BE49-F238E27FC236}">
+                <a16:creationId xmlns:a16="http://schemas.microsoft.com/office/drawing/2014/main" id="{BB413B29-AAAD-B3CA-C85A-BFE7227D7360}"/>
+              </a:ext>
+            </a:extLst>
+          </p:cNvPr>
+          <p:cNvSpPr txBox="1"/>
+          <p:nvPr/>
+        </p:nvSpPr>
+        <p:spPr>
+          <a:xfrm>
+            <a:off x="6074361" y="4454487"/>
+            <a:ext cx="1330050" cy="230832"/>
+          </a:xfrm>
+          <a:prstGeom prst="rect">
+            <a:avLst/>
+          </a:prstGeom>
+          <a:noFill/>
+        </p:spPr>
+        <p:txBody>
+          <a:bodyPr wrap="square" rtlCol="0">
+            <a:spAutoFit/>
+          </a:bodyPr>
+          <a:lstStyle/>
+          <a:p>
+            <a:r>
+              <a:rPr lang="en-GB" sz="900" dirty="0">
+                <a:solidFill>
+                  <a:schemeClr val="bg1"/>
+                </a:solidFill>
+              </a:rPr>
+              <a:t>Wet vs Dry </a:t>
+            </a:r>
+            <a:r>
+              <a:rPr lang="en-GB" sz="900" dirty="0" err="1">
+                <a:solidFill>
+                  <a:schemeClr val="bg1"/>
+                </a:solidFill>
+              </a:rPr>
+              <a:t>Avg</a:t>
+            </a:r>
+            <a:r>
+              <a:rPr lang="en-GB" sz="900" dirty="0">
+                <a:solidFill>
+                  <a:schemeClr val="bg1"/>
+                </a:solidFill>
+              </a:rPr>
+              <a:t> Deltas:</a:t>
+            </a:r>
+          </a:p>
+        </p:txBody>
+      </p:sp>
+      <p:sp>
+        <p:nvSpPr>
+          <p:cNvPr id="64" name="TextBox 63">
+            <a:extLst>
+              <a:ext uri="{FF2B5EF4-FFF2-40B4-BE49-F238E27FC236}">
+                <a16:creationId xmlns:a16="http://schemas.microsoft.com/office/drawing/2014/main" id="{AC6B8C70-6C5C-797F-1486-2748F45B7D7C}"/>
+              </a:ext>
+            </a:extLst>
+          </p:cNvPr>
+          <p:cNvSpPr txBox="1"/>
+          <p:nvPr/>
+        </p:nvSpPr>
+        <p:spPr>
+          <a:xfrm>
+            <a:off x="7463277" y="4652236"/>
+            <a:ext cx="2186245" cy="230832"/>
+          </a:xfrm>
+          <a:prstGeom prst="rect">
+            <a:avLst/>
+          </a:prstGeom>
+          <a:noFill/>
+        </p:spPr>
+        <p:txBody>
+          <a:bodyPr wrap="square" rtlCol="0">
+            <a:spAutoFit/>
+          </a:bodyPr>
+          <a:lstStyle/>
+          <a:p>
+            <a:r>
+              <a:rPr lang="en-GB" sz="900" dirty="0" err="1">
+                <a:solidFill>
+                  <a:schemeClr val="bg1"/>
+                </a:solidFill>
+              </a:rPr>
+              <a:t>Avg</a:t>
+            </a:r>
+            <a:r>
+              <a:rPr lang="en-GB" sz="900" dirty="0">
+                <a:solidFill>
+                  <a:schemeClr val="bg1"/>
+                </a:solidFill>
+              </a:rPr>
+              <a:t> Fuel Burn at -0.29 (92%)</a:t>
+            </a:r>
+          </a:p>
+        </p:txBody>
+      </p:sp>
+      <p:sp>
+        <p:nvSpPr>
+          <p:cNvPr id="65" name="TextBox 64">
+            <a:extLst>
+              <a:ext uri="{FF2B5EF4-FFF2-40B4-BE49-F238E27FC236}">
+                <a16:creationId xmlns:a16="http://schemas.microsoft.com/office/drawing/2014/main" id="{B6851C61-79F9-BF2B-1729-AAAB0B2EF243}"/>
+              </a:ext>
+            </a:extLst>
+          </p:cNvPr>
+          <p:cNvSpPr txBox="1"/>
+          <p:nvPr/>
+        </p:nvSpPr>
+        <p:spPr>
+          <a:xfrm>
+            <a:off x="7463277" y="4448725"/>
+            <a:ext cx="1755064" cy="230832"/>
+          </a:xfrm>
+          <a:prstGeom prst="rect">
+            <a:avLst/>
+          </a:prstGeom>
+          <a:noFill/>
+        </p:spPr>
+        <p:txBody>
+          <a:bodyPr wrap="square" rtlCol="0">
+            <a:spAutoFit/>
+          </a:bodyPr>
+          <a:lstStyle/>
+          <a:p>
+            <a:r>
+              <a:rPr lang="en-GB" sz="900" dirty="0" err="1">
+                <a:solidFill>
+                  <a:schemeClr val="bg1"/>
+                </a:solidFill>
+              </a:rPr>
+              <a:t>Avg</a:t>
+            </a:r>
+            <a:r>
+              <a:rPr lang="en-GB" sz="900" dirty="0">
+                <a:solidFill>
+                  <a:schemeClr val="bg1"/>
+                </a:solidFill>
+              </a:rPr>
+              <a:t> Pace at +12.55s (112%)</a:t>
+            </a:r>
+          </a:p>
+        </p:txBody>
+      </p:sp>
+      <p:sp>
+        <p:nvSpPr>
+          <p:cNvPr id="66" name="TextBox 65">
+            <a:extLst>
+              <a:ext uri="{FF2B5EF4-FFF2-40B4-BE49-F238E27FC236}">
+                <a16:creationId xmlns:a16="http://schemas.microsoft.com/office/drawing/2014/main" id="{28BE7C14-97F6-22A1-C58B-7E7B3CD80160}"/>
+              </a:ext>
+            </a:extLst>
+          </p:cNvPr>
+          <p:cNvSpPr txBox="1"/>
+          <p:nvPr/>
+        </p:nvSpPr>
+        <p:spPr>
+          <a:xfrm>
+            <a:off x="8204918" y="220148"/>
+            <a:ext cx="2421005" cy="230832"/>
+          </a:xfrm>
+          <a:prstGeom prst="rect">
+            <a:avLst/>
+          </a:prstGeom>
+          <a:noFill/>
+        </p:spPr>
+        <p:txBody>
+          <a:bodyPr wrap="square" rtlCol="0">
+            <a:spAutoFit/>
+          </a:bodyPr>
+          <a:lstStyle/>
+          <a:p>
+            <a:r>
+              <a:rPr lang="en-GB" sz="900" i="1" u="sng" dirty="0">
+                <a:solidFill>
+                  <a:schemeClr val="tx1">
+                    <a:lumMod val="50000"/>
+                    <a:lumOff val="50000"/>
+                  </a:schemeClr>
+                </a:solidFill>
+              </a:rPr>
+              <a:t>UPDATES</a:t>
             </a:r>
           </a:p>
         </p:txBody>

--- a/Docs/UI Work.pptx
+++ b/Docs/UI Work.pptx
@@ -4,27 +4,26 @@
   <p:sldMasterIdLst>
     <p:sldMasterId id="2147483648" r:id="rId1"/>
   </p:sldMasterIdLst>
+  <p:notesMasterIdLst>
+    <p:notesMasterId r:id="rId18"/>
+  </p:notesMasterIdLst>
   <p:sldIdLst>
     <p:sldId id="281" r:id="rId2"/>
     <p:sldId id="256" r:id="rId3"/>
     <p:sldId id="257" r:id="rId4"/>
-    <p:sldId id="258" r:id="rId5"/>
-    <p:sldId id="259" r:id="rId6"/>
-    <p:sldId id="260" r:id="rId7"/>
-    <p:sldId id="263" r:id="rId8"/>
-    <p:sldId id="262" r:id="rId9"/>
-    <p:sldId id="264" r:id="rId10"/>
-    <p:sldId id="265" r:id="rId11"/>
-    <p:sldId id="266" r:id="rId12"/>
-    <p:sldId id="267" r:id="rId13"/>
-    <p:sldId id="268" r:id="rId14"/>
-    <p:sldId id="269" r:id="rId15"/>
-    <p:sldId id="275" r:id="rId16"/>
-    <p:sldId id="276" r:id="rId17"/>
-    <p:sldId id="277" r:id="rId18"/>
-    <p:sldId id="278" r:id="rId19"/>
-    <p:sldId id="279" r:id="rId20"/>
-    <p:sldId id="280" r:id="rId21"/>
+    <p:sldId id="278" r:id="rId5"/>
+    <p:sldId id="279" r:id="rId6"/>
+    <p:sldId id="280" r:id="rId7"/>
+    <p:sldId id="286" r:id="rId8"/>
+    <p:sldId id="287" r:id="rId9"/>
+    <p:sldId id="289" r:id="rId10"/>
+    <p:sldId id="282" r:id="rId11"/>
+    <p:sldId id="290" r:id="rId12"/>
+    <p:sldId id="288" r:id="rId13"/>
+    <p:sldId id="291" r:id="rId14"/>
+    <p:sldId id="283" r:id="rId15"/>
+    <p:sldId id="284" r:id="rId16"/>
+    <p:sldId id="285" r:id="rId17"/>
   </p:sldIdLst>
   <p:sldSz cx="12192000" cy="6858000"/>
   <p:notesSz cx="6858000" cy="9144000"/>
@@ -129,6 +128,12 @@
     </p:ext>
   </p:extLst>
 </p:presentation>
+</file>
+
+<file path=ppt/authors.xml><?xml version="1.0" encoding="utf-8"?>
+<p188:authorLst xmlns:a="http://schemas.openxmlformats.org/drawingml/2006/main" xmlns:r="http://schemas.openxmlformats.org/officeDocument/2006/relationships" xmlns:p188="http://schemas.microsoft.com/office/powerpoint/2018/8/main">
+  <p188:author id="{0395208A-B1A0-5A35-9D84-456F68CCFAA9}" name="Andy Larkman" initials="AL" userId="2da26f2e4321c6c2" providerId="Windows Live"/>
+</p188:authorLst>
 </file>
 
 <file path=ppt/changesInfos/changesInfo1.xml><?xml version="1.0" encoding="utf-8"?>
@@ -526,6 +531,1216 @@
 </pc:chgInfo>
 </file>
 
+<file path=ppt/comments/modernComment_11F_3D215D5D.xml><?xml version="1.0" encoding="utf-8"?>
+<p188:cmLst xmlns:a="http://schemas.openxmlformats.org/drawingml/2006/main" xmlns:r="http://schemas.openxmlformats.org/officeDocument/2006/relationships" xmlns:p188="http://schemas.microsoft.com/office/powerpoint/2018/8/main">
+  <p188:cm id="{14ED20C0-A07A-43B5-81EF-6C210FCDDD0D}" authorId="{0395208A-B1A0-5A35-9D84-456F68CCFAA9}" created="2025-12-08T19:29:37.262">
+    <ac:deMkLst xmlns:ac="http://schemas.microsoft.com/office/drawing/2013/main/command">
+      <pc:docMk xmlns:pc="http://schemas.microsoft.com/office/powerpoint/2013/main/command"/>
+      <pc:sldMk xmlns:pc="http://schemas.microsoft.com/office/powerpoint/2013/main/command" cId="1025596765" sldId="287"/>
+      <ac:spMk id="30" creationId="{CD8F158F-5B2D-53F2-3292-A76ADF2A7E5E}"/>
+    </ac:deMkLst>
+    <p188:txBody>
+      <a:bodyPr/>
+      <a:lstStyle/>
+      <a:p>
+        <a:r>
+          <a:rPr lang="en-GB"/>
+          <a:t>Flash until Limiter ON</a:t>
+        </a:r>
+      </a:p>
+    </p188:txBody>
+  </p188:cm>
+</p188:cmLst>
+</file>
+
+<file path=ppt/comments/modernComment_121_9949DE38.xml><?xml version="1.0" encoding="utf-8"?>
+<p188:cmLst xmlns:a="http://schemas.openxmlformats.org/drawingml/2006/main" xmlns:r="http://schemas.openxmlformats.org/officeDocument/2006/relationships" xmlns:p188="http://schemas.microsoft.com/office/powerpoint/2018/8/main">
+  <p188:cm id="{96D99147-5F61-4BC9-AD35-79FFCB8D8D08}" authorId="{0395208A-B1A0-5A35-9D84-456F68CCFAA9}" created="2025-12-08T19:29:37.262">
+    <ac:deMkLst xmlns:ac="http://schemas.microsoft.com/office/drawing/2013/main/command">
+      <pc:docMk xmlns:pc="http://schemas.microsoft.com/office/powerpoint/2013/main/command"/>
+      <pc:sldMk xmlns:pc="http://schemas.microsoft.com/office/powerpoint/2013/main/command" cId="2571755064" sldId="289"/>
+      <ac:spMk id="30" creationId="{D9264003-27F2-CECC-1ADC-72F591621155}"/>
+    </ac:deMkLst>
+    <p188:txBody>
+      <a:bodyPr/>
+      <a:lstStyle/>
+      <a:p>
+        <a:r>
+          <a:rPr lang="en-GB"/>
+          <a:t>Flash until Limiter ON</a:t>
+        </a:r>
+      </a:p>
+    </p188:txBody>
+  </p188:cm>
+</p188:cmLst>
+</file>
+
+<file path=ppt/notesMasters/notesMaster1.xml><?xml version="1.0" encoding="utf-8"?>
+<p:notesMaster xmlns:a="http://schemas.openxmlformats.org/drawingml/2006/main" xmlns:r="http://schemas.openxmlformats.org/officeDocument/2006/relationships" xmlns:p="http://schemas.openxmlformats.org/presentationml/2006/main">
+  <p:cSld>
+    <p:bg>
+      <p:bgRef idx="1001">
+        <a:schemeClr val="bg1"/>
+      </p:bgRef>
+    </p:bg>
+    <p:spTree>
+      <p:nvGrpSpPr>
+        <p:cNvPr id="1" name=""/>
+        <p:cNvGrpSpPr/>
+        <p:nvPr/>
+      </p:nvGrpSpPr>
+      <p:grpSpPr>
+        <a:xfrm>
+          <a:off x="0" y="0"/>
+          <a:ext cx="0" cy="0"/>
+          <a:chOff x="0" y="0"/>
+          <a:chExt cx="0" cy="0"/>
+        </a:xfrm>
+      </p:grpSpPr>
+      <p:sp>
+        <p:nvSpPr>
+          <p:cNvPr id="2" name="Header Placeholder 1"/>
+          <p:cNvSpPr>
+            <a:spLocks noGrp="1"/>
+          </p:cNvSpPr>
+          <p:nvPr>
+            <p:ph type="hdr" sz="quarter"/>
+          </p:nvPr>
+        </p:nvSpPr>
+        <p:spPr>
+          <a:xfrm>
+            <a:off x="0" y="0"/>
+            <a:ext cx="2971800" cy="458788"/>
+          </a:xfrm>
+          <a:prstGeom prst="rect">
+            <a:avLst/>
+          </a:prstGeom>
+        </p:spPr>
+        <p:txBody>
+          <a:bodyPr vert="horz" lIns="91440" tIns="45720" rIns="91440" bIns="45720" rtlCol="0"/>
+          <a:lstStyle>
+            <a:lvl1pPr algn="l">
+              <a:defRPr sz="1200"/>
+            </a:lvl1pPr>
+          </a:lstStyle>
+          <a:p>
+            <a:endParaRPr lang="en-GB"/>
+          </a:p>
+        </p:txBody>
+      </p:sp>
+      <p:sp>
+        <p:nvSpPr>
+          <p:cNvPr id="3" name="Date Placeholder 2"/>
+          <p:cNvSpPr>
+            <a:spLocks noGrp="1"/>
+          </p:cNvSpPr>
+          <p:nvPr>
+            <p:ph type="dt" idx="1"/>
+          </p:nvPr>
+        </p:nvSpPr>
+        <p:spPr>
+          <a:xfrm>
+            <a:off x="3884613" y="0"/>
+            <a:ext cx="2971800" cy="458788"/>
+          </a:xfrm>
+          <a:prstGeom prst="rect">
+            <a:avLst/>
+          </a:prstGeom>
+        </p:spPr>
+        <p:txBody>
+          <a:bodyPr vert="horz" lIns="91440" tIns="45720" rIns="91440" bIns="45720" rtlCol="0"/>
+          <a:lstStyle>
+            <a:lvl1pPr algn="r">
+              <a:defRPr sz="1200"/>
+            </a:lvl1pPr>
+          </a:lstStyle>
+          <a:p>
+            <a:fld id="{78E80721-A07A-4587-8DF4-4BBC5E50CA9B}" type="datetimeFigureOut">
+              <a:rPr lang="en-GB" smtClean="0"/>
+              <a:t>08/12/2025</a:t>
+            </a:fld>
+            <a:endParaRPr lang="en-GB"/>
+          </a:p>
+        </p:txBody>
+      </p:sp>
+      <p:sp>
+        <p:nvSpPr>
+          <p:cNvPr id="4" name="Slide Image Placeholder 3"/>
+          <p:cNvSpPr>
+            <a:spLocks noGrp="1" noRot="1" noChangeAspect="1"/>
+          </p:cNvSpPr>
+          <p:nvPr>
+            <p:ph type="sldImg" idx="2"/>
+          </p:nvPr>
+        </p:nvSpPr>
+        <p:spPr>
+          <a:xfrm>
+            <a:off x="685800" y="1143000"/>
+            <a:ext cx="5486400" cy="3086100"/>
+          </a:xfrm>
+          <a:prstGeom prst="rect">
+            <a:avLst/>
+          </a:prstGeom>
+          <a:noFill/>
+          <a:ln w="12700">
+            <a:solidFill>
+              <a:prstClr val="black"/>
+            </a:solidFill>
+          </a:ln>
+        </p:spPr>
+        <p:txBody>
+          <a:bodyPr vert="horz" lIns="91440" tIns="45720" rIns="91440" bIns="45720" rtlCol="0" anchor="ctr"/>
+          <a:lstStyle/>
+          <a:p>
+            <a:endParaRPr lang="en-GB"/>
+          </a:p>
+        </p:txBody>
+      </p:sp>
+      <p:sp>
+        <p:nvSpPr>
+          <p:cNvPr id="5" name="Notes Placeholder 4"/>
+          <p:cNvSpPr>
+            <a:spLocks noGrp="1"/>
+          </p:cNvSpPr>
+          <p:nvPr>
+            <p:ph type="body" sz="quarter" idx="3"/>
+          </p:nvPr>
+        </p:nvSpPr>
+        <p:spPr>
+          <a:xfrm>
+            <a:off x="685800" y="4400550"/>
+            <a:ext cx="5486400" cy="3600450"/>
+          </a:xfrm>
+          <a:prstGeom prst="rect">
+            <a:avLst/>
+          </a:prstGeom>
+        </p:spPr>
+        <p:txBody>
+          <a:bodyPr vert="horz" lIns="91440" tIns="45720" rIns="91440" bIns="45720" rtlCol="0"/>
+          <a:lstStyle/>
+          <a:p>
+            <a:pPr lvl="0"/>
+            <a:r>
+              <a:rPr lang="en-US"/>
+              <a:t>Click to edit Master text styles</a:t>
+            </a:r>
+          </a:p>
+          <a:p>
+            <a:pPr lvl="1"/>
+            <a:r>
+              <a:rPr lang="en-US"/>
+              <a:t>Second level</a:t>
+            </a:r>
+          </a:p>
+          <a:p>
+            <a:pPr lvl="2"/>
+            <a:r>
+              <a:rPr lang="en-US"/>
+              <a:t>Third level</a:t>
+            </a:r>
+          </a:p>
+          <a:p>
+            <a:pPr lvl="3"/>
+            <a:r>
+              <a:rPr lang="en-US"/>
+              <a:t>Fourth level</a:t>
+            </a:r>
+          </a:p>
+          <a:p>
+            <a:pPr lvl="4"/>
+            <a:r>
+              <a:rPr lang="en-US"/>
+              <a:t>Fifth level</a:t>
+            </a:r>
+            <a:endParaRPr lang="en-GB"/>
+          </a:p>
+        </p:txBody>
+      </p:sp>
+      <p:sp>
+        <p:nvSpPr>
+          <p:cNvPr id="6" name="Footer Placeholder 5"/>
+          <p:cNvSpPr>
+            <a:spLocks noGrp="1"/>
+          </p:cNvSpPr>
+          <p:nvPr>
+            <p:ph type="ftr" sz="quarter" idx="4"/>
+          </p:nvPr>
+        </p:nvSpPr>
+        <p:spPr>
+          <a:xfrm>
+            <a:off x="0" y="8685213"/>
+            <a:ext cx="2971800" cy="458787"/>
+          </a:xfrm>
+          <a:prstGeom prst="rect">
+            <a:avLst/>
+          </a:prstGeom>
+        </p:spPr>
+        <p:txBody>
+          <a:bodyPr vert="horz" lIns="91440" tIns="45720" rIns="91440" bIns="45720" rtlCol="0" anchor="b"/>
+          <a:lstStyle>
+            <a:lvl1pPr algn="l">
+              <a:defRPr sz="1200"/>
+            </a:lvl1pPr>
+          </a:lstStyle>
+          <a:p>
+            <a:endParaRPr lang="en-GB"/>
+          </a:p>
+        </p:txBody>
+      </p:sp>
+      <p:sp>
+        <p:nvSpPr>
+          <p:cNvPr id="7" name="Slide Number Placeholder 6"/>
+          <p:cNvSpPr>
+            <a:spLocks noGrp="1"/>
+          </p:cNvSpPr>
+          <p:nvPr>
+            <p:ph type="sldNum" sz="quarter" idx="5"/>
+          </p:nvPr>
+        </p:nvSpPr>
+        <p:spPr>
+          <a:xfrm>
+            <a:off x="3884613" y="8685213"/>
+            <a:ext cx="2971800" cy="458787"/>
+          </a:xfrm>
+          <a:prstGeom prst="rect">
+            <a:avLst/>
+          </a:prstGeom>
+        </p:spPr>
+        <p:txBody>
+          <a:bodyPr vert="horz" lIns="91440" tIns="45720" rIns="91440" bIns="45720" rtlCol="0" anchor="b"/>
+          <a:lstStyle>
+            <a:lvl1pPr algn="r">
+              <a:defRPr sz="1200"/>
+            </a:lvl1pPr>
+          </a:lstStyle>
+          <a:p>
+            <a:fld id="{D6FC418B-77CF-418B-AFB9-B3D97E26A6B8}" type="slidenum">
+              <a:rPr lang="en-GB" smtClean="0"/>
+              <a:t>‹#›</a:t>
+            </a:fld>
+            <a:endParaRPr lang="en-GB"/>
+          </a:p>
+        </p:txBody>
+      </p:sp>
+    </p:spTree>
+    <p:extLst>
+      <p:ext uri="{BB962C8B-B14F-4D97-AF65-F5344CB8AC3E}">
+        <p14:creationId xmlns:p14="http://schemas.microsoft.com/office/powerpoint/2010/main" val="614362332"/>
+      </p:ext>
+    </p:extLst>
+  </p:cSld>
+  <p:clrMap bg1="lt1" tx1="dk1" bg2="lt2" tx2="dk2" accent1="accent1" accent2="accent2" accent3="accent3" accent4="accent4" accent5="accent5" accent6="accent6" hlink="hlink" folHlink="folHlink"/>
+  <p:notesStyle>
+    <a:lvl1pPr marL="0" algn="l" defTabSz="914400" rtl="0" eaLnBrk="1" latinLnBrk="0" hangingPunct="1">
+      <a:defRPr sz="1200" kern="1200">
+        <a:solidFill>
+          <a:schemeClr val="tx1"/>
+        </a:solidFill>
+        <a:latin typeface="+mn-lt"/>
+        <a:ea typeface="+mn-ea"/>
+        <a:cs typeface="+mn-cs"/>
+      </a:defRPr>
+    </a:lvl1pPr>
+    <a:lvl2pPr marL="457200" algn="l" defTabSz="914400" rtl="0" eaLnBrk="1" latinLnBrk="0" hangingPunct="1">
+      <a:defRPr sz="1200" kern="1200">
+        <a:solidFill>
+          <a:schemeClr val="tx1"/>
+        </a:solidFill>
+        <a:latin typeface="+mn-lt"/>
+        <a:ea typeface="+mn-ea"/>
+        <a:cs typeface="+mn-cs"/>
+      </a:defRPr>
+    </a:lvl2pPr>
+    <a:lvl3pPr marL="914400" algn="l" defTabSz="914400" rtl="0" eaLnBrk="1" latinLnBrk="0" hangingPunct="1">
+      <a:defRPr sz="1200" kern="1200">
+        <a:solidFill>
+          <a:schemeClr val="tx1"/>
+        </a:solidFill>
+        <a:latin typeface="+mn-lt"/>
+        <a:ea typeface="+mn-ea"/>
+        <a:cs typeface="+mn-cs"/>
+      </a:defRPr>
+    </a:lvl3pPr>
+    <a:lvl4pPr marL="1371600" algn="l" defTabSz="914400" rtl="0" eaLnBrk="1" latinLnBrk="0" hangingPunct="1">
+      <a:defRPr sz="1200" kern="1200">
+        <a:solidFill>
+          <a:schemeClr val="tx1"/>
+        </a:solidFill>
+        <a:latin typeface="+mn-lt"/>
+        <a:ea typeface="+mn-ea"/>
+        <a:cs typeface="+mn-cs"/>
+      </a:defRPr>
+    </a:lvl4pPr>
+    <a:lvl5pPr marL="1828800" algn="l" defTabSz="914400" rtl="0" eaLnBrk="1" latinLnBrk="0" hangingPunct="1">
+      <a:defRPr sz="1200" kern="1200">
+        <a:solidFill>
+          <a:schemeClr val="tx1"/>
+        </a:solidFill>
+        <a:latin typeface="+mn-lt"/>
+        <a:ea typeface="+mn-ea"/>
+        <a:cs typeface="+mn-cs"/>
+      </a:defRPr>
+    </a:lvl5pPr>
+    <a:lvl6pPr marL="2286000" algn="l" defTabSz="914400" rtl="0" eaLnBrk="1" latinLnBrk="0" hangingPunct="1">
+      <a:defRPr sz="1200" kern="1200">
+        <a:solidFill>
+          <a:schemeClr val="tx1"/>
+        </a:solidFill>
+        <a:latin typeface="+mn-lt"/>
+        <a:ea typeface="+mn-ea"/>
+        <a:cs typeface="+mn-cs"/>
+      </a:defRPr>
+    </a:lvl6pPr>
+    <a:lvl7pPr marL="2743200" algn="l" defTabSz="914400" rtl="0" eaLnBrk="1" latinLnBrk="0" hangingPunct="1">
+      <a:defRPr sz="1200" kern="1200">
+        <a:solidFill>
+          <a:schemeClr val="tx1"/>
+        </a:solidFill>
+        <a:latin typeface="+mn-lt"/>
+        <a:ea typeface="+mn-ea"/>
+        <a:cs typeface="+mn-cs"/>
+      </a:defRPr>
+    </a:lvl7pPr>
+    <a:lvl8pPr marL="3200400" algn="l" defTabSz="914400" rtl="0" eaLnBrk="1" latinLnBrk="0" hangingPunct="1">
+      <a:defRPr sz="1200" kern="1200">
+        <a:solidFill>
+          <a:schemeClr val="tx1"/>
+        </a:solidFill>
+        <a:latin typeface="+mn-lt"/>
+        <a:ea typeface="+mn-ea"/>
+        <a:cs typeface="+mn-cs"/>
+      </a:defRPr>
+    </a:lvl8pPr>
+    <a:lvl9pPr marL="3657600" algn="l" defTabSz="914400" rtl="0" eaLnBrk="1" latinLnBrk="0" hangingPunct="1">
+      <a:defRPr sz="1200" kern="1200">
+        <a:solidFill>
+          <a:schemeClr val="tx1"/>
+        </a:solidFill>
+        <a:latin typeface="+mn-lt"/>
+        <a:ea typeface="+mn-ea"/>
+        <a:cs typeface="+mn-cs"/>
+      </a:defRPr>
+    </a:lvl9pPr>
+  </p:notesStyle>
+</p:notesMaster>
+</file>
+
+<file path=ppt/notesSlides/notesSlide1.xml><?xml version="1.0" encoding="utf-8"?>
+<p:notes xmlns:a="http://schemas.openxmlformats.org/drawingml/2006/main" xmlns:r="http://schemas.openxmlformats.org/officeDocument/2006/relationships" xmlns:p="http://schemas.openxmlformats.org/presentationml/2006/main">
+  <p:cSld>
+    <p:spTree>
+      <p:nvGrpSpPr>
+        <p:cNvPr id="1" name=""/>
+        <p:cNvGrpSpPr/>
+        <p:nvPr/>
+      </p:nvGrpSpPr>
+      <p:grpSpPr>
+        <a:xfrm>
+          <a:off x="0" y="0"/>
+          <a:ext cx="0" cy="0"/>
+          <a:chOff x="0" y="0"/>
+          <a:chExt cx="0" cy="0"/>
+        </a:xfrm>
+      </p:grpSpPr>
+      <p:sp>
+        <p:nvSpPr>
+          <p:cNvPr id="2" name="Slide Image Placeholder 1"/>
+          <p:cNvSpPr>
+            <a:spLocks noGrp="1" noRot="1" noChangeAspect="1"/>
+          </p:cNvSpPr>
+          <p:nvPr>
+            <p:ph type="sldImg"/>
+          </p:nvPr>
+        </p:nvSpPr>
+        <p:spPr/>
+      </p:sp>
+      <p:sp>
+        <p:nvSpPr>
+          <p:cNvPr id="3" name="Notes Placeholder 2"/>
+          <p:cNvSpPr>
+            <a:spLocks noGrp="1"/>
+          </p:cNvSpPr>
+          <p:nvPr>
+            <p:ph type="body" idx="1"/>
+          </p:nvPr>
+        </p:nvSpPr>
+        <p:spPr/>
+        <p:txBody>
+          <a:bodyPr/>
+          <a:lstStyle/>
+          <a:p>
+            <a:endParaRPr lang="en-GB" dirty="0"/>
+          </a:p>
+        </p:txBody>
+      </p:sp>
+      <p:sp>
+        <p:nvSpPr>
+          <p:cNvPr id="4" name="Slide Number Placeholder 3"/>
+          <p:cNvSpPr>
+            <a:spLocks noGrp="1"/>
+          </p:cNvSpPr>
+          <p:nvPr>
+            <p:ph type="sldNum" sz="quarter" idx="5"/>
+          </p:nvPr>
+        </p:nvSpPr>
+        <p:spPr/>
+        <p:txBody>
+          <a:bodyPr/>
+          <a:lstStyle/>
+          <a:p>
+            <a:fld id="{D6FC418B-77CF-418B-AFB9-B3D97E26A6B8}" type="slidenum">
+              <a:rPr lang="en-GB" smtClean="0"/>
+              <a:t>6</a:t>
+            </a:fld>
+            <a:endParaRPr lang="en-GB"/>
+          </a:p>
+        </p:txBody>
+      </p:sp>
+    </p:spTree>
+    <p:extLst>
+      <p:ext uri="{BB962C8B-B14F-4D97-AF65-F5344CB8AC3E}">
+        <p14:creationId xmlns:p14="http://schemas.microsoft.com/office/powerpoint/2010/main" val="3306132817"/>
+      </p:ext>
+    </p:extLst>
+  </p:cSld>
+  <p:clrMapOvr>
+    <a:masterClrMapping/>
+  </p:clrMapOvr>
+</p:notes>
+</file>
+
+<file path=ppt/notesSlides/notesSlide2.xml><?xml version="1.0" encoding="utf-8"?>
+<p:notes xmlns:a="http://schemas.openxmlformats.org/drawingml/2006/main" xmlns:r="http://schemas.openxmlformats.org/officeDocument/2006/relationships" xmlns:p="http://schemas.openxmlformats.org/presentationml/2006/main">
+  <p:cSld>
+    <p:spTree>
+      <p:nvGrpSpPr>
+        <p:cNvPr id="1" name="">
+          <a:extLst>
+            <a:ext uri="{FF2B5EF4-FFF2-40B4-BE49-F238E27FC236}">
+              <a16:creationId xmlns:a16="http://schemas.microsoft.com/office/drawing/2014/main" id="{38A599BF-9EEE-582E-6492-B9C5522EECAF}"/>
+            </a:ext>
+          </a:extLst>
+        </p:cNvPr>
+        <p:cNvGrpSpPr/>
+        <p:nvPr/>
+      </p:nvGrpSpPr>
+      <p:grpSpPr>
+        <a:xfrm>
+          <a:off x="0" y="0"/>
+          <a:ext cx="0" cy="0"/>
+          <a:chOff x="0" y="0"/>
+          <a:chExt cx="0" cy="0"/>
+        </a:xfrm>
+      </p:grpSpPr>
+      <p:sp>
+        <p:nvSpPr>
+          <p:cNvPr id="2" name="Slide Image Placeholder 1">
+            <a:extLst>
+              <a:ext uri="{FF2B5EF4-FFF2-40B4-BE49-F238E27FC236}">
+                <a16:creationId xmlns:a16="http://schemas.microsoft.com/office/drawing/2014/main" id="{C2BD2F18-20CA-76F2-A28C-629C859F327F}"/>
+              </a:ext>
+            </a:extLst>
+          </p:cNvPr>
+          <p:cNvSpPr>
+            <a:spLocks noGrp="1" noRot="1" noChangeAspect="1"/>
+          </p:cNvSpPr>
+          <p:nvPr>
+            <p:ph type="sldImg"/>
+          </p:nvPr>
+        </p:nvSpPr>
+        <p:spPr/>
+      </p:sp>
+      <p:sp>
+        <p:nvSpPr>
+          <p:cNvPr id="3" name="Notes Placeholder 2">
+            <a:extLst>
+              <a:ext uri="{FF2B5EF4-FFF2-40B4-BE49-F238E27FC236}">
+                <a16:creationId xmlns:a16="http://schemas.microsoft.com/office/drawing/2014/main" id="{7F1C7928-B823-7842-ACBA-3DD182236659}"/>
+              </a:ext>
+            </a:extLst>
+          </p:cNvPr>
+          <p:cNvSpPr>
+            <a:spLocks noGrp="1"/>
+          </p:cNvSpPr>
+          <p:nvPr>
+            <p:ph type="body" idx="1"/>
+          </p:nvPr>
+        </p:nvSpPr>
+        <p:spPr/>
+        <p:txBody>
+          <a:bodyPr/>
+          <a:lstStyle/>
+          <a:p>
+            <a:endParaRPr lang="en-GB" dirty="0"/>
+          </a:p>
+        </p:txBody>
+      </p:sp>
+      <p:sp>
+        <p:nvSpPr>
+          <p:cNvPr id="4" name="Slide Number Placeholder 3">
+            <a:extLst>
+              <a:ext uri="{FF2B5EF4-FFF2-40B4-BE49-F238E27FC236}">
+                <a16:creationId xmlns:a16="http://schemas.microsoft.com/office/drawing/2014/main" id="{532E7F3F-F7B1-D988-2A95-B40C94FD9B9D}"/>
+              </a:ext>
+            </a:extLst>
+          </p:cNvPr>
+          <p:cNvSpPr>
+            <a:spLocks noGrp="1"/>
+          </p:cNvSpPr>
+          <p:nvPr>
+            <p:ph type="sldNum" sz="quarter" idx="5"/>
+          </p:nvPr>
+        </p:nvSpPr>
+        <p:spPr/>
+        <p:txBody>
+          <a:bodyPr/>
+          <a:lstStyle/>
+          <a:p>
+            <a:fld id="{D6FC418B-77CF-418B-AFB9-B3D97E26A6B8}" type="slidenum">
+              <a:rPr lang="en-GB" smtClean="0"/>
+              <a:t>7</a:t>
+            </a:fld>
+            <a:endParaRPr lang="en-GB"/>
+          </a:p>
+        </p:txBody>
+      </p:sp>
+    </p:spTree>
+    <p:extLst>
+      <p:ext uri="{BB962C8B-B14F-4D97-AF65-F5344CB8AC3E}">
+        <p14:creationId xmlns:p14="http://schemas.microsoft.com/office/powerpoint/2010/main" val="1314090859"/>
+      </p:ext>
+    </p:extLst>
+  </p:cSld>
+  <p:clrMapOvr>
+    <a:masterClrMapping/>
+  </p:clrMapOvr>
+</p:notes>
+</file>
+
+<file path=ppt/notesSlides/notesSlide3.xml><?xml version="1.0" encoding="utf-8"?>
+<p:notes xmlns:a="http://schemas.openxmlformats.org/drawingml/2006/main" xmlns:r="http://schemas.openxmlformats.org/officeDocument/2006/relationships" xmlns:p="http://schemas.openxmlformats.org/presentationml/2006/main">
+  <p:cSld>
+    <p:spTree>
+      <p:nvGrpSpPr>
+        <p:cNvPr id="1" name="">
+          <a:extLst>
+            <a:ext uri="{FF2B5EF4-FFF2-40B4-BE49-F238E27FC236}">
+              <a16:creationId xmlns:a16="http://schemas.microsoft.com/office/drawing/2014/main" id="{4296DD4E-CC29-D375-49B9-A8A8328779FD}"/>
+            </a:ext>
+          </a:extLst>
+        </p:cNvPr>
+        <p:cNvGrpSpPr/>
+        <p:nvPr/>
+      </p:nvGrpSpPr>
+      <p:grpSpPr>
+        <a:xfrm>
+          <a:off x="0" y="0"/>
+          <a:ext cx="0" cy="0"/>
+          <a:chOff x="0" y="0"/>
+          <a:chExt cx="0" cy="0"/>
+        </a:xfrm>
+      </p:grpSpPr>
+      <p:sp>
+        <p:nvSpPr>
+          <p:cNvPr id="2" name="Slide Image Placeholder 1">
+            <a:extLst>
+              <a:ext uri="{FF2B5EF4-FFF2-40B4-BE49-F238E27FC236}">
+                <a16:creationId xmlns:a16="http://schemas.microsoft.com/office/drawing/2014/main" id="{6FE2490A-B382-B4FB-356C-82922A26EE17}"/>
+              </a:ext>
+            </a:extLst>
+          </p:cNvPr>
+          <p:cNvSpPr>
+            <a:spLocks noGrp="1" noRot="1" noChangeAspect="1"/>
+          </p:cNvSpPr>
+          <p:nvPr>
+            <p:ph type="sldImg"/>
+          </p:nvPr>
+        </p:nvSpPr>
+        <p:spPr/>
+      </p:sp>
+      <p:sp>
+        <p:nvSpPr>
+          <p:cNvPr id="3" name="Notes Placeholder 2">
+            <a:extLst>
+              <a:ext uri="{FF2B5EF4-FFF2-40B4-BE49-F238E27FC236}">
+                <a16:creationId xmlns:a16="http://schemas.microsoft.com/office/drawing/2014/main" id="{6204B4A2-9C22-E739-9570-9BE1E65B5389}"/>
+              </a:ext>
+            </a:extLst>
+          </p:cNvPr>
+          <p:cNvSpPr>
+            <a:spLocks noGrp="1"/>
+          </p:cNvSpPr>
+          <p:nvPr>
+            <p:ph type="body" idx="1"/>
+          </p:nvPr>
+        </p:nvSpPr>
+        <p:spPr/>
+        <p:txBody>
+          <a:bodyPr/>
+          <a:lstStyle/>
+          <a:p>
+            <a:endParaRPr lang="en-GB" dirty="0"/>
+          </a:p>
+        </p:txBody>
+      </p:sp>
+      <p:sp>
+        <p:nvSpPr>
+          <p:cNvPr id="4" name="Slide Number Placeholder 3">
+            <a:extLst>
+              <a:ext uri="{FF2B5EF4-FFF2-40B4-BE49-F238E27FC236}">
+                <a16:creationId xmlns:a16="http://schemas.microsoft.com/office/drawing/2014/main" id="{6147FF33-81E2-305B-D3DF-F8A3102EC5DD}"/>
+              </a:ext>
+            </a:extLst>
+          </p:cNvPr>
+          <p:cNvSpPr>
+            <a:spLocks noGrp="1"/>
+          </p:cNvSpPr>
+          <p:nvPr>
+            <p:ph type="sldNum" sz="quarter" idx="5"/>
+          </p:nvPr>
+        </p:nvSpPr>
+        <p:spPr/>
+        <p:txBody>
+          <a:bodyPr/>
+          <a:lstStyle/>
+          <a:p>
+            <a:fld id="{D6FC418B-77CF-418B-AFB9-B3D97E26A6B8}" type="slidenum">
+              <a:rPr lang="en-GB" smtClean="0"/>
+              <a:t>8</a:t>
+            </a:fld>
+            <a:endParaRPr lang="en-GB"/>
+          </a:p>
+        </p:txBody>
+      </p:sp>
+    </p:spTree>
+    <p:extLst>
+      <p:ext uri="{BB962C8B-B14F-4D97-AF65-F5344CB8AC3E}">
+        <p14:creationId xmlns:p14="http://schemas.microsoft.com/office/powerpoint/2010/main" val="1669914261"/>
+      </p:ext>
+    </p:extLst>
+  </p:cSld>
+  <p:clrMapOvr>
+    <a:masterClrMapping/>
+  </p:clrMapOvr>
+</p:notes>
+</file>
+
+<file path=ppt/notesSlides/notesSlide4.xml><?xml version="1.0" encoding="utf-8"?>
+<p:notes xmlns:a="http://schemas.openxmlformats.org/drawingml/2006/main" xmlns:r="http://schemas.openxmlformats.org/officeDocument/2006/relationships" xmlns:p="http://schemas.openxmlformats.org/presentationml/2006/main">
+  <p:cSld>
+    <p:spTree>
+      <p:nvGrpSpPr>
+        <p:cNvPr id="1" name="">
+          <a:extLst>
+            <a:ext uri="{FF2B5EF4-FFF2-40B4-BE49-F238E27FC236}">
+              <a16:creationId xmlns:a16="http://schemas.microsoft.com/office/drawing/2014/main" id="{E0E90D90-43C4-51DA-3ABF-D06294751B37}"/>
+            </a:ext>
+          </a:extLst>
+        </p:cNvPr>
+        <p:cNvGrpSpPr/>
+        <p:nvPr/>
+      </p:nvGrpSpPr>
+      <p:grpSpPr>
+        <a:xfrm>
+          <a:off x="0" y="0"/>
+          <a:ext cx="0" cy="0"/>
+          <a:chOff x="0" y="0"/>
+          <a:chExt cx="0" cy="0"/>
+        </a:xfrm>
+      </p:grpSpPr>
+      <p:sp>
+        <p:nvSpPr>
+          <p:cNvPr id="2" name="Slide Image Placeholder 1">
+            <a:extLst>
+              <a:ext uri="{FF2B5EF4-FFF2-40B4-BE49-F238E27FC236}">
+                <a16:creationId xmlns:a16="http://schemas.microsoft.com/office/drawing/2014/main" id="{6AF9D27E-D5AF-1B43-5565-610058671B31}"/>
+              </a:ext>
+            </a:extLst>
+          </p:cNvPr>
+          <p:cNvSpPr>
+            <a:spLocks noGrp="1" noRot="1" noChangeAspect="1"/>
+          </p:cNvSpPr>
+          <p:nvPr>
+            <p:ph type="sldImg"/>
+          </p:nvPr>
+        </p:nvSpPr>
+        <p:spPr/>
+      </p:sp>
+      <p:sp>
+        <p:nvSpPr>
+          <p:cNvPr id="3" name="Notes Placeholder 2">
+            <a:extLst>
+              <a:ext uri="{FF2B5EF4-FFF2-40B4-BE49-F238E27FC236}">
+                <a16:creationId xmlns:a16="http://schemas.microsoft.com/office/drawing/2014/main" id="{4A7AEB0F-848B-C9C3-E285-7B2D436F6C5E}"/>
+              </a:ext>
+            </a:extLst>
+          </p:cNvPr>
+          <p:cNvSpPr>
+            <a:spLocks noGrp="1"/>
+          </p:cNvSpPr>
+          <p:nvPr>
+            <p:ph type="body" idx="1"/>
+          </p:nvPr>
+        </p:nvSpPr>
+        <p:spPr/>
+        <p:txBody>
+          <a:bodyPr/>
+          <a:lstStyle/>
+          <a:p>
+            <a:endParaRPr lang="en-GB" dirty="0"/>
+          </a:p>
+        </p:txBody>
+      </p:sp>
+      <p:sp>
+        <p:nvSpPr>
+          <p:cNvPr id="4" name="Slide Number Placeholder 3">
+            <a:extLst>
+              <a:ext uri="{FF2B5EF4-FFF2-40B4-BE49-F238E27FC236}">
+                <a16:creationId xmlns:a16="http://schemas.microsoft.com/office/drawing/2014/main" id="{18347A48-B147-5815-9570-58AD2523AA27}"/>
+              </a:ext>
+            </a:extLst>
+          </p:cNvPr>
+          <p:cNvSpPr>
+            <a:spLocks noGrp="1"/>
+          </p:cNvSpPr>
+          <p:nvPr>
+            <p:ph type="sldNum" sz="quarter" idx="5"/>
+          </p:nvPr>
+        </p:nvSpPr>
+        <p:spPr/>
+        <p:txBody>
+          <a:bodyPr/>
+          <a:lstStyle/>
+          <a:p>
+            <a:fld id="{D6FC418B-77CF-418B-AFB9-B3D97E26A6B8}" type="slidenum">
+              <a:rPr lang="en-GB" smtClean="0"/>
+              <a:t>9</a:t>
+            </a:fld>
+            <a:endParaRPr lang="en-GB"/>
+          </a:p>
+        </p:txBody>
+      </p:sp>
+    </p:spTree>
+    <p:extLst>
+      <p:ext uri="{BB962C8B-B14F-4D97-AF65-F5344CB8AC3E}">
+        <p14:creationId xmlns:p14="http://schemas.microsoft.com/office/powerpoint/2010/main" val="3424400842"/>
+      </p:ext>
+    </p:extLst>
+  </p:cSld>
+  <p:clrMapOvr>
+    <a:masterClrMapping/>
+  </p:clrMapOvr>
+</p:notes>
+</file>
+
+<file path=ppt/notesSlides/notesSlide5.xml><?xml version="1.0" encoding="utf-8"?>
+<p:notes xmlns:a="http://schemas.openxmlformats.org/drawingml/2006/main" xmlns:r="http://schemas.openxmlformats.org/officeDocument/2006/relationships" xmlns:p="http://schemas.openxmlformats.org/presentationml/2006/main">
+  <p:cSld>
+    <p:spTree>
+      <p:nvGrpSpPr>
+        <p:cNvPr id="1" name=""/>
+        <p:cNvGrpSpPr/>
+        <p:nvPr/>
+      </p:nvGrpSpPr>
+      <p:grpSpPr>
+        <a:xfrm>
+          <a:off x="0" y="0"/>
+          <a:ext cx="0" cy="0"/>
+          <a:chOff x="0" y="0"/>
+          <a:chExt cx="0" cy="0"/>
+        </a:xfrm>
+      </p:grpSpPr>
+      <p:sp>
+        <p:nvSpPr>
+          <p:cNvPr id="2" name="Slide Image Placeholder 1"/>
+          <p:cNvSpPr>
+            <a:spLocks noGrp="1" noRot="1" noChangeAspect="1"/>
+          </p:cNvSpPr>
+          <p:nvPr>
+            <p:ph type="sldImg"/>
+          </p:nvPr>
+        </p:nvSpPr>
+        <p:spPr/>
+      </p:sp>
+      <p:sp>
+        <p:nvSpPr>
+          <p:cNvPr id="3" name="Notes Placeholder 2"/>
+          <p:cNvSpPr>
+            <a:spLocks noGrp="1"/>
+          </p:cNvSpPr>
+          <p:nvPr>
+            <p:ph type="body" idx="1"/>
+          </p:nvPr>
+        </p:nvSpPr>
+        <p:spPr/>
+        <p:txBody>
+          <a:bodyPr/>
+          <a:lstStyle/>
+          <a:p>
+            <a:endParaRPr lang="en-GB" dirty="0"/>
+          </a:p>
+        </p:txBody>
+      </p:sp>
+      <p:sp>
+        <p:nvSpPr>
+          <p:cNvPr id="4" name="Slide Number Placeholder 3"/>
+          <p:cNvSpPr>
+            <a:spLocks noGrp="1"/>
+          </p:cNvSpPr>
+          <p:nvPr>
+            <p:ph type="sldNum" sz="quarter" idx="5"/>
+          </p:nvPr>
+        </p:nvSpPr>
+        <p:spPr/>
+        <p:txBody>
+          <a:bodyPr/>
+          <a:lstStyle/>
+          <a:p>
+            <a:fld id="{D6FC418B-77CF-418B-AFB9-B3D97E26A6B8}" type="slidenum">
+              <a:rPr lang="en-GB" smtClean="0"/>
+              <a:t>10</a:t>
+            </a:fld>
+            <a:endParaRPr lang="en-GB"/>
+          </a:p>
+        </p:txBody>
+      </p:sp>
+    </p:spTree>
+    <p:extLst>
+      <p:ext uri="{BB962C8B-B14F-4D97-AF65-F5344CB8AC3E}">
+        <p14:creationId xmlns:p14="http://schemas.microsoft.com/office/powerpoint/2010/main" val="997492882"/>
+      </p:ext>
+    </p:extLst>
+  </p:cSld>
+  <p:clrMapOvr>
+    <a:masterClrMapping/>
+  </p:clrMapOvr>
+</p:notes>
+</file>
+
+<file path=ppt/notesSlides/notesSlide6.xml><?xml version="1.0" encoding="utf-8"?>
+<p:notes xmlns:a="http://schemas.openxmlformats.org/drawingml/2006/main" xmlns:r="http://schemas.openxmlformats.org/officeDocument/2006/relationships" xmlns:p="http://schemas.openxmlformats.org/presentationml/2006/main">
+  <p:cSld>
+    <p:spTree>
+      <p:nvGrpSpPr>
+        <p:cNvPr id="1" name="">
+          <a:extLst>
+            <a:ext uri="{FF2B5EF4-FFF2-40B4-BE49-F238E27FC236}">
+              <a16:creationId xmlns:a16="http://schemas.microsoft.com/office/drawing/2014/main" id="{86E8EC3C-9A91-C478-793D-B6BF2F2EB4C6}"/>
+            </a:ext>
+          </a:extLst>
+        </p:cNvPr>
+        <p:cNvGrpSpPr/>
+        <p:nvPr/>
+      </p:nvGrpSpPr>
+      <p:grpSpPr>
+        <a:xfrm>
+          <a:off x="0" y="0"/>
+          <a:ext cx="0" cy="0"/>
+          <a:chOff x="0" y="0"/>
+          <a:chExt cx="0" cy="0"/>
+        </a:xfrm>
+      </p:grpSpPr>
+      <p:sp>
+        <p:nvSpPr>
+          <p:cNvPr id="2" name="Slide Image Placeholder 1">
+            <a:extLst>
+              <a:ext uri="{FF2B5EF4-FFF2-40B4-BE49-F238E27FC236}">
+                <a16:creationId xmlns:a16="http://schemas.microsoft.com/office/drawing/2014/main" id="{46C5CB7F-8592-DA4D-CEE3-E2B46C2E1C83}"/>
+              </a:ext>
+            </a:extLst>
+          </p:cNvPr>
+          <p:cNvSpPr>
+            <a:spLocks noGrp="1" noRot="1" noChangeAspect="1"/>
+          </p:cNvSpPr>
+          <p:nvPr>
+            <p:ph type="sldImg"/>
+          </p:nvPr>
+        </p:nvSpPr>
+        <p:spPr/>
+      </p:sp>
+      <p:sp>
+        <p:nvSpPr>
+          <p:cNvPr id="3" name="Notes Placeholder 2">
+            <a:extLst>
+              <a:ext uri="{FF2B5EF4-FFF2-40B4-BE49-F238E27FC236}">
+                <a16:creationId xmlns:a16="http://schemas.microsoft.com/office/drawing/2014/main" id="{E7B6191A-151E-A372-6966-CF6417ADF73A}"/>
+              </a:ext>
+            </a:extLst>
+          </p:cNvPr>
+          <p:cNvSpPr>
+            <a:spLocks noGrp="1"/>
+          </p:cNvSpPr>
+          <p:nvPr>
+            <p:ph type="body" idx="1"/>
+          </p:nvPr>
+        </p:nvSpPr>
+        <p:spPr/>
+        <p:txBody>
+          <a:bodyPr/>
+          <a:lstStyle/>
+          <a:p>
+            <a:endParaRPr lang="en-GB" dirty="0"/>
+          </a:p>
+        </p:txBody>
+      </p:sp>
+      <p:sp>
+        <p:nvSpPr>
+          <p:cNvPr id="4" name="Slide Number Placeholder 3">
+            <a:extLst>
+              <a:ext uri="{FF2B5EF4-FFF2-40B4-BE49-F238E27FC236}">
+                <a16:creationId xmlns:a16="http://schemas.microsoft.com/office/drawing/2014/main" id="{4BBEC4AF-BD1D-A603-37A0-4CC941B75E26}"/>
+              </a:ext>
+            </a:extLst>
+          </p:cNvPr>
+          <p:cNvSpPr>
+            <a:spLocks noGrp="1"/>
+          </p:cNvSpPr>
+          <p:nvPr>
+            <p:ph type="sldNum" sz="quarter" idx="5"/>
+          </p:nvPr>
+        </p:nvSpPr>
+        <p:spPr/>
+        <p:txBody>
+          <a:bodyPr/>
+          <a:lstStyle/>
+          <a:p>
+            <a:fld id="{D6FC418B-77CF-418B-AFB9-B3D97E26A6B8}" type="slidenum">
+              <a:rPr lang="en-GB" smtClean="0"/>
+              <a:t>11</a:t>
+            </a:fld>
+            <a:endParaRPr lang="en-GB"/>
+          </a:p>
+        </p:txBody>
+      </p:sp>
+    </p:spTree>
+    <p:extLst>
+      <p:ext uri="{BB962C8B-B14F-4D97-AF65-F5344CB8AC3E}">
+        <p14:creationId xmlns:p14="http://schemas.microsoft.com/office/powerpoint/2010/main" val="4187349088"/>
+      </p:ext>
+    </p:extLst>
+  </p:cSld>
+  <p:clrMapOvr>
+    <a:masterClrMapping/>
+  </p:clrMapOvr>
+</p:notes>
+</file>
+
+<file path=ppt/notesSlides/notesSlide7.xml><?xml version="1.0" encoding="utf-8"?>
+<p:notes xmlns:a="http://schemas.openxmlformats.org/drawingml/2006/main" xmlns:r="http://schemas.openxmlformats.org/officeDocument/2006/relationships" xmlns:p="http://schemas.openxmlformats.org/presentationml/2006/main">
+  <p:cSld>
+    <p:spTree>
+      <p:nvGrpSpPr>
+        <p:cNvPr id="1" name="">
+          <a:extLst>
+            <a:ext uri="{FF2B5EF4-FFF2-40B4-BE49-F238E27FC236}">
+              <a16:creationId xmlns:a16="http://schemas.microsoft.com/office/drawing/2014/main" id="{5C03909E-2ADA-D756-A60E-BF41B337F087}"/>
+            </a:ext>
+          </a:extLst>
+        </p:cNvPr>
+        <p:cNvGrpSpPr/>
+        <p:nvPr/>
+      </p:nvGrpSpPr>
+      <p:grpSpPr>
+        <a:xfrm>
+          <a:off x="0" y="0"/>
+          <a:ext cx="0" cy="0"/>
+          <a:chOff x="0" y="0"/>
+          <a:chExt cx="0" cy="0"/>
+        </a:xfrm>
+      </p:grpSpPr>
+      <p:sp>
+        <p:nvSpPr>
+          <p:cNvPr id="2" name="Slide Image Placeholder 1">
+            <a:extLst>
+              <a:ext uri="{FF2B5EF4-FFF2-40B4-BE49-F238E27FC236}">
+                <a16:creationId xmlns:a16="http://schemas.microsoft.com/office/drawing/2014/main" id="{00A032F8-0BD0-59B6-10FC-AFF68D7538B0}"/>
+              </a:ext>
+            </a:extLst>
+          </p:cNvPr>
+          <p:cNvSpPr>
+            <a:spLocks noGrp="1" noRot="1" noChangeAspect="1"/>
+          </p:cNvSpPr>
+          <p:nvPr>
+            <p:ph type="sldImg"/>
+          </p:nvPr>
+        </p:nvSpPr>
+        <p:spPr/>
+      </p:sp>
+      <p:sp>
+        <p:nvSpPr>
+          <p:cNvPr id="3" name="Notes Placeholder 2">
+            <a:extLst>
+              <a:ext uri="{FF2B5EF4-FFF2-40B4-BE49-F238E27FC236}">
+                <a16:creationId xmlns:a16="http://schemas.microsoft.com/office/drawing/2014/main" id="{660B4BF1-A8DE-A547-3E98-E1B71934A3FF}"/>
+              </a:ext>
+            </a:extLst>
+          </p:cNvPr>
+          <p:cNvSpPr>
+            <a:spLocks noGrp="1"/>
+          </p:cNvSpPr>
+          <p:nvPr>
+            <p:ph type="body" idx="1"/>
+          </p:nvPr>
+        </p:nvSpPr>
+        <p:spPr/>
+        <p:txBody>
+          <a:bodyPr/>
+          <a:lstStyle/>
+          <a:p>
+            <a:endParaRPr lang="en-GB" dirty="0"/>
+          </a:p>
+        </p:txBody>
+      </p:sp>
+      <p:sp>
+        <p:nvSpPr>
+          <p:cNvPr id="4" name="Slide Number Placeholder 3">
+            <a:extLst>
+              <a:ext uri="{FF2B5EF4-FFF2-40B4-BE49-F238E27FC236}">
+                <a16:creationId xmlns:a16="http://schemas.microsoft.com/office/drawing/2014/main" id="{01CA31FD-0404-417C-65DC-5EDCE7218998}"/>
+              </a:ext>
+            </a:extLst>
+          </p:cNvPr>
+          <p:cNvSpPr>
+            <a:spLocks noGrp="1"/>
+          </p:cNvSpPr>
+          <p:nvPr>
+            <p:ph type="sldNum" sz="quarter" idx="5"/>
+          </p:nvPr>
+        </p:nvSpPr>
+        <p:spPr/>
+        <p:txBody>
+          <a:bodyPr/>
+          <a:lstStyle/>
+          <a:p>
+            <a:fld id="{D6FC418B-77CF-418B-AFB9-B3D97E26A6B8}" type="slidenum">
+              <a:rPr lang="en-GB" smtClean="0"/>
+              <a:t>12</a:t>
+            </a:fld>
+            <a:endParaRPr lang="en-GB"/>
+          </a:p>
+        </p:txBody>
+      </p:sp>
+    </p:spTree>
+    <p:extLst>
+      <p:ext uri="{BB962C8B-B14F-4D97-AF65-F5344CB8AC3E}">
+        <p14:creationId xmlns:p14="http://schemas.microsoft.com/office/powerpoint/2010/main" val="694448956"/>
+      </p:ext>
+    </p:extLst>
+  </p:cSld>
+  <p:clrMapOvr>
+    <a:masterClrMapping/>
+  </p:clrMapOvr>
+</p:notes>
+</file>
+
+<file path=ppt/notesSlides/notesSlide8.xml><?xml version="1.0" encoding="utf-8"?>
+<p:notes xmlns:a="http://schemas.openxmlformats.org/drawingml/2006/main" xmlns:r="http://schemas.openxmlformats.org/officeDocument/2006/relationships" xmlns:p="http://schemas.openxmlformats.org/presentationml/2006/main">
+  <p:cSld>
+    <p:spTree>
+      <p:nvGrpSpPr>
+        <p:cNvPr id="1" name="">
+          <a:extLst>
+            <a:ext uri="{FF2B5EF4-FFF2-40B4-BE49-F238E27FC236}">
+              <a16:creationId xmlns:a16="http://schemas.microsoft.com/office/drawing/2014/main" id="{B558FB48-F49E-1384-1D8B-8879814549EA}"/>
+            </a:ext>
+          </a:extLst>
+        </p:cNvPr>
+        <p:cNvGrpSpPr/>
+        <p:nvPr/>
+      </p:nvGrpSpPr>
+      <p:grpSpPr>
+        <a:xfrm>
+          <a:off x="0" y="0"/>
+          <a:ext cx="0" cy="0"/>
+          <a:chOff x="0" y="0"/>
+          <a:chExt cx="0" cy="0"/>
+        </a:xfrm>
+      </p:grpSpPr>
+      <p:sp>
+        <p:nvSpPr>
+          <p:cNvPr id="2" name="Slide Image Placeholder 1">
+            <a:extLst>
+              <a:ext uri="{FF2B5EF4-FFF2-40B4-BE49-F238E27FC236}">
+                <a16:creationId xmlns:a16="http://schemas.microsoft.com/office/drawing/2014/main" id="{88B66E42-4388-9512-7056-E27D89FB8982}"/>
+              </a:ext>
+            </a:extLst>
+          </p:cNvPr>
+          <p:cNvSpPr>
+            <a:spLocks noGrp="1" noRot="1" noChangeAspect="1"/>
+          </p:cNvSpPr>
+          <p:nvPr>
+            <p:ph type="sldImg"/>
+          </p:nvPr>
+        </p:nvSpPr>
+        <p:spPr/>
+      </p:sp>
+      <p:sp>
+        <p:nvSpPr>
+          <p:cNvPr id="3" name="Notes Placeholder 2">
+            <a:extLst>
+              <a:ext uri="{FF2B5EF4-FFF2-40B4-BE49-F238E27FC236}">
+                <a16:creationId xmlns:a16="http://schemas.microsoft.com/office/drawing/2014/main" id="{1395B88C-E658-CA94-56F9-8B8C0F85BE5B}"/>
+              </a:ext>
+            </a:extLst>
+          </p:cNvPr>
+          <p:cNvSpPr>
+            <a:spLocks noGrp="1"/>
+          </p:cNvSpPr>
+          <p:nvPr>
+            <p:ph type="body" idx="1"/>
+          </p:nvPr>
+        </p:nvSpPr>
+        <p:spPr/>
+        <p:txBody>
+          <a:bodyPr/>
+          <a:lstStyle/>
+          <a:p>
+            <a:endParaRPr lang="en-GB" dirty="0"/>
+          </a:p>
+        </p:txBody>
+      </p:sp>
+      <p:sp>
+        <p:nvSpPr>
+          <p:cNvPr id="4" name="Slide Number Placeholder 3">
+            <a:extLst>
+              <a:ext uri="{FF2B5EF4-FFF2-40B4-BE49-F238E27FC236}">
+                <a16:creationId xmlns:a16="http://schemas.microsoft.com/office/drawing/2014/main" id="{B03BB0DC-93D5-0720-8E9E-B5B3F543D42B}"/>
+              </a:ext>
+            </a:extLst>
+          </p:cNvPr>
+          <p:cNvSpPr>
+            <a:spLocks noGrp="1"/>
+          </p:cNvSpPr>
+          <p:nvPr>
+            <p:ph type="sldNum" sz="quarter" idx="5"/>
+          </p:nvPr>
+        </p:nvSpPr>
+        <p:spPr/>
+        <p:txBody>
+          <a:bodyPr/>
+          <a:lstStyle/>
+          <a:p>
+            <a:fld id="{D6FC418B-77CF-418B-AFB9-B3D97E26A6B8}" type="slidenum">
+              <a:rPr lang="en-GB" smtClean="0"/>
+              <a:t>13</a:t>
+            </a:fld>
+            <a:endParaRPr lang="en-GB"/>
+          </a:p>
+        </p:txBody>
+      </p:sp>
+    </p:spTree>
+    <p:extLst>
+      <p:ext uri="{BB962C8B-B14F-4D97-AF65-F5344CB8AC3E}">
+        <p14:creationId xmlns:p14="http://schemas.microsoft.com/office/powerpoint/2010/main" val="118117368"/>
+      </p:ext>
+    </p:extLst>
+  </p:cSld>
+  <p:clrMapOvr>
+    <a:masterClrMapping/>
+  </p:clrMapOvr>
+</p:notes>
+</file>
+
 <file path=ppt/slideLayouts/slideLayout1.xml><?xml version="1.0" encoding="utf-8"?>
 <p:sldLayout xmlns:a="http://schemas.openxmlformats.org/drawingml/2006/main" xmlns:r="http://schemas.openxmlformats.org/officeDocument/2006/relationships" xmlns:p="http://schemas.openxmlformats.org/presentationml/2006/main" type="title" preserve="1">
   <p:cSld name="Title Slide">
@@ -675,7 +1890,7 @@
           <a:p>
             <a:fld id="{55FA135A-769C-438D-9AC0-5CFB87EA78F4}" type="datetimeFigureOut">
               <a:rPr lang="en-GB" smtClean="0"/>
-              <a:t>28/11/2025</a:t>
+              <a:t>08/12/2025</a:t>
             </a:fld>
             <a:endParaRPr lang="en-GB"/>
           </a:p>
@@ -875,7 +2090,7 @@
           <a:p>
             <a:fld id="{55FA135A-769C-438D-9AC0-5CFB87EA78F4}" type="datetimeFigureOut">
               <a:rPr lang="en-GB" smtClean="0"/>
-              <a:t>28/11/2025</a:t>
+              <a:t>08/12/2025</a:t>
             </a:fld>
             <a:endParaRPr lang="en-GB"/>
           </a:p>
@@ -1085,7 +2300,7 @@
           <a:p>
             <a:fld id="{55FA135A-769C-438D-9AC0-5CFB87EA78F4}" type="datetimeFigureOut">
               <a:rPr lang="en-GB" smtClean="0"/>
-              <a:t>28/11/2025</a:t>
+              <a:t>08/12/2025</a:t>
             </a:fld>
             <a:endParaRPr lang="en-GB"/>
           </a:p>
@@ -1285,7 +2500,7 @@
           <a:p>
             <a:fld id="{55FA135A-769C-438D-9AC0-5CFB87EA78F4}" type="datetimeFigureOut">
               <a:rPr lang="en-GB" smtClean="0"/>
-              <a:t>28/11/2025</a:t>
+              <a:t>08/12/2025</a:t>
             </a:fld>
             <a:endParaRPr lang="en-GB"/>
           </a:p>
@@ -1561,7 +2776,7 @@
           <a:p>
             <a:fld id="{55FA135A-769C-438D-9AC0-5CFB87EA78F4}" type="datetimeFigureOut">
               <a:rPr lang="en-GB" smtClean="0"/>
-              <a:t>28/11/2025</a:t>
+              <a:t>08/12/2025</a:t>
             </a:fld>
             <a:endParaRPr lang="en-GB"/>
           </a:p>
@@ -1829,7 +3044,7 @@
           <a:p>
             <a:fld id="{55FA135A-769C-438D-9AC0-5CFB87EA78F4}" type="datetimeFigureOut">
               <a:rPr lang="en-GB" smtClean="0"/>
-              <a:t>28/11/2025</a:t>
+              <a:t>08/12/2025</a:t>
             </a:fld>
             <a:endParaRPr lang="en-GB"/>
           </a:p>
@@ -2244,7 +3459,7 @@
           <a:p>
             <a:fld id="{55FA135A-769C-438D-9AC0-5CFB87EA78F4}" type="datetimeFigureOut">
               <a:rPr lang="en-GB" smtClean="0"/>
-              <a:t>28/11/2025</a:t>
+              <a:t>08/12/2025</a:t>
             </a:fld>
             <a:endParaRPr lang="en-GB"/>
           </a:p>
@@ -2386,7 +3601,7 @@
           <a:p>
             <a:fld id="{55FA135A-769C-438D-9AC0-5CFB87EA78F4}" type="datetimeFigureOut">
               <a:rPr lang="en-GB" smtClean="0"/>
-              <a:t>28/11/2025</a:t>
+              <a:t>08/12/2025</a:t>
             </a:fld>
             <a:endParaRPr lang="en-GB"/>
           </a:p>
@@ -2499,7 +3714,7 @@
           <a:p>
             <a:fld id="{55FA135A-769C-438D-9AC0-5CFB87EA78F4}" type="datetimeFigureOut">
               <a:rPr lang="en-GB" smtClean="0"/>
-              <a:t>28/11/2025</a:t>
+              <a:t>08/12/2025</a:t>
             </a:fld>
             <a:endParaRPr lang="en-GB"/>
           </a:p>
@@ -2812,7 +4027,7 @@
           <a:p>
             <a:fld id="{55FA135A-769C-438D-9AC0-5CFB87EA78F4}" type="datetimeFigureOut">
               <a:rPr lang="en-GB" smtClean="0"/>
-              <a:t>28/11/2025</a:t>
+              <a:t>08/12/2025</a:t>
             </a:fld>
             <a:endParaRPr lang="en-GB"/>
           </a:p>
@@ -3101,7 +4316,7 @@
           <a:p>
             <a:fld id="{55FA135A-769C-438D-9AC0-5CFB87EA78F4}" type="datetimeFigureOut">
               <a:rPr lang="en-GB" smtClean="0"/>
-              <a:t>28/11/2025</a:t>
+              <a:t>08/12/2025</a:t>
             </a:fld>
             <a:endParaRPr lang="en-GB"/>
           </a:p>
@@ -3344,7 +4559,7 @@
           <a:p>
             <a:fld id="{55FA135A-769C-438D-9AC0-5CFB87EA78F4}" type="datetimeFigureOut">
               <a:rPr lang="en-GB" smtClean="0"/>
-              <a:t>28/11/2025</a:t>
+              <a:t>08/12/2025</a:t>
             </a:fld>
             <a:endParaRPr lang="en-GB"/>
           </a:p>
@@ -3818,7 +5033,7 @@
         <p:cNvPr id="1" name="">
           <a:extLst>
             <a:ext uri="{FF2B5EF4-FFF2-40B4-BE49-F238E27FC236}">
-              <a16:creationId xmlns:a16="http://schemas.microsoft.com/office/drawing/2014/main" id="{E32B6802-036F-030E-740F-1782BABD3A62}"/>
+              <a16:creationId xmlns:a16="http://schemas.microsoft.com/office/drawing/2014/main" id="{37D1AD4A-12E4-020F-F1AA-8C175246DF5D}"/>
             </a:ext>
           </a:extLst>
         </p:cNvPr>
@@ -3833,12 +5048,174 @@
           <a:chExt cx="0" cy="0"/>
         </a:xfrm>
       </p:grpSpPr>
+      <p:sp>
+        <p:nvSpPr>
+          <p:cNvPr id="2" name="Rectangle 1">
+            <a:extLst>
+              <a:ext uri="{FF2B5EF4-FFF2-40B4-BE49-F238E27FC236}">
+                <a16:creationId xmlns:a16="http://schemas.microsoft.com/office/drawing/2014/main" id="{67245037-C0C7-CA1E-91B1-FD42EDEF84C6}"/>
+              </a:ext>
+            </a:extLst>
+          </p:cNvPr>
+          <p:cNvSpPr/>
+          <p:nvPr/>
+        </p:nvSpPr>
+        <p:spPr>
+          <a:xfrm>
+            <a:off x="347621" y="318982"/>
+            <a:ext cx="11496758" cy="6516045"/>
+          </a:xfrm>
+          <a:prstGeom prst="rect">
+            <a:avLst/>
+          </a:prstGeom>
+          <a:solidFill>
+            <a:schemeClr val="tx1"/>
+          </a:solidFill>
+          <a:ln w="57150">
+            <a:solidFill>
+              <a:schemeClr val="bg1">
+                <a:lumMod val="95000"/>
+              </a:schemeClr>
+            </a:solidFill>
+          </a:ln>
+        </p:spPr>
+        <p:style>
+          <a:lnRef idx="2">
+            <a:schemeClr val="accent1">
+              <a:shade val="15000"/>
+            </a:schemeClr>
+          </a:lnRef>
+          <a:fillRef idx="1">
+            <a:schemeClr val="accent1"/>
+          </a:fillRef>
+          <a:effectRef idx="0">
+            <a:schemeClr val="accent1"/>
+          </a:effectRef>
+          <a:fontRef idx="minor">
+            <a:schemeClr val="lt1"/>
+          </a:fontRef>
+        </p:style>
+        <p:txBody>
+          <a:bodyPr rtlCol="0" anchor="ctr"/>
+          <a:lstStyle/>
+          <a:p>
+            <a:pPr algn="ctr"/>
+            <a:endParaRPr lang="en-GB" sz="4400" b="1" dirty="0"/>
+          </a:p>
+        </p:txBody>
+      </p:sp>
+      <p:sp>
+        <p:nvSpPr>
+          <p:cNvPr id="4" name="Rectangle 3">
+            <a:extLst>
+              <a:ext uri="{FF2B5EF4-FFF2-40B4-BE49-F238E27FC236}">
+                <a16:creationId xmlns:a16="http://schemas.microsoft.com/office/drawing/2014/main" id="{D94273C0-1461-263B-5FF4-6214192A65F0}"/>
+              </a:ext>
+            </a:extLst>
+          </p:cNvPr>
+          <p:cNvSpPr/>
+          <p:nvPr/>
+        </p:nvSpPr>
+        <p:spPr>
+          <a:xfrm>
+            <a:off x="371495" y="348267"/>
+            <a:ext cx="1423193" cy="6486759"/>
+          </a:xfrm>
+          <a:prstGeom prst="rect">
+            <a:avLst/>
+          </a:prstGeom>
+          <a:ln w="57150">
+            <a:solidFill>
+              <a:schemeClr val="bg1">
+                <a:lumMod val="95000"/>
+              </a:schemeClr>
+            </a:solidFill>
+          </a:ln>
+        </p:spPr>
+        <p:style>
+          <a:lnRef idx="2">
+            <a:schemeClr val="dk1">
+              <a:shade val="15000"/>
+            </a:schemeClr>
+          </a:lnRef>
+          <a:fillRef idx="1">
+            <a:schemeClr val="dk1"/>
+          </a:fillRef>
+          <a:effectRef idx="0">
+            <a:schemeClr val="dk1"/>
+          </a:effectRef>
+          <a:fontRef idx="minor">
+            <a:schemeClr val="lt1"/>
+          </a:fontRef>
+        </p:style>
+        <p:txBody>
+          <a:bodyPr rtlCol="0" anchor="ctr"/>
+          <a:lstStyle/>
+          <a:p>
+            <a:pPr algn="ctr"/>
+            <a:endParaRPr lang="en-GB"/>
+          </a:p>
+        </p:txBody>
+      </p:sp>
+      <p:sp>
+        <p:nvSpPr>
+          <p:cNvPr id="5" name="Rectangle 4">
+            <a:extLst>
+              <a:ext uri="{FF2B5EF4-FFF2-40B4-BE49-F238E27FC236}">
+                <a16:creationId xmlns:a16="http://schemas.microsoft.com/office/drawing/2014/main" id="{7E69CCE5-3371-306A-698E-0F76904EDE49}"/>
+              </a:ext>
+            </a:extLst>
+          </p:cNvPr>
+          <p:cNvSpPr/>
+          <p:nvPr/>
+        </p:nvSpPr>
+        <p:spPr>
+          <a:xfrm>
+            <a:off x="10386946" y="348267"/>
+            <a:ext cx="1423193" cy="6477151"/>
+          </a:xfrm>
+          <a:prstGeom prst="rect">
+            <a:avLst/>
+          </a:prstGeom>
+          <a:ln w="57150">
+            <a:solidFill>
+              <a:schemeClr val="bg1">
+                <a:lumMod val="95000"/>
+              </a:schemeClr>
+            </a:solidFill>
+          </a:ln>
+        </p:spPr>
+        <p:style>
+          <a:lnRef idx="2">
+            <a:schemeClr val="dk1">
+              <a:shade val="15000"/>
+            </a:schemeClr>
+          </a:lnRef>
+          <a:fillRef idx="1">
+            <a:schemeClr val="dk1"/>
+          </a:fillRef>
+          <a:effectRef idx="0">
+            <a:schemeClr val="dk1"/>
+          </a:effectRef>
+          <a:fontRef idx="minor">
+            <a:schemeClr val="lt1"/>
+          </a:fontRef>
+        </p:style>
+        <p:txBody>
+          <a:bodyPr rtlCol="0" anchor="ctr"/>
+          <a:lstStyle/>
+          <a:p>
+            <a:pPr algn="ctr"/>
+            <a:endParaRPr lang="en-GB" dirty="0"/>
+          </a:p>
+        </p:txBody>
+      </p:sp>
       <p:pic>
         <p:nvPicPr>
-          <p:cNvPr id="3" name="Picture 2">
-            <a:extLst>
-              <a:ext uri="{FF2B5EF4-FFF2-40B4-BE49-F238E27FC236}">
-                <a16:creationId xmlns:a16="http://schemas.microsoft.com/office/drawing/2014/main" id="{8E17ABA5-EB81-1B76-65F5-5771C5359A11}"/>
+          <p:cNvPr id="10" name="Picture 9" descr="A blue rectangular sign with white text&#10;&#10;AI-generated content may be incorrect.">
+            <a:extLst>
+              <a:ext uri="{FF2B5EF4-FFF2-40B4-BE49-F238E27FC236}">
+                <a16:creationId xmlns:a16="http://schemas.microsoft.com/office/drawing/2014/main" id="{0E21BC03-E0C8-683F-AAAD-93BFEE729576}"/>
               </a:ext>
             </a:extLst>
           </p:cNvPr>
@@ -3848,25 +5225,840 @@
           <p:nvPr/>
         </p:nvPicPr>
         <p:blipFill>
-          <a:blip r:embed="rId2"/>
+          <a:blip r:embed="rId3"/>
           <a:stretch>
             <a:fillRect/>
           </a:stretch>
         </p:blipFill>
         <p:spPr>
           <a:xfrm>
-            <a:off x="2095500" y="0"/>
-            <a:ext cx="8001000" cy="6858000"/>
+            <a:off x="404163" y="377551"/>
+            <a:ext cx="1390526" cy="6396431"/>
           </a:xfrm>
           <a:prstGeom prst="rect">
             <a:avLst/>
           </a:prstGeom>
         </p:spPr>
       </p:pic>
+      <p:pic>
+        <p:nvPicPr>
+          <p:cNvPr id="12" name="Picture 11" descr="A pink rectangle with white text&#10;&#10;AI-generated content may be incorrect.">
+            <a:extLst>
+              <a:ext uri="{FF2B5EF4-FFF2-40B4-BE49-F238E27FC236}">
+                <a16:creationId xmlns:a16="http://schemas.microsoft.com/office/drawing/2014/main" id="{4E8C7705-3776-45CE-06E4-0876B87FDF0A}"/>
+              </a:ext>
+            </a:extLst>
+          </p:cNvPr>
+          <p:cNvPicPr>
+            <a:picLocks noChangeAspect="1"/>
+          </p:cNvPicPr>
+          <p:nvPr/>
+        </p:nvPicPr>
+        <p:blipFill>
+          <a:blip r:embed="rId4"/>
+          <a:stretch>
+            <a:fillRect/>
+          </a:stretch>
+        </p:blipFill>
+        <p:spPr>
+          <a:xfrm>
+            <a:off x="10386947" y="387160"/>
+            <a:ext cx="1378589" cy="6408972"/>
+          </a:xfrm>
+          <a:prstGeom prst="rect">
+            <a:avLst/>
+          </a:prstGeom>
+        </p:spPr>
+      </p:pic>
+      <p:cxnSp>
+        <p:nvCxnSpPr>
+          <p:cNvPr id="14" name="Straight Connector 13">
+            <a:extLst>
+              <a:ext uri="{FF2B5EF4-FFF2-40B4-BE49-F238E27FC236}">
+                <a16:creationId xmlns:a16="http://schemas.microsoft.com/office/drawing/2014/main" id="{C4AC9C5D-D88E-8179-DF0C-D2F6E569AB26}"/>
+              </a:ext>
+            </a:extLst>
+          </p:cNvPr>
+          <p:cNvCxnSpPr/>
+          <p:nvPr/>
+        </p:nvCxnSpPr>
+        <p:spPr>
+          <a:xfrm>
+            <a:off x="1794688" y="1805364"/>
+            <a:ext cx="8592258" cy="0"/>
+          </a:xfrm>
+          <a:prstGeom prst="line">
+            <a:avLst/>
+          </a:prstGeom>
+          <a:ln w="57150">
+            <a:solidFill>
+              <a:schemeClr val="bg1">
+                <a:lumMod val="95000"/>
+              </a:schemeClr>
+            </a:solidFill>
+          </a:ln>
+        </p:spPr>
+        <p:style>
+          <a:lnRef idx="2">
+            <a:schemeClr val="accent1"/>
+          </a:lnRef>
+          <a:fillRef idx="0">
+            <a:schemeClr val="accent1"/>
+          </a:fillRef>
+          <a:effectRef idx="1">
+            <a:schemeClr val="accent1"/>
+          </a:effectRef>
+          <a:fontRef idx="minor">
+            <a:schemeClr val="tx1"/>
+          </a:fontRef>
+        </p:style>
+      </p:cxnSp>
+      <p:sp>
+        <p:nvSpPr>
+          <p:cNvPr id="15" name="TextBox 14">
+            <a:extLst>
+              <a:ext uri="{FF2B5EF4-FFF2-40B4-BE49-F238E27FC236}">
+                <a16:creationId xmlns:a16="http://schemas.microsoft.com/office/drawing/2014/main" id="{5400B26E-8D9E-A496-91D7-14F60D25CE9D}"/>
+              </a:ext>
+            </a:extLst>
+          </p:cNvPr>
+          <p:cNvSpPr txBox="1"/>
+          <p:nvPr/>
+        </p:nvSpPr>
+        <p:spPr>
+          <a:xfrm>
+            <a:off x="4358548" y="1748843"/>
+            <a:ext cx="3464538" cy="2123658"/>
+          </a:xfrm>
+          <a:prstGeom prst="rect">
+            <a:avLst/>
+          </a:prstGeom>
+          <a:noFill/>
+        </p:spPr>
+        <p:txBody>
+          <a:bodyPr wrap="none" rtlCol="0">
+            <a:spAutoFit/>
+          </a:bodyPr>
+          <a:lstStyle/>
+          <a:p>
+            <a:pPr algn="ctr"/>
+            <a:r>
+              <a:rPr lang="en-GB" sz="4800" b="1" dirty="0">
+                <a:solidFill>
+                  <a:schemeClr val="tx1">
+                    <a:lumMod val="50000"/>
+                    <a:lumOff val="50000"/>
+                  </a:schemeClr>
+                </a:solidFill>
+              </a:rPr>
+              <a:t>FUEL DELTA</a:t>
+            </a:r>
+            <a:br>
+              <a:rPr lang="en-GB" sz="4800" b="1" dirty="0">
+                <a:solidFill>
+                  <a:schemeClr val="tx1">
+                    <a:lumMod val="50000"/>
+                    <a:lumOff val="50000"/>
+                  </a:schemeClr>
+                </a:solidFill>
+              </a:rPr>
+            </a:br>
+            <a:r>
+              <a:rPr lang="en-GB" sz="8400" b="1" dirty="0">
+                <a:solidFill>
+                  <a:srgbClr val="92D050"/>
+                </a:solidFill>
+              </a:rPr>
+              <a:t>0.3</a:t>
+            </a:r>
+          </a:p>
+        </p:txBody>
+      </p:sp>
+      <p:pic>
+        <p:nvPicPr>
+          <p:cNvPr id="17" name="Picture 16" descr="A black and white sign with a gas pump&#10;&#10;AI-generated content may be incorrect.">
+            <a:extLst>
+              <a:ext uri="{FF2B5EF4-FFF2-40B4-BE49-F238E27FC236}">
+                <a16:creationId xmlns:a16="http://schemas.microsoft.com/office/drawing/2014/main" id="{39B979DF-1B13-14A6-3907-749B6C2AC5A3}"/>
+              </a:ext>
+            </a:extLst>
+          </p:cNvPr>
+          <p:cNvPicPr>
+            <a:picLocks noChangeAspect="1"/>
+          </p:cNvPicPr>
+          <p:nvPr/>
+        </p:nvPicPr>
+        <p:blipFill>
+          <a:blip r:embed="rId5"/>
+          <a:stretch>
+            <a:fillRect/>
+          </a:stretch>
+        </p:blipFill>
+        <p:spPr>
+          <a:xfrm>
+            <a:off x="1905158" y="1901757"/>
+            <a:ext cx="1686160" cy="1619476"/>
+          </a:xfrm>
+          <a:prstGeom prst="rect">
+            <a:avLst/>
+          </a:prstGeom>
+        </p:spPr>
+      </p:pic>
+      <p:pic>
+        <p:nvPicPr>
+          <p:cNvPr id="19" name="Picture 18" descr="A black and white sign with white text&#10;&#10;AI-generated content may be incorrect.">
+            <a:extLst>
+              <a:ext uri="{FF2B5EF4-FFF2-40B4-BE49-F238E27FC236}">
+                <a16:creationId xmlns:a16="http://schemas.microsoft.com/office/drawing/2014/main" id="{4E754B16-F9AE-547D-1251-3D9D4E707273}"/>
+              </a:ext>
+            </a:extLst>
+          </p:cNvPr>
+          <p:cNvPicPr>
+            <a:picLocks noChangeAspect="1"/>
+          </p:cNvPicPr>
+          <p:nvPr/>
+        </p:nvPicPr>
+        <p:blipFill>
+          <a:blip r:embed="rId6"/>
+          <a:stretch>
+            <a:fillRect/>
+          </a:stretch>
+        </p:blipFill>
+        <p:spPr>
+          <a:xfrm>
+            <a:off x="8657840" y="1901757"/>
+            <a:ext cx="1629002" cy="1619476"/>
+          </a:xfrm>
+          <a:prstGeom prst="rect">
+            <a:avLst/>
+          </a:prstGeom>
+        </p:spPr>
+      </p:pic>
+      <p:cxnSp>
+        <p:nvCxnSpPr>
+          <p:cNvPr id="21" name="Straight Connector 20">
+            <a:extLst>
+              <a:ext uri="{FF2B5EF4-FFF2-40B4-BE49-F238E27FC236}">
+                <a16:creationId xmlns:a16="http://schemas.microsoft.com/office/drawing/2014/main" id="{5625B5A9-87C4-34A7-C544-441C9E2DABE8}"/>
+              </a:ext>
+            </a:extLst>
+          </p:cNvPr>
+          <p:cNvCxnSpPr/>
+          <p:nvPr/>
+        </p:nvCxnSpPr>
+        <p:spPr>
+          <a:xfrm>
+            <a:off x="1794687" y="5358210"/>
+            <a:ext cx="8592258" cy="0"/>
+          </a:xfrm>
+          <a:prstGeom prst="line">
+            <a:avLst/>
+          </a:prstGeom>
+          <a:ln w="57150">
+            <a:solidFill>
+              <a:schemeClr val="bg1">
+                <a:lumMod val="95000"/>
+              </a:schemeClr>
+            </a:solidFill>
+          </a:ln>
+        </p:spPr>
+        <p:style>
+          <a:lnRef idx="2">
+            <a:schemeClr val="accent1"/>
+          </a:lnRef>
+          <a:fillRef idx="0">
+            <a:schemeClr val="accent1"/>
+          </a:fillRef>
+          <a:effectRef idx="1">
+            <a:schemeClr val="accent1"/>
+          </a:effectRef>
+          <a:fontRef idx="minor">
+            <a:schemeClr val="tx1"/>
+          </a:fontRef>
+        </p:style>
+      </p:cxnSp>
+      <p:sp>
+        <p:nvSpPr>
+          <p:cNvPr id="23" name="TextBox 22">
+            <a:extLst>
+              <a:ext uri="{FF2B5EF4-FFF2-40B4-BE49-F238E27FC236}">
+                <a16:creationId xmlns:a16="http://schemas.microsoft.com/office/drawing/2014/main" id="{9DCB6810-1869-848A-E786-06CE3AFB0434}"/>
+              </a:ext>
+            </a:extLst>
+          </p:cNvPr>
+          <p:cNvSpPr txBox="1"/>
+          <p:nvPr/>
+        </p:nvSpPr>
+        <p:spPr>
+          <a:xfrm>
+            <a:off x="5019270" y="5388683"/>
+            <a:ext cx="2153460" cy="1415772"/>
+          </a:xfrm>
+          <a:prstGeom prst="rect">
+            <a:avLst/>
+          </a:prstGeom>
+          <a:noFill/>
+        </p:spPr>
+        <p:txBody>
+          <a:bodyPr wrap="square" rtlCol="0">
+            <a:spAutoFit/>
+          </a:bodyPr>
+          <a:lstStyle/>
+          <a:p>
+            <a:pPr algn="ctr"/>
+            <a:r>
+              <a:rPr lang="en-GB" sz="3200" b="1" dirty="0">
+                <a:solidFill>
+                  <a:schemeClr val="tx1">
+                    <a:lumMod val="50000"/>
+                    <a:lumOff val="50000"/>
+                  </a:schemeClr>
+                </a:solidFill>
+              </a:rPr>
+              <a:t>STOP TIME</a:t>
+            </a:r>
+            <a:br>
+              <a:rPr lang="en-GB" sz="3200" b="1" dirty="0">
+                <a:solidFill>
+                  <a:schemeClr val="tx1">
+                    <a:lumMod val="50000"/>
+                    <a:lumOff val="50000"/>
+                  </a:schemeClr>
+                </a:solidFill>
+              </a:rPr>
+            </a:br>
+            <a:r>
+              <a:rPr lang="en-GB" sz="5400" b="1" dirty="0">
+                <a:solidFill>
+                  <a:schemeClr val="bg1"/>
+                </a:solidFill>
+              </a:rPr>
+              <a:t>0s</a:t>
+            </a:r>
+            <a:endParaRPr lang="en-GB" sz="3200" b="1" dirty="0">
+              <a:solidFill>
+                <a:schemeClr val="bg1"/>
+              </a:solidFill>
+            </a:endParaRPr>
+          </a:p>
+        </p:txBody>
+      </p:sp>
+      <p:cxnSp>
+        <p:nvCxnSpPr>
+          <p:cNvPr id="24" name="Straight Connector 23">
+            <a:extLst>
+              <a:ext uri="{FF2B5EF4-FFF2-40B4-BE49-F238E27FC236}">
+                <a16:creationId xmlns:a16="http://schemas.microsoft.com/office/drawing/2014/main" id="{70FFA77F-789F-E043-23C3-230A1FA0BA16}"/>
+              </a:ext>
+            </a:extLst>
+          </p:cNvPr>
+          <p:cNvCxnSpPr/>
+          <p:nvPr/>
+        </p:nvCxnSpPr>
+        <p:spPr>
+          <a:xfrm>
+            <a:off x="1794687" y="3674252"/>
+            <a:ext cx="8592258" cy="0"/>
+          </a:xfrm>
+          <a:prstGeom prst="line">
+            <a:avLst/>
+          </a:prstGeom>
+          <a:ln w="57150">
+            <a:solidFill>
+              <a:schemeClr val="bg1">
+                <a:lumMod val="95000"/>
+              </a:schemeClr>
+            </a:solidFill>
+          </a:ln>
+        </p:spPr>
+        <p:style>
+          <a:lnRef idx="2">
+            <a:schemeClr val="accent1"/>
+          </a:lnRef>
+          <a:fillRef idx="0">
+            <a:schemeClr val="accent1"/>
+          </a:fillRef>
+          <a:effectRef idx="1">
+            <a:schemeClr val="accent1"/>
+          </a:effectRef>
+          <a:fontRef idx="minor">
+            <a:schemeClr val="tx1"/>
+          </a:fontRef>
+        </p:style>
+      </p:cxnSp>
+      <p:sp>
+        <p:nvSpPr>
+          <p:cNvPr id="26" name="TextBox 25">
+            <a:extLst>
+              <a:ext uri="{FF2B5EF4-FFF2-40B4-BE49-F238E27FC236}">
+                <a16:creationId xmlns:a16="http://schemas.microsoft.com/office/drawing/2014/main" id="{4A1F055A-16AC-ECA0-0FCA-5E11EDA973A0}"/>
+              </a:ext>
+            </a:extLst>
+          </p:cNvPr>
+          <p:cNvSpPr txBox="1"/>
+          <p:nvPr/>
+        </p:nvSpPr>
+        <p:spPr>
+          <a:xfrm>
+            <a:off x="4816517" y="3792533"/>
+            <a:ext cx="2574253" cy="1415772"/>
+          </a:xfrm>
+          <a:prstGeom prst="rect">
+            <a:avLst/>
+          </a:prstGeom>
+          <a:noFill/>
+        </p:spPr>
+        <p:txBody>
+          <a:bodyPr wrap="square" rtlCol="0">
+            <a:spAutoFit/>
+          </a:bodyPr>
+          <a:lstStyle/>
+          <a:p>
+            <a:pPr algn="ctr"/>
+            <a:r>
+              <a:rPr lang="en-GB" sz="3200" b="1" dirty="0">
+                <a:solidFill>
+                  <a:schemeClr val="tx1">
+                    <a:lumMod val="50000"/>
+                    <a:lumOff val="50000"/>
+                  </a:schemeClr>
+                </a:solidFill>
+              </a:rPr>
+              <a:t>FUEL CONF</a:t>
+            </a:r>
+            <a:br>
+              <a:rPr lang="en-GB" sz="3200" b="1" dirty="0">
+                <a:solidFill>
+                  <a:schemeClr val="tx1">
+                    <a:lumMod val="50000"/>
+                    <a:lumOff val="50000"/>
+                  </a:schemeClr>
+                </a:solidFill>
+              </a:rPr>
+            </a:br>
+            <a:r>
+              <a:rPr lang="en-GB" sz="5400" b="1" dirty="0">
+                <a:solidFill>
+                  <a:srgbClr val="FFFF00"/>
+                </a:solidFill>
+              </a:rPr>
+              <a:t>70%</a:t>
+            </a:r>
+            <a:endParaRPr lang="en-GB" sz="3200" b="1" dirty="0">
+              <a:solidFill>
+                <a:srgbClr val="FFFF00"/>
+              </a:solidFill>
+            </a:endParaRPr>
+          </a:p>
+        </p:txBody>
+      </p:sp>
+      <p:sp>
+        <p:nvSpPr>
+          <p:cNvPr id="27" name="TextBox 26">
+            <a:extLst>
+              <a:ext uri="{FF2B5EF4-FFF2-40B4-BE49-F238E27FC236}">
+                <a16:creationId xmlns:a16="http://schemas.microsoft.com/office/drawing/2014/main" id="{9203C13E-B2F6-9988-BC3D-BCCAB0379428}"/>
+              </a:ext>
+            </a:extLst>
+          </p:cNvPr>
+          <p:cNvSpPr txBox="1"/>
+          <p:nvPr/>
+        </p:nvSpPr>
+        <p:spPr>
+          <a:xfrm>
+            <a:off x="1905159" y="3792533"/>
+            <a:ext cx="1686160" cy="1415772"/>
+          </a:xfrm>
+          <a:prstGeom prst="rect">
+            <a:avLst/>
+          </a:prstGeom>
+          <a:noFill/>
+        </p:spPr>
+        <p:txBody>
+          <a:bodyPr wrap="square" rtlCol="0">
+            <a:spAutoFit/>
+          </a:bodyPr>
+          <a:lstStyle/>
+          <a:p>
+            <a:pPr algn="ctr"/>
+            <a:r>
+              <a:rPr lang="en-GB" sz="3200" b="1" dirty="0">
+                <a:solidFill>
+                  <a:schemeClr val="tx1">
+                    <a:lumMod val="50000"/>
+                    <a:lumOff val="50000"/>
+                  </a:schemeClr>
+                </a:solidFill>
+              </a:rPr>
+              <a:t>SAVE </a:t>
+            </a:r>
+            <a:br>
+              <a:rPr lang="en-GB" sz="3200" b="1" dirty="0">
+                <a:solidFill>
+                  <a:schemeClr val="tx1">
+                    <a:lumMod val="50000"/>
+                    <a:lumOff val="50000"/>
+                  </a:schemeClr>
+                </a:solidFill>
+              </a:rPr>
+            </a:br>
+            <a:r>
+              <a:rPr lang="en-GB" sz="5400" b="1" dirty="0">
+                <a:solidFill>
+                  <a:srgbClr val="92D050"/>
+                </a:solidFill>
+              </a:rPr>
+              <a:t>2.3</a:t>
+            </a:r>
+            <a:endParaRPr lang="en-GB" sz="3200" b="1" dirty="0">
+              <a:solidFill>
+                <a:srgbClr val="92D050"/>
+              </a:solidFill>
+            </a:endParaRPr>
+          </a:p>
+        </p:txBody>
+      </p:sp>
+      <p:sp>
+        <p:nvSpPr>
+          <p:cNvPr id="28" name="TextBox 27">
+            <a:extLst>
+              <a:ext uri="{FF2B5EF4-FFF2-40B4-BE49-F238E27FC236}">
+                <a16:creationId xmlns:a16="http://schemas.microsoft.com/office/drawing/2014/main" id="{97E66E00-7B52-33AD-D052-FBAEFEDB8075}"/>
+              </a:ext>
+            </a:extLst>
+          </p:cNvPr>
+          <p:cNvSpPr txBox="1"/>
+          <p:nvPr/>
+        </p:nvSpPr>
+        <p:spPr>
+          <a:xfrm>
+            <a:off x="8615968" y="3792533"/>
+            <a:ext cx="1764892" cy="1415772"/>
+          </a:xfrm>
+          <a:prstGeom prst="rect">
+            <a:avLst/>
+          </a:prstGeom>
+          <a:noFill/>
+        </p:spPr>
+        <p:txBody>
+          <a:bodyPr wrap="square" rtlCol="0">
+            <a:spAutoFit/>
+          </a:bodyPr>
+          <a:lstStyle/>
+          <a:p>
+            <a:pPr algn="ctr"/>
+            <a:r>
+              <a:rPr lang="en-GB" sz="3200" b="1" dirty="0">
+                <a:solidFill>
+                  <a:schemeClr val="tx1">
+                    <a:lumMod val="50000"/>
+                    <a:lumOff val="50000"/>
+                  </a:schemeClr>
+                </a:solidFill>
+              </a:rPr>
+              <a:t>PUSH</a:t>
+            </a:r>
+            <a:br>
+              <a:rPr lang="en-GB" sz="3200" b="1" dirty="0">
+                <a:solidFill>
+                  <a:schemeClr val="tx1">
+                    <a:lumMod val="50000"/>
+                    <a:lumOff val="50000"/>
+                  </a:schemeClr>
+                </a:solidFill>
+              </a:rPr>
+            </a:br>
+            <a:r>
+              <a:rPr lang="en-GB" sz="5400" b="1" dirty="0">
+                <a:solidFill>
+                  <a:srgbClr val="FF0000"/>
+                </a:solidFill>
+              </a:rPr>
+              <a:t>-0.5</a:t>
+            </a:r>
+            <a:endParaRPr lang="en-GB" sz="3200" b="1" dirty="0">
+              <a:solidFill>
+                <a:srgbClr val="FF0000"/>
+              </a:solidFill>
+            </a:endParaRPr>
+          </a:p>
+        </p:txBody>
+      </p:sp>
+      <p:sp>
+        <p:nvSpPr>
+          <p:cNvPr id="30" name="Rectangle 29">
+            <a:extLst>
+              <a:ext uri="{FF2B5EF4-FFF2-40B4-BE49-F238E27FC236}">
+                <a16:creationId xmlns:a16="http://schemas.microsoft.com/office/drawing/2014/main" id="{B7EB2C9E-4F50-9F0A-5904-E0D807F8CC3C}"/>
+              </a:ext>
+            </a:extLst>
+          </p:cNvPr>
+          <p:cNvSpPr/>
+          <p:nvPr/>
+        </p:nvSpPr>
+        <p:spPr>
+          <a:xfrm>
+            <a:off x="1877003" y="415259"/>
+            <a:ext cx="8428693" cy="1348618"/>
+          </a:xfrm>
+          <a:prstGeom prst="rect">
+            <a:avLst/>
+          </a:prstGeom>
+          <a:solidFill>
+            <a:srgbClr val="0012C0"/>
+          </a:solidFill>
+        </p:spPr>
+        <p:style>
+          <a:lnRef idx="2">
+            <a:schemeClr val="accent4">
+              <a:shade val="15000"/>
+            </a:schemeClr>
+          </a:lnRef>
+          <a:fillRef idx="1">
+            <a:schemeClr val="accent4"/>
+          </a:fillRef>
+          <a:effectRef idx="0">
+            <a:schemeClr val="accent4"/>
+          </a:effectRef>
+          <a:fontRef idx="minor">
+            <a:schemeClr val="lt1"/>
+          </a:fontRef>
+        </p:style>
+        <p:txBody>
+          <a:bodyPr rtlCol="0" anchor="ctr"/>
+          <a:lstStyle/>
+          <a:p>
+            <a:pPr algn="ctr"/>
+            <a:r>
+              <a:rPr lang="en-GB" sz="9600" b="1" dirty="0"/>
+              <a:t>LIMITER ON</a:t>
+            </a:r>
+          </a:p>
+        </p:txBody>
+      </p:sp>
+      <p:sp>
+        <p:nvSpPr>
+          <p:cNvPr id="31" name="TextBox 30">
+            <a:extLst>
+              <a:ext uri="{FF2B5EF4-FFF2-40B4-BE49-F238E27FC236}">
+                <a16:creationId xmlns:a16="http://schemas.microsoft.com/office/drawing/2014/main" id="{5027285D-F376-D6F0-2848-2EF76EA47D7E}"/>
+              </a:ext>
+            </a:extLst>
+          </p:cNvPr>
+          <p:cNvSpPr txBox="1"/>
+          <p:nvPr/>
+        </p:nvSpPr>
+        <p:spPr>
+          <a:xfrm>
+            <a:off x="380132" y="-21065"/>
+            <a:ext cx="3809376" cy="369332"/>
+          </a:xfrm>
+          <a:prstGeom prst="rect">
+            <a:avLst/>
+          </a:prstGeom>
+          <a:noFill/>
+        </p:spPr>
+        <p:txBody>
+          <a:bodyPr wrap="none" rtlCol="0">
+            <a:spAutoFit/>
+          </a:bodyPr>
+          <a:lstStyle/>
+          <a:p>
+            <a:r>
+              <a:rPr lang="en-GB" dirty="0"/>
+              <a:t>Approaching Box (Past Pit Entry Line)</a:t>
+            </a:r>
+          </a:p>
+        </p:txBody>
+      </p:sp>
+      <p:sp>
+        <p:nvSpPr>
+          <p:cNvPr id="34" name="TextBox 33">
+            <a:extLst>
+              <a:ext uri="{FF2B5EF4-FFF2-40B4-BE49-F238E27FC236}">
+                <a16:creationId xmlns:a16="http://schemas.microsoft.com/office/drawing/2014/main" id="{773361C3-5C89-467E-C282-2B89CA9ECAFC}"/>
+              </a:ext>
+            </a:extLst>
+          </p:cNvPr>
+          <p:cNvSpPr txBox="1"/>
+          <p:nvPr/>
+        </p:nvSpPr>
+        <p:spPr>
+          <a:xfrm>
+            <a:off x="1894791" y="5383928"/>
+            <a:ext cx="1696527" cy="1415772"/>
+          </a:xfrm>
+          <a:prstGeom prst="rect">
+            <a:avLst/>
+          </a:prstGeom>
+          <a:noFill/>
+        </p:spPr>
+        <p:txBody>
+          <a:bodyPr wrap="square" rtlCol="0">
+            <a:spAutoFit/>
+          </a:bodyPr>
+          <a:lstStyle/>
+          <a:p>
+            <a:pPr algn="ctr"/>
+            <a:r>
+              <a:rPr lang="en-GB" sz="3200" b="1" dirty="0">
+                <a:solidFill>
+                  <a:schemeClr val="tx1">
+                    <a:lumMod val="50000"/>
+                    <a:lumOff val="50000"/>
+                  </a:schemeClr>
+                </a:solidFill>
+              </a:rPr>
+              <a:t>TYRE</a:t>
+            </a:r>
+            <a:br>
+              <a:rPr lang="en-GB" sz="3200" b="1" dirty="0">
+                <a:solidFill>
+                  <a:schemeClr val="tx1">
+                    <a:lumMod val="50000"/>
+                    <a:lumOff val="50000"/>
+                  </a:schemeClr>
+                </a:solidFill>
+              </a:rPr>
+            </a:br>
+            <a:r>
+              <a:rPr lang="en-GB" sz="5400" b="1" dirty="0">
+                <a:solidFill>
+                  <a:schemeClr val="bg1"/>
+                </a:solidFill>
+              </a:rPr>
+              <a:t>DRY</a:t>
+            </a:r>
+            <a:endParaRPr lang="en-GB" sz="3200" b="1" dirty="0">
+              <a:solidFill>
+                <a:schemeClr val="bg1"/>
+              </a:solidFill>
+            </a:endParaRPr>
+          </a:p>
+        </p:txBody>
+      </p:sp>
+      <p:sp>
+        <p:nvSpPr>
+          <p:cNvPr id="35" name="TextBox 34">
+            <a:extLst>
+              <a:ext uri="{FF2B5EF4-FFF2-40B4-BE49-F238E27FC236}">
+                <a16:creationId xmlns:a16="http://schemas.microsoft.com/office/drawing/2014/main" id="{94E64CC8-10C8-B913-3378-70CE9C43F165}"/>
+              </a:ext>
+            </a:extLst>
+          </p:cNvPr>
+          <p:cNvSpPr txBox="1"/>
+          <p:nvPr/>
+        </p:nvSpPr>
+        <p:spPr>
+          <a:xfrm>
+            <a:off x="8657840" y="5388683"/>
+            <a:ext cx="1705458" cy="1415772"/>
+          </a:xfrm>
+          <a:prstGeom prst="rect">
+            <a:avLst/>
+          </a:prstGeom>
+          <a:noFill/>
+        </p:spPr>
+        <p:txBody>
+          <a:bodyPr wrap="square" rtlCol="0">
+            <a:spAutoFit/>
+          </a:bodyPr>
+          <a:lstStyle/>
+          <a:p>
+            <a:pPr algn="ctr"/>
+            <a:r>
+              <a:rPr lang="en-GB" sz="3200" b="1" dirty="0">
+                <a:solidFill>
+                  <a:schemeClr val="tx1">
+                    <a:lumMod val="50000"/>
+                    <a:lumOff val="50000"/>
+                  </a:schemeClr>
+                </a:solidFill>
+              </a:rPr>
+              <a:t>REPAIR</a:t>
+            </a:r>
+            <a:br>
+              <a:rPr lang="en-GB" sz="3200" b="1" dirty="0">
+                <a:solidFill>
+                  <a:schemeClr val="tx1">
+                    <a:lumMod val="50000"/>
+                    <a:lumOff val="50000"/>
+                  </a:schemeClr>
+                </a:solidFill>
+              </a:rPr>
+            </a:br>
+            <a:r>
+              <a:rPr lang="en-GB" sz="5400" b="1" dirty="0">
+                <a:solidFill>
+                  <a:schemeClr val="bg1"/>
+                </a:solidFill>
+              </a:rPr>
+              <a:t>YES</a:t>
+            </a:r>
+            <a:endParaRPr lang="en-GB" sz="3200" b="1" dirty="0">
+              <a:solidFill>
+                <a:schemeClr val="bg1"/>
+              </a:solidFill>
+            </a:endParaRPr>
+          </a:p>
+        </p:txBody>
+      </p:sp>
+      <p:sp>
+        <p:nvSpPr>
+          <p:cNvPr id="36" name="Rectangle 35">
+            <a:extLst>
+              <a:ext uri="{FF2B5EF4-FFF2-40B4-BE49-F238E27FC236}">
+                <a16:creationId xmlns:a16="http://schemas.microsoft.com/office/drawing/2014/main" id="{258FAB18-0A1A-1157-E45C-0231B68869E5}"/>
+              </a:ext>
+            </a:extLst>
+          </p:cNvPr>
+          <p:cNvSpPr/>
+          <p:nvPr/>
+        </p:nvSpPr>
+        <p:spPr>
+          <a:xfrm>
+            <a:off x="371495" y="347263"/>
+            <a:ext cx="11438644" cy="6487763"/>
+          </a:xfrm>
+          <a:prstGeom prst="rect">
+            <a:avLst/>
+          </a:prstGeom>
+          <a:noFill/>
+          <a:ln w="76200">
+            <a:solidFill>
+              <a:srgbClr val="CC00C2"/>
+            </a:solidFill>
+          </a:ln>
+        </p:spPr>
+        <p:style>
+          <a:lnRef idx="2">
+            <a:schemeClr val="accent1">
+              <a:shade val="15000"/>
+            </a:schemeClr>
+          </a:lnRef>
+          <a:fillRef idx="1">
+            <a:schemeClr val="accent1"/>
+          </a:fillRef>
+          <a:effectRef idx="0">
+            <a:schemeClr val="accent1"/>
+          </a:effectRef>
+          <a:fontRef idx="minor">
+            <a:schemeClr val="lt1"/>
+          </a:fontRef>
+        </p:style>
+        <p:txBody>
+          <a:bodyPr rtlCol="0" anchor="ctr"/>
+          <a:lstStyle/>
+          <a:p>
+            <a:pPr algn="ctr"/>
+            <a:endParaRPr lang="en-GB"/>
+          </a:p>
+        </p:txBody>
+      </p:sp>
     </p:spTree>
     <p:extLst>
       <p:ext uri="{BB962C8B-B14F-4D97-AF65-F5344CB8AC3E}">
-        <p14:creationId xmlns:p14="http://schemas.microsoft.com/office/powerpoint/2010/main" val="1739857644"/>
+        <p14:creationId xmlns:p14="http://schemas.microsoft.com/office/powerpoint/2010/main" val="2734460362"/>
       </p:ext>
     </p:extLst>
   </p:cSld>
@@ -3884,7 +6076,7 @@
         <p:cNvPr id="1" name="">
           <a:extLst>
             <a:ext uri="{FF2B5EF4-FFF2-40B4-BE49-F238E27FC236}">
-              <a16:creationId xmlns:a16="http://schemas.microsoft.com/office/drawing/2014/main" id="{AA84B83F-ABE3-D87F-3831-357223EC0AD7}"/>
+              <a16:creationId xmlns:a16="http://schemas.microsoft.com/office/drawing/2014/main" id="{C37CD710-E6F7-9C7C-E564-D1B4683DDB98}"/>
             </a:ext>
           </a:extLst>
         </p:cNvPr>
@@ -3899,12 +6091,174 @@
           <a:chExt cx="0" cy="0"/>
         </a:xfrm>
       </p:grpSpPr>
+      <p:sp>
+        <p:nvSpPr>
+          <p:cNvPr id="2" name="Rectangle 1">
+            <a:extLst>
+              <a:ext uri="{FF2B5EF4-FFF2-40B4-BE49-F238E27FC236}">
+                <a16:creationId xmlns:a16="http://schemas.microsoft.com/office/drawing/2014/main" id="{FA7E91B2-FCB3-93BC-514A-0BE17C5EA46B}"/>
+              </a:ext>
+            </a:extLst>
+          </p:cNvPr>
+          <p:cNvSpPr/>
+          <p:nvPr/>
+        </p:nvSpPr>
+        <p:spPr>
+          <a:xfrm>
+            <a:off x="347621" y="318982"/>
+            <a:ext cx="11496758" cy="6516045"/>
+          </a:xfrm>
+          <a:prstGeom prst="rect">
+            <a:avLst/>
+          </a:prstGeom>
+          <a:solidFill>
+            <a:schemeClr val="tx1"/>
+          </a:solidFill>
+          <a:ln w="57150">
+            <a:solidFill>
+              <a:schemeClr val="bg1">
+                <a:lumMod val="95000"/>
+              </a:schemeClr>
+            </a:solidFill>
+          </a:ln>
+        </p:spPr>
+        <p:style>
+          <a:lnRef idx="2">
+            <a:schemeClr val="accent1">
+              <a:shade val="15000"/>
+            </a:schemeClr>
+          </a:lnRef>
+          <a:fillRef idx="1">
+            <a:schemeClr val="accent1"/>
+          </a:fillRef>
+          <a:effectRef idx="0">
+            <a:schemeClr val="accent1"/>
+          </a:effectRef>
+          <a:fontRef idx="minor">
+            <a:schemeClr val="lt1"/>
+          </a:fontRef>
+        </p:style>
+        <p:txBody>
+          <a:bodyPr rtlCol="0" anchor="ctr"/>
+          <a:lstStyle/>
+          <a:p>
+            <a:pPr algn="ctr"/>
+            <a:endParaRPr lang="en-GB" sz="4400" b="1" dirty="0"/>
+          </a:p>
+        </p:txBody>
+      </p:sp>
+      <p:sp>
+        <p:nvSpPr>
+          <p:cNvPr id="4" name="Rectangle 3">
+            <a:extLst>
+              <a:ext uri="{FF2B5EF4-FFF2-40B4-BE49-F238E27FC236}">
+                <a16:creationId xmlns:a16="http://schemas.microsoft.com/office/drawing/2014/main" id="{2514A33A-45D8-EF60-30F2-50D5A2D72A69}"/>
+              </a:ext>
+            </a:extLst>
+          </p:cNvPr>
+          <p:cNvSpPr/>
+          <p:nvPr/>
+        </p:nvSpPr>
+        <p:spPr>
+          <a:xfrm>
+            <a:off x="371495" y="348267"/>
+            <a:ext cx="1423193" cy="6486759"/>
+          </a:xfrm>
+          <a:prstGeom prst="rect">
+            <a:avLst/>
+          </a:prstGeom>
+          <a:ln w="57150">
+            <a:solidFill>
+              <a:schemeClr val="bg1">
+                <a:lumMod val="95000"/>
+              </a:schemeClr>
+            </a:solidFill>
+          </a:ln>
+        </p:spPr>
+        <p:style>
+          <a:lnRef idx="2">
+            <a:schemeClr val="dk1">
+              <a:shade val="15000"/>
+            </a:schemeClr>
+          </a:lnRef>
+          <a:fillRef idx="1">
+            <a:schemeClr val="dk1"/>
+          </a:fillRef>
+          <a:effectRef idx="0">
+            <a:schemeClr val="dk1"/>
+          </a:effectRef>
+          <a:fontRef idx="minor">
+            <a:schemeClr val="lt1"/>
+          </a:fontRef>
+        </p:style>
+        <p:txBody>
+          <a:bodyPr rtlCol="0" anchor="ctr"/>
+          <a:lstStyle/>
+          <a:p>
+            <a:pPr algn="ctr"/>
+            <a:endParaRPr lang="en-GB"/>
+          </a:p>
+        </p:txBody>
+      </p:sp>
+      <p:sp>
+        <p:nvSpPr>
+          <p:cNvPr id="5" name="Rectangle 4">
+            <a:extLst>
+              <a:ext uri="{FF2B5EF4-FFF2-40B4-BE49-F238E27FC236}">
+                <a16:creationId xmlns:a16="http://schemas.microsoft.com/office/drawing/2014/main" id="{5DEC20D4-F56E-1BDC-883A-19E8893C13A3}"/>
+              </a:ext>
+            </a:extLst>
+          </p:cNvPr>
+          <p:cNvSpPr/>
+          <p:nvPr/>
+        </p:nvSpPr>
+        <p:spPr>
+          <a:xfrm>
+            <a:off x="10386946" y="348267"/>
+            <a:ext cx="1423193" cy="6477151"/>
+          </a:xfrm>
+          <a:prstGeom prst="rect">
+            <a:avLst/>
+          </a:prstGeom>
+          <a:ln w="57150">
+            <a:solidFill>
+              <a:schemeClr val="bg1">
+                <a:lumMod val="95000"/>
+              </a:schemeClr>
+            </a:solidFill>
+          </a:ln>
+        </p:spPr>
+        <p:style>
+          <a:lnRef idx="2">
+            <a:schemeClr val="dk1">
+              <a:shade val="15000"/>
+            </a:schemeClr>
+          </a:lnRef>
+          <a:fillRef idx="1">
+            <a:schemeClr val="dk1"/>
+          </a:fillRef>
+          <a:effectRef idx="0">
+            <a:schemeClr val="dk1"/>
+          </a:effectRef>
+          <a:fontRef idx="minor">
+            <a:schemeClr val="lt1"/>
+          </a:fontRef>
+        </p:style>
+        <p:txBody>
+          <a:bodyPr rtlCol="0" anchor="ctr"/>
+          <a:lstStyle/>
+          <a:p>
+            <a:pPr algn="ctr"/>
+            <a:endParaRPr lang="en-GB" dirty="0"/>
+          </a:p>
+        </p:txBody>
+      </p:sp>
       <p:pic>
         <p:nvPicPr>
-          <p:cNvPr id="3" name="Picture 2">
-            <a:extLst>
-              <a:ext uri="{FF2B5EF4-FFF2-40B4-BE49-F238E27FC236}">
-                <a16:creationId xmlns:a16="http://schemas.microsoft.com/office/drawing/2014/main" id="{FBC7FE6D-CDAB-1AF2-7FB2-5B1392861C3B}"/>
+          <p:cNvPr id="12" name="Picture 11" descr="A pink rectangle with white text&#10;&#10;AI-generated content may be incorrect.">
+            <a:extLst>
+              <a:ext uri="{FF2B5EF4-FFF2-40B4-BE49-F238E27FC236}">
+                <a16:creationId xmlns:a16="http://schemas.microsoft.com/office/drawing/2014/main" id="{099299AC-7E3B-E017-BAC2-0F80345A958D}"/>
               </a:ext>
             </a:extLst>
           </p:cNvPr>
@@ -3914,25 +6268,858 @@
           <p:nvPr/>
         </p:nvPicPr>
         <p:blipFill>
-          <a:blip r:embed="rId2"/>
+          <a:blip r:embed="rId3"/>
           <a:stretch>
             <a:fillRect/>
           </a:stretch>
         </p:blipFill>
         <p:spPr>
           <a:xfrm>
-            <a:off x="1208993" y="175758"/>
-            <a:ext cx="9774014" cy="6506483"/>
+            <a:off x="10386947" y="387160"/>
+            <a:ext cx="1378589" cy="6408972"/>
           </a:xfrm>
           <a:prstGeom prst="rect">
             <a:avLst/>
           </a:prstGeom>
         </p:spPr>
       </p:pic>
+      <p:cxnSp>
+        <p:nvCxnSpPr>
+          <p:cNvPr id="14" name="Straight Connector 13">
+            <a:extLst>
+              <a:ext uri="{FF2B5EF4-FFF2-40B4-BE49-F238E27FC236}">
+                <a16:creationId xmlns:a16="http://schemas.microsoft.com/office/drawing/2014/main" id="{25029574-6595-5147-1CCA-57E64E683449}"/>
+              </a:ext>
+            </a:extLst>
+          </p:cNvPr>
+          <p:cNvCxnSpPr/>
+          <p:nvPr/>
+        </p:nvCxnSpPr>
+        <p:spPr>
+          <a:xfrm>
+            <a:off x="1794688" y="1805364"/>
+            <a:ext cx="8592258" cy="0"/>
+          </a:xfrm>
+          <a:prstGeom prst="line">
+            <a:avLst/>
+          </a:prstGeom>
+          <a:ln w="57150">
+            <a:solidFill>
+              <a:schemeClr val="bg1">
+                <a:lumMod val="95000"/>
+              </a:schemeClr>
+            </a:solidFill>
+          </a:ln>
+        </p:spPr>
+        <p:style>
+          <a:lnRef idx="2">
+            <a:schemeClr val="accent1"/>
+          </a:lnRef>
+          <a:fillRef idx="0">
+            <a:schemeClr val="accent1"/>
+          </a:fillRef>
+          <a:effectRef idx="1">
+            <a:schemeClr val="accent1"/>
+          </a:effectRef>
+          <a:fontRef idx="minor">
+            <a:schemeClr val="tx1"/>
+          </a:fontRef>
+        </p:style>
+      </p:cxnSp>
+      <p:sp>
+        <p:nvSpPr>
+          <p:cNvPr id="15" name="TextBox 14">
+            <a:extLst>
+              <a:ext uri="{FF2B5EF4-FFF2-40B4-BE49-F238E27FC236}">
+                <a16:creationId xmlns:a16="http://schemas.microsoft.com/office/drawing/2014/main" id="{DC5447A9-4D91-E92F-0263-D6DC35DE22D8}"/>
+              </a:ext>
+            </a:extLst>
+          </p:cNvPr>
+          <p:cNvSpPr txBox="1"/>
+          <p:nvPr/>
+        </p:nvSpPr>
+        <p:spPr>
+          <a:xfrm>
+            <a:off x="4358548" y="1748843"/>
+            <a:ext cx="3464538" cy="2123658"/>
+          </a:xfrm>
+          <a:prstGeom prst="rect">
+            <a:avLst/>
+          </a:prstGeom>
+          <a:noFill/>
+        </p:spPr>
+        <p:txBody>
+          <a:bodyPr wrap="none" rtlCol="0">
+            <a:spAutoFit/>
+          </a:bodyPr>
+          <a:lstStyle/>
+          <a:p>
+            <a:pPr algn="ctr"/>
+            <a:r>
+              <a:rPr lang="en-GB" sz="4800" b="1" dirty="0">
+                <a:solidFill>
+                  <a:schemeClr val="tx1">
+                    <a:lumMod val="50000"/>
+                    <a:lumOff val="50000"/>
+                  </a:schemeClr>
+                </a:solidFill>
+              </a:rPr>
+              <a:t>FUEL DELTA</a:t>
+            </a:r>
+            <a:br>
+              <a:rPr lang="en-GB" sz="4800" b="1" dirty="0">
+                <a:solidFill>
+                  <a:schemeClr val="tx1">
+                    <a:lumMod val="50000"/>
+                    <a:lumOff val="50000"/>
+                  </a:schemeClr>
+                </a:solidFill>
+              </a:rPr>
+            </a:br>
+            <a:r>
+              <a:rPr lang="en-GB" sz="8400" b="1" dirty="0">
+                <a:solidFill>
+                  <a:srgbClr val="92D050"/>
+                </a:solidFill>
+              </a:rPr>
+              <a:t>0.3</a:t>
+            </a:r>
+          </a:p>
+        </p:txBody>
+      </p:sp>
+      <p:pic>
+        <p:nvPicPr>
+          <p:cNvPr id="17" name="Picture 16" descr="A black and white sign with a gas pump&#10;&#10;AI-generated content may be incorrect.">
+            <a:extLst>
+              <a:ext uri="{FF2B5EF4-FFF2-40B4-BE49-F238E27FC236}">
+                <a16:creationId xmlns:a16="http://schemas.microsoft.com/office/drawing/2014/main" id="{FE3CB259-B882-2C6D-1088-7AA1E037867E}"/>
+              </a:ext>
+            </a:extLst>
+          </p:cNvPr>
+          <p:cNvPicPr>
+            <a:picLocks noChangeAspect="1"/>
+          </p:cNvPicPr>
+          <p:nvPr/>
+        </p:nvPicPr>
+        <p:blipFill>
+          <a:blip r:embed="rId4"/>
+          <a:stretch>
+            <a:fillRect/>
+          </a:stretch>
+        </p:blipFill>
+        <p:spPr>
+          <a:xfrm>
+            <a:off x="1905158" y="1901757"/>
+            <a:ext cx="1686160" cy="1619476"/>
+          </a:xfrm>
+          <a:prstGeom prst="rect">
+            <a:avLst/>
+          </a:prstGeom>
+        </p:spPr>
+      </p:pic>
+      <p:pic>
+        <p:nvPicPr>
+          <p:cNvPr id="19" name="Picture 18" descr="A black and white sign with white text&#10;&#10;AI-generated content may be incorrect.">
+            <a:extLst>
+              <a:ext uri="{FF2B5EF4-FFF2-40B4-BE49-F238E27FC236}">
+                <a16:creationId xmlns:a16="http://schemas.microsoft.com/office/drawing/2014/main" id="{BC00C47E-4191-DCEB-995F-5A91F3DBD1F0}"/>
+              </a:ext>
+            </a:extLst>
+          </p:cNvPr>
+          <p:cNvPicPr>
+            <a:picLocks noChangeAspect="1"/>
+          </p:cNvPicPr>
+          <p:nvPr/>
+        </p:nvPicPr>
+        <p:blipFill>
+          <a:blip r:embed="rId5"/>
+          <a:stretch>
+            <a:fillRect/>
+          </a:stretch>
+        </p:blipFill>
+        <p:spPr>
+          <a:xfrm>
+            <a:off x="8657840" y="1901757"/>
+            <a:ext cx="1629002" cy="1619476"/>
+          </a:xfrm>
+          <a:prstGeom prst="rect">
+            <a:avLst/>
+          </a:prstGeom>
+        </p:spPr>
+      </p:pic>
+      <p:cxnSp>
+        <p:nvCxnSpPr>
+          <p:cNvPr id="21" name="Straight Connector 20">
+            <a:extLst>
+              <a:ext uri="{FF2B5EF4-FFF2-40B4-BE49-F238E27FC236}">
+                <a16:creationId xmlns:a16="http://schemas.microsoft.com/office/drawing/2014/main" id="{AE643309-5E4A-89E8-0388-1DDC24A133A8}"/>
+              </a:ext>
+            </a:extLst>
+          </p:cNvPr>
+          <p:cNvCxnSpPr/>
+          <p:nvPr/>
+        </p:nvCxnSpPr>
+        <p:spPr>
+          <a:xfrm>
+            <a:off x="1794687" y="5358210"/>
+            <a:ext cx="8592258" cy="0"/>
+          </a:xfrm>
+          <a:prstGeom prst="line">
+            <a:avLst/>
+          </a:prstGeom>
+          <a:ln w="57150">
+            <a:solidFill>
+              <a:schemeClr val="bg1">
+                <a:lumMod val="95000"/>
+              </a:schemeClr>
+            </a:solidFill>
+          </a:ln>
+        </p:spPr>
+        <p:style>
+          <a:lnRef idx="2">
+            <a:schemeClr val="accent1"/>
+          </a:lnRef>
+          <a:fillRef idx="0">
+            <a:schemeClr val="accent1"/>
+          </a:fillRef>
+          <a:effectRef idx="1">
+            <a:schemeClr val="accent1"/>
+          </a:effectRef>
+          <a:fontRef idx="minor">
+            <a:schemeClr val="tx1"/>
+          </a:fontRef>
+        </p:style>
+      </p:cxnSp>
+      <p:sp>
+        <p:nvSpPr>
+          <p:cNvPr id="23" name="TextBox 22">
+            <a:extLst>
+              <a:ext uri="{FF2B5EF4-FFF2-40B4-BE49-F238E27FC236}">
+                <a16:creationId xmlns:a16="http://schemas.microsoft.com/office/drawing/2014/main" id="{F38EB473-4AE9-745A-399A-851521C96CEB}"/>
+              </a:ext>
+            </a:extLst>
+          </p:cNvPr>
+          <p:cNvSpPr txBox="1"/>
+          <p:nvPr/>
+        </p:nvSpPr>
+        <p:spPr>
+          <a:xfrm>
+            <a:off x="5019270" y="5388683"/>
+            <a:ext cx="2153460" cy="1415772"/>
+          </a:xfrm>
+          <a:prstGeom prst="rect">
+            <a:avLst/>
+          </a:prstGeom>
+          <a:noFill/>
+        </p:spPr>
+        <p:txBody>
+          <a:bodyPr wrap="square" rtlCol="0">
+            <a:spAutoFit/>
+          </a:bodyPr>
+          <a:lstStyle/>
+          <a:p>
+            <a:pPr algn="ctr"/>
+            <a:r>
+              <a:rPr lang="en-GB" sz="3200" b="1" dirty="0">
+                <a:solidFill>
+                  <a:schemeClr val="tx1">
+                    <a:lumMod val="50000"/>
+                    <a:lumOff val="50000"/>
+                  </a:schemeClr>
+                </a:solidFill>
+              </a:rPr>
+              <a:t>STOP TIME</a:t>
+            </a:r>
+            <a:br>
+              <a:rPr lang="en-GB" sz="3200" b="1" dirty="0">
+                <a:solidFill>
+                  <a:schemeClr val="tx1">
+                    <a:lumMod val="50000"/>
+                    <a:lumOff val="50000"/>
+                  </a:schemeClr>
+                </a:solidFill>
+              </a:rPr>
+            </a:br>
+            <a:r>
+              <a:rPr lang="en-GB" sz="5400" b="1" dirty="0">
+                <a:solidFill>
+                  <a:schemeClr val="bg1"/>
+                </a:solidFill>
+              </a:rPr>
+              <a:t>3.0s</a:t>
+            </a:r>
+            <a:endParaRPr lang="en-GB" sz="3200" b="1" dirty="0">
+              <a:solidFill>
+                <a:schemeClr val="bg1"/>
+              </a:solidFill>
+            </a:endParaRPr>
+          </a:p>
+        </p:txBody>
+      </p:sp>
+      <p:cxnSp>
+        <p:nvCxnSpPr>
+          <p:cNvPr id="24" name="Straight Connector 23">
+            <a:extLst>
+              <a:ext uri="{FF2B5EF4-FFF2-40B4-BE49-F238E27FC236}">
+                <a16:creationId xmlns:a16="http://schemas.microsoft.com/office/drawing/2014/main" id="{C6B69EB2-25A8-31F2-C272-C04BE0D3BB81}"/>
+              </a:ext>
+            </a:extLst>
+          </p:cNvPr>
+          <p:cNvCxnSpPr/>
+          <p:nvPr/>
+        </p:nvCxnSpPr>
+        <p:spPr>
+          <a:xfrm>
+            <a:off x="1794687" y="3674252"/>
+            <a:ext cx="8592258" cy="0"/>
+          </a:xfrm>
+          <a:prstGeom prst="line">
+            <a:avLst/>
+          </a:prstGeom>
+          <a:ln w="57150">
+            <a:solidFill>
+              <a:schemeClr val="bg1">
+                <a:lumMod val="95000"/>
+              </a:schemeClr>
+            </a:solidFill>
+          </a:ln>
+        </p:spPr>
+        <p:style>
+          <a:lnRef idx="2">
+            <a:schemeClr val="accent1"/>
+          </a:lnRef>
+          <a:fillRef idx="0">
+            <a:schemeClr val="accent1"/>
+          </a:fillRef>
+          <a:effectRef idx="1">
+            <a:schemeClr val="accent1"/>
+          </a:effectRef>
+          <a:fontRef idx="minor">
+            <a:schemeClr val="tx1"/>
+          </a:fontRef>
+        </p:style>
+      </p:cxnSp>
+      <p:sp>
+        <p:nvSpPr>
+          <p:cNvPr id="26" name="TextBox 25">
+            <a:extLst>
+              <a:ext uri="{FF2B5EF4-FFF2-40B4-BE49-F238E27FC236}">
+                <a16:creationId xmlns:a16="http://schemas.microsoft.com/office/drawing/2014/main" id="{7279970A-9A8E-B7B1-C06A-1BBAAD7C187D}"/>
+              </a:ext>
+            </a:extLst>
+          </p:cNvPr>
+          <p:cNvSpPr txBox="1"/>
+          <p:nvPr/>
+        </p:nvSpPr>
+        <p:spPr>
+          <a:xfrm>
+            <a:off x="4816517" y="3792533"/>
+            <a:ext cx="2574253" cy="1415772"/>
+          </a:xfrm>
+          <a:prstGeom prst="rect">
+            <a:avLst/>
+          </a:prstGeom>
+          <a:noFill/>
+        </p:spPr>
+        <p:txBody>
+          <a:bodyPr wrap="square" rtlCol="0">
+            <a:spAutoFit/>
+          </a:bodyPr>
+          <a:lstStyle/>
+          <a:p>
+            <a:pPr algn="ctr"/>
+            <a:r>
+              <a:rPr lang="en-GB" sz="3200" b="1" dirty="0">
+                <a:solidFill>
+                  <a:schemeClr val="tx1">
+                    <a:lumMod val="50000"/>
+                    <a:lumOff val="50000"/>
+                  </a:schemeClr>
+                </a:solidFill>
+              </a:rPr>
+              <a:t>FUEL CONF</a:t>
+            </a:r>
+            <a:br>
+              <a:rPr lang="en-GB" sz="3200" b="1" dirty="0">
+                <a:solidFill>
+                  <a:schemeClr val="tx1">
+                    <a:lumMod val="50000"/>
+                    <a:lumOff val="50000"/>
+                  </a:schemeClr>
+                </a:solidFill>
+              </a:rPr>
+            </a:br>
+            <a:r>
+              <a:rPr lang="en-GB" sz="5400" b="1" dirty="0">
+                <a:solidFill>
+                  <a:srgbClr val="FFFF00"/>
+                </a:solidFill>
+              </a:rPr>
+              <a:t>70%</a:t>
+            </a:r>
+            <a:endParaRPr lang="en-GB" sz="3200" b="1" dirty="0">
+              <a:solidFill>
+                <a:srgbClr val="FFFF00"/>
+              </a:solidFill>
+            </a:endParaRPr>
+          </a:p>
+        </p:txBody>
+      </p:sp>
+      <p:sp>
+        <p:nvSpPr>
+          <p:cNvPr id="27" name="TextBox 26">
+            <a:extLst>
+              <a:ext uri="{FF2B5EF4-FFF2-40B4-BE49-F238E27FC236}">
+                <a16:creationId xmlns:a16="http://schemas.microsoft.com/office/drawing/2014/main" id="{5454749C-8170-8679-F0F5-C2C65A3D8744}"/>
+              </a:ext>
+            </a:extLst>
+          </p:cNvPr>
+          <p:cNvSpPr txBox="1"/>
+          <p:nvPr/>
+        </p:nvSpPr>
+        <p:spPr>
+          <a:xfrm>
+            <a:off x="1905159" y="3792533"/>
+            <a:ext cx="1686160" cy="1415772"/>
+          </a:xfrm>
+          <a:prstGeom prst="rect">
+            <a:avLst/>
+          </a:prstGeom>
+          <a:noFill/>
+        </p:spPr>
+        <p:txBody>
+          <a:bodyPr wrap="square" rtlCol="0">
+            <a:spAutoFit/>
+          </a:bodyPr>
+          <a:lstStyle/>
+          <a:p>
+            <a:pPr algn="ctr"/>
+            <a:r>
+              <a:rPr lang="en-GB" sz="3200" b="1" dirty="0">
+                <a:solidFill>
+                  <a:schemeClr val="tx1">
+                    <a:lumMod val="50000"/>
+                    <a:lumOff val="50000"/>
+                  </a:schemeClr>
+                </a:solidFill>
+              </a:rPr>
+              <a:t>SAVE </a:t>
+            </a:r>
+            <a:br>
+              <a:rPr lang="en-GB" sz="3200" b="1" dirty="0">
+                <a:solidFill>
+                  <a:schemeClr val="tx1">
+                    <a:lumMod val="50000"/>
+                    <a:lumOff val="50000"/>
+                  </a:schemeClr>
+                </a:solidFill>
+              </a:rPr>
+            </a:br>
+            <a:r>
+              <a:rPr lang="en-GB" sz="5400" b="1" dirty="0">
+                <a:solidFill>
+                  <a:srgbClr val="92D050"/>
+                </a:solidFill>
+              </a:rPr>
+              <a:t>2.3</a:t>
+            </a:r>
+            <a:endParaRPr lang="en-GB" sz="3200" b="1" dirty="0">
+              <a:solidFill>
+                <a:srgbClr val="92D050"/>
+              </a:solidFill>
+            </a:endParaRPr>
+          </a:p>
+        </p:txBody>
+      </p:sp>
+      <p:sp>
+        <p:nvSpPr>
+          <p:cNvPr id="28" name="TextBox 27">
+            <a:extLst>
+              <a:ext uri="{FF2B5EF4-FFF2-40B4-BE49-F238E27FC236}">
+                <a16:creationId xmlns:a16="http://schemas.microsoft.com/office/drawing/2014/main" id="{8FBEA803-B375-4ED5-B8DD-C1507B5F339A}"/>
+              </a:ext>
+            </a:extLst>
+          </p:cNvPr>
+          <p:cNvSpPr txBox="1"/>
+          <p:nvPr/>
+        </p:nvSpPr>
+        <p:spPr>
+          <a:xfrm>
+            <a:off x="8615968" y="3792533"/>
+            <a:ext cx="1764892" cy="1415772"/>
+          </a:xfrm>
+          <a:prstGeom prst="rect">
+            <a:avLst/>
+          </a:prstGeom>
+          <a:noFill/>
+        </p:spPr>
+        <p:txBody>
+          <a:bodyPr wrap="square" rtlCol="0">
+            <a:spAutoFit/>
+          </a:bodyPr>
+          <a:lstStyle/>
+          <a:p>
+            <a:pPr algn="ctr"/>
+            <a:r>
+              <a:rPr lang="en-GB" sz="3200" b="1" dirty="0">
+                <a:solidFill>
+                  <a:schemeClr val="tx1">
+                    <a:lumMod val="50000"/>
+                    <a:lumOff val="50000"/>
+                  </a:schemeClr>
+                </a:solidFill>
+              </a:rPr>
+              <a:t>PUSH</a:t>
+            </a:r>
+            <a:br>
+              <a:rPr lang="en-GB" sz="3200" b="1" dirty="0">
+                <a:solidFill>
+                  <a:schemeClr val="tx1">
+                    <a:lumMod val="50000"/>
+                    <a:lumOff val="50000"/>
+                  </a:schemeClr>
+                </a:solidFill>
+              </a:rPr>
+            </a:br>
+            <a:r>
+              <a:rPr lang="en-GB" sz="5400" b="1" dirty="0">
+                <a:solidFill>
+                  <a:srgbClr val="FF0000"/>
+                </a:solidFill>
+              </a:rPr>
+              <a:t>-0.5</a:t>
+            </a:r>
+            <a:endParaRPr lang="en-GB" sz="3200" b="1" dirty="0">
+              <a:solidFill>
+                <a:srgbClr val="FF0000"/>
+              </a:solidFill>
+            </a:endParaRPr>
+          </a:p>
+        </p:txBody>
+      </p:sp>
+      <p:sp>
+        <p:nvSpPr>
+          <p:cNvPr id="30" name="Rectangle 29">
+            <a:extLst>
+              <a:ext uri="{FF2B5EF4-FFF2-40B4-BE49-F238E27FC236}">
+                <a16:creationId xmlns:a16="http://schemas.microsoft.com/office/drawing/2014/main" id="{FA977900-3C7A-6D0F-E1B1-BE29DFF81BF4}"/>
+              </a:ext>
+            </a:extLst>
+          </p:cNvPr>
+          <p:cNvSpPr/>
+          <p:nvPr/>
+        </p:nvSpPr>
+        <p:spPr>
+          <a:xfrm>
+            <a:off x="1848722" y="415259"/>
+            <a:ext cx="8484194" cy="1348618"/>
+          </a:xfrm>
+          <a:prstGeom prst="rect">
+            <a:avLst/>
+          </a:prstGeom>
+          <a:solidFill>
+            <a:srgbClr val="0012C0"/>
+          </a:solidFill>
+        </p:spPr>
+        <p:style>
+          <a:lnRef idx="2">
+            <a:schemeClr val="accent4">
+              <a:shade val="15000"/>
+            </a:schemeClr>
+          </a:lnRef>
+          <a:fillRef idx="1">
+            <a:schemeClr val="accent4"/>
+          </a:fillRef>
+          <a:effectRef idx="0">
+            <a:schemeClr val="accent4"/>
+          </a:effectRef>
+          <a:fontRef idx="minor">
+            <a:schemeClr val="lt1"/>
+          </a:fontRef>
+        </p:style>
+        <p:txBody>
+          <a:bodyPr rtlCol="0" anchor="ctr"/>
+          <a:lstStyle/>
+          <a:p>
+            <a:pPr algn="ctr"/>
+            <a:r>
+              <a:rPr lang="en-GB" sz="9600" b="1" dirty="0"/>
+              <a:t>LIMITER ON</a:t>
+            </a:r>
+          </a:p>
+        </p:txBody>
+      </p:sp>
+      <p:sp>
+        <p:nvSpPr>
+          <p:cNvPr id="31" name="TextBox 30">
+            <a:extLst>
+              <a:ext uri="{FF2B5EF4-FFF2-40B4-BE49-F238E27FC236}">
+                <a16:creationId xmlns:a16="http://schemas.microsoft.com/office/drawing/2014/main" id="{04F41499-2BA3-B1B0-2231-EC338B94F1A0}"/>
+              </a:ext>
+            </a:extLst>
+          </p:cNvPr>
+          <p:cNvSpPr txBox="1"/>
+          <p:nvPr/>
+        </p:nvSpPr>
+        <p:spPr>
+          <a:xfrm>
+            <a:off x="380132" y="-21065"/>
+            <a:ext cx="782074" cy="369332"/>
+          </a:xfrm>
+          <a:prstGeom prst="rect">
+            <a:avLst/>
+          </a:prstGeom>
+          <a:noFill/>
+        </p:spPr>
+        <p:txBody>
+          <a:bodyPr wrap="none" rtlCol="0">
+            <a:spAutoFit/>
+          </a:bodyPr>
+          <a:lstStyle/>
+          <a:p>
+            <a:r>
+              <a:rPr lang="en-GB" dirty="0"/>
+              <a:t>In Box</a:t>
+            </a:r>
+          </a:p>
+        </p:txBody>
+      </p:sp>
+      <p:sp>
+        <p:nvSpPr>
+          <p:cNvPr id="34" name="TextBox 33">
+            <a:extLst>
+              <a:ext uri="{FF2B5EF4-FFF2-40B4-BE49-F238E27FC236}">
+                <a16:creationId xmlns:a16="http://schemas.microsoft.com/office/drawing/2014/main" id="{CACAE633-081F-7B35-5A72-DB6F59FFF273}"/>
+              </a:ext>
+            </a:extLst>
+          </p:cNvPr>
+          <p:cNvSpPr txBox="1"/>
+          <p:nvPr/>
+        </p:nvSpPr>
+        <p:spPr>
+          <a:xfrm>
+            <a:off x="1894791" y="5383928"/>
+            <a:ext cx="1696527" cy="1415772"/>
+          </a:xfrm>
+          <a:prstGeom prst="rect">
+            <a:avLst/>
+          </a:prstGeom>
+          <a:noFill/>
+        </p:spPr>
+        <p:txBody>
+          <a:bodyPr wrap="square" rtlCol="0">
+            <a:spAutoFit/>
+          </a:bodyPr>
+          <a:lstStyle/>
+          <a:p>
+            <a:pPr algn="ctr"/>
+            <a:r>
+              <a:rPr lang="en-GB" sz="3200" b="1" dirty="0">
+                <a:solidFill>
+                  <a:schemeClr val="tx1">
+                    <a:lumMod val="50000"/>
+                    <a:lumOff val="50000"/>
+                  </a:schemeClr>
+                </a:solidFill>
+              </a:rPr>
+              <a:t>TYRE</a:t>
+            </a:r>
+            <a:br>
+              <a:rPr lang="en-GB" sz="3200" b="1" dirty="0">
+                <a:solidFill>
+                  <a:schemeClr val="tx1">
+                    <a:lumMod val="50000"/>
+                    <a:lumOff val="50000"/>
+                  </a:schemeClr>
+                </a:solidFill>
+              </a:rPr>
+            </a:br>
+            <a:r>
+              <a:rPr lang="en-GB" sz="5400" b="1" dirty="0">
+                <a:solidFill>
+                  <a:schemeClr val="bg1"/>
+                </a:solidFill>
+              </a:rPr>
+              <a:t>DRY</a:t>
+            </a:r>
+            <a:endParaRPr lang="en-GB" sz="3200" b="1" dirty="0">
+              <a:solidFill>
+                <a:schemeClr val="bg1"/>
+              </a:solidFill>
+            </a:endParaRPr>
+          </a:p>
+        </p:txBody>
+      </p:sp>
+      <p:sp>
+        <p:nvSpPr>
+          <p:cNvPr id="35" name="TextBox 34">
+            <a:extLst>
+              <a:ext uri="{FF2B5EF4-FFF2-40B4-BE49-F238E27FC236}">
+                <a16:creationId xmlns:a16="http://schemas.microsoft.com/office/drawing/2014/main" id="{A987E3AD-9A15-B54F-76FD-FF38846ECA54}"/>
+              </a:ext>
+            </a:extLst>
+          </p:cNvPr>
+          <p:cNvSpPr txBox="1"/>
+          <p:nvPr/>
+        </p:nvSpPr>
+        <p:spPr>
+          <a:xfrm>
+            <a:off x="8657840" y="5388683"/>
+            <a:ext cx="1705458" cy="1415772"/>
+          </a:xfrm>
+          <a:prstGeom prst="rect">
+            <a:avLst/>
+          </a:prstGeom>
+          <a:noFill/>
+        </p:spPr>
+        <p:txBody>
+          <a:bodyPr wrap="square" rtlCol="0">
+            <a:spAutoFit/>
+          </a:bodyPr>
+          <a:lstStyle/>
+          <a:p>
+            <a:pPr algn="ctr"/>
+            <a:r>
+              <a:rPr lang="en-GB" sz="3200" b="1" dirty="0">
+                <a:solidFill>
+                  <a:schemeClr val="tx1">
+                    <a:lumMod val="50000"/>
+                    <a:lumOff val="50000"/>
+                  </a:schemeClr>
+                </a:solidFill>
+              </a:rPr>
+              <a:t>REPAIR</a:t>
+            </a:r>
+            <a:br>
+              <a:rPr lang="en-GB" sz="3200" b="1" dirty="0">
+                <a:solidFill>
+                  <a:schemeClr val="tx1">
+                    <a:lumMod val="50000"/>
+                    <a:lumOff val="50000"/>
+                  </a:schemeClr>
+                </a:solidFill>
+              </a:rPr>
+            </a:br>
+            <a:r>
+              <a:rPr lang="en-GB" sz="5400" b="1" dirty="0">
+                <a:solidFill>
+                  <a:schemeClr val="bg1"/>
+                </a:solidFill>
+              </a:rPr>
+              <a:t>YES</a:t>
+            </a:r>
+            <a:endParaRPr lang="en-GB" sz="3200" b="1" dirty="0">
+              <a:solidFill>
+                <a:schemeClr val="bg1"/>
+              </a:solidFill>
+            </a:endParaRPr>
+          </a:p>
+        </p:txBody>
+      </p:sp>
+      <p:sp>
+        <p:nvSpPr>
+          <p:cNvPr id="3" name="TextBox 2">
+            <a:extLst>
+              <a:ext uri="{FF2B5EF4-FFF2-40B4-BE49-F238E27FC236}">
+                <a16:creationId xmlns:a16="http://schemas.microsoft.com/office/drawing/2014/main" id="{A6F924B4-A52F-63BA-8FCD-800B280AD947}"/>
+              </a:ext>
+            </a:extLst>
+          </p:cNvPr>
+          <p:cNvSpPr txBox="1"/>
+          <p:nvPr/>
+        </p:nvSpPr>
+        <p:spPr>
+          <a:xfrm rot="16200000">
+            <a:off x="-1846319" y="3105735"/>
+            <a:ext cx="5840958" cy="830997"/>
+          </a:xfrm>
+          <a:prstGeom prst="rect">
+            <a:avLst/>
+          </a:prstGeom>
+          <a:noFill/>
+        </p:spPr>
+        <p:txBody>
+          <a:bodyPr wrap="none" rtlCol="0">
+            <a:spAutoFit/>
+          </a:bodyPr>
+          <a:lstStyle/>
+          <a:p>
+            <a:pPr algn="ctr"/>
+            <a:r>
+              <a:rPr lang="en-GB" sz="4800" b="1" dirty="0">
+                <a:solidFill>
+                  <a:schemeClr val="tx1">
+                    <a:lumMod val="50000"/>
+                    <a:lumOff val="50000"/>
+                  </a:schemeClr>
+                </a:solidFill>
+              </a:rPr>
+              <a:t>OPPONENT LADDER</a:t>
+            </a:r>
+            <a:endParaRPr lang="en-GB" sz="8400" b="1" dirty="0">
+              <a:solidFill>
+                <a:srgbClr val="92D050"/>
+              </a:solidFill>
+            </a:endParaRPr>
+          </a:p>
+        </p:txBody>
+      </p:sp>
+      <p:sp>
+        <p:nvSpPr>
+          <p:cNvPr id="6" name="Rectangle 5">
+            <a:extLst>
+              <a:ext uri="{FF2B5EF4-FFF2-40B4-BE49-F238E27FC236}">
+                <a16:creationId xmlns:a16="http://schemas.microsoft.com/office/drawing/2014/main" id="{78ECF875-FE86-BEC0-8B36-B8C74C731698}"/>
+              </a:ext>
+            </a:extLst>
+          </p:cNvPr>
+          <p:cNvSpPr/>
+          <p:nvPr/>
+        </p:nvSpPr>
+        <p:spPr>
+          <a:xfrm>
+            <a:off x="371495" y="347263"/>
+            <a:ext cx="11438644" cy="6487763"/>
+          </a:xfrm>
+          <a:prstGeom prst="rect">
+            <a:avLst/>
+          </a:prstGeom>
+          <a:noFill/>
+          <a:ln w="76200">
+            <a:solidFill>
+              <a:srgbClr val="CC00C2"/>
+            </a:solidFill>
+          </a:ln>
+        </p:spPr>
+        <p:style>
+          <a:lnRef idx="2">
+            <a:schemeClr val="accent1">
+              <a:shade val="15000"/>
+            </a:schemeClr>
+          </a:lnRef>
+          <a:fillRef idx="1">
+            <a:schemeClr val="accent1"/>
+          </a:fillRef>
+          <a:effectRef idx="0">
+            <a:schemeClr val="accent1"/>
+          </a:effectRef>
+          <a:fontRef idx="minor">
+            <a:schemeClr val="lt1"/>
+          </a:fontRef>
+        </p:style>
+        <p:txBody>
+          <a:bodyPr rtlCol="0" anchor="ctr"/>
+          <a:lstStyle/>
+          <a:p>
+            <a:pPr algn="ctr"/>
+            <a:endParaRPr lang="en-GB"/>
+          </a:p>
+        </p:txBody>
+      </p:sp>
     </p:spTree>
     <p:extLst>
       <p:ext uri="{BB962C8B-B14F-4D97-AF65-F5344CB8AC3E}">
-        <p14:creationId xmlns:p14="http://schemas.microsoft.com/office/powerpoint/2010/main" val="4049805621"/>
+        <p14:creationId xmlns:p14="http://schemas.microsoft.com/office/powerpoint/2010/main" val="85563589"/>
       </p:ext>
     </p:extLst>
   </p:cSld>
@@ -3950,7 +7137,7 @@
         <p:cNvPr id="1" name="">
           <a:extLst>
             <a:ext uri="{FF2B5EF4-FFF2-40B4-BE49-F238E27FC236}">
-              <a16:creationId xmlns:a16="http://schemas.microsoft.com/office/drawing/2014/main" id="{6629A772-8D7C-93D4-F80B-C93C9DCFE964}"/>
+              <a16:creationId xmlns:a16="http://schemas.microsoft.com/office/drawing/2014/main" id="{8368A928-FB75-EBEC-6EEB-EE47698FF34F}"/>
             </a:ext>
           </a:extLst>
         </p:cNvPr>
@@ -3965,12 +7152,174 @@
           <a:chExt cx="0" cy="0"/>
         </a:xfrm>
       </p:grpSpPr>
+      <p:sp>
+        <p:nvSpPr>
+          <p:cNvPr id="2" name="Rectangle 1">
+            <a:extLst>
+              <a:ext uri="{FF2B5EF4-FFF2-40B4-BE49-F238E27FC236}">
+                <a16:creationId xmlns:a16="http://schemas.microsoft.com/office/drawing/2014/main" id="{08CEAD5C-0E1C-89F1-09C2-CC45C6C1C595}"/>
+              </a:ext>
+            </a:extLst>
+          </p:cNvPr>
+          <p:cNvSpPr/>
+          <p:nvPr/>
+        </p:nvSpPr>
+        <p:spPr>
+          <a:xfrm>
+            <a:off x="347621" y="318982"/>
+            <a:ext cx="11496758" cy="6516045"/>
+          </a:xfrm>
+          <a:prstGeom prst="rect">
+            <a:avLst/>
+          </a:prstGeom>
+          <a:solidFill>
+            <a:schemeClr val="tx1"/>
+          </a:solidFill>
+          <a:ln w="57150">
+            <a:solidFill>
+              <a:schemeClr val="bg1">
+                <a:lumMod val="95000"/>
+              </a:schemeClr>
+            </a:solidFill>
+          </a:ln>
+        </p:spPr>
+        <p:style>
+          <a:lnRef idx="2">
+            <a:schemeClr val="accent1">
+              <a:shade val="15000"/>
+            </a:schemeClr>
+          </a:lnRef>
+          <a:fillRef idx="1">
+            <a:schemeClr val="accent1"/>
+          </a:fillRef>
+          <a:effectRef idx="0">
+            <a:schemeClr val="accent1"/>
+          </a:effectRef>
+          <a:fontRef idx="minor">
+            <a:schemeClr val="lt1"/>
+          </a:fontRef>
+        </p:style>
+        <p:txBody>
+          <a:bodyPr rtlCol="0" anchor="ctr"/>
+          <a:lstStyle/>
+          <a:p>
+            <a:pPr algn="ctr"/>
+            <a:endParaRPr lang="en-GB" sz="4400" b="1" dirty="0"/>
+          </a:p>
+        </p:txBody>
+      </p:sp>
+      <p:sp>
+        <p:nvSpPr>
+          <p:cNvPr id="4" name="Rectangle 3">
+            <a:extLst>
+              <a:ext uri="{FF2B5EF4-FFF2-40B4-BE49-F238E27FC236}">
+                <a16:creationId xmlns:a16="http://schemas.microsoft.com/office/drawing/2014/main" id="{4EA99EA8-F3EC-DA3A-FB15-853C1A77C481}"/>
+              </a:ext>
+            </a:extLst>
+          </p:cNvPr>
+          <p:cNvSpPr/>
+          <p:nvPr/>
+        </p:nvSpPr>
+        <p:spPr>
+          <a:xfrm>
+            <a:off x="371495" y="348267"/>
+            <a:ext cx="1423193" cy="6486759"/>
+          </a:xfrm>
+          <a:prstGeom prst="rect">
+            <a:avLst/>
+          </a:prstGeom>
+          <a:ln w="57150">
+            <a:solidFill>
+              <a:schemeClr val="bg1">
+                <a:lumMod val="95000"/>
+              </a:schemeClr>
+            </a:solidFill>
+          </a:ln>
+        </p:spPr>
+        <p:style>
+          <a:lnRef idx="2">
+            <a:schemeClr val="dk1">
+              <a:shade val="15000"/>
+            </a:schemeClr>
+          </a:lnRef>
+          <a:fillRef idx="1">
+            <a:schemeClr val="dk1"/>
+          </a:fillRef>
+          <a:effectRef idx="0">
+            <a:schemeClr val="dk1"/>
+          </a:effectRef>
+          <a:fontRef idx="minor">
+            <a:schemeClr val="lt1"/>
+          </a:fontRef>
+        </p:style>
+        <p:txBody>
+          <a:bodyPr rtlCol="0" anchor="ctr"/>
+          <a:lstStyle/>
+          <a:p>
+            <a:pPr algn="ctr"/>
+            <a:endParaRPr lang="en-GB"/>
+          </a:p>
+        </p:txBody>
+      </p:sp>
+      <p:sp>
+        <p:nvSpPr>
+          <p:cNvPr id="5" name="Rectangle 4">
+            <a:extLst>
+              <a:ext uri="{FF2B5EF4-FFF2-40B4-BE49-F238E27FC236}">
+                <a16:creationId xmlns:a16="http://schemas.microsoft.com/office/drawing/2014/main" id="{48EB51F5-5B1B-6754-1ABF-A98288838A34}"/>
+              </a:ext>
+            </a:extLst>
+          </p:cNvPr>
+          <p:cNvSpPr/>
+          <p:nvPr/>
+        </p:nvSpPr>
+        <p:spPr>
+          <a:xfrm>
+            <a:off x="10386946" y="348267"/>
+            <a:ext cx="1423193" cy="6477151"/>
+          </a:xfrm>
+          <a:prstGeom prst="rect">
+            <a:avLst/>
+          </a:prstGeom>
+          <a:ln w="57150">
+            <a:solidFill>
+              <a:schemeClr val="bg1">
+                <a:lumMod val="95000"/>
+              </a:schemeClr>
+            </a:solidFill>
+          </a:ln>
+        </p:spPr>
+        <p:style>
+          <a:lnRef idx="2">
+            <a:schemeClr val="dk1">
+              <a:shade val="15000"/>
+            </a:schemeClr>
+          </a:lnRef>
+          <a:fillRef idx="1">
+            <a:schemeClr val="dk1"/>
+          </a:fillRef>
+          <a:effectRef idx="0">
+            <a:schemeClr val="dk1"/>
+          </a:effectRef>
+          <a:fontRef idx="minor">
+            <a:schemeClr val="lt1"/>
+          </a:fontRef>
+        </p:style>
+        <p:txBody>
+          <a:bodyPr rtlCol="0" anchor="ctr"/>
+          <a:lstStyle/>
+          <a:p>
+            <a:pPr algn="ctr"/>
+            <a:endParaRPr lang="en-GB" dirty="0"/>
+          </a:p>
+        </p:txBody>
+      </p:sp>
       <p:pic>
         <p:nvPicPr>
-          <p:cNvPr id="3" name="Picture 2">
-            <a:extLst>
-              <a:ext uri="{FF2B5EF4-FFF2-40B4-BE49-F238E27FC236}">
-                <a16:creationId xmlns:a16="http://schemas.microsoft.com/office/drawing/2014/main" id="{AA875420-386E-EEDB-2089-B828F78913D9}"/>
+          <p:cNvPr id="12" name="Picture 11" descr="A pink rectangle with white text&#10;&#10;AI-generated content may be incorrect.">
+            <a:extLst>
+              <a:ext uri="{FF2B5EF4-FFF2-40B4-BE49-F238E27FC236}">
+                <a16:creationId xmlns:a16="http://schemas.microsoft.com/office/drawing/2014/main" id="{8611B451-A2AE-5A36-6A33-AC95CD6442DF}"/>
               </a:ext>
             </a:extLst>
           </p:cNvPr>
@@ -3980,25 +7329,858 @@
           <p:nvPr/>
         </p:nvPicPr>
         <p:blipFill>
-          <a:blip r:embed="rId2"/>
+          <a:blip r:embed="rId3"/>
           <a:stretch>
             <a:fillRect/>
           </a:stretch>
         </p:blipFill>
         <p:spPr>
           <a:xfrm>
-            <a:off x="2027991" y="0"/>
-            <a:ext cx="8136018" cy="6858000"/>
+            <a:off x="10386947" y="387160"/>
+            <a:ext cx="1378589" cy="6408972"/>
           </a:xfrm>
           <a:prstGeom prst="rect">
             <a:avLst/>
           </a:prstGeom>
         </p:spPr>
       </p:pic>
+      <p:cxnSp>
+        <p:nvCxnSpPr>
+          <p:cNvPr id="14" name="Straight Connector 13">
+            <a:extLst>
+              <a:ext uri="{FF2B5EF4-FFF2-40B4-BE49-F238E27FC236}">
+                <a16:creationId xmlns:a16="http://schemas.microsoft.com/office/drawing/2014/main" id="{10B0B067-445C-F52C-60E5-EAC899193FC3}"/>
+              </a:ext>
+            </a:extLst>
+          </p:cNvPr>
+          <p:cNvCxnSpPr/>
+          <p:nvPr/>
+        </p:nvCxnSpPr>
+        <p:spPr>
+          <a:xfrm>
+            <a:off x="1794688" y="1805364"/>
+            <a:ext cx="8592258" cy="0"/>
+          </a:xfrm>
+          <a:prstGeom prst="line">
+            <a:avLst/>
+          </a:prstGeom>
+          <a:ln w="57150">
+            <a:solidFill>
+              <a:schemeClr val="bg1">
+                <a:lumMod val="95000"/>
+              </a:schemeClr>
+            </a:solidFill>
+          </a:ln>
+        </p:spPr>
+        <p:style>
+          <a:lnRef idx="2">
+            <a:schemeClr val="accent1"/>
+          </a:lnRef>
+          <a:fillRef idx="0">
+            <a:schemeClr val="accent1"/>
+          </a:fillRef>
+          <a:effectRef idx="1">
+            <a:schemeClr val="accent1"/>
+          </a:effectRef>
+          <a:fontRef idx="minor">
+            <a:schemeClr val="tx1"/>
+          </a:fontRef>
+        </p:style>
+      </p:cxnSp>
+      <p:sp>
+        <p:nvSpPr>
+          <p:cNvPr id="15" name="TextBox 14">
+            <a:extLst>
+              <a:ext uri="{FF2B5EF4-FFF2-40B4-BE49-F238E27FC236}">
+                <a16:creationId xmlns:a16="http://schemas.microsoft.com/office/drawing/2014/main" id="{C45745E1-BA2B-F1F4-C761-ED78961099A9}"/>
+              </a:ext>
+            </a:extLst>
+          </p:cNvPr>
+          <p:cNvSpPr txBox="1"/>
+          <p:nvPr/>
+        </p:nvSpPr>
+        <p:spPr>
+          <a:xfrm>
+            <a:off x="4358548" y="1748843"/>
+            <a:ext cx="3464538" cy="2123658"/>
+          </a:xfrm>
+          <a:prstGeom prst="rect">
+            <a:avLst/>
+          </a:prstGeom>
+          <a:noFill/>
+        </p:spPr>
+        <p:txBody>
+          <a:bodyPr wrap="none" rtlCol="0">
+            <a:spAutoFit/>
+          </a:bodyPr>
+          <a:lstStyle/>
+          <a:p>
+            <a:pPr algn="ctr"/>
+            <a:r>
+              <a:rPr lang="en-GB" sz="4800" b="1" dirty="0">
+                <a:solidFill>
+                  <a:schemeClr val="tx1">
+                    <a:lumMod val="50000"/>
+                    <a:lumOff val="50000"/>
+                  </a:schemeClr>
+                </a:solidFill>
+              </a:rPr>
+              <a:t>FUEL DELTA</a:t>
+            </a:r>
+            <a:br>
+              <a:rPr lang="en-GB" sz="4800" b="1" dirty="0">
+                <a:solidFill>
+                  <a:schemeClr val="tx1">
+                    <a:lumMod val="50000"/>
+                    <a:lumOff val="50000"/>
+                  </a:schemeClr>
+                </a:solidFill>
+              </a:rPr>
+            </a:br>
+            <a:r>
+              <a:rPr lang="en-GB" sz="8400" b="1" dirty="0">
+                <a:solidFill>
+                  <a:srgbClr val="92D050"/>
+                </a:solidFill>
+              </a:rPr>
+              <a:t>0.3</a:t>
+            </a:r>
+          </a:p>
+        </p:txBody>
+      </p:sp>
+      <p:pic>
+        <p:nvPicPr>
+          <p:cNvPr id="17" name="Picture 16" descr="A black and white sign with a gas pump&#10;&#10;AI-generated content may be incorrect.">
+            <a:extLst>
+              <a:ext uri="{FF2B5EF4-FFF2-40B4-BE49-F238E27FC236}">
+                <a16:creationId xmlns:a16="http://schemas.microsoft.com/office/drawing/2014/main" id="{E0805EDC-6A1A-87E1-D2EE-32ADCEC1B5A2}"/>
+              </a:ext>
+            </a:extLst>
+          </p:cNvPr>
+          <p:cNvPicPr>
+            <a:picLocks noChangeAspect="1"/>
+          </p:cNvPicPr>
+          <p:nvPr/>
+        </p:nvPicPr>
+        <p:blipFill>
+          <a:blip r:embed="rId4"/>
+          <a:stretch>
+            <a:fillRect/>
+          </a:stretch>
+        </p:blipFill>
+        <p:spPr>
+          <a:xfrm>
+            <a:off x="1905158" y="1892426"/>
+            <a:ext cx="1686160" cy="1619476"/>
+          </a:xfrm>
+          <a:prstGeom prst="rect">
+            <a:avLst/>
+          </a:prstGeom>
+        </p:spPr>
+      </p:pic>
+      <p:pic>
+        <p:nvPicPr>
+          <p:cNvPr id="19" name="Picture 18" descr="A black and white sign with white text&#10;&#10;AI-generated content may be incorrect.">
+            <a:extLst>
+              <a:ext uri="{FF2B5EF4-FFF2-40B4-BE49-F238E27FC236}">
+                <a16:creationId xmlns:a16="http://schemas.microsoft.com/office/drawing/2014/main" id="{F1E9148E-6E47-733E-D3B1-405CAEAC2C86}"/>
+              </a:ext>
+            </a:extLst>
+          </p:cNvPr>
+          <p:cNvPicPr>
+            <a:picLocks noChangeAspect="1"/>
+          </p:cNvPicPr>
+          <p:nvPr/>
+        </p:nvPicPr>
+        <p:blipFill>
+          <a:blip r:embed="rId5"/>
+          <a:stretch>
+            <a:fillRect/>
+          </a:stretch>
+        </p:blipFill>
+        <p:spPr>
+          <a:xfrm>
+            <a:off x="8657840" y="1892426"/>
+            <a:ext cx="1629002" cy="1619476"/>
+          </a:xfrm>
+          <a:prstGeom prst="rect">
+            <a:avLst/>
+          </a:prstGeom>
+        </p:spPr>
+      </p:pic>
+      <p:sp>
+        <p:nvSpPr>
+          <p:cNvPr id="20" name="TextBox 19">
+            <a:extLst>
+              <a:ext uri="{FF2B5EF4-FFF2-40B4-BE49-F238E27FC236}">
+                <a16:creationId xmlns:a16="http://schemas.microsoft.com/office/drawing/2014/main" id="{8DEC563D-71E2-9F59-C8AB-956909E7BB53}"/>
+              </a:ext>
+            </a:extLst>
+          </p:cNvPr>
+          <p:cNvSpPr txBox="1"/>
+          <p:nvPr/>
+        </p:nvSpPr>
+        <p:spPr>
+          <a:xfrm>
+            <a:off x="4989202" y="5380881"/>
+            <a:ext cx="2213597" cy="1415772"/>
+          </a:xfrm>
+          <a:prstGeom prst="rect">
+            <a:avLst/>
+          </a:prstGeom>
+          <a:noFill/>
+        </p:spPr>
+        <p:txBody>
+          <a:bodyPr wrap="square" rtlCol="0">
+            <a:spAutoFit/>
+          </a:bodyPr>
+          <a:lstStyle/>
+          <a:p>
+            <a:pPr algn="ctr"/>
+            <a:r>
+              <a:rPr lang="en-GB" sz="3200" b="1" dirty="0">
+                <a:solidFill>
+                  <a:schemeClr val="tx1">
+                    <a:lumMod val="50000"/>
+                    <a:lumOff val="50000"/>
+                  </a:schemeClr>
+                </a:solidFill>
+              </a:rPr>
+              <a:t>GAP P13</a:t>
+            </a:r>
+            <a:br>
+              <a:rPr lang="en-GB" sz="3200" b="1" dirty="0">
+                <a:solidFill>
+                  <a:schemeClr val="tx1">
+                    <a:lumMod val="50000"/>
+                    <a:lumOff val="50000"/>
+                  </a:schemeClr>
+                </a:solidFill>
+              </a:rPr>
+            </a:br>
+            <a:r>
+              <a:rPr lang="en-GB" sz="5400" b="1" dirty="0">
+                <a:solidFill>
+                  <a:schemeClr val="bg1"/>
+                </a:solidFill>
+              </a:rPr>
+              <a:t>6.5s</a:t>
+            </a:r>
+            <a:endParaRPr lang="en-GB" sz="3200" b="1" dirty="0">
+              <a:solidFill>
+                <a:schemeClr val="bg1"/>
+              </a:solidFill>
+            </a:endParaRPr>
+          </a:p>
+        </p:txBody>
+      </p:sp>
+      <p:cxnSp>
+        <p:nvCxnSpPr>
+          <p:cNvPr id="21" name="Straight Connector 20">
+            <a:extLst>
+              <a:ext uri="{FF2B5EF4-FFF2-40B4-BE49-F238E27FC236}">
+                <a16:creationId xmlns:a16="http://schemas.microsoft.com/office/drawing/2014/main" id="{38AE8B9F-BC0C-D4A7-0861-93B89721D3A8}"/>
+              </a:ext>
+            </a:extLst>
+          </p:cNvPr>
+          <p:cNvCxnSpPr/>
+          <p:nvPr/>
+        </p:nvCxnSpPr>
+        <p:spPr>
+          <a:xfrm>
+            <a:off x="1794687" y="5358210"/>
+            <a:ext cx="8592258" cy="0"/>
+          </a:xfrm>
+          <a:prstGeom prst="line">
+            <a:avLst/>
+          </a:prstGeom>
+          <a:ln w="57150">
+            <a:solidFill>
+              <a:schemeClr val="bg1">
+                <a:lumMod val="95000"/>
+              </a:schemeClr>
+            </a:solidFill>
+          </a:ln>
+        </p:spPr>
+        <p:style>
+          <a:lnRef idx="2">
+            <a:schemeClr val="accent1"/>
+          </a:lnRef>
+          <a:fillRef idx="0">
+            <a:schemeClr val="accent1"/>
+          </a:fillRef>
+          <a:effectRef idx="1">
+            <a:schemeClr val="accent1"/>
+          </a:effectRef>
+          <a:fontRef idx="minor">
+            <a:schemeClr val="tx1"/>
+          </a:fontRef>
+        </p:style>
+      </p:cxnSp>
+      <p:sp>
+        <p:nvSpPr>
+          <p:cNvPr id="22" name="TextBox 21">
+            <a:extLst>
+              <a:ext uri="{FF2B5EF4-FFF2-40B4-BE49-F238E27FC236}">
+                <a16:creationId xmlns:a16="http://schemas.microsoft.com/office/drawing/2014/main" id="{98CD7E60-6C86-BBF0-7125-6A460B29D587}"/>
+              </a:ext>
+            </a:extLst>
+          </p:cNvPr>
+          <p:cNvSpPr txBox="1"/>
+          <p:nvPr/>
+        </p:nvSpPr>
+        <p:spPr>
+          <a:xfrm>
+            <a:off x="1858149" y="5380881"/>
+            <a:ext cx="2726937" cy="1415772"/>
+          </a:xfrm>
+          <a:prstGeom prst="rect">
+            <a:avLst/>
+          </a:prstGeom>
+          <a:noFill/>
+        </p:spPr>
+        <p:txBody>
+          <a:bodyPr wrap="square" rtlCol="0">
+            <a:spAutoFit/>
+          </a:bodyPr>
+          <a:lstStyle/>
+          <a:p>
+            <a:pPr algn="ctr"/>
+            <a:r>
+              <a:rPr lang="en-GB" sz="3200" b="1" dirty="0">
+                <a:solidFill>
+                  <a:schemeClr val="tx1">
+                    <a:lumMod val="50000"/>
+                    <a:lumOff val="50000"/>
+                  </a:schemeClr>
+                </a:solidFill>
+              </a:rPr>
+              <a:t>EXIT POS</a:t>
+            </a:r>
+            <a:br>
+              <a:rPr lang="en-GB" sz="3200" b="1" dirty="0">
+                <a:solidFill>
+                  <a:schemeClr val="tx1">
+                    <a:lumMod val="50000"/>
+                    <a:lumOff val="50000"/>
+                  </a:schemeClr>
+                </a:solidFill>
+              </a:rPr>
+            </a:br>
+            <a:r>
+              <a:rPr lang="en-GB" sz="5400" b="1" dirty="0">
+                <a:solidFill>
+                  <a:schemeClr val="bg1"/>
+                </a:solidFill>
+              </a:rPr>
+              <a:t>P12</a:t>
+            </a:r>
+            <a:endParaRPr lang="en-GB" sz="3200" b="1" dirty="0">
+              <a:solidFill>
+                <a:schemeClr val="bg1"/>
+              </a:solidFill>
+            </a:endParaRPr>
+          </a:p>
+        </p:txBody>
+      </p:sp>
+      <p:sp>
+        <p:nvSpPr>
+          <p:cNvPr id="23" name="TextBox 22">
+            <a:extLst>
+              <a:ext uri="{FF2B5EF4-FFF2-40B4-BE49-F238E27FC236}">
+                <a16:creationId xmlns:a16="http://schemas.microsoft.com/office/drawing/2014/main" id="{18E5D5BC-4219-4AD9-D21B-A97BA96AFCB9}"/>
+              </a:ext>
+            </a:extLst>
+          </p:cNvPr>
+          <p:cNvSpPr txBox="1"/>
+          <p:nvPr/>
+        </p:nvSpPr>
+        <p:spPr>
+          <a:xfrm>
+            <a:off x="7606915" y="5380881"/>
+            <a:ext cx="2726936" cy="1415772"/>
+          </a:xfrm>
+          <a:prstGeom prst="rect">
+            <a:avLst/>
+          </a:prstGeom>
+          <a:noFill/>
+        </p:spPr>
+        <p:txBody>
+          <a:bodyPr wrap="square" rtlCol="0">
+            <a:spAutoFit/>
+          </a:bodyPr>
+          <a:lstStyle/>
+          <a:p>
+            <a:pPr algn="ctr"/>
+            <a:r>
+              <a:rPr lang="en-GB" sz="3200" b="1" dirty="0">
+                <a:solidFill>
+                  <a:schemeClr val="tx1">
+                    <a:lumMod val="50000"/>
+                    <a:lumOff val="50000"/>
+                  </a:schemeClr>
+                </a:solidFill>
+              </a:rPr>
+              <a:t>STOPS REM</a:t>
+            </a:r>
+            <a:br>
+              <a:rPr lang="en-GB" sz="3200" b="1" dirty="0">
+                <a:solidFill>
+                  <a:schemeClr val="tx1">
+                    <a:lumMod val="50000"/>
+                    <a:lumOff val="50000"/>
+                  </a:schemeClr>
+                </a:solidFill>
+              </a:rPr>
+            </a:br>
+            <a:r>
+              <a:rPr lang="en-GB" sz="5400" b="1" dirty="0">
+                <a:solidFill>
+                  <a:schemeClr val="bg1"/>
+                </a:solidFill>
+              </a:rPr>
+              <a:t>2</a:t>
+            </a:r>
+            <a:endParaRPr lang="en-GB" sz="3200" b="1" dirty="0">
+              <a:solidFill>
+                <a:schemeClr val="bg1"/>
+              </a:solidFill>
+            </a:endParaRPr>
+          </a:p>
+        </p:txBody>
+      </p:sp>
+      <p:cxnSp>
+        <p:nvCxnSpPr>
+          <p:cNvPr id="24" name="Straight Connector 23">
+            <a:extLst>
+              <a:ext uri="{FF2B5EF4-FFF2-40B4-BE49-F238E27FC236}">
+                <a16:creationId xmlns:a16="http://schemas.microsoft.com/office/drawing/2014/main" id="{C698BA81-6C1A-ED55-BB68-6D7973AB3CD7}"/>
+              </a:ext>
+            </a:extLst>
+          </p:cNvPr>
+          <p:cNvCxnSpPr/>
+          <p:nvPr/>
+        </p:nvCxnSpPr>
+        <p:spPr>
+          <a:xfrm>
+            <a:off x="1794687" y="3674252"/>
+            <a:ext cx="8592258" cy="0"/>
+          </a:xfrm>
+          <a:prstGeom prst="line">
+            <a:avLst/>
+          </a:prstGeom>
+          <a:ln w="57150">
+            <a:solidFill>
+              <a:schemeClr val="bg1">
+                <a:lumMod val="95000"/>
+              </a:schemeClr>
+            </a:solidFill>
+          </a:ln>
+        </p:spPr>
+        <p:style>
+          <a:lnRef idx="2">
+            <a:schemeClr val="accent1"/>
+          </a:lnRef>
+          <a:fillRef idx="0">
+            <a:schemeClr val="accent1"/>
+          </a:fillRef>
+          <a:effectRef idx="1">
+            <a:schemeClr val="accent1"/>
+          </a:effectRef>
+          <a:fontRef idx="minor">
+            <a:schemeClr val="tx1"/>
+          </a:fontRef>
+        </p:style>
+      </p:cxnSp>
+      <p:sp>
+        <p:nvSpPr>
+          <p:cNvPr id="26" name="TextBox 25">
+            <a:extLst>
+              <a:ext uri="{FF2B5EF4-FFF2-40B4-BE49-F238E27FC236}">
+                <a16:creationId xmlns:a16="http://schemas.microsoft.com/office/drawing/2014/main" id="{3599C52F-1D03-2672-507A-675FC2E92BAB}"/>
+              </a:ext>
+            </a:extLst>
+          </p:cNvPr>
+          <p:cNvSpPr txBox="1"/>
+          <p:nvPr/>
+        </p:nvSpPr>
+        <p:spPr>
+          <a:xfrm>
+            <a:off x="4816517" y="3792533"/>
+            <a:ext cx="2574253" cy="1415772"/>
+          </a:xfrm>
+          <a:prstGeom prst="rect">
+            <a:avLst/>
+          </a:prstGeom>
+          <a:noFill/>
+        </p:spPr>
+        <p:txBody>
+          <a:bodyPr wrap="square" rtlCol="0">
+            <a:spAutoFit/>
+          </a:bodyPr>
+          <a:lstStyle/>
+          <a:p>
+            <a:pPr algn="ctr"/>
+            <a:r>
+              <a:rPr lang="en-GB" sz="3200" b="1" dirty="0">
+                <a:solidFill>
+                  <a:schemeClr val="tx1">
+                    <a:lumMod val="50000"/>
+                    <a:lumOff val="50000"/>
+                  </a:schemeClr>
+                </a:solidFill>
+              </a:rPr>
+              <a:t>FUEL CONF</a:t>
+            </a:r>
+            <a:br>
+              <a:rPr lang="en-GB" sz="3200" b="1" dirty="0">
+                <a:solidFill>
+                  <a:schemeClr val="tx1">
+                    <a:lumMod val="50000"/>
+                    <a:lumOff val="50000"/>
+                  </a:schemeClr>
+                </a:solidFill>
+              </a:rPr>
+            </a:br>
+            <a:r>
+              <a:rPr lang="en-GB" sz="5400" b="1" dirty="0">
+                <a:solidFill>
+                  <a:srgbClr val="FFFF00"/>
+                </a:solidFill>
+              </a:rPr>
+              <a:t>70%</a:t>
+            </a:r>
+            <a:endParaRPr lang="en-GB" sz="3200" b="1" dirty="0">
+              <a:solidFill>
+                <a:srgbClr val="FFFF00"/>
+              </a:solidFill>
+            </a:endParaRPr>
+          </a:p>
+        </p:txBody>
+      </p:sp>
+      <p:sp>
+        <p:nvSpPr>
+          <p:cNvPr id="27" name="TextBox 26">
+            <a:extLst>
+              <a:ext uri="{FF2B5EF4-FFF2-40B4-BE49-F238E27FC236}">
+                <a16:creationId xmlns:a16="http://schemas.microsoft.com/office/drawing/2014/main" id="{B8578390-3865-DD29-6E04-A9AC00091C57}"/>
+              </a:ext>
+            </a:extLst>
+          </p:cNvPr>
+          <p:cNvSpPr txBox="1"/>
+          <p:nvPr/>
+        </p:nvSpPr>
+        <p:spPr>
+          <a:xfrm>
+            <a:off x="1905158" y="3792533"/>
+            <a:ext cx="2726937" cy="1415772"/>
+          </a:xfrm>
+          <a:prstGeom prst="rect">
+            <a:avLst/>
+          </a:prstGeom>
+          <a:noFill/>
+        </p:spPr>
+        <p:txBody>
+          <a:bodyPr wrap="square" rtlCol="0">
+            <a:spAutoFit/>
+          </a:bodyPr>
+          <a:lstStyle/>
+          <a:p>
+            <a:pPr algn="ctr"/>
+            <a:r>
+              <a:rPr lang="en-GB" sz="3200" b="1" dirty="0">
+                <a:solidFill>
+                  <a:schemeClr val="tx1">
+                    <a:lumMod val="50000"/>
+                    <a:lumOff val="50000"/>
+                  </a:schemeClr>
+                </a:solidFill>
+              </a:rPr>
+              <a:t>SAVE </a:t>
+            </a:r>
+            <a:br>
+              <a:rPr lang="en-GB" sz="3200" b="1" dirty="0">
+                <a:solidFill>
+                  <a:schemeClr val="tx1">
+                    <a:lumMod val="50000"/>
+                    <a:lumOff val="50000"/>
+                  </a:schemeClr>
+                </a:solidFill>
+              </a:rPr>
+            </a:br>
+            <a:r>
+              <a:rPr lang="en-GB" sz="5400" b="1" dirty="0">
+                <a:solidFill>
+                  <a:srgbClr val="92D050"/>
+                </a:solidFill>
+              </a:rPr>
+              <a:t>2.3</a:t>
+            </a:r>
+            <a:endParaRPr lang="en-GB" sz="3200" b="1" dirty="0">
+              <a:solidFill>
+                <a:srgbClr val="92D050"/>
+              </a:solidFill>
+            </a:endParaRPr>
+          </a:p>
+        </p:txBody>
+      </p:sp>
+      <p:sp>
+        <p:nvSpPr>
+          <p:cNvPr id="28" name="TextBox 27">
+            <a:extLst>
+              <a:ext uri="{FF2B5EF4-FFF2-40B4-BE49-F238E27FC236}">
+                <a16:creationId xmlns:a16="http://schemas.microsoft.com/office/drawing/2014/main" id="{A8CA9127-375B-6C5A-233E-CB2AFBD08C79}"/>
+              </a:ext>
+            </a:extLst>
+          </p:cNvPr>
+          <p:cNvSpPr txBox="1"/>
+          <p:nvPr/>
+        </p:nvSpPr>
+        <p:spPr>
+          <a:xfrm>
+            <a:off x="7653924" y="3792533"/>
+            <a:ext cx="2726936" cy="1415772"/>
+          </a:xfrm>
+          <a:prstGeom prst="rect">
+            <a:avLst/>
+          </a:prstGeom>
+          <a:noFill/>
+        </p:spPr>
+        <p:txBody>
+          <a:bodyPr wrap="square" rtlCol="0">
+            <a:spAutoFit/>
+          </a:bodyPr>
+          <a:lstStyle/>
+          <a:p>
+            <a:pPr algn="ctr"/>
+            <a:r>
+              <a:rPr lang="en-GB" sz="3200" b="1" dirty="0">
+                <a:solidFill>
+                  <a:schemeClr val="tx1">
+                    <a:lumMod val="50000"/>
+                    <a:lumOff val="50000"/>
+                  </a:schemeClr>
+                </a:solidFill>
+              </a:rPr>
+              <a:t>PUSH</a:t>
+            </a:r>
+            <a:br>
+              <a:rPr lang="en-GB" sz="3200" b="1" dirty="0">
+                <a:solidFill>
+                  <a:schemeClr val="tx1">
+                    <a:lumMod val="50000"/>
+                    <a:lumOff val="50000"/>
+                  </a:schemeClr>
+                </a:solidFill>
+              </a:rPr>
+            </a:br>
+            <a:r>
+              <a:rPr lang="en-GB" sz="5400" b="1" dirty="0">
+                <a:solidFill>
+                  <a:srgbClr val="FF0000"/>
+                </a:solidFill>
+              </a:rPr>
+              <a:t>-0.5</a:t>
+            </a:r>
+            <a:endParaRPr lang="en-GB" sz="3200" b="1" dirty="0">
+              <a:solidFill>
+                <a:srgbClr val="FF0000"/>
+              </a:solidFill>
+            </a:endParaRPr>
+          </a:p>
+        </p:txBody>
+      </p:sp>
+      <p:sp>
+        <p:nvSpPr>
+          <p:cNvPr id="30" name="Rectangle 29">
+            <a:extLst>
+              <a:ext uri="{FF2B5EF4-FFF2-40B4-BE49-F238E27FC236}">
+                <a16:creationId xmlns:a16="http://schemas.microsoft.com/office/drawing/2014/main" id="{80508209-594A-2DCF-9564-621BD4DD76F0}"/>
+              </a:ext>
+            </a:extLst>
+          </p:cNvPr>
+          <p:cNvSpPr/>
+          <p:nvPr/>
+        </p:nvSpPr>
+        <p:spPr>
+          <a:xfrm>
+            <a:off x="1877003" y="424686"/>
+            <a:ext cx="8428693" cy="1348618"/>
+          </a:xfrm>
+          <a:prstGeom prst="rect">
+            <a:avLst/>
+          </a:prstGeom>
+          <a:solidFill>
+            <a:srgbClr val="0012C0"/>
+          </a:solidFill>
+        </p:spPr>
+        <p:style>
+          <a:lnRef idx="2">
+            <a:schemeClr val="accent4">
+              <a:shade val="15000"/>
+            </a:schemeClr>
+          </a:lnRef>
+          <a:fillRef idx="1">
+            <a:schemeClr val="accent4"/>
+          </a:fillRef>
+          <a:effectRef idx="0">
+            <a:schemeClr val="accent4"/>
+          </a:effectRef>
+          <a:fontRef idx="minor">
+            <a:schemeClr val="lt1"/>
+          </a:fontRef>
+        </p:style>
+        <p:txBody>
+          <a:bodyPr rtlCol="0" anchor="ctr"/>
+          <a:lstStyle/>
+          <a:p>
+            <a:pPr algn="ctr"/>
+            <a:r>
+              <a:rPr lang="en-GB" sz="9600" b="1" dirty="0"/>
+              <a:t>LIMITER ON</a:t>
+            </a:r>
+          </a:p>
+        </p:txBody>
+      </p:sp>
+      <p:sp>
+        <p:nvSpPr>
+          <p:cNvPr id="31" name="TextBox 30">
+            <a:extLst>
+              <a:ext uri="{FF2B5EF4-FFF2-40B4-BE49-F238E27FC236}">
+                <a16:creationId xmlns:a16="http://schemas.microsoft.com/office/drawing/2014/main" id="{4F0E58A6-52D1-77D0-E603-818FF24D0AF4}"/>
+              </a:ext>
+            </a:extLst>
+          </p:cNvPr>
+          <p:cNvSpPr txBox="1"/>
+          <p:nvPr/>
+        </p:nvSpPr>
+        <p:spPr>
+          <a:xfrm>
+            <a:off x="380132" y="-21065"/>
+            <a:ext cx="1250150" cy="369332"/>
+          </a:xfrm>
+          <a:prstGeom prst="rect">
+            <a:avLst/>
+          </a:prstGeom>
+          <a:noFill/>
+        </p:spPr>
+        <p:txBody>
+          <a:bodyPr wrap="none" rtlCol="0">
+            <a:spAutoFit/>
+          </a:bodyPr>
+          <a:lstStyle/>
+          <a:p>
+            <a:r>
+              <a:rPr lang="en-GB" dirty="0"/>
+              <a:t>Exiting Box</a:t>
+            </a:r>
+          </a:p>
+        </p:txBody>
+      </p:sp>
+      <p:sp>
+        <p:nvSpPr>
+          <p:cNvPr id="3" name="TextBox 2">
+            <a:extLst>
+              <a:ext uri="{FF2B5EF4-FFF2-40B4-BE49-F238E27FC236}">
+                <a16:creationId xmlns:a16="http://schemas.microsoft.com/office/drawing/2014/main" id="{387DC0D9-50B1-D8E9-4279-C01BB2FC505B}"/>
+              </a:ext>
+            </a:extLst>
+          </p:cNvPr>
+          <p:cNvSpPr txBox="1"/>
+          <p:nvPr/>
+        </p:nvSpPr>
+        <p:spPr>
+          <a:xfrm rot="16200000">
+            <a:off x="-1846319" y="3105735"/>
+            <a:ext cx="5840958" cy="830997"/>
+          </a:xfrm>
+          <a:prstGeom prst="rect">
+            <a:avLst/>
+          </a:prstGeom>
+          <a:noFill/>
+        </p:spPr>
+        <p:txBody>
+          <a:bodyPr wrap="none" rtlCol="0">
+            <a:spAutoFit/>
+          </a:bodyPr>
+          <a:lstStyle/>
+          <a:p>
+            <a:pPr algn="ctr"/>
+            <a:r>
+              <a:rPr lang="en-GB" sz="4800" b="1" dirty="0">
+                <a:solidFill>
+                  <a:schemeClr val="tx1">
+                    <a:lumMod val="50000"/>
+                    <a:lumOff val="50000"/>
+                  </a:schemeClr>
+                </a:solidFill>
+              </a:rPr>
+              <a:t>OPPONENT LADDER</a:t>
+            </a:r>
+            <a:endParaRPr lang="en-GB" sz="8400" b="1" dirty="0">
+              <a:solidFill>
+                <a:srgbClr val="92D050"/>
+              </a:solidFill>
+            </a:endParaRPr>
+          </a:p>
+        </p:txBody>
+      </p:sp>
+      <p:sp>
+        <p:nvSpPr>
+          <p:cNvPr id="6" name="Rectangle 5">
+            <a:extLst>
+              <a:ext uri="{FF2B5EF4-FFF2-40B4-BE49-F238E27FC236}">
+                <a16:creationId xmlns:a16="http://schemas.microsoft.com/office/drawing/2014/main" id="{4D712AF3-09C0-2121-463C-5CE7EA6CEBB2}"/>
+              </a:ext>
+            </a:extLst>
+          </p:cNvPr>
+          <p:cNvSpPr/>
+          <p:nvPr/>
+        </p:nvSpPr>
+        <p:spPr>
+          <a:xfrm>
+            <a:off x="371495" y="347263"/>
+            <a:ext cx="11438644" cy="6487763"/>
+          </a:xfrm>
+          <a:prstGeom prst="rect">
+            <a:avLst/>
+          </a:prstGeom>
+          <a:noFill/>
+          <a:ln w="76200">
+            <a:solidFill>
+              <a:srgbClr val="CC00C2"/>
+            </a:solidFill>
+          </a:ln>
+        </p:spPr>
+        <p:style>
+          <a:lnRef idx="2">
+            <a:schemeClr val="accent1">
+              <a:shade val="15000"/>
+            </a:schemeClr>
+          </a:lnRef>
+          <a:fillRef idx="1">
+            <a:schemeClr val="accent1"/>
+          </a:fillRef>
+          <a:effectRef idx="0">
+            <a:schemeClr val="accent1"/>
+          </a:effectRef>
+          <a:fontRef idx="minor">
+            <a:schemeClr val="lt1"/>
+          </a:fontRef>
+        </p:style>
+        <p:txBody>
+          <a:bodyPr rtlCol="0" anchor="ctr"/>
+          <a:lstStyle/>
+          <a:p>
+            <a:pPr algn="ctr"/>
+            <a:endParaRPr lang="en-GB"/>
+          </a:p>
+        </p:txBody>
+      </p:sp>
     </p:spTree>
     <p:extLst>
       <p:ext uri="{BB962C8B-B14F-4D97-AF65-F5344CB8AC3E}">
-        <p14:creationId xmlns:p14="http://schemas.microsoft.com/office/powerpoint/2010/main" val="570729223"/>
+        <p14:creationId xmlns:p14="http://schemas.microsoft.com/office/powerpoint/2010/main" val="657248240"/>
       </p:ext>
     </p:extLst>
   </p:cSld>
@@ -4016,7 +8198,7 @@
         <p:cNvPr id="1" name="">
           <a:extLst>
             <a:ext uri="{FF2B5EF4-FFF2-40B4-BE49-F238E27FC236}">
-              <a16:creationId xmlns:a16="http://schemas.microsoft.com/office/drawing/2014/main" id="{E62ADFCA-4A9A-8AFD-427E-752BD5F86BB5}"/>
+              <a16:creationId xmlns:a16="http://schemas.microsoft.com/office/drawing/2014/main" id="{F38FD8DB-78A4-F01B-9041-18ADB496C9EE}"/>
             </a:ext>
           </a:extLst>
         </p:cNvPr>
@@ -4031,12 +8213,174 @@
           <a:chExt cx="0" cy="0"/>
         </a:xfrm>
       </p:grpSpPr>
+      <p:sp>
+        <p:nvSpPr>
+          <p:cNvPr id="2" name="Rectangle 1">
+            <a:extLst>
+              <a:ext uri="{FF2B5EF4-FFF2-40B4-BE49-F238E27FC236}">
+                <a16:creationId xmlns:a16="http://schemas.microsoft.com/office/drawing/2014/main" id="{DB17A231-3854-8ED9-976C-9DF2E0CD09AD}"/>
+              </a:ext>
+            </a:extLst>
+          </p:cNvPr>
+          <p:cNvSpPr/>
+          <p:nvPr/>
+        </p:nvSpPr>
+        <p:spPr>
+          <a:xfrm>
+            <a:off x="347621" y="318982"/>
+            <a:ext cx="11496758" cy="6516045"/>
+          </a:xfrm>
+          <a:prstGeom prst="rect">
+            <a:avLst/>
+          </a:prstGeom>
+          <a:solidFill>
+            <a:schemeClr val="tx1"/>
+          </a:solidFill>
+          <a:ln w="57150">
+            <a:solidFill>
+              <a:schemeClr val="bg1">
+                <a:lumMod val="95000"/>
+              </a:schemeClr>
+            </a:solidFill>
+          </a:ln>
+        </p:spPr>
+        <p:style>
+          <a:lnRef idx="2">
+            <a:schemeClr val="accent1">
+              <a:shade val="15000"/>
+            </a:schemeClr>
+          </a:lnRef>
+          <a:fillRef idx="1">
+            <a:schemeClr val="accent1"/>
+          </a:fillRef>
+          <a:effectRef idx="0">
+            <a:schemeClr val="accent1"/>
+          </a:effectRef>
+          <a:fontRef idx="minor">
+            <a:schemeClr val="lt1"/>
+          </a:fontRef>
+        </p:style>
+        <p:txBody>
+          <a:bodyPr rtlCol="0" anchor="ctr"/>
+          <a:lstStyle/>
+          <a:p>
+            <a:pPr algn="ctr"/>
+            <a:endParaRPr lang="en-GB" sz="4400" b="1" dirty="0"/>
+          </a:p>
+        </p:txBody>
+      </p:sp>
+      <p:sp>
+        <p:nvSpPr>
+          <p:cNvPr id="4" name="Rectangle 3">
+            <a:extLst>
+              <a:ext uri="{FF2B5EF4-FFF2-40B4-BE49-F238E27FC236}">
+                <a16:creationId xmlns:a16="http://schemas.microsoft.com/office/drawing/2014/main" id="{2E3ECA26-DBC2-FE65-3E5F-3F7B9E02BC67}"/>
+              </a:ext>
+            </a:extLst>
+          </p:cNvPr>
+          <p:cNvSpPr/>
+          <p:nvPr/>
+        </p:nvSpPr>
+        <p:spPr>
+          <a:xfrm>
+            <a:off x="371495" y="348267"/>
+            <a:ext cx="1423193" cy="6486759"/>
+          </a:xfrm>
+          <a:prstGeom prst="rect">
+            <a:avLst/>
+          </a:prstGeom>
+          <a:ln w="57150">
+            <a:solidFill>
+              <a:schemeClr val="bg1">
+                <a:lumMod val="95000"/>
+              </a:schemeClr>
+            </a:solidFill>
+          </a:ln>
+        </p:spPr>
+        <p:style>
+          <a:lnRef idx="2">
+            <a:schemeClr val="dk1">
+              <a:shade val="15000"/>
+            </a:schemeClr>
+          </a:lnRef>
+          <a:fillRef idx="1">
+            <a:schemeClr val="dk1"/>
+          </a:fillRef>
+          <a:effectRef idx="0">
+            <a:schemeClr val="dk1"/>
+          </a:effectRef>
+          <a:fontRef idx="minor">
+            <a:schemeClr val="lt1"/>
+          </a:fontRef>
+        </p:style>
+        <p:txBody>
+          <a:bodyPr rtlCol="0" anchor="ctr"/>
+          <a:lstStyle/>
+          <a:p>
+            <a:pPr algn="ctr"/>
+            <a:endParaRPr lang="en-GB"/>
+          </a:p>
+        </p:txBody>
+      </p:sp>
+      <p:sp>
+        <p:nvSpPr>
+          <p:cNvPr id="5" name="Rectangle 4">
+            <a:extLst>
+              <a:ext uri="{FF2B5EF4-FFF2-40B4-BE49-F238E27FC236}">
+                <a16:creationId xmlns:a16="http://schemas.microsoft.com/office/drawing/2014/main" id="{68C6A925-0D71-C64E-2FB9-201B3CA802AE}"/>
+              </a:ext>
+            </a:extLst>
+          </p:cNvPr>
+          <p:cNvSpPr/>
+          <p:nvPr/>
+        </p:nvSpPr>
+        <p:spPr>
+          <a:xfrm>
+            <a:off x="10386946" y="348267"/>
+            <a:ext cx="1423193" cy="6477151"/>
+          </a:xfrm>
+          <a:prstGeom prst="rect">
+            <a:avLst/>
+          </a:prstGeom>
+          <a:ln w="57150">
+            <a:solidFill>
+              <a:schemeClr val="bg1">
+                <a:lumMod val="95000"/>
+              </a:schemeClr>
+            </a:solidFill>
+          </a:ln>
+        </p:spPr>
+        <p:style>
+          <a:lnRef idx="2">
+            <a:schemeClr val="dk1">
+              <a:shade val="15000"/>
+            </a:schemeClr>
+          </a:lnRef>
+          <a:fillRef idx="1">
+            <a:schemeClr val="dk1"/>
+          </a:fillRef>
+          <a:effectRef idx="0">
+            <a:schemeClr val="dk1"/>
+          </a:effectRef>
+          <a:fontRef idx="minor">
+            <a:schemeClr val="lt1"/>
+          </a:fontRef>
+        </p:style>
+        <p:txBody>
+          <a:bodyPr rtlCol="0" anchor="ctr"/>
+          <a:lstStyle/>
+          <a:p>
+            <a:pPr algn="ctr"/>
+            <a:endParaRPr lang="en-GB" dirty="0"/>
+          </a:p>
+        </p:txBody>
+      </p:sp>
       <p:pic>
         <p:nvPicPr>
-          <p:cNvPr id="3" name="Picture 2">
-            <a:extLst>
-              <a:ext uri="{FF2B5EF4-FFF2-40B4-BE49-F238E27FC236}">
-                <a16:creationId xmlns:a16="http://schemas.microsoft.com/office/drawing/2014/main" id="{64C3F6AF-CD92-8BEC-7C92-B4C2726C7DC6}"/>
+          <p:cNvPr id="12" name="Picture 11" descr="A pink rectangle with white text&#10;&#10;AI-generated content may be incorrect.">
+            <a:extLst>
+              <a:ext uri="{FF2B5EF4-FFF2-40B4-BE49-F238E27FC236}">
+                <a16:creationId xmlns:a16="http://schemas.microsoft.com/office/drawing/2014/main" id="{BA3CAA2E-47D4-E9D7-3D8C-017E64363D22}"/>
               </a:ext>
             </a:extLst>
           </p:cNvPr>
@@ -4046,15 +8390,327 @@
           <p:nvPr/>
         </p:nvPicPr>
         <p:blipFill>
-          <a:blip r:embed="rId2"/>
+          <a:blip r:embed="rId3"/>
           <a:stretch>
             <a:fillRect/>
           </a:stretch>
         </p:blipFill>
         <p:spPr>
           <a:xfrm>
-            <a:off x="2077906" y="0"/>
-            <a:ext cx="8036187" cy="6858000"/>
+            <a:off x="10386947" y="387160"/>
+            <a:ext cx="1378589" cy="6408972"/>
+          </a:xfrm>
+          <a:prstGeom prst="rect">
+            <a:avLst/>
+          </a:prstGeom>
+        </p:spPr>
+      </p:pic>
+      <p:cxnSp>
+        <p:nvCxnSpPr>
+          <p:cNvPr id="14" name="Straight Connector 13">
+            <a:extLst>
+              <a:ext uri="{FF2B5EF4-FFF2-40B4-BE49-F238E27FC236}">
+                <a16:creationId xmlns:a16="http://schemas.microsoft.com/office/drawing/2014/main" id="{1484E6B2-9B8B-2B2D-56BB-C1C88F967FD4}"/>
+              </a:ext>
+            </a:extLst>
+          </p:cNvPr>
+          <p:cNvCxnSpPr/>
+          <p:nvPr/>
+        </p:nvCxnSpPr>
+        <p:spPr>
+          <a:xfrm>
+            <a:off x="1794688" y="1805364"/>
+            <a:ext cx="8592258" cy="0"/>
+          </a:xfrm>
+          <a:prstGeom prst="line">
+            <a:avLst/>
+          </a:prstGeom>
+          <a:ln w="57150">
+            <a:solidFill>
+              <a:schemeClr val="bg1">
+                <a:lumMod val="95000"/>
+              </a:schemeClr>
+            </a:solidFill>
+          </a:ln>
+        </p:spPr>
+        <p:style>
+          <a:lnRef idx="2">
+            <a:schemeClr val="accent1"/>
+          </a:lnRef>
+          <a:fillRef idx="0">
+            <a:schemeClr val="accent1"/>
+          </a:fillRef>
+          <a:effectRef idx="1">
+            <a:schemeClr val="accent1"/>
+          </a:effectRef>
+          <a:fontRef idx="minor">
+            <a:schemeClr val="tx1"/>
+          </a:fontRef>
+        </p:style>
+      </p:cxnSp>
+      <p:sp>
+        <p:nvSpPr>
+          <p:cNvPr id="15" name="TextBox 14">
+            <a:extLst>
+              <a:ext uri="{FF2B5EF4-FFF2-40B4-BE49-F238E27FC236}">
+                <a16:creationId xmlns:a16="http://schemas.microsoft.com/office/drawing/2014/main" id="{1E1868B3-5E0D-37DA-8786-0E2C2AC73D9F}"/>
+              </a:ext>
+            </a:extLst>
+          </p:cNvPr>
+          <p:cNvSpPr txBox="1"/>
+          <p:nvPr/>
+        </p:nvSpPr>
+        <p:spPr>
+          <a:xfrm>
+            <a:off x="2645046" y="3429000"/>
+            <a:ext cx="7023526" cy="1200329"/>
+          </a:xfrm>
+          <a:prstGeom prst="rect">
+            <a:avLst/>
+          </a:prstGeom>
+          <a:noFill/>
+        </p:spPr>
+        <p:txBody>
+          <a:bodyPr wrap="none" rtlCol="0">
+            <a:spAutoFit/>
+          </a:bodyPr>
+          <a:lstStyle/>
+          <a:p>
+            <a:pPr algn="ctr"/>
+            <a:r>
+              <a:rPr lang="en-GB" sz="7200" b="1" dirty="0">
+                <a:solidFill>
+                  <a:schemeClr val="tx1">
+                    <a:lumMod val="50000"/>
+                    <a:lumOff val="50000"/>
+                  </a:schemeClr>
+                </a:solidFill>
+              </a:rPr>
+              <a:t>REJOIN DISPLAY</a:t>
+            </a:r>
+            <a:endParaRPr lang="en-GB" sz="13800" b="1" dirty="0">
+              <a:solidFill>
+                <a:srgbClr val="92D050"/>
+              </a:solidFill>
+            </a:endParaRPr>
+          </a:p>
+        </p:txBody>
+      </p:sp>
+      <p:sp>
+        <p:nvSpPr>
+          <p:cNvPr id="30" name="Rectangle 29">
+            <a:extLst>
+              <a:ext uri="{FF2B5EF4-FFF2-40B4-BE49-F238E27FC236}">
+                <a16:creationId xmlns:a16="http://schemas.microsoft.com/office/drawing/2014/main" id="{54E49FDF-0BB0-30F2-B031-2CD4DDF5A947}"/>
+              </a:ext>
+            </a:extLst>
+          </p:cNvPr>
+          <p:cNvSpPr/>
+          <p:nvPr/>
+        </p:nvSpPr>
+        <p:spPr>
+          <a:xfrm>
+            <a:off x="1839295" y="377550"/>
+            <a:ext cx="8503048" cy="1399531"/>
+          </a:xfrm>
+          <a:prstGeom prst="rect">
+            <a:avLst/>
+          </a:prstGeom>
+          <a:solidFill>
+            <a:srgbClr val="FFFF00"/>
+          </a:solidFill>
+        </p:spPr>
+        <p:style>
+          <a:lnRef idx="2">
+            <a:schemeClr val="accent4">
+              <a:shade val="15000"/>
+            </a:schemeClr>
+          </a:lnRef>
+          <a:fillRef idx="1">
+            <a:schemeClr val="accent4"/>
+          </a:fillRef>
+          <a:effectRef idx="0">
+            <a:schemeClr val="accent4"/>
+          </a:effectRef>
+          <a:fontRef idx="minor">
+            <a:schemeClr val="lt1"/>
+          </a:fontRef>
+        </p:style>
+        <p:txBody>
+          <a:bodyPr rtlCol="0" anchor="ctr"/>
+          <a:lstStyle/>
+          <a:p>
+            <a:pPr algn="ctr"/>
+            <a:r>
+              <a:rPr lang="en-GB" sz="7200" b="1" dirty="0">
+                <a:solidFill>
+                  <a:srgbClr val="0012C0"/>
+                </a:solidFill>
+              </a:rPr>
+              <a:t>TURN OFF LIMITER</a:t>
+            </a:r>
+          </a:p>
+        </p:txBody>
+      </p:sp>
+      <p:sp>
+        <p:nvSpPr>
+          <p:cNvPr id="31" name="TextBox 30">
+            <a:extLst>
+              <a:ext uri="{FF2B5EF4-FFF2-40B4-BE49-F238E27FC236}">
+                <a16:creationId xmlns:a16="http://schemas.microsoft.com/office/drawing/2014/main" id="{D69494F8-74C3-41C4-C732-A91A3B89AEBF}"/>
+              </a:ext>
+            </a:extLst>
+          </p:cNvPr>
+          <p:cNvSpPr txBox="1"/>
+          <p:nvPr/>
+        </p:nvSpPr>
+        <p:spPr>
+          <a:xfrm>
+            <a:off x="380132" y="-21065"/>
+            <a:ext cx="1259384" cy="369332"/>
+          </a:xfrm>
+          <a:prstGeom prst="rect">
+            <a:avLst/>
+          </a:prstGeom>
+          <a:noFill/>
+        </p:spPr>
+        <p:txBody>
+          <a:bodyPr wrap="none" rtlCol="0">
+            <a:spAutoFit/>
+          </a:bodyPr>
+          <a:lstStyle/>
+          <a:p>
+            <a:r>
+              <a:rPr lang="en-GB" dirty="0"/>
+              <a:t>Exiting Pits</a:t>
+            </a:r>
+          </a:p>
+        </p:txBody>
+      </p:sp>
+      <p:sp>
+        <p:nvSpPr>
+          <p:cNvPr id="3" name="TextBox 2">
+            <a:extLst>
+              <a:ext uri="{FF2B5EF4-FFF2-40B4-BE49-F238E27FC236}">
+                <a16:creationId xmlns:a16="http://schemas.microsoft.com/office/drawing/2014/main" id="{0E4F3BA9-7578-FC0B-F482-F363CCBBF8FE}"/>
+              </a:ext>
+            </a:extLst>
+          </p:cNvPr>
+          <p:cNvSpPr txBox="1"/>
+          <p:nvPr/>
+        </p:nvSpPr>
+        <p:spPr>
+          <a:xfrm rot="16200000">
+            <a:off x="-1839902" y="3105735"/>
+            <a:ext cx="5828134" cy="830997"/>
+          </a:xfrm>
+          <a:prstGeom prst="rect">
+            <a:avLst/>
+          </a:prstGeom>
+          <a:noFill/>
+        </p:spPr>
+        <p:txBody>
+          <a:bodyPr wrap="none" rtlCol="0">
+            <a:spAutoFit/>
+          </a:bodyPr>
+          <a:lstStyle/>
+          <a:p>
+            <a:pPr algn="ctr"/>
+            <a:r>
+              <a:rPr lang="en-GB" sz="4800" b="1" dirty="0">
+                <a:solidFill>
+                  <a:schemeClr val="tx1">
+                    <a:lumMod val="50000"/>
+                    <a:lumOff val="50000"/>
+                  </a:schemeClr>
+                </a:solidFill>
+              </a:rPr>
+              <a:t>FUEL BURN LADDER</a:t>
+            </a:r>
+            <a:endParaRPr lang="en-GB" sz="8400" b="1" dirty="0">
+              <a:solidFill>
+                <a:srgbClr val="92D050"/>
+              </a:solidFill>
+            </a:endParaRPr>
+          </a:p>
+        </p:txBody>
+      </p:sp>
+      <p:sp>
+        <p:nvSpPr>
+          <p:cNvPr id="6" name="Rectangle 5">
+            <a:extLst>
+              <a:ext uri="{FF2B5EF4-FFF2-40B4-BE49-F238E27FC236}">
+                <a16:creationId xmlns:a16="http://schemas.microsoft.com/office/drawing/2014/main" id="{80FD9184-6FCE-461F-0B86-2BC1B69ABBD6}"/>
+              </a:ext>
+            </a:extLst>
+          </p:cNvPr>
+          <p:cNvSpPr/>
+          <p:nvPr/>
+        </p:nvSpPr>
+        <p:spPr>
+          <a:xfrm>
+            <a:off x="371495" y="347263"/>
+            <a:ext cx="11438644" cy="6487763"/>
+          </a:xfrm>
+          <a:prstGeom prst="rect">
+            <a:avLst/>
+          </a:prstGeom>
+          <a:noFill/>
+          <a:ln w="76200">
+            <a:solidFill>
+              <a:srgbClr val="CC00C2"/>
+            </a:solidFill>
+          </a:ln>
+        </p:spPr>
+        <p:style>
+          <a:lnRef idx="2">
+            <a:schemeClr val="accent1">
+              <a:shade val="15000"/>
+            </a:schemeClr>
+          </a:lnRef>
+          <a:fillRef idx="1">
+            <a:schemeClr val="accent1"/>
+          </a:fillRef>
+          <a:effectRef idx="0">
+            <a:schemeClr val="accent1"/>
+          </a:effectRef>
+          <a:fontRef idx="minor">
+            <a:schemeClr val="lt1"/>
+          </a:fontRef>
+        </p:style>
+        <p:txBody>
+          <a:bodyPr rtlCol="0" anchor="ctr"/>
+          <a:lstStyle/>
+          <a:p>
+            <a:pPr algn="ctr"/>
+            <a:endParaRPr lang="en-GB"/>
+          </a:p>
+        </p:txBody>
+      </p:sp>
+      <p:pic>
+        <p:nvPicPr>
+          <p:cNvPr id="8" name="Picture 7" descr="A close-up of a warning sign&#10;&#10;AI-generated content may be incorrect.">
+            <a:extLst>
+              <a:ext uri="{FF2B5EF4-FFF2-40B4-BE49-F238E27FC236}">
+                <a16:creationId xmlns:a16="http://schemas.microsoft.com/office/drawing/2014/main" id="{391DB477-99A2-9868-E461-43A086218028}"/>
+              </a:ext>
+            </a:extLst>
+          </p:cNvPr>
+          <p:cNvPicPr>
+            <a:picLocks noChangeAspect="1"/>
+          </p:cNvPicPr>
+          <p:nvPr/>
+        </p:nvPicPr>
+        <p:blipFill>
+          <a:blip r:embed="rId4"/>
+          <a:stretch>
+            <a:fillRect/>
+          </a:stretch>
+        </p:blipFill>
+        <p:spPr>
+          <a:xfrm>
+            <a:off x="1839291" y="1843071"/>
+            <a:ext cx="8503052" cy="4953061"/>
           </a:xfrm>
           <a:prstGeom prst="rect">
             <a:avLst/>
@@ -4064,7 +8720,7 @@
     </p:spTree>
     <p:extLst>
       <p:ext uri="{BB962C8B-B14F-4D97-AF65-F5344CB8AC3E}">
-        <p14:creationId xmlns:p14="http://schemas.microsoft.com/office/powerpoint/2010/main" val="3344888485"/>
+        <p14:creationId xmlns:p14="http://schemas.microsoft.com/office/powerpoint/2010/main" val="2074460298"/>
       </p:ext>
     </p:extLst>
   </p:cSld>
@@ -4082,7 +8738,7 @@
         <p:cNvPr id="1" name="">
           <a:extLst>
             <a:ext uri="{FF2B5EF4-FFF2-40B4-BE49-F238E27FC236}">
-              <a16:creationId xmlns:a16="http://schemas.microsoft.com/office/drawing/2014/main" id="{12BDDD84-3261-1293-6A06-26BC419EFFC3}"/>
+              <a16:creationId xmlns:a16="http://schemas.microsoft.com/office/drawing/2014/main" id="{D94402F4-43E7-DEAD-FB0A-30AD0F391C00}"/>
             </a:ext>
           </a:extLst>
         </p:cNvPr>
@@ -4097,40 +8753,64 @@
           <a:chExt cx="0" cy="0"/>
         </a:xfrm>
       </p:grpSpPr>
-      <p:pic>
-        <p:nvPicPr>
-          <p:cNvPr id="3" name="Picture 2">
-            <a:extLst>
-              <a:ext uri="{FF2B5EF4-FFF2-40B4-BE49-F238E27FC236}">
-                <a16:creationId xmlns:a16="http://schemas.microsoft.com/office/drawing/2014/main" id="{62709E59-5EC8-EAAD-CF94-B261DBD1D925}"/>
-              </a:ext>
-            </a:extLst>
-          </p:cNvPr>
-          <p:cNvPicPr>
-            <a:picLocks noChangeAspect="1"/>
-          </p:cNvPicPr>
-          <p:nvPr/>
-        </p:nvPicPr>
-        <p:blipFill>
-          <a:blip r:embed="rId2"/>
-          <a:stretch>
-            <a:fillRect/>
-          </a:stretch>
-        </p:blipFill>
-        <p:spPr>
-          <a:xfrm>
-            <a:off x="2543104" y="0"/>
-            <a:ext cx="7105792" cy="6858000"/>
-          </a:xfrm>
-          <a:prstGeom prst="rect">
-            <a:avLst/>
-          </a:prstGeom>
-        </p:spPr>
-      </p:pic>
+      <p:sp>
+        <p:nvSpPr>
+          <p:cNvPr id="2" name="Rectangle 1">
+            <a:extLst>
+              <a:ext uri="{FF2B5EF4-FFF2-40B4-BE49-F238E27FC236}">
+                <a16:creationId xmlns:a16="http://schemas.microsoft.com/office/drawing/2014/main" id="{09FDD8BB-FE1A-9770-F07E-614F2C35EAC5}"/>
+              </a:ext>
+            </a:extLst>
+          </p:cNvPr>
+          <p:cNvSpPr/>
+          <p:nvPr/>
+        </p:nvSpPr>
+        <p:spPr>
+          <a:xfrm>
+            <a:off x="347621" y="141693"/>
+            <a:ext cx="11496758" cy="6516045"/>
+          </a:xfrm>
+          <a:prstGeom prst="rect">
+            <a:avLst/>
+          </a:prstGeom>
+          <a:solidFill>
+            <a:schemeClr val="tx1"/>
+          </a:solidFill>
+          <a:ln w="57150">
+            <a:solidFill>
+              <a:srgbClr val="CC00C2"/>
+            </a:solidFill>
+          </a:ln>
+        </p:spPr>
+        <p:style>
+          <a:lnRef idx="2">
+            <a:schemeClr val="accent1">
+              <a:shade val="15000"/>
+            </a:schemeClr>
+          </a:lnRef>
+          <a:fillRef idx="1">
+            <a:schemeClr val="accent1"/>
+          </a:fillRef>
+          <a:effectRef idx="0">
+            <a:schemeClr val="accent1"/>
+          </a:effectRef>
+          <a:fontRef idx="minor">
+            <a:schemeClr val="lt1"/>
+          </a:fontRef>
+        </p:style>
+        <p:txBody>
+          <a:bodyPr rtlCol="0" anchor="ctr"/>
+          <a:lstStyle/>
+          <a:p>
+            <a:pPr algn="ctr"/>
+            <a:endParaRPr lang="en-GB"/>
+          </a:p>
+        </p:txBody>
+      </p:sp>
     </p:spTree>
     <p:extLst>
       <p:ext uri="{BB962C8B-B14F-4D97-AF65-F5344CB8AC3E}">
-        <p14:creationId xmlns:p14="http://schemas.microsoft.com/office/powerpoint/2010/main" val="817053988"/>
+        <p14:creationId xmlns:p14="http://schemas.microsoft.com/office/powerpoint/2010/main" val="1624897333"/>
       </p:ext>
     </p:extLst>
   </p:cSld>
@@ -4148,7 +8828,7 @@
         <p:cNvPr id="1" name="">
           <a:extLst>
             <a:ext uri="{FF2B5EF4-FFF2-40B4-BE49-F238E27FC236}">
-              <a16:creationId xmlns:a16="http://schemas.microsoft.com/office/drawing/2014/main" id="{272F221C-1FED-A921-993F-77037A53DBC6}"/>
+              <a16:creationId xmlns:a16="http://schemas.microsoft.com/office/drawing/2014/main" id="{69C753ED-2034-8E2C-5977-D0EA40EF120C}"/>
             </a:ext>
           </a:extLst>
         </p:cNvPr>
@@ -4163,40 +8843,64 @@
           <a:chExt cx="0" cy="0"/>
         </a:xfrm>
       </p:grpSpPr>
-      <p:pic>
-        <p:nvPicPr>
-          <p:cNvPr id="3" name="Picture 2">
-            <a:extLst>
-              <a:ext uri="{FF2B5EF4-FFF2-40B4-BE49-F238E27FC236}">
-                <a16:creationId xmlns:a16="http://schemas.microsoft.com/office/drawing/2014/main" id="{31EC7B36-46D0-C5E5-AA96-52026EF195AF}"/>
-              </a:ext>
-            </a:extLst>
-          </p:cNvPr>
-          <p:cNvPicPr>
-            <a:picLocks noChangeAspect="1"/>
-          </p:cNvPicPr>
-          <p:nvPr/>
-        </p:nvPicPr>
-        <p:blipFill>
-          <a:blip r:embed="rId2"/>
-          <a:stretch>
-            <a:fillRect/>
-          </a:stretch>
-        </p:blipFill>
-        <p:spPr>
-          <a:xfrm>
-            <a:off x="5419973" y="0"/>
-            <a:ext cx="6772027" cy="6858000"/>
-          </a:xfrm>
-          <a:prstGeom prst="rect">
-            <a:avLst/>
-          </a:prstGeom>
-        </p:spPr>
-      </p:pic>
+      <p:sp>
+        <p:nvSpPr>
+          <p:cNvPr id="2" name="Rectangle 1">
+            <a:extLst>
+              <a:ext uri="{FF2B5EF4-FFF2-40B4-BE49-F238E27FC236}">
+                <a16:creationId xmlns:a16="http://schemas.microsoft.com/office/drawing/2014/main" id="{35392ABA-A1D6-81E3-E7E0-31FF21D6CE56}"/>
+              </a:ext>
+            </a:extLst>
+          </p:cNvPr>
+          <p:cNvSpPr/>
+          <p:nvPr/>
+        </p:nvSpPr>
+        <p:spPr>
+          <a:xfrm>
+            <a:off x="347621" y="141693"/>
+            <a:ext cx="11496758" cy="6516045"/>
+          </a:xfrm>
+          <a:prstGeom prst="rect">
+            <a:avLst/>
+          </a:prstGeom>
+          <a:solidFill>
+            <a:schemeClr val="tx1"/>
+          </a:solidFill>
+          <a:ln w="57150">
+            <a:solidFill>
+              <a:srgbClr val="CC00C2"/>
+            </a:solidFill>
+          </a:ln>
+        </p:spPr>
+        <p:style>
+          <a:lnRef idx="2">
+            <a:schemeClr val="accent1">
+              <a:shade val="15000"/>
+            </a:schemeClr>
+          </a:lnRef>
+          <a:fillRef idx="1">
+            <a:schemeClr val="accent1"/>
+          </a:fillRef>
+          <a:effectRef idx="0">
+            <a:schemeClr val="accent1"/>
+          </a:effectRef>
+          <a:fontRef idx="minor">
+            <a:schemeClr val="lt1"/>
+          </a:fontRef>
+        </p:style>
+        <p:txBody>
+          <a:bodyPr rtlCol="0" anchor="ctr"/>
+          <a:lstStyle/>
+          <a:p>
+            <a:pPr algn="ctr"/>
+            <a:endParaRPr lang="en-GB"/>
+          </a:p>
+        </p:txBody>
+      </p:sp>
     </p:spTree>
     <p:extLst>
       <p:ext uri="{BB962C8B-B14F-4D97-AF65-F5344CB8AC3E}">
-        <p14:creationId xmlns:p14="http://schemas.microsoft.com/office/powerpoint/2010/main" val="3636825823"/>
+        <p14:creationId xmlns:p14="http://schemas.microsoft.com/office/powerpoint/2010/main" val="3739874058"/>
       </p:ext>
     </p:extLst>
   </p:cSld>
@@ -4214,7 +8918,157 @@
         <p:cNvPr id="1" name="">
           <a:extLst>
             <a:ext uri="{FF2B5EF4-FFF2-40B4-BE49-F238E27FC236}">
-              <a16:creationId xmlns:a16="http://schemas.microsoft.com/office/drawing/2014/main" id="{01E5B63E-D1E7-6FB0-DFF0-3100975F2BFE}"/>
+              <a16:creationId xmlns:a16="http://schemas.microsoft.com/office/drawing/2014/main" id="{C96A7A4A-8FFB-485E-5955-40078C59F89F}"/>
+            </a:ext>
+          </a:extLst>
+        </p:cNvPr>
+        <p:cNvGrpSpPr/>
+        <p:nvPr/>
+      </p:nvGrpSpPr>
+      <p:grpSpPr>
+        <a:xfrm>
+          <a:off x="0" y="0"/>
+          <a:ext cx="0" cy="0"/>
+          <a:chOff x="0" y="0"/>
+          <a:chExt cx="0" cy="0"/>
+        </a:xfrm>
+      </p:grpSpPr>
+      <p:sp>
+        <p:nvSpPr>
+          <p:cNvPr id="2" name="Rectangle 1">
+            <a:extLst>
+              <a:ext uri="{FF2B5EF4-FFF2-40B4-BE49-F238E27FC236}">
+                <a16:creationId xmlns:a16="http://schemas.microsoft.com/office/drawing/2014/main" id="{523B168F-92E4-B99F-C261-6FF3EFFFA770}"/>
+              </a:ext>
+            </a:extLst>
+          </p:cNvPr>
+          <p:cNvSpPr/>
+          <p:nvPr/>
+        </p:nvSpPr>
+        <p:spPr>
+          <a:xfrm>
+            <a:off x="347621" y="141693"/>
+            <a:ext cx="11496758" cy="6516045"/>
+          </a:xfrm>
+          <a:prstGeom prst="rect">
+            <a:avLst/>
+          </a:prstGeom>
+          <a:solidFill>
+            <a:schemeClr val="tx1"/>
+          </a:solidFill>
+          <a:ln w="57150">
+            <a:solidFill>
+              <a:srgbClr val="CC00C2"/>
+            </a:solidFill>
+          </a:ln>
+        </p:spPr>
+        <p:style>
+          <a:lnRef idx="2">
+            <a:schemeClr val="accent1">
+              <a:shade val="15000"/>
+            </a:schemeClr>
+          </a:lnRef>
+          <a:fillRef idx="1">
+            <a:schemeClr val="accent1"/>
+          </a:fillRef>
+          <a:effectRef idx="0">
+            <a:schemeClr val="accent1"/>
+          </a:effectRef>
+          <a:fontRef idx="minor">
+            <a:schemeClr val="lt1"/>
+          </a:fontRef>
+        </p:style>
+        <p:txBody>
+          <a:bodyPr rtlCol="0" anchor="ctr"/>
+          <a:lstStyle/>
+          <a:p>
+            <a:pPr algn="ctr"/>
+            <a:endParaRPr lang="en-GB"/>
+          </a:p>
+        </p:txBody>
+      </p:sp>
+    </p:spTree>
+    <p:extLst>
+      <p:ext uri="{BB962C8B-B14F-4D97-AF65-F5344CB8AC3E}">
+        <p14:creationId xmlns:p14="http://schemas.microsoft.com/office/powerpoint/2010/main" val="3564034466"/>
+      </p:ext>
+    </p:extLst>
+  </p:cSld>
+  <p:clrMapOvr>
+    <a:masterClrMapping/>
+  </p:clrMapOvr>
+</p:sld>
+</file>
+
+<file path=ppt/slides/slide2.xml><?xml version="1.0" encoding="utf-8"?>
+<p:sld xmlns:a="http://schemas.openxmlformats.org/drawingml/2006/main" xmlns:r="http://schemas.openxmlformats.org/officeDocument/2006/relationships" xmlns:p="http://schemas.openxmlformats.org/presentationml/2006/main">
+  <p:cSld>
+    <p:spTree>
+      <p:nvGrpSpPr>
+        <p:cNvPr id="1" name=""/>
+        <p:cNvGrpSpPr/>
+        <p:nvPr/>
+      </p:nvGrpSpPr>
+      <p:grpSpPr>
+        <a:xfrm>
+          <a:off x="0" y="0"/>
+          <a:ext cx="0" cy="0"/>
+          <a:chOff x="0" y="0"/>
+          <a:chExt cx="0" cy="0"/>
+        </a:xfrm>
+      </p:grpSpPr>
+      <p:pic>
+        <p:nvPicPr>
+          <p:cNvPr id="3" name="Picture 2">
+            <a:extLst>
+              <a:ext uri="{FF2B5EF4-FFF2-40B4-BE49-F238E27FC236}">
+                <a16:creationId xmlns:a16="http://schemas.microsoft.com/office/drawing/2014/main" id="{F7B04681-6998-32D7-901D-15E25B18522D}"/>
+              </a:ext>
+            </a:extLst>
+          </p:cNvPr>
+          <p:cNvPicPr>
+            <a:picLocks noChangeAspect="1"/>
+          </p:cNvPicPr>
+          <p:nvPr/>
+        </p:nvPicPr>
+        <p:blipFill>
+          <a:blip r:embed="rId2"/>
+          <a:stretch>
+            <a:fillRect/>
+          </a:stretch>
+        </p:blipFill>
+        <p:spPr>
+          <a:xfrm>
+            <a:off x="742595" y="0"/>
+            <a:ext cx="10706809" cy="6858000"/>
+          </a:xfrm>
+          <a:prstGeom prst="rect">
+            <a:avLst/>
+          </a:prstGeom>
+        </p:spPr>
+      </p:pic>
+    </p:spTree>
+    <p:extLst>
+      <p:ext uri="{BB962C8B-B14F-4D97-AF65-F5344CB8AC3E}">
+        <p14:creationId xmlns:p14="http://schemas.microsoft.com/office/powerpoint/2010/main" val="1990949740"/>
+      </p:ext>
+    </p:extLst>
+  </p:cSld>
+  <p:clrMapOvr>
+    <a:masterClrMapping/>
+  </p:clrMapOvr>
+</p:sld>
+</file>
+
+<file path=ppt/slides/slide3.xml><?xml version="1.0" encoding="utf-8"?>
+<p:sld xmlns:a="http://schemas.openxmlformats.org/drawingml/2006/main" xmlns:r="http://schemas.openxmlformats.org/officeDocument/2006/relationships" xmlns:p="http://schemas.openxmlformats.org/presentationml/2006/main">
+  <p:cSld>
+    <p:spTree>
+      <p:nvGrpSpPr>
+        <p:cNvPr id="1" name="">
+          <a:extLst>
+            <a:ext uri="{FF2B5EF4-FFF2-40B4-BE49-F238E27FC236}">
+              <a16:creationId xmlns:a16="http://schemas.microsoft.com/office/drawing/2014/main" id="{F4AC0AA2-7E56-A0AB-4A2F-6B8D015C4B8A}"/>
             </a:ext>
           </a:extLst>
         </p:cNvPr>
@@ -4231,10 +9085,10 @@
       </p:grpSpPr>
       <p:pic>
         <p:nvPicPr>
-          <p:cNvPr id="2" name="Picture 1">
-            <a:extLst>
-              <a:ext uri="{FF2B5EF4-FFF2-40B4-BE49-F238E27FC236}">
-                <a16:creationId xmlns:a16="http://schemas.microsoft.com/office/drawing/2014/main" id="{8E302A51-9E45-5C11-9524-FA534C363DDF}"/>
+          <p:cNvPr id="4" name="Picture 3">
+            <a:extLst>
+              <a:ext uri="{FF2B5EF4-FFF2-40B4-BE49-F238E27FC236}">
+                <a16:creationId xmlns:a16="http://schemas.microsoft.com/office/drawing/2014/main" id="{A7054FC2-341F-695C-3769-53718D087C25}"/>
               </a:ext>
             </a:extLst>
           </p:cNvPr>
@@ -4251,8 +9105,8 @@
         </p:blipFill>
         <p:spPr>
           <a:xfrm>
-            <a:off x="2927030" y="0"/>
-            <a:ext cx="6772027" cy="6858000"/>
+            <a:off x="733985" y="0"/>
+            <a:ext cx="10724029" cy="6858000"/>
           </a:xfrm>
           <a:prstGeom prst="rect">
             <a:avLst/>
@@ -4262,7 +9116,7 @@
     </p:spTree>
     <p:extLst>
       <p:ext uri="{BB962C8B-B14F-4D97-AF65-F5344CB8AC3E}">
-        <p14:creationId xmlns:p14="http://schemas.microsoft.com/office/powerpoint/2010/main" val="1765660521"/>
+        <p14:creationId xmlns:p14="http://schemas.microsoft.com/office/powerpoint/2010/main" val="277392067"/>
       </p:ext>
     </p:extLst>
   </p:cSld>
@@ -4272,73 +9126,7 @@
 </p:sld>
 </file>
 
-<file path=ppt/slides/slide17.xml><?xml version="1.0" encoding="utf-8"?>
-<p:sld xmlns:a="http://schemas.openxmlformats.org/drawingml/2006/main" xmlns:r="http://schemas.openxmlformats.org/officeDocument/2006/relationships" xmlns:p="http://schemas.openxmlformats.org/presentationml/2006/main">
-  <p:cSld>
-    <p:spTree>
-      <p:nvGrpSpPr>
-        <p:cNvPr id="1" name="">
-          <a:extLst>
-            <a:ext uri="{FF2B5EF4-FFF2-40B4-BE49-F238E27FC236}">
-              <a16:creationId xmlns:a16="http://schemas.microsoft.com/office/drawing/2014/main" id="{1247725F-C6B9-8228-27E7-D5BAF4EA99C4}"/>
-            </a:ext>
-          </a:extLst>
-        </p:cNvPr>
-        <p:cNvGrpSpPr/>
-        <p:nvPr/>
-      </p:nvGrpSpPr>
-      <p:grpSpPr>
-        <a:xfrm>
-          <a:off x="0" y="0"/>
-          <a:ext cx="0" cy="0"/>
-          <a:chOff x="0" y="0"/>
-          <a:chExt cx="0" cy="0"/>
-        </a:xfrm>
-      </p:grpSpPr>
-      <p:pic>
-        <p:nvPicPr>
-          <p:cNvPr id="3" name="Picture 2" descr="A screenshot of a computer&#10;&#10;AI-generated content may be incorrect.">
-            <a:extLst>
-              <a:ext uri="{FF2B5EF4-FFF2-40B4-BE49-F238E27FC236}">
-                <a16:creationId xmlns:a16="http://schemas.microsoft.com/office/drawing/2014/main" id="{F8DB19D3-1A4C-980A-2BB3-2C4FBD7F8A94}"/>
-              </a:ext>
-            </a:extLst>
-          </p:cNvPr>
-          <p:cNvPicPr>
-            <a:picLocks noChangeAspect="1"/>
-          </p:cNvPicPr>
-          <p:nvPr/>
-        </p:nvPicPr>
-        <p:blipFill>
-          <a:blip r:embed="rId2"/>
-          <a:stretch>
-            <a:fillRect/>
-          </a:stretch>
-        </p:blipFill>
-        <p:spPr>
-          <a:xfrm>
-            <a:off x="137325" y="125632"/>
-            <a:ext cx="5477639" cy="3143689"/>
-          </a:xfrm>
-          <a:prstGeom prst="rect">
-            <a:avLst/>
-          </a:prstGeom>
-        </p:spPr>
-      </p:pic>
-    </p:spTree>
-    <p:extLst>
-      <p:ext uri="{BB962C8B-B14F-4D97-AF65-F5344CB8AC3E}">
-        <p14:creationId xmlns:p14="http://schemas.microsoft.com/office/powerpoint/2010/main" val="2506171242"/>
-      </p:ext>
-    </p:extLst>
-  </p:cSld>
-  <p:clrMapOvr>
-    <a:masterClrMapping/>
-  </p:clrMapOvr>
-</p:sld>
-</file>
-
-<file path=ppt/slides/slide18.xml><?xml version="1.0" encoding="utf-8"?>
+<file path=ppt/slides/slide4.xml><?xml version="1.0" encoding="utf-8"?>
 <p:sld xmlns:a="http://schemas.openxmlformats.org/drawingml/2006/main" xmlns:r="http://schemas.openxmlformats.org/officeDocument/2006/relationships" xmlns:p="http://schemas.openxmlformats.org/presentationml/2006/main">
   <p:cSld>
     <p:spTree>
@@ -6161,7 +10949,7 @@
 </p:sld>
 </file>
 
-<file path=ppt/slides/slide19.xml><?xml version="1.0" encoding="utf-8"?>
+<file path=ppt/slides/slide5.xml><?xml version="1.0" encoding="utf-8"?>
 <p:sld xmlns:a="http://schemas.openxmlformats.org/drawingml/2006/main" xmlns:r="http://schemas.openxmlformats.org/officeDocument/2006/relationships" xmlns:p="http://schemas.openxmlformats.org/presentationml/2006/main">
   <p:cSld>
     <p:spTree>
@@ -6184,6 +10972,37 @@
           <a:chExt cx="0" cy="0"/>
         </a:xfrm>
       </p:grpSpPr>
+      <p:pic>
+        <p:nvPicPr>
+          <p:cNvPr id="3" name="Picture 2" descr="A screenshot of a gas station&#10;&#10;AI-generated content may be incorrect.">
+            <a:extLst>
+              <a:ext uri="{FF2B5EF4-FFF2-40B4-BE49-F238E27FC236}">
+                <a16:creationId xmlns:a16="http://schemas.microsoft.com/office/drawing/2014/main" id="{DCFF251D-6F2B-6A5B-F4F0-8DDB8BF6C5C7}"/>
+              </a:ext>
+            </a:extLst>
+          </p:cNvPr>
+          <p:cNvPicPr>
+            <a:picLocks noChangeAspect="1"/>
+          </p:cNvPicPr>
+          <p:nvPr/>
+        </p:nvPicPr>
+        <p:blipFill>
+          <a:blip r:embed="rId2"/>
+          <a:srcRect l="660" t="441" r="833" b="51626"/>
+          <a:stretch>
+            <a:fillRect/>
+          </a:stretch>
+        </p:blipFill>
+        <p:spPr>
+          <a:xfrm>
+            <a:off x="347621" y="141693"/>
+            <a:ext cx="11504191" cy="6516045"/>
+          </a:xfrm>
+          <a:prstGeom prst="rect">
+            <a:avLst/>
+          </a:prstGeom>
+        </p:spPr>
+      </p:pic>
     </p:spTree>
     <p:extLst>
       <p:ext uri="{BB962C8B-B14F-4D97-AF65-F5344CB8AC3E}">
@@ -6197,67 +11016,7 @@
 </p:sld>
 </file>
 
-<file path=ppt/slides/slide2.xml><?xml version="1.0" encoding="utf-8"?>
-<p:sld xmlns:a="http://schemas.openxmlformats.org/drawingml/2006/main" xmlns:r="http://schemas.openxmlformats.org/officeDocument/2006/relationships" xmlns:p="http://schemas.openxmlformats.org/presentationml/2006/main">
-  <p:cSld>
-    <p:spTree>
-      <p:nvGrpSpPr>
-        <p:cNvPr id="1" name=""/>
-        <p:cNvGrpSpPr/>
-        <p:nvPr/>
-      </p:nvGrpSpPr>
-      <p:grpSpPr>
-        <a:xfrm>
-          <a:off x="0" y="0"/>
-          <a:ext cx="0" cy="0"/>
-          <a:chOff x="0" y="0"/>
-          <a:chExt cx="0" cy="0"/>
-        </a:xfrm>
-      </p:grpSpPr>
-      <p:pic>
-        <p:nvPicPr>
-          <p:cNvPr id="3" name="Picture 2">
-            <a:extLst>
-              <a:ext uri="{FF2B5EF4-FFF2-40B4-BE49-F238E27FC236}">
-                <a16:creationId xmlns:a16="http://schemas.microsoft.com/office/drawing/2014/main" id="{F7B04681-6998-32D7-901D-15E25B18522D}"/>
-              </a:ext>
-            </a:extLst>
-          </p:cNvPr>
-          <p:cNvPicPr>
-            <a:picLocks noChangeAspect="1"/>
-          </p:cNvPicPr>
-          <p:nvPr/>
-        </p:nvPicPr>
-        <p:blipFill>
-          <a:blip r:embed="rId2"/>
-          <a:stretch>
-            <a:fillRect/>
-          </a:stretch>
-        </p:blipFill>
-        <p:spPr>
-          <a:xfrm>
-            <a:off x="742595" y="0"/>
-            <a:ext cx="10706809" cy="6858000"/>
-          </a:xfrm>
-          <a:prstGeom prst="rect">
-            <a:avLst/>
-          </a:prstGeom>
-        </p:spPr>
-      </p:pic>
-    </p:spTree>
-    <p:extLst>
-      <p:ext uri="{BB962C8B-B14F-4D97-AF65-F5344CB8AC3E}">
-        <p14:creationId xmlns:p14="http://schemas.microsoft.com/office/powerpoint/2010/main" val="1990949740"/>
-      </p:ext>
-    </p:extLst>
-  </p:cSld>
-  <p:clrMapOvr>
-    <a:masterClrMapping/>
-  </p:clrMapOvr>
-</p:sld>
-</file>
-
-<file path=ppt/slides/slide20.xml><?xml version="1.0" encoding="utf-8"?>
+<file path=ppt/slides/slide6.xml><?xml version="1.0" encoding="utf-8"?>
 <p:sld xmlns:a="http://schemas.openxmlformats.org/drawingml/2006/main" xmlns:r="http://schemas.openxmlformats.org/officeDocument/2006/relationships" xmlns:p="http://schemas.openxmlformats.org/presentationml/2006/main">
   <p:cSld>
     <p:spTree>
@@ -6280,274 +11039,289 @@
           <a:chExt cx="0" cy="0"/>
         </a:xfrm>
       </p:grpSpPr>
+      <p:pic>
+        <p:nvPicPr>
+          <p:cNvPr id="3" name="Picture 2" descr="A screenshot of a gas station&#10;&#10;AI-generated content may be incorrect.">
+            <a:extLst>
+              <a:ext uri="{FF2B5EF4-FFF2-40B4-BE49-F238E27FC236}">
+                <a16:creationId xmlns:a16="http://schemas.microsoft.com/office/drawing/2014/main" id="{C70AEFC9-7F43-3E4E-D3C5-0D63BCDCEE0A}"/>
+              </a:ext>
+            </a:extLst>
+          </p:cNvPr>
+          <p:cNvPicPr>
+            <a:picLocks noChangeAspect="1"/>
+          </p:cNvPicPr>
+          <p:nvPr/>
+        </p:nvPicPr>
+        <p:blipFill>
+          <a:blip r:embed="rId3"/>
+          <a:srcRect l="405" t="51571" r="704" b="496"/>
+          <a:stretch>
+            <a:fillRect/>
+          </a:stretch>
+        </p:blipFill>
+        <p:spPr>
+          <a:xfrm>
+            <a:off x="222434" y="146885"/>
+            <a:ext cx="11634538" cy="6564230"/>
+          </a:xfrm>
+          <a:prstGeom prst="rect">
+            <a:avLst/>
+          </a:prstGeom>
+        </p:spPr>
+      </p:pic>
+      <p:sp>
+        <p:nvSpPr>
+          <p:cNvPr id="4" name="TextBox 3">
+            <a:extLst>
+              <a:ext uri="{FF2B5EF4-FFF2-40B4-BE49-F238E27FC236}">
+                <a16:creationId xmlns:a16="http://schemas.microsoft.com/office/drawing/2014/main" id="{3BADD15A-CE0C-5AEF-CD96-071BD8E33CCD}"/>
+              </a:ext>
+            </a:extLst>
+          </p:cNvPr>
+          <p:cNvSpPr txBox="1"/>
+          <p:nvPr/>
+        </p:nvSpPr>
+        <p:spPr>
+          <a:xfrm>
+            <a:off x="4475356" y="1464526"/>
+            <a:ext cx="869795" cy="707886"/>
+          </a:xfrm>
+          <a:prstGeom prst="rect">
+            <a:avLst/>
+          </a:prstGeom>
+          <a:noFill/>
+        </p:spPr>
+        <p:txBody>
+          <a:bodyPr wrap="square" rtlCol="0">
+            <a:spAutoFit/>
+          </a:bodyPr>
+          <a:lstStyle/>
+          <a:p>
+            <a:pPr algn="ctr"/>
+            <a:r>
+              <a:rPr lang="en-GB" sz="4000" b="1" dirty="0">
+                <a:solidFill>
+                  <a:schemeClr val="accent6"/>
+                </a:solidFill>
+              </a:rPr>
+              <a:t>42</a:t>
+            </a:r>
+          </a:p>
+        </p:txBody>
+      </p:sp>
+      <p:sp>
+        <p:nvSpPr>
+          <p:cNvPr id="5" name="Rectangle 4">
+            <a:extLst>
+              <a:ext uri="{FF2B5EF4-FFF2-40B4-BE49-F238E27FC236}">
+                <a16:creationId xmlns:a16="http://schemas.microsoft.com/office/drawing/2014/main" id="{D3CDA32F-A9EF-10A7-07A3-BBD41A9E35C3}"/>
+              </a:ext>
+            </a:extLst>
+          </p:cNvPr>
+          <p:cNvSpPr/>
+          <p:nvPr/>
+        </p:nvSpPr>
+        <p:spPr>
+          <a:xfrm>
+            <a:off x="335028" y="5932449"/>
+            <a:ext cx="6645635" cy="572429"/>
+          </a:xfrm>
+          <a:prstGeom prst="rect">
+            <a:avLst/>
+          </a:prstGeom>
+        </p:spPr>
+        <p:style>
+          <a:lnRef idx="2">
+            <a:schemeClr val="dk1">
+              <a:shade val="15000"/>
+            </a:schemeClr>
+          </a:lnRef>
+          <a:fillRef idx="1">
+            <a:schemeClr val="dk1"/>
+          </a:fillRef>
+          <a:effectRef idx="0">
+            <a:schemeClr val="dk1"/>
+          </a:effectRef>
+          <a:fontRef idx="minor">
+            <a:schemeClr val="lt1"/>
+          </a:fontRef>
+        </p:style>
+        <p:txBody>
+          <a:bodyPr rtlCol="0" anchor="ctr"/>
+          <a:lstStyle/>
+          <a:p>
+            <a:pPr algn="ctr"/>
+            <a:r>
+              <a:rPr lang="en-GB" sz="3600" b="1" dirty="0"/>
+              <a:t>DT: 17s   TYRES: 22s   FUEL: 18s</a:t>
+            </a:r>
+          </a:p>
+        </p:txBody>
+      </p:sp>
+      <p:sp>
+        <p:nvSpPr>
+          <p:cNvPr id="6" name="Rectangle 5">
+            <a:extLst>
+              <a:ext uri="{FF2B5EF4-FFF2-40B4-BE49-F238E27FC236}">
+                <a16:creationId xmlns:a16="http://schemas.microsoft.com/office/drawing/2014/main" id="{6AF41863-5E85-E3F8-7A56-FF94FCD20841}"/>
+              </a:ext>
+            </a:extLst>
+          </p:cNvPr>
+          <p:cNvSpPr/>
+          <p:nvPr/>
+        </p:nvSpPr>
+        <p:spPr>
+          <a:xfrm>
+            <a:off x="7093257" y="5985416"/>
+            <a:ext cx="2291330" cy="466493"/>
+          </a:xfrm>
+          <a:prstGeom prst="rect">
+            <a:avLst/>
+          </a:prstGeom>
+        </p:spPr>
+        <p:style>
+          <a:lnRef idx="2">
+            <a:schemeClr val="dk1">
+              <a:shade val="15000"/>
+            </a:schemeClr>
+          </a:lnRef>
+          <a:fillRef idx="1">
+            <a:schemeClr val="dk1"/>
+          </a:fillRef>
+          <a:effectRef idx="0">
+            <a:schemeClr val="dk1"/>
+          </a:effectRef>
+          <a:fontRef idx="minor">
+            <a:schemeClr val="lt1"/>
+          </a:fontRef>
+        </p:style>
+        <p:txBody>
+          <a:bodyPr rtlCol="0" anchor="ctr"/>
+          <a:lstStyle/>
+          <a:p>
+            <a:pPr algn="ctr"/>
+            <a:r>
+              <a:rPr lang="en-GB" sz="3600" b="1" dirty="0"/>
+              <a:t>COST: 57s</a:t>
+            </a:r>
+          </a:p>
+        </p:txBody>
+      </p:sp>
+      <p:sp>
+        <p:nvSpPr>
+          <p:cNvPr id="7" name="Rectangle 6">
+            <a:extLst>
+              <a:ext uri="{FF2B5EF4-FFF2-40B4-BE49-F238E27FC236}">
+                <a16:creationId xmlns:a16="http://schemas.microsoft.com/office/drawing/2014/main" id="{6ACC1B0B-C075-B34C-9BFB-03734E00EB34}"/>
+              </a:ext>
+            </a:extLst>
+          </p:cNvPr>
+          <p:cNvSpPr/>
+          <p:nvPr/>
+        </p:nvSpPr>
+        <p:spPr>
+          <a:xfrm>
+            <a:off x="914400" y="3166946"/>
+            <a:ext cx="2601951" cy="475786"/>
+          </a:xfrm>
+          <a:prstGeom prst="rect">
+            <a:avLst/>
+          </a:prstGeom>
+        </p:spPr>
+        <p:style>
+          <a:lnRef idx="2">
+            <a:schemeClr val="dk1">
+              <a:shade val="15000"/>
+            </a:schemeClr>
+          </a:lnRef>
+          <a:fillRef idx="1">
+            <a:schemeClr val="dk1"/>
+          </a:fillRef>
+          <a:effectRef idx="0">
+            <a:schemeClr val="dk1"/>
+          </a:effectRef>
+          <a:fontRef idx="minor">
+            <a:schemeClr val="lt1"/>
+          </a:fontRef>
+        </p:style>
+        <p:txBody>
+          <a:bodyPr rtlCol="0" anchor="ctr"/>
+          <a:lstStyle/>
+          <a:p>
+            <a:pPr algn="ctr"/>
+            <a:r>
+              <a:rPr lang="en-GB" sz="3600" b="1" dirty="0">
+                <a:solidFill>
+                  <a:schemeClr val="bg1">
+                    <a:lumMod val="50000"/>
+                  </a:schemeClr>
+                </a:solidFill>
+              </a:rPr>
+              <a:t>CURRENT</a:t>
+            </a:r>
+          </a:p>
+        </p:txBody>
+      </p:sp>
+      <p:sp>
+        <p:nvSpPr>
+          <p:cNvPr id="8" name="Rectangle 7">
+            <a:extLst>
+              <a:ext uri="{FF2B5EF4-FFF2-40B4-BE49-F238E27FC236}">
+                <a16:creationId xmlns:a16="http://schemas.microsoft.com/office/drawing/2014/main" id="{461791F6-99E7-D37B-94B9-BE9ABD0EB795}"/>
+              </a:ext>
+            </a:extLst>
+          </p:cNvPr>
+          <p:cNvSpPr/>
+          <p:nvPr/>
+        </p:nvSpPr>
+        <p:spPr>
+          <a:xfrm>
+            <a:off x="914400" y="4473497"/>
+            <a:ext cx="2601951" cy="475786"/>
+          </a:xfrm>
+          <a:prstGeom prst="rect">
+            <a:avLst/>
+          </a:prstGeom>
+        </p:spPr>
+        <p:style>
+          <a:lnRef idx="2">
+            <a:schemeClr val="dk1">
+              <a:shade val="15000"/>
+            </a:schemeClr>
+          </a:lnRef>
+          <a:fillRef idx="1">
+            <a:schemeClr val="dk1"/>
+          </a:fillRef>
+          <a:effectRef idx="0">
+            <a:schemeClr val="dk1"/>
+          </a:effectRef>
+          <a:fontRef idx="minor">
+            <a:schemeClr val="lt1"/>
+          </a:fontRef>
+        </p:style>
+        <p:txBody>
+          <a:bodyPr rtlCol="0" anchor="ctr"/>
+          <a:lstStyle/>
+          <a:p>
+            <a:pPr algn="ctr"/>
+            <a:r>
+              <a:rPr lang="en-GB" sz="3600" b="1" dirty="0">
+                <a:solidFill>
+                  <a:schemeClr val="bg1">
+                    <a:lumMod val="50000"/>
+                  </a:schemeClr>
+                </a:solidFill>
+              </a:rPr>
+              <a:t>NEXT</a:t>
+            </a:r>
+          </a:p>
+        </p:txBody>
+      </p:sp>
     </p:spTree>
     <p:extLst>
       <p:ext uri="{BB962C8B-B14F-4D97-AF65-F5344CB8AC3E}">
         <p14:creationId xmlns:p14="http://schemas.microsoft.com/office/powerpoint/2010/main" val="1087879137"/>
-      </p:ext>
-    </p:extLst>
-  </p:cSld>
-  <p:clrMapOvr>
-    <a:masterClrMapping/>
-  </p:clrMapOvr>
-</p:sld>
-</file>
-
-<file path=ppt/slides/slide3.xml><?xml version="1.0" encoding="utf-8"?>
-<p:sld xmlns:a="http://schemas.openxmlformats.org/drawingml/2006/main" xmlns:r="http://schemas.openxmlformats.org/officeDocument/2006/relationships" xmlns:p="http://schemas.openxmlformats.org/presentationml/2006/main">
-  <p:cSld>
-    <p:spTree>
-      <p:nvGrpSpPr>
-        <p:cNvPr id="1" name="">
-          <a:extLst>
-            <a:ext uri="{FF2B5EF4-FFF2-40B4-BE49-F238E27FC236}">
-              <a16:creationId xmlns:a16="http://schemas.microsoft.com/office/drawing/2014/main" id="{F4AC0AA2-7E56-A0AB-4A2F-6B8D015C4B8A}"/>
-            </a:ext>
-          </a:extLst>
-        </p:cNvPr>
-        <p:cNvGrpSpPr/>
-        <p:nvPr/>
-      </p:nvGrpSpPr>
-      <p:grpSpPr>
-        <a:xfrm>
-          <a:off x="0" y="0"/>
-          <a:ext cx="0" cy="0"/>
-          <a:chOff x="0" y="0"/>
-          <a:chExt cx="0" cy="0"/>
-        </a:xfrm>
-      </p:grpSpPr>
-      <p:pic>
-        <p:nvPicPr>
-          <p:cNvPr id="4" name="Picture 3">
-            <a:extLst>
-              <a:ext uri="{FF2B5EF4-FFF2-40B4-BE49-F238E27FC236}">
-                <a16:creationId xmlns:a16="http://schemas.microsoft.com/office/drawing/2014/main" id="{A7054FC2-341F-695C-3769-53718D087C25}"/>
-              </a:ext>
-            </a:extLst>
-          </p:cNvPr>
-          <p:cNvPicPr>
-            <a:picLocks noChangeAspect="1"/>
-          </p:cNvPicPr>
-          <p:nvPr/>
-        </p:nvPicPr>
-        <p:blipFill>
-          <a:blip r:embed="rId2"/>
-          <a:stretch>
-            <a:fillRect/>
-          </a:stretch>
-        </p:blipFill>
-        <p:spPr>
-          <a:xfrm>
-            <a:off x="733985" y="0"/>
-            <a:ext cx="10724029" cy="6858000"/>
-          </a:xfrm>
-          <a:prstGeom prst="rect">
-            <a:avLst/>
-          </a:prstGeom>
-        </p:spPr>
-      </p:pic>
-    </p:spTree>
-    <p:extLst>
-      <p:ext uri="{BB962C8B-B14F-4D97-AF65-F5344CB8AC3E}">
-        <p14:creationId xmlns:p14="http://schemas.microsoft.com/office/powerpoint/2010/main" val="277392067"/>
-      </p:ext>
-    </p:extLst>
-  </p:cSld>
-  <p:clrMapOvr>
-    <a:masterClrMapping/>
-  </p:clrMapOvr>
-</p:sld>
-</file>
-
-<file path=ppt/slides/slide4.xml><?xml version="1.0" encoding="utf-8"?>
-<p:sld xmlns:a="http://schemas.openxmlformats.org/drawingml/2006/main" xmlns:r="http://schemas.openxmlformats.org/officeDocument/2006/relationships" xmlns:p="http://schemas.openxmlformats.org/presentationml/2006/main">
-  <p:cSld>
-    <p:spTree>
-      <p:nvGrpSpPr>
-        <p:cNvPr id="1" name="">
-          <a:extLst>
-            <a:ext uri="{FF2B5EF4-FFF2-40B4-BE49-F238E27FC236}">
-              <a16:creationId xmlns:a16="http://schemas.microsoft.com/office/drawing/2014/main" id="{A298EF18-5EE9-1666-EDF0-451DC1D92006}"/>
-            </a:ext>
-          </a:extLst>
-        </p:cNvPr>
-        <p:cNvGrpSpPr/>
-        <p:nvPr/>
-      </p:nvGrpSpPr>
-      <p:grpSpPr>
-        <a:xfrm>
-          <a:off x="0" y="0"/>
-          <a:ext cx="0" cy="0"/>
-          <a:chOff x="0" y="0"/>
-          <a:chExt cx="0" cy="0"/>
-        </a:xfrm>
-      </p:grpSpPr>
-      <p:pic>
-        <p:nvPicPr>
-          <p:cNvPr id="3" name="Picture 2">
-            <a:extLst>
-              <a:ext uri="{FF2B5EF4-FFF2-40B4-BE49-F238E27FC236}">
-                <a16:creationId xmlns:a16="http://schemas.microsoft.com/office/drawing/2014/main" id="{0A1845B7-7B99-D7EF-F713-A5B6BA0C0FAC}"/>
-              </a:ext>
-            </a:extLst>
-          </p:cNvPr>
-          <p:cNvPicPr>
-            <a:picLocks noChangeAspect="1"/>
-          </p:cNvPicPr>
-          <p:nvPr/>
-        </p:nvPicPr>
-        <p:blipFill>
-          <a:blip r:embed="rId2"/>
-          <a:stretch>
-            <a:fillRect/>
-          </a:stretch>
-        </p:blipFill>
-        <p:spPr>
-          <a:xfrm>
-            <a:off x="2285468" y="1571366"/>
-            <a:ext cx="7621064" cy="3715268"/>
-          </a:xfrm>
-          <a:prstGeom prst="rect">
-            <a:avLst/>
-          </a:prstGeom>
-        </p:spPr>
-      </p:pic>
-    </p:spTree>
-    <p:extLst>
-      <p:ext uri="{BB962C8B-B14F-4D97-AF65-F5344CB8AC3E}">
-        <p14:creationId xmlns:p14="http://schemas.microsoft.com/office/powerpoint/2010/main" val="3766907185"/>
-      </p:ext>
-    </p:extLst>
-  </p:cSld>
-  <p:clrMapOvr>
-    <a:masterClrMapping/>
-  </p:clrMapOvr>
-</p:sld>
-</file>
-
-<file path=ppt/slides/slide5.xml><?xml version="1.0" encoding="utf-8"?>
-<p:sld xmlns:a="http://schemas.openxmlformats.org/drawingml/2006/main" xmlns:r="http://schemas.openxmlformats.org/officeDocument/2006/relationships" xmlns:p="http://schemas.openxmlformats.org/presentationml/2006/main">
-  <p:cSld>
-    <p:spTree>
-      <p:nvGrpSpPr>
-        <p:cNvPr id="1" name="">
-          <a:extLst>
-            <a:ext uri="{FF2B5EF4-FFF2-40B4-BE49-F238E27FC236}">
-              <a16:creationId xmlns:a16="http://schemas.microsoft.com/office/drawing/2014/main" id="{037A2FCA-296C-5270-4B1F-7EF933B65056}"/>
-            </a:ext>
-          </a:extLst>
-        </p:cNvPr>
-        <p:cNvGrpSpPr/>
-        <p:nvPr/>
-      </p:nvGrpSpPr>
-      <p:grpSpPr>
-        <a:xfrm>
-          <a:off x="0" y="0"/>
-          <a:ext cx="0" cy="0"/>
-          <a:chOff x="0" y="0"/>
-          <a:chExt cx="0" cy="0"/>
-        </a:xfrm>
-      </p:grpSpPr>
-      <p:pic>
-        <p:nvPicPr>
-          <p:cNvPr id="3" name="Picture 2">
-            <a:extLst>
-              <a:ext uri="{FF2B5EF4-FFF2-40B4-BE49-F238E27FC236}">
-                <a16:creationId xmlns:a16="http://schemas.microsoft.com/office/drawing/2014/main" id="{5696BF58-D29B-E543-E841-7F2902428ABB}"/>
-              </a:ext>
-            </a:extLst>
-          </p:cNvPr>
-          <p:cNvPicPr>
-            <a:picLocks noChangeAspect="1"/>
-          </p:cNvPicPr>
-          <p:nvPr/>
-        </p:nvPicPr>
-        <p:blipFill>
-          <a:blip r:embed="rId2"/>
-          <a:stretch>
-            <a:fillRect/>
-          </a:stretch>
-        </p:blipFill>
-        <p:spPr>
-          <a:xfrm>
-            <a:off x="928914" y="522515"/>
-            <a:ext cx="10503875" cy="5908430"/>
-          </a:xfrm>
-          <a:prstGeom prst="rect">
-            <a:avLst/>
-          </a:prstGeom>
-        </p:spPr>
-      </p:pic>
-    </p:spTree>
-    <p:extLst>
-      <p:ext uri="{BB962C8B-B14F-4D97-AF65-F5344CB8AC3E}">
-        <p14:creationId xmlns:p14="http://schemas.microsoft.com/office/powerpoint/2010/main" val="404469307"/>
-      </p:ext>
-    </p:extLst>
-  </p:cSld>
-  <p:clrMapOvr>
-    <a:masterClrMapping/>
-  </p:clrMapOvr>
-</p:sld>
-</file>
-
-<file path=ppt/slides/slide6.xml><?xml version="1.0" encoding="utf-8"?>
-<p:sld xmlns:a="http://schemas.openxmlformats.org/drawingml/2006/main" xmlns:r="http://schemas.openxmlformats.org/officeDocument/2006/relationships" xmlns:p="http://schemas.openxmlformats.org/presentationml/2006/main">
-  <p:cSld>
-    <p:spTree>
-      <p:nvGrpSpPr>
-        <p:cNvPr id="1" name="">
-          <a:extLst>
-            <a:ext uri="{FF2B5EF4-FFF2-40B4-BE49-F238E27FC236}">
-              <a16:creationId xmlns:a16="http://schemas.microsoft.com/office/drawing/2014/main" id="{34B76C24-9BC5-4CB3-069E-56CB8E6B6442}"/>
-            </a:ext>
-          </a:extLst>
-        </p:cNvPr>
-        <p:cNvGrpSpPr/>
-        <p:nvPr/>
-      </p:nvGrpSpPr>
-      <p:grpSpPr>
-        <a:xfrm>
-          <a:off x="0" y="0"/>
-          <a:ext cx="0" cy="0"/>
-          <a:chOff x="0" y="0"/>
-          <a:chExt cx="0" cy="0"/>
-        </a:xfrm>
-      </p:grpSpPr>
-      <p:pic>
-        <p:nvPicPr>
-          <p:cNvPr id="3" name="Picture 2">
-            <a:extLst>
-              <a:ext uri="{FF2B5EF4-FFF2-40B4-BE49-F238E27FC236}">
-                <a16:creationId xmlns:a16="http://schemas.microsoft.com/office/drawing/2014/main" id="{CA1E03BC-08FE-31EA-5D4D-0E59C916A405}"/>
-              </a:ext>
-            </a:extLst>
-          </p:cNvPr>
-          <p:cNvPicPr>
-            <a:picLocks noChangeAspect="1"/>
-          </p:cNvPicPr>
-          <p:nvPr/>
-        </p:nvPicPr>
-        <p:blipFill>
-          <a:blip r:embed="rId2"/>
-          <a:stretch>
-            <a:fillRect/>
-          </a:stretch>
-        </p:blipFill>
-        <p:spPr>
-          <a:xfrm>
-            <a:off x="456413" y="332943"/>
-            <a:ext cx="11279174" cy="6192114"/>
-          </a:xfrm>
-          <a:prstGeom prst="rect">
-            <a:avLst/>
-          </a:prstGeom>
-        </p:spPr>
-      </p:pic>
-    </p:spTree>
-    <p:extLst>
-      <p:ext uri="{BB962C8B-B14F-4D97-AF65-F5344CB8AC3E}">
-        <p14:creationId xmlns:p14="http://schemas.microsoft.com/office/powerpoint/2010/main" val="556942426"/>
       </p:ext>
     </p:extLst>
   </p:cSld>
@@ -6565,7 +11339,7 @@
         <p:cNvPr id="1" name="">
           <a:extLst>
             <a:ext uri="{FF2B5EF4-FFF2-40B4-BE49-F238E27FC236}">
-              <a16:creationId xmlns:a16="http://schemas.microsoft.com/office/drawing/2014/main" id="{B90BA4EC-FC90-DF59-9EC4-7381279D0EC5}"/>
+              <a16:creationId xmlns:a16="http://schemas.microsoft.com/office/drawing/2014/main" id="{F2E5723C-FFC3-1B5B-B5AD-D744F0D93699}"/>
             </a:ext>
           </a:extLst>
         </p:cNvPr>
@@ -6580,12 +11354,278 @@
           <a:chExt cx="0" cy="0"/>
         </a:xfrm>
       </p:grpSpPr>
+      <p:sp>
+        <p:nvSpPr>
+          <p:cNvPr id="2" name="Rectangle 1">
+            <a:extLst>
+              <a:ext uri="{FF2B5EF4-FFF2-40B4-BE49-F238E27FC236}">
+                <a16:creationId xmlns:a16="http://schemas.microsoft.com/office/drawing/2014/main" id="{6E1E6795-7438-D148-D19B-614A96A110C3}"/>
+              </a:ext>
+            </a:extLst>
+          </p:cNvPr>
+          <p:cNvSpPr/>
+          <p:nvPr/>
+        </p:nvSpPr>
+        <p:spPr>
+          <a:xfrm>
+            <a:off x="371495" y="301951"/>
+            <a:ext cx="11496758" cy="6516045"/>
+          </a:xfrm>
+          <a:prstGeom prst="rect">
+            <a:avLst/>
+          </a:prstGeom>
+          <a:solidFill>
+            <a:schemeClr val="tx1"/>
+          </a:solidFill>
+          <a:ln w="57150">
+            <a:solidFill>
+              <a:schemeClr val="bg1">
+                <a:lumMod val="95000"/>
+              </a:schemeClr>
+            </a:solidFill>
+          </a:ln>
+        </p:spPr>
+        <p:style>
+          <a:lnRef idx="2">
+            <a:schemeClr val="accent1">
+              <a:shade val="15000"/>
+            </a:schemeClr>
+          </a:lnRef>
+          <a:fillRef idx="1">
+            <a:schemeClr val="accent1"/>
+          </a:fillRef>
+          <a:effectRef idx="0">
+            <a:schemeClr val="accent1"/>
+          </a:effectRef>
+          <a:fontRef idx="minor">
+            <a:schemeClr val="lt1"/>
+          </a:fontRef>
+        </p:style>
+        <p:txBody>
+          <a:bodyPr rtlCol="0" anchor="ctr"/>
+          <a:lstStyle/>
+          <a:p>
+            <a:pPr algn="ctr"/>
+            <a:endParaRPr lang="en-GB" sz="4400" b="1" dirty="0"/>
+          </a:p>
+        </p:txBody>
+      </p:sp>
+      <p:sp>
+        <p:nvSpPr>
+          <p:cNvPr id="4" name="Rectangle 3">
+            <a:extLst>
+              <a:ext uri="{FF2B5EF4-FFF2-40B4-BE49-F238E27FC236}">
+                <a16:creationId xmlns:a16="http://schemas.microsoft.com/office/drawing/2014/main" id="{B5A45ACE-E454-9489-F87C-808F4F7BD145}"/>
+              </a:ext>
+            </a:extLst>
+          </p:cNvPr>
+          <p:cNvSpPr/>
+          <p:nvPr/>
+        </p:nvSpPr>
+        <p:spPr>
+          <a:xfrm>
+            <a:off x="371495" y="331237"/>
+            <a:ext cx="1423193" cy="6486759"/>
+          </a:xfrm>
+          <a:prstGeom prst="rect">
+            <a:avLst/>
+          </a:prstGeom>
+          <a:ln w="57150">
+            <a:solidFill>
+              <a:schemeClr val="bg1">
+                <a:lumMod val="95000"/>
+              </a:schemeClr>
+            </a:solidFill>
+          </a:ln>
+        </p:spPr>
+        <p:style>
+          <a:lnRef idx="2">
+            <a:schemeClr val="dk1">
+              <a:shade val="15000"/>
+            </a:schemeClr>
+          </a:lnRef>
+          <a:fillRef idx="1">
+            <a:schemeClr val="dk1"/>
+          </a:fillRef>
+          <a:effectRef idx="0">
+            <a:schemeClr val="dk1"/>
+          </a:effectRef>
+          <a:fontRef idx="minor">
+            <a:schemeClr val="lt1"/>
+          </a:fontRef>
+        </p:style>
+        <p:txBody>
+          <a:bodyPr rtlCol="0" anchor="ctr"/>
+          <a:lstStyle/>
+          <a:p>
+            <a:pPr algn="ctr"/>
+            <a:endParaRPr lang="en-GB"/>
+          </a:p>
+        </p:txBody>
+      </p:sp>
+      <p:sp>
+        <p:nvSpPr>
+          <p:cNvPr id="5" name="Rectangle 4">
+            <a:extLst>
+              <a:ext uri="{FF2B5EF4-FFF2-40B4-BE49-F238E27FC236}">
+                <a16:creationId xmlns:a16="http://schemas.microsoft.com/office/drawing/2014/main" id="{D397CCA9-7335-6048-D5F9-69CE875D1FEC}"/>
+              </a:ext>
+            </a:extLst>
+          </p:cNvPr>
+          <p:cNvSpPr/>
+          <p:nvPr/>
+        </p:nvSpPr>
+        <p:spPr>
+          <a:xfrm>
+            <a:off x="10386946" y="331237"/>
+            <a:ext cx="1423193" cy="6477151"/>
+          </a:xfrm>
+          <a:prstGeom prst="rect">
+            <a:avLst/>
+          </a:prstGeom>
+          <a:ln w="57150">
+            <a:solidFill>
+              <a:schemeClr val="bg1">
+                <a:lumMod val="95000"/>
+              </a:schemeClr>
+            </a:solidFill>
+          </a:ln>
+        </p:spPr>
+        <p:style>
+          <a:lnRef idx="2">
+            <a:schemeClr val="dk1">
+              <a:shade val="15000"/>
+            </a:schemeClr>
+          </a:lnRef>
+          <a:fillRef idx="1">
+            <a:schemeClr val="dk1"/>
+          </a:fillRef>
+          <a:effectRef idx="0">
+            <a:schemeClr val="dk1"/>
+          </a:effectRef>
+          <a:fontRef idx="minor">
+            <a:schemeClr val="lt1"/>
+          </a:fontRef>
+        </p:style>
+        <p:txBody>
+          <a:bodyPr rtlCol="0" anchor="ctr"/>
+          <a:lstStyle/>
+          <a:p>
+            <a:pPr algn="ctr"/>
+            <a:endParaRPr lang="en-GB" dirty="0"/>
+          </a:p>
+        </p:txBody>
+      </p:sp>
+      <p:cxnSp>
+        <p:nvCxnSpPr>
+          <p:cNvPr id="14" name="Straight Connector 13">
+            <a:extLst>
+              <a:ext uri="{FF2B5EF4-FFF2-40B4-BE49-F238E27FC236}">
+                <a16:creationId xmlns:a16="http://schemas.microsoft.com/office/drawing/2014/main" id="{6070E7D5-B617-862D-6BF6-5B893FC5627F}"/>
+              </a:ext>
+            </a:extLst>
+          </p:cNvPr>
+          <p:cNvCxnSpPr/>
+          <p:nvPr/>
+        </p:nvCxnSpPr>
+        <p:spPr>
+          <a:xfrm>
+            <a:off x="1794688" y="1788334"/>
+            <a:ext cx="8592258" cy="0"/>
+          </a:xfrm>
+          <a:prstGeom prst="line">
+            <a:avLst/>
+          </a:prstGeom>
+          <a:ln w="57150">
+            <a:solidFill>
+              <a:schemeClr val="bg1">
+                <a:lumMod val="95000"/>
+              </a:schemeClr>
+            </a:solidFill>
+          </a:ln>
+        </p:spPr>
+        <p:style>
+          <a:lnRef idx="2">
+            <a:schemeClr val="accent1"/>
+          </a:lnRef>
+          <a:fillRef idx="0">
+            <a:schemeClr val="accent1"/>
+          </a:fillRef>
+          <a:effectRef idx="1">
+            <a:schemeClr val="accent1"/>
+          </a:effectRef>
+          <a:fontRef idx="minor">
+            <a:schemeClr val="tx1"/>
+          </a:fontRef>
+        </p:style>
+      </p:cxnSp>
+      <p:sp>
+        <p:nvSpPr>
+          <p:cNvPr id="15" name="TextBox 14">
+            <a:extLst>
+              <a:ext uri="{FF2B5EF4-FFF2-40B4-BE49-F238E27FC236}">
+                <a16:creationId xmlns:a16="http://schemas.microsoft.com/office/drawing/2014/main" id="{554241B9-90D9-1195-AB49-E46EDDFEC0DD}"/>
+              </a:ext>
+            </a:extLst>
+          </p:cNvPr>
+          <p:cNvSpPr txBox="1"/>
+          <p:nvPr/>
+        </p:nvSpPr>
+        <p:spPr>
+          <a:xfrm>
+            <a:off x="4358548" y="1731813"/>
+            <a:ext cx="3464538" cy="2123658"/>
+          </a:xfrm>
+          <a:prstGeom prst="rect">
+            <a:avLst/>
+          </a:prstGeom>
+          <a:noFill/>
+        </p:spPr>
+        <p:txBody>
+          <a:bodyPr wrap="none" rtlCol="0">
+            <a:spAutoFit/>
+          </a:bodyPr>
+          <a:lstStyle/>
+          <a:p>
+            <a:pPr algn="ctr"/>
+            <a:r>
+              <a:rPr lang="en-GB" sz="4800" b="1" dirty="0">
+                <a:solidFill>
+                  <a:schemeClr val="tx1">
+                    <a:lumMod val="50000"/>
+                    <a:lumOff val="50000"/>
+                  </a:schemeClr>
+                </a:solidFill>
+              </a:rPr>
+              <a:t>FUEL DELTA</a:t>
+            </a:r>
+            <a:br>
+              <a:rPr lang="en-GB" sz="4800" b="1" dirty="0">
+                <a:solidFill>
+                  <a:schemeClr val="tx1">
+                    <a:lumMod val="50000"/>
+                    <a:lumOff val="50000"/>
+                  </a:schemeClr>
+                </a:solidFill>
+              </a:rPr>
+            </a:br>
+            <a:r>
+              <a:rPr lang="en-GB" sz="8400" b="1" dirty="0">
+                <a:solidFill>
+                  <a:srgbClr val="92D050"/>
+                </a:solidFill>
+              </a:rPr>
+              <a:t>0.3</a:t>
+            </a:r>
+          </a:p>
+        </p:txBody>
+      </p:sp>
       <p:pic>
         <p:nvPicPr>
-          <p:cNvPr id="3" name="Picture 2">
-            <a:extLst>
-              <a:ext uri="{FF2B5EF4-FFF2-40B4-BE49-F238E27FC236}">
-                <a16:creationId xmlns:a16="http://schemas.microsoft.com/office/drawing/2014/main" id="{7B0EEBC9-9BD7-352B-9A2B-D455C9CDFA58}"/>
+          <p:cNvPr id="17" name="Picture 16" descr="A black and white sign with a gas pump&#10;&#10;AI-generated content may be incorrect.">
+            <a:extLst>
+              <a:ext uri="{FF2B5EF4-FFF2-40B4-BE49-F238E27FC236}">
+                <a16:creationId xmlns:a16="http://schemas.microsoft.com/office/drawing/2014/main" id="{CD66207D-4ECC-3B24-AFF1-27A72351BD03}"/>
               </a:ext>
             </a:extLst>
           </p:cNvPr>
@@ -6595,25 +11635,468 @@
           <p:nvPr/>
         </p:nvPicPr>
         <p:blipFill>
-          <a:blip r:embed="rId2"/>
+          <a:blip r:embed="rId3"/>
           <a:stretch>
             <a:fillRect/>
           </a:stretch>
         </p:blipFill>
         <p:spPr>
           <a:xfrm>
-            <a:off x="159629" y="0"/>
-            <a:ext cx="11872743" cy="6858000"/>
+            <a:off x="1905158" y="1875396"/>
+            <a:ext cx="1686160" cy="1619476"/>
           </a:xfrm>
           <a:prstGeom prst="rect">
             <a:avLst/>
           </a:prstGeom>
         </p:spPr>
       </p:pic>
+      <p:pic>
+        <p:nvPicPr>
+          <p:cNvPr id="19" name="Picture 18" descr="A black and white sign with white text&#10;&#10;AI-generated content may be incorrect.">
+            <a:extLst>
+              <a:ext uri="{FF2B5EF4-FFF2-40B4-BE49-F238E27FC236}">
+                <a16:creationId xmlns:a16="http://schemas.microsoft.com/office/drawing/2014/main" id="{963B5A12-59E3-7D26-FB98-D66206B862CF}"/>
+              </a:ext>
+            </a:extLst>
+          </p:cNvPr>
+          <p:cNvPicPr>
+            <a:picLocks noChangeAspect="1"/>
+          </p:cNvPicPr>
+          <p:nvPr/>
+        </p:nvPicPr>
+        <p:blipFill>
+          <a:blip r:embed="rId4"/>
+          <a:stretch>
+            <a:fillRect/>
+          </a:stretch>
+        </p:blipFill>
+        <p:spPr>
+          <a:xfrm>
+            <a:off x="8657840" y="1875396"/>
+            <a:ext cx="1629002" cy="1619476"/>
+          </a:xfrm>
+          <a:prstGeom prst="rect">
+            <a:avLst/>
+          </a:prstGeom>
+        </p:spPr>
+      </p:pic>
+      <p:cxnSp>
+        <p:nvCxnSpPr>
+          <p:cNvPr id="21" name="Straight Connector 20">
+            <a:extLst>
+              <a:ext uri="{FF2B5EF4-FFF2-40B4-BE49-F238E27FC236}">
+                <a16:creationId xmlns:a16="http://schemas.microsoft.com/office/drawing/2014/main" id="{B5A26E9F-45F1-500A-1859-DCD3D605B8DD}"/>
+              </a:ext>
+            </a:extLst>
+          </p:cNvPr>
+          <p:cNvCxnSpPr/>
+          <p:nvPr/>
+        </p:nvCxnSpPr>
+        <p:spPr>
+          <a:xfrm>
+            <a:off x="1794687" y="5341180"/>
+            <a:ext cx="8592258" cy="0"/>
+          </a:xfrm>
+          <a:prstGeom prst="line">
+            <a:avLst/>
+          </a:prstGeom>
+          <a:ln w="57150">
+            <a:solidFill>
+              <a:schemeClr val="bg1">
+                <a:lumMod val="95000"/>
+              </a:schemeClr>
+            </a:solidFill>
+          </a:ln>
+        </p:spPr>
+        <p:style>
+          <a:lnRef idx="2">
+            <a:schemeClr val="accent1"/>
+          </a:lnRef>
+          <a:fillRef idx="0">
+            <a:schemeClr val="accent1"/>
+          </a:fillRef>
+          <a:effectRef idx="1">
+            <a:schemeClr val="accent1"/>
+          </a:effectRef>
+          <a:fontRef idx="minor">
+            <a:schemeClr val="tx1"/>
+          </a:fontRef>
+        </p:style>
+      </p:cxnSp>
+      <p:cxnSp>
+        <p:nvCxnSpPr>
+          <p:cNvPr id="24" name="Straight Connector 23">
+            <a:extLst>
+              <a:ext uri="{FF2B5EF4-FFF2-40B4-BE49-F238E27FC236}">
+                <a16:creationId xmlns:a16="http://schemas.microsoft.com/office/drawing/2014/main" id="{90F5FB22-3E1A-F80C-4F0E-A5F24FEDFF75}"/>
+              </a:ext>
+            </a:extLst>
+          </p:cNvPr>
+          <p:cNvCxnSpPr/>
+          <p:nvPr/>
+        </p:nvCxnSpPr>
+        <p:spPr>
+          <a:xfrm>
+            <a:off x="1794687" y="3657222"/>
+            <a:ext cx="8592258" cy="0"/>
+          </a:xfrm>
+          <a:prstGeom prst="line">
+            <a:avLst/>
+          </a:prstGeom>
+          <a:ln w="57150">
+            <a:solidFill>
+              <a:schemeClr val="bg1">
+                <a:lumMod val="95000"/>
+              </a:schemeClr>
+            </a:solidFill>
+          </a:ln>
+        </p:spPr>
+        <p:style>
+          <a:lnRef idx="2">
+            <a:schemeClr val="accent1"/>
+          </a:lnRef>
+          <a:fillRef idx="0">
+            <a:schemeClr val="accent1"/>
+          </a:fillRef>
+          <a:effectRef idx="1">
+            <a:schemeClr val="accent1"/>
+          </a:effectRef>
+          <a:fontRef idx="minor">
+            <a:schemeClr val="tx1"/>
+          </a:fontRef>
+        </p:style>
+      </p:cxnSp>
+      <p:sp>
+        <p:nvSpPr>
+          <p:cNvPr id="3" name="TextBox 2">
+            <a:extLst>
+              <a:ext uri="{FF2B5EF4-FFF2-40B4-BE49-F238E27FC236}">
+                <a16:creationId xmlns:a16="http://schemas.microsoft.com/office/drawing/2014/main" id="{D598483F-825C-6B26-62D4-E2D1DDD99E81}"/>
+              </a:ext>
+            </a:extLst>
+          </p:cNvPr>
+          <p:cNvSpPr txBox="1"/>
+          <p:nvPr/>
+        </p:nvSpPr>
+        <p:spPr>
+          <a:xfrm>
+            <a:off x="4401182" y="561476"/>
+            <a:ext cx="3290068" cy="830997"/>
+          </a:xfrm>
+          <a:prstGeom prst="rect">
+            <a:avLst/>
+          </a:prstGeom>
+          <a:noFill/>
+        </p:spPr>
+        <p:txBody>
+          <a:bodyPr wrap="none" rtlCol="0">
+            <a:spAutoFit/>
+          </a:bodyPr>
+          <a:lstStyle/>
+          <a:p>
+            <a:pPr algn="ctr"/>
+            <a:r>
+              <a:rPr lang="en-GB" sz="4800" b="1" dirty="0">
+                <a:solidFill>
+                  <a:schemeClr val="tx1">
+                    <a:lumMod val="50000"/>
+                    <a:lumOff val="50000"/>
+                  </a:schemeClr>
+                </a:solidFill>
+              </a:rPr>
+              <a:t>MESSAGES</a:t>
+            </a:r>
+            <a:endParaRPr lang="en-GB" sz="8400" b="1" dirty="0">
+              <a:solidFill>
+                <a:srgbClr val="92D050"/>
+              </a:solidFill>
+            </a:endParaRPr>
+          </a:p>
+        </p:txBody>
+      </p:sp>
+      <p:sp>
+        <p:nvSpPr>
+          <p:cNvPr id="6" name="TextBox 5">
+            <a:extLst>
+              <a:ext uri="{FF2B5EF4-FFF2-40B4-BE49-F238E27FC236}">
+                <a16:creationId xmlns:a16="http://schemas.microsoft.com/office/drawing/2014/main" id="{3773F429-7C1A-31E7-40BE-D30C6A53779C}"/>
+              </a:ext>
+            </a:extLst>
+          </p:cNvPr>
+          <p:cNvSpPr txBox="1"/>
+          <p:nvPr/>
+        </p:nvSpPr>
+        <p:spPr>
+          <a:xfrm rot="16200000">
+            <a:off x="-310163" y="3017869"/>
+            <a:ext cx="2768643" cy="830997"/>
+          </a:xfrm>
+          <a:prstGeom prst="rect">
+            <a:avLst/>
+          </a:prstGeom>
+          <a:noFill/>
+        </p:spPr>
+        <p:txBody>
+          <a:bodyPr wrap="none" rtlCol="0">
+            <a:spAutoFit/>
+          </a:bodyPr>
+          <a:lstStyle/>
+          <a:p>
+            <a:pPr algn="ctr"/>
+            <a:r>
+              <a:rPr lang="en-GB" sz="4800" b="1" dirty="0">
+                <a:solidFill>
+                  <a:schemeClr val="tx1">
+                    <a:lumMod val="50000"/>
+                    <a:lumOff val="50000"/>
+                  </a:schemeClr>
+                </a:solidFill>
+              </a:rPr>
+              <a:t>LEFT BAR</a:t>
+            </a:r>
+            <a:endParaRPr lang="en-GB" sz="8400" b="1" dirty="0">
+              <a:solidFill>
+                <a:srgbClr val="92D050"/>
+              </a:solidFill>
+            </a:endParaRPr>
+          </a:p>
+        </p:txBody>
+      </p:sp>
+      <p:sp>
+        <p:nvSpPr>
+          <p:cNvPr id="7" name="TextBox 6">
+            <a:extLst>
+              <a:ext uri="{FF2B5EF4-FFF2-40B4-BE49-F238E27FC236}">
+                <a16:creationId xmlns:a16="http://schemas.microsoft.com/office/drawing/2014/main" id="{F19B449A-7DE0-F9CD-1E1D-44CE1E2C9F9E}"/>
+              </a:ext>
+            </a:extLst>
+          </p:cNvPr>
+          <p:cNvSpPr txBox="1"/>
+          <p:nvPr/>
+        </p:nvSpPr>
+        <p:spPr>
+          <a:xfrm>
+            <a:off x="4286925" y="4017821"/>
+            <a:ext cx="3607783" cy="830997"/>
+          </a:xfrm>
+          <a:prstGeom prst="rect">
+            <a:avLst/>
+          </a:prstGeom>
+          <a:noFill/>
+        </p:spPr>
+        <p:txBody>
+          <a:bodyPr wrap="none" rtlCol="0">
+            <a:spAutoFit/>
+          </a:bodyPr>
+          <a:lstStyle/>
+          <a:p>
+            <a:pPr algn="ctr"/>
+            <a:r>
+              <a:rPr lang="en-GB" sz="4800" b="1" dirty="0">
+                <a:solidFill>
+                  <a:schemeClr val="tx1">
+                    <a:lumMod val="50000"/>
+                    <a:lumOff val="50000"/>
+                  </a:schemeClr>
+                </a:solidFill>
+              </a:rPr>
+              <a:t>DATA ROW 1</a:t>
+            </a:r>
+            <a:endParaRPr lang="en-GB" sz="8400" b="1" dirty="0">
+              <a:solidFill>
+                <a:srgbClr val="92D050"/>
+              </a:solidFill>
+            </a:endParaRPr>
+          </a:p>
+        </p:txBody>
+      </p:sp>
+      <p:sp>
+        <p:nvSpPr>
+          <p:cNvPr id="8" name="TextBox 7">
+            <a:extLst>
+              <a:ext uri="{FF2B5EF4-FFF2-40B4-BE49-F238E27FC236}">
+                <a16:creationId xmlns:a16="http://schemas.microsoft.com/office/drawing/2014/main" id="{F893E976-4D4F-B2C3-8C62-7A0FED351CBB}"/>
+              </a:ext>
+            </a:extLst>
+          </p:cNvPr>
+          <p:cNvSpPr txBox="1"/>
+          <p:nvPr/>
+        </p:nvSpPr>
+        <p:spPr>
+          <a:xfrm>
+            <a:off x="4286924" y="5615032"/>
+            <a:ext cx="3607783" cy="830997"/>
+          </a:xfrm>
+          <a:prstGeom prst="rect">
+            <a:avLst/>
+          </a:prstGeom>
+          <a:noFill/>
+        </p:spPr>
+        <p:txBody>
+          <a:bodyPr wrap="none" rtlCol="0">
+            <a:spAutoFit/>
+          </a:bodyPr>
+          <a:lstStyle/>
+          <a:p>
+            <a:pPr algn="ctr"/>
+            <a:r>
+              <a:rPr lang="en-GB" sz="4800" b="1" dirty="0">
+                <a:solidFill>
+                  <a:schemeClr val="tx1">
+                    <a:lumMod val="50000"/>
+                    <a:lumOff val="50000"/>
+                  </a:schemeClr>
+                </a:solidFill>
+              </a:rPr>
+              <a:t>DATA ROW 2</a:t>
+            </a:r>
+            <a:endParaRPr lang="en-GB" sz="8400" b="1" dirty="0">
+              <a:solidFill>
+                <a:srgbClr val="92D050"/>
+              </a:solidFill>
+            </a:endParaRPr>
+          </a:p>
+        </p:txBody>
+      </p:sp>
+      <p:sp>
+        <p:nvSpPr>
+          <p:cNvPr id="9" name="TextBox 8">
+            <a:extLst>
+              <a:ext uri="{FF2B5EF4-FFF2-40B4-BE49-F238E27FC236}">
+                <a16:creationId xmlns:a16="http://schemas.microsoft.com/office/drawing/2014/main" id="{BE0C423F-34FE-3D6F-9CA2-E4AB4D3E2625}"/>
+              </a:ext>
+            </a:extLst>
+          </p:cNvPr>
+          <p:cNvSpPr txBox="1"/>
+          <p:nvPr/>
+        </p:nvSpPr>
+        <p:spPr>
+          <a:xfrm rot="16200000">
+            <a:off x="9450044" y="3079373"/>
+            <a:ext cx="3226782" cy="830997"/>
+          </a:xfrm>
+          <a:prstGeom prst="rect">
+            <a:avLst/>
+          </a:prstGeom>
+          <a:noFill/>
+        </p:spPr>
+        <p:txBody>
+          <a:bodyPr wrap="none" rtlCol="0">
+            <a:spAutoFit/>
+          </a:bodyPr>
+          <a:lstStyle/>
+          <a:p>
+            <a:pPr algn="ctr"/>
+            <a:r>
+              <a:rPr lang="en-GB" sz="4800" b="1" dirty="0">
+                <a:solidFill>
+                  <a:schemeClr val="tx1">
+                    <a:lumMod val="50000"/>
+                    <a:lumOff val="50000"/>
+                  </a:schemeClr>
+                </a:solidFill>
+              </a:rPr>
+              <a:t>RIGHT BAR</a:t>
+            </a:r>
+            <a:endParaRPr lang="en-GB" sz="8400" b="1" dirty="0">
+              <a:solidFill>
+                <a:srgbClr val="92D050"/>
+              </a:solidFill>
+            </a:endParaRPr>
+          </a:p>
+        </p:txBody>
+      </p:sp>
+      <p:sp>
+        <p:nvSpPr>
+          <p:cNvPr id="11" name="Rectangle 10">
+            <a:extLst>
+              <a:ext uri="{FF2B5EF4-FFF2-40B4-BE49-F238E27FC236}">
+                <a16:creationId xmlns:a16="http://schemas.microsoft.com/office/drawing/2014/main" id="{3E251DAF-3786-00EA-9DFF-CB0D645074B4}"/>
+              </a:ext>
+            </a:extLst>
+          </p:cNvPr>
+          <p:cNvSpPr/>
+          <p:nvPr/>
+        </p:nvSpPr>
+        <p:spPr>
+          <a:xfrm>
+            <a:off x="371493" y="320625"/>
+            <a:ext cx="11438644" cy="6487763"/>
+          </a:xfrm>
+          <a:prstGeom prst="rect">
+            <a:avLst/>
+          </a:prstGeom>
+          <a:noFill/>
+          <a:ln w="76200">
+            <a:solidFill>
+              <a:srgbClr val="CC00C2"/>
+            </a:solidFill>
+          </a:ln>
+        </p:spPr>
+        <p:style>
+          <a:lnRef idx="2">
+            <a:schemeClr val="accent1">
+              <a:shade val="15000"/>
+            </a:schemeClr>
+          </a:lnRef>
+          <a:fillRef idx="1">
+            <a:schemeClr val="accent1"/>
+          </a:fillRef>
+          <a:effectRef idx="0">
+            <a:schemeClr val="accent1"/>
+          </a:effectRef>
+          <a:fontRef idx="minor">
+            <a:schemeClr val="lt1"/>
+          </a:fontRef>
+        </p:style>
+        <p:txBody>
+          <a:bodyPr rtlCol="0" anchor="ctr"/>
+          <a:lstStyle/>
+          <a:p>
+            <a:pPr algn="ctr"/>
+            <a:endParaRPr lang="en-GB"/>
+          </a:p>
+        </p:txBody>
+      </p:sp>
+      <p:sp>
+        <p:nvSpPr>
+          <p:cNvPr id="13" name="TextBox 12">
+            <a:extLst>
+              <a:ext uri="{FF2B5EF4-FFF2-40B4-BE49-F238E27FC236}">
+                <a16:creationId xmlns:a16="http://schemas.microsoft.com/office/drawing/2014/main" id="{310198A1-F2C4-88FE-34AC-D6E7ABC2F077}"/>
+              </a:ext>
+            </a:extLst>
+          </p:cNvPr>
+          <p:cNvSpPr txBox="1"/>
+          <p:nvPr/>
+        </p:nvSpPr>
+        <p:spPr>
+          <a:xfrm>
+            <a:off x="350810" y="-20427"/>
+            <a:ext cx="1879810" cy="369332"/>
+          </a:xfrm>
+          <a:prstGeom prst="rect">
+            <a:avLst/>
+          </a:prstGeom>
+          <a:noFill/>
+        </p:spPr>
+        <p:txBody>
+          <a:bodyPr wrap="none" rtlCol="0">
+            <a:spAutoFit/>
+          </a:bodyPr>
+          <a:lstStyle/>
+          <a:p>
+            <a:r>
+              <a:rPr lang="en-GB" dirty="0"/>
+              <a:t>Template / Zones</a:t>
+            </a:r>
+          </a:p>
+        </p:txBody>
+      </p:sp>
     </p:spTree>
     <p:extLst>
       <p:ext uri="{BB962C8B-B14F-4D97-AF65-F5344CB8AC3E}">
-        <p14:creationId xmlns:p14="http://schemas.microsoft.com/office/powerpoint/2010/main" val="1306477680"/>
+        <p14:creationId xmlns:p14="http://schemas.microsoft.com/office/powerpoint/2010/main" val="222599024"/>
       </p:ext>
     </p:extLst>
   </p:cSld>
@@ -6631,7 +12114,7 @@
         <p:cNvPr id="1" name="">
           <a:extLst>
             <a:ext uri="{FF2B5EF4-FFF2-40B4-BE49-F238E27FC236}">
-              <a16:creationId xmlns:a16="http://schemas.microsoft.com/office/drawing/2014/main" id="{B3D0B11F-F72C-1BCE-F470-513FAA510F37}"/>
+              <a16:creationId xmlns:a16="http://schemas.microsoft.com/office/drawing/2014/main" id="{A848478C-A36C-32BA-0682-579C9EA7D9F2}"/>
             </a:ext>
           </a:extLst>
         </p:cNvPr>
@@ -6646,12 +12129,174 @@
           <a:chExt cx="0" cy="0"/>
         </a:xfrm>
       </p:grpSpPr>
+      <p:sp>
+        <p:nvSpPr>
+          <p:cNvPr id="2" name="Rectangle 1">
+            <a:extLst>
+              <a:ext uri="{FF2B5EF4-FFF2-40B4-BE49-F238E27FC236}">
+                <a16:creationId xmlns:a16="http://schemas.microsoft.com/office/drawing/2014/main" id="{BB6517B4-2ACD-7ECE-4321-D2F70F0BD33A}"/>
+              </a:ext>
+            </a:extLst>
+          </p:cNvPr>
+          <p:cNvSpPr/>
+          <p:nvPr/>
+        </p:nvSpPr>
+        <p:spPr>
+          <a:xfrm>
+            <a:off x="347621" y="318982"/>
+            <a:ext cx="11496758" cy="6516045"/>
+          </a:xfrm>
+          <a:prstGeom prst="rect">
+            <a:avLst/>
+          </a:prstGeom>
+          <a:solidFill>
+            <a:schemeClr val="tx1"/>
+          </a:solidFill>
+          <a:ln w="57150">
+            <a:solidFill>
+              <a:schemeClr val="bg1">
+                <a:lumMod val="95000"/>
+              </a:schemeClr>
+            </a:solidFill>
+          </a:ln>
+        </p:spPr>
+        <p:style>
+          <a:lnRef idx="2">
+            <a:schemeClr val="accent1">
+              <a:shade val="15000"/>
+            </a:schemeClr>
+          </a:lnRef>
+          <a:fillRef idx="1">
+            <a:schemeClr val="accent1"/>
+          </a:fillRef>
+          <a:effectRef idx="0">
+            <a:schemeClr val="accent1"/>
+          </a:effectRef>
+          <a:fontRef idx="minor">
+            <a:schemeClr val="lt1"/>
+          </a:fontRef>
+        </p:style>
+        <p:txBody>
+          <a:bodyPr rtlCol="0" anchor="ctr"/>
+          <a:lstStyle/>
+          <a:p>
+            <a:pPr algn="ctr"/>
+            <a:endParaRPr lang="en-GB" sz="4400" b="1" dirty="0"/>
+          </a:p>
+        </p:txBody>
+      </p:sp>
+      <p:sp>
+        <p:nvSpPr>
+          <p:cNvPr id="4" name="Rectangle 3">
+            <a:extLst>
+              <a:ext uri="{FF2B5EF4-FFF2-40B4-BE49-F238E27FC236}">
+                <a16:creationId xmlns:a16="http://schemas.microsoft.com/office/drawing/2014/main" id="{75110F6B-8C7E-491A-6DF3-3875E3CDFCB0}"/>
+              </a:ext>
+            </a:extLst>
+          </p:cNvPr>
+          <p:cNvSpPr/>
+          <p:nvPr/>
+        </p:nvSpPr>
+        <p:spPr>
+          <a:xfrm>
+            <a:off x="371495" y="348267"/>
+            <a:ext cx="1423193" cy="6486759"/>
+          </a:xfrm>
+          <a:prstGeom prst="rect">
+            <a:avLst/>
+          </a:prstGeom>
+          <a:ln w="57150">
+            <a:solidFill>
+              <a:schemeClr val="bg1">
+                <a:lumMod val="95000"/>
+              </a:schemeClr>
+            </a:solidFill>
+          </a:ln>
+        </p:spPr>
+        <p:style>
+          <a:lnRef idx="2">
+            <a:schemeClr val="dk1">
+              <a:shade val="15000"/>
+            </a:schemeClr>
+          </a:lnRef>
+          <a:fillRef idx="1">
+            <a:schemeClr val="dk1"/>
+          </a:fillRef>
+          <a:effectRef idx="0">
+            <a:schemeClr val="dk1"/>
+          </a:effectRef>
+          <a:fontRef idx="minor">
+            <a:schemeClr val="lt1"/>
+          </a:fontRef>
+        </p:style>
+        <p:txBody>
+          <a:bodyPr rtlCol="0" anchor="ctr"/>
+          <a:lstStyle/>
+          <a:p>
+            <a:pPr algn="ctr"/>
+            <a:endParaRPr lang="en-GB"/>
+          </a:p>
+        </p:txBody>
+      </p:sp>
+      <p:sp>
+        <p:nvSpPr>
+          <p:cNvPr id="5" name="Rectangle 4">
+            <a:extLst>
+              <a:ext uri="{FF2B5EF4-FFF2-40B4-BE49-F238E27FC236}">
+                <a16:creationId xmlns:a16="http://schemas.microsoft.com/office/drawing/2014/main" id="{76A62219-A9AA-516E-7EB9-4C37B5B58231}"/>
+              </a:ext>
+            </a:extLst>
+          </p:cNvPr>
+          <p:cNvSpPr/>
+          <p:nvPr/>
+        </p:nvSpPr>
+        <p:spPr>
+          <a:xfrm>
+            <a:off x="10386946" y="348267"/>
+            <a:ext cx="1423193" cy="6477151"/>
+          </a:xfrm>
+          <a:prstGeom prst="rect">
+            <a:avLst/>
+          </a:prstGeom>
+          <a:ln w="57150">
+            <a:solidFill>
+              <a:schemeClr val="bg1">
+                <a:lumMod val="95000"/>
+              </a:schemeClr>
+            </a:solidFill>
+          </a:ln>
+        </p:spPr>
+        <p:style>
+          <a:lnRef idx="2">
+            <a:schemeClr val="dk1">
+              <a:shade val="15000"/>
+            </a:schemeClr>
+          </a:lnRef>
+          <a:fillRef idx="1">
+            <a:schemeClr val="dk1"/>
+          </a:fillRef>
+          <a:effectRef idx="0">
+            <a:schemeClr val="dk1"/>
+          </a:effectRef>
+          <a:fontRef idx="minor">
+            <a:schemeClr val="lt1"/>
+          </a:fontRef>
+        </p:style>
+        <p:txBody>
+          <a:bodyPr rtlCol="0" anchor="ctr"/>
+          <a:lstStyle/>
+          <a:p>
+            <a:pPr algn="ctr"/>
+            <a:endParaRPr lang="en-GB" dirty="0"/>
+          </a:p>
+        </p:txBody>
+      </p:sp>
       <p:pic>
         <p:nvPicPr>
-          <p:cNvPr id="3" name="Picture 2">
-            <a:extLst>
-              <a:ext uri="{FF2B5EF4-FFF2-40B4-BE49-F238E27FC236}">
-                <a16:creationId xmlns:a16="http://schemas.microsoft.com/office/drawing/2014/main" id="{5BD3CFED-F21A-6217-629A-69CD13B0D64D}"/>
+          <p:cNvPr id="12" name="Picture 11" descr="A pink rectangle with white text&#10;&#10;AI-generated content may be incorrect.">
+            <a:extLst>
+              <a:ext uri="{FF2B5EF4-FFF2-40B4-BE49-F238E27FC236}">
+                <a16:creationId xmlns:a16="http://schemas.microsoft.com/office/drawing/2014/main" id="{2D41365F-FB09-AF55-D643-28F304AFE5B7}"/>
               </a:ext>
             </a:extLst>
           </p:cNvPr>
@@ -6661,31 +12306,1144 @@
           <p:nvPr/>
         </p:nvPicPr>
         <p:blipFill>
-          <a:blip r:embed="rId2"/>
+          <a:blip r:embed="rId4"/>
           <a:stretch>
             <a:fillRect/>
           </a:stretch>
         </p:blipFill>
         <p:spPr>
           <a:xfrm>
-            <a:off x="2033020" y="318653"/>
-            <a:ext cx="8125959" cy="6220693"/>
+            <a:off x="10386947" y="387160"/>
+            <a:ext cx="1378589" cy="6408972"/>
           </a:xfrm>
           <a:prstGeom prst="rect">
             <a:avLst/>
           </a:prstGeom>
         </p:spPr>
       </p:pic>
+      <p:cxnSp>
+        <p:nvCxnSpPr>
+          <p:cNvPr id="14" name="Straight Connector 13">
+            <a:extLst>
+              <a:ext uri="{FF2B5EF4-FFF2-40B4-BE49-F238E27FC236}">
+                <a16:creationId xmlns:a16="http://schemas.microsoft.com/office/drawing/2014/main" id="{35D8680F-C305-8A51-EA34-1315D626E76E}"/>
+              </a:ext>
+            </a:extLst>
+          </p:cNvPr>
+          <p:cNvCxnSpPr/>
+          <p:nvPr/>
+        </p:nvCxnSpPr>
+        <p:spPr>
+          <a:xfrm>
+            <a:off x="1794688" y="1805364"/>
+            <a:ext cx="8592258" cy="0"/>
+          </a:xfrm>
+          <a:prstGeom prst="line">
+            <a:avLst/>
+          </a:prstGeom>
+          <a:ln w="57150">
+            <a:solidFill>
+              <a:schemeClr val="bg1">
+                <a:lumMod val="95000"/>
+              </a:schemeClr>
+            </a:solidFill>
+          </a:ln>
+        </p:spPr>
+        <p:style>
+          <a:lnRef idx="2">
+            <a:schemeClr val="accent1"/>
+          </a:lnRef>
+          <a:fillRef idx="0">
+            <a:schemeClr val="accent1"/>
+          </a:fillRef>
+          <a:effectRef idx="1">
+            <a:schemeClr val="accent1"/>
+          </a:effectRef>
+          <a:fontRef idx="minor">
+            <a:schemeClr val="tx1"/>
+          </a:fontRef>
+        </p:style>
+      </p:cxnSp>
+      <p:sp>
+        <p:nvSpPr>
+          <p:cNvPr id="15" name="TextBox 14">
+            <a:extLst>
+              <a:ext uri="{FF2B5EF4-FFF2-40B4-BE49-F238E27FC236}">
+                <a16:creationId xmlns:a16="http://schemas.microsoft.com/office/drawing/2014/main" id="{1DCF1B69-D05B-35A6-452C-C122FA55AF08}"/>
+              </a:ext>
+            </a:extLst>
+          </p:cNvPr>
+          <p:cNvSpPr txBox="1"/>
+          <p:nvPr/>
+        </p:nvSpPr>
+        <p:spPr>
+          <a:xfrm>
+            <a:off x="4358548" y="1748843"/>
+            <a:ext cx="3464538" cy="2123658"/>
+          </a:xfrm>
+          <a:prstGeom prst="rect">
+            <a:avLst/>
+          </a:prstGeom>
+          <a:noFill/>
+        </p:spPr>
+        <p:txBody>
+          <a:bodyPr wrap="none" rtlCol="0">
+            <a:spAutoFit/>
+          </a:bodyPr>
+          <a:lstStyle/>
+          <a:p>
+            <a:pPr algn="ctr"/>
+            <a:r>
+              <a:rPr lang="en-GB" sz="4800" b="1" dirty="0">
+                <a:solidFill>
+                  <a:schemeClr val="tx1">
+                    <a:lumMod val="50000"/>
+                    <a:lumOff val="50000"/>
+                  </a:schemeClr>
+                </a:solidFill>
+              </a:rPr>
+              <a:t>FUEL DELTA</a:t>
+            </a:r>
+            <a:br>
+              <a:rPr lang="en-GB" sz="4800" b="1" dirty="0">
+                <a:solidFill>
+                  <a:schemeClr val="tx1">
+                    <a:lumMod val="50000"/>
+                    <a:lumOff val="50000"/>
+                  </a:schemeClr>
+                </a:solidFill>
+              </a:rPr>
+            </a:br>
+            <a:r>
+              <a:rPr lang="en-GB" sz="8400" b="1" dirty="0">
+                <a:solidFill>
+                  <a:srgbClr val="92D050"/>
+                </a:solidFill>
+              </a:rPr>
+              <a:t>0.3</a:t>
+            </a:r>
+          </a:p>
+        </p:txBody>
+      </p:sp>
+      <p:pic>
+        <p:nvPicPr>
+          <p:cNvPr id="17" name="Picture 16" descr="A black and white sign with a gas pump&#10;&#10;AI-generated content may be incorrect.">
+            <a:extLst>
+              <a:ext uri="{FF2B5EF4-FFF2-40B4-BE49-F238E27FC236}">
+                <a16:creationId xmlns:a16="http://schemas.microsoft.com/office/drawing/2014/main" id="{F2278EB8-C48C-964D-5535-FDA39E648A5D}"/>
+              </a:ext>
+            </a:extLst>
+          </p:cNvPr>
+          <p:cNvPicPr>
+            <a:picLocks noChangeAspect="1"/>
+          </p:cNvPicPr>
+          <p:nvPr/>
+        </p:nvPicPr>
+        <p:blipFill>
+          <a:blip r:embed="rId5"/>
+          <a:stretch>
+            <a:fillRect/>
+          </a:stretch>
+        </p:blipFill>
+        <p:spPr>
+          <a:xfrm>
+            <a:off x="1905158" y="1892426"/>
+            <a:ext cx="1686160" cy="1619476"/>
+          </a:xfrm>
+          <a:prstGeom prst="rect">
+            <a:avLst/>
+          </a:prstGeom>
+        </p:spPr>
+      </p:pic>
+      <p:pic>
+        <p:nvPicPr>
+          <p:cNvPr id="19" name="Picture 18" descr="A black and white sign with white text&#10;&#10;AI-generated content may be incorrect.">
+            <a:extLst>
+              <a:ext uri="{FF2B5EF4-FFF2-40B4-BE49-F238E27FC236}">
+                <a16:creationId xmlns:a16="http://schemas.microsoft.com/office/drawing/2014/main" id="{C191146D-A9C3-E4AB-27CE-1A646367B533}"/>
+              </a:ext>
+            </a:extLst>
+          </p:cNvPr>
+          <p:cNvPicPr>
+            <a:picLocks noChangeAspect="1"/>
+          </p:cNvPicPr>
+          <p:nvPr/>
+        </p:nvPicPr>
+        <p:blipFill>
+          <a:blip r:embed="rId6"/>
+          <a:stretch>
+            <a:fillRect/>
+          </a:stretch>
+        </p:blipFill>
+        <p:spPr>
+          <a:xfrm>
+            <a:off x="8657840" y="1892426"/>
+            <a:ext cx="1629002" cy="1619476"/>
+          </a:xfrm>
+          <a:prstGeom prst="rect">
+            <a:avLst/>
+          </a:prstGeom>
+        </p:spPr>
+      </p:pic>
+      <p:sp>
+        <p:nvSpPr>
+          <p:cNvPr id="20" name="TextBox 19">
+            <a:extLst>
+              <a:ext uri="{FF2B5EF4-FFF2-40B4-BE49-F238E27FC236}">
+                <a16:creationId xmlns:a16="http://schemas.microsoft.com/office/drawing/2014/main" id="{458F80CA-3FAB-E6F9-ABBA-ECEB53131CAD}"/>
+              </a:ext>
+            </a:extLst>
+          </p:cNvPr>
+          <p:cNvSpPr txBox="1"/>
+          <p:nvPr/>
+        </p:nvSpPr>
+        <p:spPr>
+          <a:xfrm>
+            <a:off x="4989202" y="5380881"/>
+            <a:ext cx="2213597" cy="1415772"/>
+          </a:xfrm>
+          <a:prstGeom prst="rect">
+            <a:avLst/>
+          </a:prstGeom>
+          <a:noFill/>
+        </p:spPr>
+        <p:txBody>
+          <a:bodyPr wrap="square" rtlCol="0">
+            <a:spAutoFit/>
+          </a:bodyPr>
+          <a:lstStyle/>
+          <a:p>
+            <a:pPr algn="ctr"/>
+            <a:r>
+              <a:rPr lang="en-GB" sz="3200" b="1" dirty="0">
+                <a:solidFill>
+                  <a:schemeClr val="tx1">
+                    <a:lumMod val="50000"/>
+                    <a:lumOff val="50000"/>
+                  </a:schemeClr>
+                </a:solidFill>
+              </a:rPr>
+              <a:t>GAP P13</a:t>
+            </a:r>
+            <a:br>
+              <a:rPr lang="en-GB" sz="3200" b="1" dirty="0">
+                <a:solidFill>
+                  <a:schemeClr val="tx1">
+                    <a:lumMod val="50000"/>
+                    <a:lumOff val="50000"/>
+                  </a:schemeClr>
+                </a:solidFill>
+              </a:rPr>
+            </a:br>
+            <a:r>
+              <a:rPr lang="en-GB" sz="5400" b="1" dirty="0">
+                <a:solidFill>
+                  <a:schemeClr val="bg1"/>
+                </a:solidFill>
+              </a:rPr>
+              <a:t>6.5s</a:t>
+            </a:r>
+            <a:endParaRPr lang="en-GB" sz="3200" b="1" dirty="0">
+              <a:solidFill>
+                <a:schemeClr val="bg1"/>
+              </a:solidFill>
+            </a:endParaRPr>
+          </a:p>
+        </p:txBody>
+      </p:sp>
+      <p:cxnSp>
+        <p:nvCxnSpPr>
+          <p:cNvPr id="21" name="Straight Connector 20">
+            <a:extLst>
+              <a:ext uri="{FF2B5EF4-FFF2-40B4-BE49-F238E27FC236}">
+                <a16:creationId xmlns:a16="http://schemas.microsoft.com/office/drawing/2014/main" id="{50416098-D047-659C-A140-87E65F0F0524}"/>
+              </a:ext>
+            </a:extLst>
+          </p:cNvPr>
+          <p:cNvCxnSpPr/>
+          <p:nvPr/>
+        </p:nvCxnSpPr>
+        <p:spPr>
+          <a:xfrm>
+            <a:off x="1794687" y="5358210"/>
+            <a:ext cx="8592258" cy="0"/>
+          </a:xfrm>
+          <a:prstGeom prst="line">
+            <a:avLst/>
+          </a:prstGeom>
+          <a:ln w="57150">
+            <a:solidFill>
+              <a:schemeClr val="bg1">
+                <a:lumMod val="95000"/>
+              </a:schemeClr>
+            </a:solidFill>
+          </a:ln>
+        </p:spPr>
+        <p:style>
+          <a:lnRef idx="2">
+            <a:schemeClr val="accent1"/>
+          </a:lnRef>
+          <a:fillRef idx="0">
+            <a:schemeClr val="accent1"/>
+          </a:fillRef>
+          <a:effectRef idx="1">
+            <a:schemeClr val="accent1"/>
+          </a:effectRef>
+          <a:fontRef idx="minor">
+            <a:schemeClr val="tx1"/>
+          </a:fontRef>
+        </p:style>
+      </p:cxnSp>
+      <p:sp>
+        <p:nvSpPr>
+          <p:cNvPr id="22" name="TextBox 21">
+            <a:extLst>
+              <a:ext uri="{FF2B5EF4-FFF2-40B4-BE49-F238E27FC236}">
+                <a16:creationId xmlns:a16="http://schemas.microsoft.com/office/drawing/2014/main" id="{AC8CC51C-5591-E3FF-3391-F471658FF42E}"/>
+              </a:ext>
+            </a:extLst>
+          </p:cNvPr>
+          <p:cNvSpPr txBox="1"/>
+          <p:nvPr/>
+        </p:nvSpPr>
+        <p:spPr>
+          <a:xfrm>
+            <a:off x="1858149" y="5380881"/>
+            <a:ext cx="2726937" cy="1415772"/>
+          </a:xfrm>
+          <a:prstGeom prst="rect">
+            <a:avLst/>
+          </a:prstGeom>
+          <a:noFill/>
+        </p:spPr>
+        <p:txBody>
+          <a:bodyPr wrap="square" rtlCol="0">
+            <a:spAutoFit/>
+          </a:bodyPr>
+          <a:lstStyle/>
+          <a:p>
+            <a:pPr algn="ctr"/>
+            <a:r>
+              <a:rPr lang="en-GB" sz="3200" b="1" dirty="0">
+                <a:solidFill>
+                  <a:schemeClr val="tx1">
+                    <a:lumMod val="50000"/>
+                    <a:lumOff val="50000"/>
+                  </a:schemeClr>
+                </a:solidFill>
+              </a:rPr>
+              <a:t>EXIT POS</a:t>
+            </a:r>
+            <a:br>
+              <a:rPr lang="en-GB" sz="3200" b="1" dirty="0">
+                <a:solidFill>
+                  <a:schemeClr val="tx1">
+                    <a:lumMod val="50000"/>
+                    <a:lumOff val="50000"/>
+                  </a:schemeClr>
+                </a:solidFill>
+              </a:rPr>
+            </a:br>
+            <a:r>
+              <a:rPr lang="en-GB" sz="5400" b="1" dirty="0">
+                <a:solidFill>
+                  <a:schemeClr val="bg1"/>
+                </a:solidFill>
+              </a:rPr>
+              <a:t>P12</a:t>
+            </a:r>
+            <a:endParaRPr lang="en-GB" sz="3200" b="1" dirty="0">
+              <a:solidFill>
+                <a:schemeClr val="bg1"/>
+              </a:solidFill>
+            </a:endParaRPr>
+          </a:p>
+        </p:txBody>
+      </p:sp>
+      <p:sp>
+        <p:nvSpPr>
+          <p:cNvPr id="23" name="TextBox 22">
+            <a:extLst>
+              <a:ext uri="{FF2B5EF4-FFF2-40B4-BE49-F238E27FC236}">
+                <a16:creationId xmlns:a16="http://schemas.microsoft.com/office/drawing/2014/main" id="{3CB58F3D-E56B-004F-F5EB-A2322B5F135D}"/>
+              </a:ext>
+            </a:extLst>
+          </p:cNvPr>
+          <p:cNvSpPr txBox="1"/>
+          <p:nvPr/>
+        </p:nvSpPr>
+        <p:spPr>
+          <a:xfrm>
+            <a:off x="7606915" y="5380881"/>
+            <a:ext cx="2726936" cy="1415772"/>
+          </a:xfrm>
+          <a:prstGeom prst="rect">
+            <a:avLst/>
+          </a:prstGeom>
+          <a:noFill/>
+        </p:spPr>
+        <p:txBody>
+          <a:bodyPr wrap="square" rtlCol="0">
+            <a:spAutoFit/>
+          </a:bodyPr>
+          <a:lstStyle/>
+          <a:p>
+            <a:pPr algn="ctr"/>
+            <a:r>
+              <a:rPr lang="en-GB" sz="3200" b="1" dirty="0">
+                <a:solidFill>
+                  <a:schemeClr val="tx1">
+                    <a:lumMod val="50000"/>
+                    <a:lumOff val="50000"/>
+                  </a:schemeClr>
+                </a:solidFill>
+              </a:rPr>
+              <a:t>STOPS REM</a:t>
+            </a:r>
+            <a:br>
+              <a:rPr lang="en-GB" sz="3200" b="1" dirty="0">
+                <a:solidFill>
+                  <a:schemeClr val="tx1">
+                    <a:lumMod val="50000"/>
+                    <a:lumOff val="50000"/>
+                  </a:schemeClr>
+                </a:solidFill>
+              </a:rPr>
+            </a:br>
+            <a:r>
+              <a:rPr lang="en-GB" sz="5400" b="1" dirty="0">
+                <a:solidFill>
+                  <a:schemeClr val="bg1"/>
+                </a:solidFill>
+              </a:rPr>
+              <a:t>2</a:t>
+            </a:r>
+            <a:endParaRPr lang="en-GB" sz="3200" b="1" dirty="0">
+              <a:solidFill>
+                <a:schemeClr val="bg1"/>
+              </a:solidFill>
+            </a:endParaRPr>
+          </a:p>
+        </p:txBody>
+      </p:sp>
+      <p:cxnSp>
+        <p:nvCxnSpPr>
+          <p:cNvPr id="24" name="Straight Connector 23">
+            <a:extLst>
+              <a:ext uri="{FF2B5EF4-FFF2-40B4-BE49-F238E27FC236}">
+                <a16:creationId xmlns:a16="http://schemas.microsoft.com/office/drawing/2014/main" id="{69C35E14-22C7-D9CC-7E57-C89741B6FE6F}"/>
+              </a:ext>
+            </a:extLst>
+          </p:cNvPr>
+          <p:cNvCxnSpPr/>
+          <p:nvPr/>
+        </p:nvCxnSpPr>
+        <p:spPr>
+          <a:xfrm>
+            <a:off x="1794687" y="3674252"/>
+            <a:ext cx="8592258" cy="0"/>
+          </a:xfrm>
+          <a:prstGeom prst="line">
+            <a:avLst/>
+          </a:prstGeom>
+          <a:ln w="57150">
+            <a:solidFill>
+              <a:schemeClr val="bg1">
+                <a:lumMod val="95000"/>
+              </a:schemeClr>
+            </a:solidFill>
+          </a:ln>
+        </p:spPr>
+        <p:style>
+          <a:lnRef idx="2">
+            <a:schemeClr val="accent1"/>
+          </a:lnRef>
+          <a:fillRef idx="0">
+            <a:schemeClr val="accent1"/>
+          </a:fillRef>
+          <a:effectRef idx="1">
+            <a:schemeClr val="accent1"/>
+          </a:effectRef>
+          <a:fontRef idx="minor">
+            <a:schemeClr val="tx1"/>
+          </a:fontRef>
+        </p:style>
+      </p:cxnSp>
+      <p:sp>
+        <p:nvSpPr>
+          <p:cNvPr id="26" name="TextBox 25">
+            <a:extLst>
+              <a:ext uri="{FF2B5EF4-FFF2-40B4-BE49-F238E27FC236}">
+                <a16:creationId xmlns:a16="http://schemas.microsoft.com/office/drawing/2014/main" id="{ED271BEC-B559-2518-6FDA-319D72758DE6}"/>
+              </a:ext>
+            </a:extLst>
+          </p:cNvPr>
+          <p:cNvSpPr txBox="1"/>
+          <p:nvPr/>
+        </p:nvSpPr>
+        <p:spPr>
+          <a:xfrm>
+            <a:off x="4816517" y="3792533"/>
+            <a:ext cx="2574253" cy="1415772"/>
+          </a:xfrm>
+          <a:prstGeom prst="rect">
+            <a:avLst/>
+          </a:prstGeom>
+          <a:noFill/>
+        </p:spPr>
+        <p:txBody>
+          <a:bodyPr wrap="square" rtlCol="0">
+            <a:spAutoFit/>
+          </a:bodyPr>
+          <a:lstStyle/>
+          <a:p>
+            <a:pPr algn="ctr"/>
+            <a:r>
+              <a:rPr lang="en-GB" sz="3200" b="1" dirty="0">
+                <a:solidFill>
+                  <a:schemeClr val="tx1">
+                    <a:lumMod val="50000"/>
+                    <a:lumOff val="50000"/>
+                  </a:schemeClr>
+                </a:solidFill>
+              </a:rPr>
+              <a:t>FUEL CONF</a:t>
+            </a:r>
+            <a:br>
+              <a:rPr lang="en-GB" sz="3200" b="1" dirty="0">
+                <a:solidFill>
+                  <a:schemeClr val="tx1">
+                    <a:lumMod val="50000"/>
+                    <a:lumOff val="50000"/>
+                  </a:schemeClr>
+                </a:solidFill>
+              </a:rPr>
+            </a:br>
+            <a:r>
+              <a:rPr lang="en-GB" sz="5400" b="1" dirty="0">
+                <a:solidFill>
+                  <a:srgbClr val="FFFF00"/>
+                </a:solidFill>
+              </a:rPr>
+              <a:t>70%</a:t>
+            </a:r>
+            <a:endParaRPr lang="en-GB" sz="3200" b="1" dirty="0">
+              <a:solidFill>
+                <a:srgbClr val="FFFF00"/>
+              </a:solidFill>
+            </a:endParaRPr>
+          </a:p>
+        </p:txBody>
+      </p:sp>
+      <p:sp>
+        <p:nvSpPr>
+          <p:cNvPr id="27" name="TextBox 26">
+            <a:extLst>
+              <a:ext uri="{FF2B5EF4-FFF2-40B4-BE49-F238E27FC236}">
+                <a16:creationId xmlns:a16="http://schemas.microsoft.com/office/drawing/2014/main" id="{5A05FD5F-2E7C-583F-2D6A-9FA211D144D3}"/>
+              </a:ext>
+            </a:extLst>
+          </p:cNvPr>
+          <p:cNvSpPr txBox="1"/>
+          <p:nvPr/>
+        </p:nvSpPr>
+        <p:spPr>
+          <a:xfrm>
+            <a:off x="1905158" y="3792533"/>
+            <a:ext cx="2726937" cy="1415772"/>
+          </a:xfrm>
+          <a:prstGeom prst="rect">
+            <a:avLst/>
+          </a:prstGeom>
+          <a:noFill/>
+        </p:spPr>
+        <p:txBody>
+          <a:bodyPr wrap="square" rtlCol="0">
+            <a:spAutoFit/>
+          </a:bodyPr>
+          <a:lstStyle/>
+          <a:p>
+            <a:pPr algn="ctr"/>
+            <a:r>
+              <a:rPr lang="en-GB" sz="3200" b="1" dirty="0">
+                <a:solidFill>
+                  <a:schemeClr val="tx1">
+                    <a:lumMod val="50000"/>
+                    <a:lumOff val="50000"/>
+                  </a:schemeClr>
+                </a:solidFill>
+              </a:rPr>
+              <a:t>SAVE </a:t>
+            </a:r>
+            <a:br>
+              <a:rPr lang="en-GB" sz="3200" b="1" dirty="0">
+                <a:solidFill>
+                  <a:schemeClr val="tx1">
+                    <a:lumMod val="50000"/>
+                    <a:lumOff val="50000"/>
+                  </a:schemeClr>
+                </a:solidFill>
+              </a:rPr>
+            </a:br>
+            <a:r>
+              <a:rPr lang="en-GB" sz="5400" b="1" dirty="0">
+                <a:solidFill>
+                  <a:srgbClr val="92D050"/>
+                </a:solidFill>
+              </a:rPr>
+              <a:t>2.3</a:t>
+            </a:r>
+            <a:endParaRPr lang="en-GB" sz="3200" b="1" dirty="0">
+              <a:solidFill>
+                <a:srgbClr val="92D050"/>
+              </a:solidFill>
+            </a:endParaRPr>
+          </a:p>
+        </p:txBody>
+      </p:sp>
+      <p:sp>
+        <p:nvSpPr>
+          <p:cNvPr id="28" name="TextBox 27">
+            <a:extLst>
+              <a:ext uri="{FF2B5EF4-FFF2-40B4-BE49-F238E27FC236}">
+                <a16:creationId xmlns:a16="http://schemas.microsoft.com/office/drawing/2014/main" id="{1E1B6E35-F65C-8A1B-82F7-3E06EB61F3E6}"/>
+              </a:ext>
+            </a:extLst>
+          </p:cNvPr>
+          <p:cNvSpPr txBox="1"/>
+          <p:nvPr/>
+        </p:nvSpPr>
+        <p:spPr>
+          <a:xfrm>
+            <a:off x="7653924" y="3792533"/>
+            <a:ext cx="2726936" cy="1415772"/>
+          </a:xfrm>
+          <a:prstGeom prst="rect">
+            <a:avLst/>
+          </a:prstGeom>
+          <a:noFill/>
+        </p:spPr>
+        <p:txBody>
+          <a:bodyPr wrap="square" rtlCol="0">
+            <a:spAutoFit/>
+          </a:bodyPr>
+          <a:lstStyle/>
+          <a:p>
+            <a:pPr algn="ctr"/>
+            <a:r>
+              <a:rPr lang="en-GB" sz="3200" b="1" dirty="0">
+                <a:solidFill>
+                  <a:schemeClr val="tx1">
+                    <a:lumMod val="50000"/>
+                    <a:lumOff val="50000"/>
+                  </a:schemeClr>
+                </a:solidFill>
+              </a:rPr>
+              <a:t>PUSH</a:t>
+            </a:r>
+            <a:br>
+              <a:rPr lang="en-GB" sz="3200" b="1" dirty="0">
+                <a:solidFill>
+                  <a:schemeClr val="tx1">
+                    <a:lumMod val="50000"/>
+                    <a:lumOff val="50000"/>
+                  </a:schemeClr>
+                </a:solidFill>
+              </a:rPr>
+            </a:br>
+            <a:r>
+              <a:rPr lang="en-GB" sz="5400" b="1" dirty="0">
+                <a:solidFill>
+                  <a:srgbClr val="FF0000"/>
+                </a:solidFill>
+              </a:rPr>
+              <a:t>-0.5</a:t>
+            </a:r>
+            <a:endParaRPr lang="en-GB" sz="3200" b="1" dirty="0">
+              <a:solidFill>
+                <a:srgbClr val="FF0000"/>
+              </a:solidFill>
+            </a:endParaRPr>
+          </a:p>
+        </p:txBody>
+      </p:sp>
+      <p:sp>
+        <p:nvSpPr>
+          <p:cNvPr id="30" name="Rectangle 29">
+            <a:extLst>
+              <a:ext uri="{FF2B5EF4-FFF2-40B4-BE49-F238E27FC236}">
+                <a16:creationId xmlns:a16="http://schemas.microsoft.com/office/drawing/2014/main" id="{CD8F158F-5B2D-53F2-3292-A76ADF2A7E5E}"/>
+              </a:ext>
+            </a:extLst>
+          </p:cNvPr>
+          <p:cNvSpPr/>
+          <p:nvPr/>
+        </p:nvSpPr>
+        <p:spPr>
+          <a:xfrm>
+            <a:off x="1839295" y="396405"/>
+            <a:ext cx="8513411" cy="1386286"/>
+          </a:xfrm>
+          <a:prstGeom prst="rect">
+            <a:avLst/>
+          </a:prstGeom>
+          <a:solidFill>
+            <a:srgbClr val="FFC000"/>
+          </a:solidFill>
+        </p:spPr>
+        <p:style>
+          <a:lnRef idx="2">
+            <a:schemeClr val="accent4">
+              <a:shade val="15000"/>
+            </a:schemeClr>
+          </a:lnRef>
+          <a:fillRef idx="1">
+            <a:schemeClr val="accent4"/>
+          </a:fillRef>
+          <a:effectRef idx="0">
+            <a:schemeClr val="accent4"/>
+          </a:effectRef>
+          <a:fontRef idx="minor">
+            <a:schemeClr val="lt1"/>
+          </a:fontRef>
+        </p:style>
+        <p:txBody>
+          <a:bodyPr rtlCol="0" anchor="ctr"/>
+          <a:lstStyle/>
+          <a:p>
+            <a:pPr algn="ctr"/>
+            <a:r>
+              <a:rPr lang="en-GB" sz="9600" b="1" dirty="0">
+                <a:solidFill>
+                  <a:srgbClr val="FF0000"/>
+                </a:solidFill>
+              </a:rPr>
+              <a:t>LIMITER OFF</a:t>
+            </a:r>
+          </a:p>
+        </p:txBody>
+      </p:sp>
+      <p:sp>
+        <p:nvSpPr>
+          <p:cNvPr id="31" name="TextBox 30">
+            <a:extLst>
+              <a:ext uri="{FF2B5EF4-FFF2-40B4-BE49-F238E27FC236}">
+                <a16:creationId xmlns:a16="http://schemas.microsoft.com/office/drawing/2014/main" id="{5CEE7D94-E85B-ECFD-0A4C-0954C2AED8EC}"/>
+              </a:ext>
+            </a:extLst>
+          </p:cNvPr>
+          <p:cNvSpPr txBox="1"/>
+          <p:nvPr/>
+        </p:nvSpPr>
+        <p:spPr>
+          <a:xfrm>
+            <a:off x="380132" y="-21065"/>
+            <a:ext cx="2174250" cy="369332"/>
+          </a:xfrm>
+          <a:prstGeom prst="rect">
+            <a:avLst/>
+          </a:prstGeom>
+          <a:noFill/>
+        </p:spPr>
+        <p:txBody>
+          <a:bodyPr wrap="none" rtlCol="0">
+            <a:spAutoFit/>
+          </a:bodyPr>
+          <a:lstStyle/>
+          <a:p>
+            <a:r>
+              <a:rPr lang="en-GB" dirty="0"/>
+              <a:t>Initial Pit Road Entry</a:t>
+            </a:r>
+          </a:p>
+        </p:txBody>
+      </p:sp>
+      <p:sp>
+        <p:nvSpPr>
+          <p:cNvPr id="3" name="Rectangle 2">
+            <a:extLst>
+              <a:ext uri="{FF2B5EF4-FFF2-40B4-BE49-F238E27FC236}">
+                <a16:creationId xmlns:a16="http://schemas.microsoft.com/office/drawing/2014/main" id="{A859DCFD-419D-C2CD-177E-7B05811D4D52}"/>
+              </a:ext>
+            </a:extLst>
+          </p:cNvPr>
+          <p:cNvSpPr/>
+          <p:nvPr/>
+        </p:nvSpPr>
+        <p:spPr>
+          <a:xfrm>
+            <a:off x="1863878" y="3743072"/>
+            <a:ext cx="8442014" cy="1557154"/>
+          </a:xfrm>
+          <a:prstGeom prst="rect">
+            <a:avLst/>
+          </a:prstGeom>
+          <a:solidFill>
+            <a:srgbClr val="FF0000"/>
+          </a:solidFill>
+        </p:spPr>
+        <p:style>
+          <a:lnRef idx="2">
+            <a:schemeClr val="accent4">
+              <a:shade val="15000"/>
+            </a:schemeClr>
+          </a:lnRef>
+          <a:fillRef idx="1">
+            <a:schemeClr val="accent4"/>
+          </a:fillRef>
+          <a:effectRef idx="0">
+            <a:schemeClr val="accent4"/>
+          </a:effectRef>
+          <a:fontRef idx="minor">
+            <a:schemeClr val="lt1"/>
+          </a:fontRef>
+        </p:style>
+        <p:txBody>
+          <a:bodyPr rtlCol="0" anchor="ctr"/>
+          <a:lstStyle/>
+          <a:p>
+            <a:pPr algn="ctr"/>
+            <a:r>
+              <a:rPr lang="en-GB" sz="16600" b="1" dirty="0">
+                <a:solidFill>
+                  <a:srgbClr val="FFFF00"/>
+                </a:solidFill>
+              </a:rPr>
+              <a:t>120</a:t>
+            </a:r>
+          </a:p>
+        </p:txBody>
+      </p:sp>
+      <p:sp>
+        <p:nvSpPr>
+          <p:cNvPr id="6" name="Rectangle 5">
+            <a:extLst>
+              <a:ext uri="{FF2B5EF4-FFF2-40B4-BE49-F238E27FC236}">
+                <a16:creationId xmlns:a16="http://schemas.microsoft.com/office/drawing/2014/main" id="{496D0E8B-6DB9-F4C8-8186-89BABB6F788E}"/>
+              </a:ext>
+            </a:extLst>
+          </p:cNvPr>
+          <p:cNvSpPr/>
+          <p:nvPr/>
+        </p:nvSpPr>
+        <p:spPr>
+          <a:xfrm>
+            <a:off x="1873022" y="5416195"/>
+            <a:ext cx="8442014" cy="1357785"/>
+          </a:xfrm>
+          <a:prstGeom prst="rect">
+            <a:avLst/>
+          </a:prstGeom>
+          <a:solidFill>
+            <a:schemeClr val="tx1"/>
+          </a:solidFill>
+        </p:spPr>
+        <p:style>
+          <a:lnRef idx="2">
+            <a:schemeClr val="accent4">
+              <a:shade val="15000"/>
+            </a:schemeClr>
+          </a:lnRef>
+          <a:fillRef idx="1">
+            <a:schemeClr val="accent4"/>
+          </a:fillRef>
+          <a:effectRef idx="0">
+            <a:schemeClr val="accent4"/>
+          </a:effectRef>
+          <a:fontRef idx="minor">
+            <a:schemeClr val="lt1"/>
+          </a:fontRef>
+        </p:style>
+        <p:txBody>
+          <a:bodyPr rtlCol="0" anchor="ctr"/>
+          <a:lstStyle/>
+          <a:p>
+            <a:pPr algn="ctr"/>
+            <a:r>
+              <a:rPr lang="en-GB" sz="9600" b="1" dirty="0">
+                <a:solidFill>
+                  <a:srgbClr val="FFFF00"/>
+                </a:solidFill>
+              </a:rPr>
+              <a:t>MAX </a:t>
+            </a:r>
+            <a:r>
+              <a:rPr lang="en-GB" sz="10000" b="1" dirty="0">
+                <a:solidFill>
+                  <a:srgbClr val="FFFF00"/>
+                </a:solidFill>
+              </a:rPr>
+              <a:t>80</a:t>
+            </a:r>
+          </a:p>
+        </p:txBody>
+      </p:sp>
+      <p:sp>
+        <p:nvSpPr>
+          <p:cNvPr id="7" name="Rectangle 6">
+            <a:extLst>
+              <a:ext uri="{FF2B5EF4-FFF2-40B4-BE49-F238E27FC236}">
+                <a16:creationId xmlns:a16="http://schemas.microsoft.com/office/drawing/2014/main" id="{3E4DD42D-D2FD-87B8-166F-934C7F6C15D3}"/>
+              </a:ext>
+            </a:extLst>
+          </p:cNvPr>
+          <p:cNvSpPr/>
+          <p:nvPr/>
+        </p:nvSpPr>
+        <p:spPr>
+          <a:xfrm>
+            <a:off x="426464" y="5380881"/>
+            <a:ext cx="1297561" cy="1412286"/>
+          </a:xfrm>
+          <a:prstGeom prst="rect">
+            <a:avLst/>
+          </a:prstGeom>
+          <a:solidFill>
+            <a:srgbClr val="0012C0"/>
+          </a:solidFill>
+        </p:spPr>
+        <p:style>
+          <a:lnRef idx="2">
+            <a:schemeClr val="accent4">
+              <a:shade val="15000"/>
+            </a:schemeClr>
+          </a:lnRef>
+          <a:fillRef idx="1">
+            <a:schemeClr val="accent4"/>
+          </a:fillRef>
+          <a:effectRef idx="0">
+            <a:schemeClr val="accent4"/>
+          </a:effectRef>
+          <a:fontRef idx="minor">
+            <a:schemeClr val="lt1"/>
+          </a:fontRef>
+        </p:style>
+        <p:txBody>
+          <a:bodyPr rtlCol="0" anchor="ctr"/>
+          <a:lstStyle/>
+          <a:p>
+            <a:pPr algn="ctr"/>
+            <a:r>
+              <a:rPr lang="en-GB" sz="5400" b="1" dirty="0">
+                <a:solidFill>
+                  <a:srgbClr val="92D050"/>
+                </a:solidFill>
+              </a:rPr>
+              <a:t>80</a:t>
+            </a:r>
+          </a:p>
+        </p:txBody>
+      </p:sp>
+      <p:sp>
+        <p:nvSpPr>
+          <p:cNvPr id="16" name="Rectangle 15">
+            <a:extLst>
+              <a:ext uri="{FF2B5EF4-FFF2-40B4-BE49-F238E27FC236}">
+                <a16:creationId xmlns:a16="http://schemas.microsoft.com/office/drawing/2014/main" id="{1F4FEA79-F1C8-F269-F3D3-952C0733CA25}"/>
+              </a:ext>
+            </a:extLst>
+          </p:cNvPr>
+          <p:cNvSpPr/>
+          <p:nvPr/>
+        </p:nvSpPr>
+        <p:spPr>
+          <a:xfrm>
+            <a:off x="426464" y="1306286"/>
+            <a:ext cx="1297561" cy="4032732"/>
+          </a:xfrm>
+          <a:prstGeom prst="rect">
+            <a:avLst/>
+          </a:prstGeom>
+          <a:gradFill>
+            <a:gsLst>
+              <a:gs pos="0">
+                <a:srgbClr val="FF0000"/>
+              </a:gs>
+              <a:gs pos="34000">
+                <a:srgbClr val="FFC000"/>
+              </a:gs>
+              <a:gs pos="67000">
+                <a:srgbClr val="FFFF00"/>
+              </a:gs>
+              <a:gs pos="100000">
+                <a:srgbClr val="00B0F0"/>
+              </a:gs>
+            </a:gsLst>
+            <a:lin ang="5400000" scaled="1"/>
+          </a:gradFill>
+        </p:spPr>
+        <p:style>
+          <a:lnRef idx="2">
+            <a:schemeClr val="accent4">
+              <a:shade val="15000"/>
+            </a:schemeClr>
+          </a:lnRef>
+          <a:fillRef idx="1">
+            <a:schemeClr val="accent4"/>
+          </a:fillRef>
+          <a:effectRef idx="0">
+            <a:schemeClr val="accent4"/>
+          </a:effectRef>
+          <a:fontRef idx="minor">
+            <a:schemeClr val="lt1"/>
+          </a:fontRef>
+        </p:style>
+        <p:txBody>
+          <a:bodyPr rtlCol="0" anchor="ctr"/>
+          <a:lstStyle/>
+          <a:p>
+            <a:pPr algn="ctr"/>
+            <a:r>
+              <a:rPr lang="en-GB" sz="5400" b="1" dirty="0">
+                <a:solidFill>
+                  <a:srgbClr val="252525"/>
+                </a:solidFill>
+              </a:rPr>
+              <a:t>+40</a:t>
+            </a:r>
+          </a:p>
+          <a:p>
+            <a:pPr algn="ctr"/>
+            <a:endParaRPr lang="en-GB" sz="5400" b="1" dirty="0">
+              <a:solidFill>
+                <a:srgbClr val="252525"/>
+              </a:solidFill>
+            </a:endParaRPr>
+          </a:p>
+          <a:p>
+            <a:pPr algn="ctr"/>
+            <a:endParaRPr lang="en-GB" sz="5400" b="1" dirty="0">
+              <a:solidFill>
+                <a:srgbClr val="252525"/>
+              </a:solidFill>
+            </a:endParaRPr>
+          </a:p>
+          <a:p>
+            <a:pPr algn="ctr"/>
+            <a:endParaRPr lang="en-GB" sz="5400" b="1" dirty="0">
+              <a:solidFill>
+                <a:srgbClr val="252525"/>
+              </a:solidFill>
+            </a:endParaRPr>
+          </a:p>
+        </p:txBody>
+      </p:sp>
+      <p:sp>
+        <p:nvSpPr>
+          <p:cNvPr id="13" name="Arrow: Right 12">
+            <a:extLst>
+              <a:ext uri="{FF2B5EF4-FFF2-40B4-BE49-F238E27FC236}">
+                <a16:creationId xmlns:a16="http://schemas.microsoft.com/office/drawing/2014/main" id="{F1516171-AFFA-BFCD-7097-76934F6210B9}"/>
+              </a:ext>
+            </a:extLst>
+          </p:cNvPr>
+          <p:cNvSpPr/>
+          <p:nvPr/>
+        </p:nvSpPr>
+        <p:spPr>
+          <a:xfrm>
+            <a:off x="508114" y="982435"/>
+            <a:ext cx="1215911" cy="647699"/>
+          </a:xfrm>
+          <a:prstGeom prst="rightArrow">
+            <a:avLst/>
+          </a:prstGeom>
+          <a:solidFill>
+            <a:srgbClr val="FFFF00"/>
+          </a:solidFill>
+        </p:spPr>
+        <p:style>
+          <a:lnRef idx="2">
+            <a:schemeClr val="accent1">
+              <a:shade val="15000"/>
+            </a:schemeClr>
+          </a:lnRef>
+          <a:fillRef idx="1">
+            <a:schemeClr val="accent1"/>
+          </a:fillRef>
+          <a:effectRef idx="0">
+            <a:schemeClr val="accent1"/>
+          </a:effectRef>
+          <a:fontRef idx="minor">
+            <a:schemeClr val="lt1"/>
+          </a:fontRef>
+        </p:style>
+        <p:txBody>
+          <a:bodyPr rtlCol="0" anchor="ctr"/>
+          <a:lstStyle/>
+          <a:p>
+            <a:pPr algn="ctr"/>
+            <a:endParaRPr lang="en-GB"/>
+          </a:p>
+        </p:txBody>
+      </p:sp>
+      <p:sp>
+        <p:nvSpPr>
+          <p:cNvPr id="18" name="Rectangle 17">
+            <a:extLst>
+              <a:ext uri="{FF2B5EF4-FFF2-40B4-BE49-F238E27FC236}">
+                <a16:creationId xmlns:a16="http://schemas.microsoft.com/office/drawing/2014/main" id="{43791500-DF0A-7C69-4C88-8D4BBBBDF2E5}"/>
+              </a:ext>
+            </a:extLst>
+          </p:cNvPr>
+          <p:cNvSpPr/>
+          <p:nvPr/>
+        </p:nvSpPr>
+        <p:spPr>
+          <a:xfrm>
+            <a:off x="371495" y="347263"/>
+            <a:ext cx="11438644" cy="6487763"/>
+          </a:xfrm>
+          <a:prstGeom prst="rect">
+            <a:avLst/>
+          </a:prstGeom>
+          <a:noFill/>
+          <a:ln w="76200">
+            <a:solidFill>
+              <a:srgbClr val="CC00C2"/>
+            </a:solidFill>
+          </a:ln>
+        </p:spPr>
+        <p:style>
+          <a:lnRef idx="2">
+            <a:schemeClr val="accent1">
+              <a:shade val="15000"/>
+            </a:schemeClr>
+          </a:lnRef>
+          <a:fillRef idx="1">
+            <a:schemeClr val="accent1"/>
+          </a:fillRef>
+          <a:effectRef idx="0">
+            <a:schemeClr val="accent1"/>
+          </a:effectRef>
+          <a:fontRef idx="minor">
+            <a:schemeClr val="lt1"/>
+          </a:fontRef>
+        </p:style>
+        <p:txBody>
+          <a:bodyPr rtlCol="0" anchor="ctr"/>
+          <a:lstStyle/>
+          <a:p>
+            <a:pPr algn="ctr"/>
+            <a:endParaRPr lang="en-GB"/>
+          </a:p>
+        </p:txBody>
+      </p:sp>
     </p:spTree>
     <p:extLst>
       <p:ext uri="{BB962C8B-B14F-4D97-AF65-F5344CB8AC3E}">
-        <p14:creationId xmlns:p14="http://schemas.microsoft.com/office/powerpoint/2010/main" val="4134498953"/>
+        <p14:creationId xmlns:p14="http://schemas.microsoft.com/office/powerpoint/2010/main" val="1025596765"/>
       </p:ext>
     </p:extLst>
   </p:cSld>
   <p:clrMapOvr>
     <a:masterClrMapping/>
   </p:clrMapOvr>
+  <p:extLst>
+    <p:ext uri="{6950BFC3-D8DA-4A85-94F7-54DA5524770B}">
+      <p188:commentRel xmlns:p188="http://schemas.microsoft.com/office/powerpoint/2018/8/main" r:id="rId3"/>
+    </p:ext>
+  </p:extLst>
 </p:sld>
 </file>
 
@@ -6697,7 +13455,7 @@
         <p:cNvPr id="1" name="">
           <a:extLst>
             <a:ext uri="{FF2B5EF4-FFF2-40B4-BE49-F238E27FC236}">
-              <a16:creationId xmlns:a16="http://schemas.microsoft.com/office/drawing/2014/main" id="{BF6ECDEA-C2EB-BFB7-4799-4A94C655BCC9}"/>
+              <a16:creationId xmlns:a16="http://schemas.microsoft.com/office/drawing/2014/main" id="{200F4B99-4573-45B1-7B81-420987314721}"/>
             </a:ext>
           </a:extLst>
         </p:cNvPr>
@@ -6712,12 +13470,174 @@
           <a:chExt cx="0" cy="0"/>
         </a:xfrm>
       </p:grpSpPr>
+      <p:sp>
+        <p:nvSpPr>
+          <p:cNvPr id="2" name="Rectangle 1">
+            <a:extLst>
+              <a:ext uri="{FF2B5EF4-FFF2-40B4-BE49-F238E27FC236}">
+                <a16:creationId xmlns:a16="http://schemas.microsoft.com/office/drawing/2014/main" id="{15699771-5F60-12F2-D1D1-032730768D69}"/>
+              </a:ext>
+            </a:extLst>
+          </p:cNvPr>
+          <p:cNvSpPr/>
+          <p:nvPr/>
+        </p:nvSpPr>
+        <p:spPr>
+          <a:xfrm>
+            <a:off x="347621" y="318982"/>
+            <a:ext cx="11496758" cy="6516045"/>
+          </a:xfrm>
+          <a:prstGeom prst="rect">
+            <a:avLst/>
+          </a:prstGeom>
+          <a:solidFill>
+            <a:schemeClr val="tx1"/>
+          </a:solidFill>
+          <a:ln w="57150">
+            <a:solidFill>
+              <a:schemeClr val="bg1">
+                <a:lumMod val="95000"/>
+              </a:schemeClr>
+            </a:solidFill>
+          </a:ln>
+        </p:spPr>
+        <p:style>
+          <a:lnRef idx="2">
+            <a:schemeClr val="accent1">
+              <a:shade val="15000"/>
+            </a:schemeClr>
+          </a:lnRef>
+          <a:fillRef idx="1">
+            <a:schemeClr val="accent1"/>
+          </a:fillRef>
+          <a:effectRef idx="0">
+            <a:schemeClr val="accent1"/>
+          </a:effectRef>
+          <a:fontRef idx="minor">
+            <a:schemeClr val="lt1"/>
+          </a:fontRef>
+        </p:style>
+        <p:txBody>
+          <a:bodyPr rtlCol="0" anchor="ctr"/>
+          <a:lstStyle/>
+          <a:p>
+            <a:pPr algn="ctr"/>
+            <a:endParaRPr lang="en-GB" sz="4400" b="1" dirty="0"/>
+          </a:p>
+        </p:txBody>
+      </p:sp>
+      <p:sp>
+        <p:nvSpPr>
+          <p:cNvPr id="4" name="Rectangle 3">
+            <a:extLst>
+              <a:ext uri="{FF2B5EF4-FFF2-40B4-BE49-F238E27FC236}">
+                <a16:creationId xmlns:a16="http://schemas.microsoft.com/office/drawing/2014/main" id="{A11CE293-58D0-50FF-D353-5349B92238A9}"/>
+              </a:ext>
+            </a:extLst>
+          </p:cNvPr>
+          <p:cNvSpPr/>
+          <p:nvPr/>
+        </p:nvSpPr>
+        <p:spPr>
+          <a:xfrm>
+            <a:off x="371495" y="348267"/>
+            <a:ext cx="1423193" cy="6486759"/>
+          </a:xfrm>
+          <a:prstGeom prst="rect">
+            <a:avLst/>
+          </a:prstGeom>
+          <a:ln w="57150">
+            <a:solidFill>
+              <a:schemeClr val="bg1">
+                <a:lumMod val="95000"/>
+              </a:schemeClr>
+            </a:solidFill>
+          </a:ln>
+        </p:spPr>
+        <p:style>
+          <a:lnRef idx="2">
+            <a:schemeClr val="dk1">
+              <a:shade val="15000"/>
+            </a:schemeClr>
+          </a:lnRef>
+          <a:fillRef idx="1">
+            <a:schemeClr val="dk1"/>
+          </a:fillRef>
+          <a:effectRef idx="0">
+            <a:schemeClr val="dk1"/>
+          </a:effectRef>
+          <a:fontRef idx="minor">
+            <a:schemeClr val="lt1"/>
+          </a:fontRef>
+        </p:style>
+        <p:txBody>
+          <a:bodyPr rtlCol="0" anchor="ctr"/>
+          <a:lstStyle/>
+          <a:p>
+            <a:pPr algn="ctr"/>
+            <a:endParaRPr lang="en-GB"/>
+          </a:p>
+        </p:txBody>
+      </p:sp>
+      <p:sp>
+        <p:nvSpPr>
+          <p:cNvPr id="5" name="Rectangle 4">
+            <a:extLst>
+              <a:ext uri="{FF2B5EF4-FFF2-40B4-BE49-F238E27FC236}">
+                <a16:creationId xmlns:a16="http://schemas.microsoft.com/office/drawing/2014/main" id="{104F0965-4FB7-6134-A155-3E4BD1437FA4}"/>
+              </a:ext>
+            </a:extLst>
+          </p:cNvPr>
+          <p:cNvSpPr/>
+          <p:nvPr/>
+        </p:nvSpPr>
+        <p:spPr>
+          <a:xfrm>
+            <a:off x="10386946" y="348267"/>
+            <a:ext cx="1423193" cy="6477151"/>
+          </a:xfrm>
+          <a:prstGeom prst="rect">
+            <a:avLst/>
+          </a:prstGeom>
+          <a:ln w="57150">
+            <a:solidFill>
+              <a:schemeClr val="bg1">
+                <a:lumMod val="95000"/>
+              </a:schemeClr>
+            </a:solidFill>
+          </a:ln>
+        </p:spPr>
+        <p:style>
+          <a:lnRef idx="2">
+            <a:schemeClr val="dk1">
+              <a:shade val="15000"/>
+            </a:schemeClr>
+          </a:lnRef>
+          <a:fillRef idx="1">
+            <a:schemeClr val="dk1"/>
+          </a:fillRef>
+          <a:effectRef idx="0">
+            <a:schemeClr val="dk1"/>
+          </a:effectRef>
+          <a:fontRef idx="minor">
+            <a:schemeClr val="lt1"/>
+          </a:fontRef>
+        </p:style>
+        <p:txBody>
+          <a:bodyPr rtlCol="0" anchor="ctr"/>
+          <a:lstStyle/>
+          <a:p>
+            <a:pPr algn="ctr"/>
+            <a:endParaRPr lang="en-GB" dirty="0"/>
+          </a:p>
+        </p:txBody>
+      </p:sp>
       <p:pic>
         <p:nvPicPr>
-          <p:cNvPr id="3" name="Picture 2">
-            <a:extLst>
-              <a:ext uri="{FF2B5EF4-FFF2-40B4-BE49-F238E27FC236}">
-                <a16:creationId xmlns:a16="http://schemas.microsoft.com/office/drawing/2014/main" id="{749D5594-346D-9DC9-929D-674AE3738D8D}"/>
+          <p:cNvPr id="12" name="Picture 11" descr="A pink rectangle with white text&#10;&#10;AI-generated content may be incorrect.">
+            <a:extLst>
+              <a:ext uri="{FF2B5EF4-FFF2-40B4-BE49-F238E27FC236}">
+                <a16:creationId xmlns:a16="http://schemas.microsoft.com/office/drawing/2014/main" id="{E644BA7B-010B-6FE1-6AD8-3380005EBA83}"/>
               </a:ext>
             </a:extLst>
           </p:cNvPr>
@@ -6727,31 +13647,1046 @@
           <p:nvPr/>
         </p:nvPicPr>
         <p:blipFill>
-          <a:blip r:embed="rId2"/>
+          <a:blip r:embed="rId4"/>
           <a:stretch>
             <a:fillRect/>
           </a:stretch>
         </p:blipFill>
         <p:spPr>
           <a:xfrm>
-            <a:off x="2018731" y="199574"/>
-            <a:ext cx="8154538" cy="6458851"/>
+            <a:off x="10386947" y="387160"/>
+            <a:ext cx="1378589" cy="6408972"/>
           </a:xfrm>
           <a:prstGeom prst="rect">
             <a:avLst/>
           </a:prstGeom>
         </p:spPr>
       </p:pic>
+      <p:cxnSp>
+        <p:nvCxnSpPr>
+          <p:cNvPr id="14" name="Straight Connector 13">
+            <a:extLst>
+              <a:ext uri="{FF2B5EF4-FFF2-40B4-BE49-F238E27FC236}">
+                <a16:creationId xmlns:a16="http://schemas.microsoft.com/office/drawing/2014/main" id="{651BCC8C-B01A-6D18-FC1A-2626EEE6CEB2}"/>
+              </a:ext>
+            </a:extLst>
+          </p:cNvPr>
+          <p:cNvCxnSpPr/>
+          <p:nvPr/>
+        </p:nvCxnSpPr>
+        <p:spPr>
+          <a:xfrm>
+            <a:off x="1794688" y="1805364"/>
+            <a:ext cx="8592258" cy="0"/>
+          </a:xfrm>
+          <a:prstGeom prst="line">
+            <a:avLst/>
+          </a:prstGeom>
+          <a:ln w="57150">
+            <a:solidFill>
+              <a:schemeClr val="bg1">
+                <a:lumMod val="95000"/>
+              </a:schemeClr>
+            </a:solidFill>
+          </a:ln>
+        </p:spPr>
+        <p:style>
+          <a:lnRef idx="2">
+            <a:schemeClr val="accent1"/>
+          </a:lnRef>
+          <a:fillRef idx="0">
+            <a:schemeClr val="accent1"/>
+          </a:fillRef>
+          <a:effectRef idx="1">
+            <a:schemeClr val="accent1"/>
+          </a:effectRef>
+          <a:fontRef idx="minor">
+            <a:schemeClr val="tx1"/>
+          </a:fontRef>
+        </p:style>
+      </p:cxnSp>
+      <p:sp>
+        <p:nvSpPr>
+          <p:cNvPr id="15" name="TextBox 14">
+            <a:extLst>
+              <a:ext uri="{FF2B5EF4-FFF2-40B4-BE49-F238E27FC236}">
+                <a16:creationId xmlns:a16="http://schemas.microsoft.com/office/drawing/2014/main" id="{0DC1F2FD-FB4E-F39C-4AF4-96279DBDDE1D}"/>
+              </a:ext>
+            </a:extLst>
+          </p:cNvPr>
+          <p:cNvSpPr txBox="1"/>
+          <p:nvPr/>
+        </p:nvSpPr>
+        <p:spPr>
+          <a:xfrm>
+            <a:off x="4358548" y="1748843"/>
+            <a:ext cx="3464538" cy="2123658"/>
+          </a:xfrm>
+          <a:prstGeom prst="rect">
+            <a:avLst/>
+          </a:prstGeom>
+          <a:noFill/>
+        </p:spPr>
+        <p:txBody>
+          <a:bodyPr wrap="none" rtlCol="0">
+            <a:spAutoFit/>
+          </a:bodyPr>
+          <a:lstStyle/>
+          <a:p>
+            <a:pPr algn="ctr"/>
+            <a:r>
+              <a:rPr lang="en-GB" sz="4800" b="1" dirty="0">
+                <a:solidFill>
+                  <a:schemeClr val="tx1">
+                    <a:lumMod val="50000"/>
+                    <a:lumOff val="50000"/>
+                  </a:schemeClr>
+                </a:solidFill>
+              </a:rPr>
+              <a:t>FUEL DELTA</a:t>
+            </a:r>
+            <a:br>
+              <a:rPr lang="en-GB" sz="4800" b="1" dirty="0">
+                <a:solidFill>
+                  <a:schemeClr val="tx1">
+                    <a:lumMod val="50000"/>
+                    <a:lumOff val="50000"/>
+                  </a:schemeClr>
+                </a:solidFill>
+              </a:rPr>
+            </a:br>
+            <a:r>
+              <a:rPr lang="en-GB" sz="8400" b="1" dirty="0">
+                <a:solidFill>
+                  <a:srgbClr val="92D050"/>
+                </a:solidFill>
+              </a:rPr>
+              <a:t>0.3</a:t>
+            </a:r>
+          </a:p>
+        </p:txBody>
+      </p:sp>
+      <p:pic>
+        <p:nvPicPr>
+          <p:cNvPr id="17" name="Picture 16" descr="A black and white sign with a gas pump&#10;&#10;AI-generated content may be incorrect.">
+            <a:extLst>
+              <a:ext uri="{FF2B5EF4-FFF2-40B4-BE49-F238E27FC236}">
+                <a16:creationId xmlns:a16="http://schemas.microsoft.com/office/drawing/2014/main" id="{1F315880-7CBC-57E5-8EF7-1B238CBB93AA}"/>
+              </a:ext>
+            </a:extLst>
+          </p:cNvPr>
+          <p:cNvPicPr>
+            <a:picLocks noChangeAspect="1"/>
+          </p:cNvPicPr>
+          <p:nvPr/>
+        </p:nvPicPr>
+        <p:blipFill>
+          <a:blip r:embed="rId5"/>
+          <a:stretch>
+            <a:fillRect/>
+          </a:stretch>
+        </p:blipFill>
+        <p:spPr>
+          <a:xfrm>
+            <a:off x="1905158" y="1892426"/>
+            <a:ext cx="1686160" cy="1619476"/>
+          </a:xfrm>
+          <a:prstGeom prst="rect">
+            <a:avLst/>
+          </a:prstGeom>
+        </p:spPr>
+      </p:pic>
+      <p:pic>
+        <p:nvPicPr>
+          <p:cNvPr id="19" name="Picture 18" descr="A black and white sign with white text&#10;&#10;AI-generated content may be incorrect.">
+            <a:extLst>
+              <a:ext uri="{FF2B5EF4-FFF2-40B4-BE49-F238E27FC236}">
+                <a16:creationId xmlns:a16="http://schemas.microsoft.com/office/drawing/2014/main" id="{37955588-7AEE-48AA-51B9-26E43F3A30F4}"/>
+              </a:ext>
+            </a:extLst>
+          </p:cNvPr>
+          <p:cNvPicPr>
+            <a:picLocks noChangeAspect="1"/>
+          </p:cNvPicPr>
+          <p:nvPr/>
+        </p:nvPicPr>
+        <p:blipFill>
+          <a:blip r:embed="rId6"/>
+          <a:stretch>
+            <a:fillRect/>
+          </a:stretch>
+        </p:blipFill>
+        <p:spPr>
+          <a:xfrm>
+            <a:off x="8657840" y="1892426"/>
+            <a:ext cx="1629002" cy="1619476"/>
+          </a:xfrm>
+          <a:prstGeom prst="rect">
+            <a:avLst/>
+          </a:prstGeom>
+        </p:spPr>
+      </p:pic>
+      <p:sp>
+        <p:nvSpPr>
+          <p:cNvPr id="20" name="TextBox 19">
+            <a:extLst>
+              <a:ext uri="{FF2B5EF4-FFF2-40B4-BE49-F238E27FC236}">
+                <a16:creationId xmlns:a16="http://schemas.microsoft.com/office/drawing/2014/main" id="{D3905CA5-77A3-1D79-84FB-023861A1A695}"/>
+              </a:ext>
+            </a:extLst>
+          </p:cNvPr>
+          <p:cNvSpPr txBox="1"/>
+          <p:nvPr/>
+        </p:nvSpPr>
+        <p:spPr>
+          <a:xfrm>
+            <a:off x="4989202" y="5380881"/>
+            <a:ext cx="2213597" cy="1415772"/>
+          </a:xfrm>
+          <a:prstGeom prst="rect">
+            <a:avLst/>
+          </a:prstGeom>
+          <a:noFill/>
+        </p:spPr>
+        <p:txBody>
+          <a:bodyPr wrap="square" rtlCol="0">
+            <a:spAutoFit/>
+          </a:bodyPr>
+          <a:lstStyle/>
+          <a:p>
+            <a:pPr algn="ctr"/>
+            <a:r>
+              <a:rPr lang="en-GB" sz="3200" b="1" dirty="0">
+                <a:solidFill>
+                  <a:schemeClr val="tx1">
+                    <a:lumMod val="50000"/>
+                    <a:lumOff val="50000"/>
+                  </a:schemeClr>
+                </a:solidFill>
+              </a:rPr>
+              <a:t>GAP P13</a:t>
+            </a:r>
+            <a:br>
+              <a:rPr lang="en-GB" sz="3200" b="1" dirty="0">
+                <a:solidFill>
+                  <a:schemeClr val="tx1">
+                    <a:lumMod val="50000"/>
+                    <a:lumOff val="50000"/>
+                  </a:schemeClr>
+                </a:solidFill>
+              </a:rPr>
+            </a:br>
+            <a:r>
+              <a:rPr lang="en-GB" sz="5400" b="1" dirty="0">
+                <a:solidFill>
+                  <a:schemeClr val="bg1"/>
+                </a:solidFill>
+              </a:rPr>
+              <a:t>6.5s</a:t>
+            </a:r>
+            <a:endParaRPr lang="en-GB" sz="3200" b="1" dirty="0">
+              <a:solidFill>
+                <a:schemeClr val="bg1"/>
+              </a:solidFill>
+            </a:endParaRPr>
+          </a:p>
+        </p:txBody>
+      </p:sp>
+      <p:cxnSp>
+        <p:nvCxnSpPr>
+          <p:cNvPr id="21" name="Straight Connector 20">
+            <a:extLst>
+              <a:ext uri="{FF2B5EF4-FFF2-40B4-BE49-F238E27FC236}">
+                <a16:creationId xmlns:a16="http://schemas.microsoft.com/office/drawing/2014/main" id="{1725C115-8985-2DC6-A98D-570E8BB7D715}"/>
+              </a:ext>
+            </a:extLst>
+          </p:cNvPr>
+          <p:cNvCxnSpPr/>
+          <p:nvPr/>
+        </p:nvCxnSpPr>
+        <p:spPr>
+          <a:xfrm>
+            <a:off x="1794687" y="5358210"/>
+            <a:ext cx="8592258" cy="0"/>
+          </a:xfrm>
+          <a:prstGeom prst="line">
+            <a:avLst/>
+          </a:prstGeom>
+          <a:ln w="57150">
+            <a:solidFill>
+              <a:schemeClr val="bg1">
+                <a:lumMod val="95000"/>
+              </a:schemeClr>
+            </a:solidFill>
+          </a:ln>
+        </p:spPr>
+        <p:style>
+          <a:lnRef idx="2">
+            <a:schemeClr val="accent1"/>
+          </a:lnRef>
+          <a:fillRef idx="0">
+            <a:schemeClr val="accent1"/>
+          </a:fillRef>
+          <a:effectRef idx="1">
+            <a:schemeClr val="accent1"/>
+          </a:effectRef>
+          <a:fontRef idx="minor">
+            <a:schemeClr val="tx1"/>
+          </a:fontRef>
+        </p:style>
+      </p:cxnSp>
+      <p:sp>
+        <p:nvSpPr>
+          <p:cNvPr id="22" name="TextBox 21">
+            <a:extLst>
+              <a:ext uri="{FF2B5EF4-FFF2-40B4-BE49-F238E27FC236}">
+                <a16:creationId xmlns:a16="http://schemas.microsoft.com/office/drawing/2014/main" id="{B32058E0-613D-6B4F-70D0-A1E1D82D9FAD}"/>
+              </a:ext>
+            </a:extLst>
+          </p:cNvPr>
+          <p:cNvSpPr txBox="1"/>
+          <p:nvPr/>
+        </p:nvSpPr>
+        <p:spPr>
+          <a:xfrm>
+            <a:off x="1858149" y="5380881"/>
+            <a:ext cx="2726937" cy="1415772"/>
+          </a:xfrm>
+          <a:prstGeom prst="rect">
+            <a:avLst/>
+          </a:prstGeom>
+          <a:noFill/>
+        </p:spPr>
+        <p:txBody>
+          <a:bodyPr wrap="square" rtlCol="0">
+            <a:spAutoFit/>
+          </a:bodyPr>
+          <a:lstStyle/>
+          <a:p>
+            <a:pPr algn="ctr"/>
+            <a:r>
+              <a:rPr lang="en-GB" sz="3200" b="1" dirty="0">
+                <a:solidFill>
+                  <a:schemeClr val="tx1">
+                    <a:lumMod val="50000"/>
+                    <a:lumOff val="50000"/>
+                  </a:schemeClr>
+                </a:solidFill>
+              </a:rPr>
+              <a:t>EXIT POS</a:t>
+            </a:r>
+            <a:br>
+              <a:rPr lang="en-GB" sz="3200" b="1" dirty="0">
+                <a:solidFill>
+                  <a:schemeClr val="tx1">
+                    <a:lumMod val="50000"/>
+                    <a:lumOff val="50000"/>
+                  </a:schemeClr>
+                </a:solidFill>
+              </a:rPr>
+            </a:br>
+            <a:r>
+              <a:rPr lang="en-GB" sz="5400" b="1" dirty="0">
+                <a:solidFill>
+                  <a:schemeClr val="bg1"/>
+                </a:solidFill>
+              </a:rPr>
+              <a:t>P12</a:t>
+            </a:r>
+            <a:endParaRPr lang="en-GB" sz="3200" b="1" dirty="0">
+              <a:solidFill>
+                <a:schemeClr val="bg1"/>
+              </a:solidFill>
+            </a:endParaRPr>
+          </a:p>
+        </p:txBody>
+      </p:sp>
+      <p:sp>
+        <p:nvSpPr>
+          <p:cNvPr id="23" name="TextBox 22">
+            <a:extLst>
+              <a:ext uri="{FF2B5EF4-FFF2-40B4-BE49-F238E27FC236}">
+                <a16:creationId xmlns:a16="http://schemas.microsoft.com/office/drawing/2014/main" id="{0D5490A5-5533-A267-C20B-6CC7E8DAF4DC}"/>
+              </a:ext>
+            </a:extLst>
+          </p:cNvPr>
+          <p:cNvSpPr txBox="1"/>
+          <p:nvPr/>
+        </p:nvSpPr>
+        <p:spPr>
+          <a:xfrm>
+            <a:off x="7606915" y="5380881"/>
+            <a:ext cx="2726936" cy="1415772"/>
+          </a:xfrm>
+          <a:prstGeom prst="rect">
+            <a:avLst/>
+          </a:prstGeom>
+          <a:noFill/>
+        </p:spPr>
+        <p:txBody>
+          <a:bodyPr wrap="square" rtlCol="0">
+            <a:spAutoFit/>
+          </a:bodyPr>
+          <a:lstStyle/>
+          <a:p>
+            <a:pPr algn="ctr"/>
+            <a:r>
+              <a:rPr lang="en-GB" sz="3200" b="1" dirty="0">
+                <a:solidFill>
+                  <a:schemeClr val="tx1">
+                    <a:lumMod val="50000"/>
+                    <a:lumOff val="50000"/>
+                  </a:schemeClr>
+                </a:solidFill>
+              </a:rPr>
+              <a:t>STOPS REM</a:t>
+            </a:r>
+            <a:br>
+              <a:rPr lang="en-GB" sz="3200" b="1" dirty="0">
+                <a:solidFill>
+                  <a:schemeClr val="tx1">
+                    <a:lumMod val="50000"/>
+                    <a:lumOff val="50000"/>
+                  </a:schemeClr>
+                </a:solidFill>
+              </a:rPr>
+            </a:br>
+            <a:r>
+              <a:rPr lang="en-GB" sz="5400" b="1" dirty="0">
+                <a:solidFill>
+                  <a:schemeClr val="bg1"/>
+                </a:solidFill>
+              </a:rPr>
+              <a:t>2</a:t>
+            </a:r>
+            <a:endParaRPr lang="en-GB" sz="3200" b="1" dirty="0">
+              <a:solidFill>
+                <a:schemeClr val="bg1"/>
+              </a:solidFill>
+            </a:endParaRPr>
+          </a:p>
+        </p:txBody>
+      </p:sp>
+      <p:cxnSp>
+        <p:nvCxnSpPr>
+          <p:cNvPr id="24" name="Straight Connector 23">
+            <a:extLst>
+              <a:ext uri="{FF2B5EF4-FFF2-40B4-BE49-F238E27FC236}">
+                <a16:creationId xmlns:a16="http://schemas.microsoft.com/office/drawing/2014/main" id="{C4CDCE32-5511-8AB2-550E-FCC655B794AF}"/>
+              </a:ext>
+            </a:extLst>
+          </p:cNvPr>
+          <p:cNvCxnSpPr/>
+          <p:nvPr/>
+        </p:nvCxnSpPr>
+        <p:spPr>
+          <a:xfrm>
+            <a:off x="1794687" y="3674252"/>
+            <a:ext cx="8592258" cy="0"/>
+          </a:xfrm>
+          <a:prstGeom prst="line">
+            <a:avLst/>
+          </a:prstGeom>
+          <a:ln w="57150">
+            <a:solidFill>
+              <a:schemeClr val="bg1">
+                <a:lumMod val="95000"/>
+              </a:schemeClr>
+            </a:solidFill>
+          </a:ln>
+        </p:spPr>
+        <p:style>
+          <a:lnRef idx="2">
+            <a:schemeClr val="accent1"/>
+          </a:lnRef>
+          <a:fillRef idx="0">
+            <a:schemeClr val="accent1"/>
+          </a:fillRef>
+          <a:effectRef idx="1">
+            <a:schemeClr val="accent1"/>
+          </a:effectRef>
+          <a:fontRef idx="minor">
+            <a:schemeClr val="tx1"/>
+          </a:fontRef>
+        </p:style>
+      </p:cxnSp>
+      <p:sp>
+        <p:nvSpPr>
+          <p:cNvPr id="26" name="TextBox 25">
+            <a:extLst>
+              <a:ext uri="{FF2B5EF4-FFF2-40B4-BE49-F238E27FC236}">
+                <a16:creationId xmlns:a16="http://schemas.microsoft.com/office/drawing/2014/main" id="{194B4F91-E24C-74AD-0720-D380BD422D70}"/>
+              </a:ext>
+            </a:extLst>
+          </p:cNvPr>
+          <p:cNvSpPr txBox="1"/>
+          <p:nvPr/>
+        </p:nvSpPr>
+        <p:spPr>
+          <a:xfrm>
+            <a:off x="4816517" y="3792533"/>
+            <a:ext cx="2574253" cy="1415772"/>
+          </a:xfrm>
+          <a:prstGeom prst="rect">
+            <a:avLst/>
+          </a:prstGeom>
+          <a:noFill/>
+        </p:spPr>
+        <p:txBody>
+          <a:bodyPr wrap="square" rtlCol="0">
+            <a:spAutoFit/>
+          </a:bodyPr>
+          <a:lstStyle/>
+          <a:p>
+            <a:pPr algn="ctr"/>
+            <a:r>
+              <a:rPr lang="en-GB" sz="3200" b="1" dirty="0">
+                <a:solidFill>
+                  <a:schemeClr val="tx1">
+                    <a:lumMod val="50000"/>
+                    <a:lumOff val="50000"/>
+                  </a:schemeClr>
+                </a:solidFill>
+              </a:rPr>
+              <a:t>FUEL CONF</a:t>
+            </a:r>
+            <a:br>
+              <a:rPr lang="en-GB" sz="3200" b="1" dirty="0">
+                <a:solidFill>
+                  <a:schemeClr val="tx1">
+                    <a:lumMod val="50000"/>
+                    <a:lumOff val="50000"/>
+                  </a:schemeClr>
+                </a:solidFill>
+              </a:rPr>
+            </a:br>
+            <a:r>
+              <a:rPr lang="en-GB" sz="5400" b="1" dirty="0">
+                <a:solidFill>
+                  <a:srgbClr val="FFFF00"/>
+                </a:solidFill>
+              </a:rPr>
+              <a:t>70%</a:t>
+            </a:r>
+            <a:endParaRPr lang="en-GB" sz="3200" b="1" dirty="0">
+              <a:solidFill>
+                <a:srgbClr val="FFFF00"/>
+              </a:solidFill>
+            </a:endParaRPr>
+          </a:p>
+        </p:txBody>
+      </p:sp>
+      <p:sp>
+        <p:nvSpPr>
+          <p:cNvPr id="27" name="TextBox 26">
+            <a:extLst>
+              <a:ext uri="{FF2B5EF4-FFF2-40B4-BE49-F238E27FC236}">
+                <a16:creationId xmlns:a16="http://schemas.microsoft.com/office/drawing/2014/main" id="{1548AE71-8E06-93E6-B3AB-E6ABAB51D231}"/>
+              </a:ext>
+            </a:extLst>
+          </p:cNvPr>
+          <p:cNvSpPr txBox="1"/>
+          <p:nvPr/>
+        </p:nvSpPr>
+        <p:spPr>
+          <a:xfrm>
+            <a:off x="1905158" y="3792533"/>
+            <a:ext cx="2726937" cy="1415772"/>
+          </a:xfrm>
+          <a:prstGeom prst="rect">
+            <a:avLst/>
+          </a:prstGeom>
+          <a:noFill/>
+        </p:spPr>
+        <p:txBody>
+          <a:bodyPr wrap="square" rtlCol="0">
+            <a:spAutoFit/>
+          </a:bodyPr>
+          <a:lstStyle/>
+          <a:p>
+            <a:pPr algn="ctr"/>
+            <a:r>
+              <a:rPr lang="en-GB" sz="3200" b="1" dirty="0">
+                <a:solidFill>
+                  <a:schemeClr val="tx1">
+                    <a:lumMod val="50000"/>
+                    <a:lumOff val="50000"/>
+                  </a:schemeClr>
+                </a:solidFill>
+              </a:rPr>
+              <a:t>SAVE </a:t>
+            </a:r>
+            <a:br>
+              <a:rPr lang="en-GB" sz="3200" b="1" dirty="0">
+                <a:solidFill>
+                  <a:schemeClr val="tx1">
+                    <a:lumMod val="50000"/>
+                    <a:lumOff val="50000"/>
+                  </a:schemeClr>
+                </a:solidFill>
+              </a:rPr>
+            </a:br>
+            <a:r>
+              <a:rPr lang="en-GB" sz="5400" b="1" dirty="0">
+                <a:solidFill>
+                  <a:srgbClr val="92D050"/>
+                </a:solidFill>
+              </a:rPr>
+              <a:t>2.3</a:t>
+            </a:r>
+            <a:endParaRPr lang="en-GB" sz="3200" b="1" dirty="0">
+              <a:solidFill>
+                <a:srgbClr val="92D050"/>
+              </a:solidFill>
+            </a:endParaRPr>
+          </a:p>
+        </p:txBody>
+      </p:sp>
+      <p:sp>
+        <p:nvSpPr>
+          <p:cNvPr id="28" name="TextBox 27">
+            <a:extLst>
+              <a:ext uri="{FF2B5EF4-FFF2-40B4-BE49-F238E27FC236}">
+                <a16:creationId xmlns:a16="http://schemas.microsoft.com/office/drawing/2014/main" id="{95244C52-1C1F-92E4-21A8-A6FF14F44050}"/>
+              </a:ext>
+            </a:extLst>
+          </p:cNvPr>
+          <p:cNvSpPr txBox="1"/>
+          <p:nvPr/>
+        </p:nvSpPr>
+        <p:spPr>
+          <a:xfrm>
+            <a:off x="7653924" y="3792533"/>
+            <a:ext cx="2726936" cy="1415772"/>
+          </a:xfrm>
+          <a:prstGeom prst="rect">
+            <a:avLst/>
+          </a:prstGeom>
+          <a:noFill/>
+        </p:spPr>
+        <p:txBody>
+          <a:bodyPr wrap="square" rtlCol="0">
+            <a:spAutoFit/>
+          </a:bodyPr>
+          <a:lstStyle/>
+          <a:p>
+            <a:pPr algn="ctr"/>
+            <a:r>
+              <a:rPr lang="en-GB" sz="3200" b="1" dirty="0">
+                <a:solidFill>
+                  <a:schemeClr val="tx1">
+                    <a:lumMod val="50000"/>
+                    <a:lumOff val="50000"/>
+                  </a:schemeClr>
+                </a:solidFill>
+              </a:rPr>
+              <a:t>PUSH</a:t>
+            </a:r>
+            <a:br>
+              <a:rPr lang="en-GB" sz="3200" b="1" dirty="0">
+                <a:solidFill>
+                  <a:schemeClr val="tx1">
+                    <a:lumMod val="50000"/>
+                    <a:lumOff val="50000"/>
+                  </a:schemeClr>
+                </a:solidFill>
+              </a:rPr>
+            </a:br>
+            <a:r>
+              <a:rPr lang="en-GB" sz="5400" b="1" dirty="0">
+                <a:solidFill>
+                  <a:srgbClr val="FF0000"/>
+                </a:solidFill>
+              </a:rPr>
+              <a:t>-0.5</a:t>
+            </a:r>
+            <a:endParaRPr lang="en-GB" sz="3200" b="1" dirty="0">
+              <a:solidFill>
+                <a:srgbClr val="FF0000"/>
+              </a:solidFill>
+            </a:endParaRPr>
+          </a:p>
+        </p:txBody>
+      </p:sp>
+      <p:sp>
+        <p:nvSpPr>
+          <p:cNvPr id="31" name="TextBox 30">
+            <a:extLst>
+              <a:ext uri="{FF2B5EF4-FFF2-40B4-BE49-F238E27FC236}">
+                <a16:creationId xmlns:a16="http://schemas.microsoft.com/office/drawing/2014/main" id="{9BABF88D-3711-5CC6-6632-8830099312A9}"/>
+              </a:ext>
+            </a:extLst>
+          </p:cNvPr>
+          <p:cNvSpPr txBox="1"/>
+          <p:nvPr/>
+        </p:nvSpPr>
+        <p:spPr>
+          <a:xfrm>
+            <a:off x="380132" y="-21065"/>
+            <a:ext cx="2174250" cy="369332"/>
+          </a:xfrm>
+          <a:prstGeom prst="rect">
+            <a:avLst/>
+          </a:prstGeom>
+          <a:noFill/>
+        </p:spPr>
+        <p:txBody>
+          <a:bodyPr wrap="none" rtlCol="0">
+            <a:spAutoFit/>
+          </a:bodyPr>
+          <a:lstStyle/>
+          <a:p>
+            <a:r>
+              <a:rPr lang="en-GB" dirty="0"/>
+              <a:t>Initial Pit Road Entry</a:t>
+            </a:r>
+          </a:p>
+        </p:txBody>
+      </p:sp>
+      <p:sp>
+        <p:nvSpPr>
+          <p:cNvPr id="3" name="Rectangle 2">
+            <a:extLst>
+              <a:ext uri="{FF2B5EF4-FFF2-40B4-BE49-F238E27FC236}">
+                <a16:creationId xmlns:a16="http://schemas.microsoft.com/office/drawing/2014/main" id="{355547CF-EC34-7AC5-445B-584D8730F352}"/>
+              </a:ext>
+            </a:extLst>
+          </p:cNvPr>
+          <p:cNvSpPr/>
+          <p:nvPr/>
+        </p:nvSpPr>
+        <p:spPr>
+          <a:xfrm>
+            <a:off x="1863878" y="3743072"/>
+            <a:ext cx="8442014" cy="1557154"/>
+          </a:xfrm>
+          <a:prstGeom prst="rect">
+            <a:avLst/>
+          </a:prstGeom>
+          <a:solidFill>
+            <a:srgbClr val="0012C0"/>
+          </a:solidFill>
+        </p:spPr>
+        <p:style>
+          <a:lnRef idx="2">
+            <a:schemeClr val="accent4">
+              <a:shade val="15000"/>
+            </a:schemeClr>
+          </a:lnRef>
+          <a:fillRef idx="1">
+            <a:schemeClr val="accent4"/>
+          </a:fillRef>
+          <a:effectRef idx="0">
+            <a:schemeClr val="accent4"/>
+          </a:effectRef>
+          <a:fontRef idx="minor">
+            <a:schemeClr val="lt1"/>
+          </a:fontRef>
+        </p:style>
+        <p:txBody>
+          <a:bodyPr rtlCol="0" anchor="ctr"/>
+          <a:lstStyle/>
+          <a:p>
+            <a:pPr algn="ctr"/>
+            <a:r>
+              <a:rPr lang="en-GB" sz="16600" b="1" dirty="0">
+                <a:solidFill>
+                  <a:srgbClr val="92D050"/>
+                </a:solidFill>
+              </a:rPr>
+              <a:t>59</a:t>
+            </a:r>
+          </a:p>
+        </p:txBody>
+      </p:sp>
+      <p:sp>
+        <p:nvSpPr>
+          <p:cNvPr id="6" name="Rectangle 5">
+            <a:extLst>
+              <a:ext uri="{FF2B5EF4-FFF2-40B4-BE49-F238E27FC236}">
+                <a16:creationId xmlns:a16="http://schemas.microsoft.com/office/drawing/2014/main" id="{1B804FEA-1A4A-49A7-B8FD-185E09DFE7AF}"/>
+              </a:ext>
+            </a:extLst>
+          </p:cNvPr>
+          <p:cNvSpPr/>
+          <p:nvPr/>
+        </p:nvSpPr>
+        <p:spPr>
+          <a:xfrm>
+            <a:off x="1873022" y="5416195"/>
+            <a:ext cx="8442014" cy="1357785"/>
+          </a:xfrm>
+          <a:prstGeom prst="rect">
+            <a:avLst/>
+          </a:prstGeom>
+          <a:solidFill>
+            <a:schemeClr val="tx1"/>
+          </a:solidFill>
+        </p:spPr>
+        <p:style>
+          <a:lnRef idx="2">
+            <a:schemeClr val="accent4">
+              <a:shade val="15000"/>
+            </a:schemeClr>
+          </a:lnRef>
+          <a:fillRef idx="1">
+            <a:schemeClr val="accent4"/>
+          </a:fillRef>
+          <a:effectRef idx="0">
+            <a:schemeClr val="accent4"/>
+          </a:effectRef>
+          <a:fontRef idx="minor">
+            <a:schemeClr val="lt1"/>
+          </a:fontRef>
+        </p:style>
+        <p:txBody>
+          <a:bodyPr rtlCol="0" anchor="ctr"/>
+          <a:lstStyle/>
+          <a:p>
+            <a:pPr algn="ctr"/>
+            <a:r>
+              <a:rPr lang="en-GB" sz="9600" b="1" dirty="0">
+                <a:solidFill>
+                  <a:srgbClr val="FFFF00"/>
+                </a:solidFill>
+              </a:rPr>
+              <a:t>MAX </a:t>
+            </a:r>
+            <a:r>
+              <a:rPr lang="en-GB" sz="10000" b="1" dirty="0">
+                <a:solidFill>
+                  <a:srgbClr val="FFFF00"/>
+                </a:solidFill>
+              </a:rPr>
+              <a:t>60</a:t>
+            </a:r>
+          </a:p>
+        </p:txBody>
+      </p:sp>
+      <p:sp>
+        <p:nvSpPr>
+          <p:cNvPr id="7" name="Rectangle 6">
+            <a:extLst>
+              <a:ext uri="{FF2B5EF4-FFF2-40B4-BE49-F238E27FC236}">
+                <a16:creationId xmlns:a16="http://schemas.microsoft.com/office/drawing/2014/main" id="{3C9D85E8-957C-7D27-D1D8-58A83F50E30C}"/>
+              </a:ext>
+            </a:extLst>
+          </p:cNvPr>
+          <p:cNvSpPr/>
+          <p:nvPr/>
+        </p:nvSpPr>
+        <p:spPr>
+          <a:xfrm>
+            <a:off x="1877003" y="415259"/>
+            <a:ext cx="8428693" cy="1348618"/>
+          </a:xfrm>
+          <a:prstGeom prst="rect">
+            <a:avLst/>
+          </a:prstGeom>
+          <a:solidFill>
+            <a:srgbClr val="0012C0"/>
+          </a:solidFill>
+        </p:spPr>
+        <p:style>
+          <a:lnRef idx="2">
+            <a:schemeClr val="accent4">
+              <a:shade val="15000"/>
+            </a:schemeClr>
+          </a:lnRef>
+          <a:fillRef idx="1">
+            <a:schemeClr val="accent4"/>
+          </a:fillRef>
+          <a:effectRef idx="0">
+            <a:schemeClr val="accent4"/>
+          </a:effectRef>
+          <a:fontRef idx="minor">
+            <a:schemeClr val="lt1"/>
+          </a:fontRef>
+        </p:style>
+        <p:txBody>
+          <a:bodyPr rtlCol="0" anchor="ctr"/>
+          <a:lstStyle/>
+          <a:p>
+            <a:pPr algn="ctr"/>
+            <a:r>
+              <a:rPr lang="en-GB" sz="9600" b="1" dirty="0"/>
+              <a:t>LIMITER ON</a:t>
+            </a:r>
+          </a:p>
+        </p:txBody>
+      </p:sp>
+      <p:sp>
+        <p:nvSpPr>
+          <p:cNvPr id="8" name="Rectangle 7">
+            <a:extLst>
+              <a:ext uri="{FF2B5EF4-FFF2-40B4-BE49-F238E27FC236}">
+                <a16:creationId xmlns:a16="http://schemas.microsoft.com/office/drawing/2014/main" id="{BC895D12-E587-80F0-3B19-DF10F742EC2D}"/>
+              </a:ext>
+            </a:extLst>
+          </p:cNvPr>
+          <p:cNvSpPr/>
+          <p:nvPr/>
+        </p:nvSpPr>
+        <p:spPr>
+          <a:xfrm>
+            <a:off x="426464" y="5380881"/>
+            <a:ext cx="1297561" cy="1412286"/>
+          </a:xfrm>
+          <a:prstGeom prst="rect">
+            <a:avLst/>
+          </a:prstGeom>
+          <a:solidFill>
+            <a:srgbClr val="0012C0"/>
+          </a:solidFill>
+        </p:spPr>
+        <p:style>
+          <a:lnRef idx="2">
+            <a:schemeClr val="accent4">
+              <a:shade val="15000"/>
+            </a:schemeClr>
+          </a:lnRef>
+          <a:fillRef idx="1">
+            <a:schemeClr val="accent4"/>
+          </a:fillRef>
+          <a:effectRef idx="0">
+            <a:schemeClr val="accent4"/>
+          </a:effectRef>
+          <a:fontRef idx="minor">
+            <a:schemeClr val="lt1"/>
+          </a:fontRef>
+        </p:style>
+        <p:txBody>
+          <a:bodyPr rtlCol="0" anchor="ctr"/>
+          <a:lstStyle/>
+          <a:p>
+            <a:pPr algn="ctr"/>
+            <a:r>
+              <a:rPr lang="en-GB" sz="5400" b="1" dirty="0">
+                <a:solidFill>
+                  <a:srgbClr val="92D050"/>
+                </a:solidFill>
+              </a:rPr>
+              <a:t>60</a:t>
+            </a:r>
+          </a:p>
+        </p:txBody>
+      </p:sp>
+      <p:sp>
+        <p:nvSpPr>
+          <p:cNvPr id="9" name="Arrow: Right 8">
+            <a:extLst>
+              <a:ext uri="{FF2B5EF4-FFF2-40B4-BE49-F238E27FC236}">
+                <a16:creationId xmlns:a16="http://schemas.microsoft.com/office/drawing/2014/main" id="{835771F9-2EED-9CF2-AD5D-48D19F3F4EF9}"/>
+              </a:ext>
+            </a:extLst>
+          </p:cNvPr>
+          <p:cNvSpPr/>
+          <p:nvPr/>
+        </p:nvSpPr>
+        <p:spPr>
+          <a:xfrm>
+            <a:off x="497722" y="5038725"/>
+            <a:ext cx="1215911" cy="647699"/>
+          </a:xfrm>
+          <a:prstGeom prst="rightArrow">
+            <a:avLst/>
+          </a:prstGeom>
+          <a:solidFill>
+            <a:srgbClr val="FFFF00"/>
+          </a:solidFill>
+        </p:spPr>
+        <p:style>
+          <a:lnRef idx="2">
+            <a:schemeClr val="accent1">
+              <a:shade val="15000"/>
+            </a:schemeClr>
+          </a:lnRef>
+          <a:fillRef idx="1">
+            <a:schemeClr val="accent1"/>
+          </a:fillRef>
+          <a:effectRef idx="0">
+            <a:schemeClr val="accent1"/>
+          </a:effectRef>
+          <a:fontRef idx="minor">
+            <a:schemeClr val="lt1"/>
+          </a:fontRef>
+        </p:style>
+        <p:txBody>
+          <a:bodyPr rtlCol="0" anchor="ctr"/>
+          <a:lstStyle/>
+          <a:p>
+            <a:pPr algn="ctr"/>
+            <a:endParaRPr lang="en-GB"/>
+          </a:p>
+        </p:txBody>
+      </p:sp>
+      <p:sp>
+        <p:nvSpPr>
+          <p:cNvPr id="11" name="Rectangle 10">
+            <a:extLst>
+              <a:ext uri="{FF2B5EF4-FFF2-40B4-BE49-F238E27FC236}">
+                <a16:creationId xmlns:a16="http://schemas.microsoft.com/office/drawing/2014/main" id="{EA64E2C3-227C-1F0B-4E94-FC162374E8C9}"/>
+              </a:ext>
+            </a:extLst>
+          </p:cNvPr>
+          <p:cNvSpPr/>
+          <p:nvPr/>
+        </p:nvSpPr>
+        <p:spPr>
+          <a:xfrm>
+            <a:off x="371495" y="347263"/>
+            <a:ext cx="11438644" cy="6487763"/>
+          </a:xfrm>
+          <a:prstGeom prst="rect">
+            <a:avLst/>
+          </a:prstGeom>
+          <a:noFill/>
+          <a:ln w="76200">
+            <a:solidFill>
+              <a:srgbClr val="CC00C2"/>
+            </a:solidFill>
+          </a:ln>
+        </p:spPr>
+        <p:style>
+          <a:lnRef idx="2">
+            <a:schemeClr val="accent1">
+              <a:shade val="15000"/>
+            </a:schemeClr>
+          </a:lnRef>
+          <a:fillRef idx="1">
+            <a:schemeClr val="accent1"/>
+          </a:fillRef>
+          <a:effectRef idx="0">
+            <a:schemeClr val="accent1"/>
+          </a:effectRef>
+          <a:fontRef idx="minor">
+            <a:schemeClr val="lt1"/>
+          </a:fontRef>
+        </p:style>
+        <p:txBody>
+          <a:bodyPr rtlCol="0" anchor="ctr"/>
+          <a:lstStyle/>
+          <a:p>
+            <a:pPr algn="ctr"/>
+            <a:endParaRPr lang="en-GB"/>
+          </a:p>
+        </p:txBody>
+      </p:sp>
     </p:spTree>
     <p:extLst>
       <p:ext uri="{BB962C8B-B14F-4D97-AF65-F5344CB8AC3E}">
-        <p14:creationId xmlns:p14="http://schemas.microsoft.com/office/powerpoint/2010/main" val="464445035"/>
+        <p14:creationId xmlns:p14="http://schemas.microsoft.com/office/powerpoint/2010/main" val="2571755064"/>
       </p:ext>
     </p:extLst>
   </p:cSld>
   <p:clrMapOvr>
     <a:masterClrMapping/>
   </p:clrMapOvr>
+  <p:extLst>
+    <p:ext uri="{6950BFC3-D8DA-4A85-94F7-54DA5524770B}">
+      <p188:commentRel xmlns:p188="http://schemas.microsoft.com/office/powerpoint/2018/8/main" r:id="rId3"/>
+    </p:ext>
+  </p:extLst>
 </p:sld>
 </file>
 
@@ -7068,4 +15003,319 @@
     </a:ext>
   </a:extLst>
 </a:theme>
+</file>
+
+<file path=ppt/theme/theme2.xml><?xml version="1.0" encoding="utf-8"?>
+<a:theme xmlns:a="http://schemas.openxmlformats.org/drawingml/2006/main" name="Office Theme">
+  <a:themeElements>
+    <a:clrScheme name="Office">
+      <a:dk1>
+        <a:sysClr val="windowText" lastClr="000000"/>
+      </a:dk1>
+      <a:lt1>
+        <a:sysClr val="window" lastClr="FFFFFF"/>
+      </a:lt1>
+      <a:dk2>
+        <a:srgbClr val="0E2841"/>
+      </a:dk2>
+      <a:lt2>
+        <a:srgbClr val="E8E8E8"/>
+      </a:lt2>
+      <a:accent1>
+        <a:srgbClr val="156082"/>
+      </a:accent1>
+      <a:accent2>
+        <a:srgbClr val="E97132"/>
+      </a:accent2>
+      <a:accent3>
+        <a:srgbClr val="196B24"/>
+      </a:accent3>
+      <a:accent4>
+        <a:srgbClr val="0F9ED5"/>
+      </a:accent4>
+      <a:accent5>
+        <a:srgbClr val="A02B93"/>
+      </a:accent5>
+      <a:accent6>
+        <a:srgbClr val="4EA72E"/>
+      </a:accent6>
+      <a:hlink>
+        <a:srgbClr val="467886"/>
+      </a:hlink>
+      <a:folHlink>
+        <a:srgbClr val="96607D"/>
+      </a:folHlink>
+    </a:clrScheme>
+    <a:fontScheme name="Office">
+      <a:majorFont>
+        <a:latin typeface="Aptos Display" panose="02110004020202020204"/>
+        <a:ea typeface=""/>
+        <a:cs typeface=""/>
+        <a:font script="Jpan" typeface="游ゴシック Light"/>
+        <a:font script="Hang" typeface="맑은 고딕"/>
+        <a:font script="Hans" typeface="等线 Light"/>
+        <a:font script="Hant" typeface="新細明體"/>
+        <a:font script="Arab" typeface="Times New Roman"/>
+        <a:font script="Hebr" typeface="Times New Roman"/>
+        <a:font script="Thai" typeface="Angsana New"/>
+        <a:font script="Ethi" typeface="Nyala"/>
+        <a:font script="Beng" typeface="Vrinda"/>
+        <a:font script="Gujr" typeface="Shruti"/>
+        <a:font script="Khmr" typeface="MoolBoran"/>
+        <a:font script="Knda" typeface="Tunga"/>
+        <a:font script="Guru" typeface="Raavi"/>
+        <a:font script="Cans" typeface="Euphemia"/>
+        <a:font script="Cher" typeface="Plantagenet Cherokee"/>
+        <a:font script="Yiii" typeface="Microsoft Yi Baiti"/>
+        <a:font script="Tibt" typeface="Microsoft Himalaya"/>
+        <a:font script="Thaa" typeface="MV Boli"/>
+        <a:font script="Deva" typeface="Mangal"/>
+        <a:font script="Telu" typeface="Gautami"/>
+        <a:font script="Taml" typeface="Latha"/>
+        <a:font script="Syrc" typeface="Estrangelo Edessa"/>
+        <a:font script="Orya" typeface="Kalinga"/>
+        <a:font script="Mlym" typeface="Kartika"/>
+        <a:font script="Laoo" typeface="DokChampa"/>
+        <a:font script="Sinh" typeface="Iskoola Pota"/>
+        <a:font script="Mong" typeface="Mongolian Baiti"/>
+        <a:font script="Viet" typeface="Times New Roman"/>
+        <a:font script="Uigh" typeface="Microsoft Uighur"/>
+        <a:font script="Geor" typeface="Sylfaen"/>
+        <a:font script="Armn" typeface="Arial"/>
+        <a:font script="Bugi" typeface="Leelawadee UI"/>
+        <a:font script="Bopo" typeface="Microsoft JhengHei"/>
+        <a:font script="Java" typeface="Javanese Text"/>
+        <a:font script="Lisu" typeface="Segoe UI"/>
+        <a:font script="Mymr" typeface="Myanmar Text"/>
+        <a:font script="Nkoo" typeface="Ebrima"/>
+        <a:font script="Olck" typeface="Nirmala UI"/>
+        <a:font script="Osma" typeface="Ebrima"/>
+        <a:font script="Phag" typeface="Phagspa"/>
+        <a:font script="Syrn" typeface="Estrangelo Edessa"/>
+        <a:font script="Syrj" typeface="Estrangelo Edessa"/>
+        <a:font script="Syre" typeface="Estrangelo Edessa"/>
+        <a:font script="Sora" typeface="Nirmala UI"/>
+        <a:font script="Tale" typeface="Microsoft Tai Le"/>
+        <a:font script="Talu" typeface="Microsoft New Tai Lue"/>
+        <a:font script="Tfng" typeface="Ebrima"/>
+      </a:majorFont>
+      <a:minorFont>
+        <a:latin typeface="Aptos" panose="02110004020202020204"/>
+        <a:ea typeface=""/>
+        <a:cs typeface=""/>
+        <a:font script="Jpan" typeface="游ゴシック"/>
+        <a:font script="Hang" typeface="맑은 고딕"/>
+        <a:font script="Hans" typeface="等线"/>
+        <a:font script="Hant" typeface="新細明體"/>
+        <a:font script="Arab" typeface="Arial"/>
+        <a:font script="Hebr" typeface="Arial"/>
+        <a:font script="Thai" typeface="Cordia New"/>
+        <a:font script="Ethi" typeface="Nyala"/>
+        <a:font script="Beng" typeface="Vrinda"/>
+        <a:font script="Gujr" typeface="Shruti"/>
+        <a:font script="Khmr" typeface="DaunPenh"/>
+        <a:font script="Knda" typeface="Tunga"/>
+        <a:font script="Guru" typeface="Raavi"/>
+        <a:font script="Cans" typeface="Euphemia"/>
+        <a:font script="Cher" typeface="Plantagenet Cherokee"/>
+        <a:font script="Yiii" typeface="Microsoft Yi Baiti"/>
+        <a:font script="Tibt" typeface="Microsoft Himalaya"/>
+        <a:font script="Thaa" typeface="MV Boli"/>
+        <a:font script="Deva" typeface="Mangal"/>
+        <a:font script="Telu" typeface="Gautami"/>
+        <a:font script="Taml" typeface="Latha"/>
+        <a:font script="Syrc" typeface="Estrangelo Edessa"/>
+        <a:font script="Orya" typeface="Kalinga"/>
+        <a:font script="Mlym" typeface="Kartika"/>
+        <a:font script="Laoo" typeface="DokChampa"/>
+        <a:font script="Sinh" typeface="Iskoola Pota"/>
+        <a:font script="Mong" typeface="Mongolian Baiti"/>
+        <a:font script="Viet" typeface="Arial"/>
+        <a:font script="Uigh" typeface="Microsoft Uighur"/>
+        <a:font script="Geor" typeface="Sylfaen"/>
+        <a:font script="Armn" typeface="Arial"/>
+        <a:font script="Bugi" typeface="Leelawadee UI"/>
+        <a:font script="Bopo" typeface="Microsoft JhengHei"/>
+        <a:font script="Java" typeface="Javanese Text"/>
+        <a:font script="Lisu" typeface="Segoe UI"/>
+        <a:font script="Mymr" typeface="Myanmar Text"/>
+        <a:font script="Nkoo" typeface="Ebrima"/>
+        <a:font script="Olck" typeface="Nirmala UI"/>
+        <a:font script="Osma" typeface="Ebrima"/>
+        <a:font script="Phag" typeface="Phagspa"/>
+        <a:font script="Syrn" typeface="Estrangelo Edessa"/>
+        <a:font script="Syrj" typeface="Estrangelo Edessa"/>
+        <a:font script="Syre" typeface="Estrangelo Edessa"/>
+        <a:font script="Sora" typeface="Nirmala UI"/>
+        <a:font script="Tale" typeface="Microsoft Tai Le"/>
+        <a:font script="Talu" typeface="Microsoft New Tai Lue"/>
+        <a:font script="Tfng" typeface="Ebrima"/>
+      </a:minorFont>
+    </a:fontScheme>
+    <a:fmtScheme name="Office">
+      <a:fillStyleLst>
+        <a:solidFill>
+          <a:schemeClr val="phClr"/>
+        </a:solidFill>
+        <a:gradFill rotWithShape="1">
+          <a:gsLst>
+            <a:gs pos="0">
+              <a:schemeClr val="phClr">
+                <a:lumMod val="110000"/>
+                <a:satMod val="105000"/>
+                <a:tint val="67000"/>
+              </a:schemeClr>
+            </a:gs>
+            <a:gs pos="50000">
+              <a:schemeClr val="phClr">
+                <a:lumMod val="105000"/>
+                <a:satMod val="103000"/>
+                <a:tint val="73000"/>
+              </a:schemeClr>
+            </a:gs>
+            <a:gs pos="100000">
+              <a:schemeClr val="phClr">
+                <a:lumMod val="105000"/>
+                <a:satMod val="109000"/>
+                <a:tint val="81000"/>
+              </a:schemeClr>
+            </a:gs>
+          </a:gsLst>
+          <a:lin ang="5400000" scaled="0"/>
+        </a:gradFill>
+        <a:gradFill rotWithShape="1">
+          <a:gsLst>
+            <a:gs pos="0">
+              <a:schemeClr val="phClr">
+                <a:satMod val="103000"/>
+                <a:lumMod val="102000"/>
+                <a:tint val="94000"/>
+              </a:schemeClr>
+            </a:gs>
+            <a:gs pos="50000">
+              <a:schemeClr val="phClr">
+                <a:satMod val="110000"/>
+                <a:lumMod val="100000"/>
+                <a:shade val="100000"/>
+              </a:schemeClr>
+            </a:gs>
+            <a:gs pos="100000">
+              <a:schemeClr val="phClr">
+                <a:lumMod val="99000"/>
+                <a:satMod val="120000"/>
+                <a:shade val="78000"/>
+              </a:schemeClr>
+            </a:gs>
+          </a:gsLst>
+          <a:lin ang="5400000" scaled="0"/>
+        </a:gradFill>
+      </a:fillStyleLst>
+      <a:lnStyleLst>
+        <a:ln w="12700" cap="flat" cmpd="sng" algn="ctr">
+          <a:solidFill>
+            <a:schemeClr val="phClr"/>
+          </a:solidFill>
+          <a:prstDash val="solid"/>
+          <a:miter lim="800000"/>
+        </a:ln>
+        <a:ln w="19050" cap="flat" cmpd="sng" algn="ctr">
+          <a:solidFill>
+            <a:schemeClr val="phClr"/>
+          </a:solidFill>
+          <a:prstDash val="solid"/>
+          <a:miter lim="800000"/>
+        </a:ln>
+        <a:ln w="25400" cap="flat" cmpd="sng" algn="ctr">
+          <a:solidFill>
+            <a:schemeClr val="phClr"/>
+          </a:solidFill>
+          <a:prstDash val="solid"/>
+          <a:miter lim="800000"/>
+        </a:ln>
+      </a:lnStyleLst>
+      <a:effectStyleLst>
+        <a:effectStyle>
+          <a:effectLst/>
+        </a:effectStyle>
+        <a:effectStyle>
+          <a:effectLst/>
+        </a:effectStyle>
+        <a:effectStyle>
+          <a:effectLst>
+            <a:outerShdw blurRad="57150" dist="19050" dir="5400000" algn="ctr" rotWithShape="0">
+              <a:srgbClr val="000000">
+                <a:alpha val="63000"/>
+              </a:srgbClr>
+            </a:outerShdw>
+          </a:effectLst>
+        </a:effectStyle>
+      </a:effectStyleLst>
+      <a:bgFillStyleLst>
+        <a:solidFill>
+          <a:schemeClr val="phClr"/>
+        </a:solidFill>
+        <a:solidFill>
+          <a:schemeClr val="phClr">
+            <a:tint val="95000"/>
+            <a:satMod val="170000"/>
+          </a:schemeClr>
+        </a:solidFill>
+        <a:gradFill rotWithShape="1">
+          <a:gsLst>
+            <a:gs pos="0">
+              <a:schemeClr val="phClr">
+                <a:tint val="93000"/>
+                <a:satMod val="150000"/>
+                <a:shade val="98000"/>
+                <a:lumMod val="102000"/>
+              </a:schemeClr>
+            </a:gs>
+            <a:gs pos="50000">
+              <a:schemeClr val="phClr">
+                <a:tint val="98000"/>
+                <a:satMod val="130000"/>
+                <a:shade val="90000"/>
+                <a:lumMod val="103000"/>
+              </a:schemeClr>
+            </a:gs>
+            <a:gs pos="100000">
+              <a:schemeClr val="phClr">
+                <a:shade val="63000"/>
+                <a:satMod val="120000"/>
+              </a:schemeClr>
+            </a:gs>
+          </a:gsLst>
+          <a:lin ang="5400000" scaled="0"/>
+        </a:gradFill>
+      </a:bgFillStyleLst>
+    </a:fmtScheme>
+  </a:themeElements>
+  <a:objectDefaults>
+    <a:lnDef>
+      <a:spPr/>
+      <a:bodyPr/>
+      <a:lstStyle/>
+      <a:style>
+        <a:lnRef idx="2">
+          <a:schemeClr val="accent1"/>
+        </a:lnRef>
+        <a:fillRef idx="0">
+          <a:schemeClr val="accent1"/>
+        </a:fillRef>
+        <a:effectRef idx="1">
+          <a:schemeClr val="accent1"/>
+        </a:effectRef>
+        <a:fontRef idx="minor">
+          <a:schemeClr val="tx1"/>
+        </a:fontRef>
+      </a:style>
+    </a:lnDef>
+  </a:objectDefaults>
+  <a:extraClrSchemeLst/>
+  <a:extLst>
+    <a:ext uri="{05A4C25C-085E-4340-85A3-A5531E510DB2}">
+      <thm15:themeFamily xmlns:thm15="http://schemas.microsoft.com/office/thememl/2012/main" name="Office Theme" id="{2E142A2C-CD16-42D6-873A-C26D2A0506FA}" vid="{1BDDFF52-6CD6-40A5-AB3C-68EB2F1E4D0A}"/>
+    </a:ext>
+  </a:extLst>
+</a:theme>
 </file>
--- a/Docs/UI Work.pptx
+++ b/Docs/UI Work.pptx
@@ -5,7 +5,7 @@
     <p:sldMasterId id="2147483648" r:id="rId1"/>
   </p:sldMasterIdLst>
   <p:notesMasterIdLst>
-    <p:notesMasterId r:id="rId18"/>
+    <p:notesMasterId r:id="rId21"/>
   </p:notesMasterIdLst>
   <p:sldIdLst>
     <p:sldId id="281" r:id="rId2"/>
@@ -13,17 +13,20 @@
     <p:sldId id="257" r:id="rId4"/>
     <p:sldId id="278" r:id="rId5"/>
     <p:sldId id="279" r:id="rId6"/>
-    <p:sldId id="280" r:id="rId7"/>
-    <p:sldId id="286" r:id="rId8"/>
+    <p:sldId id="286" r:id="rId7"/>
+    <p:sldId id="292" r:id="rId8"/>
     <p:sldId id="287" r:id="rId9"/>
     <p:sldId id="289" r:id="rId10"/>
     <p:sldId id="282" r:id="rId11"/>
     <p:sldId id="290" r:id="rId12"/>
-    <p:sldId id="288" r:id="rId13"/>
-    <p:sldId id="291" r:id="rId14"/>
-    <p:sldId id="283" r:id="rId15"/>
-    <p:sldId id="284" r:id="rId16"/>
-    <p:sldId id="285" r:id="rId17"/>
+    <p:sldId id="296" r:id="rId13"/>
+    <p:sldId id="288" r:id="rId14"/>
+    <p:sldId id="291" r:id="rId15"/>
+    <p:sldId id="293" r:id="rId16"/>
+    <p:sldId id="283" r:id="rId17"/>
+    <p:sldId id="280" r:id="rId18"/>
+    <p:sldId id="295" r:id="rId19"/>
+    <p:sldId id="294" r:id="rId20"/>
   </p:sldIdLst>
   <p:sldSz cx="12192000" cy="6858000"/>
   <p:notesSz cx="6858000" cy="9144000"/>
@@ -531,6 +534,101 @@
 </pc:chgInfo>
 </file>
 
+<file path=ppt/comments/modernComment_118_40D7B7E1.xml><?xml version="1.0" encoding="utf-8"?>
+<p188:cmLst xmlns:a="http://schemas.openxmlformats.org/drawingml/2006/main" xmlns:r="http://schemas.openxmlformats.org/officeDocument/2006/relationships" xmlns:p188="http://schemas.microsoft.com/office/powerpoint/2018/8/main">
+  <p188:cm id="{7A07C882-BC71-4D37-A74C-CCFA743FE4C0}" authorId="{0395208A-B1A0-5A35-9D84-456F68CCFAA9}" created="2025-12-09T08:23:56.577">
+    <ac:deMkLst xmlns:ac="http://schemas.microsoft.com/office/drawing/2013/main/command">
+      <pc:docMk xmlns:pc="http://schemas.microsoft.com/office/powerpoint/2013/main/command"/>
+      <pc:sldMk xmlns:pc="http://schemas.microsoft.com/office/powerpoint/2013/main/command" cId="1087879137" sldId="280"/>
+      <ac:spMk id="2" creationId="{081E0150-293F-06BA-C24A-2849C0831AC6}"/>
+    </ac:deMkLst>
+    <p188:txBody>
+      <a:bodyPr/>
+      <a:lstStyle/>
+      <a:p>
+        <a:r>
+          <a:rPr lang="en-GB"/>
+          <a:t>Secret Button Toggle Zero/Max</a:t>
+        </a:r>
+      </a:p>
+    </p188:txBody>
+  </p188:cm>
+  <p188:cm id="{766FB138-2174-483C-ACC4-E5A5ADB70325}" authorId="{0395208A-B1A0-5A35-9D84-456F68CCFAA9}" created="2025-12-09T08:24:17.782">
+    <ac:deMkLst xmlns:ac="http://schemas.microsoft.com/office/drawing/2013/main/command">
+      <pc:docMk xmlns:pc="http://schemas.microsoft.com/office/powerpoint/2013/main/command"/>
+      <pc:sldMk xmlns:pc="http://schemas.microsoft.com/office/powerpoint/2013/main/command" cId="1087879137" sldId="280"/>
+      <ac:spMk id="9" creationId="{71154A21-262B-6BCB-830F-EB4433006A56}"/>
+    </ac:deMkLst>
+    <p188:txBody>
+      <a:bodyPr/>
+      <a:lstStyle/>
+      <a:p>
+        <a:r>
+          <a:rPr lang="en-GB"/>
+          <a:t>Secret Button Toggle DRY / WET</a:t>
+        </a:r>
+      </a:p>
+    </p188:txBody>
+  </p188:cm>
+</p188:cmLst>
+</file>
+
+<file path=ppt/comments/modernComment_11A_A2FC8DCA.xml><?xml version="1.0" encoding="utf-8"?>
+<p188:cmLst xmlns:a="http://schemas.openxmlformats.org/drawingml/2006/main" xmlns:r="http://schemas.openxmlformats.org/officeDocument/2006/relationships" xmlns:p188="http://schemas.microsoft.com/office/powerpoint/2018/8/main">
+  <p188:cm id="{FE0633FD-C6BC-4BF4-98D3-87B511008858}" authorId="{0395208A-B1A0-5A35-9D84-456F68CCFAA9}" created="2025-12-09T08:19:47.639">
+    <ac:deMkLst xmlns:ac="http://schemas.microsoft.com/office/drawing/2013/main/command">
+      <pc:docMk xmlns:pc="http://schemas.microsoft.com/office/powerpoint/2013/main/command"/>
+      <pc:sldMk xmlns:pc="http://schemas.microsoft.com/office/powerpoint/2013/main/command" cId="2734460362" sldId="282"/>
+      <ac:spMk id="34" creationId="{773361C3-5C89-467E-C282-2B89CA9ECAFC}"/>
+    </ac:deMkLst>
+    <p188:txBody>
+      <a:bodyPr/>
+      <a:lstStyle/>
+      <a:p>
+        <a:r>
+          <a:rPr lang="en-GB"/>
+          <a:t>Secret Button for Tyre Change All</a:t>
+        </a:r>
+      </a:p>
+    </p188:txBody>
+  </p188:cm>
+  <p188:cm id="{195A040D-16B6-4C3C-8A30-53CBB230F374}" authorId="{0395208A-B1A0-5A35-9D84-456F68CCFAA9}" created="2025-12-09T08:20:07.842">
+    <ac:deMkLst xmlns:ac="http://schemas.microsoft.com/office/drawing/2013/main/command">
+      <pc:docMk xmlns:pc="http://schemas.microsoft.com/office/powerpoint/2013/main/command"/>
+      <pc:sldMk xmlns:pc="http://schemas.microsoft.com/office/powerpoint/2013/main/command" cId="2734460362" sldId="282"/>
+      <ac:spMk id="23" creationId="{9DCB6810-1869-848A-E786-06CE3AFB0434}"/>
+    </ac:deMkLst>
+    <p188:txBody>
+      <a:bodyPr/>
+      <a:lstStyle/>
+      <a:p>
+        <a:r>
+          <a:rPr lang="en-GB"/>
+          <a:t>Secret Button for Clear All</a:t>
+        </a:r>
+      </a:p>
+    </p188:txBody>
+  </p188:cm>
+  <p188:cm id="{FC37DD2F-DC5C-4A17-B8E2-8A12A073C8CC}" authorId="{0395208A-B1A0-5A35-9D84-456F68CCFAA9}" created="2025-12-09T08:20:44.794">
+    <ac:deMkLst xmlns:ac="http://schemas.microsoft.com/office/drawing/2013/main/command">
+      <pc:docMk xmlns:pc="http://schemas.microsoft.com/office/powerpoint/2013/main/command"/>
+      <pc:sldMk xmlns:pc="http://schemas.microsoft.com/office/powerpoint/2013/main/command" cId="2734460362" sldId="282"/>
+      <ac:spMk id="35" creationId="{94E64CC8-10C8-B913-3378-70CE9C43F165}"/>
+    </ac:deMkLst>
+    <p188:txBody>
+      <a:bodyPr/>
+      <a:lstStyle/>
+      <a:p>
+        <a:r>
+          <a:rPr lang="en-GB"/>
+          <a:t>Secret Button for Repair Toggle</a:t>
+        </a:r>
+      </a:p>
+    </p188:txBody>
+  </p188:cm>
+</p188:cmLst>
+</file>
+
 <file path=ppt/comments/modernComment_11F_3D215D5D.xml><?xml version="1.0" encoding="utf-8"?>
 <p188:cmLst xmlns:a="http://schemas.openxmlformats.org/drawingml/2006/main" xmlns:r="http://schemas.openxmlformats.org/officeDocument/2006/relationships" xmlns:p188="http://schemas.microsoft.com/office/powerpoint/2018/8/main">
   <p188:cm id="{14ED20C0-A07A-43B5-81EF-6C210FCDDD0D}" authorId="{0395208A-B1A0-5A35-9D84-456F68CCFAA9}" created="2025-12-08T19:29:37.262">
@@ -657,7 +755,7 @@
           <a:p>
             <a:fld id="{78E80721-A07A-4587-8DF4-4BBC5E50CA9B}" type="datetimeFigureOut">
               <a:rPr lang="en-GB" smtClean="0"/>
-              <a:t>08/12/2025</a:t>
+              <a:t>09/12/2025</a:t>
             </a:fld>
             <a:endParaRPr lang="en-GB"/>
           </a:p>
@@ -930,90 +1028,6 @@
   <p:cSld>
     <p:spTree>
       <p:nvGrpSpPr>
-        <p:cNvPr id="1" name=""/>
-        <p:cNvGrpSpPr/>
-        <p:nvPr/>
-      </p:nvGrpSpPr>
-      <p:grpSpPr>
-        <a:xfrm>
-          <a:off x="0" y="0"/>
-          <a:ext cx="0" cy="0"/>
-          <a:chOff x="0" y="0"/>
-          <a:chExt cx="0" cy="0"/>
-        </a:xfrm>
-      </p:grpSpPr>
-      <p:sp>
-        <p:nvSpPr>
-          <p:cNvPr id="2" name="Slide Image Placeholder 1"/>
-          <p:cNvSpPr>
-            <a:spLocks noGrp="1" noRot="1" noChangeAspect="1"/>
-          </p:cNvSpPr>
-          <p:nvPr>
-            <p:ph type="sldImg"/>
-          </p:nvPr>
-        </p:nvSpPr>
-        <p:spPr/>
-      </p:sp>
-      <p:sp>
-        <p:nvSpPr>
-          <p:cNvPr id="3" name="Notes Placeholder 2"/>
-          <p:cNvSpPr>
-            <a:spLocks noGrp="1"/>
-          </p:cNvSpPr>
-          <p:nvPr>
-            <p:ph type="body" idx="1"/>
-          </p:nvPr>
-        </p:nvSpPr>
-        <p:spPr/>
-        <p:txBody>
-          <a:bodyPr/>
-          <a:lstStyle/>
-          <a:p>
-            <a:endParaRPr lang="en-GB" dirty="0"/>
-          </a:p>
-        </p:txBody>
-      </p:sp>
-      <p:sp>
-        <p:nvSpPr>
-          <p:cNvPr id="4" name="Slide Number Placeholder 3"/>
-          <p:cNvSpPr>
-            <a:spLocks noGrp="1"/>
-          </p:cNvSpPr>
-          <p:nvPr>
-            <p:ph type="sldNum" sz="quarter" idx="5"/>
-          </p:nvPr>
-        </p:nvSpPr>
-        <p:spPr/>
-        <p:txBody>
-          <a:bodyPr/>
-          <a:lstStyle/>
-          <a:p>
-            <a:fld id="{D6FC418B-77CF-418B-AFB9-B3D97E26A6B8}" type="slidenum">
-              <a:rPr lang="en-GB" smtClean="0"/>
-              <a:t>6</a:t>
-            </a:fld>
-            <a:endParaRPr lang="en-GB"/>
-          </a:p>
-        </p:txBody>
-      </p:sp>
-    </p:spTree>
-    <p:extLst>
-      <p:ext uri="{BB962C8B-B14F-4D97-AF65-F5344CB8AC3E}">
-        <p14:creationId xmlns:p14="http://schemas.microsoft.com/office/powerpoint/2010/main" val="3306132817"/>
-      </p:ext>
-    </p:extLst>
-  </p:cSld>
-  <p:clrMapOvr>
-    <a:masterClrMapping/>
-  </p:clrMapOvr>
-</p:notes>
-</file>
-
-<file path=ppt/notesSlides/notesSlide2.xml><?xml version="1.0" encoding="utf-8"?>
-<p:notes xmlns:a="http://schemas.openxmlformats.org/drawingml/2006/main" xmlns:r="http://schemas.openxmlformats.org/officeDocument/2006/relationships" xmlns:p="http://schemas.openxmlformats.org/presentationml/2006/main">
-  <p:cSld>
-    <p:spTree>
-      <p:nvGrpSpPr>
         <p:cNvPr id="1" name="">
           <a:extLst>
             <a:ext uri="{FF2B5EF4-FFF2-40B4-BE49-F238E27FC236}">
@@ -1098,7 +1112,7 @@
           <a:p>
             <a:fld id="{D6FC418B-77CF-418B-AFB9-B3D97E26A6B8}" type="slidenum">
               <a:rPr lang="en-GB" smtClean="0"/>
-              <a:t>7</a:t>
+              <a:t>6</a:t>
             </a:fld>
             <a:endParaRPr lang="en-GB"/>
           </a:p>
@@ -1108,6 +1122,222 @@
     <p:extLst>
       <p:ext uri="{BB962C8B-B14F-4D97-AF65-F5344CB8AC3E}">
         <p14:creationId xmlns:p14="http://schemas.microsoft.com/office/powerpoint/2010/main" val="1314090859"/>
+      </p:ext>
+    </p:extLst>
+  </p:cSld>
+  <p:clrMapOvr>
+    <a:masterClrMapping/>
+  </p:clrMapOvr>
+</p:notes>
+</file>
+
+<file path=ppt/notesSlides/notesSlide10.xml><?xml version="1.0" encoding="utf-8"?>
+<p:notes xmlns:a="http://schemas.openxmlformats.org/drawingml/2006/main" xmlns:r="http://schemas.openxmlformats.org/officeDocument/2006/relationships" xmlns:p="http://schemas.openxmlformats.org/presentationml/2006/main">
+  <p:cSld>
+    <p:spTree>
+      <p:nvGrpSpPr>
+        <p:cNvPr id="1" name="">
+          <a:extLst>
+            <a:ext uri="{FF2B5EF4-FFF2-40B4-BE49-F238E27FC236}">
+              <a16:creationId xmlns:a16="http://schemas.microsoft.com/office/drawing/2014/main" id="{19BF4B9B-8CE7-7190-6BD9-9655AE8C162D}"/>
+            </a:ext>
+          </a:extLst>
+        </p:cNvPr>
+        <p:cNvGrpSpPr/>
+        <p:nvPr/>
+      </p:nvGrpSpPr>
+      <p:grpSpPr>
+        <a:xfrm>
+          <a:off x="0" y="0"/>
+          <a:ext cx="0" cy="0"/>
+          <a:chOff x="0" y="0"/>
+          <a:chExt cx="0" cy="0"/>
+        </a:xfrm>
+      </p:grpSpPr>
+      <p:sp>
+        <p:nvSpPr>
+          <p:cNvPr id="2" name="Slide Image Placeholder 1">
+            <a:extLst>
+              <a:ext uri="{FF2B5EF4-FFF2-40B4-BE49-F238E27FC236}">
+                <a16:creationId xmlns:a16="http://schemas.microsoft.com/office/drawing/2014/main" id="{97D727D2-A41D-DC9F-50E1-9E5360D4A30B}"/>
+              </a:ext>
+            </a:extLst>
+          </p:cNvPr>
+          <p:cNvSpPr>
+            <a:spLocks noGrp="1" noRot="1" noChangeAspect="1"/>
+          </p:cNvSpPr>
+          <p:nvPr>
+            <p:ph type="sldImg"/>
+          </p:nvPr>
+        </p:nvSpPr>
+        <p:spPr/>
+      </p:sp>
+      <p:sp>
+        <p:nvSpPr>
+          <p:cNvPr id="3" name="Notes Placeholder 2">
+            <a:extLst>
+              <a:ext uri="{FF2B5EF4-FFF2-40B4-BE49-F238E27FC236}">
+                <a16:creationId xmlns:a16="http://schemas.microsoft.com/office/drawing/2014/main" id="{DBC78F74-E2A3-AA32-196A-A7E07088743A}"/>
+              </a:ext>
+            </a:extLst>
+          </p:cNvPr>
+          <p:cNvSpPr>
+            <a:spLocks noGrp="1"/>
+          </p:cNvSpPr>
+          <p:nvPr>
+            <p:ph type="body" idx="1"/>
+          </p:nvPr>
+        </p:nvSpPr>
+        <p:spPr/>
+        <p:txBody>
+          <a:bodyPr/>
+          <a:lstStyle/>
+          <a:p>
+            <a:endParaRPr lang="en-GB" dirty="0"/>
+          </a:p>
+        </p:txBody>
+      </p:sp>
+      <p:sp>
+        <p:nvSpPr>
+          <p:cNvPr id="4" name="Slide Number Placeholder 3">
+            <a:extLst>
+              <a:ext uri="{FF2B5EF4-FFF2-40B4-BE49-F238E27FC236}">
+                <a16:creationId xmlns:a16="http://schemas.microsoft.com/office/drawing/2014/main" id="{6CD199F9-7C41-6EBF-7D1D-15B295354BAB}"/>
+              </a:ext>
+            </a:extLst>
+          </p:cNvPr>
+          <p:cNvSpPr>
+            <a:spLocks noGrp="1"/>
+          </p:cNvSpPr>
+          <p:nvPr>
+            <p:ph type="sldNum" sz="quarter" idx="5"/>
+          </p:nvPr>
+        </p:nvSpPr>
+        <p:spPr/>
+        <p:txBody>
+          <a:bodyPr/>
+          <a:lstStyle/>
+          <a:p>
+            <a:fld id="{D6FC418B-77CF-418B-AFB9-B3D97E26A6B8}" type="slidenum">
+              <a:rPr lang="en-GB" smtClean="0"/>
+              <a:t>18</a:t>
+            </a:fld>
+            <a:endParaRPr lang="en-GB"/>
+          </a:p>
+        </p:txBody>
+      </p:sp>
+    </p:spTree>
+    <p:extLst>
+      <p:ext uri="{BB962C8B-B14F-4D97-AF65-F5344CB8AC3E}">
+        <p14:creationId xmlns:p14="http://schemas.microsoft.com/office/powerpoint/2010/main" val="4153783562"/>
+      </p:ext>
+    </p:extLst>
+  </p:cSld>
+  <p:clrMapOvr>
+    <a:masterClrMapping/>
+  </p:clrMapOvr>
+</p:notes>
+</file>
+
+<file path=ppt/notesSlides/notesSlide2.xml><?xml version="1.0" encoding="utf-8"?>
+<p:notes xmlns:a="http://schemas.openxmlformats.org/drawingml/2006/main" xmlns:r="http://schemas.openxmlformats.org/officeDocument/2006/relationships" xmlns:p="http://schemas.openxmlformats.org/presentationml/2006/main">
+  <p:cSld>
+    <p:spTree>
+      <p:nvGrpSpPr>
+        <p:cNvPr id="1" name="">
+          <a:extLst>
+            <a:ext uri="{FF2B5EF4-FFF2-40B4-BE49-F238E27FC236}">
+              <a16:creationId xmlns:a16="http://schemas.microsoft.com/office/drawing/2014/main" id="{EF9C25A0-408F-B4CC-82B1-8198B83B6E89}"/>
+            </a:ext>
+          </a:extLst>
+        </p:cNvPr>
+        <p:cNvGrpSpPr/>
+        <p:nvPr/>
+      </p:nvGrpSpPr>
+      <p:grpSpPr>
+        <a:xfrm>
+          <a:off x="0" y="0"/>
+          <a:ext cx="0" cy="0"/>
+          <a:chOff x="0" y="0"/>
+          <a:chExt cx="0" cy="0"/>
+        </a:xfrm>
+      </p:grpSpPr>
+      <p:sp>
+        <p:nvSpPr>
+          <p:cNvPr id="2" name="Slide Image Placeholder 1">
+            <a:extLst>
+              <a:ext uri="{FF2B5EF4-FFF2-40B4-BE49-F238E27FC236}">
+                <a16:creationId xmlns:a16="http://schemas.microsoft.com/office/drawing/2014/main" id="{015592B5-FB96-DF74-C931-F06A112D5771}"/>
+              </a:ext>
+            </a:extLst>
+          </p:cNvPr>
+          <p:cNvSpPr>
+            <a:spLocks noGrp="1" noRot="1" noChangeAspect="1"/>
+          </p:cNvSpPr>
+          <p:nvPr>
+            <p:ph type="sldImg"/>
+          </p:nvPr>
+        </p:nvSpPr>
+        <p:spPr/>
+      </p:sp>
+      <p:sp>
+        <p:nvSpPr>
+          <p:cNvPr id="3" name="Notes Placeholder 2">
+            <a:extLst>
+              <a:ext uri="{FF2B5EF4-FFF2-40B4-BE49-F238E27FC236}">
+                <a16:creationId xmlns:a16="http://schemas.microsoft.com/office/drawing/2014/main" id="{F06220F2-68BB-2A89-C418-A3A0B330A787}"/>
+              </a:ext>
+            </a:extLst>
+          </p:cNvPr>
+          <p:cNvSpPr>
+            <a:spLocks noGrp="1"/>
+          </p:cNvSpPr>
+          <p:nvPr>
+            <p:ph type="body" idx="1"/>
+          </p:nvPr>
+        </p:nvSpPr>
+        <p:spPr/>
+        <p:txBody>
+          <a:bodyPr/>
+          <a:lstStyle/>
+          <a:p>
+            <a:endParaRPr lang="en-GB" dirty="0"/>
+          </a:p>
+        </p:txBody>
+      </p:sp>
+      <p:sp>
+        <p:nvSpPr>
+          <p:cNvPr id="4" name="Slide Number Placeholder 3">
+            <a:extLst>
+              <a:ext uri="{FF2B5EF4-FFF2-40B4-BE49-F238E27FC236}">
+                <a16:creationId xmlns:a16="http://schemas.microsoft.com/office/drawing/2014/main" id="{A54C0C51-DD59-45AF-C811-B62A9601C149}"/>
+              </a:ext>
+            </a:extLst>
+          </p:cNvPr>
+          <p:cNvSpPr>
+            <a:spLocks noGrp="1"/>
+          </p:cNvSpPr>
+          <p:nvPr>
+            <p:ph type="sldNum" sz="quarter" idx="5"/>
+          </p:nvPr>
+        </p:nvSpPr>
+        <p:spPr/>
+        <p:txBody>
+          <a:bodyPr/>
+          <a:lstStyle/>
+          <a:p>
+            <a:fld id="{D6FC418B-77CF-418B-AFB9-B3D97E26A6B8}" type="slidenum">
+              <a:rPr lang="en-GB" smtClean="0"/>
+              <a:t>7</a:t>
+            </a:fld>
+            <a:endParaRPr lang="en-GB"/>
+          </a:p>
+        </p:txBody>
+      </p:sp>
+    </p:spTree>
+    <p:extLst>
+      <p:ext uri="{BB962C8B-B14F-4D97-AF65-F5344CB8AC3E}">
+        <p14:creationId xmlns:p14="http://schemas.microsoft.com/office/powerpoint/2010/main" val="2992651372"/>
       </p:ext>
     </p:extLst>
   </p:cSld>
@@ -1614,7 +1844,7 @@
           <a:p>
             <a:fld id="{D6FC418B-77CF-418B-AFB9-B3D97E26A6B8}" type="slidenum">
               <a:rPr lang="en-GB" smtClean="0"/>
-              <a:t>12</a:t>
+              <a:t>13</a:t>
             </a:fld>
             <a:endParaRPr lang="en-GB"/>
           </a:p>
@@ -1722,7 +1952,7 @@
           <a:p>
             <a:fld id="{D6FC418B-77CF-418B-AFB9-B3D97E26A6B8}" type="slidenum">
               <a:rPr lang="en-GB" smtClean="0"/>
-              <a:t>13</a:t>
+              <a:t>14</a:t>
             </a:fld>
             <a:endParaRPr lang="en-GB"/>
           </a:p>
@@ -1732,6 +1962,90 @@
     <p:extLst>
       <p:ext uri="{BB962C8B-B14F-4D97-AF65-F5344CB8AC3E}">
         <p14:creationId xmlns:p14="http://schemas.microsoft.com/office/powerpoint/2010/main" val="118117368"/>
+      </p:ext>
+    </p:extLst>
+  </p:cSld>
+  <p:clrMapOvr>
+    <a:masterClrMapping/>
+  </p:clrMapOvr>
+</p:notes>
+</file>
+
+<file path=ppt/notesSlides/notesSlide9.xml><?xml version="1.0" encoding="utf-8"?>
+<p:notes xmlns:a="http://schemas.openxmlformats.org/drawingml/2006/main" xmlns:r="http://schemas.openxmlformats.org/officeDocument/2006/relationships" xmlns:p="http://schemas.openxmlformats.org/presentationml/2006/main">
+  <p:cSld>
+    <p:spTree>
+      <p:nvGrpSpPr>
+        <p:cNvPr id="1" name=""/>
+        <p:cNvGrpSpPr/>
+        <p:nvPr/>
+      </p:nvGrpSpPr>
+      <p:grpSpPr>
+        <a:xfrm>
+          <a:off x="0" y="0"/>
+          <a:ext cx="0" cy="0"/>
+          <a:chOff x="0" y="0"/>
+          <a:chExt cx="0" cy="0"/>
+        </a:xfrm>
+      </p:grpSpPr>
+      <p:sp>
+        <p:nvSpPr>
+          <p:cNvPr id="2" name="Slide Image Placeholder 1"/>
+          <p:cNvSpPr>
+            <a:spLocks noGrp="1" noRot="1" noChangeAspect="1"/>
+          </p:cNvSpPr>
+          <p:nvPr>
+            <p:ph type="sldImg"/>
+          </p:nvPr>
+        </p:nvSpPr>
+        <p:spPr/>
+      </p:sp>
+      <p:sp>
+        <p:nvSpPr>
+          <p:cNvPr id="3" name="Notes Placeholder 2"/>
+          <p:cNvSpPr>
+            <a:spLocks noGrp="1"/>
+          </p:cNvSpPr>
+          <p:nvPr>
+            <p:ph type="body" idx="1"/>
+          </p:nvPr>
+        </p:nvSpPr>
+        <p:spPr/>
+        <p:txBody>
+          <a:bodyPr/>
+          <a:lstStyle/>
+          <a:p>
+            <a:endParaRPr lang="en-GB" dirty="0"/>
+          </a:p>
+        </p:txBody>
+      </p:sp>
+      <p:sp>
+        <p:nvSpPr>
+          <p:cNvPr id="4" name="Slide Number Placeholder 3"/>
+          <p:cNvSpPr>
+            <a:spLocks noGrp="1"/>
+          </p:cNvSpPr>
+          <p:nvPr>
+            <p:ph type="sldNum" sz="quarter" idx="5"/>
+          </p:nvPr>
+        </p:nvSpPr>
+        <p:spPr/>
+        <p:txBody>
+          <a:bodyPr/>
+          <a:lstStyle/>
+          <a:p>
+            <a:fld id="{D6FC418B-77CF-418B-AFB9-B3D97E26A6B8}" type="slidenum">
+              <a:rPr lang="en-GB" smtClean="0"/>
+              <a:t>17</a:t>
+            </a:fld>
+            <a:endParaRPr lang="en-GB"/>
+          </a:p>
+        </p:txBody>
+      </p:sp>
+    </p:spTree>
+    <p:extLst>
+      <p:ext uri="{BB962C8B-B14F-4D97-AF65-F5344CB8AC3E}">
+        <p14:creationId xmlns:p14="http://schemas.microsoft.com/office/powerpoint/2010/main" val="3306132817"/>
       </p:ext>
     </p:extLst>
   </p:cSld>
@@ -1890,7 +2204,7 @@
           <a:p>
             <a:fld id="{55FA135A-769C-438D-9AC0-5CFB87EA78F4}" type="datetimeFigureOut">
               <a:rPr lang="en-GB" smtClean="0"/>
-              <a:t>08/12/2025</a:t>
+              <a:t>09/12/2025</a:t>
             </a:fld>
             <a:endParaRPr lang="en-GB"/>
           </a:p>
@@ -2090,7 +2404,7 @@
           <a:p>
             <a:fld id="{55FA135A-769C-438D-9AC0-5CFB87EA78F4}" type="datetimeFigureOut">
               <a:rPr lang="en-GB" smtClean="0"/>
-              <a:t>08/12/2025</a:t>
+              <a:t>09/12/2025</a:t>
             </a:fld>
             <a:endParaRPr lang="en-GB"/>
           </a:p>
@@ -2300,7 +2614,7 @@
           <a:p>
             <a:fld id="{55FA135A-769C-438D-9AC0-5CFB87EA78F4}" type="datetimeFigureOut">
               <a:rPr lang="en-GB" smtClean="0"/>
-              <a:t>08/12/2025</a:t>
+              <a:t>09/12/2025</a:t>
             </a:fld>
             <a:endParaRPr lang="en-GB"/>
           </a:p>
@@ -2500,7 +2814,7 @@
           <a:p>
             <a:fld id="{55FA135A-769C-438D-9AC0-5CFB87EA78F4}" type="datetimeFigureOut">
               <a:rPr lang="en-GB" smtClean="0"/>
-              <a:t>08/12/2025</a:t>
+              <a:t>09/12/2025</a:t>
             </a:fld>
             <a:endParaRPr lang="en-GB"/>
           </a:p>
@@ -2776,7 +3090,7 @@
           <a:p>
             <a:fld id="{55FA135A-769C-438D-9AC0-5CFB87EA78F4}" type="datetimeFigureOut">
               <a:rPr lang="en-GB" smtClean="0"/>
-              <a:t>08/12/2025</a:t>
+              <a:t>09/12/2025</a:t>
             </a:fld>
             <a:endParaRPr lang="en-GB"/>
           </a:p>
@@ -3044,7 +3358,7 @@
           <a:p>
             <a:fld id="{55FA135A-769C-438D-9AC0-5CFB87EA78F4}" type="datetimeFigureOut">
               <a:rPr lang="en-GB" smtClean="0"/>
-              <a:t>08/12/2025</a:t>
+              <a:t>09/12/2025</a:t>
             </a:fld>
             <a:endParaRPr lang="en-GB"/>
           </a:p>
@@ -3459,7 +3773,7 @@
           <a:p>
             <a:fld id="{55FA135A-769C-438D-9AC0-5CFB87EA78F4}" type="datetimeFigureOut">
               <a:rPr lang="en-GB" smtClean="0"/>
-              <a:t>08/12/2025</a:t>
+              <a:t>09/12/2025</a:t>
             </a:fld>
             <a:endParaRPr lang="en-GB"/>
           </a:p>
@@ -3601,7 +3915,7 @@
           <a:p>
             <a:fld id="{55FA135A-769C-438D-9AC0-5CFB87EA78F4}" type="datetimeFigureOut">
               <a:rPr lang="en-GB" smtClean="0"/>
-              <a:t>08/12/2025</a:t>
+              <a:t>09/12/2025</a:t>
             </a:fld>
             <a:endParaRPr lang="en-GB"/>
           </a:p>
@@ -3714,7 +4028,7 @@
           <a:p>
             <a:fld id="{55FA135A-769C-438D-9AC0-5CFB87EA78F4}" type="datetimeFigureOut">
               <a:rPr lang="en-GB" smtClean="0"/>
-              <a:t>08/12/2025</a:t>
+              <a:t>09/12/2025</a:t>
             </a:fld>
             <a:endParaRPr lang="en-GB"/>
           </a:p>
@@ -4027,7 +4341,7 @@
           <a:p>
             <a:fld id="{55FA135A-769C-438D-9AC0-5CFB87EA78F4}" type="datetimeFigureOut">
               <a:rPr lang="en-GB" smtClean="0"/>
-              <a:t>08/12/2025</a:t>
+              <a:t>09/12/2025</a:t>
             </a:fld>
             <a:endParaRPr lang="en-GB"/>
           </a:p>
@@ -4316,7 +4630,7 @@
           <a:p>
             <a:fld id="{55FA135A-769C-438D-9AC0-5CFB87EA78F4}" type="datetimeFigureOut">
               <a:rPr lang="en-GB" smtClean="0"/>
-              <a:t>08/12/2025</a:t>
+              <a:t>09/12/2025</a:t>
             </a:fld>
             <a:endParaRPr lang="en-GB"/>
           </a:p>
@@ -4559,7 +4873,7 @@
           <a:p>
             <a:fld id="{55FA135A-769C-438D-9AC0-5CFB87EA78F4}" type="datetimeFigureOut">
               <a:rPr lang="en-GB" smtClean="0"/>
-              <a:t>08/12/2025</a:t>
+              <a:t>09/12/2025</a:t>
             </a:fld>
             <a:endParaRPr lang="en-GB"/>
           </a:p>
@@ -5225,7 +5539,7 @@
           <p:nvPr/>
         </p:nvPicPr>
         <p:blipFill>
-          <a:blip r:embed="rId3"/>
+          <a:blip r:embed="rId4"/>
           <a:stretch>
             <a:fillRect/>
           </a:stretch>
@@ -5255,7 +5569,7 @@
           <p:nvPr/>
         </p:nvPicPr>
         <p:blipFill>
-          <a:blip r:embed="rId4"/>
+          <a:blip r:embed="rId5"/>
           <a:stretch>
             <a:fillRect/>
           </a:stretch>
@@ -5389,36 +5703,6 @@
           <p:nvPr/>
         </p:nvPicPr>
         <p:blipFill>
-          <a:blip r:embed="rId5"/>
-          <a:stretch>
-            <a:fillRect/>
-          </a:stretch>
-        </p:blipFill>
-        <p:spPr>
-          <a:xfrm>
-            <a:off x="1905158" y="1901757"/>
-            <a:ext cx="1686160" cy="1619476"/>
-          </a:xfrm>
-          <a:prstGeom prst="rect">
-            <a:avLst/>
-          </a:prstGeom>
-        </p:spPr>
-      </p:pic>
-      <p:pic>
-        <p:nvPicPr>
-          <p:cNvPr id="19" name="Picture 18" descr="A black and white sign with white text&#10;&#10;AI-generated content may be incorrect.">
-            <a:extLst>
-              <a:ext uri="{FF2B5EF4-FFF2-40B4-BE49-F238E27FC236}">
-                <a16:creationId xmlns:a16="http://schemas.microsoft.com/office/drawing/2014/main" id="{4E754B16-F9AE-547D-1251-3D9D4E707273}"/>
-              </a:ext>
-            </a:extLst>
-          </p:cNvPr>
-          <p:cNvPicPr>
-            <a:picLocks noChangeAspect="1"/>
-          </p:cNvPicPr>
-          <p:nvPr/>
-        </p:nvPicPr>
-        <p:blipFill>
           <a:blip r:embed="rId6"/>
           <a:stretch>
             <a:fillRect/>
@@ -5426,8 +5710,38 @@
         </p:blipFill>
         <p:spPr>
           <a:xfrm>
-            <a:off x="8657840" y="1901757"/>
-            <a:ext cx="1629002" cy="1619476"/>
+            <a:off x="1858502" y="1901756"/>
+            <a:ext cx="1722319" cy="1654205"/>
+          </a:xfrm>
+          <a:prstGeom prst="rect">
+            <a:avLst/>
+          </a:prstGeom>
+        </p:spPr>
+      </p:pic>
+      <p:pic>
+        <p:nvPicPr>
+          <p:cNvPr id="19" name="Picture 18" descr="A black and white sign with white text&#10;&#10;AI-generated content may be incorrect.">
+            <a:extLst>
+              <a:ext uri="{FF2B5EF4-FFF2-40B4-BE49-F238E27FC236}">
+                <a16:creationId xmlns:a16="http://schemas.microsoft.com/office/drawing/2014/main" id="{4E754B16-F9AE-547D-1251-3D9D4E707273}"/>
+              </a:ext>
+            </a:extLst>
+          </p:cNvPr>
+          <p:cNvPicPr>
+            <a:picLocks noChangeAspect="1"/>
+          </p:cNvPicPr>
+          <p:nvPr/>
+        </p:nvPicPr>
+        <p:blipFill>
+          <a:blip r:embed="rId7"/>
+          <a:stretch>
+            <a:fillRect/>
+          </a:stretch>
+        </p:blipFill>
+        <p:spPr>
+          <a:xfrm>
+            <a:off x="8611184" y="1901756"/>
+            <a:ext cx="1663935" cy="1654205"/>
           </a:xfrm>
           <a:prstGeom prst="rect">
             <a:avLst/>
@@ -6065,6 +6379,11 @@
   <p:clrMapOvr>
     <a:masterClrMapping/>
   </p:clrMapOvr>
+  <p:extLst>
+    <p:ext uri="{6950BFC3-D8DA-4A85-94F7-54DA5524770B}">
+      <p188:commentRel xmlns:p188="http://schemas.microsoft.com/office/powerpoint/2018/8/main" r:id="rId3"/>
+    </p:ext>
+  </p:extLst>
 </p:sld>
 </file>
 
@@ -6409,8 +6728,8 @@
         </p:blipFill>
         <p:spPr>
           <a:xfrm>
-            <a:off x="1905158" y="1901757"/>
-            <a:ext cx="1686160" cy="1619476"/>
+            <a:off x="1849172" y="1901757"/>
+            <a:ext cx="1733846" cy="1665276"/>
           </a:xfrm>
           <a:prstGeom prst="rect">
             <a:avLst/>
@@ -6439,8 +6758,8 @@
         </p:blipFill>
         <p:spPr>
           <a:xfrm>
-            <a:off x="8657840" y="1901757"/>
-            <a:ext cx="1629002" cy="1619476"/>
+            <a:off x="8601854" y="1901756"/>
+            <a:ext cx="1675072" cy="1665277"/>
           </a:xfrm>
           <a:prstGeom prst="rect">
             <a:avLst/>
@@ -7130,6 +7449,532 @@
 </file>
 
 <file path=ppt/slides/slide12.xml><?xml version="1.0" encoding="utf-8"?>
+<p:sld xmlns:a="http://schemas.openxmlformats.org/drawingml/2006/main" xmlns:r="http://schemas.openxmlformats.org/officeDocument/2006/relationships" xmlns:p="http://schemas.openxmlformats.org/presentationml/2006/main">
+  <p:cSld>
+    <p:spTree>
+      <p:nvGrpSpPr>
+        <p:cNvPr id="1" name="">
+          <a:extLst>
+            <a:ext uri="{FF2B5EF4-FFF2-40B4-BE49-F238E27FC236}">
+              <a16:creationId xmlns:a16="http://schemas.microsoft.com/office/drawing/2014/main" id="{3D3B5BAE-05D9-240C-2404-FA647FA1AE3A}"/>
+            </a:ext>
+          </a:extLst>
+        </p:cNvPr>
+        <p:cNvGrpSpPr/>
+        <p:nvPr/>
+      </p:nvGrpSpPr>
+      <p:grpSpPr>
+        <a:xfrm>
+          <a:off x="0" y="0"/>
+          <a:ext cx="0" cy="0"/>
+          <a:chOff x="0" y="0"/>
+          <a:chExt cx="0" cy="0"/>
+        </a:xfrm>
+      </p:grpSpPr>
+      <p:sp>
+        <p:nvSpPr>
+          <p:cNvPr id="2" name="Rectangle 1">
+            <a:extLst>
+              <a:ext uri="{FF2B5EF4-FFF2-40B4-BE49-F238E27FC236}">
+                <a16:creationId xmlns:a16="http://schemas.microsoft.com/office/drawing/2014/main" id="{16ABA26E-6E2F-8FCA-1869-45ECD41815F8}"/>
+              </a:ext>
+            </a:extLst>
+          </p:cNvPr>
+          <p:cNvSpPr/>
+          <p:nvPr/>
+        </p:nvSpPr>
+        <p:spPr>
+          <a:xfrm>
+            <a:off x="342440" y="341955"/>
+            <a:ext cx="11496758" cy="6516045"/>
+          </a:xfrm>
+          <a:prstGeom prst="rect">
+            <a:avLst/>
+          </a:prstGeom>
+          <a:solidFill>
+            <a:schemeClr val="tx1"/>
+          </a:solidFill>
+          <a:ln w="57150">
+            <a:solidFill>
+              <a:srgbClr val="CC00C2"/>
+            </a:solidFill>
+          </a:ln>
+        </p:spPr>
+        <p:style>
+          <a:lnRef idx="2">
+            <a:schemeClr val="accent1">
+              <a:shade val="15000"/>
+            </a:schemeClr>
+          </a:lnRef>
+          <a:fillRef idx="1">
+            <a:schemeClr val="accent1"/>
+          </a:fillRef>
+          <a:effectRef idx="0">
+            <a:schemeClr val="accent1"/>
+          </a:effectRef>
+          <a:fontRef idx="minor">
+            <a:schemeClr val="lt1"/>
+          </a:fontRef>
+        </p:style>
+        <p:txBody>
+          <a:bodyPr rtlCol="0" anchor="ctr"/>
+          <a:lstStyle/>
+          <a:p>
+            <a:pPr algn="ctr"/>
+            <a:endParaRPr lang="en-GB" sz="1600"/>
+          </a:p>
+        </p:txBody>
+      </p:sp>
+      <p:sp>
+        <p:nvSpPr>
+          <p:cNvPr id="3" name="Rectangle 2">
+            <a:extLst>
+              <a:ext uri="{FF2B5EF4-FFF2-40B4-BE49-F238E27FC236}">
+                <a16:creationId xmlns:a16="http://schemas.microsoft.com/office/drawing/2014/main" id="{4249FA5E-324F-0B6B-DE96-08467633FAE2}"/>
+              </a:ext>
+            </a:extLst>
+          </p:cNvPr>
+          <p:cNvSpPr/>
+          <p:nvPr/>
+        </p:nvSpPr>
+        <p:spPr>
+          <a:xfrm>
+            <a:off x="1937882" y="3615647"/>
+            <a:ext cx="7971228" cy="1003690"/>
+          </a:xfrm>
+          <a:prstGeom prst="rect">
+            <a:avLst/>
+          </a:prstGeom>
+          <a:solidFill>
+            <a:srgbClr val="FFFF00"/>
+          </a:solidFill>
+        </p:spPr>
+        <p:style>
+          <a:lnRef idx="2">
+            <a:schemeClr val="accent4">
+              <a:shade val="15000"/>
+            </a:schemeClr>
+          </a:lnRef>
+          <a:fillRef idx="1">
+            <a:schemeClr val="accent4"/>
+          </a:fillRef>
+          <a:effectRef idx="0">
+            <a:schemeClr val="accent4"/>
+          </a:effectRef>
+          <a:fontRef idx="minor">
+            <a:schemeClr val="lt1"/>
+          </a:fontRef>
+        </p:style>
+        <p:txBody>
+          <a:bodyPr rtlCol="0" anchor="ctr"/>
+          <a:lstStyle/>
+          <a:p>
+            <a:pPr algn="ctr"/>
+            <a:r>
+              <a:rPr lang="en-GB" sz="7200" b="1" dirty="0">
+                <a:solidFill>
+                  <a:srgbClr val="0012C0"/>
+                </a:solidFill>
+              </a:rPr>
+              <a:t>TURN ON LIMITER</a:t>
+            </a:r>
+            <a:endParaRPr lang="en-GB" sz="4800" b="1" dirty="0">
+              <a:solidFill>
+                <a:srgbClr val="0012C0"/>
+              </a:solidFill>
+            </a:endParaRPr>
+          </a:p>
+        </p:txBody>
+      </p:sp>
+      <p:sp>
+        <p:nvSpPr>
+          <p:cNvPr id="4" name="TextBox 3">
+            <a:extLst>
+              <a:ext uri="{FF2B5EF4-FFF2-40B4-BE49-F238E27FC236}">
+                <a16:creationId xmlns:a16="http://schemas.microsoft.com/office/drawing/2014/main" id="{253A30FD-AE52-EF50-6FB8-4211A24F9AE2}"/>
+              </a:ext>
+            </a:extLst>
+          </p:cNvPr>
+          <p:cNvSpPr txBox="1"/>
+          <p:nvPr/>
+        </p:nvSpPr>
+        <p:spPr>
+          <a:xfrm>
+            <a:off x="251927" y="-21065"/>
+            <a:ext cx="2295330" cy="369332"/>
+          </a:xfrm>
+          <a:prstGeom prst="rect">
+            <a:avLst/>
+          </a:prstGeom>
+          <a:noFill/>
+        </p:spPr>
+        <p:txBody>
+          <a:bodyPr wrap="square" rtlCol="0">
+            <a:spAutoFit/>
+          </a:bodyPr>
+          <a:lstStyle/>
+          <a:p>
+            <a:r>
+              <a:rPr lang="en-GB" dirty="0"/>
+              <a:t>In Box Messages</a:t>
+            </a:r>
+          </a:p>
+        </p:txBody>
+      </p:sp>
+      <p:sp>
+        <p:nvSpPr>
+          <p:cNvPr id="5" name="Rectangle 4">
+            <a:extLst>
+              <a:ext uri="{FF2B5EF4-FFF2-40B4-BE49-F238E27FC236}">
+                <a16:creationId xmlns:a16="http://schemas.microsoft.com/office/drawing/2014/main" id="{A3EAB531-8316-2192-E7DA-3B5D0687A07E}"/>
+              </a:ext>
+            </a:extLst>
+          </p:cNvPr>
+          <p:cNvSpPr/>
+          <p:nvPr/>
+        </p:nvSpPr>
+        <p:spPr>
+          <a:xfrm>
+            <a:off x="1937882" y="1486142"/>
+            <a:ext cx="7971228" cy="1003690"/>
+          </a:xfrm>
+          <a:prstGeom prst="rect">
+            <a:avLst/>
+          </a:prstGeom>
+          <a:solidFill>
+            <a:srgbClr val="FF0000"/>
+          </a:solidFill>
+        </p:spPr>
+        <p:style>
+          <a:lnRef idx="2">
+            <a:schemeClr val="accent4">
+              <a:shade val="15000"/>
+            </a:schemeClr>
+          </a:lnRef>
+          <a:fillRef idx="1">
+            <a:schemeClr val="accent4"/>
+          </a:fillRef>
+          <a:effectRef idx="0">
+            <a:schemeClr val="accent4"/>
+          </a:effectRef>
+          <a:fontRef idx="minor">
+            <a:schemeClr val="lt1"/>
+          </a:fontRef>
+        </p:style>
+        <p:txBody>
+          <a:bodyPr rtlCol="0" anchor="ctr"/>
+          <a:lstStyle/>
+          <a:p>
+            <a:pPr algn="ctr"/>
+            <a:r>
+              <a:rPr lang="en-GB" sz="7200" b="1" dirty="0">
+                <a:solidFill>
+                  <a:srgbClr val="FFFF00"/>
+                </a:solidFill>
+              </a:rPr>
+              <a:t>ENGINE OFF</a:t>
+            </a:r>
+            <a:endParaRPr lang="en-GB" sz="5400" b="1" dirty="0">
+              <a:solidFill>
+                <a:srgbClr val="FFFF00"/>
+              </a:solidFill>
+            </a:endParaRPr>
+          </a:p>
+        </p:txBody>
+      </p:sp>
+      <p:sp>
+        <p:nvSpPr>
+          <p:cNvPr id="7" name="Rectangle 6">
+            <a:extLst>
+              <a:ext uri="{FF2B5EF4-FFF2-40B4-BE49-F238E27FC236}">
+                <a16:creationId xmlns:a16="http://schemas.microsoft.com/office/drawing/2014/main" id="{9F634699-78B7-14FD-10D4-6D5C43B3C0DE}"/>
+              </a:ext>
+            </a:extLst>
+          </p:cNvPr>
+          <p:cNvSpPr/>
+          <p:nvPr/>
+        </p:nvSpPr>
+        <p:spPr>
+          <a:xfrm>
+            <a:off x="1937882" y="415606"/>
+            <a:ext cx="7971228" cy="1003690"/>
+          </a:xfrm>
+          <a:prstGeom prst="rect">
+            <a:avLst/>
+          </a:prstGeom>
+          <a:solidFill>
+            <a:srgbClr val="FF0000"/>
+          </a:solidFill>
+        </p:spPr>
+        <p:style>
+          <a:lnRef idx="2">
+            <a:schemeClr val="accent4">
+              <a:shade val="15000"/>
+            </a:schemeClr>
+          </a:lnRef>
+          <a:fillRef idx="1">
+            <a:schemeClr val="accent4"/>
+          </a:fillRef>
+          <a:effectRef idx="0">
+            <a:schemeClr val="accent4"/>
+          </a:effectRef>
+          <a:fontRef idx="minor">
+            <a:schemeClr val="lt1"/>
+          </a:fontRef>
+        </p:style>
+        <p:txBody>
+          <a:bodyPr rtlCol="0" anchor="ctr"/>
+          <a:lstStyle/>
+          <a:p>
+            <a:pPr algn="ctr"/>
+            <a:r>
+              <a:rPr lang="en-GB" sz="7200" b="1" dirty="0">
+                <a:solidFill>
+                  <a:srgbClr val="FFFF00"/>
+                </a:solidFill>
+              </a:rPr>
+              <a:t>IGNITION OFF</a:t>
+            </a:r>
+            <a:endParaRPr lang="en-GB" sz="5400" b="1" dirty="0">
+              <a:solidFill>
+                <a:srgbClr val="FFFF00"/>
+              </a:solidFill>
+            </a:endParaRPr>
+          </a:p>
+        </p:txBody>
+      </p:sp>
+      <p:sp>
+        <p:nvSpPr>
+          <p:cNvPr id="8" name="Rectangle 7">
+            <a:extLst>
+              <a:ext uri="{FF2B5EF4-FFF2-40B4-BE49-F238E27FC236}">
+                <a16:creationId xmlns:a16="http://schemas.microsoft.com/office/drawing/2014/main" id="{093E4774-AEBD-E5BD-01B7-9AF974E22AE6}"/>
+              </a:ext>
+            </a:extLst>
+          </p:cNvPr>
+          <p:cNvSpPr/>
+          <p:nvPr/>
+        </p:nvSpPr>
+        <p:spPr>
+          <a:xfrm>
+            <a:off x="1937882" y="2552664"/>
+            <a:ext cx="7971228" cy="1003690"/>
+          </a:xfrm>
+          <a:prstGeom prst="rect">
+            <a:avLst/>
+          </a:prstGeom>
+          <a:solidFill>
+            <a:srgbClr val="FFFF00"/>
+          </a:solidFill>
+        </p:spPr>
+        <p:style>
+          <a:lnRef idx="2">
+            <a:schemeClr val="accent4">
+              <a:shade val="15000"/>
+            </a:schemeClr>
+          </a:lnRef>
+          <a:fillRef idx="1">
+            <a:schemeClr val="accent4"/>
+          </a:fillRef>
+          <a:effectRef idx="0">
+            <a:schemeClr val="accent4"/>
+          </a:effectRef>
+          <a:fontRef idx="minor">
+            <a:schemeClr val="lt1"/>
+          </a:fontRef>
+        </p:style>
+        <p:txBody>
+          <a:bodyPr rtlCol="0" anchor="ctr"/>
+          <a:lstStyle/>
+          <a:p>
+            <a:pPr algn="ctr"/>
+            <a:r>
+              <a:rPr lang="en-GB" sz="7200" b="1" dirty="0">
+                <a:solidFill>
+                  <a:srgbClr val="0012C0"/>
+                </a:solidFill>
+              </a:rPr>
+              <a:t>SELECT 1</a:t>
+            </a:r>
+            <a:r>
+              <a:rPr lang="en-GB" sz="7200" b="1" baseline="30000" dirty="0">
+                <a:solidFill>
+                  <a:srgbClr val="0012C0"/>
+                </a:solidFill>
+              </a:rPr>
+              <a:t>st</a:t>
+            </a:r>
+            <a:r>
+              <a:rPr lang="en-GB" sz="7200" b="1" dirty="0">
+                <a:solidFill>
+                  <a:srgbClr val="0012C0"/>
+                </a:solidFill>
+              </a:rPr>
+              <a:t> GEAR</a:t>
+            </a:r>
+          </a:p>
+        </p:txBody>
+      </p:sp>
+      <p:sp>
+        <p:nvSpPr>
+          <p:cNvPr id="6" name="Rectangle 5">
+            <a:extLst>
+              <a:ext uri="{FF2B5EF4-FFF2-40B4-BE49-F238E27FC236}">
+                <a16:creationId xmlns:a16="http://schemas.microsoft.com/office/drawing/2014/main" id="{0452A501-8EBD-D592-EFCA-D19C3ECFCAFA}"/>
+              </a:ext>
+            </a:extLst>
+          </p:cNvPr>
+          <p:cNvSpPr/>
+          <p:nvPr/>
+        </p:nvSpPr>
+        <p:spPr>
+          <a:xfrm>
+            <a:off x="1937882" y="4678630"/>
+            <a:ext cx="7971228" cy="1003690"/>
+          </a:xfrm>
+          <a:prstGeom prst="rect">
+            <a:avLst/>
+          </a:prstGeom>
+          <a:solidFill>
+            <a:srgbClr val="66FF33"/>
+          </a:solidFill>
+        </p:spPr>
+        <p:style>
+          <a:lnRef idx="2">
+            <a:schemeClr val="accent4">
+              <a:shade val="15000"/>
+            </a:schemeClr>
+          </a:lnRef>
+          <a:fillRef idx="1">
+            <a:schemeClr val="accent4"/>
+          </a:fillRef>
+          <a:effectRef idx="0">
+            <a:schemeClr val="accent4"/>
+          </a:effectRef>
+          <a:fontRef idx="minor">
+            <a:schemeClr val="lt1"/>
+          </a:fontRef>
+        </p:style>
+        <p:txBody>
+          <a:bodyPr rtlCol="0" anchor="ctr"/>
+          <a:lstStyle/>
+          <a:p>
+            <a:pPr algn="ctr"/>
+            <a:r>
+              <a:rPr lang="en-GB" sz="7200" b="1" dirty="0">
+                <a:solidFill>
+                  <a:srgbClr val="0012C0"/>
+                </a:solidFill>
+              </a:rPr>
+              <a:t>GO </a:t>
+            </a:r>
+            <a:r>
+              <a:rPr lang="en-GB" sz="7200" b="1" dirty="0" err="1">
+                <a:solidFill>
+                  <a:srgbClr val="0012C0"/>
+                </a:solidFill>
+              </a:rPr>
+              <a:t>GO</a:t>
+            </a:r>
+            <a:r>
+              <a:rPr lang="en-GB" sz="7200" b="1" dirty="0">
+                <a:solidFill>
+                  <a:srgbClr val="0012C0"/>
+                </a:solidFill>
+              </a:rPr>
+              <a:t> </a:t>
+            </a:r>
+            <a:r>
+              <a:rPr lang="en-GB" sz="7200" b="1" dirty="0" err="1">
+                <a:solidFill>
+                  <a:srgbClr val="0012C0"/>
+                </a:solidFill>
+              </a:rPr>
+              <a:t>GO</a:t>
+            </a:r>
+            <a:endParaRPr lang="en-GB" sz="4800" b="1" dirty="0">
+              <a:solidFill>
+                <a:srgbClr val="0012C0"/>
+              </a:solidFill>
+            </a:endParaRPr>
+          </a:p>
+        </p:txBody>
+      </p:sp>
+      <p:sp>
+        <p:nvSpPr>
+          <p:cNvPr id="9" name="Rectangle 8">
+            <a:extLst>
+              <a:ext uri="{FF2B5EF4-FFF2-40B4-BE49-F238E27FC236}">
+                <a16:creationId xmlns:a16="http://schemas.microsoft.com/office/drawing/2014/main" id="{09D8B4C0-1A03-9978-EDD4-C3FF109F90B1}"/>
+              </a:ext>
+            </a:extLst>
+          </p:cNvPr>
+          <p:cNvSpPr/>
+          <p:nvPr/>
+        </p:nvSpPr>
+        <p:spPr>
+          <a:xfrm>
+            <a:off x="1937882" y="5741613"/>
+            <a:ext cx="7971228" cy="1003690"/>
+          </a:xfrm>
+          <a:prstGeom prst="rect">
+            <a:avLst/>
+          </a:prstGeom>
+          <a:solidFill>
+            <a:srgbClr val="0012C0"/>
+          </a:solidFill>
+        </p:spPr>
+        <p:style>
+          <a:lnRef idx="2">
+            <a:schemeClr val="accent4">
+              <a:shade val="15000"/>
+            </a:schemeClr>
+          </a:lnRef>
+          <a:fillRef idx="1">
+            <a:schemeClr val="accent4"/>
+          </a:fillRef>
+          <a:effectRef idx="0">
+            <a:schemeClr val="accent4"/>
+          </a:effectRef>
+          <a:fontRef idx="minor">
+            <a:schemeClr val="lt1"/>
+          </a:fontRef>
+        </p:style>
+        <p:txBody>
+          <a:bodyPr rtlCol="0" anchor="ctr"/>
+          <a:lstStyle/>
+          <a:p>
+            <a:pPr algn="ctr"/>
+            <a:r>
+              <a:rPr lang="en-GB" sz="7200" b="1" dirty="0">
+                <a:solidFill>
+                  <a:srgbClr val="FFFF00"/>
+                </a:solidFill>
+              </a:rPr>
+              <a:t>LIMITER ON</a:t>
+            </a:r>
+            <a:endParaRPr lang="en-GB" sz="4800" b="1" dirty="0">
+              <a:solidFill>
+                <a:srgbClr val="FFFF00"/>
+              </a:solidFill>
+            </a:endParaRPr>
+          </a:p>
+        </p:txBody>
+      </p:sp>
+    </p:spTree>
+    <p:extLst>
+      <p:ext uri="{BB962C8B-B14F-4D97-AF65-F5344CB8AC3E}">
+        <p14:creationId xmlns:p14="http://schemas.microsoft.com/office/powerpoint/2010/main" val="2379293333"/>
+      </p:ext>
+    </p:extLst>
+  </p:cSld>
+  <p:clrMapOvr>
+    <a:masterClrMapping/>
+  </p:clrMapOvr>
+</p:sld>
+</file>
+
+<file path=ppt/slides/slide13.xml><?xml version="1.0" encoding="utf-8"?>
 <p:sld xmlns:a="http://schemas.openxmlformats.org/drawingml/2006/main" xmlns:r="http://schemas.openxmlformats.org/officeDocument/2006/relationships" xmlns:p="http://schemas.openxmlformats.org/presentationml/2006/main">
   <p:cSld>
     <p:spTree>
@@ -7470,8 +8315,8 @@
         </p:blipFill>
         <p:spPr>
           <a:xfrm>
-            <a:off x="1905158" y="1892426"/>
-            <a:ext cx="1686160" cy="1619476"/>
+            <a:off x="1849172" y="1892426"/>
+            <a:ext cx="1743608" cy="1674652"/>
           </a:xfrm>
           <a:prstGeom prst="rect">
             <a:avLst/>
@@ -7500,8 +8345,8 @@
         </p:blipFill>
         <p:spPr>
           <a:xfrm>
-            <a:off x="8657840" y="1892426"/>
-            <a:ext cx="1629002" cy="1619476"/>
+            <a:off x="8601853" y="1892426"/>
+            <a:ext cx="1684503" cy="1674652"/>
           </a:xfrm>
           <a:prstGeom prst="rect">
             <a:avLst/>
@@ -8190,7 +9035,7 @@
 </p:sld>
 </file>
 
-<file path=ppt/slides/slide13.xml><?xml version="1.0" encoding="utf-8"?>
+<file path=ppt/slides/slide14.xml><?xml version="1.0" encoding="utf-8"?>
 <p:sld xmlns:a="http://schemas.openxmlformats.org/drawingml/2006/main" xmlns:r="http://schemas.openxmlformats.org/officeDocument/2006/relationships" xmlns:p="http://schemas.openxmlformats.org/presentationml/2006/main">
   <p:cSld>
     <p:spTree>
@@ -8730,7 +9575,388 @@
 </p:sld>
 </file>
 
-<file path=ppt/slides/slide14.xml><?xml version="1.0" encoding="utf-8"?>
+<file path=ppt/slides/slide15.xml><?xml version="1.0" encoding="utf-8"?>
+<p:sld xmlns:a="http://schemas.openxmlformats.org/drawingml/2006/main" xmlns:r="http://schemas.openxmlformats.org/officeDocument/2006/relationships" xmlns:p="http://schemas.openxmlformats.org/presentationml/2006/main">
+  <p:cSld>
+    <p:spTree>
+      <p:nvGrpSpPr>
+        <p:cNvPr id="1" name="">
+          <a:extLst>
+            <a:ext uri="{FF2B5EF4-FFF2-40B4-BE49-F238E27FC236}">
+              <a16:creationId xmlns:a16="http://schemas.microsoft.com/office/drawing/2014/main" id="{0BE4A5E0-8207-29BB-B553-F4B34E0B67FA}"/>
+            </a:ext>
+          </a:extLst>
+        </p:cNvPr>
+        <p:cNvGrpSpPr/>
+        <p:nvPr/>
+      </p:nvGrpSpPr>
+      <p:grpSpPr>
+        <a:xfrm>
+          <a:off x="0" y="0"/>
+          <a:ext cx="0" cy="0"/>
+          <a:chOff x="0" y="0"/>
+          <a:chExt cx="0" cy="0"/>
+        </a:xfrm>
+      </p:grpSpPr>
+      <p:sp>
+        <p:nvSpPr>
+          <p:cNvPr id="2" name="Rectangle 1">
+            <a:extLst>
+              <a:ext uri="{FF2B5EF4-FFF2-40B4-BE49-F238E27FC236}">
+                <a16:creationId xmlns:a16="http://schemas.microsoft.com/office/drawing/2014/main" id="{63058DB7-6B2F-F176-723D-C2B970E45CB6}"/>
+              </a:ext>
+            </a:extLst>
+          </p:cNvPr>
+          <p:cNvSpPr/>
+          <p:nvPr/>
+        </p:nvSpPr>
+        <p:spPr>
+          <a:xfrm>
+            <a:off x="342440" y="341955"/>
+            <a:ext cx="11496758" cy="6516045"/>
+          </a:xfrm>
+          <a:prstGeom prst="rect">
+            <a:avLst/>
+          </a:prstGeom>
+          <a:solidFill>
+            <a:schemeClr val="tx1"/>
+          </a:solidFill>
+          <a:ln w="57150">
+            <a:solidFill>
+              <a:srgbClr val="CC00C2"/>
+            </a:solidFill>
+          </a:ln>
+        </p:spPr>
+        <p:style>
+          <a:lnRef idx="2">
+            <a:schemeClr val="accent1">
+              <a:shade val="15000"/>
+            </a:schemeClr>
+          </a:lnRef>
+          <a:fillRef idx="1">
+            <a:schemeClr val="accent1"/>
+          </a:fillRef>
+          <a:effectRef idx="0">
+            <a:schemeClr val="accent1"/>
+          </a:effectRef>
+          <a:fontRef idx="minor">
+            <a:schemeClr val="lt1"/>
+          </a:fontRef>
+        </p:style>
+        <p:txBody>
+          <a:bodyPr rtlCol="0" anchor="ctr"/>
+          <a:lstStyle/>
+          <a:p>
+            <a:pPr algn="ctr"/>
+            <a:endParaRPr lang="en-GB"/>
+          </a:p>
+        </p:txBody>
+      </p:sp>
+      <p:sp>
+        <p:nvSpPr>
+          <p:cNvPr id="3" name="Rectangle 2">
+            <a:extLst>
+              <a:ext uri="{FF2B5EF4-FFF2-40B4-BE49-F238E27FC236}">
+                <a16:creationId xmlns:a16="http://schemas.microsoft.com/office/drawing/2014/main" id="{EAA74555-A0DD-E511-AC25-CE2A1901129D}"/>
+              </a:ext>
+            </a:extLst>
+          </p:cNvPr>
+          <p:cNvSpPr/>
+          <p:nvPr/>
+        </p:nvSpPr>
+        <p:spPr>
+          <a:xfrm>
+            <a:off x="1848722" y="415259"/>
+            <a:ext cx="8484194" cy="1348618"/>
+          </a:xfrm>
+          <a:prstGeom prst="rect">
+            <a:avLst/>
+          </a:prstGeom>
+          <a:solidFill>
+            <a:srgbClr val="FF0000"/>
+          </a:solidFill>
+        </p:spPr>
+        <p:style>
+          <a:lnRef idx="2">
+            <a:schemeClr val="accent4">
+              <a:shade val="15000"/>
+            </a:schemeClr>
+          </a:lnRef>
+          <a:fillRef idx="1">
+            <a:schemeClr val="accent4"/>
+          </a:fillRef>
+          <a:effectRef idx="0">
+            <a:schemeClr val="accent4"/>
+          </a:effectRef>
+          <a:fontRef idx="minor">
+            <a:schemeClr val="lt1"/>
+          </a:fontRef>
+        </p:style>
+        <p:txBody>
+          <a:bodyPr rtlCol="0" anchor="ctr"/>
+          <a:lstStyle/>
+          <a:p>
+            <a:pPr algn="ctr"/>
+            <a:r>
+              <a:rPr lang="en-GB" sz="5400" b="1" dirty="0">
+                <a:solidFill>
+                  <a:srgbClr val="FFFF00"/>
+                </a:solidFill>
+              </a:rPr>
+              <a:t>PIT WINDOW CLOSED</a:t>
+            </a:r>
+          </a:p>
+          <a:p>
+            <a:pPr algn="ctr"/>
+            <a:r>
+              <a:rPr lang="en-GB" sz="3600" b="1" dirty="0">
+                <a:solidFill>
+                  <a:srgbClr val="FFFF00"/>
+                </a:solidFill>
+              </a:rPr>
+              <a:t>TANK SPACE  -6l</a:t>
+            </a:r>
+          </a:p>
+        </p:txBody>
+      </p:sp>
+      <p:sp>
+        <p:nvSpPr>
+          <p:cNvPr id="4" name="TextBox 3">
+            <a:extLst>
+              <a:ext uri="{FF2B5EF4-FFF2-40B4-BE49-F238E27FC236}">
+                <a16:creationId xmlns:a16="http://schemas.microsoft.com/office/drawing/2014/main" id="{E6B2B4DB-4806-4728-EAF1-1CDB5A3BBA1C}"/>
+              </a:ext>
+            </a:extLst>
+          </p:cNvPr>
+          <p:cNvSpPr txBox="1"/>
+          <p:nvPr/>
+        </p:nvSpPr>
+        <p:spPr>
+          <a:xfrm>
+            <a:off x="251927" y="-21065"/>
+            <a:ext cx="2295330" cy="369332"/>
+          </a:xfrm>
+          <a:prstGeom prst="rect">
+            <a:avLst/>
+          </a:prstGeom>
+          <a:noFill/>
+        </p:spPr>
+        <p:txBody>
+          <a:bodyPr wrap="square" rtlCol="0">
+            <a:spAutoFit/>
+          </a:bodyPr>
+          <a:lstStyle/>
+          <a:p>
+            <a:r>
+              <a:rPr lang="en-GB" dirty="0"/>
+              <a:t>On Track Messages</a:t>
+            </a:r>
+          </a:p>
+        </p:txBody>
+      </p:sp>
+      <p:sp>
+        <p:nvSpPr>
+          <p:cNvPr id="7" name="Rectangle 6">
+            <a:extLst>
+              <a:ext uri="{FF2B5EF4-FFF2-40B4-BE49-F238E27FC236}">
+                <a16:creationId xmlns:a16="http://schemas.microsoft.com/office/drawing/2014/main" id="{D34810FA-7F50-2251-DD43-FCF25312D5F2}"/>
+              </a:ext>
+            </a:extLst>
+          </p:cNvPr>
+          <p:cNvSpPr/>
+          <p:nvPr/>
+        </p:nvSpPr>
+        <p:spPr>
+          <a:xfrm>
+            <a:off x="1848722" y="5190402"/>
+            <a:ext cx="8484194" cy="1348618"/>
+          </a:xfrm>
+          <a:prstGeom prst="rect">
+            <a:avLst/>
+          </a:prstGeom>
+          <a:solidFill>
+            <a:srgbClr val="00B050"/>
+          </a:solidFill>
+        </p:spPr>
+        <p:style>
+          <a:lnRef idx="2">
+            <a:schemeClr val="accent4">
+              <a:shade val="15000"/>
+            </a:schemeClr>
+          </a:lnRef>
+          <a:fillRef idx="1">
+            <a:schemeClr val="accent4"/>
+          </a:fillRef>
+          <a:effectRef idx="0">
+            <a:schemeClr val="accent4"/>
+          </a:effectRef>
+          <a:fontRef idx="minor">
+            <a:schemeClr val="lt1"/>
+          </a:fontRef>
+        </p:style>
+        <p:txBody>
+          <a:bodyPr rtlCol="0" anchor="ctr"/>
+          <a:lstStyle/>
+          <a:p>
+            <a:pPr algn="ctr"/>
+            <a:r>
+              <a:rPr lang="en-GB" sz="5400" b="1" dirty="0"/>
+              <a:t>CLEAR PUSH</a:t>
+            </a:r>
+          </a:p>
+          <a:p>
+            <a:pPr algn="ctr"/>
+            <a:r>
+              <a:rPr lang="en-GB" sz="3600" b="1" dirty="0">
+                <a:solidFill>
+                  <a:schemeClr val="bg1"/>
+                </a:solidFill>
+              </a:rPr>
+              <a:t>TARGET 3.41 / UNRESTRICTED</a:t>
+            </a:r>
+          </a:p>
+        </p:txBody>
+      </p:sp>
+      <p:sp>
+        <p:nvSpPr>
+          <p:cNvPr id="8" name="Rectangle 7">
+            <a:extLst>
+              <a:ext uri="{FF2B5EF4-FFF2-40B4-BE49-F238E27FC236}">
+                <a16:creationId xmlns:a16="http://schemas.microsoft.com/office/drawing/2014/main" id="{0F1012E8-D7BE-C5FF-29DD-9C72498A2993}"/>
+              </a:ext>
+            </a:extLst>
+          </p:cNvPr>
+          <p:cNvSpPr/>
+          <p:nvPr/>
+        </p:nvSpPr>
+        <p:spPr>
+          <a:xfrm>
+            <a:off x="1848722" y="3596109"/>
+            <a:ext cx="8484194" cy="1348618"/>
+          </a:xfrm>
+          <a:prstGeom prst="rect">
+            <a:avLst/>
+          </a:prstGeom>
+          <a:solidFill>
+            <a:srgbClr val="FFFF00"/>
+          </a:solidFill>
+        </p:spPr>
+        <p:style>
+          <a:lnRef idx="2">
+            <a:schemeClr val="accent4">
+              <a:shade val="15000"/>
+            </a:schemeClr>
+          </a:lnRef>
+          <a:fillRef idx="1">
+            <a:schemeClr val="accent4"/>
+          </a:fillRef>
+          <a:effectRef idx="0">
+            <a:schemeClr val="accent4"/>
+          </a:effectRef>
+          <a:fontRef idx="minor">
+            <a:schemeClr val="lt1"/>
+          </a:fontRef>
+        </p:style>
+        <p:txBody>
+          <a:bodyPr rtlCol="0" anchor="ctr"/>
+          <a:lstStyle/>
+          <a:p>
+            <a:pPr algn="ctr"/>
+            <a:r>
+              <a:rPr lang="en-GB" sz="5400" b="1" dirty="0">
+                <a:solidFill>
+                  <a:srgbClr val="0012C0"/>
+                </a:solidFill>
+              </a:rPr>
+              <a:t>MUST FUEL SAVE</a:t>
+            </a:r>
+          </a:p>
+          <a:p>
+            <a:pPr algn="ctr"/>
+            <a:r>
+              <a:rPr lang="en-GB" sz="3600" b="1" dirty="0">
+                <a:solidFill>
+                  <a:srgbClr val="0012C0"/>
+                </a:solidFill>
+              </a:rPr>
+              <a:t>TARGET 3.25</a:t>
+            </a:r>
+          </a:p>
+        </p:txBody>
+      </p:sp>
+      <p:sp>
+        <p:nvSpPr>
+          <p:cNvPr id="6" name="Rectangle 5">
+            <a:extLst>
+              <a:ext uri="{FF2B5EF4-FFF2-40B4-BE49-F238E27FC236}">
+                <a16:creationId xmlns:a16="http://schemas.microsoft.com/office/drawing/2014/main" id="{B3528737-DB4C-6982-8EB3-088D3DCD13E4}"/>
+              </a:ext>
+            </a:extLst>
+          </p:cNvPr>
+          <p:cNvSpPr/>
+          <p:nvPr/>
+        </p:nvSpPr>
+        <p:spPr>
+          <a:xfrm>
+            <a:off x="1848722" y="2005684"/>
+            <a:ext cx="8484194" cy="1348618"/>
+          </a:xfrm>
+          <a:prstGeom prst="rect">
+            <a:avLst/>
+          </a:prstGeom>
+          <a:solidFill>
+            <a:srgbClr val="00B050"/>
+          </a:solidFill>
+        </p:spPr>
+        <p:style>
+          <a:lnRef idx="2">
+            <a:schemeClr val="accent4">
+              <a:shade val="15000"/>
+            </a:schemeClr>
+          </a:lnRef>
+          <a:fillRef idx="1">
+            <a:schemeClr val="accent4"/>
+          </a:fillRef>
+          <a:effectRef idx="0">
+            <a:schemeClr val="accent4"/>
+          </a:effectRef>
+          <a:fontRef idx="minor">
+            <a:schemeClr val="lt1"/>
+          </a:fontRef>
+        </p:style>
+        <p:txBody>
+          <a:bodyPr rtlCol="0" anchor="ctr"/>
+          <a:lstStyle/>
+          <a:p>
+            <a:pPr algn="ctr"/>
+            <a:r>
+              <a:rPr lang="en-GB" sz="4800" b="1" dirty="0"/>
+              <a:t>PIT WINDOW OPEN L12 – L20</a:t>
+            </a:r>
+          </a:p>
+          <a:p>
+            <a:pPr algn="ctr"/>
+            <a:r>
+              <a:rPr lang="en-GB" sz="3600" b="1" dirty="0"/>
+              <a:t>30l + DRY + Repair = 26s</a:t>
+            </a:r>
+          </a:p>
+        </p:txBody>
+      </p:sp>
+    </p:spTree>
+    <p:extLst>
+      <p:ext uri="{BB962C8B-B14F-4D97-AF65-F5344CB8AC3E}">
+        <p14:creationId xmlns:p14="http://schemas.microsoft.com/office/powerpoint/2010/main" val="4093561687"/>
+      </p:ext>
+    </p:extLst>
+  </p:cSld>
+  <p:clrMapOvr>
+    <a:masterClrMapping/>
+  </p:clrMapOvr>
+</p:sld>
+</file>
+
+<file path=ppt/slides/slide16.xml><?xml version="1.0" encoding="utf-8"?>
 <p:sld xmlns:a="http://schemas.openxmlformats.org/drawingml/2006/main" xmlns:r="http://schemas.openxmlformats.org/officeDocument/2006/relationships" xmlns:p="http://schemas.openxmlformats.org/presentationml/2006/main">
   <p:cSld>
     <p:spTree>
@@ -8767,7 +9993,7 @@
         </p:nvSpPr>
         <p:spPr>
           <a:xfrm>
-            <a:off x="347621" y="141693"/>
+            <a:off x="342440" y="341955"/>
             <a:ext cx="11496758" cy="6516045"/>
           </a:xfrm>
           <a:prstGeom prst="rect">
@@ -8803,7 +10029,311 @@
           <a:lstStyle/>
           <a:p>
             <a:pPr algn="ctr"/>
-            <a:endParaRPr lang="en-GB"/>
+            <a:endParaRPr lang="en-GB" sz="1600"/>
+          </a:p>
+        </p:txBody>
+      </p:sp>
+      <p:sp>
+        <p:nvSpPr>
+          <p:cNvPr id="3" name="Rectangle 2">
+            <a:extLst>
+              <a:ext uri="{FF2B5EF4-FFF2-40B4-BE49-F238E27FC236}">
+                <a16:creationId xmlns:a16="http://schemas.microsoft.com/office/drawing/2014/main" id="{90328CD2-C1D5-C45C-F02B-21A93E1AAB16}"/>
+              </a:ext>
+            </a:extLst>
+          </p:cNvPr>
+          <p:cNvSpPr/>
+          <p:nvPr/>
+        </p:nvSpPr>
+        <p:spPr>
+          <a:xfrm>
+            <a:off x="1848722" y="415259"/>
+            <a:ext cx="8484194" cy="1348618"/>
+          </a:xfrm>
+          <a:prstGeom prst="rect">
+            <a:avLst/>
+          </a:prstGeom>
+          <a:solidFill>
+            <a:srgbClr val="FFFF00"/>
+          </a:solidFill>
+        </p:spPr>
+        <p:style>
+          <a:lnRef idx="2">
+            <a:schemeClr val="accent4">
+              <a:shade val="15000"/>
+            </a:schemeClr>
+          </a:lnRef>
+          <a:fillRef idx="1">
+            <a:schemeClr val="accent4"/>
+          </a:fillRef>
+          <a:effectRef idx="0">
+            <a:schemeClr val="accent4"/>
+          </a:effectRef>
+          <a:fontRef idx="minor">
+            <a:schemeClr val="lt1"/>
+          </a:fontRef>
+        </p:style>
+        <p:txBody>
+          <a:bodyPr rtlCol="0" anchor="ctr"/>
+          <a:lstStyle/>
+          <a:p>
+            <a:pPr algn="ctr"/>
+            <a:r>
+              <a:rPr lang="en-GB" sz="5400" b="1" dirty="0">
+                <a:solidFill>
+                  <a:srgbClr val="0012C0"/>
+                </a:solidFill>
+              </a:rPr>
+              <a:t>BOX SOON</a:t>
+            </a:r>
+          </a:p>
+          <a:p>
+            <a:pPr algn="ctr"/>
+            <a:r>
+              <a:rPr lang="en-GB" sz="3600" b="1" dirty="0">
+                <a:solidFill>
+                  <a:srgbClr val="0012C0"/>
+                </a:solidFill>
+              </a:rPr>
+              <a:t>2 LAPS IN TANK</a:t>
+            </a:r>
+          </a:p>
+        </p:txBody>
+      </p:sp>
+      <p:sp>
+        <p:nvSpPr>
+          <p:cNvPr id="4" name="TextBox 3">
+            <a:extLst>
+              <a:ext uri="{FF2B5EF4-FFF2-40B4-BE49-F238E27FC236}">
+                <a16:creationId xmlns:a16="http://schemas.microsoft.com/office/drawing/2014/main" id="{A6AC09F0-453F-5DBF-4DA3-99D6491DA314}"/>
+              </a:ext>
+            </a:extLst>
+          </p:cNvPr>
+          <p:cNvSpPr txBox="1"/>
+          <p:nvPr/>
+        </p:nvSpPr>
+        <p:spPr>
+          <a:xfrm>
+            <a:off x="251927" y="-21065"/>
+            <a:ext cx="2295330" cy="369332"/>
+          </a:xfrm>
+          <a:prstGeom prst="rect">
+            <a:avLst/>
+          </a:prstGeom>
+          <a:noFill/>
+        </p:spPr>
+        <p:txBody>
+          <a:bodyPr wrap="square" rtlCol="0">
+            <a:spAutoFit/>
+          </a:bodyPr>
+          <a:lstStyle/>
+          <a:p>
+            <a:r>
+              <a:rPr lang="en-GB" dirty="0"/>
+              <a:t>On Track Messages</a:t>
+            </a:r>
+          </a:p>
+        </p:txBody>
+      </p:sp>
+      <p:sp>
+        <p:nvSpPr>
+          <p:cNvPr id="5" name="Rectangle 4">
+            <a:extLst>
+              <a:ext uri="{FF2B5EF4-FFF2-40B4-BE49-F238E27FC236}">
+                <a16:creationId xmlns:a16="http://schemas.microsoft.com/office/drawing/2014/main" id="{E1E6D087-6273-1D8D-0AAD-CEFE3E1C5E41}"/>
+              </a:ext>
+            </a:extLst>
+          </p:cNvPr>
+          <p:cNvSpPr/>
+          <p:nvPr/>
+        </p:nvSpPr>
+        <p:spPr>
+          <a:xfrm>
+            <a:off x="1859084" y="5190402"/>
+            <a:ext cx="8484194" cy="1348618"/>
+          </a:xfrm>
+          <a:prstGeom prst="rect">
+            <a:avLst/>
+          </a:prstGeom>
+          <a:solidFill>
+            <a:srgbClr val="FF0000"/>
+          </a:solidFill>
+        </p:spPr>
+        <p:style>
+          <a:lnRef idx="2">
+            <a:schemeClr val="accent4">
+              <a:shade val="15000"/>
+            </a:schemeClr>
+          </a:lnRef>
+          <a:fillRef idx="1">
+            <a:schemeClr val="accent4"/>
+          </a:fillRef>
+          <a:effectRef idx="0">
+            <a:schemeClr val="accent4"/>
+          </a:effectRef>
+          <a:fontRef idx="minor">
+            <a:schemeClr val="lt1"/>
+          </a:fontRef>
+        </p:style>
+        <p:txBody>
+          <a:bodyPr rtlCol="0" anchor="ctr"/>
+          <a:lstStyle/>
+          <a:p>
+            <a:pPr algn="ctr"/>
+            <a:r>
+              <a:rPr lang="en-GB" sz="6600" b="1" dirty="0">
+                <a:solidFill>
+                  <a:srgbClr val="FFFF00"/>
+                </a:solidFill>
+              </a:rPr>
+              <a:t>PIT LANE CLOSED</a:t>
+            </a:r>
+            <a:endParaRPr lang="en-GB" sz="4800" b="1" dirty="0">
+              <a:solidFill>
+                <a:srgbClr val="FFFF00"/>
+              </a:solidFill>
+            </a:endParaRPr>
+          </a:p>
+        </p:txBody>
+      </p:sp>
+      <p:sp>
+        <p:nvSpPr>
+          <p:cNvPr id="7" name="Rectangle 6">
+            <a:extLst>
+              <a:ext uri="{FF2B5EF4-FFF2-40B4-BE49-F238E27FC236}">
+                <a16:creationId xmlns:a16="http://schemas.microsoft.com/office/drawing/2014/main" id="{96229EEA-79F5-1063-5672-6145BCA66790}"/>
+              </a:ext>
+            </a:extLst>
+          </p:cNvPr>
+          <p:cNvSpPr/>
+          <p:nvPr/>
+        </p:nvSpPr>
+        <p:spPr>
+          <a:xfrm>
+            <a:off x="1859084" y="2001816"/>
+            <a:ext cx="8484194" cy="1348618"/>
+          </a:xfrm>
+          <a:prstGeom prst="rect">
+            <a:avLst/>
+          </a:prstGeom>
+          <a:solidFill>
+            <a:srgbClr val="FF0000"/>
+          </a:solidFill>
+        </p:spPr>
+        <p:style>
+          <a:lnRef idx="2">
+            <a:schemeClr val="accent4">
+              <a:shade val="15000"/>
+            </a:schemeClr>
+          </a:lnRef>
+          <a:fillRef idx="1">
+            <a:schemeClr val="accent4"/>
+          </a:fillRef>
+          <a:effectRef idx="0">
+            <a:schemeClr val="accent4"/>
+          </a:effectRef>
+          <a:fontRef idx="minor">
+            <a:schemeClr val="lt1"/>
+          </a:fontRef>
+        </p:style>
+        <p:txBody>
+          <a:bodyPr rtlCol="0" anchor="ctr"/>
+          <a:lstStyle/>
+          <a:p>
+            <a:pPr algn="ctr"/>
+            <a:r>
+              <a:rPr lang="en-GB" sz="7200" b="1" dirty="0">
+                <a:solidFill>
+                  <a:srgbClr val="FFFF00"/>
+                </a:solidFill>
+              </a:rPr>
+              <a:t>BOX </a:t>
+            </a:r>
+            <a:r>
+              <a:rPr lang="en-GB" sz="7200" b="1" dirty="0" err="1">
+                <a:solidFill>
+                  <a:srgbClr val="FFFF00"/>
+                </a:solidFill>
+              </a:rPr>
+              <a:t>BOX</a:t>
+            </a:r>
+            <a:r>
+              <a:rPr lang="en-GB" sz="7200" b="1" dirty="0">
+                <a:solidFill>
+                  <a:srgbClr val="FFFF00"/>
+                </a:solidFill>
+              </a:rPr>
+              <a:t> </a:t>
+            </a:r>
+            <a:r>
+              <a:rPr lang="en-GB" sz="7200" b="1" dirty="0" err="1">
+                <a:solidFill>
+                  <a:srgbClr val="FFFF00"/>
+                </a:solidFill>
+              </a:rPr>
+              <a:t>BOX</a:t>
+            </a:r>
+            <a:endParaRPr lang="en-GB" sz="5400" b="1" dirty="0">
+              <a:solidFill>
+                <a:srgbClr val="FFFF00"/>
+              </a:solidFill>
+            </a:endParaRPr>
+          </a:p>
+        </p:txBody>
+      </p:sp>
+      <p:sp>
+        <p:nvSpPr>
+          <p:cNvPr id="8" name="Rectangle 7">
+            <a:extLst>
+              <a:ext uri="{FF2B5EF4-FFF2-40B4-BE49-F238E27FC236}">
+                <a16:creationId xmlns:a16="http://schemas.microsoft.com/office/drawing/2014/main" id="{80AE537B-6886-9233-4688-311EF64952A1}"/>
+              </a:ext>
+            </a:extLst>
+          </p:cNvPr>
+          <p:cNvSpPr/>
+          <p:nvPr/>
+        </p:nvSpPr>
+        <p:spPr>
+          <a:xfrm>
+            <a:off x="1848722" y="3588373"/>
+            <a:ext cx="8484194" cy="1348618"/>
+          </a:xfrm>
+          <a:prstGeom prst="rect">
+            <a:avLst/>
+          </a:prstGeom>
+          <a:solidFill>
+            <a:srgbClr val="FFFF00"/>
+          </a:solidFill>
+        </p:spPr>
+        <p:style>
+          <a:lnRef idx="2">
+            <a:schemeClr val="accent4">
+              <a:shade val="15000"/>
+            </a:schemeClr>
+          </a:lnRef>
+          <a:fillRef idx="1">
+            <a:schemeClr val="accent4"/>
+          </a:fillRef>
+          <a:effectRef idx="0">
+            <a:schemeClr val="accent4"/>
+          </a:effectRef>
+          <a:fontRef idx="minor">
+            <a:schemeClr val="lt1"/>
+          </a:fontRef>
+        </p:style>
+        <p:txBody>
+          <a:bodyPr rtlCol="0" anchor="ctr"/>
+          <a:lstStyle/>
+          <a:p>
+            <a:pPr algn="ctr"/>
+            <a:r>
+              <a:rPr lang="en-GB" sz="6600" b="1" dirty="0">
+                <a:solidFill>
+                  <a:srgbClr val="0012C0"/>
+                </a:solidFill>
+              </a:rPr>
+              <a:t>TURN OFF LIMITER</a:t>
+            </a:r>
           </a:p>
         </p:txBody>
       </p:sp>
@@ -8820,7 +10350,7 @@
 </p:sld>
 </file>
 
-<file path=ppt/slides/slide15.xml><?xml version="1.0" encoding="utf-8"?>
+<file path=ppt/slides/slide17.xml><?xml version="1.0" encoding="utf-8"?>
 <p:sld xmlns:a="http://schemas.openxmlformats.org/drawingml/2006/main" xmlns:r="http://schemas.openxmlformats.org/officeDocument/2006/relationships" xmlns:p="http://schemas.openxmlformats.org/presentationml/2006/main">
   <p:cSld>
     <p:spTree>
@@ -8828,7 +10358,7 @@
         <p:cNvPr id="1" name="">
           <a:extLst>
             <a:ext uri="{FF2B5EF4-FFF2-40B4-BE49-F238E27FC236}">
-              <a16:creationId xmlns:a16="http://schemas.microsoft.com/office/drawing/2014/main" id="{69C753ED-2034-8E2C-5977-D0EA40EF120C}"/>
+              <a16:creationId xmlns:a16="http://schemas.microsoft.com/office/drawing/2014/main" id="{06182B63-1066-4A2B-CA65-590CCEAEC9DF}"/>
             </a:ext>
           </a:extLst>
         </p:cNvPr>
@@ -8843,12 +10373,291 @@
           <a:chExt cx="0" cy="0"/>
         </a:xfrm>
       </p:grpSpPr>
+      <p:pic>
+        <p:nvPicPr>
+          <p:cNvPr id="3" name="Picture 2" descr="A screenshot of a gas station&#10;&#10;AI-generated content may be incorrect.">
+            <a:extLst>
+              <a:ext uri="{FF2B5EF4-FFF2-40B4-BE49-F238E27FC236}">
+                <a16:creationId xmlns:a16="http://schemas.microsoft.com/office/drawing/2014/main" id="{C70AEFC9-7F43-3E4E-D3C5-0D63BCDCEE0A}"/>
+              </a:ext>
+            </a:extLst>
+          </p:cNvPr>
+          <p:cNvPicPr>
+            <a:picLocks noChangeAspect="1"/>
+          </p:cNvPicPr>
+          <p:nvPr/>
+        </p:nvPicPr>
+        <p:blipFill>
+          <a:blip r:embed="rId4"/>
+          <a:srcRect l="405" t="51571" r="704" b="496"/>
+          <a:stretch>
+            <a:fillRect/>
+          </a:stretch>
+        </p:blipFill>
+        <p:spPr>
+          <a:xfrm>
+            <a:off x="222434" y="280235"/>
+            <a:ext cx="11634538" cy="6564230"/>
+          </a:xfrm>
+          <a:prstGeom prst="rect">
+            <a:avLst/>
+          </a:prstGeom>
+        </p:spPr>
+      </p:pic>
+      <p:sp>
+        <p:nvSpPr>
+          <p:cNvPr id="4" name="TextBox 3">
+            <a:extLst>
+              <a:ext uri="{FF2B5EF4-FFF2-40B4-BE49-F238E27FC236}">
+                <a16:creationId xmlns:a16="http://schemas.microsoft.com/office/drawing/2014/main" id="{3BADD15A-CE0C-5AEF-CD96-071BD8E33CCD}"/>
+              </a:ext>
+            </a:extLst>
+          </p:cNvPr>
+          <p:cNvSpPr txBox="1"/>
+          <p:nvPr/>
+        </p:nvSpPr>
+        <p:spPr>
+          <a:xfrm>
+            <a:off x="4475356" y="1597876"/>
+            <a:ext cx="869795" cy="707886"/>
+          </a:xfrm>
+          <a:prstGeom prst="rect">
+            <a:avLst/>
+          </a:prstGeom>
+          <a:noFill/>
+        </p:spPr>
+        <p:txBody>
+          <a:bodyPr wrap="square" rtlCol="0">
+            <a:spAutoFit/>
+          </a:bodyPr>
+          <a:lstStyle/>
+          <a:p>
+            <a:pPr algn="ctr"/>
+            <a:r>
+              <a:rPr lang="en-GB" sz="4000" b="1" dirty="0">
+                <a:solidFill>
+                  <a:schemeClr val="accent6"/>
+                </a:solidFill>
+              </a:rPr>
+              <a:t>42</a:t>
+            </a:r>
+          </a:p>
+        </p:txBody>
+      </p:sp>
+      <p:sp>
+        <p:nvSpPr>
+          <p:cNvPr id="5" name="Rectangle 4">
+            <a:extLst>
+              <a:ext uri="{FF2B5EF4-FFF2-40B4-BE49-F238E27FC236}">
+                <a16:creationId xmlns:a16="http://schemas.microsoft.com/office/drawing/2014/main" id="{D3CDA32F-A9EF-10A7-07A3-BBD41A9E35C3}"/>
+              </a:ext>
+            </a:extLst>
+          </p:cNvPr>
+          <p:cNvSpPr/>
+          <p:nvPr/>
+        </p:nvSpPr>
+        <p:spPr>
+          <a:xfrm>
+            <a:off x="335028" y="6065799"/>
+            <a:ext cx="6645635" cy="572429"/>
+          </a:xfrm>
+          <a:prstGeom prst="rect">
+            <a:avLst/>
+          </a:prstGeom>
+        </p:spPr>
+        <p:style>
+          <a:lnRef idx="2">
+            <a:schemeClr val="dk1">
+              <a:shade val="15000"/>
+            </a:schemeClr>
+          </a:lnRef>
+          <a:fillRef idx="1">
+            <a:schemeClr val="dk1"/>
+          </a:fillRef>
+          <a:effectRef idx="0">
+            <a:schemeClr val="dk1"/>
+          </a:effectRef>
+          <a:fontRef idx="minor">
+            <a:schemeClr val="lt1"/>
+          </a:fontRef>
+        </p:style>
+        <p:txBody>
+          <a:bodyPr rtlCol="0" anchor="ctr"/>
+          <a:lstStyle/>
+          <a:p>
+            <a:pPr algn="ctr"/>
+            <a:r>
+              <a:rPr lang="en-GB" sz="3600" b="1" dirty="0"/>
+              <a:t>DT: 17s   TYRES: 22s   FUEL: 18s</a:t>
+            </a:r>
+          </a:p>
+        </p:txBody>
+      </p:sp>
+      <p:sp>
+        <p:nvSpPr>
+          <p:cNvPr id="6" name="Rectangle 5">
+            <a:extLst>
+              <a:ext uri="{FF2B5EF4-FFF2-40B4-BE49-F238E27FC236}">
+                <a16:creationId xmlns:a16="http://schemas.microsoft.com/office/drawing/2014/main" id="{6AF41863-5E85-E3F8-7A56-FF94FCD20841}"/>
+              </a:ext>
+            </a:extLst>
+          </p:cNvPr>
+          <p:cNvSpPr/>
+          <p:nvPr/>
+        </p:nvSpPr>
+        <p:spPr>
+          <a:xfrm>
+            <a:off x="7093257" y="6118766"/>
+            <a:ext cx="2291330" cy="466493"/>
+          </a:xfrm>
+          <a:prstGeom prst="rect">
+            <a:avLst/>
+          </a:prstGeom>
+        </p:spPr>
+        <p:style>
+          <a:lnRef idx="2">
+            <a:schemeClr val="dk1">
+              <a:shade val="15000"/>
+            </a:schemeClr>
+          </a:lnRef>
+          <a:fillRef idx="1">
+            <a:schemeClr val="dk1"/>
+          </a:fillRef>
+          <a:effectRef idx="0">
+            <a:schemeClr val="dk1"/>
+          </a:effectRef>
+          <a:fontRef idx="minor">
+            <a:schemeClr val="lt1"/>
+          </a:fontRef>
+        </p:style>
+        <p:txBody>
+          <a:bodyPr rtlCol="0" anchor="ctr"/>
+          <a:lstStyle/>
+          <a:p>
+            <a:pPr algn="ctr"/>
+            <a:r>
+              <a:rPr lang="en-GB" sz="3600" b="1" dirty="0"/>
+              <a:t>57s  Loss</a:t>
+            </a:r>
+          </a:p>
+        </p:txBody>
+      </p:sp>
+      <p:sp>
+        <p:nvSpPr>
+          <p:cNvPr id="7" name="Rectangle 6">
+            <a:extLst>
+              <a:ext uri="{FF2B5EF4-FFF2-40B4-BE49-F238E27FC236}">
+                <a16:creationId xmlns:a16="http://schemas.microsoft.com/office/drawing/2014/main" id="{6ACC1B0B-C075-B34C-9BFB-03734E00EB34}"/>
+              </a:ext>
+            </a:extLst>
+          </p:cNvPr>
+          <p:cNvSpPr/>
+          <p:nvPr/>
+        </p:nvSpPr>
+        <p:spPr>
+          <a:xfrm>
+            <a:off x="914400" y="3300296"/>
+            <a:ext cx="2601951" cy="475786"/>
+          </a:xfrm>
+          <a:prstGeom prst="rect">
+            <a:avLst/>
+          </a:prstGeom>
+        </p:spPr>
+        <p:style>
+          <a:lnRef idx="2">
+            <a:schemeClr val="dk1">
+              <a:shade val="15000"/>
+            </a:schemeClr>
+          </a:lnRef>
+          <a:fillRef idx="1">
+            <a:schemeClr val="dk1"/>
+          </a:fillRef>
+          <a:effectRef idx="0">
+            <a:schemeClr val="dk1"/>
+          </a:effectRef>
+          <a:fontRef idx="minor">
+            <a:schemeClr val="lt1"/>
+          </a:fontRef>
+        </p:style>
+        <p:txBody>
+          <a:bodyPr rtlCol="0" anchor="ctr"/>
+          <a:lstStyle/>
+          <a:p>
+            <a:pPr algn="ctr"/>
+            <a:r>
+              <a:rPr lang="en-GB" sz="3600" b="1" dirty="0">
+                <a:solidFill>
+                  <a:schemeClr val="bg1">
+                    <a:lumMod val="50000"/>
+                  </a:schemeClr>
+                </a:solidFill>
+              </a:rPr>
+              <a:t>CURRENT</a:t>
+            </a:r>
+          </a:p>
+        </p:txBody>
+      </p:sp>
+      <p:sp>
+        <p:nvSpPr>
+          <p:cNvPr id="8" name="Rectangle 7">
+            <a:extLst>
+              <a:ext uri="{FF2B5EF4-FFF2-40B4-BE49-F238E27FC236}">
+                <a16:creationId xmlns:a16="http://schemas.microsoft.com/office/drawing/2014/main" id="{461791F6-99E7-D37B-94B9-BE9ABD0EB795}"/>
+              </a:ext>
+            </a:extLst>
+          </p:cNvPr>
+          <p:cNvSpPr/>
+          <p:nvPr/>
+        </p:nvSpPr>
+        <p:spPr>
+          <a:xfrm>
+            <a:off x="914400" y="4606847"/>
+            <a:ext cx="2601951" cy="475786"/>
+          </a:xfrm>
+          <a:prstGeom prst="rect">
+            <a:avLst/>
+          </a:prstGeom>
+        </p:spPr>
+        <p:style>
+          <a:lnRef idx="2">
+            <a:schemeClr val="dk1">
+              <a:shade val="15000"/>
+            </a:schemeClr>
+          </a:lnRef>
+          <a:fillRef idx="1">
+            <a:schemeClr val="dk1"/>
+          </a:fillRef>
+          <a:effectRef idx="0">
+            <a:schemeClr val="dk1"/>
+          </a:effectRef>
+          <a:fontRef idx="minor">
+            <a:schemeClr val="lt1"/>
+          </a:fontRef>
+        </p:style>
+        <p:txBody>
+          <a:bodyPr rtlCol="0" anchor="ctr"/>
+          <a:lstStyle/>
+          <a:p>
+            <a:pPr algn="ctr"/>
+            <a:r>
+              <a:rPr lang="en-GB" sz="3600" b="1" dirty="0">
+                <a:solidFill>
+                  <a:schemeClr val="bg1">
+                    <a:lumMod val="50000"/>
+                  </a:schemeClr>
+                </a:solidFill>
+              </a:rPr>
+              <a:t>NEXT</a:t>
+            </a:r>
+          </a:p>
+        </p:txBody>
+      </p:sp>
       <p:sp>
         <p:nvSpPr>
           <p:cNvPr id="2" name="Rectangle 1">
             <a:extLst>
               <a:ext uri="{FF2B5EF4-FFF2-40B4-BE49-F238E27FC236}">
-                <a16:creationId xmlns:a16="http://schemas.microsoft.com/office/drawing/2014/main" id="{35392ABA-A1D6-81E3-E7E0-31FF21D6CE56}"/>
+                <a16:creationId xmlns:a16="http://schemas.microsoft.com/office/drawing/2014/main" id="{081E0150-293F-06BA-C24A-2849C0831AC6}"/>
               </a:ext>
             </a:extLst>
           </p:cNvPr>
@@ -8857,18 +10666,20 @@
         </p:nvSpPr>
         <p:spPr>
           <a:xfrm>
-            <a:off x="347621" y="141693"/>
-            <a:ext cx="11496758" cy="6516045"/>
+            <a:off x="657163" y="605278"/>
+            <a:ext cx="3116424" cy="2369976"/>
           </a:xfrm>
           <a:prstGeom prst="rect">
             <a:avLst/>
           </a:prstGeom>
           <a:solidFill>
-            <a:schemeClr val="tx1"/>
+            <a:srgbClr val="156082">
+              <a:alpha val="10196"/>
+            </a:srgbClr>
           </a:solidFill>
           <a:ln w="57150">
             <a:solidFill>
-              <a:srgbClr val="CC00C2"/>
+              <a:srgbClr val="0012C0"/>
             </a:solidFill>
           </a:ln>
         </p:spPr>
@@ -8897,48 +10708,12 @@
           </a:p>
         </p:txBody>
       </p:sp>
-    </p:spTree>
-    <p:extLst>
-      <p:ext uri="{BB962C8B-B14F-4D97-AF65-F5344CB8AC3E}">
-        <p14:creationId xmlns:p14="http://schemas.microsoft.com/office/powerpoint/2010/main" val="3739874058"/>
-      </p:ext>
-    </p:extLst>
-  </p:cSld>
-  <p:clrMapOvr>
-    <a:masterClrMapping/>
-  </p:clrMapOvr>
-</p:sld>
-</file>
-
-<file path=ppt/slides/slide16.xml><?xml version="1.0" encoding="utf-8"?>
-<p:sld xmlns:a="http://schemas.openxmlformats.org/drawingml/2006/main" xmlns:r="http://schemas.openxmlformats.org/officeDocument/2006/relationships" xmlns:p="http://schemas.openxmlformats.org/presentationml/2006/main">
-  <p:cSld>
-    <p:spTree>
-      <p:nvGrpSpPr>
-        <p:cNvPr id="1" name="">
-          <a:extLst>
-            <a:ext uri="{FF2B5EF4-FFF2-40B4-BE49-F238E27FC236}">
-              <a16:creationId xmlns:a16="http://schemas.microsoft.com/office/drawing/2014/main" id="{C96A7A4A-8FFB-485E-5955-40078C59F89F}"/>
-            </a:ext>
-          </a:extLst>
-        </p:cNvPr>
-        <p:cNvGrpSpPr/>
-        <p:nvPr/>
-      </p:nvGrpSpPr>
-      <p:grpSpPr>
-        <a:xfrm>
-          <a:off x="0" y="0"/>
-          <a:ext cx="0" cy="0"/>
-          <a:chOff x="0" y="0"/>
-          <a:chExt cx="0" cy="0"/>
-        </a:xfrm>
-      </p:grpSpPr>
-      <p:sp>
-        <p:nvSpPr>
-          <p:cNvPr id="2" name="Rectangle 1">
-            <a:extLst>
-              <a:ext uri="{FF2B5EF4-FFF2-40B4-BE49-F238E27FC236}">
-                <a16:creationId xmlns:a16="http://schemas.microsoft.com/office/drawing/2014/main" id="{523B168F-92E4-B99F-C261-6FF3EFFFA770}"/>
+      <p:sp>
+        <p:nvSpPr>
+          <p:cNvPr id="9" name="Rectangle 8">
+            <a:extLst>
+              <a:ext uri="{FF2B5EF4-FFF2-40B4-BE49-F238E27FC236}">
+                <a16:creationId xmlns:a16="http://schemas.microsoft.com/office/drawing/2014/main" id="{71154A21-262B-6BCB-830F-EB4433006A56}"/>
               </a:ext>
             </a:extLst>
           </p:cNvPr>
@@ -8947,18 +10722,20 @@
         </p:nvSpPr>
         <p:spPr>
           <a:xfrm>
-            <a:off x="347621" y="141693"/>
-            <a:ext cx="11496758" cy="6516045"/>
+            <a:off x="657163" y="3300295"/>
+            <a:ext cx="3116424" cy="2459413"/>
           </a:xfrm>
           <a:prstGeom prst="rect">
             <a:avLst/>
           </a:prstGeom>
           <a:solidFill>
-            <a:schemeClr val="tx1"/>
+            <a:srgbClr val="156082">
+              <a:alpha val="10196"/>
+            </a:srgbClr>
           </a:solidFill>
           <a:ln w="57150">
             <a:solidFill>
-              <a:srgbClr val="CC00C2"/>
+              <a:srgbClr val="0012C0"/>
             </a:solidFill>
           </a:ln>
         </p:spPr>
@@ -8987,10 +10764,1408 @@
           </a:p>
         </p:txBody>
       </p:sp>
+      <p:sp>
+        <p:nvSpPr>
+          <p:cNvPr id="11" name="Rectangle 10">
+            <a:extLst>
+              <a:ext uri="{FF2B5EF4-FFF2-40B4-BE49-F238E27FC236}">
+                <a16:creationId xmlns:a16="http://schemas.microsoft.com/office/drawing/2014/main" id="{AE6DB3E3-2AAB-FF5B-0B1C-8D5D128A994E}"/>
+              </a:ext>
+            </a:extLst>
+          </p:cNvPr>
+          <p:cNvSpPr/>
+          <p:nvPr/>
+        </p:nvSpPr>
+        <p:spPr>
+          <a:xfrm>
+            <a:off x="292230" y="339365"/>
+            <a:ext cx="11519555" cy="6447933"/>
+          </a:xfrm>
+          <a:prstGeom prst="rect">
+            <a:avLst/>
+          </a:prstGeom>
+          <a:noFill/>
+          <a:ln w="76200"/>
+        </p:spPr>
+        <p:style>
+          <a:lnRef idx="2">
+            <a:schemeClr val="accent1">
+              <a:shade val="15000"/>
+            </a:schemeClr>
+          </a:lnRef>
+          <a:fillRef idx="1">
+            <a:schemeClr val="accent1"/>
+          </a:fillRef>
+          <a:effectRef idx="0">
+            <a:schemeClr val="accent1"/>
+          </a:effectRef>
+          <a:fontRef idx="minor">
+            <a:schemeClr val="lt1"/>
+          </a:fontRef>
+        </p:style>
+        <p:txBody>
+          <a:bodyPr rtlCol="0" anchor="ctr"/>
+          <a:lstStyle/>
+          <a:p>
+            <a:pPr algn="ctr"/>
+            <a:endParaRPr lang="en-GB"/>
+          </a:p>
+        </p:txBody>
+      </p:sp>
+      <p:sp>
+        <p:nvSpPr>
+          <p:cNvPr id="12" name="TextBox 11">
+            <a:extLst>
+              <a:ext uri="{FF2B5EF4-FFF2-40B4-BE49-F238E27FC236}">
+                <a16:creationId xmlns:a16="http://schemas.microsoft.com/office/drawing/2014/main" id="{BD4BF9F1-2433-93C1-63D6-13D330A8C455}"/>
+              </a:ext>
+            </a:extLst>
+          </p:cNvPr>
+          <p:cNvSpPr txBox="1"/>
+          <p:nvPr/>
+        </p:nvSpPr>
+        <p:spPr>
+          <a:xfrm>
+            <a:off x="202843" y="-67720"/>
+            <a:ext cx="3514360" cy="369332"/>
+          </a:xfrm>
+          <a:prstGeom prst="rect">
+            <a:avLst/>
+          </a:prstGeom>
+          <a:noFill/>
+        </p:spPr>
+        <p:txBody>
+          <a:bodyPr wrap="none" rtlCol="0">
+            <a:spAutoFit/>
+          </a:bodyPr>
+          <a:lstStyle/>
+          <a:p>
+            <a:r>
+              <a:rPr lang="en-GB" dirty="0"/>
+              <a:t>Message Dash - On Track Pit Page</a:t>
+            </a:r>
+          </a:p>
+        </p:txBody>
+      </p:sp>
+      <p:sp>
+        <p:nvSpPr>
+          <p:cNvPr id="13" name="Rectangle 12">
+            <a:extLst>
+              <a:ext uri="{FF2B5EF4-FFF2-40B4-BE49-F238E27FC236}">
+                <a16:creationId xmlns:a16="http://schemas.microsoft.com/office/drawing/2014/main" id="{6ABED63C-8E35-5595-5065-2B20CEBA6F8E}"/>
+              </a:ext>
+            </a:extLst>
+          </p:cNvPr>
+          <p:cNvSpPr/>
+          <p:nvPr/>
+        </p:nvSpPr>
+        <p:spPr>
+          <a:xfrm>
+            <a:off x="222434" y="280235"/>
+            <a:ext cx="11634538" cy="6564230"/>
+          </a:xfrm>
+          <a:prstGeom prst="rect">
+            <a:avLst/>
+          </a:prstGeom>
+          <a:noFill/>
+          <a:ln w="76200">
+            <a:solidFill>
+              <a:srgbClr val="0012C0"/>
+            </a:solidFill>
+          </a:ln>
+        </p:spPr>
+        <p:style>
+          <a:lnRef idx="2">
+            <a:schemeClr val="accent1">
+              <a:shade val="15000"/>
+            </a:schemeClr>
+          </a:lnRef>
+          <a:fillRef idx="1">
+            <a:schemeClr val="accent1"/>
+          </a:fillRef>
+          <a:effectRef idx="0">
+            <a:schemeClr val="accent1"/>
+          </a:effectRef>
+          <a:fontRef idx="minor">
+            <a:schemeClr val="lt1"/>
+          </a:fontRef>
+        </p:style>
+        <p:txBody>
+          <a:bodyPr rtlCol="0" anchor="ctr"/>
+          <a:lstStyle/>
+          <a:p>
+            <a:pPr algn="ctr"/>
+            <a:endParaRPr lang="en-GB">
+              <a:noFill/>
+            </a:endParaRPr>
+          </a:p>
+        </p:txBody>
+      </p:sp>
     </p:spTree>
     <p:extLst>
       <p:ext uri="{BB962C8B-B14F-4D97-AF65-F5344CB8AC3E}">
-        <p14:creationId xmlns:p14="http://schemas.microsoft.com/office/powerpoint/2010/main" val="3564034466"/>
+        <p14:creationId xmlns:p14="http://schemas.microsoft.com/office/powerpoint/2010/main" val="1087879137"/>
+      </p:ext>
+    </p:extLst>
+  </p:cSld>
+  <p:clrMapOvr>
+    <a:masterClrMapping/>
+  </p:clrMapOvr>
+  <p:extLst>
+    <p:ext uri="{6950BFC3-D8DA-4A85-94F7-54DA5524770B}">
+      <p188:commentRel xmlns:p188="http://schemas.microsoft.com/office/powerpoint/2018/8/main" r:id="rId3"/>
+    </p:ext>
+  </p:extLst>
+</p:sld>
+</file>
+
+<file path=ppt/slides/slide18.xml><?xml version="1.0" encoding="utf-8"?>
+<p:sld xmlns:a="http://schemas.openxmlformats.org/drawingml/2006/main" xmlns:r="http://schemas.openxmlformats.org/officeDocument/2006/relationships" xmlns:p="http://schemas.openxmlformats.org/presentationml/2006/main">
+  <p:cSld>
+    <p:spTree>
+      <p:nvGrpSpPr>
+        <p:cNvPr id="1" name="">
+          <a:extLst>
+            <a:ext uri="{FF2B5EF4-FFF2-40B4-BE49-F238E27FC236}">
+              <a16:creationId xmlns:a16="http://schemas.microsoft.com/office/drawing/2014/main" id="{A9CB2FBA-8061-EC78-D32B-132EC1879955}"/>
+            </a:ext>
+          </a:extLst>
+        </p:cNvPr>
+        <p:cNvGrpSpPr/>
+        <p:nvPr/>
+      </p:nvGrpSpPr>
+      <p:grpSpPr>
+        <a:xfrm>
+          <a:off x="0" y="0"/>
+          <a:ext cx="0" cy="0"/>
+          <a:chOff x="0" y="0"/>
+          <a:chExt cx="0" cy="0"/>
+        </a:xfrm>
+      </p:grpSpPr>
+      <p:sp>
+        <p:nvSpPr>
+          <p:cNvPr id="2" name="Rectangle 1">
+            <a:extLst>
+              <a:ext uri="{FF2B5EF4-FFF2-40B4-BE49-F238E27FC236}">
+                <a16:creationId xmlns:a16="http://schemas.microsoft.com/office/drawing/2014/main" id="{3C86055A-FAE8-4265-B28A-5EC89939E458}"/>
+              </a:ext>
+            </a:extLst>
+          </p:cNvPr>
+          <p:cNvSpPr/>
+          <p:nvPr/>
+        </p:nvSpPr>
+        <p:spPr>
+          <a:xfrm>
+            <a:off x="347621" y="318982"/>
+            <a:ext cx="11496758" cy="6516045"/>
+          </a:xfrm>
+          <a:prstGeom prst="rect">
+            <a:avLst/>
+          </a:prstGeom>
+          <a:solidFill>
+            <a:schemeClr val="tx1"/>
+          </a:solidFill>
+          <a:ln w="57150">
+            <a:solidFill>
+              <a:schemeClr val="bg1">
+                <a:lumMod val="95000"/>
+              </a:schemeClr>
+            </a:solidFill>
+          </a:ln>
+        </p:spPr>
+        <p:style>
+          <a:lnRef idx="2">
+            <a:schemeClr val="accent1">
+              <a:shade val="15000"/>
+            </a:schemeClr>
+          </a:lnRef>
+          <a:fillRef idx="1">
+            <a:schemeClr val="accent1"/>
+          </a:fillRef>
+          <a:effectRef idx="0">
+            <a:schemeClr val="accent1"/>
+          </a:effectRef>
+          <a:fontRef idx="minor">
+            <a:schemeClr val="lt1"/>
+          </a:fontRef>
+        </p:style>
+        <p:txBody>
+          <a:bodyPr rtlCol="0" anchor="ctr"/>
+          <a:lstStyle/>
+          <a:p>
+            <a:pPr algn="ctr"/>
+            <a:endParaRPr lang="en-GB" sz="4800" b="1" dirty="0"/>
+          </a:p>
+        </p:txBody>
+      </p:sp>
+      <p:sp>
+        <p:nvSpPr>
+          <p:cNvPr id="4" name="Rectangle 3">
+            <a:extLst>
+              <a:ext uri="{FF2B5EF4-FFF2-40B4-BE49-F238E27FC236}">
+                <a16:creationId xmlns:a16="http://schemas.microsoft.com/office/drawing/2014/main" id="{B08EF1C8-97E6-48DA-2435-3B13F7694765}"/>
+              </a:ext>
+            </a:extLst>
+          </p:cNvPr>
+          <p:cNvSpPr/>
+          <p:nvPr/>
+        </p:nvSpPr>
+        <p:spPr>
+          <a:xfrm>
+            <a:off x="371495" y="348267"/>
+            <a:ext cx="1423193" cy="6486759"/>
+          </a:xfrm>
+          <a:prstGeom prst="rect">
+            <a:avLst/>
+          </a:prstGeom>
+          <a:ln w="57150">
+            <a:solidFill>
+              <a:schemeClr val="bg1">
+                <a:lumMod val="95000"/>
+              </a:schemeClr>
+            </a:solidFill>
+          </a:ln>
+        </p:spPr>
+        <p:style>
+          <a:lnRef idx="2">
+            <a:schemeClr val="dk1">
+              <a:shade val="15000"/>
+            </a:schemeClr>
+          </a:lnRef>
+          <a:fillRef idx="1">
+            <a:schemeClr val="dk1"/>
+          </a:fillRef>
+          <a:effectRef idx="0">
+            <a:schemeClr val="dk1"/>
+          </a:effectRef>
+          <a:fontRef idx="minor">
+            <a:schemeClr val="lt1"/>
+          </a:fontRef>
+        </p:style>
+        <p:txBody>
+          <a:bodyPr rtlCol="0" anchor="ctr"/>
+          <a:lstStyle/>
+          <a:p>
+            <a:pPr algn="ctr"/>
+            <a:endParaRPr lang="en-GB"/>
+          </a:p>
+        </p:txBody>
+      </p:sp>
+      <p:sp>
+        <p:nvSpPr>
+          <p:cNvPr id="5" name="Rectangle 4">
+            <a:extLst>
+              <a:ext uri="{FF2B5EF4-FFF2-40B4-BE49-F238E27FC236}">
+                <a16:creationId xmlns:a16="http://schemas.microsoft.com/office/drawing/2014/main" id="{06B0F652-73EF-5854-0FF3-F0A08306CEDB}"/>
+              </a:ext>
+            </a:extLst>
+          </p:cNvPr>
+          <p:cNvSpPr/>
+          <p:nvPr/>
+        </p:nvSpPr>
+        <p:spPr>
+          <a:xfrm>
+            <a:off x="10386946" y="348267"/>
+            <a:ext cx="1423193" cy="6477151"/>
+          </a:xfrm>
+          <a:prstGeom prst="rect">
+            <a:avLst/>
+          </a:prstGeom>
+          <a:ln w="57150">
+            <a:solidFill>
+              <a:schemeClr val="bg1">
+                <a:lumMod val="95000"/>
+              </a:schemeClr>
+            </a:solidFill>
+          </a:ln>
+        </p:spPr>
+        <p:style>
+          <a:lnRef idx="2">
+            <a:schemeClr val="dk1">
+              <a:shade val="15000"/>
+            </a:schemeClr>
+          </a:lnRef>
+          <a:fillRef idx="1">
+            <a:schemeClr val="dk1"/>
+          </a:fillRef>
+          <a:effectRef idx="0">
+            <a:schemeClr val="dk1"/>
+          </a:effectRef>
+          <a:fontRef idx="minor">
+            <a:schemeClr val="lt1"/>
+          </a:fontRef>
+        </p:style>
+        <p:txBody>
+          <a:bodyPr rtlCol="0" anchor="ctr"/>
+          <a:lstStyle/>
+          <a:p>
+            <a:pPr algn="ctr"/>
+            <a:endParaRPr lang="en-GB" dirty="0"/>
+          </a:p>
+        </p:txBody>
+      </p:sp>
+      <p:pic>
+        <p:nvPicPr>
+          <p:cNvPr id="12" name="Picture 11" descr="A pink rectangle with white text&#10;&#10;AI-generated content may be incorrect.">
+            <a:extLst>
+              <a:ext uri="{FF2B5EF4-FFF2-40B4-BE49-F238E27FC236}">
+                <a16:creationId xmlns:a16="http://schemas.microsoft.com/office/drawing/2014/main" id="{5DC2E963-FB59-0499-E070-B7B9C87401D8}"/>
+              </a:ext>
+            </a:extLst>
+          </p:cNvPr>
+          <p:cNvPicPr>
+            <a:picLocks noChangeAspect="1"/>
+          </p:cNvPicPr>
+          <p:nvPr/>
+        </p:nvPicPr>
+        <p:blipFill>
+          <a:blip r:embed="rId3"/>
+          <a:stretch>
+            <a:fillRect/>
+          </a:stretch>
+        </p:blipFill>
+        <p:spPr>
+          <a:xfrm>
+            <a:off x="10386947" y="387160"/>
+            <a:ext cx="1378589" cy="6408972"/>
+          </a:xfrm>
+          <a:prstGeom prst="rect">
+            <a:avLst/>
+          </a:prstGeom>
+        </p:spPr>
+      </p:pic>
+      <p:cxnSp>
+        <p:nvCxnSpPr>
+          <p:cNvPr id="14" name="Straight Connector 13">
+            <a:extLst>
+              <a:ext uri="{FF2B5EF4-FFF2-40B4-BE49-F238E27FC236}">
+                <a16:creationId xmlns:a16="http://schemas.microsoft.com/office/drawing/2014/main" id="{9AD44E3E-04C3-3BB3-FBBF-9E5B7A1E8DD0}"/>
+              </a:ext>
+            </a:extLst>
+          </p:cNvPr>
+          <p:cNvCxnSpPr/>
+          <p:nvPr/>
+        </p:nvCxnSpPr>
+        <p:spPr>
+          <a:xfrm>
+            <a:off x="1794688" y="1805364"/>
+            <a:ext cx="8592258" cy="0"/>
+          </a:xfrm>
+          <a:prstGeom prst="line">
+            <a:avLst/>
+          </a:prstGeom>
+          <a:ln w="57150">
+            <a:solidFill>
+              <a:schemeClr val="bg1">
+                <a:lumMod val="95000"/>
+              </a:schemeClr>
+            </a:solidFill>
+          </a:ln>
+        </p:spPr>
+        <p:style>
+          <a:lnRef idx="2">
+            <a:schemeClr val="accent1"/>
+          </a:lnRef>
+          <a:fillRef idx="0">
+            <a:schemeClr val="accent1"/>
+          </a:fillRef>
+          <a:effectRef idx="1">
+            <a:schemeClr val="accent1"/>
+          </a:effectRef>
+          <a:fontRef idx="minor">
+            <a:schemeClr val="tx1"/>
+          </a:fontRef>
+        </p:style>
+      </p:cxnSp>
+      <p:sp>
+        <p:nvSpPr>
+          <p:cNvPr id="15" name="TextBox 14">
+            <a:extLst>
+              <a:ext uri="{FF2B5EF4-FFF2-40B4-BE49-F238E27FC236}">
+                <a16:creationId xmlns:a16="http://schemas.microsoft.com/office/drawing/2014/main" id="{BAFFBB7B-6DF5-B7F7-282A-44AF42C99468}"/>
+              </a:ext>
+            </a:extLst>
+          </p:cNvPr>
+          <p:cNvSpPr txBox="1"/>
+          <p:nvPr/>
+        </p:nvSpPr>
+        <p:spPr>
+          <a:xfrm>
+            <a:off x="4851731" y="1806672"/>
+            <a:ext cx="2421176" cy="1661993"/>
+          </a:xfrm>
+          <a:prstGeom prst="rect">
+            <a:avLst/>
+          </a:prstGeom>
+          <a:noFill/>
+        </p:spPr>
+        <p:txBody>
+          <a:bodyPr wrap="none" rtlCol="0">
+            <a:spAutoFit/>
+          </a:bodyPr>
+          <a:lstStyle/>
+          <a:p>
+            <a:pPr algn="ctr"/>
+            <a:r>
+              <a:rPr lang="en-GB" sz="3600" b="1" dirty="0">
+                <a:solidFill>
+                  <a:schemeClr val="tx1">
+                    <a:lumMod val="50000"/>
+                    <a:lumOff val="50000"/>
+                  </a:schemeClr>
+                </a:solidFill>
+              </a:rPr>
+              <a:t>REQUIRED</a:t>
+            </a:r>
+            <a:br>
+              <a:rPr lang="en-GB" sz="3600" b="1" dirty="0">
+                <a:solidFill>
+                  <a:schemeClr val="tx1">
+                    <a:lumMod val="50000"/>
+                    <a:lumOff val="50000"/>
+                  </a:schemeClr>
+                </a:solidFill>
+              </a:rPr>
+            </a:br>
+            <a:r>
+              <a:rPr lang="en-GB" sz="6600" b="1" dirty="0">
+                <a:solidFill>
+                  <a:schemeClr val="bg1"/>
+                </a:solidFill>
+              </a:rPr>
+              <a:t>10</a:t>
+            </a:r>
+          </a:p>
+        </p:txBody>
+      </p:sp>
+      <p:cxnSp>
+        <p:nvCxnSpPr>
+          <p:cNvPr id="21" name="Straight Connector 20">
+            <a:extLst>
+              <a:ext uri="{FF2B5EF4-FFF2-40B4-BE49-F238E27FC236}">
+                <a16:creationId xmlns:a16="http://schemas.microsoft.com/office/drawing/2014/main" id="{DBDFFC56-8E92-87A9-7E01-343DA739AA15}"/>
+              </a:ext>
+            </a:extLst>
+          </p:cNvPr>
+          <p:cNvCxnSpPr/>
+          <p:nvPr/>
+        </p:nvCxnSpPr>
+        <p:spPr>
+          <a:xfrm>
+            <a:off x="1794687" y="5255574"/>
+            <a:ext cx="8592258" cy="0"/>
+          </a:xfrm>
+          <a:prstGeom prst="line">
+            <a:avLst/>
+          </a:prstGeom>
+          <a:ln w="57150">
+            <a:solidFill>
+              <a:schemeClr val="bg1">
+                <a:lumMod val="95000"/>
+              </a:schemeClr>
+            </a:solidFill>
+          </a:ln>
+        </p:spPr>
+        <p:style>
+          <a:lnRef idx="2">
+            <a:schemeClr val="accent1"/>
+          </a:lnRef>
+          <a:fillRef idx="0">
+            <a:schemeClr val="accent1"/>
+          </a:fillRef>
+          <a:effectRef idx="1">
+            <a:schemeClr val="accent1"/>
+          </a:effectRef>
+          <a:fontRef idx="minor">
+            <a:schemeClr val="tx1"/>
+          </a:fontRef>
+        </p:style>
+      </p:cxnSp>
+      <p:cxnSp>
+        <p:nvCxnSpPr>
+          <p:cNvPr id="24" name="Straight Connector 23">
+            <a:extLst>
+              <a:ext uri="{FF2B5EF4-FFF2-40B4-BE49-F238E27FC236}">
+                <a16:creationId xmlns:a16="http://schemas.microsoft.com/office/drawing/2014/main" id="{2FE4AD89-4E0F-8496-C174-09CD06393617}"/>
+              </a:ext>
+            </a:extLst>
+          </p:cNvPr>
+          <p:cNvCxnSpPr/>
+          <p:nvPr/>
+        </p:nvCxnSpPr>
+        <p:spPr>
+          <a:xfrm>
+            <a:off x="1794687" y="3478301"/>
+            <a:ext cx="8592258" cy="0"/>
+          </a:xfrm>
+          <a:prstGeom prst="line">
+            <a:avLst/>
+          </a:prstGeom>
+          <a:ln w="57150">
+            <a:solidFill>
+              <a:schemeClr val="bg1">
+                <a:lumMod val="95000"/>
+              </a:schemeClr>
+            </a:solidFill>
+          </a:ln>
+        </p:spPr>
+        <p:style>
+          <a:lnRef idx="2">
+            <a:schemeClr val="accent1"/>
+          </a:lnRef>
+          <a:fillRef idx="0">
+            <a:schemeClr val="accent1"/>
+          </a:fillRef>
+          <a:effectRef idx="1">
+            <a:schemeClr val="accent1"/>
+          </a:effectRef>
+          <a:fontRef idx="minor">
+            <a:schemeClr val="tx1"/>
+          </a:fontRef>
+        </p:style>
+      </p:cxnSp>
+      <p:sp>
+        <p:nvSpPr>
+          <p:cNvPr id="26" name="TextBox 25">
+            <a:extLst>
+              <a:ext uri="{FF2B5EF4-FFF2-40B4-BE49-F238E27FC236}">
+                <a16:creationId xmlns:a16="http://schemas.microsoft.com/office/drawing/2014/main" id="{CAA5CE52-1F8F-CF02-7C71-29DB70064BD5}"/>
+              </a:ext>
+            </a:extLst>
+          </p:cNvPr>
+          <p:cNvSpPr txBox="1"/>
+          <p:nvPr/>
+        </p:nvSpPr>
+        <p:spPr>
+          <a:xfrm>
+            <a:off x="4816517" y="5294760"/>
+            <a:ext cx="2574253" cy="1569660"/>
+          </a:xfrm>
+          <a:prstGeom prst="rect">
+            <a:avLst/>
+          </a:prstGeom>
+          <a:noFill/>
+        </p:spPr>
+        <p:txBody>
+          <a:bodyPr wrap="square" rtlCol="0">
+            <a:spAutoFit/>
+          </a:bodyPr>
+          <a:lstStyle/>
+          <a:p>
+            <a:pPr algn="ctr"/>
+            <a:r>
+              <a:rPr lang="en-GB" sz="3600" b="1" dirty="0">
+                <a:solidFill>
+                  <a:schemeClr val="tx1">
+                    <a:lumMod val="50000"/>
+                    <a:lumOff val="50000"/>
+                  </a:schemeClr>
+                </a:solidFill>
+              </a:rPr>
+              <a:t>FUEL CONF</a:t>
+            </a:r>
+            <a:br>
+              <a:rPr lang="en-GB" sz="3600" b="1" dirty="0">
+                <a:solidFill>
+                  <a:schemeClr val="tx1">
+                    <a:lumMod val="50000"/>
+                    <a:lumOff val="50000"/>
+                  </a:schemeClr>
+                </a:solidFill>
+              </a:rPr>
+            </a:br>
+            <a:r>
+              <a:rPr lang="en-GB" sz="6000" b="1" dirty="0">
+                <a:solidFill>
+                  <a:srgbClr val="FFFF00"/>
+                </a:solidFill>
+              </a:rPr>
+              <a:t>70%</a:t>
+            </a:r>
+            <a:endParaRPr lang="en-GB" sz="3600" b="1" dirty="0">
+              <a:solidFill>
+                <a:srgbClr val="FFFF00"/>
+              </a:solidFill>
+            </a:endParaRPr>
+          </a:p>
+        </p:txBody>
+      </p:sp>
+      <p:sp>
+        <p:nvSpPr>
+          <p:cNvPr id="27" name="TextBox 26">
+            <a:extLst>
+              <a:ext uri="{FF2B5EF4-FFF2-40B4-BE49-F238E27FC236}">
+                <a16:creationId xmlns:a16="http://schemas.microsoft.com/office/drawing/2014/main" id="{1419E766-BB22-66BE-688A-3F8E8EF625B6}"/>
+              </a:ext>
+            </a:extLst>
+          </p:cNvPr>
+          <p:cNvSpPr txBox="1"/>
+          <p:nvPr/>
+        </p:nvSpPr>
+        <p:spPr>
+          <a:xfrm>
+            <a:off x="2363073" y="5290777"/>
+            <a:ext cx="1686160" cy="1569660"/>
+          </a:xfrm>
+          <a:prstGeom prst="rect">
+            <a:avLst/>
+          </a:prstGeom>
+          <a:noFill/>
+        </p:spPr>
+        <p:txBody>
+          <a:bodyPr wrap="square" rtlCol="0">
+            <a:spAutoFit/>
+          </a:bodyPr>
+          <a:lstStyle/>
+          <a:p>
+            <a:pPr algn="ctr"/>
+            <a:r>
+              <a:rPr lang="en-GB" sz="3600" b="1" dirty="0">
+                <a:solidFill>
+                  <a:schemeClr val="tx1">
+                    <a:lumMod val="50000"/>
+                    <a:lumOff val="50000"/>
+                  </a:schemeClr>
+                </a:solidFill>
+              </a:rPr>
+              <a:t>SAVE </a:t>
+            </a:r>
+            <a:br>
+              <a:rPr lang="en-GB" sz="3600" b="1" dirty="0">
+                <a:solidFill>
+                  <a:schemeClr val="tx1">
+                    <a:lumMod val="50000"/>
+                    <a:lumOff val="50000"/>
+                  </a:schemeClr>
+                </a:solidFill>
+              </a:rPr>
+            </a:br>
+            <a:r>
+              <a:rPr lang="en-GB" sz="6000" b="1" dirty="0">
+                <a:solidFill>
+                  <a:srgbClr val="92D050"/>
+                </a:solidFill>
+              </a:rPr>
+              <a:t>2.3</a:t>
+            </a:r>
+            <a:endParaRPr lang="en-GB" sz="3600" b="1" dirty="0">
+              <a:solidFill>
+                <a:srgbClr val="92D050"/>
+              </a:solidFill>
+            </a:endParaRPr>
+          </a:p>
+        </p:txBody>
+      </p:sp>
+      <p:sp>
+        <p:nvSpPr>
+          <p:cNvPr id="28" name="TextBox 27">
+            <a:extLst>
+              <a:ext uri="{FF2B5EF4-FFF2-40B4-BE49-F238E27FC236}">
+                <a16:creationId xmlns:a16="http://schemas.microsoft.com/office/drawing/2014/main" id="{277FA1A6-D5CB-4531-FD58-048A9EDCCF21}"/>
+              </a:ext>
+            </a:extLst>
+          </p:cNvPr>
+          <p:cNvSpPr txBox="1"/>
+          <p:nvPr/>
+        </p:nvSpPr>
+        <p:spPr>
+          <a:xfrm>
+            <a:off x="8152871" y="5294760"/>
+            <a:ext cx="1764892" cy="1569660"/>
+          </a:xfrm>
+          <a:prstGeom prst="rect">
+            <a:avLst/>
+          </a:prstGeom>
+          <a:noFill/>
+        </p:spPr>
+        <p:txBody>
+          <a:bodyPr wrap="square" rtlCol="0">
+            <a:spAutoFit/>
+          </a:bodyPr>
+          <a:lstStyle/>
+          <a:p>
+            <a:pPr algn="ctr"/>
+            <a:r>
+              <a:rPr lang="en-GB" sz="3600" b="1" dirty="0">
+                <a:solidFill>
+                  <a:schemeClr val="tx1">
+                    <a:lumMod val="50000"/>
+                    <a:lumOff val="50000"/>
+                  </a:schemeClr>
+                </a:solidFill>
+              </a:rPr>
+              <a:t>PUSH</a:t>
+            </a:r>
+            <a:br>
+              <a:rPr lang="en-GB" sz="3600" b="1" dirty="0">
+                <a:solidFill>
+                  <a:schemeClr val="tx1">
+                    <a:lumMod val="50000"/>
+                    <a:lumOff val="50000"/>
+                  </a:schemeClr>
+                </a:solidFill>
+              </a:rPr>
+            </a:br>
+            <a:r>
+              <a:rPr lang="en-GB" sz="6000" b="1" dirty="0">
+                <a:solidFill>
+                  <a:srgbClr val="FF0000"/>
+                </a:solidFill>
+              </a:rPr>
+              <a:t>-0.5</a:t>
+            </a:r>
+            <a:endParaRPr lang="en-GB" sz="3600" b="1" dirty="0">
+              <a:solidFill>
+                <a:srgbClr val="FF0000"/>
+              </a:solidFill>
+            </a:endParaRPr>
+          </a:p>
+        </p:txBody>
+      </p:sp>
+      <p:sp>
+        <p:nvSpPr>
+          <p:cNvPr id="30" name="Rectangle 29">
+            <a:extLst>
+              <a:ext uri="{FF2B5EF4-FFF2-40B4-BE49-F238E27FC236}">
+                <a16:creationId xmlns:a16="http://schemas.microsoft.com/office/drawing/2014/main" id="{8764A325-840C-9F9D-AA65-47A8A777B475}"/>
+              </a:ext>
+            </a:extLst>
+          </p:cNvPr>
+          <p:cNvSpPr/>
+          <p:nvPr/>
+        </p:nvSpPr>
+        <p:spPr>
+          <a:xfrm>
+            <a:off x="1848722" y="415259"/>
+            <a:ext cx="8484194" cy="1348618"/>
+          </a:xfrm>
+          <a:prstGeom prst="rect">
+            <a:avLst/>
+          </a:prstGeom>
+          <a:solidFill>
+            <a:srgbClr val="00B050"/>
+          </a:solidFill>
+        </p:spPr>
+        <p:style>
+          <a:lnRef idx="2">
+            <a:schemeClr val="accent4">
+              <a:shade val="15000"/>
+            </a:schemeClr>
+          </a:lnRef>
+          <a:fillRef idx="1">
+            <a:schemeClr val="accent4"/>
+          </a:fillRef>
+          <a:effectRef idx="0">
+            <a:schemeClr val="accent4"/>
+          </a:effectRef>
+          <a:fontRef idx="minor">
+            <a:schemeClr val="lt1"/>
+          </a:fontRef>
+        </p:style>
+        <p:txBody>
+          <a:bodyPr rtlCol="0" anchor="ctr"/>
+          <a:lstStyle/>
+          <a:p>
+            <a:pPr algn="ctr"/>
+            <a:r>
+              <a:rPr lang="en-GB" sz="4800" b="1" dirty="0"/>
+              <a:t>PIT WINDOW OPEN L12 – L20</a:t>
+            </a:r>
+          </a:p>
+          <a:p>
+            <a:pPr algn="ctr"/>
+            <a:r>
+              <a:rPr lang="en-GB" sz="3600" b="1" dirty="0"/>
+              <a:t>Refuel 30l + Tyres + Repair </a:t>
+            </a:r>
+          </a:p>
+        </p:txBody>
+      </p:sp>
+      <p:sp>
+        <p:nvSpPr>
+          <p:cNvPr id="31" name="TextBox 30">
+            <a:extLst>
+              <a:ext uri="{FF2B5EF4-FFF2-40B4-BE49-F238E27FC236}">
+                <a16:creationId xmlns:a16="http://schemas.microsoft.com/office/drawing/2014/main" id="{9E4F7A24-9CCD-1D8B-78E6-D456EA8C54D0}"/>
+              </a:ext>
+            </a:extLst>
+          </p:cNvPr>
+          <p:cNvSpPr txBox="1"/>
+          <p:nvPr/>
+        </p:nvSpPr>
+        <p:spPr>
+          <a:xfrm>
+            <a:off x="380132" y="-21065"/>
+            <a:ext cx="3681521" cy="369332"/>
+          </a:xfrm>
+          <a:prstGeom prst="rect">
+            <a:avLst/>
+          </a:prstGeom>
+          <a:noFill/>
+        </p:spPr>
+        <p:txBody>
+          <a:bodyPr wrap="none" rtlCol="0">
+            <a:spAutoFit/>
+          </a:bodyPr>
+          <a:lstStyle/>
+          <a:p>
+            <a:r>
+              <a:rPr lang="en-GB" dirty="0"/>
+              <a:t>Message Dash - On Track Fuel Page</a:t>
+            </a:r>
+          </a:p>
+        </p:txBody>
+      </p:sp>
+      <p:sp>
+        <p:nvSpPr>
+          <p:cNvPr id="3" name="TextBox 2">
+            <a:extLst>
+              <a:ext uri="{FF2B5EF4-FFF2-40B4-BE49-F238E27FC236}">
+                <a16:creationId xmlns:a16="http://schemas.microsoft.com/office/drawing/2014/main" id="{C2C79706-C408-0E23-7A4D-509F52D7E5A2}"/>
+              </a:ext>
+            </a:extLst>
+          </p:cNvPr>
+          <p:cNvSpPr txBox="1"/>
+          <p:nvPr/>
+        </p:nvSpPr>
+        <p:spPr>
+          <a:xfrm rot="16200000">
+            <a:off x="-1839902" y="3105735"/>
+            <a:ext cx="5828134" cy="830997"/>
+          </a:xfrm>
+          <a:prstGeom prst="rect">
+            <a:avLst/>
+          </a:prstGeom>
+          <a:noFill/>
+        </p:spPr>
+        <p:txBody>
+          <a:bodyPr wrap="none" rtlCol="0">
+            <a:spAutoFit/>
+          </a:bodyPr>
+          <a:lstStyle/>
+          <a:p>
+            <a:pPr algn="ctr"/>
+            <a:r>
+              <a:rPr lang="en-GB" sz="4800" b="1" dirty="0">
+                <a:solidFill>
+                  <a:schemeClr val="tx1">
+                    <a:lumMod val="50000"/>
+                    <a:lumOff val="50000"/>
+                  </a:schemeClr>
+                </a:solidFill>
+              </a:rPr>
+              <a:t>FUEL BURN LADDER</a:t>
+            </a:r>
+            <a:endParaRPr lang="en-GB" sz="8400" b="1" dirty="0">
+              <a:solidFill>
+                <a:srgbClr val="92D050"/>
+              </a:solidFill>
+            </a:endParaRPr>
+          </a:p>
+        </p:txBody>
+      </p:sp>
+      <p:sp>
+        <p:nvSpPr>
+          <p:cNvPr id="6" name="Rectangle 5">
+            <a:extLst>
+              <a:ext uri="{FF2B5EF4-FFF2-40B4-BE49-F238E27FC236}">
+                <a16:creationId xmlns:a16="http://schemas.microsoft.com/office/drawing/2014/main" id="{B12F563E-F630-9384-610E-881E1303EEA8}"/>
+              </a:ext>
+            </a:extLst>
+          </p:cNvPr>
+          <p:cNvSpPr/>
+          <p:nvPr/>
+        </p:nvSpPr>
+        <p:spPr>
+          <a:xfrm>
+            <a:off x="371495" y="347263"/>
+            <a:ext cx="11438644" cy="6487763"/>
+          </a:xfrm>
+          <a:prstGeom prst="rect">
+            <a:avLst/>
+          </a:prstGeom>
+          <a:noFill/>
+          <a:ln w="76200">
+            <a:solidFill>
+              <a:schemeClr val="bg1"/>
+            </a:solidFill>
+          </a:ln>
+        </p:spPr>
+        <p:style>
+          <a:lnRef idx="2">
+            <a:schemeClr val="accent1">
+              <a:shade val="15000"/>
+            </a:schemeClr>
+          </a:lnRef>
+          <a:fillRef idx="1">
+            <a:schemeClr val="accent1"/>
+          </a:fillRef>
+          <a:effectRef idx="0">
+            <a:schemeClr val="accent1"/>
+          </a:effectRef>
+          <a:fontRef idx="minor">
+            <a:schemeClr val="lt1"/>
+          </a:fontRef>
+        </p:style>
+        <p:txBody>
+          <a:bodyPr rtlCol="0" anchor="ctr"/>
+          <a:lstStyle/>
+          <a:p>
+            <a:pPr algn="ctr"/>
+            <a:endParaRPr lang="en-GB"/>
+          </a:p>
+        </p:txBody>
+      </p:sp>
+      <p:sp>
+        <p:nvSpPr>
+          <p:cNvPr id="7" name="TextBox 6">
+            <a:extLst>
+              <a:ext uri="{FF2B5EF4-FFF2-40B4-BE49-F238E27FC236}">
+                <a16:creationId xmlns:a16="http://schemas.microsoft.com/office/drawing/2014/main" id="{81EE6F9C-3D22-77AB-653B-85C27DE2B237}"/>
+              </a:ext>
+            </a:extLst>
+          </p:cNvPr>
+          <p:cNvSpPr txBox="1"/>
+          <p:nvPr/>
+        </p:nvSpPr>
+        <p:spPr>
+          <a:xfrm>
+            <a:off x="7598762" y="1810057"/>
+            <a:ext cx="2726937" cy="1661993"/>
+          </a:xfrm>
+          <a:prstGeom prst="rect">
+            <a:avLst/>
+          </a:prstGeom>
+          <a:noFill/>
+        </p:spPr>
+        <p:txBody>
+          <a:bodyPr wrap="square" rtlCol="0">
+            <a:spAutoFit/>
+          </a:bodyPr>
+          <a:lstStyle/>
+          <a:p>
+            <a:pPr algn="ctr"/>
+            <a:r>
+              <a:rPr lang="en-GB" sz="3600" b="1" dirty="0">
+                <a:solidFill>
+                  <a:schemeClr val="tx1">
+                    <a:lumMod val="50000"/>
+                    <a:lumOff val="50000"/>
+                  </a:schemeClr>
+                </a:solidFill>
+              </a:rPr>
+              <a:t>FUEL NOW</a:t>
+            </a:r>
+            <a:br>
+              <a:rPr lang="en-GB" sz="3600" b="1" dirty="0">
+                <a:solidFill>
+                  <a:schemeClr val="tx1">
+                    <a:lumMod val="50000"/>
+                    <a:lumOff val="50000"/>
+                  </a:schemeClr>
+                </a:solidFill>
+              </a:rPr>
+            </a:br>
+            <a:r>
+              <a:rPr lang="en-GB" sz="6600" b="1" dirty="0">
+                <a:solidFill>
+                  <a:schemeClr val="bg1"/>
+                </a:solidFill>
+              </a:rPr>
+              <a:t>20.5</a:t>
+            </a:r>
+            <a:endParaRPr lang="en-GB" sz="3600" b="1" dirty="0">
+              <a:solidFill>
+                <a:schemeClr val="bg1"/>
+              </a:solidFill>
+            </a:endParaRPr>
+          </a:p>
+        </p:txBody>
+      </p:sp>
+      <p:sp>
+        <p:nvSpPr>
+          <p:cNvPr id="8" name="TextBox 7">
+            <a:extLst>
+              <a:ext uri="{FF2B5EF4-FFF2-40B4-BE49-F238E27FC236}">
+                <a16:creationId xmlns:a16="http://schemas.microsoft.com/office/drawing/2014/main" id="{FD0B337D-61B0-D24A-CB55-4643FAAC32F7}"/>
+              </a:ext>
+            </a:extLst>
+          </p:cNvPr>
+          <p:cNvSpPr txBox="1"/>
+          <p:nvPr/>
+        </p:nvSpPr>
+        <p:spPr>
+          <a:xfrm>
+            <a:off x="1836263" y="1824636"/>
+            <a:ext cx="2862257" cy="1661993"/>
+          </a:xfrm>
+          <a:prstGeom prst="rect">
+            <a:avLst/>
+          </a:prstGeom>
+          <a:noFill/>
+        </p:spPr>
+        <p:txBody>
+          <a:bodyPr wrap="square" rtlCol="0">
+            <a:spAutoFit/>
+          </a:bodyPr>
+          <a:lstStyle/>
+          <a:p>
+            <a:pPr algn="ctr"/>
+            <a:r>
+              <a:rPr lang="en-GB" sz="3600" b="1" dirty="0">
+                <a:solidFill>
+                  <a:schemeClr val="tx1">
+                    <a:lumMod val="50000"/>
+                    <a:lumOff val="50000"/>
+                  </a:schemeClr>
+                </a:solidFill>
+              </a:rPr>
+              <a:t>REQUESTED</a:t>
+            </a:r>
+            <a:br>
+              <a:rPr lang="en-GB" sz="3600" b="1" dirty="0">
+                <a:solidFill>
+                  <a:schemeClr val="tx1">
+                    <a:lumMod val="50000"/>
+                    <a:lumOff val="50000"/>
+                  </a:schemeClr>
+                </a:solidFill>
+              </a:rPr>
+            </a:br>
+            <a:r>
+              <a:rPr lang="en-GB" sz="6600" b="1" dirty="0">
+                <a:solidFill>
+                  <a:srgbClr val="92D050"/>
+                </a:solidFill>
+              </a:rPr>
+              <a:t>12</a:t>
+            </a:r>
+            <a:endParaRPr lang="en-GB" sz="3600" b="1" dirty="0">
+              <a:solidFill>
+                <a:srgbClr val="92D050"/>
+              </a:solidFill>
+            </a:endParaRPr>
+          </a:p>
+        </p:txBody>
+      </p:sp>
+      <p:pic>
+        <p:nvPicPr>
+          <p:cNvPr id="17" name="Picture 16">
+            <a:extLst>
+              <a:ext uri="{FF2B5EF4-FFF2-40B4-BE49-F238E27FC236}">
+                <a16:creationId xmlns:a16="http://schemas.microsoft.com/office/drawing/2014/main" id="{017ED536-D482-21ED-1ACA-A0B406D32AFC}"/>
+              </a:ext>
+            </a:extLst>
+          </p:cNvPr>
+          <p:cNvPicPr>
+            <a:picLocks noChangeAspect="1"/>
+          </p:cNvPicPr>
+          <p:nvPr/>
+        </p:nvPicPr>
+        <p:blipFill>
+          <a:blip r:embed="rId4"/>
+          <a:stretch>
+            <a:fillRect/>
+          </a:stretch>
+        </p:blipFill>
+        <p:spPr>
+          <a:xfrm>
+            <a:off x="1887476" y="3588533"/>
+            <a:ext cx="4951864" cy="1538368"/>
+          </a:xfrm>
+          <a:prstGeom prst="rect">
+            <a:avLst/>
+          </a:prstGeom>
+        </p:spPr>
+      </p:pic>
+      <p:pic>
+        <p:nvPicPr>
+          <p:cNvPr id="19" name="Picture 18">
+            <a:extLst>
+              <a:ext uri="{FF2B5EF4-FFF2-40B4-BE49-F238E27FC236}">
+                <a16:creationId xmlns:a16="http://schemas.microsoft.com/office/drawing/2014/main" id="{E517B786-F63F-9AD5-C015-7B9FA5ECC75C}"/>
+              </a:ext>
+            </a:extLst>
+          </p:cNvPr>
+          <p:cNvPicPr>
+            <a:picLocks noChangeAspect="1"/>
+          </p:cNvPicPr>
+          <p:nvPr/>
+        </p:nvPicPr>
+        <p:blipFill>
+          <a:blip r:embed="rId4"/>
+          <a:srcRect l="33438" r="33677"/>
+          <a:stretch>
+            <a:fillRect/>
+          </a:stretch>
+        </p:blipFill>
+        <p:spPr>
+          <a:xfrm>
+            <a:off x="6963703" y="3574310"/>
+            <a:ext cx="1629791" cy="1539693"/>
+          </a:xfrm>
+          <a:prstGeom prst="rect">
+            <a:avLst/>
+          </a:prstGeom>
+        </p:spPr>
+      </p:pic>
+      <p:pic>
+        <p:nvPicPr>
+          <p:cNvPr id="22" name="Picture 21" descr="A black and pink sign with white text&#10;&#10;AI-generated content may be incorrect.">
+            <a:extLst>
+              <a:ext uri="{FF2B5EF4-FFF2-40B4-BE49-F238E27FC236}">
+                <a16:creationId xmlns:a16="http://schemas.microsoft.com/office/drawing/2014/main" id="{D436B71D-A81E-5D4F-D156-17742564B5BE}"/>
+              </a:ext>
+            </a:extLst>
+          </p:cNvPr>
+          <p:cNvPicPr>
+            <a:picLocks noChangeAspect="1"/>
+          </p:cNvPicPr>
+          <p:nvPr/>
+        </p:nvPicPr>
+        <p:blipFill>
+          <a:blip r:embed="rId5"/>
+          <a:stretch>
+            <a:fillRect/>
+          </a:stretch>
+        </p:blipFill>
+        <p:spPr>
+          <a:xfrm>
+            <a:off x="8724965" y="3574310"/>
+            <a:ext cx="1530509" cy="1538277"/>
+          </a:xfrm>
+          <a:prstGeom prst="rect">
+            <a:avLst/>
+          </a:prstGeom>
+        </p:spPr>
+      </p:pic>
+      <p:sp>
+        <p:nvSpPr>
+          <p:cNvPr id="25" name="Rectangle 24">
+            <a:extLst>
+              <a:ext uri="{FF2B5EF4-FFF2-40B4-BE49-F238E27FC236}">
+                <a16:creationId xmlns:a16="http://schemas.microsoft.com/office/drawing/2014/main" id="{4F22312A-D92D-82CF-0033-805C964878D9}"/>
+              </a:ext>
+            </a:extLst>
+          </p:cNvPr>
+          <p:cNvSpPr/>
+          <p:nvPr/>
+        </p:nvSpPr>
+        <p:spPr>
+          <a:xfrm>
+            <a:off x="8959062" y="3974841"/>
+            <a:ext cx="1062016" cy="737112"/>
+          </a:xfrm>
+          <a:prstGeom prst="rect">
+            <a:avLst/>
+          </a:prstGeom>
+        </p:spPr>
+        <p:style>
+          <a:lnRef idx="2">
+            <a:schemeClr val="dk1">
+              <a:shade val="15000"/>
+            </a:schemeClr>
+          </a:lnRef>
+          <a:fillRef idx="1">
+            <a:schemeClr val="dk1"/>
+          </a:fillRef>
+          <a:effectRef idx="0">
+            <a:schemeClr val="dk1"/>
+          </a:effectRef>
+          <a:fontRef idx="minor">
+            <a:schemeClr val="lt1"/>
+          </a:fontRef>
+        </p:style>
+        <p:txBody>
+          <a:bodyPr rtlCol="0" anchor="ctr"/>
+          <a:lstStyle/>
+          <a:p>
+            <a:pPr algn="ctr"/>
+            <a:r>
+              <a:rPr lang="en-GB" sz="2400" b="1" dirty="0"/>
+              <a:t>ZERO</a:t>
+            </a:r>
+          </a:p>
+        </p:txBody>
+      </p:sp>
+      <p:sp>
+        <p:nvSpPr>
+          <p:cNvPr id="29" name="Rectangle 28">
+            <a:extLst>
+              <a:ext uri="{FF2B5EF4-FFF2-40B4-BE49-F238E27FC236}">
+                <a16:creationId xmlns:a16="http://schemas.microsoft.com/office/drawing/2014/main" id="{A00DD1B0-46BA-03C6-368A-6703C72ACC30}"/>
+              </a:ext>
+            </a:extLst>
+          </p:cNvPr>
+          <p:cNvSpPr/>
+          <p:nvPr/>
+        </p:nvSpPr>
+        <p:spPr>
+          <a:xfrm>
+            <a:off x="7308522" y="3870387"/>
+            <a:ext cx="958399" cy="934878"/>
+          </a:xfrm>
+          <a:prstGeom prst="rect">
+            <a:avLst/>
+          </a:prstGeom>
+        </p:spPr>
+        <p:style>
+          <a:lnRef idx="2">
+            <a:schemeClr val="dk1">
+              <a:shade val="15000"/>
+            </a:schemeClr>
+          </a:lnRef>
+          <a:fillRef idx="1">
+            <a:schemeClr val="dk1"/>
+          </a:fillRef>
+          <a:effectRef idx="0">
+            <a:schemeClr val="dk1"/>
+          </a:effectRef>
+          <a:fontRef idx="minor">
+            <a:schemeClr val="lt1"/>
+          </a:fontRef>
+        </p:style>
+        <p:txBody>
+          <a:bodyPr rtlCol="0" anchor="ctr"/>
+          <a:lstStyle/>
+          <a:p>
+            <a:pPr algn="ctr"/>
+            <a:r>
+              <a:rPr lang="en-GB" sz="2400" b="1" dirty="0"/>
+              <a:t>MAX</a:t>
+            </a:r>
+          </a:p>
+        </p:txBody>
+      </p:sp>
+    </p:spTree>
+    <p:extLst>
+      <p:ext uri="{BB962C8B-B14F-4D97-AF65-F5344CB8AC3E}">
+        <p14:creationId xmlns:p14="http://schemas.microsoft.com/office/powerpoint/2010/main" val="919648532"/>
+      </p:ext>
+    </p:extLst>
+  </p:cSld>
+  <p:clrMapOvr>
+    <a:masterClrMapping/>
+  </p:clrMapOvr>
+</p:sld>
+</file>
+
+<file path=ppt/slides/slide19.xml><?xml version="1.0" encoding="utf-8"?>
+<p:sld xmlns:a="http://schemas.openxmlformats.org/drawingml/2006/main" xmlns:r="http://schemas.openxmlformats.org/officeDocument/2006/relationships" xmlns:p="http://schemas.openxmlformats.org/presentationml/2006/main">
+  <p:cSld>
+    <p:spTree>
+      <p:nvGrpSpPr>
+        <p:cNvPr id="1" name="">
+          <a:extLst>
+            <a:ext uri="{FF2B5EF4-FFF2-40B4-BE49-F238E27FC236}">
+              <a16:creationId xmlns:a16="http://schemas.microsoft.com/office/drawing/2014/main" id="{882C0D8D-42EB-6F4F-46FD-1152ECAB29E4}"/>
+            </a:ext>
+          </a:extLst>
+        </p:cNvPr>
+        <p:cNvGrpSpPr/>
+        <p:nvPr/>
+      </p:nvGrpSpPr>
+      <p:grpSpPr>
+        <a:xfrm>
+          <a:off x="0" y="0"/>
+          <a:ext cx="0" cy="0"/>
+          <a:chOff x="0" y="0"/>
+          <a:chExt cx="0" cy="0"/>
+        </a:xfrm>
+      </p:grpSpPr>
+      <p:sp>
+        <p:nvSpPr>
+          <p:cNvPr id="2" name="Rectangle 1">
+            <a:extLst>
+              <a:ext uri="{FF2B5EF4-FFF2-40B4-BE49-F238E27FC236}">
+                <a16:creationId xmlns:a16="http://schemas.microsoft.com/office/drawing/2014/main" id="{5C8D5F1B-E75A-F614-08B5-4FE3B34F835D}"/>
+              </a:ext>
+            </a:extLst>
+          </p:cNvPr>
+          <p:cNvSpPr/>
+          <p:nvPr/>
+        </p:nvSpPr>
+        <p:spPr>
+          <a:xfrm>
+            <a:off x="347621" y="309649"/>
+            <a:ext cx="11496758" cy="6516045"/>
+          </a:xfrm>
+          <a:prstGeom prst="rect">
+            <a:avLst/>
+          </a:prstGeom>
+          <a:solidFill>
+            <a:schemeClr val="tx1"/>
+          </a:solidFill>
+          <a:ln w="57150">
+            <a:solidFill>
+              <a:schemeClr val="bg1"/>
+            </a:solidFill>
+          </a:ln>
+        </p:spPr>
+        <p:style>
+          <a:lnRef idx="2">
+            <a:schemeClr val="accent1">
+              <a:shade val="15000"/>
+            </a:schemeClr>
+          </a:lnRef>
+          <a:fillRef idx="1">
+            <a:schemeClr val="accent1"/>
+          </a:fillRef>
+          <a:effectRef idx="0">
+            <a:schemeClr val="accent1"/>
+          </a:effectRef>
+          <a:fontRef idx="minor">
+            <a:schemeClr val="lt1"/>
+          </a:fontRef>
+        </p:style>
+        <p:txBody>
+          <a:bodyPr rtlCol="0" anchor="ctr"/>
+          <a:lstStyle/>
+          <a:p>
+            <a:pPr algn="ctr"/>
+            <a:endParaRPr lang="en-GB"/>
+          </a:p>
+        </p:txBody>
+      </p:sp>
+      <p:sp>
+        <p:nvSpPr>
+          <p:cNvPr id="3" name="TextBox 2">
+            <a:extLst>
+              <a:ext uri="{FF2B5EF4-FFF2-40B4-BE49-F238E27FC236}">
+                <a16:creationId xmlns:a16="http://schemas.microsoft.com/office/drawing/2014/main" id="{97D21118-97E0-D2C4-54B5-2D78A5747AFA}"/>
+              </a:ext>
+            </a:extLst>
+          </p:cNvPr>
+          <p:cNvSpPr txBox="1"/>
+          <p:nvPr/>
+        </p:nvSpPr>
+        <p:spPr>
+          <a:xfrm>
+            <a:off x="251927" y="-21065"/>
+            <a:ext cx="2295330" cy="369332"/>
+          </a:xfrm>
+          <a:prstGeom prst="rect">
+            <a:avLst/>
+          </a:prstGeom>
+          <a:noFill/>
+        </p:spPr>
+        <p:txBody>
+          <a:bodyPr wrap="square" rtlCol="0">
+            <a:spAutoFit/>
+          </a:bodyPr>
+          <a:lstStyle/>
+          <a:p>
+            <a:r>
+              <a:rPr lang="en-GB" dirty="0"/>
+              <a:t>On Track</a:t>
+            </a:r>
+          </a:p>
+        </p:txBody>
+      </p:sp>
+    </p:spTree>
+    <p:extLst>
+      <p:ext uri="{BB962C8B-B14F-4D97-AF65-F5344CB8AC3E}">
+        <p14:creationId xmlns:p14="http://schemas.microsoft.com/office/powerpoint/2010/main" val="4143332297"/>
       </p:ext>
     </p:extLst>
   </p:cSld>
@@ -10995,7 +14170,7 @@
         </p:blipFill>
         <p:spPr>
           <a:xfrm>
-            <a:off x="347621" y="141693"/>
+            <a:off x="310297" y="337644"/>
             <a:ext cx="11504191" cy="6516045"/>
           </a:xfrm>
           <a:prstGeom prst="rect">
@@ -11003,6 +14178,41 @@
           </a:prstGeom>
         </p:spPr>
       </p:pic>
+      <p:sp>
+        <p:nvSpPr>
+          <p:cNvPr id="2" name="TextBox 1">
+            <a:extLst>
+              <a:ext uri="{FF2B5EF4-FFF2-40B4-BE49-F238E27FC236}">
+                <a16:creationId xmlns:a16="http://schemas.microsoft.com/office/drawing/2014/main" id="{74FCFE3C-6522-F2F3-F777-8DBD596351E6}"/>
+              </a:ext>
+            </a:extLst>
+          </p:cNvPr>
+          <p:cNvSpPr txBox="1"/>
+          <p:nvPr/>
+        </p:nvSpPr>
+        <p:spPr>
+          <a:xfrm>
+            <a:off x="246782" y="-21065"/>
+            <a:ext cx="2213426" cy="369332"/>
+          </a:xfrm>
+          <a:prstGeom prst="rect">
+            <a:avLst/>
+          </a:prstGeom>
+          <a:noFill/>
+        </p:spPr>
+        <p:txBody>
+          <a:bodyPr wrap="none" rtlCol="0">
+            <a:spAutoFit/>
+          </a:bodyPr>
+          <a:lstStyle/>
+          <a:p>
+            <a:r>
+              <a:rPr lang="en-GB" dirty="0"/>
+              <a:t>On Track Quick Look</a:t>
+            </a:r>
+          </a:p>
+        </p:txBody>
+      </p:sp>
     </p:spTree>
     <p:extLst>
       <p:ext uri="{BB962C8B-B14F-4D97-AF65-F5344CB8AC3E}">
@@ -11017,321 +14227,6 @@
 </file>
 
 <file path=ppt/slides/slide6.xml><?xml version="1.0" encoding="utf-8"?>
-<p:sld xmlns:a="http://schemas.openxmlformats.org/drawingml/2006/main" xmlns:r="http://schemas.openxmlformats.org/officeDocument/2006/relationships" xmlns:p="http://schemas.openxmlformats.org/presentationml/2006/main">
-  <p:cSld>
-    <p:spTree>
-      <p:nvGrpSpPr>
-        <p:cNvPr id="1" name="">
-          <a:extLst>
-            <a:ext uri="{FF2B5EF4-FFF2-40B4-BE49-F238E27FC236}">
-              <a16:creationId xmlns:a16="http://schemas.microsoft.com/office/drawing/2014/main" id="{06182B63-1066-4A2B-CA65-590CCEAEC9DF}"/>
-            </a:ext>
-          </a:extLst>
-        </p:cNvPr>
-        <p:cNvGrpSpPr/>
-        <p:nvPr/>
-      </p:nvGrpSpPr>
-      <p:grpSpPr>
-        <a:xfrm>
-          <a:off x="0" y="0"/>
-          <a:ext cx="0" cy="0"/>
-          <a:chOff x="0" y="0"/>
-          <a:chExt cx="0" cy="0"/>
-        </a:xfrm>
-      </p:grpSpPr>
-      <p:pic>
-        <p:nvPicPr>
-          <p:cNvPr id="3" name="Picture 2" descr="A screenshot of a gas station&#10;&#10;AI-generated content may be incorrect.">
-            <a:extLst>
-              <a:ext uri="{FF2B5EF4-FFF2-40B4-BE49-F238E27FC236}">
-                <a16:creationId xmlns:a16="http://schemas.microsoft.com/office/drawing/2014/main" id="{C70AEFC9-7F43-3E4E-D3C5-0D63BCDCEE0A}"/>
-              </a:ext>
-            </a:extLst>
-          </p:cNvPr>
-          <p:cNvPicPr>
-            <a:picLocks noChangeAspect="1"/>
-          </p:cNvPicPr>
-          <p:nvPr/>
-        </p:nvPicPr>
-        <p:blipFill>
-          <a:blip r:embed="rId3"/>
-          <a:srcRect l="405" t="51571" r="704" b="496"/>
-          <a:stretch>
-            <a:fillRect/>
-          </a:stretch>
-        </p:blipFill>
-        <p:spPr>
-          <a:xfrm>
-            <a:off x="222434" y="146885"/>
-            <a:ext cx="11634538" cy="6564230"/>
-          </a:xfrm>
-          <a:prstGeom prst="rect">
-            <a:avLst/>
-          </a:prstGeom>
-        </p:spPr>
-      </p:pic>
-      <p:sp>
-        <p:nvSpPr>
-          <p:cNvPr id="4" name="TextBox 3">
-            <a:extLst>
-              <a:ext uri="{FF2B5EF4-FFF2-40B4-BE49-F238E27FC236}">
-                <a16:creationId xmlns:a16="http://schemas.microsoft.com/office/drawing/2014/main" id="{3BADD15A-CE0C-5AEF-CD96-071BD8E33CCD}"/>
-              </a:ext>
-            </a:extLst>
-          </p:cNvPr>
-          <p:cNvSpPr txBox="1"/>
-          <p:nvPr/>
-        </p:nvSpPr>
-        <p:spPr>
-          <a:xfrm>
-            <a:off x="4475356" y="1464526"/>
-            <a:ext cx="869795" cy="707886"/>
-          </a:xfrm>
-          <a:prstGeom prst="rect">
-            <a:avLst/>
-          </a:prstGeom>
-          <a:noFill/>
-        </p:spPr>
-        <p:txBody>
-          <a:bodyPr wrap="square" rtlCol="0">
-            <a:spAutoFit/>
-          </a:bodyPr>
-          <a:lstStyle/>
-          <a:p>
-            <a:pPr algn="ctr"/>
-            <a:r>
-              <a:rPr lang="en-GB" sz="4000" b="1" dirty="0">
-                <a:solidFill>
-                  <a:schemeClr val="accent6"/>
-                </a:solidFill>
-              </a:rPr>
-              <a:t>42</a:t>
-            </a:r>
-          </a:p>
-        </p:txBody>
-      </p:sp>
-      <p:sp>
-        <p:nvSpPr>
-          <p:cNvPr id="5" name="Rectangle 4">
-            <a:extLst>
-              <a:ext uri="{FF2B5EF4-FFF2-40B4-BE49-F238E27FC236}">
-                <a16:creationId xmlns:a16="http://schemas.microsoft.com/office/drawing/2014/main" id="{D3CDA32F-A9EF-10A7-07A3-BBD41A9E35C3}"/>
-              </a:ext>
-            </a:extLst>
-          </p:cNvPr>
-          <p:cNvSpPr/>
-          <p:nvPr/>
-        </p:nvSpPr>
-        <p:spPr>
-          <a:xfrm>
-            <a:off x="335028" y="5932449"/>
-            <a:ext cx="6645635" cy="572429"/>
-          </a:xfrm>
-          <a:prstGeom prst="rect">
-            <a:avLst/>
-          </a:prstGeom>
-        </p:spPr>
-        <p:style>
-          <a:lnRef idx="2">
-            <a:schemeClr val="dk1">
-              <a:shade val="15000"/>
-            </a:schemeClr>
-          </a:lnRef>
-          <a:fillRef idx="1">
-            <a:schemeClr val="dk1"/>
-          </a:fillRef>
-          <a:effectRef idx="0">
-            <a:schemeClr val="dk1"/>
-          </a:effectRef>
-          <a:fontRef idx="minor">
-            <a:schemeClr val="lt1"/>
-          </a:fontRef>
-        </p:style>
-        <p:txBody>
-          <a:bodyPr rtlCol="0" anchor="ctr"/>
-          <a:lstStyle/>
-          <a:p>
-            <a:pPr algn="ctr"/>
-            <a:r>
-              <a:rPr lang="en-GB" sz="3600" b="1" dirty="0"/>
-              <a:t>DT: 17s   TYRES: 22s   FUEL: 18s</a:t>
-            </a:r>
-          </a:p>
-        </p:txBody>
-      </p:sp>
-      <p:sp>
-        <p:nvSpPr>
-          <p:cNvPr id="6" name="Rectangle 5">
-            <a:extLst>
-              <a:ext uri="{FF2B5EF4-FFF2-40B4-BE49-F238E27FC236}">
-                <a16:creationId xmlns:a16="http://schemas.microsoft.com/office/drawing/2014/main" id="{6AF41863-5E85-E3F8-7A56-FF94FCD20841}"/>
-              </a:ext>
-            </a:extLst>
-          </p:cNvPr>
-          <p:cNvSpPr/>
-          <p:nvPr/>
-        </p:nvSpPr>
-        <p:spPr>
-          <a:xfrm>
-            <a:off x="7093257" y="5985416"/>
-            <a:ext cx="2291330" cy="466493"/>
-          </a:xfrm>
-          <a:prstGeom prst="rect">
-            <a:avLst/>
-          </a:prstGeom>
-        </p:spPr>
-        <p:style>
-          <a:lnRef idx="2">
-            <a:schemeClr val="dk1">
-              <a:shade val="15000"/>
-            </a:schemeClr>
-          </a:lnRef>
-          <a:fillRef idx="1">
-            <a:schemeClr val="dk1"/>
-          </a:fillRef>
-          <a:effectRef idx="0">
-            <a:schemeClr val="dk1"/>
-          </a:effectRef>
-          <a:fontRef idx="minor">
-            <a:schemeClr val="lt1"/>
-          </a:fontRef>
-        </p:style>
-        <p:txBody>
-          <a:bodyPr rtlCol="0" anchor="ctr"/>
-          <a:lstStyle/>
-          <a:p>
-            <a:pPr algn="ctr"/>
-            <a:r>
-              <a:rPr lang="en-GB" sz="3600" b="1" dirty="0"/>
-              <a:t>COST: 57s</a:t>
-            </a:r>
-          </a:p>
-        </p:txBody>
-      </p:sp>
-      <p:sp>
-        <p:nvSpPr>
-          <p:cNvPr id="7" name="Rectangle 6">
-            <a:extLst>
-              <a:ext uri="{FF2B5EF4-FFF2-40B4-BE49-F238E27FC236}">
-                <a16:creationId xmlns:a16="http://schemas.microsoft.com/office/drawing/2014/main" id="{6ACC1B0B-C075-B34C-9BFB-03734E00EB34}"/>
-              </a:ext>
-            </a:extLst>
-          </p:cNvPr>
-          <p:cNvSpPr/>
-          <p:nvPr/>
-        </p:nvSpPr>
-        <p:spPr>
-          <a:xfrm>
-            <a:off x="914400" y="3166946"/>
-            <a:ext cx="2601951" cy="475786"/>
-          </a:xfrm>
-          <a:prstGeom prst="rect">
-            <a:avLst/>
-          </a:prstGeom>
-        </p:spPr>
-        <p:style>
-          <a:lnRef idx="2">
-            <a:schemeClr val="dk1">
-              <a:shade val="15000"/>
-            </a:schemeClr>
-          </a:lnRef>
-          <a:fillRef idx="1">
-            <a:schemeClr val="dk1"/>
-          </a:fillRef>
-          <a:effectRef idx="0">
-            <a:schemeClr val="dk1"/>
-          </a:effectRef>
-          <a:fontRef idx="minor">
-            <a:schemeClr val="lt1"/>
-          </a:fontRef>
-        </p:style>
-        <p:txBody>
-          <a:bodyPr rtlCol="0" anchor="ctr"/>
-          <a:lstStyle/>
-          <a:p>
-            <a:pPr algn="ctr"/>
-            <a:r>
-              <a:rPr lang="en-GB" sz="3600" b="1" dirty="0">
-                <a:solidFill>
-                  <a:schemeClr val="bg1">
-                    <a:lumMod val="50000"/>
-                  </a:schemeClr>
-                </a:solidFill>
-              </a:rPr>
-              <a:t>CURRENT</a:t>
-            </a:r>
-          </a:p>
-        </p:txBody>
-      </p:sp>
-      <p:sp>
-        <p:nvSpPr>
-          <p:cNvPr id="8" name="Rectangle 7">
-            <a:extLst>
-              <a:ext uri="{FF2B5EF4-FFF2-40B4-BE49-F238E27FC236}">
-                <a16:creationId xmlns:a16="http://schemas.microsoft.com/office/drawing/2014/main" id="{461791F6-99E7-D37B-94B9-BE9ABD0EB795}"/>
-              </a:ext>
-            </a:extLst>
-          </p:cNvPr>
-          <p:cNvSpPr/>
-          <p:nvPr/>
-        </p:nvSpPr>
-        <p:spPr>
-          <a:xfrm>
-            <a:off x="914400" y="4473497"/>
-            <a:ext cx="2601951" cy="475786"/>
-          </a:xfrm>
-          <a:prstGeom prst="rect">
-            <a:avLst/>
-          </a:prstGeom>
-        </p:spPr>
-        <p:style>
-          <a:lnRef idx="2">
-            <a:schemeClr val="dk1">
-              <a:shade val="15000"/>
-            </a:schemeClr>
-          </a:lnRef>
-          <a:fillRef idx="1">
-            <a:schemeClr val="dk1"/>
-          </a:fillRef>
-          <a:effectRef idx="0">
-            <a:schemeClr val="dk1"/>
-          </a:effectRef>
-          <a:fontRef idx="minor">
-            <a:schemeClr val="lt1"/>
-          </a:fontRef>
-        </p:style>
-        <p:txBody>
-          <a:bodyPr rtlCol="0" anchor="ctr"/>
-          <a:lstStyle/>
-          <a:p>
-            <a:pPr algn="ctr"/>
-            <a:r>
-              <a:rPr lang="en-GB" sz="3600" b="1" dirty="0">
-                <a:solidFill>
-                  <a:schemeClr val="bg1">
-                    <a:lumMod val="50000"/>
-                  </a:schemeClr>
-                </a:solidFill>
-              </a:rPr>
-              <a:t>NEXT</a:t>
-            </a:r>
-          </a:p>
-        </p:txBody>
-      </p:sp>
-    </p:spTree>
-    <p:extLst>
-      <p:ext uri="{BB962C8B-B14F-4D97-AF65-F5344CB8AC3E}">
-        <p14:creationId xmlns:p14="http://schemas.microsoft.com/office/powerpoint/2010/main" val="1087879137"/>
-      </p:ext>
-    </p:extLst>
-  </p:cSld>
-  <p:clrMapOvr>
-    <a:masterClrMapping/>
-  </p:clrMapOvr>
-</p:sld>
-</file>
-
-<file path=ppt/slides/slide7.xml><?xml version="1.0" encoding="utf-8"?>
 <p:sld xmlns:a="http://schemas.openxmlformats.org/drawingml/2006/main" xmlns:r="http://schemas.openxmlformats.org/officeDocument/2006/relationships" xmlns:p="http://schemas.openxmlformats.org/presentationml/2006/main">
   <p:cSld>
     <p:spTree>
@@ -11642,8 +14537,8 @@
         </p:blipFill>
         <p:spPr>
           <a:xfrm>
-            <a:off x="1905158" y="1875396"/>
-            <a:ext cx="1686160" cy="1619476"/>
+            <a:off x="1865893" y="1875396"/>
+            <a:ext cx="1772080" cy="1701998"/>
           </a:xfrm>
           <a:prstGeom prst="rect">
             <a:avLst/>
@@ -11672,8 +14567,8 @@
         </p:blipFill>
         <p:spPr>
           <a:xfrm>
-            <a:off x="8657840" y="1875396"/>
-            <a:ext cx="1629002" cy="1619476"/>
+            <a:off x="8556171" y="1875396"/>
+            <a:ext cx="1712009" cy="1701998"/>
           </a:xfrm>
           <a:prstGeom prst="rect">
             <a:avLst/>
@@ -12097,6 +14992,1146 @@
     <p:extLst>
       <p:ext uri="{BB962C8B-B14F-4D97-AF65-F5344CB8AC3E}">
         <p14:creationId xmlns:p14="http://schemas.microsoft.com/office/powerpoint/2010/main" val="222599024"/>
+      </p:ext>
+    </p:extLst>
+  </p:cSld>
+  <p:clrMapOvr>
+    <a:masterClrMapping/>
+  </p:clrMapOvr>
+</p:sld>
+</file>
+
+<file path=ppt/slides/slide7.xml><?xml version="1.0" encoding="utf-8"?>
+<p:sld xmlns:a="http://schemas.openxmlformats.org/drawingml/2006/main" xmlns:r="http://schemas.openxmlformats.org/officeDocument/2006/relationships" xmlns:p="http://schemas.openxmlformats.org/presentationml/2006/main">
+  <p:cSld>
+    <p:spTree>
+      <p:nvGrpSpPr>
+        <p:cNvPr id="1" name="">
+          <a:extLst>
+            <a:ext uri="{FF2B5EF4-FFF2-40B4-BE49-F238E27FC236}">
+              <a16:creationId xmlns:a16="http://schemas.microsoft.com/office/drawing/2014/main" id="{DE4C0434-6662-B691-06B8-14E44A2852A9}"/>
+            </a:ext>
+          </a:extLst>
+        </p:cNvPr>
+        <p:cNvGrpSpPr/>
+        <p:nvPr/>
+      </p:nvGrpSpPr>
+      <p:grpSpPr>
+        <a:xfrm>
+          <a:off x="0" y="0"/>
+          <a:ext cx="0" cy="0"/>
+          <a:chOff x="0" y="0"/>
+          <a:chExt cx="0" cy="0"/>
+        </a:xfrm>
+      </p:grpSpPr>
+      <p:sp>
+        <p:nvSpPr>
+          <p:cNvPr id="2" name="Rectangle 1">
+            <a:extLst>
+              <a:ext uri="{FF2B5EF4-FFF2-40B4-BE49-F238E27FC236}">
+                <a16:creationId xmlns:a16="http://schemas.microsoft.com/office/drawing/2014/main" id="{C1E5D5BA-60F3-BC56-2E20-96A49F5D881D}"/>
+              </a:ext>
+            </a:extLst>
+          </p:cNvPr>
+          <p:cNvSpPr/>
+          <p:nvPr/>
+        </p:nvSpPr>
+        <p:spPr>
+          <a:xfrm>
+            <a:off x="347621" y="318982"/>
+            <a:ext cx="11496758" cy="6516045"/>
+          </a:xfrm>
+          <a:prstGeom prst="rect">
+            <a:avLst/>
+          </a:prstGeom>
+          <a:solidFill>
+            <a:schemeClr val="tx1"/>
+          </a:solidFill>
+          <a:ln w="57150">
+            <a:solidFill>
+              <a:schemeClr val="bg1">
+                <a:lumMod val="95000"/>
+              </a:schemeClr>
+            </a:solidFill>
+          </a:ln>
+        </p:spPr>
+        <p:style>
+          <a:lnRef idx="2">
+            <a:schemeClr val="accent1">
+              <a:shade val="15000"/>
+            </a:schemeClr>
+          </a:lnRef>
+          <a:fillRef idx="1">
+            <a:schemeClr val="accent1"/>
+          </a:fillRef>
+          <a:effectRef idx="0">
+            <a:schemeClr val="accent1"/>
+          </a:effectRef>
+          <a:fontRef idx="minor">
+            <a:schemeClr val="lt1"/>
+          </a:fontRef>
+        </p:style>
+        <p:txBody>
+          <a:bodyPr rtlCol="0" anchor="ctr"/>
+          <a:lstStyle/>
+          <a:p>
+            <a:pPr algn="ctr"/>
+            <a:endParaRPr lang="en-GB" sz="4800" b="1" dirty="0"/>
+          </a:p>
+        </p:txBody>
+      </p:sp>
+      <p:sp>
+        <p:nvSpPr>
+          <p:cNvPr id="4" name="Rectangle 3">
+            <a:extLst>
+              <a:ext uri="{FF2B5EF4-FFF2-40B4-BE49-F238E27FC236}">
+                <a16:creationId xmlns:a16="http://schemas.microsoft.com/office/drawing/2014/main" id="{5DA12D07-2F23-190F-F144-37D6C5F03A3E}"/>
+              </a:ext>
+            </a:extLst>
+          </p:cNvPr>
+          <p:cNvSpPr/>
+          <p:nvPr/>
+        </p:nvSpPr>
+        <p:spPr>
+          <a:xfrm>
+            <a:off x="371495" y="348267"/>
+            <a:ext cx="1423193" cy="6486759"/>
+          </a:xfrm>
+          <a:prstGeom prst="rect">
+            <a:avLst/>
+          </a:prstGeom>
+          <a:ln w="57150">
+            <a:solidFill>
+              <a:schemeClr val="bg1">
+                <a:lumMod val="95000"/>
+              </a:schemeClr>
+            </a:solidFill>
+          </a:ln>
+        </p:spPr>
+        <p:style>
+          <a:lnRef idx="2">
+            <a:schemeClr val="dk1">
+              <a:shade val="15000"/>
+            </a:schemeClr>
+          </a:lnRef>
+          <a:fillRef idx="1">
+            <a:schemeClr val="dk1"/>
+          </a:fillRef>
+          <a:effectRef idx="0">
+            <a:schemeClr val="dk1"/>
+          </a:effectRef>
+          <a:fontRef idx="minor">
+            <a:schemeClr val="lt1"/>
+          </a:fontRef>
+        </p:style>
+        <p:txBody>
+          <a:bodyPr rtlCol="0" anchor="ctr"/>
+          <a:lstStyle/>
+          <a:p>
+            <a:pPr algn="ctr"/>
+            <a:endParaRPr lang="en-GB"/>
+          </a:p>
+        </p:txBody>
+      </p:sp>
+      <p:sp>
+        <p:nvSpPr>
+          <p:cNvPr id="5" name="Rectangle 4">
+            <a:extLst>
+              <a:ext uri="{FF2B5EF4-FFF2-40B4-BE49-F238E27FC236}">
+                <a16:creationId xmlns:a16="http://schemas.microsoft.com/office/drawing/2014/main" id="{AB3996AB-99C5-1170-FC9B-52FCB455197E}"/>
+              </a:ext>
+            </a:extLst>
+          </p:cNvPr>
+          <p:cNvSpPr/>
+          <p:nvPr/>
+        </p:nvSpPr>
+        <p:spPr>
+          <a:xfrm>
+            <a:off x="10386946" y="348267"/>
+            <a:ext cx="1423193" cy="6477151"/>
+          </a:xfrm>
+          <a:prstGeom prst="rect">
+            <a:avLst/>
+          </a:prstGeom>
+          <a:ln w="57150">
+            <a:solidFill>
+              <a:schemeClr val="bg1">
+                <a:lumMod val="95000"/>
+              </a:schemeClr>
+            </a:solidFill>
+          </a:ln>
+        </p:spPr>
+        <p:style>
+          <a:lnRef idx="2">
+            <a:schemeClr val="dk1">
+              <a:shade val="15000"/>
+            </a:schemeClr>
+          </a:lnRef>
+          <a:fillRef idx="1">
+            <a:schemeClr val="dk1"/>
+          </a:fillRef>
+          <a:effectRef idx="0">
+            <a:schemeClr val="dk1"/>
+          </a:effectRef>
+          <a:fontRef idx="minor">
+            <a:schemeClr val="lt1"/>
+          </a:fontRef>
+        </p:style>
+        <p:txBody>
+          <a:bodyPr rtlCol="0" anchor="ctr"/>
+          <a:lstStyle/>
+          <a:p>
+            <a:pPr algn="ctr"/>
+            <a:endParaRPr lang="en-GB" dirty="0"/>
+          </a:p>
+        </p:txBody>
+      </p:sp>
+      <p:pic>
+        <p:nvPicPr>
+          <p:cNvPr id="12" name="Picture 11" descr="A pink rectangle with white text&#10;&#10;AI-generated content may be incorrect.">
+            <a:extLst>
+              <a:ext uri="{FF2B5EF4-FFF2-40B4-BE49-F238E27FC236}">
+                <a16:creationId xmlns:a16="http://schemas.microsoft.com/office/drawing/2014/main" id="{99340CF7-7AF2-3BC4-F7CE-3D4EFB7E3D75}"/>
+              </a:ext>
+            </a:extLst>
+          </p:cNvPr>
+          <p:cNvPicPr>
+            <a:picLocks noChangeAspect="1"/>
+          </p:cNvPicPr>
+          <p:nvPr/>
+        </p:nvPicPr>
+        <p:blipFill>
+          <a:blip r:embed="rId3"/>
+          <a:stretch>
+            <a:fillRect/>
+          </a:stretch>
+        </p:blipFill>
+        <p:spPr>
+          <a:xfrm>
+            <a:off x="10386947" y="387160"/>
+            <a:ext cx="1378589" cy="6408972"/>
+          </a:xfrm>
+          <a:prstGeom prst="rect">
+            <a:avLst/>
+          </a:prstGeom>
+        </p:spPr>
+      </p:pic>
+      <p:cxnSp>
+        <p:nvCxnSpPr>
+          <p:cNvPr id="14" name="Straight Connector 13">
+            <a:extLst>
+              <a:ext uri="{FF2B5EF4-FFF2-40B4-BE49-F238E27FC236}">
+                <a16:creationId xmlns:a16="http://schemas.microsoft.com/office/drawing/2014/main" id="{0499D3C5-0ED1-1265-AC60-726B6B0DDE9E}"/>
+              </a:ext>
+            </a:extLst>
+          </p:cNvPr>
+          <p:cNvCxnSpPr/>
+          <p:nvPr/>
+        </p:nvCxnSpPr>
+        <p:spPr>
+          <a:xfrm>
+            <a:off x="1794688" y="1805364"/>
+            <a:ext cx="8592258" cy="0"/>
+          </a:xfrm>
+          <a:prstGeom prst="line">
+            <a:avLst/>
+          </a:prstGeom>
+          <a:ln w="57150">
+            <a:solidFill>
+              <a:schemeClr val="bg1">
+                <a:lumMod val="95000"/>
+              </a:schemeClr>
+            </a:solidFill>
+          </a:ln>
+        </p:spPr>
+        <p:style>
+          <a:lnRef idx="2">
+            <a:schemeClr val="accent1"/>
+          </a:lnRef>
+          <a:fillRef idx="0">
+            <a:schemeClr val="accent1"/>
+          </a:fillRef>
+          <a:effectRef idx="1">
+            <a:schemeClr val="accent1"/>
+          </a:effectRef>
+          <a:fontRef idx="minor">
+            <a:schemeClr val="tx1"/>
+          </a:fontRef>
+        </p:style>
+      </p:cxnSp>
+      <p:sp>
+        <p:nvSpPr>
+          <p:cNvPr id="15" name="TextBox 14">
+            <a:extLst>
+              <a:ext uri="{FF2B5EF4-FFF2-40B4-BE49-F238E27FC236}">
+                <a16:creationId xmlns:a16="http://schemas.microsoft.com/office/drawing/2014/main" id="{19B51EFC-14DC-A7A4-F85D-7DF861E5BDC9}"/>
+              </a:ext>
+            </a:extLst>
+          </p:cNvPr>
+          <p:cNvSpPr txBox="1"/>
+          <p:nvPr/>
+        </p:nvSpPr>
+        <p:spPr>
+          <a:xfrm>
+            <a:off x="4739039" y="1937306"/>
+            <a:ext cx="2646558" cy="1661993"/>
+          </a:xfrm>
+          <a:prstGeom prst="rect">
+            <a:avLst/>
+          </a:prstGeom>
+          <a:noFill/>
+        </p:spPr>
+        <p:txBody>
+          <a:bodyPr wrap="none" rtlCol="0">
+            <a:spAutoFit/>
+          </a:bodyPr>
+          <a:lstStyle/>
+          <a:p>
+            <a:pPr algn="ctr"/>
+            <a:r>
+              <a:rPr lang="en-GB" sz="3600" b="1" dirty="0">
+                <a:solidFill>
+                  <a:schemeClr val="tx1">
+                    <a:lumMod val="50000"/>
+                    <a:lumOff val="50000"/>
+                  </a:schemeClr>
+                </a:solidFill>
+              </a:rPr>
+              <a:t>FUEL DELTA</a:t>
+            </a:r>
+            <a:br>
+              <a:rPr lang="en-GB" sz="3600" b="1" dirty="0">
+                <a:solidFill>
+                  <a:schemeClr val="tx1">
+                    <a:lumMod val="50000"/>
+                    <a:lumOff val="50000"/>
+                  </a:schemeClr>
+                </a:solidFill>
+              </a:rPr>
+            </a:br>
+            <a:r>
+              <a:rPr lang="en-GB" sz="6600" b="1" dirty="0">
+                <a:solidFill>
+                  <a:srgbClr val="92D050"/>
+                </a:solidFill>
+              </a:rPr>
+              <a:t>0.3</a:t>
+            </a:r>
+          </a:p>
+        </p:txBody>
+      </p:sp>
+      <p:cxnSp>
+        <p:nvCxnSpPr>
+          <p:cNvPr id="21" name="Straight Connector 20">
+            <a:extLst>
+              <a:ext uri="{FF2B5EF4-FFF2-40B4-BE49-F238E27FC236}">
+                <a16:creationId xmlns:a16="http://schemas.microsoft.com/office/drawing/2014/main" id="{F804255B-D321-3535-3477-59798BA0D611}"/>
+              </a:ext>
+            </a:extLst>
+          </p:cNvPr>
+          <p:cNvCxnSpPr/>
+          <p:nvPr/>
+        </p:nvCxnSpPr>
+        <p:spPr>
+          <a:xfrm>
+            <a:off x="1794687" y="5358210"/>
+            <a:ext cx="8592258" cy="0"/>
+          </a:xfrm>
+          <a:prstGeom prst="line">
+            <a:avLst/>
+          </a:prstGeom>
+          <a:ln w="57150">
+            <a:solidFill>
+              <a:schemeClr val="bg1">
+                <a:lumMod val="95000"/>
+              </a:schemeClr>
+            </a:solidFill>
+          </a:ln>
+        </p:spPr>
+        <p:style>
+          <a:lnRef idx="2">
+            <a:schemeClr val="accent1"/>
+          </a:lnRef>
+          <a:fillRef idx="0">
+            <a:schemeClr val="accent1"/>
+          </a:fillRef>
+          <a:effectRef idx="1">
+            <a:schemeClr val="accent1"/>
+          </a:effectRef>
+          <a:fontRef idx="minor">
+            <a:schemeClr val="tx1"/>
+          </a:fontRef>
+        </p:style>
+      </p:cxnSp>
+      <p:sp>
+        <p:nvSpPr>
+          <p:cNvPr id="23" name="TextBox 22">
+            <a:extLst>
+              <a:ext uri="{FF2B5EF4-FFF2-40B4-BE49-F238E27FC236}">
+                <a16:creationId xmlns:a16="http://schemas.microsoft.com/office/drawing/2014/main" id="{FBA845E2-8BF6-E8CD-F470-558766B2BF96}"/>
+              </a:ext>
+            </a:extLst>
+          </p:cNvPr>
+          <p:cNvSpPr txBox="1"/>
+          <p:nvPr/>
+        </p:nvSpPr>
+        <p:spPr>
+          <a:xfrm>
+            <a:off x="4627985" y="5388683"/>
+            <a:ext cx="2995126" cy="1415772"/>
+          </a:xfrm>
+          <a:prstGeom prst="rect">
+            <a:avLst/>
+          </a:prstGeom>
+          <a:noFill/>
+        </p:spPr>
+        <p:txBody>
+          <a:bodyPr wrap="square" rtlCol="0">
+            <a:spAutoFit/>
+          </a:bodyPr>
+          <a:lstStyle/>
+          <a:p>
+            <a:pPr algn="ctr"/>
+            <a:r>
+              <a:rPr lang="en-GB" sz="3200" b="1" dirty="0">
+                <a:solidFill>
+                  <a:schemeClr val="tx1">
+                    <a:lumMod val="50000"/>
+                    <a:lumOff val="50000"/>
+                  </a:schemeClr>
+                </a:solidFill>
+              </a:rPr>
+              <a:t>NEXT STOP</a:t>
+            </a:r>
+            <a:br>
+              <a:rPr lang="en-GB" sz="3200" b="1" dirty="0">
+                <a:solidFill>
+                  <a:schemeClr val="tx1">
+                    <a:lumMod val="50000"/>
+                    <a:lumOff val="50000"/>
+                  </a:schemeClr>
+                </a:solidFill>
+              </a:rPr>
+            </a:br>
+            <a:r>
+              <a:rPr lang="en-GB" sz="5400" b="1" dirty="0">
+                <a:solidFill>
+                  <a:schemeClr val="bg1"/>
+                </a:solidFill>
+              </a:rPr>
+              <a:t>3.0s</a:t>
+            </a:r>
+            <a:endParaRPr lang="en-GB" sz="3200" b="1" dirty="0">
+              <a:solidFill>
+                <a:schemeClr val="bg1"/>
+              </a:solidFill>
+            </a:endParaRPr>
+          </a:p>
+        </p:txBody>
+      </p:sp>
+      <p:cxnSp>
+        <p:nvCxnSpPr>
+          <p:cNvPr id="24" name="Straight Connector 23">
+            <a:extLst>
+              <a:ext uri="{FF2B5EF4-FFF2-40B4-BE49-F238E27FC236}">
+                <a16:creationId xmlns:a16="http://schemas.microsoft.com/office/drawing/2014/main" id="{69C74649-7D88-1D71-ACE1-AC83380BD107}"/>
+              </a:ext>
+            </a:extLst>
+          </p:cNvPr>
+          <p:cNvCxnSpPr/>
+          <p:nvPr/>
+        </p:nvCxnSpPr>
+        <p:spPr>
+          <a:xfrm>
+            <a:off x="1794687" y="3674252"/>
+            <a:ext cx="8592258" cy="0"/>
+          </a:xfrm>
+          <a:prstGeom prst="line">
+            <a:avLst/>
+          </a:prstGeom>
+          <a:ln w="57150">
+            <a:solidFill>
+              <a:schemeClr val="bg1">
+                <a:lumMod val="95000"/>
+              </a:schemeClr>
+            </a:solidFill>
+          </a:ln>
+        </p:spPr>
+        <p:style>
+          <a:lnRef idx="2">
+            <a:schemeClr val="accent1"/>
+          </a:lnRef>
+          <a:fillRef idx="0">
+            <a:schemeClr val="accent1"/>
+          </a:fillRef>
+          <a:effectRef idx="1">
+            <a:schemeClr val="accent1"/>
+          </a:effectRef>
+          <a:fontRef idx="minor">
+            <a:schemeClr val="tx1"/>
+          </a:fontRef>
+        </p:style>
+      </p:cxnSp>
+      <p:sp>
+        <p:nvSpPr>
+          <p:cNvPr id="26" name="TextBox 25">
+            <a:extLst>
+              <a:ext uri="{FF2B5EF4-FFF2-40B4-BE49-F238E27FC236}">
+                <a16:creationId xmlns:a16="http://schemas.microsoft.com/office/drawing/2014/main" id="{CFEB43DF-D346-0CBD-4FDE-F982760F1771}"/>
+              </a:ext>
+            </a:extLst>
+          </p:cNvPr>
+          <p:cNvSpPr txBox="1"/>
+          <p:nvPr/>
+        </p:nvSpPr>
+        <p:spPr>
+          <a:xfrm>
+            <a:off x="4816517" y="3792533"/>
+            <a:ext cx="2574253" cy="1569660"/>
+          </a:xfrm>
+          <a:prstGeom prst="rect">
+            <a:avLst/>
+          </a:prstGeom>
+          <a:noFill/>
+        </p:spPr>
+        <p:txBody>
+          <a:bodyPr wrap="square" rtlCol="0">
+            <a:spAutoFit/>
+          </a:bodyPr>
+          <a:lstStyle/>
+          <a:p>
+            <a:pPr algn="ctr"/>
+            <a:r>
+              <a:rPr lang="en-GB" sz="3600" b="1" dirty="0">
+                <a:solidFill>
+                  <a:schemeClr val="tx1">
+                    <a:lumMod val="50000"/>
+                    <a:lumOff val="50000"/>
+                  </a:schemeClr>
+                </a:solidFill>
+              </a:rPr>
+              <a:t>FUEL CONF</a:t>
+            </a:r>
+            <a:br>
+              <a:rPr lang="en-GB" sz="3600" b="1" dirty="0">
+                <a:solidFill>
+                  <a:schemeClr val="tx1">
+                    <a:lumMod val="50000"/>
+                    <a:lumOff val="50000"/>
+                  </a:schemeClr>
+                </a:solidFill>
+              </a:rPr>
+            </a:br>
+            <a:r>
+              <a:rPr lang="en-GB" sz="6000" b="1" dirty="0">
+                <a:solidFill>
+                  <a:srgbClr val="FFFF00"/>
+                </a:solidFill>
+              </a:rPr>
+              <a:t>70%</a:t>
+            </a:r>
+            <a:endParaRPr lang="en-GB" sz="3600" b="1" dirty="0">
+              <a:solidFill>
+                <a:srgbClr val="FFFF00"/>
+              </a:solidFill>
+            </a:endParaRPr>
+          </a:p>
+        </p:txBody>
+      </p:sp>
+      <p:sp>
+        <p:nvSpPr>
+          <p:cNvPr id="27" name="TextBox 26">
+            <a:extLst>
+              <a:ext uri="{FF2B5EF4-FFF2-40B4-BE49-F238E27FC236}">
+                <a16:creationId xmlns:a16="http://schemas.microsoft.com/office/drawing/2014/main" id="{6BA33C4A-3B1B-C7AE-CD9E-B79A27E03DF8}"/>
+              </a:ext>
+            </a:extLst>
+          </p:cNvPr>
+          <p:cNvSpPr txBox="1"/>
+          <p:nvPr/>
+        </p:nvSpPr>
+        <p:spPr>
+          <a:xfrm>
+            <a:off x="2363073" y="3788550"/>
+            <a:ext cx="1686160" cy="1569660"/>
+          </a:xfrm>
+          <a:prstGeom prst="rect">
+            <a:avLst/>
+          </a:prstGeom>
+          <a:noFill/>
+        </p:spPr>
+        <p:txBody>
+          <a:bodyPr wrap="square" rtlCol="0">
+            <a:spAutoFit/>
+          </a:bodyPr>
+          <a:lstStyle/>
+          <a:p>
+            <a:pPr algn="ctr"/>
+            <a:r>
+              <a:rPr lang="en-GB" sz="3600" b="1" dirty="0">
+                <a:solidFill>
+                  <a:schemeClr val="tx1">
+                    <a:lumMod val="50000"/>
+                    <a:lumOff val="50000"/>
+                  </a:schemeClr>
+                </a:solidFill>
+              </a:rPr>
+              <a:t>SAVE </a:t>
+            </a:r>
+            <a:br>
+              <a:rPr lang="en-GB" sz="3600" b="1" dirty="0">
+                <a:solidFill>
+                  <a:schemeClr val="tx1">
+                    <a:lumMod val="50000"/>
+                    <a:lumOff val="50000"/>
+                  </a:schemeClr>
+                </a:solidFill>
+              </a:rPr>
+            </a:br>
+            <a:r>
+              <a:rPr lang="en-GB" sz="6000" b="1" dirty="0">
+                <a:solidFill>
+                  <a:srgbClr val="92D050"/>
+                </a:solidFill>
+              </a:rPr>
+              <a:t>2.3</a:t>
+            </a:r>
+            <a:endParaRPr lang="en-GB" sz="3600" b="1" dirty="0">
+              <a:solidFill>
+                <a:srgbClr val="92D050"/>
+              </a:solidFill>
+            </a:endParaRPr>
+          </a:p>
+        </p:txBody>
+      </p:sp>
+      <p:sp>
+        <p:nvSpPr>
+          <p:cNvPr id="28" name="TextBox 27">
+            <a:extLst>
+              <a:ext uri="{FF2B5EF4-FFF2-40B4-BE49-F238E27FC236}">
+                <a16:creationId xmlns:a16="http://schemas.microsoft.com/office/drawing/2014/main" id="{240E56A1-BE4E-4353-E2E2-0254B5834294}"/>
+              </a:ext>
+            </a:extLst>
+          </p:cNvPr>
+          <p:cNvSpPr txBox="1"/>
+          <p:nvPr/>
+        </p:nvSpPr>
+        <p:spPr>
+          <a:xfrm>
+            <a:off x="8152871" y="3792533"/>
+            <a:ext cx="1764892" cy="1569660"/>
+          </a:xfrm>
+          <a:prstGeom prst="rect">
+            <a:avLst/>
+          </a:prstGeom>
+          <a:noFill/>
+        </p:spPr>
+        <p:txBody>
+          <a:bodyPr wrap="square" rtlCol="0">
+            <a:spAutoFit/>
+          </a:bodyPr>
+          <a:lstStyle/>
+          <a:p>
+            <a:pPr algn="ctr"/>
+            <a:r>
+              <a:rPr lang="en-GB" sz="3600" b="1" dirty="0">
+                <a:solidFill>
+                  <a:schemeClr val="tx1">
+                    <a:lumMod val="50000"/>
+                    <a:lumOff val="50000"/>
+                  </a:schemeClr>
+                </a:solidFill>
+              </a:rPr>
+              <a:t>PUSH</a:t>
+            </a:r>
+            <a:br>
+              <a:rPr lang="en-GB" sz="3600" b="1" dirty="0">
+                <a:solidFill>
+                  <a:schemeClr val="tx1">
+                    <a:lumMod val="50000"/>
+                    <a:lumOff val="50000"/>
+                  </a:schemeClr>
+                </a:solidFill>
+              </a:rPr>
+            </a:br>
+            <a:r>
+              <a:rPr lang="en-GB" sz="6000" b="1" dirty="0">
+                <a:solidFill>
+                  <a:srgbClr val="FF0000"/>
+                </a:solidFill>
+              </a:rPr>
+              <a:t>-0.5</a:t>
+            </a:r>
+            <a:endParaRPr lang="en-GB" sz="3600" b="1" dirty="0">
+              <a:solidFill>
+                <a:srgbClr val="FF0000"/>
+              </a:solidFill>
+            </a:endParaRPr>
+          </a:p>
+        </p:txBody>
+      </p:sp>
+      <p:sp>
+        <p:nvSpPr>
+          <p:cNvPr id="30" name="Rectangle 29">
+            <a:extLst>
+              <a:ext uri="{FF2B5EF4-FFF2-40B4-BE49-F238E27FC236}">
+                <a16:creationId xmlns:a16="http://schemas.microsoft.com/office/drawing/2014/main" id="{E9D5EA2A-0E6D-5621-F2FB-FFBBB28F34EF}"/>
+              </a:ext>
+            </a:extLst>
+          </p:cNvPr>
+          <p:cNvSpPr/>
+          <p:nvPr/>
+        </p:nvSpPr>
+        <p:spPr>
+          <a:xfrm>
+            <a:off x="1848722" y="415259"/>
+            <a:ext cx="8484194" cy="1348618"/>
+          </a:xfrm>
+          <a:prstGeom prst="rect">
+            <a:avLst/>
+          </a:prstGeom>
+          <a:solidFill>
+            <a:srgbClr val="00B050"/>
+          </a:solidFill>
+        </p:spPr>
+        <p:style>
+          <a:lnRef idx="2">
+            <a:schemeClr val="accent4">
+              <a:shade val="15000"/>
+            </a:schemeClr>
+          </a:lnRef>
+          <a:fillRef idx="1">
+            <a:schemeClr val="accent4"/>
+          </a:fillRef>
+          <a:effectRef idx="0">
+            <a:schemeClr val="accent4"/>
+          </a:effectRef>
+          <a:fontRef idx="minor">
+            <a:schemeClr val="lt1"/>
+          </a:fontRef>
+        </p:style>
+        <p:txBody>
+          <a:bodyPr rtlCol="0" anchor="ctr"/>
+          <a:lstStyle/>
+          <a:p>
+            <a:pPr algn="ctr"/>
+            <a:r>
+              <a:rPr lang="en-GB" sz="4800" b="1" dirty="0"/>
+              <a:t>PIT WINDOW OPEN L12 – L20</a:t>
+            </a:r>
+          </a:p>
+          <a:p>
+            <a:pPr algn="ctr"/>
+            <a:r>
+              <a:rPr lang="en-GB" sz="3600" b="1" dirty="0"/>
+              <a:t>Refuel 30l + Tyres + Repair </a:t>
+            </a:r>
+          </a:p>
+        </p:txBody>
+      </p:sp>
+      <p:sp>
+        <p:nvSpPr>
+          <p:cNvPr id="31" name="TextBox 30">
+            <a:extLst>
+              <a:ext uri="{FF2B5EF4-FFF2-40B4-BE49-F238E27FC236}">
+                <a16:creationId xmlns:a16="http://schemas.microsoft.com/office/drawing/2014/main" id="{0D6D8A79-7184-BF41-3950-E333319A9EF6}"/>
+              </a:ext>
+            </a:extLst>
+          </p:cNvPr>
+          <p:cNvSpPr txBox="1"/>
+          <p:nvPr/>
+        </p:nvSpPr>
+        <p:spPr>
+          <a:xfrm>
+            <a:off x="380132" y="-21065"/>
+            <a:ext cx="2213426" cy="369332"/>
+          </a:xfrm>
+          <a:prstGeom prst="rect">
+            <a:avLst/>
+          </a:prstGeom>
+          <a:noFill/>
+        </p:spPr>
+        <p:txBody>
+          <a:bodyPr wrap="none" rtlCol="0">
+            <a:spAutoFit/>
+          </a:bodyPr>
+          <a:lstStyle/>
+          <a:p>
+            <a:r>
+              <a:rPr lang="en-GB" dirty="0"/>
+              <a:t>On Track Quick Look</a:t>
+            </a:r>
+          </a:p>
+        </p:txBody>
+      </p:sp>
+      <p:sp>
+        <p:nvSpPr>
+          <p:cNvPr id="3" name="TextBox 2">
+            <a:extLst>
+              <a:ext uri="{FF2B5EF4-FFF2-40B4-BE49-F238E27FC236}">
+                <a16:creationId xmlns:a16="http://schemas.microsoft.com/office/drawing/2014/main" id="{2082DD87-B2AD-926B-894D-5221AD4682D7}"/>
+              </a:ext>
+            </a:extLst>
+          </p:cNvPr>
+          <p:cNvSpPr txBox="1"/>
+          <p:nvPr/>
+        </p:nvSpPr>
+        <p:spPr>
+          <a:xfrm rot="16200000">
+            <a:off x="-1839902" y="3105735"/>
+            <a:ext cx="5828134" cy="830997"/>
+          </a:xfrm>
+          <a:prstGeom prst="rect">
+            <a:avLst/>
+          </a:prstGeom>
+          <a:noFill/>
+        </p:spPr>
+        <p:txBody>
+          <a:bodyPr wrap="none" rtlCol="0">
+            <a:spAutoFit/>
+          </a:bodyPr>
+          <a:lstStyle/>
+          <a:p>
+            <a:pPr algn="ctr"/>
+            <a:r>
+              <a:rPr lang="en-GB" sz="4800" b="1" dirty="0">
+                <a:solidFill>
+                  <a:schemeClr val="tx1">
+                    <a:lumMod val="50000"/>
+                    <a:lumOff val="50000"/>
+                  </a:schemeClr>
+                </a:solidFill>
+              </a:rPr>
+              <a:t>FUEL BURN LADDER</a:t>
+            </a:r>
+            <a:endParaRPr lang="en-GB" sz="8400" b="1" dirty="0">
+              <a:solidFill>
+                <a:srgbClr val="92D050"/>
+              </a:solidFill>
+            </a:endParaRPr>
+          </a:p>
+        </p:txBody>
+      </p:sp>
+      <p:sp>
+        <p:nvSpPr>
+          <p:cNvPr id="6" name="Rectangle 5">
+            <a:extLst>
+              <a:ext uri="{FF2B5EF4-FFF2-40B4-BE49-F238E27FC236}">
+                <a16:creationId xmlns:a16="http://schemas.microsoft.com/office/drawing/2014/main" id="{79BB359A-B6C7-5F10-7343-A0959DFC1DD9}"/>
+              </a:ext>
+            </a:extLst>
+          </p:cNvPr>
+          <p:cNvSpPr/>
+          <p:nvPr/>
+        </p:nvSpPr>
+        <p:spPr>
+          <a:xfrm>
+            <a:off x="371495" y="347263"/>
+            <a:ext cx="11438644" cy="6487763"/>
+          </a:xfrm>
+          <a:prstGeom prst="rect">
+            <a:avLst/>
+          </a:prstGeom>
+          <a:noFill/>
+          <a:ln w="76200">
+            <a:solidFill>
+              <a:schemeClr val="bg1"/>
+            </a:solidFill>
+          </a:ln>
+        </p:spPr>
+        <p:style>
+          <a:lnRef idx="2">
+            <a:schemeClr val="accent1">
+              <a:shade val="15000"/>
+            </a:schemeClr>
+          </a:lnRef>
+          <a:fillRef idx="1">
+            <a:schemeClr val="accent1"/>
+          </a:fillRef>
+          <a:effectRef idx="0">
+            <a:schemeClr val="accent1"/>
+          </a:effectRef>
+          <a:fontRef idx="minor">
+            <a:schemeClr val="lt1"/>
+          </a:fontRef>
+        </p:style>
+        <p:txBody>
+          <a:bodyPr rtlCol="0" anchor="ctr"/>
+          <a:lstStyle/>
+          <a:p>
+            <a:pPr algn="ctr"/>
+            <a:endParaRPr lang="en-GB"/>
+          </a:p>
+        </p:txBody>
+      </p:sp>
+      <p:sp>
+        <p:nvSpPr>
+          <p:cNvPr id="7" name="TextBox 6">
+            <a:extLst>
+              <a:ext uri="{FF2B5EF4-FFF2-40B4-BE49-F238E27FC236}">
+                <a16:creationId xmlns:a16="http://schemas.microsoft.com/office/drawing/2014/main" id="{837193BE-7225-07C3-B4F8-C09A4388888F}"/>
+              </a:ext>
+            </a:extLst>
+          </p:cNvPr>
+          <p:cNvSpPr txBox="1"/>
+          <p:nvPr/>
+        </p:nvSpPr>
+        <p:spPr>
+          <a:xfrm>
+            <a:off x="1879096" y="1940691"/>
+            <a:ext cx="2726937" cy="1661993"/>
+          </a:xfrm>
+          <a:prstGeom prst="rect">
+            <a:avLst/>
+          </a:prstGeom>
+          <a:noFill/>
+        </p:spPr>
+        <p:txBody>
+          <a:bodyPr wrap="square" rtlCol="0">
+            <a:spAutoFit/>
+          </a:bodyPr>
+          <a:lstStyle/>
+          <a:p>
+            <a:pPr algn="ctr"/>
+            <a:r>
+              <a:rPr lang="en-GB" sz="3600" b="1" dirty="0">
+                <a:solidFill>
+                  <a:schemeClr val="tx1">
+                    <a:lumMod val="50000"/>
+                    <a:lumOff val="50000"/>
+                  </a:schemeClr>
+                </a:solidFill>
+              </a:rPr>
+              <a:t>EXIT POS</a:t>
+            </a:r>
+            <a:br>
+              <a:rPr lang="en-GB" sz="3600" b="1" dirty="0">
+                <a:solidFill>
+                  <a:schemeClr val="tx1">
+                    <a:lumMod val="50000"/>
+                    <a:lumOff val="50000"/>
+                  </a:schemeClr>
+                </a:solidFill>
+              </a:rPr>
+            </a:br>
+            <a:r>
+              <a:rPr lang="en-GB" sz="6600" b="1" dirty="0">
+                <a:solidFill>
+                  <a:schemeClr val="bg1"/>
+                </a:solidFill>
+              </a:rPr>
+              <a:t>P12</a:t>
+            </a:r>
+            <a:endParaRPr lang="en-GB" sz="3600" b="1" dirty="0">
+              <a:solidFill>
+                <a:schemeClr val="bg1"/>
+              </a:solidFill>
+            </a:endParaRPr>
+          </a:p>
+        </p:txBody>
+      </p:sp>
+      <p:sp>
+        <p:nvSpPr>
+          <p:cNvPr id="8" name="TextBox 7">
+            <a:extLst>
+              <a:ext uri="{FF2B5EF4-FFF2-40B4-BE49-F238E27FC236}">
+                <a16:creationId xmlns:a16="http://schemas.microsoft.com/office/drawing/2014/main" id="{D97F7A3C-22E7-B3E1-0473-EC0BD80BFBEF}"/>
+              </a:ext>
+            </a:extLst>
+          </p:cNvPr>
+          <p:cNvSpPr txBox="1"/>
+          <p:nvPr/>
+        </p:nvSpPr>
+        <p:spPr>
+          <a:xfrm>
+            <a:off x="7518603" y="1955270"/>
+            <a:ext cx="2862257" cy="1661993"/>
+          </a:xfrm>
+          <a:prstGeom prst="rect">
+            <a:avLst/>
+          </a:prstGeom>
+          <a:noFill/>
+        </p:spPr>
+        <p:txBody>
+          <a:bodyPr wrap="square" rtlCol="0">
+            <a:spAutoFit/>
+          </a:bodyPr>
+          <a:lstStyle/>
+          <a:p>
+            <a:pPr algn="ctr"/>
+            <a:r>
+              <a:rPr lang="en-GB" sz="3600" b="1" dirty="0">
+                <a:solidFill>
+                  <a:schemeClr val="tx1">
+                    <a:lumMod val="50000"/>
+                    <a:lumOff val="50000"/>
+                  </a:schemeClr>
+                </a:solidFill>
+              </a:rPr>
+              <a:t>STOPS REM</a:t>
+            </a:r>
+            <a:br>
+              <a:rPr lang="en-GB" sz="3600" b="1" dirty="0">
+                <a:solidFill>
+                  <a:schemeClr val="tx1">
+                    <a:lumMod val="50000"/>
+                    <a:lumOff val="50000"/>
+                  </a:schemeClr>
+                </a:solidFill>
+              </a:rPr>
+            </a:br>
+            <a:r>
+              <a:rPr lang="en-GB" sz="6600" b="1" dirty="0">
+                <a:solidFill>
+                  <a:schemeClr val="bg1"/>
+                </a:solidFill>
+              </a:rPr>
+              <a:t>2</a:t>
+            </a:r>
+            <a:endParaRPr lang="en-GB" sz="3600" b="1" dirty="0">
+              <a:solidFill>
+                <a:schemeClr val="bg1"/>
+              </a:solidFill>
+            </a:endParaRPr>
+          </a:p>
+        </p:txBody>
+      </p:sp>
+      <p:sp>
+        <p:nvSpPr>
+          <p:cNvPr id="9" name="TextBox 8">
+            <a:extLst>
+              <a:ext uri="{FF2B5EF4-FFF2-40B4-BE49-F238E27FC236}">
+                <a16:creationId xmlns:a16="http://schemas.microsoft.com/office/drawing/2014/main" id="{F8829359-E308-03D8-0FD2-E34C58A3DA19}"/>
+              </a:ext>
+            </a:extLst>
+          </p:cNvPr>
+          <p:cNvSpPr txBox="1"/>
+          <p:nvPr/>
+        </p:nvSpPr>
+        <p:spPr>
+          <a:xfrm>
+            <a:off x="2363073" y="5390474"/>
+            <a:ext cx="1696527" cy="1415772"/>
+          </a:xfrm>
+          <a:prstGeom prst="rect">
+            <a:avLst/>
+          </a:prstGeom>
+          <a:noFill/>
+        </p:spPr>
+        <p:txBody>
+          <a:bodyPr wrap="square" rtlCol="0">
+            <a:spAutoFit/>
+          </a:bodyPr>
+          <a:lstStyle/>
+          <a:p>
+            <a:pPr algn="ctr"/>
+            <a:r>
+              <a:rPr lang="en-GB" sz="3200" b="1" dirty="0">
+                <a:solidFill>
+                  <a:schemeClr val="tx1">
+                    <a:lumMod val="50000"/>
+                    <a:lumOff val="50000"/>
+                  </a:schemeClr>
+                </a:solidFill>
+              </a:rPr>
+              <a:t>TYRE</a:t>
+            </a:r>
+            <a:br>
+              <a:rPr lang="en-GB" sz="3200" b="1" dirty="0">
+                <a:solidFill>
+                  <a:schemeClr val="tx1">
+                    <a:lumMod val="50000"/>
+                    <a:lumOff val="50000"/>
+                  </a:schemeClr>
+                </a:solidFill>
+              </a:rPr>
+            </a:br>
+            <a:r>
+              <a:rPr lang="en-GB" sz="5400" b="1" dirty="0">
+                <a:solidFill>
+                  <a:schemeClr val="bg1"/>
+                </a:solidFill>
+              </a:rPr>
+              <a:t>DRY</a:t>
+            </a:r>
+            <a:endParaRPr lang="en-GB" sz="3200" b="1" dirty="0">
+              <a:solidFill>
+                <a:schemeClr val="bg1"/>
+              </a:solidFill>
+            </a:endParaRPr>
+          </a:p>
+        </p:txBody>
+      </p:sp>
+      <p:sp>
+        <p:nvSpPr>
+          <p:cNvPr id="10" name="TextBox 9">
+            <a:extLst>
+              <a:ext uri="{FF2B5EF4-FFF2-40B4-BE49-F238E27FC236}">
+                <a16:creationId xmlns:a16="http://schemas.microsoft.com/office/drawing/2014/main" id="{AED64F34-3518-C877-4976-92726F196476}"/>
+              </a:ext>
+            </a:extLst>
+          </p:cNvPr>
+          <p:cNvSpPr txBox="1"/>
+          <p:nvPr/>
+        </p:nvSpPr>
+        <p:spPr>
+          <a:xfrm>
+            <a:off x="8212305" y="5390474"/>
+            <a:ext cx="1705458" cy="1415772"/>
+          </a:xfrm>
+          <a:prstGeom prst="rect">
+            <a:avLst/>
+          </a:prstGeom>
+          <a:noFill/>
+        </p:spPr>
+        <p:txBody>
+          <a:bodyPr wrap="square" rtlCol="0">
+            <a:spAutoFit/>
+          </a:bodyPr>
+          <a:lstStyle/>
+          <a:p>
+            <a:pPr algn="ctr"/>
+            <a:r>
+              <a:rPr lang="en-GB" sz="3200" b="1" dirty="0">
+                <a:solidFill>
+                  <a:schemeClr val="tx1">
+                    <a:lumMod val="50000"/>
+                    <a:lumOff val="50000"/>
+                  </a:schemeClr>
+                </a:solidFill>
+              </a:rPr>
+              <a:t>REPAIR</a:t>
+            </a:r>
+            <a:br>
+              <a:rPr lang="en-GB" sz="3200" b="1" dirty="0">
+                <a:solidFill>
+                  <a:schemeClr val="tx1">
+                    <a:lumMod val="50000"/>
+                    <a:lumOff val="50000"/>
+                  </a:schemeClr>
+                </a:solidFill>
+              </a:rPr>
+            </a:br>
+            <a:r>
+              <a:rPr lang="en-GB" sz="5400" b="1" dirty="0">
+                <a:solidFill>
+                  <a:schemeClr val="bg1"/>
+                </a:solidFill>
+              </a:rPr>
+              <a:t>YES</a:t>
+            </a:r>
+            <a:endParaRPr lang="en-GB" sz="3200" b="1" dirty="0">
+              <a:solidFill>
+                <a:schemeClr val="bg1"/>
+              </a:solidFill>
+            </a:endParaRPr>
+          </a:p>
+        </p:txBody>
+      </p:sp>
+    </p:spTree>
+    <p:extLst>
+      <p:ext uri="{BB962C8B-B14F-4D97-AF65-F5344CB8AC3E}">
+        <p14:creationId xmlns:p14="http://schemas.microsoft.com/office/powerpoint/2010/main" val="1501685116"/>
       </p:ext>
     </p:extLst>
   </p:cSld>
@@ -12447,8 +16482,8 @@
         </p:blipFill>
         <p:spPr>
           <a:xfrm>
-            <a:off x="1905158" y="1892426"/>
-            <a:ext cx="1686160" cy="1619476"/>
+            <a:off x="1859822" y="1892425"/>
+            <a:ext cx="1759489" cy="1689905"/>
           </a:xfrm>
           <a:prstGeom prst="rect">
             <a:avLst/>
@@ -12477,8 +16512,8 @@
         </p:blipFill>
         <p:spPr>
           <a:xfrm>
-            <a:off x="8657840" y="1892426"/>
-            <a:ext cx="1629002" cy="1619476"/>
+            <a:off x="8586997" y="1892425"/>
+            <a:ext cx="1699845" cy="1689905"/>
           </a:xfrm>
           <a:prstGeom prst="rect">
             <a:avLst/>
@@ -13788,8 +17823,8 @@
         </p:blipFill>
         <p:spPr>
           <a:xfrm>
-            <a:off x="1905158" y="1892426"/>
-            <a:ext cx="1686160" cy="1619476"/>
+            <a:off x="1839840" y="1892426"/>
+            <a:ext cx="1771103" cy="1701060"/>
           </a:xfrm>
           <a:prstGeom prst="rect">
             <a:avLst/>
@@ -13818,8 +17853,8 @@
         </p:blipFill>
         <p:spPr>
           <a:xfrm>
-            <a:off x="8657840" y="1892426"/>
-            <a:ext cx="1629002" cy="1619476"/>
+            <a:off x="8592523" y="1892426"/>
+            <a:ext cx="1711066" cy="1701060"/>
           </a:xfrm>
           <a:prstGeom prst="rect">
             <a:avLst/>

--- a/Docs/UI Work.pptx
+++ b/Docs/UI Work.pptx
@@ -755,7 +755,7 @@
           <a:p>
             <a:fld id="{78E80721-A07A-4587-8DF4-4BBC5E50CA9B}" type="datetimeFigureOut">
               <a:rPr lang="en-GB" smtClean="0"/>
-              <a:t>09/12/2025</a:t>
+              <a:t>11/12/2025</a:t>
             </a:fld>
             <a:endParaRPr lang="en-GB"/>
           </a:p>
@@ -2204,7 +2204,7 @@
           <a:p>
             <a:fld id="{55FA135A-769C-438D-9AC0-5CFB87EA78F4}" type="datetimeFigureOut">
               <a:rPr lang="en-GB" smtClean="0"/>
-              <a:t>09/12/2025</a:t>
+              <a:t>11/12/2025</a:t>
             </a:fld>
             <a:endParaRPr lang="en-GB"/>
           </a:p>
@@ -2404,7 +2404,7 @@
           <a:p>
             <a:fld id="{55FA135A-769C-438D-9AC0-5CFB87EA78F4}" type="datetimeFigureOut">
               <a:rPr lang="en-GB" smtClean="0"/>
-              <a:t>09/12/2025</a:t>
+              <a:t>11/12/2025</a:t>
             </a:fld>
             <a:endParaRPr lang="en-GB"/>
           </a:p>
@@ -2614,7 +2614,7 @@
           <a:p>
             <a:fld id="{55FA135A-769C-438D-9AC0-5CFB87EA78F4}" type="datetimeFigureOut">
               <a:rPr lang="en-GB" smtClean="0"/>
-              <a:t>09/12/2025</a:t>
+              <a:t>11/12/2025</a:t>
             </a:fld>
             <a:endParaRPr lang="en-GB"/>
           </a:p>
@@ -2814,7 +2814,7 @@
           <a:p>
             <a:fld id="{55FA135A-769C-438D-9AC0-5CFB87EA78F4}" type="datetimeFigureOut">
               <a:rPr lang="en-GB" smtClean="0"/>
-              <a:t>09/12/2025</a:t>
+              <a:t>11/12/2025</a:t>
             </a:fld>
             <a:endParaRPr lang="en-GB"/>
           </a:p>
@@ -3090,7 +3090,7 @@
           <a:p>
             <a:fld id="{55FA135A-769C-438D-9AC0-5CFB87EA78F4}" type="datetimeFigureOut">
               <a:rPr lang="en-GB" smtClean="0"/>
-              <a:t>09/12/2025</a:t>
+              <a:t>11/12/2025</a:t>
             </a:fld>
             <a:endParaRPr lang="en-GB"/>
           </a:p>
@@ -3358,7 +3358,7 @@
           <a:p>
             <a:fld id="{55FA135A-769C-438D-9AC0-5CFB87EA78F4}" type="datetimeFigureOut">
               <a:rPr lang="en-GB" smtClean="0"/>
-              <a:t>09/12/2025</a:t>
+              <a:t>11/12/2025</a:t>
             </a:fld>
             <a:endParaRPr lang="en-GB"/>
           </a:p>
@@ -3773,7 +3773,7 @@
           <a:p>
             <a:fld id="{55FA135A-769C-438D-9AC0-5CFB87EA78F4}" type="datetimeFigureOut">
               <a:rPr lang="en-GB" smtClean="0"/>
-              <a:t>09/12/2025</a:t>
+              <a:t>11/12/2025</a:t>
             </a:fld>
             <a:endParaRPr lang="en-GB"/>
           </a:p>
@@ -3915,7 +3915,7 @@
           <a:p>
             <a:fld id="{55FA135A-769C-438D-9AC0-5CFB87EA78F4}" type="datetimeFigureOut">
               <a:rPr lang="en-GB" smtClean="0"/>
-              <a:t>09/12/2025</a:t>
+              <a:t>11/12/2025</a:t>
             </a:fld>
             <a:endParaRPr lang="en-GB"/>
           </a:p>
@@ -4028,7 +4028,7 @@
           <a:p>
             <a:fld id="{55FA135A-769C-438D-9AC0-5CFB87EA78F4}" type="datetimeFigureOut">
               <a:rPr lang="en-GB" smtClean="0"/>
-              <a:t>09/12/2025</a:t>
+              <a:t>11/12/2025</a:t>
             </a:fld>
             <a:endParaRPr lang="en-GB"/>
           </a:p>
@@ -4341,7 +4341,7 @@
           <a:p>
             <a:fld id="{55FA135A-769C-438D-9AC0-5CFB87EA78F4}" type="datetimeFigureOut">
               <a:rPr lang="en-GB" smtClean="0"/>
-              <a:t>09/12/2025</a:t>
+              <a:t>11/12/2025</a:t>
             </a:fld>
             <a:endParaRPr lang="en-GB"/>
           </a:p>
@@ -4630,7 +4630,7 @@
           <a:p>
             <a:fld id="{55FA135A-769C-438D-9AC0-5CFB87EA78F4}" type="datetimeFigureOut">
               <a:rPr lang="en-GB" smtClean="0"/>
-              <a:t>09/12/2025</a:t>
+              <a:t>11/12/2025</a:t>
             </a:fld>
             <a:endParaRPr lang="en-GB"/>
           </a:p>
@@ -4873,7 +4873,7 @@
           <a:p>
             <a:fld id="{55FA135A-769C-438D-9AC0-5CFB87EA78F4}" type="datetimeFigureOut">
               <a:rPr lang="en-GB" smtClean="0"/>
-              <a:t>09/12/2025</a:t>
+              <a:t>11/12/2025</a:t>
             </a:fld>
             <a:endParaRPr lang="en-GB"/>
           </a:p>
@@ -11191,8 +11191,8 @@
         </p:nvSpPr>
         <p:spPr>
           <a:xfrm>
-            <a:off x="4851731" y="1806672"/>
-            <a:ext cx="2421176" cy="1661993"/>
+            <a:off x="4773345" y="1806672"/>
+            <a:ext cx="2577950" cy="1661993"/>
           </a:xfrm>
           <a:prstGeom prst="rect">
             <a:avLst/>
@@ -11215,7 +11215,7 @@
                   </a:schemeClr>
                 </a:solidFill>
               </a:rPr>
-              <a:t>REQUIRED</a:t>
+              <a:t>NEED NEXT</a:t>
             </a:r>
             <a:br>
               <a:rPr lang="en-GB" sz="3600" b="1" dirty="0">
@@ -11252,7 +11252,7 @@
         </p:nvCxnSpPr>
         <p:spPr>
           <a:xfrm>
-            <a:off x="1794687" y="5255574"/>
+            <a:off x="1794687" y="5087616"/>
             <a:ext cx="8592258" cy="0"/>
           </a:xfrm>
           <a:prstGeom prst="line">
@@ -11338,8 +11338,8 @@
         </p:nvSpPr>
         <p:spPr>
           <a:xfrm>
-            <a:off x="4816517" y="5294760"/>
-            <a:ext cx="2574253" cy="1569660"/>
+            <a:off x="4698521" y="3577924"/>
+            <a:ext cx="2793962" cy="1569660"/>
           </a:xfrm>
           <a:prstGeom prst="rect">
             <a:avLst/>
@@ -11362,7 +11362,7 @@
                   </a:schemeClr>
                 </a:solidFill>
               </a:rPr>
-              <a:t>FUEL CONF</a:t>
+              <a:t>FUEL DELTA</a:t>
             </a:r>
             <a:br>
               <a:rPr lang="en-GB" sz="3600" b="1" dirty="0">
@@ -11380,7 +11380,7 @@
                   <a:srgbClr val="FFFF00"/>
                 </a:solidFill>
               </a:rPr>
-              <a:t>70%</a:t>
+              <a:t>0.5</a:t>
             </a:r>
             <a:endParaRPr lang="en-GB" sz="3600" b="1" dirty="0">
               <a:solidFill>
@@ -11404,7 +11404,7 @@
         </p:nvSpPr>
         <p:spPr>
           <a:xfrm>
-            <a:off x="2363073" y="5290777"/>
+            <a:off x="2363073" y="3573941"/>
             <a:ext cx="1686160" cy="1569660"/>
           </a:xfrm>
           <a:prstGeom prst="rect">
@@ -11470,7 +11470,7 @@
         </p:nvSpPr>
         <p:spPr>
           <a:xfrm>
-            <a:off x="8152871" y="5294760"/>
+            <a:off x="8152871" y="3577924"/>
             <a:ext cx="1764892" cy="1569660"/>
           </a:xfrm>
           <a:prstGeom prst="rect">
@@ -11754,7 +11754,7 @@
                   </a:schemeClr>
                 </a:solidFill>
               </a:rPr>
-              <a:t>FUEL NOW</a:t>
+              <a:t>FUEL CONF</a:t>
             </a:r>
             <a:br>
               <a:rPr lang="en-GB" sz="3600" b="1" dirty="0">
@@ -11772,7 +11772,7 @@
                   <a:schemeClr val="bg1"/>
                 </a:solidFill>
               </a:rPr>
-              <a:t>20.5</a:t>
+              <a:t>75%</a:t>
             </a:r>
             <a:endParaRPr lang="en-GB" sz="3600" b="1" dirty="0">
               <a:solidFill>
@@ -11820,7 +11820,7 @@
                   </a:schemeClr>
                 </a:solidFill>
               </a:rPr>
-              <a:t>REQUESTED</a:t>
+              <a:t>MFD SET</a:t>
             </a:r>
             <a:br>
               <a:rPr lang="en-GB" sz="3600" b="1" dirty="0">
@@ -11870,7 +11870,7 @@
         </p:blipFill>
         <p:spPr>
           <a:xfrm>
-            <a:off x="1887476" y="3588533"/>
+            <a:off x="1887476" y="5193400"/>
             <a:ext cx="4951864" cy="1538368"/>
           </a:xfrm>
           <a:prstGeom prst="rect">
@@ -11901,7 +11901,7 @@
         </p:blipFill>
         <p:spPr>
           <a:xfrm>
-            <a:off x="6963703" y="3574310"/>
+            <a:off x="6963703" y="5179177"/>
             <a:ext cx="1629791" cy="1539693"/>
           </a:xfrm>
           <a:prstGeom prst="rect">
@@ -11931,7 +11931,7 @@
         </p:blipFill>
         <p:spPr>
           <a:xfrm>
-            <a:off x="8724965" y="3574310"/>
+            <a:off x="8724965" y="5179177"/>
             <a:ext cx="1530509" cy="1538277"/>
           </a:xfrm>
           <a:prstGeom prst="rect">
@@ -11953,7 +11953,7 @@
         </p:nvSpPr>
         <p:spPr>
           <a:xfrm>
-            <a:off x="8959062" y="3974841"/>
+            <a:off x="8959062" y="5579708"/>
             <a:ext cx="1062016" cy="737112"/>
           </a:xfrm>
           <a:prstGeom prst="rect">
@@ -12002,7 +12002,7 @@
         </p:nvSpPr>
         <p:spPr>
           <a:xfrm>
-            <a:off x="7308522" y="3870387"/>
+            <a:off x="7308522" y="5475254"/>
             <a:ext cx="958399" cy="934878"/>
           </a:xfrm>
           <a:prstGeom prst="rect">
@@ -12032,7 +12032,7 @@
             <a:pPr algn="ctr"/>
             <a:r>
               <a:rPr lang="en-GB" sz="2400" b="1" dirty="0"/>
-              <a:t>MAX</a:t>
+              <a:t>AUTO</a:t>
             </a:r>
           </a:p>
         </p:txBody>
